--- a/SSELaticeAttackFerrara.pptx
+++ b/SSELaticeAttackFerrara.pptx
@@ -4,24 +4,40 @@
   <p:sldMasterIdLst>
     <p:sldMasterId id="2147483648" r:id="rId1"/>
   </p:sldMasterIdLst>
+  <p:notesMasterIdLst>
+    <p:notesMasterId r:id="rId29"/>
+  </p:notesMasterIdLst>
+  <p:handoutMasterIdLst>
+    <p:handoutMasterId r:id="rId30"/>
+  </p:handoutMasterIdLst>
   <p:sldIdLst>
     <p:sldId id="256" r:id="rId2"/>
     <p:sldId id="257" r:id="rId3"/>
     <p:sldId id="261" r:id="rId4"/>
-    <p:sldId id="262" r:id="rId5"/>
-    <p:sldId id="263" r:id="rId6"/>
-    <p:sldId id="264" r:id="rId7"/>
-    <p:sldId id="259" r:id="rId8"/>
-    <p:sldId id="260" r:id="rId9"/>
-    <p:sldId id="265" r:id="rId10"/>
-    <p:sldId id="272" r:id="rId11"/>
-    <p:sldId id="258" r:id="rId12"/>
-    <p:sldId id="266" r:id="rId13"/>
-    <p:sldId id="267" r:id="rId14"/>
-    <p:sldId id="268" r:id="rId15"/>
-    <p:sldId id="269" r:id="rId16"/>
-    <p:sldId id="271" r:id="rId17"/>
-    <p:sldId id="270" r:id="rId18"/>
+    <p:sldId id="282" r:id="rId5"/>
+    <p:sldId id="283" r:id="rId6"/>
+    <p:sldId id="284" r:id="rId7"/>
+    <p:sldId id="262" r:id="rId8"/>
+    <p:sldId id="263" r:id="rId9"/>
+    <p:sldId id="264" r:id="rId10"/>
+    <p:sldId id="259" r:id="rId11"/>
+    <p:sldId id="260" r:id="rId12"/>
+    <p:sldId id="272" r:id="rId13"/>
+    <p:sldId id="275" r:id="rId14"/>
+    <p:sldId id="276" r:id="rId15"/>
+    <p:sldId id="285" r:id="rId16"/>
+    <p:sldId id="277" r:id="rId17"/>
+    <p:sldId id="279" r:id="rId18"/>
+    <p:sldId id="278" r:id="rId19"/>
+    <p:sldId id="266" r:id="rId20"/>
+    <p:sldId id="273" r:id="rId21"/>
+    <p:sldId id="267" r:id="rId22"/>
+    <p:sldId id="268" r:id="rId23"/>
+    <p:sldId id="280" r:id="rId24"/>
+    <p:sldId id="281" r:id="rId25"/>
+    <p:sldId id="269" r:id="rId26"/>
+    <p:sldId id="271" r:id="rId27"/>
+    <p:sldId id="270" r:id="rId28"/>
   </p:sldIdLst>
   <p:sldSz cx="12192000" cy="6858000"/>
   <p:notesSz cx="6858000" cy="9144000"/>
@@ -120,7 +136,551 @@
       </a:defRPr>
     </a:lvl9pPr>
   </p:defaultTextStyle>
+  <p:extLst>
+    <p:ext uri="{EFAFB233-063F-42B5-8137-9DF3F51BA10A}">
+      <p15:sldGuideLst xmlns:p15="http://schemas.microsoft.com/office/powerpoint/2012/main"/>
+    </p:ext>
+  </p:extLst>
 </p:presentation>
+</file>
+
+<file path=ppt/handoutMasters/handoutMaster1.xml><?xml version="1.0" encoding="utf-8"?>
+<p:handoutMaster xmlns:a="http://schemas.openxmlformats.org/drawingml/2006/main" xmlns:r="http://schemas.openxmlformats.org/officeDocument/2006/relationships" xmlns:p="http://schemas.openxmlformats.org/presentationml/2006/main">
+  <p:cSld>
+    <p:bg>
+      <p:bgRef idx="1001">
+        <a:schemeClr val="bg1"/>
+      </p:bgRef>
+    </p:bg>
+    <p:spTree>
+      <p:nvGrpSpPr>
+        <p:cNvPr id="1" name=""/>
+        <p:cNvGrpSpPr/>
+        <p:nvPr/>
+      </p:nvGrpSpPr>
+      <p:grpSpPr>
+        <a:xfrm>
+          <a:off x="0" y="0"/>
+          <a:ext cx="0" cy="0"/>
+          <a:chOff x="0" y="0"/>
+          <a:chExt cx="0" cy="0"/>
+        </a:xfrm>
+      </p:grpSpPr>
+      <p:sp>
+        <p:nvSpPr>
+          <p:cNvPr id="2" name="Espace réservé de l'en-tête 1">
+            <a:extLst>
+              <a:ext uri="{FF2B5EF4-FFF2-40B4-BE49-F238E27FC236}">
+                <a16:creationId xmlns:a16="http://schemas.microsoft.com/office/drawing/2014/main" id="{FF93BBB8-1316-817C-1C3F-5731F31B71E0}"/>
+              </a:ext>
+            </a:extLst>
+          </p:cNvPr>
+          <p:cNvSpPr>
+            <a:spLocks noGrp="1"/>
+          </p:cNvSpPr>
+          <p:nvPr>
+            <p:ph type="hdr" sz="quarter"/>
+          </p:nvPr>
+        </p:nvSpPr>
+        <p:spPr>
+          <a:xfrm>
+            <a:off x="0" y="0"/>
+            <a:ext cx="2971800" cy="458788"/>
+          </a:xfrm>
+          <a:prstGeom prst="rect">
+            <a:avLst/>
+          </a:prstGeom>
+        </p:spPr>
+        <p:txBody>
+          <a:bodyPr vert="horz" lIns="91440" tIns="45720" rIns="91440" bIns="45720" rtlCol="0"/>
+          <a:lstStyle>
+            <a:lvl1pPr algn="l">
+              <a:defRPr sz="1200"/>
+            </a:lvl1pPr>
+          </a:lstStyle>
+          <a:p>
+            <a:endParaRPr lang="fr-CH"/>
+          </a:p>
+        </p:txBody>
+      </p:sp>
+      <p:sp>
+        <p:nvSpPr>
+          <p:cNvPr id="3" name="Espace réservé de la date 2">
+            <a:extLst>
+              <a:ext uri="{FF2B5EF4-FFF2-40B4-BE49-F238E27FC236}">
+                <a16:creationId xmlns:a16="http://schemas.microsoft.com/office/drawing/2014/main" id="{ADB80240-DCDC-7516-D129-25EA5CE3770A}"/>
+              </a:ext>
+            </a:extLst>
+          </p:cNvPr>
+          <p:cNvSpPr>
+            <a:spLocks noGrp="1"/>
+          </p:cNvSpPr>
+          <p:nvPr>
+            <p:ph type="dt" sz="quarter" idx="1"/>
+          </p:nvPr>
+        </p:nvSpPr>
+        <p:spPr>
+          <a:xfrm>
+            <a:off x="3884613" y="0"/>
+            <a:ext cx="2971800" cy="458788"/>
+          </a:xfrm>
+          <a:prstGeom prst="rect">
+            <a:avLst/>
+          </a:prstGeom>
+        </p:spPr>
+        <p:txBody>
+          <a:bodyPr vert="horz" lIns="91440" tIns="45720" rIns="91440" bIns="45720" rtlCol="0"/>
+          <a:lstStyle>
+            <a:lvl1pPr algn="r">
+              <a:defRPr sz="1200"/>
+            </a:lvl1pPr>
+          </a:lstStyle>
+          <a:p>
+            <a:fld id="{E119955A-8F8B-4836-9D5D-75BC53B05DFA}" type="datetimeFigureOut">
+              <a:rPr lang="fr-CH" smtClean="0"/>
+              <a:t>13.03.2025</a:t>
+            </a:fld>
+            <a:endParaRPr lang="fr-CH"/>
+          </a:p>
+        </p:txBody>
+      </p:sp>
+      <p:sp>
+        <p:nvSpPr>
+          <p:cNvPr id="4" name="Espace réservé du pied de page 3">
+            <a:extLst>
+              <a:ext uri="{FF2B5EF4-FFF2-40B4-BE49-F238E27FC236}">
+                <a16:creationId xmlns:a16="http://schemas.microsoft.com/office/drawing/2014/main" id="{F31C49FB-102E-801B-9958-ED1D1F3B6557}"/>
+              </a:ext>
+            </a:extLst>
+          </p:cNvPr>
+          <p:cNvSpPr>
+            <a:spLocks noGrp="1"/>
+          </p:cNvSpPr>
+          <p:nvPr>
+            <p:ph type="ftr" sz="quarter" idx="2"/>
+          </p:nvPr>
+        </p:nvSpPr>
+        <p:spPr>
+          <a:xfrm>
+            <a:off x="0" y="8685213"/>
+            <a:ext cx="2971800" cy="458787"/>
+          </a:xfrm>
+          <a:prstGeom prst="rect">
+            <a:avLst/>
+          </a:prstGeom>
+        </p:spPr>
+        <p:txBody>
+          <a:bodyPr vert="horz" lIns="91440" tIns="45720" rIns="91440" bIns="45720" rtlCol="0" anchor="b"/>
+          <a:lstStyle>
+            <a:lvl1pPr algn="l">
+              <a:defRPr sz="1200"/>
+            </a:lvl1pPr>
+          </a:lstStyle>
+          <a:p>
+            <a:endParaRPr lang="fr-CH"/>
+          </a:p>
+        </p:txBody>
+      </p:sp>
+      <p:sp>
+        <p:nvSpPr>
+          <p:cNvPr id="5" name="Espace réservé du numéro de diapositive 4">
+            <a:extLst>
+              <a:ext uri="{FF2B5EF4-FFF2-40B4-BE49-F238E27FC236}">
+                <a16:creationId xmlns:a16="http://schemas.microsoft.com/office/drawing/2014/main" id="{1463868F-6108-94E7-AD12-E0B1967F9850}"/>
+              </a:ext>
+            </a:extLst>
+          </p:cNvPr>
+          <p:cNvSpPr>
+            <a:spLocks noGrp="1"/>
+          </p:cNvSpPr>
+          <p:nvPr>
+            <p:ph type="sldNum" sz="quarter" idx="3"/>
+          </p:nvPr>
+        </p:nvSpPr>
+        <p:spPr>
+          <a:xfrm>
+            <a:off x="3884613" y="8685213"/>
+            <a:ext cx="2971800" cy="458787"/>
+          </a:xfrm>
+          <a:prstGeom prst="rect">
+            <a:avLst/>
+          </a:prstGeom>
+        </p:spPr>
+        <p:txBody>
+          <a:bodyPr vert="horz" lIns="91440" tIns="45720" rIns="91440" bIns="45720" rtlCol="0" anchor="b"/>
+          <a:lstStyle>
+            <a:lvl1pPr algn="r">
+              <a:defRPr sz="1200"/>
+            </a:lvl1pPr>
+          </a:lstStyle>
+          <a:p>
+            <a:fld id="{A359D7F9-4487-4118-822F-ECBFDF2815ED}" type="slidenum">
+              <a:rPr lang="fr-CH" smtClean="0"/>
+              <a:t>‹N°›</a:t>
+            </a:fld>
+            <a:endParaRPr lang="fr-CH"/>
+          </a:p>
+        </p:txBody>
+      </p:sp>
+    </p:spTree>
+    <p:extLst>
+      <p:ext uri="{BB962C8B-B14F-4D97-AF65-F5344CB8AC3E}">
+        <p14:creationId xmlns:p14="http://schemas.microsoft.com/office/powerpoint/2010/main" val="1251470295"/>
+      </p:ext>
+    </p:extLst>
+  </p:cSld>
+  <p:clrMap bg1="lt1" tx1="dk1" bg2="lt2" tx2="dk2" accent1="accent1" accent2="accent2" accent3="accent3" accent4="accent4" accent5="accent5" accent6="accent6" hlink="hlink" folHlink="folHlink"/>
+</p:handoutMaster>
+</file>
+
+<file path=ppt/notesMasters/notesMaster1.xml><?xml version="1.0" encoding="utf-8"?>
+<p:notesMaster xmlns:a="http://schemas.openxmlformats.org/drawingml/2006/main" xmlns:r="http://schemas.openxmlformats.org/officeDocument/2006/relationships" xmlns:p="http://schemas.openxmlformats.org/presentationml/2006/main">
+  <p:cSld>
+    <p:bg>
+      <p:bgRef idx="1001">
+        <a:schemeClr val="bg1"/>
+      </p:bgRef>
+    </p:bg>
+    <p:spTree>
+      <p:nvGrpSpPr>
+        <p:cNvPr id="1" name=""/>
+        <p:cNvGrpSpPr/>
+        <p:nvPr/>
+      </p:nvGrpSpPr>
+      <p:grpSpPr>
+        <a:xfrm>
+          <a:off x="0" y="0"/>
+          <a:ext cx="0" cy="0"/>
+          <a:chOff x="0" y="0"/>
+          <a:chExt cx="0" cy="0"/>
+        </a:xfrm>
+      </p:grpSpPr>
+      <p:sp>
+        <p:nvSpPr>
+          <p:cNvPr id="2" name="Espace réservé de l'en-tête 1"/>
+          <p:cNvSpPr>
+            <a:spLocks noGrp="1"/>
+          </p:cNvSpPr>
+          <p:nvPr>
+            <p:ph type="hdr" sz="quarter"/>
+          </p:nvPr>
+        </p:nvSpPr>
+        <p:spPr>
+          <a:xfrm>
+            <a:off x="0" y="0"/>
+            <a:ext cx="2971800" cy="458788"/>
+          </a:xfrm>
+          <a:prstGeom prst="rect">
+            <a:avLst/>
+          </a:prstGeom>
+        </p:spPr>
+        <p:txBody>
+          <a:bodyPr vert="horz" lIns="91440" tIns="45720" rIns="91440" bIns="45720" rtlCol="0"/>
+          <a:lstStyle>
+            <a:lvl1pPr algn="l">
+              <a:defRPr sz="1200"/>
+            </a:lvl1pPr>
+          </a:lstStyle>
+          <a:p>
+            <a:endParaRPr lang="fr-CH"/>
+          </a:p>
+        </p:txBody>
+      </p:sp>
+      <p:sp>
+        <p:nvSpPr>
+          <p:cNvPr id="3" name="Espace réservé de la date 2"/>
+          <p:cNvSpPr>
+            <a:spLocks noGrp="1"/>
+          </p:cNvSpPr>
+          <p:nvPr>
+            <p:ph type="dt" idx="1"/>
+          </p:nvPr>
+        </p:nvSpPr>
+        <p:spPr>
+          <a:xfrm>
+            <a:off x="3884613" y="0"/>
+            <a:ext cx="2971800" cy="458788"/>
+          </a:xfrm>
+          <a:prstGeom prst="rect">
+            <a:avLst/>
+          </a:prstGeom>
+        </p:spPr>
+        <p:txBody>
+          <a:bodyPr vert="horz" lIns="91440" tIns="45720" rIns="91440" bIns="45720" rtlCol="0"/>
+          <a:lstStyle>
+            <a:lvl1pPr algn="r">
+              <a:defRPr sz="1200"/>
+            </a:lvl1pPr>
+          </a:lstStyle>
+          <a:p>
+            <a:fld id="{4B7F84FC-00BA-4296-9B1E-E241E38FBA94}" type="datetimeFigureOut">
+              <a:rPr lang="fr-CH" smtClean="0"/>
+              <a:t>13.03.2025</a:t>
+            </a:fld>
+            <a:endParaRPr lang="fr-CH"/>
+          </a:p>
+        </p:txBody>
+      </p:sp>
+      <p:sp>
+        <p:nvSpPr>
+          <p:cNvPr id="4" name="Espace réservé de l'image des diapositives 3"/>
+          <p:cNvSpPr>
+            <a:spLocks noGrp="1" noRot="1" noChangeAspect="1"/>
+          </p:cNvSpPr>
+          <p:nvPr>
+            <p:ph type="sldImg" idx="2"/>
+          </p:nvPr>
+        </p:nvSpPr>
+        <p:spPr>
+          <a:xfrm>
+            <a:off x="685800" y="1143000"/>
+            <a:ext cx="5486400" cy="3086100"/>
+          </a:xfrm>
+          <a:prstGeom prst="rect">
+            <a:avLst/>
+          </a:prstGeom>
+          <a:noFill/>
+          <a:ln w="12700">
+            <a:solidFill>
+              <a:prstClr val="black"/>
+            </a:solidFill>
+          </a:ln>
+        </p:spPr>
+        <p:txBody>
+          <a:bodyPr vert="horz" lIns="91440" tIns="45720" rIns="91440" bIns="45720" rtlCol="0" anchor="ctr"/>
+          <a:lstStyle/>
+          <a:p>
+            <a:endParaRPr lang="fr-CH"/>
+          </a:p>
+        </p:txBody>
+      </p:sp>
+      <p:sp>
+        <p:nvSpPr>
+          <p:cNvPr id="5" name="Espace réservé des notes 4"/>
+          <p:cNvSpPr>
+            <a:spLocks noGrp="1"/>
+          </p:cNvSpPr>
+          <p:nvPr>
+            <p:ph type="body" sz="quarter" idx="3"/>
+          </p:nvPr>
+        </p:nvSpPr>
+        <p:spPr>
+          <a:xfrm>
+            <a:off x="685800" y="4400550"/>
+            <a:ext cx="5486400" cy="3600450"/>
+          </a:xfrm>
+          <a:prstGeom prst="rect">
+            <a:avLst/>
+          </a:prstGeom>
+        </p:spPr>
+        <p:txBody>
+          <a:bodyPr vert="horz" lIns="91440" tIns="45720" rIns="91440" bIns="45720" rtlCol="0"/>
+          <a:lstStyle/>
+          <a:p>
+            <a:pPr lvl="0"/>
+            <a:r>
+              <a:rPr lang="fr-FR"/>
+              <a:t>Cliquez pour modifier les styles du texte du masque</a:t>
+            </a:r>
+          </a:p>
+          <a:p>
+            <a:pPr lvl="1"/>
+            <a:r>
+              <a:rPr lang="fr-FR"/>
+              <a:t>Deuxième niveau</a:t>
+            </a:r>
+          </a:p>
+          <a:p>
+            <a:pPr lvl="2"/>
+            <a:r>
+              <a:rPr lang="fr-FR"/>
+              <a:t>Troisième niveau</a:t>
+            </a:r>
+          </a:p>
+          <a:p>
+            <a:pPr lvl="3"/>
+            <a:r>
+              <a:rPr lang="fr-FR"/>
+              <a:t>Quatrième niveau</a:t>
+            </a:r>
+          </a:p>
+          <a:p>
+            <a:pPr lvl="4"/>
+            <a:r>
+              <a:rPr lang="fr-FR"/>
+              <a:t>Cinquième niveau</a:t>
+            </a:r>
+            <a:endParaRPr lang="fr-CH"/>
+          </a:p>
+        </p:txBody>
+      </p:sp>
+      <p:sp>
+        <p:nvSpPr>
+          <p:cNvPr id="6" name="Espace réservé du pied de page 5"/>
+          <p:cNvSpPr>
+            <a:spLocks noGrp="1"/>
+          </p:cNvSpPr>
+          <p:nvPr>
+            <p:ph type="ftr" sz="quarter" idx="4"/>
+          </p:nvPr>
+        </p:nvSpPr>
+        <p:spPr>
+          <a:xfrm>
+            <a:off x="0" y="8685213"/>
+            <a:ext cx="2971800" cy="458787"/>
+          </a:xfrm>
+          <a:prstGeom prst="rect">
+            <a:avLst/>
+          </a:prstGeom>
+        </p:spPr>
+        <p:txBody>
+          <a:bodyPr vert="horz" lIns="91440" tIns="45720" rIns="91440" bIns="45720" rtlCol="0" anchor="b"/>
+          <a:lstStyle>
+            <a:lvl1pPr algn="l">
+              <a:defRPr sz="1200"/>
+            </a:lvl1pPr>
+          </a:lstStyle>
+          <a:p>
+            <a:endParaRPr lang="fr-CH"/>
+          </a:p>
+        </p:txBody>
+      </p:sp>
+      <p:sp>
+        <p:nvSpPr>
+          <p:cNvPr id="7" name="Espace réservé du numéro de diapositive 6"/>
+          <p:cNvSpPr>
+            <a:spLocks noGrp="1"/>
+          </p:cNvSpPr>
+          <p:nvPr>
+            <p:ph type="sldNum" sz="quarter" idx="5"/>
+          </p:nvPr>
+        </p:nvSpPr>
+        <p:spPr>
+          <a:xfrm>
+            <a:off x="3884613" y="8685213"/>
+            <a:ext cx="2971800" cy="458787"/>
+          </a:xfrm>
+          <a:prstGeom prst="rect">
+            <a:avLst/>
+          </a:prstGeom>
+        </p:spPr>
+        <p:txBody>
+          <a:bodyPr vert="horz" lIns="91440" tIns="45720" rIns="91440" bIns="45720" rtlCol="0" anchor="b"/>
+          <a:lstStyle>
+            <a:lvl1pPr algn="r">
+              <a:defRPr sz="1200"/>
+            </a:lvl1pPr>
+          </a:lstStyle>
+          <a:p>
+            <a:fld id="{AB99ADB5-010F-40A1-986F-327E4781DD7E}" type="slidenum">
+              <a:rPr lang="fr-CH" smtClean="0"/>
+              <a:t>‹N°›</a:t>
+            </a:fld>
+            <a:endParaRPr lang="fr-CH"/>
+          </a:p>
+        </p:txBody>
+      </p:sp>
+    </p:spTree>
+    <p:extLst>
+      <p:ext uri="{BB962C8B-B14F-4D97-AF65-F5344CB8AC3E}">
+        <p14:creationId xmlns:p14="http://schemas.microsoft.com/office/powerpoint/2010/main" val="199640936"/>
+      </p:ext>
+    </p:extLst>
+  </p:cSld>
+  <p:clrMap bg1="lt1" tx1="dk1" bg2="lt2" tx2="dk2" accent1="accent1" accent2="accent2" accent3="accent3" accent4="accent4" accent5="accent5" accent6="accent6" hlink="hlink" folHlink="folHlink"/>
+  <p:notesStyle>
+    <a:lvl1pPr marL="0" algn="l" defTabSz="914400" rtl="0" eaLnBrk="1" latinLnBrk="0" hangingPunct="1">
+      <a:defRPr sz="1200" kern="1200">
+        <a:solidFill>
+          <a:schemeClr val="tx1"/>
+        </a:solidFill>
+        <a:latin typeface="+mn-lt"/>
+        <a:ea typeface="+mn-ea"/>
+        <a:cs typeface="+mn-cs"/>
+      </a:defRPr>
+    </a:lvl1pPr>
+    <a:lvl2pPr marL="457200" algn="l" defTabSz="914400" rtl="0" eaLnBrk="1" latinLnBrk="0" hangingPunct="1">
+      <a:defRPr sz="1200" kern="1200">
+        <a:solidFill>
+          <a:schemeClr val="tx1"/>
+        </a:solidFill>
+        <a:latin typeface="+mn-lt"/>
+        <a:ea typeface="+mn-ea"/>
+        <a:cs typeface="+mn-cs"/>
+      </a:defRPr>
+    </a:lvl2pPr>
+    <a:lvl3pPr marL="914400" algn="l" defTabSz="914400" rtl="0" eaLnBrk="1" latinLnBrk="0" hangingPunct="1">
+      <a:defRPr sz="1200" kern="1200">
+        <a:solidFill>
+          <a:schemeClr val="tx1"/>
+        </a:solidFill>
+        <a:latin typeface="+mn-lt"/>
+        <a:ea typeface="+mn-ea"/>
+        <a:cs typeface="+mn-cs"/>
+      </a:defRPr>
+    </a:lvl3pPr>
+    <a:lvl4pPr marL="1371600" algn="l" defTabSz="914400" rtl="0" eaLnBrk="1" latinLnBrk="0" hangingPunct="1">
+      <a:defRPr sz="1200" kern="1200">
+        <a:solidFill>
+          <a:schemeClr val="tx1"/>
+        </a:solidFill>
+        <a:latin typeface="+mn-lt"/>
+        <a:ea typeface="+mn-ea"/>
+        <a:cs typeface="+mn-cs"/>
+      </a:defRPr>
+    </a:lvl4pPr>
+    <a:lvl5pPr marL="1828800" algn="l" defTabSz="914400" rtl="0" eaLnBrk="1" latinLnBrk="0" hangingPunct="1">
+      <a:defRPr sz="1200" kern="1200">
+        <a:solidFill>
+          <a:schemeClr val="tx1"/>
+        </a:solidFill>
+        <a:latin typeface="+mn-lt"/>
+        <a:ea typeface="+mn-ea"/>
+        <a:cs typeface="+mn-cs"/>
+      </a:defRPr>
+    </a:lvl5pPr>
+    <a:lvl6pPr marL="2286000" algn="l" defTabSz="914400" rtl="0" eaLnBrk="1" latinLnBrk="0" hangingPunct="1">
+      <a:defRPr sz="1200" kern="1200">
+        <a:solidFill>
+          <a:schemeClr val="tx1"/>
+        </a:solidFill>
+        <a:latin typeface="+mn-lt"/>
+        <a:ea typeface="+mn-ea"/>
+        <a:cs typeface="+mn-cs"/>
+      </a:defRPr>
+    </a:lvl6pPr>
+    <a:lvl7pPr marL="2743200" algn="l" defTabSz="914400" rtl="0" eaLnBrk="1" latinLnBrk="0" hangingPunct="1">
+      <a:defRPr sz="1200" kern="1200">
+        <a:solidFill>
+          <a:schemeClr val="tx1"/>
+        </a:solidFill>
+        <a:latin typeface="+mn-lt"/>
+        <a:ea typeface="+mn-ea"/>
+        <a:cs typeface="+mn-cs"/>
+      </a:defRPr>
+    </a:lvl7pPr>
+    <a:lvl8pPr marL="3200400" algn="l" defTabSz="914400" rtl="0" eaLnBrk="1" latinLnBrk="0" hangingPunct="1">
+      <a:defRPr sz="1200" kern="1200">
+        <a:solidFill>
+          <a:schemeClr val="tx1"/>
+        </a:solidFill>
+        <a:latin typeface="+mn-lt"/>
+        <a:ea typeface="+mn-ea"/>
+        <a:cs typeface="+mn-cs"/>
+      </a:defRPr>
+    </a:lvl8pPr>
+    <a:lvl9pPr marL="3657600" algn="l" defTabSz="914400" rtl="0" eaLnBrk="1" latinLnBrk="0" hangingPunct="1">
+      <a:defRPr sz="1200" kern="1200">
+        <a:solidFill>
+          <a:schemeClr val="tx1"/>
+        </a:solidFill>
+        <a:latin typeface="+mn-lt"/>
+        <a:ea typeface="+mn-ea"/>
+        <a:cs typeface="+mn-cs"/>
+      </a:defRPr>
+    </a:lvl9pPr>
+  </p:notesStyle>
+</p:notesMaster>
 </file>
 
 <file path=ppt/slideLayouts/slideLayout1.xml><?xml version="1.0" encoding="utf-8"?>
@@ -272,7 +832,7 @@
           <a:p>
             <a:fld id="{F57DD76F-4C7B-46A7-B9DC-35AD90C344BA}" type="datetimeFigureOut">
               <a:rPr lang="fr-CH" smtClean="0"/>
-              <a:t>27.02.2025</a:t>
+              <a:t>13.03.2025</a:t>
             </a:fld>
             <a:endParaRPr lang="fr-CH"/>
           </a:p>
@@ -472,7 +1032,7 @@
           <a:p>
             <a:fld id="{F57DD76F-4C7B-46A7-B9DC-35AD90C344BA}" type="datetimeFigureOut">
               <a:rPr lang="fr-CH" smtClean="0"/>
-              <a:t>27.02.2025</a:t>
+              <a:t>13.03.2025</a:t>
             </a:fld>
             <a:endParaRPr lang="fr-CH"/>
           </a:p>
@@ -682,7 +1242,7 @@
           <a:p>
             <a:fld id="{F57DD76F-4C7B-46A7-B9DC-35AD90C344BA}" type="datetimeFigureOut">
               <a:rPr lang="fr-CH" smtClean="0"/>
-              <a:t>27.02.2025</a:t>
+              <a:t>13.03.2025</a:t>
             </a:fld>
             <a:endParaRPr lang="fr-CH"/>
           </a:p>
@@ -882,7 +1442,7 @@
           <a:p>
             <a:fld id="{F57DD76F-4C7B-46A7-B9DC-35AD90C344BA}" type="datetimeFigureOut">
               <a:rPr lang="fr-CH" smtClean="0"/>
-              <a:t>27.02.2025</a:t>
+              <a:t>13.03.2025</a:t>
             </a:fld>
             <a:endParaRPr lang="fr-CH"/>
           </a:p>
@@ -1158,7 +1718,7 @@
           <a:p>
             <a:fld id="{F57DD76F-4C7B-46A7-B9DC-35AD90C344BA}" type="datetimeFigureOut">
               <a:rPr lang="fr-CH" smtClean="0"/>
-              <a:t>27.02.2025</a:t>
+              <a:t>13.03.2025</a:t>
             </a:fld>
             <a:endParaRPr lang="fr-CH"/>
           </a:p>
@@ -1426,7 +1986,7 @@
           <a:p>
             <a:fld id="{F57DD76F-4C7B-46A7-B9DC-35AD90C344BA}" type="datetimeFigureOut">
               <a:rPr lang="fr-CH" smtClean="0"/>
-              <a:t>27.02.2025</a:t>
+              <a:t>13.03.2025</a:t>
             </a:fld>
             <a:endParaRPr lang="fr-CH"/>
           </a:p>
@@ -1841,7 +2401,7 @@
           <a:p>
             <a:fld id="{F57DD76F-4C7B-46A7-B9DC-35AD90C344BA}" type="datetimeFigureOut">
               <a:rPr lang="fr-CH" smtClean="0"/>
-              <a:t>27.02.2025</a:t>
+              <a:t>13.03.2025</a:t>
             </a:fld>
             <a:endParaRPr lang="fr-CH"/>
           </a:p>
@@ -1983,7 +2543,7 @@
           <a:p>
             <a:fld id="{F57DD76F-4C7B-46A7-B9DC-35AD90C344BA}" type="datetimeFigureOut">
               <a:rPr lang="fr-CH" smtClean="0"/>
-              <a:t>27.02.2025</a:t>
+              <a:t>13.03.2025</a:t>
             </a:fld>
             <a:endParaRPr lang="fr-CH"/>
           </a:p>
@@ -2096,7 +2656,7 @@
           <a:p>
             <a:fld id="{F57DD76F-4C7B-46A7-B9DC-35AD90C344BA}" type="datetimeFigureOut">
               <a:rPr lang="fr-CH" smtClean="0"/>
-              <a:t>27.02.2025</a:t>
+              <a:t>13.03.2025</a:t>
             </a:fld>
             <a:endParaRPr lang="fr-CH"/>
           </a:p>
@@ -2409,7 +2969,7 @@
           <a:p>
             <a:fld id="{F57DD76F-4C7B-46A7-B9DC-35AD90C344BA}" type="datetimeFigureOut">
               <a:rPr lang="fr-CH" smtClean="0"/>
-              <a:t>27.02.2025</a:t>
+              <a:t>13.03.2025</a:t>
             </a:fld>
             <a:endParaRPr lang="fr-CH"/>
           </a:p>
@@ -2698,7 +3258,7 @@
           <a:p>
             <a:fld id="{F57DD76F-4C7B-46A7-B9DC-35AD90C344BA}" type="datetimeFigureOut">
               <a:rPr lang="fr-CH" smtClean="0"/>
-              <a:t>27.02.2025</a:t>
+              <a:t>13.03.2025</a:t>
             </a:fld>
             <a:endParaRPr lang="fr-CH"/>
           </a:p>
@@ -2941,7 +3501,7 @@
           <a:p>
             <a:fld id="{F57DD76F-4C7B-46A7-B9DC-35AD90C344BA}" type="datetimeFigureOut">
               <a:rPr lang="fr-CH" smtClean="0"/>
-              <a:t>27.02.2025</a:t>
+              <a:t>13.03.2025</a:t>
             </a:fld>
             <a:endParaRPr lang="fr-CH"/>
           </a:p>
@@ -3437,1222 +3997,6 @@
   <p:cSld>
     <p:spTree>
       <p:nvGrpSpPr>
-        <p:cNvPr id="1" name="">
-          <a:extLst>
-            <a:ext uri="{FF2B5EF4-FFF2-40B4-BE49-F238E27FC236}">
-              <a16:creationId xmlns:a16="http://schemas.microsoft.com/office/drawing/2014/main" id="{36E98B6B-7C4C-0CE9-54BC-9E8CC494E2E6}"/>
-            </a:ext>
-          </a:extLst>
-        </p:cNvPr>
-        <p:cNvGrpSpPr/>
-        <p:nvPr/>
-      </p:nvGrpSpPr>
-      <p:grpSpPr>
-        <a:xfrm>
-          <a:off x="0" y="0"/>
-          <a:ext cx="0" cy="0"/>
-          <a:chOff x="0" y="0"/>
-          <a:chExt cx="0" cy="0"/>
-        </a:xfrm>
-      </p:grpSpPr>
-      <p:sp>
-        <p:nvSpPr>
-          <p:cNvPr id="2" name="Titre 1">
-            <a:extLst>
-              <a:ext uri="{FF2B5EF4-FFF2-40B4-BE49-F238E27FC236}">
-                <a16:creationId xmlns:a16="http://schemas.microsoft.com/office/drawing/2014/main" id="{8B6E406F-A37C-6192-BF29-EE619FCC2791}"/>
-              </a:ext>
-            </a:extLst>
-          </p:cNvPr>
-          <p:cNvSpPr>
-            <a:spLocks noGrp="1"/>
-          </p:cNvSpPr>
-          <p:nvPr>
-            <p:ph type="title"/>
-          </p:nvPr>
-        </p:nvSpPr>
-        <p:spPr/>
-        <p:txBody>
-          <a:bodyPr/>
-          <a:lstStyle/>
-          <a:p>
-            <a:r>
-              <a:rPr lang="fr-CH" dirty="0"/>
-              <a:t>Expression du </a:t>
-            </a:r>
-            <a:r>
-              <a:rPr lang="fr-CH" dirty="0" err="1"/>
-              <a:t>padding</a:t>
-            </a:r>
-            <a:endParaRPr lang="fr-CH" dirty="0"/>
-          </a:p>
-        </p:txBody>
-      </p:sp>
-      <mc:AlternateContent xmlns:mc="http://schemas.openxmlformats.org/markup-compatibility/2006">
-        <mc:Choice xmlns:a14="http://schemas.microsoft.com/office/drawing/2010/main" Requires="a14">
-          <p:sp>
-            <p:nvSpPr>
-              <p:cNvPr id="3" name="Espace réservé du contenu 2">
-                <a:extLst>
-                  <a:ext uri="{FF2B5EF4-FFF2-40B4-BE49-F238E27FC236}">
-                    <a16:creationId xmlns:a16="http://schemas.microsoft.com/office/drawing/2014/main" id="{AF4D9648-7971-1963-1C8A-CE53B7C9FC1D}"/>
-                  </a:ext>
-                </a:extLst>
-              </p:cNvPr>
-              <p:cNvSpPr>
-                <a:spLocks noGrp="1"/>
-              </p:cNvSpPr>
-              <p:nvPr>
-                <p:ph idx="1"/>
-              </p:nvPr>
-            </p:nvSpPr>
-            <p:spPr/>
-            <p:txBody>
-              <a:bodyPr/>
-              <a:lstStyle/>
-              <a:p>
-                <a:r>
-                  <a:rPr lang="fr-CH" dirty="0"/>
-                  <a:t> PKCS#1 V1.5</a:t>
-                </a:r>
-                <a:endParaRPr lang="en-GB" b="0" i="1" dirty="0">
-                  <a:latin typeface="Cambria Math" panose="02040503050406030204" pitchFamily="18" charset="0"/>
-                </a:endParaRPr>
-              </a:p>
-              <a:p>
-                <a:pPr marL="0" indent="0">
-                  <a:buNone/>
-                </a:pPr>
-                <a14:m>
-                  <m:oMathPara xmlns:m="http://schemas.openxmlformats.org/officeDocument/2006/math">
-                    <m:oMathParaPr>
-                      <m:jc m:val="centerGroup"/>
-                    </m:oMathParaPr>
-                    <m:oMath xmlns:m="http://schemas.openxmlformats.org/officeDocument/2006/math">
-                      <m:r>
-                        <a:rPr lang="en-GB" b="0" i="1" smtClean="0">
-                          <a:latin typeface="Cambria Math" panose="02040503050406030204" pitchFamily="18" charset="0"/>
-                        </a:rPr>
-                        <m:t>𝑎</m:t>
-                      </m:r>
-                      <m:r>
-                        <a:rPr lang="en-GB" b="0" i="1" smtClean="0">
-                          <a:latin typeface="Cambria Math" panose="02040503050406030204" pitchFamily="18" charset="0"/>
-                        </a:rPr>
-                        <m:t>+</m:t>
-                      </m:r>
-                      <m:r>
-                        <a:rPr lang="en-GB" b="0" i="1" smtClean="0">
-                          <a:latin typeface="Cambria Math" panose="02040503050406030204" pitchFamily="18" charset="0"/>
-                        </a:rPr>
-                        <m:t>𝑥</m:t>
-                      </m:r>
-                    </m:oMath>
-                  </m:oMathPara>
-                </a14:m>
-                <a:endParaRPr lang="fr-CH" dirty="0"/>
-              </a:p>
-              <a:p>
-                <a:r>
-                  <a:rPr lang="fr-CH" i="1" dirty="0">
-                    <a:latin typeface="Cambria Math" panose="02040503050406030204" pitchFamily="18" charset="0"/>
-                    <a:ea typeface="Cambria Math" panose="02040503050406030204" pitchFamily="18" charset="0"/>
-                  </a:rPr>
-                  <a:t>a</a:t>
-                </a:r>
-                <a:r>
-                  <a:rPr lang="fr-CH" dirty="0"/>
-                  <a:t> connu</a:t>
-                </a:r>
-              </a:p>
-              <a:p>
-                <a:r>
-                  <a:rPr lang="fr-CH" i="1" dirty="0">
-                    <a:latin typeface="Cambria Math" panose="02040503050406030204" pitchFamily="18" charset="0"/>
-                    <a:ea typeface="Cambria Math" panose="02040503050406030204" pitchFamily="18" charset="0"/>
-                  </a:rPr>
-                  <a:t>x</a:t>
-                </a:r>
-                <a:r>
-                  <a:rPr lang="fr-CH" dirty="0"/>
-                  <a:t> inconnu</a:t>
-                </a:r>
-              </a:p>
-            </p:txBody>
-          </p:sp>
-        </mc:Choice>
-        <mc:Fallback>
-          <p:sp>
-            <p:nvSpPr>
-              <p:cNvPr id="3" name="Espace réservé du contenu 2">
-                <a:extLst>
-                  <a:ext uri="{FF2B5EF4-FFF2-40B4-BE49-F238E27FC236}">
-                    <a16:creationId xmlns:a16="http://schemas.microsoft.com/office/drawing/2014/main" id="{AF4D9648-7971-1963-1C8A-CE53B7C9FC1D}"/>
-                  </a:ext>
-                </a:extLst>
-              </p:cNvPr>
-              <p:cNvSpPr>
-                <a:spLocks noGrp="1" noRot="1" noChangeAspect="1" noMove="1" noResize="1" noEditPoints="1" noAdjustHandles="1" noChangeArrowheads="1" noChangeShapeType="1" noTextEdit="1"/>
-              </p:cNvSpPr>
-              <p:nvPr>
-                <p:ph idx="1"/>
-              </p:nvPr>
-            </p:nvSpPr>
-            <p:spPr>
-              <a:blipFill>
-                <a:blip r:embed="rId2"/>
-                <a:stretch>
-                  <a:fillRect l="-1043" t="-2381"/>
-                </a:stretch>
-              </a:blipFill>
-            </p:spPr>
-            <p:txBody>
-              <a:bodyPr/>
-              <a:lstStyle/>
-              <a:p>
-                <a:r>
-                  <a:rPr lang="fr-CH">
-                    <a:noFill/>
-                  </a:rPr>
-                  <a:t> </a:t>
-                </a:r>
-              </a:p>
-            </p:txBody>
-          </p:sp>
-        </mc:Fallback>
-      </mc:AlternateContent>
-    </p:spTree>
-    <p:extLst>
-      <p:ext uri="{BB962C8B-B14F-4D97-AF65-F5344CB8AC3E}">
-        <p14:creationId xmlns:p14="http://schemas.microsoft.com/office/powerpoint/2010/main" val="526755499"/>
-      </p:ext>
-    </p:extLst>
-  </p:cSld>
-  <p:clrMapOvr>
-    <a:masterClrMapping/>
-  </p:clrMapOvr>
-</p:sld>
-</file>
-
-<file path=ppt/slides/slide11.xml><?xml version="1.0" encoding="utf-8"?>
-<p:sld xmlns:a="http://schemas.openxmlformats.org/drawingml/2006/main" xmlns:r="http://schemas.openxmlformats.org/officeDocument/2006/relationships" xmlns:p="http://schemas.openxmlformats.org/presentationml/2006/main">
-  <p:cSld>
-    <p:spTree>
-      <p:nvGrpSpPr>
-        <p:cNvPr id="1" name=""/>
-        <p:cNvGrpSpPr/>
-        <p:nvPr/>
-      </p:nvGrpSpPr>
-      <p:grpSpPr>
-        <a:xfrm>
-          <a:off x="0" y="0"/>
-          <a:ext cx="0" cy="0"/>
-          <a:chOff x="0" y="0"/>
-          <a:chExt cx="0" cy="0"/>
-        </a:xfrm>
-      </p:grpSpPr>
-      <p:sp>
-        <p:nvSpPr>
-          <p:cNvPr id="2" name="Titre 1">
-            <a:extLst>
-              <a:ext uri="{FF2B5EF4-FFF2-40B4-BE49-F238E27FC236}">
-                <a16:creationId xmlns:a16="http://schemas.microsoft.com/office/drawing/2014/main" id="{6F57DA90-1D25-BD07-C126-F5D6964EB3DF}"/>
-              </a:ext>
-            </a:extLst>
-          </p:cNvPr>
-          <p:cNvSpPr>
-            <a:spLocks noGrp="1"/>
-          </p:cNvSpPr>
-          <p:nvPr>
-            <p:ph type="title"/>
-          </p:nvPr>
-        </p:nvSpPr>
-        <p:spPr/>
-        <p:txBody>
-          <a:bodyPr/>
-          <a:lstStyle/>
-          <a:p>
-            <a:r>
-              <a:rPr lang="fr-CH" dirty="0"/>
-              <a:t>Cassez la construction</a:t>
-            </a:r>
-          </a:p>
-        </p:txBody>
-      </p:sp>
-      <p:sp>
-        <p:nvSpPr>
-          <p:cNvPr id="5" name="Espace réservé du contenu 4">
-            <a:extLst>
-              <a:ext uri="{FF2B5EF4-FFF2-40B4-BE49-F238E27FC236}">
-                <a16:creationId xmlns:a16="http://schemas.microsoft.com/office/drawing/2014/main" id="{C9E3CDE7-2647-228A-FF27-1DC1B940821E}"/>
-              </a:ext>
-            </a:extLst>
-          </p:cNvPr>
-          <p:cNvSpPr>
-            <a:spLocks noGrp="1"/>
-          </p:cNvSpPr>
-          <p:nvPr>
-            <p:ph idx="1"/>
-          </p:nvPr>
-        </p:nvSpPr>
-        <p:spPr/>
-        <p:txBody>
-          <a:bodyPr/>
-          <a:lstStyle/>
-          <a:p>
-            <a:endParaRPr lang="fr-CH" dirty="0"/>
-          </a:p>
-        </p:txBody>
-      </p:sp>
-    </p:spTree>
-    <p:extLst>
-      <p:ext uri="{BB962C8B-B14F-4D97-AF65-F5344CB8AC3E}">
-        <p14:creationId xmlns:p14="http://schemas.microsoft.com/office/powerpoint/2010/main" val="1102444982"/>
-      </p:ext>
-    </p:extLst>
-  </p:cSld>
-  <p:clrMapOvr>
-    <a:masterClrMapping/>
-  </p:clrMapOvr>
-</p:sld>
-</file>
-
-<file path=ppt/slides/slide12.xml><?xml version="1.0" encoding="utf-8"?>
-<p:sld xmlns:a="http://schemas.openxmlformats.org/drawingml/2006/main" xmlns:r="http://schemas.openxmlformats.org/officeDocument/2006/relationships" xmlns:p="http://schemas.openxmlformats.org/presentationml/2006/main">
-  <p:cSld>
-    <p:spTree>
-      <p:nvGrpSpPr>
-        <p:cNvPr id="1" name=""/>
-        <p:cNvGrpSpPr/>
-        <p:nvPr/>
-      </p:nvGrpSpPr>
-      <p:grpSpPr>
-        <a:xfrm>
-          <a:off x="0" y="0"/>
-          <a:ext cx="0" cy="0"/>
-          <a:chOff x="0" y="0"/>
-          <a:chExt cx="0" cy="0"/>
-        </a:xfrm>
-      </p:grpSpPr>
-      <p:sp>
-        <p:nvSpPr>
-          <p:cNvPr id="2" name="Titre 1">
-            <a:extLst>
-              <a:ext uri="{FF2B5EF4-FFF2-40B4-BE49-F238E27FC236}">
-                <a16:creationId xmlns:a16="http://schemas.microsoft.com/office/drawing/2014/main" id="{2DFB1A53-BF83-8F4E-093E-9638CE6B577A}"/>
-              </a:ext>
-            </a:extLst>
-          </p:cNvPr>
-          <p:cNvSpPr>
-            <a:spLocks noGrp="1"/>
-          </p:cNvSpPr>
-          <p:nvPr>
-            <p:ph type="title"/>
-          </p:nvPr>
-        </p:nvSpPr>
-        <p:spPr/>
-        <p:txBody>
-          <a:bodyPr/>
-          <a:lstStyle/>
-          <a:p>
-            <a:r>
-              <a:rPr lang="fr-CH" dirty="0"/>
-              <a:t>PACD</a:t>
-            </a:r>
-          </a:p>
-        </p:txBody>
-      </p:sp>
-      <p:sp>
-        <p:nvSpPr>
-          <p:cNvPr id="3" name="Espace réservé du contenu 2">
-            <a:extLst>
-              <a:ext uri="{FF2B5EF4-FFF2-40B4-BE49-F238E27FC236}">
-                <a16:creationId xmlns:a16="http://schemas.microsoft.com/office/drawing/2014/main" id="{D8D3BB48-D108-D0FA-2592-B6C6B4AFF8E1}"/>
-              </a:ext>
-            </a:extLst>
-          </p:cNvPr>
-          <p:cNvSpPr>
-            <a:spLocks noGrp="1"/>
-          </p:cNvSpPr>
-          <p:nvPr>
-            <p:ph idx="1"/>
-          </p:nvPr>
-        </p:nvSpPr>
-        <p:spPr/>
-        <p:txBody>
-          <a:bodyPr/>
-          <a:lstStyle/>
-          <a:p>
-            <a:r>
-              <a:rPr lang="fr-CH" dirty="0"/>
-              <a:t>Partial </a:t>
-            </a:r>
-            <a:r>
-              <a:rPr lang="fr-CH" dirty="0" err="1"/>
-              <a:t>Approximate</a:t>
-            </a:r>
-            <a:r>
-              <a:rPr lang="fr-CH" dirty="0"/>
-              <a:t> Common </a:t>
-            </a:r>
-            <a:r>
-              <a:rPr lang="fr-CH" dirty="0" err="1"/>
-              <a:t>Divisors</a:t>
-            </a:r>
-            <a:endParaRPr lang="fr-CH" dirty="0"/>
-          </a:p>
-        </p:txBody>
-      </p:sp>
-    </p:spTree>
-    <p:extLst>
-      <p:ext uri="{BB962C8B-B14F-4D97-AF65-F5344CB8AC3E}">
-        <p14:creationId xmlns:p14="http://schemas.microsoft.com/office/powerpoint/2010/main" val="2648200781"/>
-      </p:ext>
-    </p:extLst>
-  </p:cSld>
-  <p:clrMapOvr>
-    <a:masterClrMapping/>
-  </p:clrMapOvr>
-</p:sld>
-</file>
-
-<file path=ppt/slides/slide13.xml><?xml version="1.0" encoding="utf-8"?>
-<p:sld xmlns:a="http://schemas.openxmlformats.org/drawingml/2006/main" xmlns:r="http://schemas.openxmlformats.org/officeDocument/2006/relationships" xmlns:p="http://schemas.openxmlformats.org/presentationml/2006/main">
-  <p:cSld>
-    <p:spTree>
-      <p:nvGrpSpPr>
-        <p:cNvPr id="1" name=""/>
-        <p:cNvGrpSpPr/>
-        <p:nvPr/>
-      </p:nvGrpSpPr>
-      <p:grpSpPr>
-        <a:xfrm>
-          <a:off x="0" y="0"/>
-          <a:ext cx="0" cy="0"/>
-          <a:chOff x="0" y="0"/>
-          <a:chExt cx="0" cy="0"/>
-        </a:xfrm>
-      </p:grpSpPr>
-      <p:sp>
-        <p:nvSpPr>
-          <p:cNvPr id="2" name="Titre 1">
-            <a:extLst>
-              <a:ext uri="{FF2B5EF4-FFF2-40B4-BE49-F238E27FC236}">
-                <a16:creationId xmlns:a16="http://schemas.microsoft.com/office/drawing/2014/main" id="{BD44A17B-26DA-63AC-B075-7A3FE58B2939}"/>
-              </a:ext>
-            </a:extLst>
-          </p:cNvPr>
-          <p:cNvSpPr>
-            <a:spLocks noGrp="1"/>
-          </p:cNvSpPr>
-          <p:nvPr>
-            <p:ph type="title"/>
-          </p:nvPr>
-        </p:nvSpPr>
-        <p:spPr/>
-        <p:txBody>
-          <a:bodyPr/>
-          <a:lstStyle/>
-          <a:p>
-            <a:r>
-              <a:rPr lang="fr-CH" dirty="0" err="1"/>
-              <a:t>Lattices</a:t>
-            </a:r>
-            <a:endParaRPr lang="fr-CH" dirty="0"/>
-          </a:p>
-        </p:txBody>
-      </p:sp>
-      <p:sp>
-        <p:nvSpPr>
-          <p:cNvPr id="3" name="Espace réservé du contenu 2">
-            <a:extLst>
-              <a:ext uri="{FF2B5EF4-FFF2-40B4-BE49-F238E27FC236}">
-                <a16:creationId xmlns:a16="http://schemas.microsoft.com/office/drawing/2014/main" id="{3DA63E6D-C13A-0C68-FA5B-5CD24480CD94}"/>
-              </a:ext>
-            </a:extLst>
-          </p:cNvPr>
-          <p:cNvSpPr>
-            <a:spLocks noGrp="1"/>
-          </p:cNvSpPr>
-          <p:nvPr>
-            <p:ph idx="1"/>
-          </p:nvPr>
-        </p:nvSpPr>
-        <p:spPr/>
-        <p:txBody>
-          <a:bodyPr/>
-          <a:lstStyle/>
-          <a:p>
-            <a:endParaRPr lang="fr-CH"/>
-          </a:p>
-        </p:txBody>
-      </p:sp>
-    </p:spTree>
-    <p:extLst>
-      <p:ext uri="{BB962C8B-B14F-4D97-AF65-F5344CB8AC3E}">
-        <p14:creationId xmlns:p14="http://schemas.microsoft.com/office/powerpoint/2010/main" val="3222471043"/>
-      </p:ext>
-    </p:extLst>
-  </p:cSld>
-  <p:clrMapOvr>
-    <a:masterClrMapping/>
-  </p:clrMapOvr>
-</p:sld>
-</file>
-
-<file path=ppt/slides/slide14.xml><?xml version="1.0" encoding="utf-8"?>
-<p:sld xmlns:a="http://schemas.openxmlformats.org/drawingml/2006/main" xmlns:r="http://schemas.openxmlformats.org/officeDocument/2006/relationships" xmlns:p="http://schemas.openxmlformats.org/presentationml/2006/main">
-  <p:cSld>
-    <p:spTree>
-      <p:nvGrpSpPr>
-        <p:cNvPr id="1" name=""/>
-        <p:cNvGrpSpPr/>
-        <p:nvPr/>
-      </p:nvGrpSpPr>
-      <p:grpSpPr>
-        <a:xfrm>
-          <a:off x="0" y="0"/>
-          <a:ext cx="0" cy="0"/>
-          <a:chOff x="0" y="0"/>
-          <a:chExt cx="0" cy="0"/>
-        </a:xfrm>
-      </p:grpSpPr>
-      <p:sp>
-        <p:nvSpPr>
-          <p:cNvPr id="2" name="Titre 1">
-            <a:extLst>
-              <a:ext uri="{FF2B5EF4-FFF2-40B4-BE49-F238E27FC236}">
-                <a16:creationId xmlns:a16="http://schemas.microsoft.com/office/drawing/2014/main" id="{5F306F38-748C-E424-C977-6A20E3A0C316}"/>
-              </a:ext>
-            </a:extLst>
-          </p:cNvPr>
-          <p:cNvSpPr>
-            <a:spLocks noGrp="1"/>
-          </p:cNvSpPr>
-          <p:nvPr>
-            <p:ph type="title"/>
-          </p:nvPr>
-        </p:nvSpPr>
-        <p:spPr/>
-        <p:txBody>
-          <a:bodyPr/>
-          <a:lstStyle/>
-          <a:p>
-            <a:r>
-              <a:rPr lang="fr-CH" dirty="0"/>
-              <a:t>LLL</a:t>
-            </a:r>
-          </a:p>
-        </p:txBody>
-      </p:sp>
-      <p:sp>
-        <p:nvSpPr>
-          <p:cNvPr id="3" name="Espace réservé du contenu 2">
-            <a:extLst>
-              <a:ext uri="{FF2B5EF4-FFF2-40B4-BE49-F238E27FC236}">
-                <a16:creationId xmlns:a16="http://schemas.microsoft.com/office/drawing/2014/main" id="{45EF3473-E286-31FE-B7DE-896D0000CC6E}"/>
-              </a:ext>
-            </a:extLst>
-          </p:cNvPr>
-          <p:cNvSpPr>
-            <a:spLocks noGrp="1"/>
-          </p:cNvSpPr>
-          <p:nvPr>
-            <p:ph idx="1"/>
-          </p:nvPr>
-        </p:nvSpPr>
-        <p:spPr/>
-        <p:txBody>
-          <a:bodyPr/>
-          <a:lstStyle/>
-          <a:p>
-            <a:endParaRPr lang="fr-CH"/>
-          </a:p>
-        </p:txBody>
-      </p:sp>
-    </p:spTree>
-    <p:extLst>
-      <p:ext uri="{BB962C8B-B14F-4D97-AF65-F5344CB8AC3E}">
-        <p14:creationId xmlns:p14="http://schemas.microsoft.com/office/powerpoint/2010/main" val="259810455"/>
-      </p:ext>
-    </p:extLst>
-  </p:cSld>
-  <p:clrMapOvr>
-    <a:masterClrMapping/>
-  </p:clrMapOvr>
-</p:sld>
-</file>
-
-<file path=ppt/slides/slide15.xml><?xml version="1.0" encoding="utf-8"?>
-<p:sld xmlns:a="http://schemas.openxmlformats.org/drawingml/2006/main" xmlns:r="http://schemas.openxmlformats.org/officeDocument/2006/relationships" xmlns:p="http://schemas.openxmlformats.org/presentationml/2006/main">
-  <p:cSld>
-    <p:spTree>
-      <p:nvGrpSpPr>
-        <p:cNvPr id="1" name=""/>
-        <p:cNvGrpSpPr/>
-        <p:nvPr/>
-      </p:nvGrpSpPr>
-      <p:grpSpPr>
-        <a:xfrm>
-          <a:off x="0" y="0"/>
-          <a:ext cx="0" cy="0"/>
-          <a:chOff x="0" y="0"/>
-          <a:chExt cx="0" cy="0"/>
-        </a:xfrm>
-      </p:grpSpPr>
-      <p:sp>
-        <p:nvSpPr>
-          <p:cNvPr id="2" name="Titre 1">
-            <a:extLst>
-              <a:ext uri="{FF2B5EF4-FFF2-40B4-BE49-F238E27FC236}">
-                <a16:creationId xmlns:a16="http://schemas.microsoft.com/office/drawing/2014/main" id="{6000FC9E-29F5-8C53-199E-744D87DEFB73}"/>
-              </a:ext>
-            </a:extLst>
-          </p:cNvPr>
-          <p:cNvSpPr>
-            <a:spLocks noGrp="1"/>
-          </p:cNvSpPr>
-          <p:nvPr>
-            <p:ph type="title"/>
-          </p:nvPr>
-        </p:nvSpPr>
-        <p:spPr/>
-        <p:txBody>
-          <a:bodyPr/>
-          <a:lstStyle/>
-          <a:p>
-            <a:r>
-              <a:rPr lang="fr-CH" dirty="0"/>
-              <a:t>Mesures de protections</a:t>
-            </a:r>
-          </a:p>
-        </p:txBody>
-      </p:sp>
-      <p:sp>
-        <p:nvSpPr>
-          <p:cNvPr id="3" name="Espace réservé du contenu 2">
-            <a:extLst>
-              <a:ext uri="{FF2B5EF4-FFF2-40B4-BE49-F238E27FC236}">
-                <a16:creationId xmlns:a16="http://schemas.microsoft.com/office/drawing/2014/main" id="{27480C9E-7A20-E1A7-0DA1-F786EE1E9DC3}"/>
-              </a:ext>
-            </a:extLst>
-          </p:cNvPr>
-          <p:cNvSpPr>
-            <a:spLocks noGrp="1"/>
-          </p:cNvSpPr>
-          <p:nvPr>
-            <p:ph idx="1"/>
-          </p:nvPr>
-        </p:nvSpPr>
-        <p:spPr/>
-        <p:txBody>
-          <a:bodyPr/>
-          <a:lstStyle/>
-          <a:p>
-            <a:endParaRPr lang="fr-CH"/>
-          </a:p>
-        </p:txBody>
-      </p:sp>
-    </p:spTree>
-    <p:extLst>
-      <p:ext uri="{BB962C8B-B14F-4D97-AF65-F5344CB8AC3E}">
-        <p14:creationId xmlns:p14="http://schemas.microsoft.com/office/powerpoint/2010/main" val="79603983"/>
-      </p:ext>
-    </p:extLst>
-  </p:cSld>
-  <p:clrMapOvr>
-    <a:masterClrMapping/>
-  </p:clrMapOvr>
-</p:sld>
-</file>
-
-<file path=ppt/slides/slide16.xml><?xml version="1.0" encoding="utf-8"?>
-<p:sld xmlns:a="http://schemas.openxmlformats.org/drawingml/2006/main" xmlns:r="http://schemas.openxmlformats.org/officeDocument/2006/relationships" xmlns:p="http://schemas.openxmlformats.org/presentationml/2006/main">
-  <p:cSld>
-    <p:spTree>
-      <p:nvGrpSpPr>
-        <p:cNvPr id="1" name=""/>
-        <p:cNvGrpSpPr/>
-        <p:nvPr/>
-      </p:nvGrpSpPr>
-      <p:grpSpPr>
-        <a:xfrm>
-          <a:off x="0" y="0"/>
-          <a:ext cx="0" cy="0"/>
-          <a:chOff x="0" y="0"/>
-          <a:chExt cx="0" cy="0"/>
-        </a:xfrm>
-      </p:grpSpPr>
-      <p:sp>
-        <p:nvSpPr>
-          <p:cNvPr id="2" name="Titre 1">
-            <a:extLst>
-              <a:ext uri="{FF2B5EF4-FFF2-40B4-BE49-F238E27FC236}">
-                <a16:creationId xmlns:a16="http://schemas.microsoft.com/office/drawing/2014/main" id="{CE5B3F89-73E8-F591-5459-D7C7DA9182F2}"/>
-              </a:ext>
-            </a:extLst>
-          </p:cNvPr>
-          <p:cNvSpPr>
-            <a:spLocks noGrp="1"/>
-          </p:cNvSpPr>
-          <p:nvPr>
-            <p:ph type="title"/>
-          </p:nvPr>
-        </p:nvSpPr>
-        <p:spPr/>
-        <p:txBody>
-          <a:bodyPr/>
-          <a:lstStyle/>
-          <a:p>
-            <a:r>
-              <a:rPr lang="fr-CH" dirty="0"/>
-              <a:t>Questions ?</a:t>
-            </a:r>
-          </a:p>
-        </p:txBody>
-      </p:sp>
-      <p:sp>
-        <p:nvSpPr>
-          <p:cNvPr id="3" name="Espace réservé du contenu 2">
-            <a:extLst>
-              <a:ext uri="{FF2B5EF4-FFF2-40B4-BE49-F238E27FC236}">
-                <a16:creationId xmlns:a16="http://schemas.microsoft.com/office/drawing/2014/main" id="{C183CE3D-B8CF-6FEA-B32D-72C4A3152EC7}"/>
-              </a:ext>
-            </a:extLst>
-          </p:cNvPr>
-          <p:cNvSpPr>
-            <a:spLocks noGrp="1"/>
-          </p:cNvSpPr>
-          <p:nvPr>
-            <p:ph idx="1"/>
-          </p:nvPr>
-        </p:nvSpPr>
-        <p:spPr/>
-        <p:txBody>
-          <a:bodyPr/>
-          <a:lstStyle/>
-          <a:p>
-            <a:endParaRPr lang="fr-CH"/>
-          </a:p>
-        </p:txBody>
-      </p:sp>
-    </p:spTree>
-    <p:extLst>
-      <p:ext uri="{BB962C8B-B14F-4D97-AF65-F5344CB8AC3E}">
-        <p14:creationId xmlns:p14="http://schemas.microsoft.com/office/powerpoint/2010/main" val="3188463438"/>
-      </p:ext>
-    </p:extLst>
-  </p:cSld>
-  <p:clrMapOvr>
-    <a:masterClrMapping/>
-  </p:clrMapOvr>
-</p:sld>
-</file>
-
-<file path=ppt/slides/slide17.xml><?xml version="1.0" encoding="utf-8"?>
-<p:sld xmlns:a="http://schemas.openxmlformats.org/drawingml/2006/main" xmlns:r="http://schemas.openxmlformats.org/officeDocument/2006/relationships" xmlns:p="http://schemas.openxmlformats.org/presentationml/2006/main">
-  <p:cSld>
-    <p:spTree>
-      <p:nvGrpSpPr>
-        <p:cNvPr id="1" name=""/>
-        <p:cNvGrpSpPr/>
-        <p:nvPr/>
-      </p:nvGrpSpPr>
-      <p:grpSpPr>
-        <a:xfrm>
-          <a:off x="0" y="0"/>
-          <a:ext cx="0" cy="0"/>
-          <a:chOff x="0" y="0"/>
-          <a:chExt cx="0" cy="0"/>
-        </a:xfrm>
-      </p:grpSpPr>
-      <p:sp>
-        <p:nvSpPr>
-          <p:cNvPr id="2" name="Titre 1">
-            <a:extLst>
-              <a:ext uri="{FF2B5EF4-FFF2-40B4-BE49-F238E27FC236}">
-                <a16:creationId xmlns:a16="http://schemas.microsoft.com/office/drawing/2014/main" id="{49D66EBF-EF60-5369-6DF8-69A19B1ED9DA}"/>
-              </a:ext>
-            </a:extLst>
-          </p:cNvPr>
-          <p:cNvSpPr>
-            <a:spLocks noGrp="1"/>
-          </p:cNvSpPr>
-          <p:nvPr>
-            <p:ph type="title"/>
-          </p:nvPr>
-        </p:nvSpPr>
-        <p:spPr/>
-        <p:txBody>
-          <a:bodyPr/>
-          <a:lstStyle/>
-          <a:p>
-            <a:r>
-              <a:rPr lang="fr-CH" dirty="0"/>
-              <a:t>Bibliographie</a:t>
-            </a:r>
-          </a:p>
-        </p:txBody>
-      </p:sp>
-      <p:sp>
-        <p:nvSpPr>
-          <p:cNvPr id="3" name="Espace réservé du contenu 2">
-            <a:extLst>
-              <a:ext uri="{FF2B5EF4-FFF2-40B4-BE49-F238E27FC236}">
-                <a16:creationId xmlns:a16="http://schemas.microsoft.com/office/drawing/2014/main" id="{4D2E4202-87C9-7F5A-2F2F-79670D47BD39}"/>
-              </a:ext>
-            </a:extLst>
-          </p:cNvPr>
-          <p:cNvSpPr>
-            <a:spLocks noGrp="1"/>
-          </p:cNvSpPr>
-          <p:nvPr>
-            <p:ph idx="1"/>
-          </p:nvPr>
-        </p:nvSpPr>
-        <p:spPr/>
-        <p:txBody>
-          <a:bodyPr/>
-          <a:lstStyle/>
-          <a:p>
-            <a:endParaRPr lang="fr-CH"/>
-          </a:p>
-        </p:txBody>
-      </p:sp>
-    </p:spTree>
-    <p:extLst>
-      <p:ext uri="{BB962C8B-B14F-4D97-AF65-F5344CB8AC3E}">
-        <p14:creationId xmlns:p14="http://schemas.microsoft.com/office/powerpoint/2010/main" val="3148802735"/>
-      </p:ext>
-    </p:extLst>
-  </p:cSld>
-  <p:clrMapOvr>
-    <a:masterClrMapping/>
-  </p:clrMapOvr>
-</p:sld>
-</file>
-
-<file path=ppt/slides/slide2.xml><?xml version="1.0" encoding="utf-8"?>
-<p:sld xmlns:a="http://schemas.openxmlformats.org/drawingml/2006/main" xmlns:r="http://schemas.openxmlformats.org/officeDocument/2006/relationships" xmlns:p="http://schemas.openxmlformats.org/presentationml/2006/main">
-  <p:cSld>
-    <p:spTree>
-      <p:nvGrpSpPr>
-        <p:cNvPr id="1" name=""/>
-        <p:cNvGrpSpPr/>
-        <p:nvPr/>
-      </p:nvGrpSpPr>
-      <p:grpSpPr>
-        <a:xfrm>
-          <a:off x="0" y="0"/>
-          <a:ext cx="0" cy="0"/>
-          <a:chOff x="0" y="0"/>
-          <a:chExt cx="0" cy="0"/>
-        </a:xfrm>
-      </p:grpSpPr>
-      <p:sp>
-        <p:nvSpPr>
-          <p:cNvPr id="2" name="Titre 1">
-            <a:extLst>
-              <a:ext uri="{FF2B5EF4-FFF2-40B4-BE49-F238E27FC236}">
-                <a16:creationId xmlns:a16="http://schemas.microsoft.com/office/drawing/2014/main" id="{C7519599-4D6D-F382-5CBF-FF9746EACCC1}"/>
-              </a:ext>
-            </a:extLst>
-          </p:cNvPr>
-          <p:cNvSpPr>
-            <a:spLocks noGrp="1"/>
-          </p:cNvSpPr>
-          <p:nvPr>
-            <p:ph type="title"/>
-          </p:nvPr>
-        </p:nvSpPr>
-        <p:spPr/>
-        <p:txBody>
-          <a:bodyPr/>
-          <a:lstStyle/>
-          <a:p>
-            <a:r>
-              <a:rPr lang="fr-CH" dirty="0"/>
-              <a:t>Intro</a:t>
-            </a:r>
-          </a:p>
-        </p:txBody>
-      </p:sp>
-      <p:sp>
-        <p:nvSpPr>
-          <p:cNvPr id="3" name="Espace réservé du contenu 2">
-            <a:extLst>
-              <a:ext uri="{FF2B5EF4-FFF2-40B4-BE49-F238E27FC236}">
-                <a16:creationId xmlns:a16="http://schemas.microsoft.com/office/drawing/2014/main" id="{179AE550-BC42-BF0F-46AA-21142C517507}"/>
-              </a:ext>
-            </a:extLst>
-          </p:cNvPr>
-          <p:cNvSpPr>
-            <a:spLocks noGrp="1"/>
-          </p:cNvSpPr>
-          <p:nvPr>
-            <p:ph idx="1"/>
-          </p:nvPr>
-        </p:nvSpPr>
-        <p:spPr/>
-        <p:txBody>
-          <a:bodyPr/>
-          <a:lstStyle/>
-          <a:p>
-            <a:endParaRPr lang="fr-CH"/>
-          </a:p>
-        </p:txBody>
-      </p:sp>
-    </p:spTree>
-    <p:extLst>
-      <p:ext uri="{BB962C8B-B14F-4D97-AF65-F5344CB8AC3E}">
-        <p14:creationId xmlns:p14="http://schemas.microsoft.com/office/powerpoint/2010/main" val="1755347014"/>
-      </p:ext>
-    </p:extLst>
-  </p:cSld>
-  <p:clrMapOvr>
-    <a:masterClrMapping/>
-  </p:clrMapOvr>
-</p:sld>
-</file>
-
-<file path=ppt/slides/slide3.xml><?xml version="1.0" encoding="utf-8"?>
-<p:sld xmlns:a="http://schemas.openxmlformats.org/drawingml/2006/main" xmlns:r="http://schemas.openxmlformats.org/officeDocument/2006/relationships" xmlns:p="http://schemas.openxmlformats.org/presentationml/2006/main">
-  <p:cSld>
-    <p:spTree>
-      <p:nvGrpSpPr>
-        <p:cNvPr id="1" name=""/>
-        <p:cNvGrpSpPr/>
-        <p:nvPr/>
-      </p:nvGrpSpPr>
-      <p:grpSpPr>
-        <a:xfrm>
-          <a:off x="0" y="0"/>
-          <a:ext cx="0" cy="0"/>
-          <a:chOff x="0" y="0"/>
-          <a:chExt cx="0" cy="0"/>
-        </a:xfrm>
-      </p:grpSpPr>
-      <p:sp>
-        <p:nvSpPr>
-          <p:cNvPr id="2" name="Titre 1">
-            <a:extLst>
-              <a:ext uri="{FF2B5EF4-FFF2-40B4-BE49-F238E27FC236}">
-                <a16:creationId xmlns:a16="http://schemas.microsoft.com/office/drawing/2014/main" id="{ABCA9630-E3A4-01F1-DC02-8D11AE85A440}"/>
-              </a:ext>
-            </a:extLst>
-          </p:cNvPr>
-          <p:cNvSpPr>
-            <a:spLocks noGrp="1"/>
-          </p:cNvSpPr>
-          <p:nvPr>
-            <p:ph type="title"/>
-          </p:nvPr>
-        </p:nvSpPr>
-        <p:spPr/>
-        <p:txBody>
-          <a:bodyPr/>
-          <a:lstStyle/>
-          <a:p>
-            <a:r>
-              <a:rPr lang="fr-CH" dirty="0"/>
-              <a:t>L’attaque en bref</a:t>
-            </a:r>
-          </a:p>
-        </p:txBody>
-      </p:sp>
-      <p:sp>
-        <p:nvSpPr>
-          <p:cNvPr id="3" name="Espace réservé du contenu 2">
-            <a:extLst>
-              <a:ext uri="{FF2B5EF4-FFF2-40B4-BE49-F238E27FC236}">
-                <a16:creationId xmlns:a16="http://schemas.microsoft.com/office/drawing/2014/main" id="{68FF2868-1122-9061-B5E0-99459AB4AC21}"/>
-              </a:ext>
-            </a:extLst>
-          </p:cNvPr>
-          <p:cNvSpPr>
-            <a:spLocks noGrp="1"/>
-          </p:cNvSpPr>
-          <p:nvPr>
-            <p:ph idx="1"/>
-          </p:nvPr>
-        </p:nvSpPr>
-        <p:spPr/>
-        <p:txBody>
-          <a:bodyPr/>
-          <a:lstStyle/>
-          <a:p>
-            <a:endParaRPr lang="fr-CH"/>
-          </a:p>
-        </p:txBody>
-      </p:sp>
-    </p:spTree>
-    <p:extLst>
-      <p:ext uri="{BB962C8B-B14F-4D97-AF65-F5344CB8AC3E}">
-        <p14:creationId xmlns:p14="http://schemas.microsoft.com/office/powerpoint/2010/main" val="167832716"/>
-      </p:ext>
-    </p:extLst>
-  </p:cSld>
-  <p:clrMapOvr>
-    <a:masterClrMapping/>
-  </p:clrMapOvr>
-</p:sld>
-</file>
-
-<file path=ppt/slides/slide4.xml><?xml version="1.0" encoding="utf-8"?>
-<p:sld xmlns:a="http://schemas.openxmlformats.org/drawingml/2006/main" xmlns:r="http://schemas.openxmlformats.org/officeDocument/2006/relationships" xmlns:p="http://schemas.openxmlformats.org/presentationml/2006/main">
-  <p:cSld>
-    <p:spTree>
-      <p:nvGrpSpPr>
-        <p:cNvPr id="1" name=""/>
-        <p:cNvGrpSpPr/>
-        <p:nvPr/>
-      </p:nvGrpSpPr>
-      <p:grpSpPr>
-        <a:xfrm>
-          <a:off x="0" y="0"/>
-          <a:ext cx="0" cy="0"/>
-          <a:chOff x="0" y="0"/>
-          <a:chExt cx="0" cy="0"/>
-        </a:xfrm>
-      </p:grpSpPr>
-      <p:sp>
-        <p:nvSpPr>
-          <p:cNvPr id="2" name="Titre 1">
-            <a:extLst>
-              <a:ext uri="{FF2B5EF4-FFF2-40B4-BE49-F238E27FC236}">
-                <a16:creationId xmlns:a16="http://schemas.microsoft.com/office/drawing/2014/main" id="{C86522DB-CB9E-DB84-E81D-DD1AC3FCC88E}"/>
-              </a:ext>
-            </a:extLst>
-          </p:cNvPr>
-          <p:cNvSpPr>
-            <a:spLocks noGrp="1"/>
-          </p:cNvSpPr>
-          <p:nvPr>
-            <p:ph type="title"/>
-          </p:nvPr>
-        </p:nvSpPr>
-        <p:spPr/>
-        <p:txBody>
-          <a:bodyPr/>
-          <a:lstStyle/>
-          <a:p>
-            <a:r>
-              <a:rPr lang="fr-CH" dirty="0"/>
-              <a:t>Conséquences</a:t>
-            </a:r>
-          </a:p>
-        </p:txBody>
-      </p:sp>
-      <p:sp>
-        <p:nvSpPr>
-          <p:cNvPr id="3" name="Espace réservé du contenu 2">
-            <a:extLst>
-              <a:ext uri="{FF2B5EF4-FFF2-40B4-BE49-F238E27FC236}">
-                <a16:creationId xmlns:a16="http://schemas.microsoft.com/office/drawing/2014/main" id="{DF80E0EF-D927-4D6B-22ED-EA5C781C74B6}"/>
-              </a:ext>
-            </a:extLst>
-          </p:cNvPr>
-          <p:cNvSpPr>
-            <a:spLocks noGrp="1"/>
-          </p:cNvSpPr>
-          <p:nvPr>
-            <p:ph idx="1"/>
-          </p:nvPr>
-        </p:nvSpPr>
-        <p:spPr/>
-        <p:txBody>
-          <a:bodyPr/>
-          <a:lstStyle/>
-          <a:p>
-            <a:endParaRPr lang="fr-CH"/>
-          </a:p>
-        </p:txBody>
-      </p:sp>
-    </p:spTree>
-    <p:extLst>
-      <p:ext uri="{BB962C8B-B14F-4D97-AF65-F5344CB8AC3E}">
-        <p14:creationId xmlns:p14="http://schemas.microsoft.com/office/powerpoint/2010/main" val="1077162873"/>
-      </p:ext>
-    </p:extLst>
-  </p:cSld>
-  <p:clrMapOvr>
-    <a:masterClrMapping/>
-  </p:clrMapOvr>
-</p:sld>
-</file>
-
-<file path=ppt/slides/slide5.xml><?xml version="1.0" encoding="utf-8"?>
-<p:sld xmlns:a="http://schemas.openxmlformats.org/drawingml/2006/main" xmlns:r="http://schemas.openxmlformats.org/officeDocument/2006/relationships" xmlns:p="http://schemas.openxmlformats.org/presentationml/2006/main">
-  <p:cSld>
-    <p:spTree>
-      <p:nvGrpSpPr>
-        <p:cNvPr id="1" name=""/>
-        <p:cNvGrpSpPr/>
-        <p:nvPr/>
-      </p:nvGrpSpPr>
-      <p:grpSpPr>
-        <a:xfrm>
-          <a:off x="0" y="0"/>
-          <a:ext cx="0" cy="0"/>
-          <a:chOff x="0" y="0"/>
-          <a:chExt cx="0" cy="0"/>
-        </a:xfrm>
-      </p:grpSpPr>
-      <p:sp>
-        <p:nvSpPr>
-          <p:cNvPr id="2" name="Titre 1">
-            <a:extLst>
-              <a:ext uri="{FF2B5EF4-FFF2-40B4-BE49-F238E27FC236}">
-                <a16:creationId xmlns:a16="http://schemas.microsoft.com/office/drawing/2014/main" id="{0312024B-32AC-2487-492D-C96DC9F32452}"/>
-              </a:ext>
-            </a:extLst>
-          </p:cNvPr>
-          <p:cNvSpPr>
-            <a:spLocks noGrp="1"/>
-          </p:cNvSpPr>
-          <p:nvPr>
-            <p:ph type="title"/>
-          </p:nvPr>
-        </p:nvSpPr>
-        <p:spPr/>
-        <p:txBody>
-          <a:bodyPr/>
-          <a:lstStyle/>
-          <a:p>
-            <a:r>
-              <a:rPr lang="fr-CH" dirty="0"/>
-              <a:t>SSH</a:t>
-            </a:r>
-          </a:p>
-        </p:txBody>
-      </p:sp>
-      <p:sp>
-        <p:nvSpPr>
-          <p:cNvPr id="3" name="Espace réservé du contenu 2">
-            <a:extLst>
-              <a:ext uri="{FF2B5EF4-FFF2-40B4-BE49-F238E27FC236}">
-                <a16:creationId xmlns:a16="http://schemas.microsoft.com/office/drawing/2014/main" id="{2642F217-C2B0-61EC-0CFF-94476B4C3087}"/>
-              </a:ext>
-            </a:extLst>
-          </p:cNvPr>
-          <p:cNvSpPr>
-            <a:spLocks noGrp="1"/>
-          </p:cNvSpPr>
-          <p:nvPr>
-            <p:ph idx="1"/>
-          </p:nvPr>
-        </p:nvSpPr>
-        <p:spPr/>
-        <p:txBody>
-          <a:bodyPr/>
-          <a:lstStyle/>
-          <a:p>
-            <a:endParaRPr lang="fr-CH"/>
-          </a:p>
-        </p:txBody>
-      </p:sp>
-    </p:spTree>
-    <p:extLst>
-      <p:ext uri="{BB962C8B-B14F-4D97-AF65-F5344CB8AC3E}">
-        <p14:creationId xmlns:p14="http://schemas.microsoft.com/office/powerpoint/2010/main" val="2792095449"/>
-      </p:ext>
-    </p:extLst>
-  </p:cSld>
-  <p:clrMapOvr>
-    <a:masterClrMapping/>
-  </p:clrMapOvr>
-</p:sld>
-</file>
-
-<file path=ppt/slides/slide6.xml><?xml version="1.0" encoding="utf-8"?>
-<p:sld xmlns:a="http://schemas.openxmlformats.org/drawingml/2006/main" xmlns:r="http://schemas.openxmlformats.org/officeDocument/2006/relationships" xmlns:p="http://schemas.openxmlformats.org/presentationml/2006/main">
-  <p:cSld>
-    <p:spTree>
-      <p:nvGrpSpPr>
-        <p:cNvPr id="1" name=""/>
-        <p:cNvGrpSpPr/>
-        <p:nvPr/>
-      </p:nvGrpSpPr>
-      <p:grpSpPr>
-        <a:xfrm>
-          <a:off x="0" y="0"/>
-          <a:ext cx="0" cy="0"/>
-          <a:chOff x="0" y="0"/>
-          <a:chExt cx="0" cy="0"/>
-        </a:xfrm>
-      </p:grpSpPr>
-      <p:sp>
-        <p:nvSpPr>
-          <p:cNvPr id="2" name="Titre 1">
-            <a:extLst>
-              <a:ext uri="{FF2B5EF4-FFF2-40B4-BE49-F238E27FC236}">
-                <a16:creationId xmlns:a16="http://schemas.microsoft.com/office/drawing/2014/main" id="{C7AA97B4-9548-A3E1-F52D-BD36A09A7DA0}"/>
-              </a:ext>
-            </a:extLst>
-          </p:cNvPr>
-          <p:cNvSpPr>
-            <a:spLocks noGrp="1"/>
-          </p:cNvSpPr>
-          <p:nvPr>
-            <p:ph type="title"/>
-          </p:nvPr>
-        </p:nvSpPr>
-        <p:spPr/>
-        <p:txBody>
-          <a:bodyPr/>
-          <a:lstStyle/>
-          <a:p>
-            <a:r>
-              <a:rPr lang="fr-CH" dirty="0" err="1"/>
-              <a:t>IPsec</a:t>
-            </a:r>
-            <a:endParaRPr lang="fr-CH" dirty="0"/>
-          </a:p>
-        </p:txBody>
-      </p:sp>
-      <p:sp>
-        <p:nvSpPr>
-          <p:cNvPr id="3" name="Espace réservé du contenu 2">
-            <a:extLst>
-              <a:ext uri="{FF2B5EF4-FFF2-40B4-BE49-F238E27FC236}">
-                <a16:creationId xmlns:a16="http://schemas.microsoft.com/office/drawing/2014/main" id="{F0C10A8F-80FA-2A40-2959-EAF69F97A569}"/>
-              </a:ext>
-            </a:extLst>
-          </p:cNvPr>
-          <p:cNvSpPr>
-            <a:spLocks noGrp="1"/>
-          </p:cNvSpPr>
-          <p:nvPr>
-            <p:ph idx="1"/>
-          </p:nvPr>
-        </p:nvSpPr>
-        <p:spPr/>
-        <p:txBody>
-          <a:bodyPr/>
-          <a:lstStyle/>
-          <a:p>
-            <a:endParaRPr lang="fr-CH"/>
-          </a:p>
-        </p:txBody>
-      </p:sp>
-    </p:spTree>
-    <p:extLst>
-      <p:ext uri="{BB962C8B-B14F-4D97-AF65-F5344CB8AC3E}">
-        <p14:creationId xmlns:p14="http://schemas.microsoft.com/office/powerpoint/2010/main" val="1917608397"/>
-      </p:ext>
-    </p:extLst>
-  </p:cSld>
-  <p:clrMapOvr>
-    <a:masterClrMapping/>
-  </p:clrMapOvr>
-</p:sld>
-</file>
-
-<file path=ppt/slides/slide7.xml><?xml version="1.0" encoding="utf-8"?>
-<p:sld xmlns:a="http://schemas.openxmlformats.org/drawingml/2006/main" xmlns:r="http://schemas.openxmlformats.org/officeDocument/2006/relationships" xmlns:p="http://schemas.openxmlformats.org/presentationml/2006/main">
-  <p:cSld>
-    <p:spTree>
-      <p:nvGrpSpPr>
         <p:cNvPr id="1" name=""/>
         <p:cNvGrpSpPr/>
         <p:nvPr/>
@@ -4714,7 +4058,28 @@
           <a:bodyPr/>
           <a:lstStyle/>
           <a:p>
-            <a:endParaRPr lang="fr-CH"/>
+            <a:r>
+              <a:rPr lang="fr-CH" dirty="0"/>
+              <a:t>Une signature PKCS#1 V1.5 invalide</a:t>
+            </a:r>
+          </a:p>
+          <a:p>
+            <a:r>
+              <a:rPr lang="fr-CH" dirty="0"/>
+              <a:t>Pour un message inconnu</a:t>
+            </a:r>
+          </a:p>
+          <a:p>
+            <a:r>
+              <a:rPr lang="fr-CH" dirty="0"/>
+              <a:t>Le calcul de la signature utilise le théorème des restes chinois</a:t>
+            </a:r>
+          </a:p>
+          <a:p>
+            <a:r>
+              <a:rPr lang="fr-CH" dirty="0"/>
+              <a:t>Clé publique connue (pas forcément le cas avec une écoute passive) ???</a:t>
+            </a:r>
           </a:p>
         </p:txBody>
       </p:sp>
@@ -4731,7 +4096,7 @@
 </p:sld>
 </file>
 
-<file path=ppt/slides/slide8.xml><?xml version="1.0" encoding="utf-8"?>
+<file path=ppt/slides/slide11.xml><?xml version="1.0" encoding="utf-8"?>
 <p:sld xmlns:a="http://schemas.openxmlformats.org/drawingml/2006/main" xmlns:r="http://schemas.openxmlformats.org/officeDocument/2006/relationships" xmlns:p="http://schemas.openxmlformats.org/presentationml/2006/main">
   <p:cSld>
     <p:spTree>
@@ -4931,49 +4296,6 @@
                       <m:jc m:val="centerGroup"/>
                     </m:oMathParaPr>
                     <m:oMath xmlns:m="http://schemas.openxmlformats.org/officeDocument/2006/math">
-                      <m:r>
-                        <a:rPr lang="en-GB" b="0" i="1" smtClean="0">
-                          <a:latin typeface="Cambria Math" panose="02040503050406030204" pitchFamily="18" charset="0"/>
-                        </a:rPr>
-                        <m:t>𝑓</m:t>
-                      </m:r>
-                      <m:r>
-                        <a:rPr lang="en-GB" b="0" i="1" smtClean="0">
-                          <a:latin typeface="Cambria Math" panose="02040503050406030204" pitchFamily="18" charset="0"/>
-                        </a:rPr>
-                        <m:t>(</m:t>
-                      </m:r>
-                      <m:sSup>
-                        <m:sSupPr>
-                          <m:ctrlPr>
-                            <a:rPr lang="en-GB" b="0" i="1" smtClean="0">
-                              <a:latin typeface="Cambria Math" panose="02040503050406030204" pitchFamily="18" charset="0"/>
-                            </a:rPr>
-                          </m:ctrlPr>
-                        </m:sSupPr>
-                        <m:e>
-                          <m:r>
-                            <a:rPr lang="en-GB" b="0" i="1" smtClean="0">
-                              <a:latin typeface="Cambria Math" panose="02040503050406030204" pitchFamily="18" charset="0"/>
-                            </a:rPr>
-                            <m:t>𝑚</m:t>
-                          </m:r>
-                        </m:e>
-                        <m:sup>
-                          <m:r>
-                            <a:rPr lang="en-GB" b="0" i="1" smtClean="0">
-                              <a:latin typeface="Cambria Math" panose="02040503050406030204" pitchFamily="18" charset="0"/>
-                            </a:rPr>
-                            <m:t>′</m:t>
-                          </m:r>
-                        </m:sup>
-                      </m:sSup>
-                      <m:r>
-                        <a:rPr lang="en-GB" b="0" i="1" smtClean="0">
-                          <a:latin typeface="Cambria Math" panose="02040503050406030204" pitchFamily="18" charset="0"/>
-                        </a:rPr>
-                        <m:t>)=</m:t>
-                      </m:r>
                       <m:sSup>
                         <m:sSupPr>
                           <m:ctrlPr>
@@ -5029,6 +4351,41 @@
                         </a:rPr>
                         <m:t>N</m:t>
                       </m:r>
+                      <m:r>
+                        <a:rPr lang="en-GB" b="0" i="0" smtClean="0">
+                          <a:latin typeface="Cambria Math" panose="02040503050406030204" pitchFamily="18" charset="0"/>
+                        </a:rPr>
+                        <m:t>=</m:t>
+                      </m:r>
+                      <m:r>
+                        <a:rPr lang="en-GB" i="1">
+                          <a:latin typeface="Cambria Math" panose="02040503050406030204" pitchFamily="18" charset="0"/>
+                        </a:rPr>
+                        <m:t>𝑓</m:t>
+                      </m:r>
+                      <m:d>
+                        <m:dPr>
+                          <m:ctrlPr>
+                            <a:rPr lang="en-GB" i="1">
+                              <a:latin typeface="Cambria Math" panose="02040503050406030204" pitchFamily="18" charset="0"/>
+                            </a:rPr>
+                          </m:ctrlPr>
+                        </m:dPr>
+                        <m:e>
+                          <m:r>
+                            <a:rPr lang="en-GB" i="1">
+                              <a:latin typeface="Cambria Math" panose="02040503050406030204" pitchFamily="18" charset="0"/>
+                            </a:rPr>
+                            <m:t>𝑚</m:t>
+                          </m:r>
+                          <m:r>
+                            <a:rPr lang="en-GB" b="0" i="1" smtClean="0">
+                              <a:latin typeface="Cambria Math" panose="02040503050406030204" pitchFamily="18" charset="0"/>
+                            </a:rPr>
+                            <m:t>′</m:t>
+                          </m:r>
+                        </m:e>
+                      </m:d>
                     </m:oMath>
                   </m:oMathPara>
                 </a14:m>
@@ -5079,6 +4436,13 @@
                           <a:ea typeface="Cambria Math" panose="02040503050406030204" pitchFamily="18" charset="0"/>
                         </a:rPr>
                         <m:t>=</m:t>
+                      </m:r>
+                      <m:r>
+                        <a:rPr lang="en-GB" b="0" i="1" smtClean="0">
+                          <a:latin typeface="Cambria Math" panose="02040503050406030204" pitchFamily="18" charset="0"/>
+                          <a:ea typeface="Cambria Math" panose="02040503050406030204" pitchFamily="18" charset="0"/>
+                        </a:rPr>
+                        <m:t>?</m:t>
                       </m:r>
                       <m:r>
                         <a:rPr lang="en-GB" b="0" i="1" smtClean="0">
@@ -5190,12 +4554,18 @@
 </p:sld>
 </file>
 
-<file path=ppt/slides/slide9.xml><?xml version="1.0" encoding="utf-8"?>
+<file path=ppt/slides/slide12.xml><?xml version="1.0" encoding="utf-8"?>
 <p:sld xmlns:a="http://schemas.openxmlformats.org/drawingml/2006/main" xmlns:r="http://schemas.openxmlformats.org/officeDocument/2006/relationships" xmlns:p="http://schemas.openxmlformats.org/presentationml/2006/main">
   <p:cSld>
     <p:spTree>
       <p:nvGrpSpPr>
-        <p:cNvPr id="1" name=""/>
+        <p:cNvPr id="1" name="">
+          <a:extLst>
+            <a:ext uri="{FF2B5EF4-FFF2-40B4-BE49-F238E27FC236}">
+              <a16:creationId xmlns:a16="http://schemas.microsoft.com/office/drawing/2014/main" id="{36E98B6B-7C4C-0CE9-54BC-9E8CC494E2E6}"/>
+            </a:ext>
+          </a:extLst>
+        </p:cNvPr>
         <p:cNvGrpSpPr/>
         <p:nvPr/>
       </p:nvGrpSpPr>
@@ -5212,7 +4582,7 @@
           <p:cNvPr id="2" name="Titre 1">
             <a:extLst>
               <a:ext uri="{FF2B5EF4-FFF2-40B4-BE49-F238E27FC236}">
-                <a16:creationId xmlns:a16="http://schemas.microsoft.com/office/drawing/2014/main" id="{F9211A1D-E31F-EF1D-9491-BE664E70518D}"/>
+                <a16:creationId xmlns:a16="http://schemas.microsoft.com/office/drawing/2014/main" id="{8B6E406F-A37C-6192-BF29-EE619FCC2791}"/>
               </a:ext>
             </a:extLst>
           </p:cNvPr>
@@ -5247,7 +4617,7 @@
               <p:cNvPr id="3" name="Espace réservé du contenu 2">
                 <a:extLst>
                   <a:ext uri="{FF2B5EF4-FFF2-40B4-BE49-F238E27FC236}">
-                    <a16:creationId xmlns:a16="http://schemas.microsoft.com/office/drawing/2014/main" id="{7268E4C1-3E1F-EFC1-078A-37C7ED7BBAE8}"/>
+                    <a16:creationId xmlns:a16="http://schemas.microsoft.com/office/drawing/2014/main" id="{AF4D9648-7971-1963-1C8A-CE53B7C9FC1D}"/>
                   </a:ext>
                 </a:extLst>
               </p:cNvPr>
@@ -5265,8 +4635,38 @@
               <a:p>
                 <a:r>
                   <a:rPr lang="fr-CH" dirty="0"/>
-                  <a:t> ISO/IEC 9796-2</a:t>
+                  <a:t> PKCS#1 V1.5</a:t>
                 </a:r>
+              </a:p>
+              <a:p>
+                <a:endParaRPr lang="fr-CH" dirty="0"/>
+              </a:p>
+              <a:p>
+                <a:pPr marL="0" indent="0" algn="ctr">
+                  <a:buNone/>
+                </a:pPr>
+                <a:r>
+                  <a:rPr lang="fr-CH" b="0" dirty="0">
+                    <a:latin typeface="Cambria Math" panose="02040503050406030204" pitchFamily="18" charset="0"/>
+                  </a:rPr>
+                  <a:t>00 || 01 || FF ... FF || ASN.1 || Hash(m)</a:t>
+                </a:r>
+              </a:p>
+              <a:p>
+                <a:pPr marL="0" indent="0">
+                  <a:buNone/>
+                </a:pPr>
+                <a:endParaRPr lang="fr-CH" i="1" dirty="0">
+                  <a:latin typeface="Cambria Math" panose="02040503050406030204" pitchFamily="18" charset="0"/>
+                </a:endParaRPr>
+              </a:p>
+              <a:p>
+                <a:pPr marL="0" indent="0">
+                  <a:buNone/>
+                </a:pPr>
+                <a:endParaRPr lang="en-GB" b="0" i="1" dirty="0">
+                  <a:latin typeface="Cambria Math" panose="02040503050406030204" pitchFamily="18" charset="0"/>
+                </a:endParaRPr>
               </a:p>
               <a:p>
                 <a:pPr marL="0" indent="0">
@@ -5294,43 +4694,7 @@
                         <a:rPr lang="en-GB" b="0" i="1" smtClean="0">
                           <a:latin typeface="Cambria Math" panose="02040503050406030204" pitchFamily="18" charset="0"/>
                         </a:rPr>
-                        <m:t>𝑏</m:t>
-                      </m:r>
-                      <m:r>
-                        <a:rPr lang="en-GB" b="0" i="1" smtClean="0">
-                          <a:latin typeface="Cambria Math" panose="02040503050406030204" pitchFamily="18" charset="0"/>
-                        </a:rPr>
-                        <m:t>∗</m:t>
-                      </m:r>
-                      <m:r>
-                        <a:rPr lang="en-GB" b="0" i="1" smtClean="0">
-                          <a:latin typeface="Cambria Math" panose="02040503050406030204" pitchFamily="18" charset="0"/>
-                        </a:rPr>
                         <m:t>𝑥</m:t>
-                      </m:r>
-                      <m:r>
-                        <a:rPr lang="en-GB" b="0" i="1" smtClean="0">
-                          <a:latin typeface="Cambria Math" panose="02040503050406030204" pitchFamily="18" charset="0"/>
-                        </a:rPr>
-                        <m:t>+</m:t>
-                      </m:r>
-                      <m:r>
-                        <a:rPr lang="en-GB" b="0" i="1" smtClean="0">
-                          <a:latin typeface="Cambria Math" panose="02040503050406030204" pitchFamily="18" charset="0"/>
-                        </a:rPr>
-                        <m:t>𝑐</m:t>
-                      </m:r>
-                      <m:r>
-                        <a:rPr lang="en-GB" b="0" i="1" smtClean="0">
-                          <a:latin typeface="Cambria Math" panose="02040503050406030204" pitchFamily="18" charset="0"/>
-                        </a:rPr>
-                        <m:t>∗</m:t>
-                      </m:r>
-                      <m:r>
-                        <a:rPr lang="en-GB" b="0" i="1" smtClean="0">
-                          <a:latin typeface="Cambria Math" panose="02040503050406030204" pitchFamily="18" charset="0"/>
-                        </a:rPr>
-                        <m:t>𝑦</m:t>
                       </m:r>
                     </m:oMath>
                   </m:oMathPara>
@@ -5339,31 +4703,29 @@
               </a:p>
               <a:p>
                 <a:r>
-                  <a:rPr lang="fr-CH" dirty="0" err="1"/>
-                  <a:t>Dfd</a:t>
+                  <a:rPr lang="fr-CH" i="1" dirty="0">
+                    <a:latin typeface="Cambria Math" panose="02040503050406030204" pitchFamily="18" charset="0"/>
+                    <a:ea typeface="Cambria Math" panose="02040503050406030204" pitchFamily="18" charset="0"/>
+                  </a:rPr>
+                  <a:t>a</a:t>
                 </a:r>
-                <a:endParaRPr lang="fr-CH" dirty="0"/>
+                <a:r>
+                  <a:rPr lang="fr-CH" dirty="0"/>
+                  <a:t> connu</a:t>
+                </a:r>
               </a:p>
               <a:p>
                 <a:r>
-                  <a:rPr lang="fr-CH" dirty="0" err="1"/>
-                  <a:t>Dfd</a:t>
+                  <a:rPr lang="fr-CH" i="1" dirty="0">
+                    <a:latin typeface="Cambria Math" panose="02040503050406030204" pitchFamily="18" charset="0"/>
+                    <a:ea typeface="Cambria Math" panose="02040503050406030204" pitchFamily="18" charset="0"/>
+                  </a:rPr>
+                  <a:t>x</a:t>
                 </a:r>
-                <a:endParaRPr lang="fr-CH" dirty="0"/>
-              </a:p>
-              <a:p>
                 <a:r>
-                  <a:rPr lang="fr-CH" dirty="0" err="1"/>
-                  <a:t>Fdf</a:t>
+                  <a:rPr lang="fr-CH" dirty="0"/>
+                  <a:t> inconnu</a:t>
                 </a:r>
-                <a:endParaRPr lang="fr-CH" dirty="0"/>
-              </a:p>
-              <a:p>
-                <a:r>
-                  <a:rPr lang="fr-CH" dirty="0" err="1"/>
-                  <a:t>fdf</a:t>
-                </a:r>
-                <a:endParaRPr lang="fr-CH" dirty="0"/>
               </a:p>
             </p:txBody>
           </p:sp>
@@ -5374,7 +4736,7 @@
               <p:cNvPr id="3" name="Espace réservé du contenu 2">
                 <a:extLst>
                   <a:ext uri="{FF2B5EF4-FFF2-40B4-BE49-F238E27FC236}">
-                    <a16:creationId xmlns:a16="http://schemas.microsoft.com/office/drawing/2014/main" id="{7268E4C1-3E1F-EFC1-078A-37C7ED7BBAE8}"/>
+                    <a16:creationId xmlns:a16="http://schemas.microsoft.com/office/drawing/2014/main" id="{AF4D9648-7971-1963-1C8A-CE53B7C9FC1D}"/>
                   </a:ext>
                 </a:extLst>
               </p:cNvPr>
@@ -5411,7 +4773,5745 @@
     </p:spTree>
     <p:extLst>
       <p:ext uri="{BB962C8B-B14F-4D97-AF65-F5344CB8AC3E}">
-        <p14:creationId xmlns:p14="http://schemas.microsoft.com/office/powerpoint/2010/main" val="1299444031"/>
+        <p14:creationId xmlns:p14="http://schemas.microsoft.com/office/powerpoint/2010/main" val="526755499"/>
+      </p:ext>
+    </p:extLst>
+  </p:cSld>
+  <p:clrMapOvr>
+    <a:masterClrMapping/>
+  </p:clrMapOvr>
+</p:sld>
+</file>
+
+<file path=ppt/slides/slide13.xml><?xml version="1.0" encoding="utf-8"?>
+<p:sld xmlns:a="http://schemas.openxmlformats.org/drawingml/2006/main" xmlns:r="http://schemas.openxmlformats.org/officeDocument/2006/relationships" xmlns:p="http://schemas.openxmlformats.org/presentationml/2006/main">
+  <p:cSld>
+    <p:spTree>
+      <p:nvGrpSpPr>
+        <p:cNvPr id="1" name=""/>
+        <p:cNvGrpSpPr/>
+        <p:nvPr/>
+      </p:nvGrpSpPr>
+      <p:grpSpPr>
+        <a:xfrm>
+          <a:off x="0" y="0"/>
+          <a:ext cx="0" cy="0"/>
+          <a:chOff x="0" y="0"/>
+          <a:chExt cx="0" cy="0"/>
+        </a:xfrm>
+      </p:grpSpPr>
+      <p:sp>
+        <p:nvSpPr>
+          <p:cNvPr id="2" name="Titre 1">
+            <a:extLst>
+              <a:ext uri="{FF2B5EF4-FFF2-40B4-BE49-F238E27FC236}">
+                <a16:creationId xmlns:a16="http://schemas.microsoft.com/office/drawing/2014/main" id="{5B2CA9CC-4A61-0425-9615-F5DE6DD8B7C0}"/>
+              </a:ext>
+            </a:extLst>
+          </p:cNvPr>
+          <p:cNvSpPr>
+            <a:spLocks noGrp="1"/>
+          </p:cNvSpPr>
+          <p:nvPr>
+            <p:ph type="title"/>
+          </p:nvPr>
+        </p:nvSpPr>
+        <p:spPr/>
+        <p:txBody>
+          <a:bodyPr/>
+          <a:lstStyle/>
+          <a:p>
+            <a:r>
+              <a:rPr lang="fr-CH" dirty="0"/>
+              <a:t>Théorème des restes chinois</a:t>
+            </a:r>
+          </a:p>
+        </p:txBody>
+      </p:sp>
+      <mc:AlternateContent xmlns:mc="http://schemas.openxmlformats.org/markup-compatibility/2006">
+        <mc:Choice xmlns:a14="http://schemas.microsoft.com/office/drawing/2010/main" Requires="a14">
+          <p:sp>
+            <p:nvSpPr>
+              <p:cNvPr id="3" name="Espace réservé du contenu 2">
+                <a:extLst>
+                  <a:ext uri="{FF2B5EF4-FFF2-40B4-BE49-F238E27FC236}">
+                    <a16:creationId xmlns:a16="http://schemas.microsoft.com/office/drawing/2014/main" id="{784A6639-9AEF-BD42-1ADD-7FBD1BDC262E}"/>
+                  </a:ext>
+                </a:extLst>
+              </p:cNvPr>
+              <p:cNvSpPr>
+                <a:spLocks noGrp="1"/>
+              </p:cNvSpPr>
+              <p:nvPr>
+                <p:ph idx="1"/>
+              </p:nvPr>
+            </p:nvSpPr>
+            <p:spPr/>
+            <p:txBody>
+              <a:bodyPr>
+                <a:normAutofit/>
+              </a:bodyPr>
+              <a:lstStyle/>
+              <a:p>
+                <a:r>
+                  <a:rPr lang="fr-CH" dirty="0"/>
+                  <a:t>Posons </a:t>
+                </a:r>
+                <a:r>
+                  <a:rPr lang="fr-CH" dirty="0">
+                    <a:latin typeface="Cambria Math" panose="02040503050406030204" pitchFamily="18" charset="0"/>
+                    <a:ea typeface="Cambria Math" panose="02040503050406030204" pitchFamily="18" charset="0"/>
+                  </a:rPr>
+                  <a:t>x</a:t>
+                </a:r>
+                <a:r>
+                  <a:rPr lang="fr-CH" dirty="0"/>
+                  <a:t> et </a:t>
+                </a:r>
+                <a:r>
+                  <a:rPr lang="fr-CH" dirty="0">
+                    <a:latin typeface="Cambria Math" panose="02040503050406030204" pitchFamily="18" charset="0"/>
+                    <a:ea typeface="Cambria Math" panose="02040503050406030204" pitchFamily="18" charset="0"/>
+                  </a:rPr>
+                  <a:t>x’</a:t>
+                </a:r>
+              </a:p>
+              <a:p>
+                <a:r>
+                  <a:rPr lang="fr-CH" dirty="0">
+                    <a:ea typeface="Cambria Math" panose="02040503050406030204" pitchFamily="18" charset="0"/>
+                  </a:rPr>
+                  <a:t>En sachant que :</a:t>
+                </a:r>
+              </a:p>
+              <a:p>
+                <a:pPr marL="0" indent="0" algn="ctr">
+                  <a:buNone/>
+                </a:pPr>
+                <a14:m>
+                  <m:oMathPara xmlns:m="http://schemas.openxmlformats.org/officeDocument/2006/math">
+                    <m:oMathParaPr>
+                      <m:jc m:val="centerGroup"/>
+                    </m:oMathParaPr>
+                    <m:oMath xmlns:m="http://schemas.openxmlformats.org/officeDocument/2006/math">
+                      <m:r>
+                        <a:rPr lang="en-GB" b="0" i="1" smtClean="0">
+                          <a:latin typeface="Cambria Math" panose="02040503050406030204" pitchFamily="18" charset="0"/>
+                          <a:ea typeface="Cambria Math" panose="02040503050406030204" pitchFamily="18" charset="0"/>
+                        </a:rPr>
+                        <m:t>𝑥</m:t>
+                      </m:r>
+                      <m:r>
+                        <a:rPr lang="en-GB" b="0" i="1" smtClean="0">
+                          <a:latin typeface="Cambria Math" panose="02040503050406030204" pitchFamily="18" charset="0"/>
+                          <a:ea typeface="Cambria Math" panose="02040503050406030204" pitchFamily="18" charset="0"/>
+                        </a:rPr>
+                        <m:t> </m:t>
+                      </m:r>
+                      <m:r>
+                        <a:rPr lang="en-GB" b="0" i="1" smtClean="0">
+                          <a:latin typeface="Cambria Math" panose="02040503050406030204" pitchFamily="18" charset="0"/>
+                          <a:ea typeface="Cambria Math" panose="02040503050406030204" pitchFamily="18" charset="0"/>
+                        </a:rPr>
+                        <m:t>𝑚𝑜𝑑</m:t>
+                      </m:r>
+                      <m:r>
+                        <a:rPr lang="en-GB" b="0" i="1" smtClean="0">
+                          <a:latin typeface="Cambria Math" panose="02040503050406030204" pitchFamily="18" charset="0"/>
+                          <a:ea typeface="Cambria Math" panose="02040503050406030204" pitchFamily="18" charset="0"/>
+                        </a:rPr>
+                        <m:t> </m:t>
+                      </m:r>
+                      <m:r>
+                        <a:rPr lang="en-GB" b="0" i="1" smtClean="0">
+                          <a:latin typeface="Cambria Math" panose="02040503050406030204" pitchFamily="18" charset="0"/>
+                          <a:ea typeface="Cambria Math" panose="02040503050406030204" pitchFamily="18" charset="0"/>
+                        </a:rPr>
+                        <m:t>𝑝</m:t>
+                      </m:r>
+                      <m:r>
+                        <a:rPr lang="fr-CH" i="1" smtClean="0">
+                          <a:latin typeface="Cambria Math" panose="02040503050406030204" pitchFamily="18" charset="0"/>
+                          <a:ea typeface="Cambria Math" panose="02040503050406030204" pitchFamily="18" charset="0"/>
+                        </a:rPr>
+                        <m:t>=</m:t>
+                      </m:r>
+                      <m:sSup>
+                        <m:sSupPr>
+                          <m:ctrlPr>
+                            <a:rPr lang="en-GB" b="0" i="1" smtClean="0">
+                              <a:latin typeface="Cambria Math" panose="02040503050406030204" pitchFamily="18" charset="0"/>
+                              <a:ea typeface="Cambria Math" panose="02040503050406030204" pitchFamily="18" charset="0"/>
+                            </a:rPr>
+                          </m:ctrlPr>
+                        </m:sSupPr>
+                        <m:e>
+                          <m:r>
+                            <a:rPr lang="en-GB" b="0" i="1" smtClean="0">
+                              <a:latin typeface="Cambria Math" panose="02040503050406030204" pitchFamily="18" charset="0"/>
+                              <a:ea typeface="Cambria Math" panose="02040503050406030204" pitchFamily="18" charset="0"/>
+                            </a:rPr>
+                            <m:t>𝑥</m:t>
+                          </m:r>
+                        </m:e>
+                        <m:sup>
+                          <m:r>
+                            <a:rPr lang="en-GB" b="0" i="1" smtClean="0">
+                              <a:latin typeface="Cambria Math" panose="02040503050406030204" pitchFamily="18" charset="0"/>
+                              <a:ea typeface="Cambria Math" panose="02040503050406030204" pitchFamily="18" charset="0"/>
+                            </a:rPr>
+                            <m:t>′</m:t>
+                          </m:r>
+                        </m:sup>
+                      </m:sSup>
+                      <m:r>
+                        <a:rPr lang="en-GB" b="0" i="1" smtClean="0">
+                          <a:latin typeface="Cambria Math" panose="02040503050406030204" pitchFamily="18" charset="0"/>
+                          <a:ea typeface="Cambria Math" panose="02040503050406030204" pitchFamily="18" charset="0"/>
+                        </a:rPr>
+                        <m:t>𝑚𝑜𝑑</m:t>
+                      </m:r>
+                      <m:r>
+                        <a:rPr lang="en-GB" b="0" i="1" smtClean="0">
+                          <a:latin typeface="Cambria Math" panose="02040503050406030204" pitchFamily="18" charset="0"/>
+                          <a:ea typeface="Cambria Math" panose="02040503050406030204" pitchFamily="18" charset="0"/>
+                        </a:rPr>
+                        <m:t> </m:t>
+                      </m:r>
+                      <m:r>
+                        <a:rPr lang="en-GB" b="0" i="1" smtClean="0">
+                          <a:latin typeface="Cambria Math" panose="02040503050406030204" pitchFamily="18" charset="0"/>
+                          <a:ea typeface="Cambria Math" panose="02040503050406030204" pitchFamily="18" charset="0"/>
+                        </a:rPr>
+                        <m:t>𝑝</m:t>
+                      </m:r>
+                    </m:oMath>
+                  </m:oMathPara>
+                </a14:m>
+                <a:endParaRPr lang="en-GB" b="0" dirty="0">
+                  <a:latin typeface="Cambria Math" panose="02040503050406030204" pitchFamily="18" charset="0"/>
+                  <a:ea typeface="Cambria Math" panose="02040503050406030204" pitchFamily="18" charset="0"/>
+                </a:endParaRPr>
+              </a:p>
+              <a:p>
+                <a:pPr marL="0" indent="0" algn="ctr">
+                  <a:buNone/>
+                </a:pPr>
+                <a14:m>
+                  <m:oMathPara xmlns:m="http://schemas.openxmlformats.org/officeDocument/2006/math">
+                    <m:oMathParaPr>
+                      <m:jc m:val="centerGroup"/>
+                    </m:oMathParaPr>
+                    <m:oMath xmlns:m="http://schemas.openxmlformats.org/officeDocument/2006/math">
+                      <m:r>
+                        <a:rPr lang="en-GB" b="0" i="1" smtClean="0">
+                          <a:latin typeface="Cambria Math" panose="02040503050406030204" pitchFamily="18" charset="0"/>
+                          <a:ea typeface="Cambria Math" panose="02040503050406030204" pitchFamily="18" charset="0"/>
+                        </a:rPr>
+                        <m:t>𝑥</m:t>
+                      </m:r>
+                      <m:r>
+                        <a:rPr lang="en-GB" b="0" i="1" smtClean="0">
+                          <a:latin typeface="Cambria Math" panose="02040503050406030204" pitchFamily="18" charset="0"/>
+                          <a:ea typeface="Cambria Math" panose="02040503050406030204" pitchFamily="18" charset="0"/>
+                        </a:rPr>
+                        <m:t> </m:t>
+                      </m:r>
+                      <m:r>
+                        <a:rPr lang="en-GB" b="0" i="1" smtClean="0">
+                          <a:latin typeface="Cambria Math" panose="02040503050406030204" pitchFamily="18" charset="0"/>
+                          <a:ea typeface="Cambria Math" panose="02040503050406030204" pitchFamily="18" charset="0"/>
+                        </a:rPr>
+                        <m:t>𝑚𝑜𝑑</m:t>
+                      </m:r>
+                      <m:r>
+                        <a:rPr lang="en-GB" b="0" i="1" smtClean="0">
+                          <a:latin typeface="Cambria Math" panose="02040503050406030204" pitchFamily="18" charset="0"/>
+                          <a:ea typeface="Cambria Math" panose="02040503050406030204" pitchFamily="18" charset="0"/>
+                        </a:rPr>
+                        <m:t> </m:t>
+                      </m:r>
+                      <m:r>
+                        <a:rPr lang="en-GB" b="0" i="1" smtClean="0">
+                          <a:latin typeface="Cambria Math" panose="02040503050406030204" pitchFamily="18" charset="0"/>
+                          <a:ea typeface="Cambria Math" panose="02040503050406030204" pitchFamily="18" charset="0"/>
+                        </a:rPr>
+                        <m:t>𝑞</m:t>
+                      </m:r>
+                      <m:r>
+                        <a:rPr lang="en-GB" b="0" i="1" smtClean="0">
+                          <a:latin typeface="Cambria Math" panose="02040503050406030204" pitchFamily="18" charset="0"/>
+                          <a:ea typeface="Cambria Math" panose="02040503050406030204" pitchFamily="18" charset="0"/>
+                        </a:rPr>
+                        <m:t> ≠</m:t>
+                      </m:r>
+                      <m:sSup>
+                        <m:sSupPr>
+                          <m:ctrlPr>
+                            <a:rPr lang="en-GB" b="0" i="1" smtClean="0">
+                              <a:latin typeface="Cambria Math" panose="02040503050406030204" pitchFamily="18" charset="0"/>
+                              <a:ea typeface="Cambria Math" panose="02040503050406030204" pitchFamily="18" charset="0"/>
+                            </a:rPr>
+                          </m:ctrlPr>
+                        </m:sSupPr>
+                        <m:e>
+                          <m:r>
+                            <a:rPr lang="en-GB" b="0" i="1" smtClean="0">
+                              <a:latin typeface="Cambria Math" panose="02040503050406030204" pitchFamily="18" charset="0"/>
+                              <a:ea typeface="Cambria Math" panose="02040503050406030204" pitchFamily="18" charset="0"/>
+                            </a:rPr>
+                            <m:t>𝑥</m:t>
+                          </m:r>
+                        </m:e>
+                        <m:sup>
+                          <m:r>
+                            <a:rPr lang="en-GB" b="0" i="1" smtClean="0">
+                              <a:latin typeface="Cambria Math" panose="02040503050406030204" pitchFamily="18" charset="0"/>
+                              <a:ea typeface="Cambria Math" panose="02040503050406030204" pitchFamily="18" charset="0"/>
+                            </a:rPr>
+                            <m:t>′</m:t>
+                          </m:r>
+                        </m:sup>
+                      </m:sSup>
+                      <m:r>
+                        <a:rPr lang="en-GB" b="0" i="1" smtClean="0">
+                          <a:latin typeface="Cambria Math" panose="02040503050406030204" pitchFamily="18" charset="0"/>
+                          <a:ea typeface="Cambria Math" panose="02040503050406030204" pitchFamily="18" charset="0"/>
+                        </a:rPr>
+                        <m:t>𝑚𝑜𝑑</m:t>
+                      </m:r>
+                      <m:r>
+                        <a:rPr lang="en-GB" b="0" i="1" smtClean="0">
+                          <a:latin typeface="Cambria Math" panose="02040503050406030204" pitchFamily="18" charset="0"/>
+                          <a:ea typeface="Cambria Math" panose="02040503050406030204" pitchFamily="18" charset="0"/>
+                        </a:rPr>
+                        <m:t> </m:t>
+                      </m:r>
+                      <m:r>
+                        <a:rPr lang="en-GB" b="0" i="1" smtClean="0">
+                          <a:latin typeface="Cambria Math" panose="02040503050406030204" pitchFamily="18" charset="0"/>
+                          <a:ea typeface="Cambria Math" panose="02040503050406030204" pitchFamily="18" charset="0"/>
+                        </a:rPr>
+                        <m:t>𝑞</m:t>
+                      </m:r>
+                    </m:oMath>
+                  </m:oMathPara>
+                </a14:m>
+                <a:endParaRPr lang="fr-CH" dirty="0">
+                  <a:latin typeface="Cambria Math" panose="02040503050406030204" pitchFamily="18" charset="0"/>
+                  <a:ea typeface="Cambria Math" panose="02040503050406030204" pitchFamily="18" charset="0"/>
+                </a:endParaRPr>
+              </a:p>
+              <a:p>
+                <a:pPr marL="0" indent="0" algn="ctr">
+                  <a:buNone/>
+                </a:pPr>
+                <a:endParaRPr lang="fr-CH" dirty="0">
+                  <a:latin typeface="Cambria Math" panose="02040503050406030204" pitchFamily="18" charset="0"/>
+                  <a:ea typeface="Cambria Math" panose="02040503050406030204" pitchFamily="18" charset="0"/>
+                </a:endParaRPr>
+              </a:p>
+              <a:p>
+                <a:pPr marL="0" indent="0">
+                  <a:buNone/>
+                </a:pPr>
+                <a:r>
+                  <a:rPr lang="fr-CH" dirty="0">
+                    <a:ea typeface="Cambria Math" panose="02040503050406030204" pitchFamily="18" charset="0"/>
+                  </a:rPr>
+                  <a:t>Que peut-on en déduire ?</a:t>
+                </a:r>
+              </a:p>
+              <a:p>
+                <a:pPr marL="0" indent="0">
+                  <a:buNone/>
+                </a:pPr>
+                <a:endParaRPr lang="fr-CH" dirty="0">
+                  <a:ea typeface="Cambria Math" panose="02040503050406030204" pitchFamily="18" charset="0"/>
+                </a:endParaRPr>
+              </a:p>
+              <a:p>
+                <a:pPr marL="0" indent="0">
+                  <a:buNone/>
+                </a:pPr>
+                <a:endParaRPr lang="fr-CH" dirty="0">
+                  <a:ea typeface="Cambria Math" panose="02040503050406030204" pitchFamily="18" charset="0"/>
+                </a:endParaRPr>
+              </a:p>
+              <a:p>
+                <a:pPr marL="0" indent="0">
+                  <a:buNone/>
+                </a:pPr>
+                <a:r>
+                  <a:rPr lang="fr-CH" dirty="0">
+                    <a:ea typeface="Cambria Math" panose="02040503050406030204" pitchFamily="18" charset="0"/>
+                  </a:rPr>
+                  <a:t>Nous considérons donc ici une erreur de calcul dans le corps </a:t>
+                </a:r>
+                <a14:m>
+                  <m:oMath xmlns:m="http://schemas.openxmlformats.org/officeDocument/2006/math">
+                    <m:sSub>
+                      <m:sSubPr>
+                        <m:ctrlPr>
+                          <a:rPr lang="fr-CH" i="1" smtClean="0">
+                            <a:latin typeface="Cambria Math" panose="02040503050406030204" pitchFamily="18" charset="0"/>
+                            <a:ea typeface="Cambria Math" panose="02040503050406030204" pitchFamily="18" charset="0"/>
+                          </a:rPr>
+                        </m:ctrlPr>
+                      </m:sSubPr>
+                      <m:e>
+                        <m:r>
+                          <a:rPr lang="fr-CH" i="1">
+                            <a:latin typeface="Cambria Math" panose="02040503050406030204" pitchFamily="18" charset="0"/>
+                            <a:ea typeface="Cambria Math" panose="02040503050406030204" pitchFamily="18" charset="0"/>
+                          </a:rPr>
+                          <m:t>ℤ</m:t>
+                        </m:r>
+                      </m:e>
+                      <m:sub>
+                        <m:r>
+                          <a:rPr lang="en-GB" b="0" i="1" smtClean="0">
+                            <a:latin typeface="Cambria Math" panose="02040503050406030204" pitchFamily="18" charset="0"/>
+                            <a:ea typeface="Cambria Math" panose="02040503050406030204" pitchFamily="18" charset="0"/>
+                          </a:rPr>
+                          <m:t>𝑞</m:t>
+                        </m:r>
+                      </m:sub>
+                    </m:sSub>
+                  </m:oMath>
+                </a14:m>
+                <a:endParaRPr lang="fr-CH" dirty="0">
+                  <a:ea typeface="Cambria Math" panose="02040503050406030204" pitchFamily="18" charset="0"/>
+                </a:endParaRPr>
+              </a:p>
+            </p:txBody>
+          </p:sp>
+        </mc:Choice>
+        <mc:Fallback>
+          <p:sp>
+            <p:nvSpPr>
+              <p:cNvPr id="3" name="Espace réservé du contenu 2">
+                <a:extLst>
+                  <a:ext uri="{FF2B5EF4-FFF2-40B4-BE49-F238E27FC236}">
+                    <a16:creationId xmlns:a16="http://schemas.microsoft.com/office/drawing/2014/main" id="{784A6639-9AEF-BD42-1ADD-7FBD1BDC262E}"/>
+                  </a:ext>
+                </a:extLst>
+              </p:cNvPr>
+              <p:cNvSpPr>
+                <a:spLocks noGrp="1" noRot="1" noChangeAspect="1" noMove="1" noResize="1" noEditPoints="1" noAdjustHandles="1" noChangeArrowheads="1" noChangeShapeType="1" noTextEdit="1"/>
+              </p:cNvSpPr>
+              <p:nvPr>
+                <p:ph idx="1"/>
+              </p:nvPr>
+            </p:nvSpPr>
+            <p:spPr>
+              <a:blipFill>
+                <a:blip r:embed="rId2"/>
+                <a:stretch>
+                  <a:fillRect l="-1217" t="-2801" b="-3361"/>
+                </a:stretch>
+              </a:blipFill>
+            </p:spPr>
+            <p:txBody>
+              <a:bodyPr/>
+              <a:lstStyle/>
+              <a:p>
+                <a:r>
+                  <a:rPr lang="fr-CH">
+                    <a:noFill/>
+                  </a:rPr>
+                  <a:t> </a:t>
+                </a:r>
+              </a:p>
+            </p:txBody>
+          </p:sp>
+        </mc:Fallback>
+      </mc:AlternateContent>
+    </p:spTree>
+    <p:extLst>
+      <p:ext uri="{BB962C8B-B14F-4D97-AF65-F5344CB8AC3E}">
+        <p14:creationId xmlns:p14="http://schemas.microsoft.com/office/powerpoint/2010/main" val="3523110775"/>
+      </p:ext>
+    </p:extLst>
+  </p:cSld>
+  <p:clrMapOvr>
+    <a:masterClrMapping/>
+  </p:clrMapOvr>
+</p:sld>
+</file>
+
+<file path=ppt/slides/slide14.xml><?xml version="1.0" encoding="utf-8"?>
+<p:sld xmlns:a="http://schemas.openxmlformats.org/drawingml/2006/main" xmlns:r="http://schemas.openxmlformats.org/officeDocument/2006/relationships" xmlns:p="http://schemas.openxmlformats.org/presentationml/2006/main">
+  <p:cSld>
+    <p:spTree>
+      <p:nvGrpSpPr>
+        <p:cNvPr id="1" name="">
+          <a:extLst>
+            <a:ext uri="{FF2B5EF4-FFF2-40B4-BE49-F238E27FC236}">
+              <a16:creationId xmlns:a16="http://schemas.microsoft.com/office/drawing/2014/main" id="{C5DF769E-2202-9386-74B0-749D3CB00318}"/>
+            </a:ext>
+          </a:extLst>
+        </p:cNvPr>
+        <p:cNvGrpSpPr/>
+        <p:nvPr/>
+      </p:nvGrpSpPr>
+      <p:grpSpPr>
+        <a:xfrm>
+          <a:off x="0" y="0"/>
+          <a:ext cx="0" cy="0"/>
+          <a:chOff x="0" y="0"/>
+          <a:chExt cx="0" cy="0"/>
+        </a:xfrm>
+      </p:grpSpPr>
+      <p:sp>
+        <p:nvSpPr>
+          <p:cNvPr id="2" name="Titre 1">
+            <a:extLst>
+              <a:ext uri="{FF2B5EF4-FFF2-40B4-BE49-F238E27FC236}">
+                <a16:creationId xmlns:a16="http://schemas.microsoft.com/office/drawing/2014/main" id="{FFA9DE44-4061-B521-FE24-AB9C4B6E10FA}"/>
+              </a:ext>
+            </a:extLst>
+          </p:cNvPr>
+          <p:cNvSpPr>
+            <a:spLocks noGrp="1"/>
+          </p:cNvSpPr>
+          <p:nvPr>
+            <p:ph type="title"/>
+          </p:nvPr>
+        </p:nvSpPr>
+        <p:spPr/>
+        <p:txBody>
+          <a:bodyPr/>
+          <a:lstStyle/>
+          <a:p>
+            <a:r>
+              <a:rPr lang="fr-CH" dirty="0"/>
+              <a:t>Théorème des restes chinois</a:t>
+            </a:r>
+          </a:p>
+        </p:txBody>
+      </p:sp>
+      <mc:AlternateContent xmlns:mc="http://schemas.openxmlformats.org/markup-compatibility/2006">
+        <mc:Choice xmlns:a14="http://schemas.microsoft.com/office/drawing/2010/main" Requires="a14">
+          <p:sp>
+            <p:nvSpPr>
+              <p:cNvPr id="3" name="Espace réservé du contenu 2">
+                <a:extLst>
+                  <a:ext uri="{FF2B5EF4-FFF2-40B4-BE49-F238E27FC236}">
+                    <a16:creationId xmlns:a16="http://schemas.microsoft.com/office/drawing/2014/main" id="{D6C51C13-FFBC-7475-497F-6001D4B549AB}"/>
+                  </a:ext>
+                </a:extLst>
+              </p:cNvPr>
+              <p:cNvSpPr>
+                <a:spLocks noGrp="1"/>
+              </p:cNvSpPr>
+              <p:nvPr>
+                <p:ph idx="1"/>
+              </p:nvPr>
+            </p:nvSpPr>
+            <p:spPr/>
+            <p:txBody>
+              <a:bodyPr/>
+              <a:lstStyle/>
+              <a:p>
+                <a:pPr marL="0" indent="0" algn="ctr">
+                  <a:buNone/>
+                </a:pPr>
+                <a:endParaRPr lang="en-GB" dirty="0">
+                  <a:ea typeface="Cambria Math" panose="02040503050406030204" pitchFamily="18" charset="0"/>
+                </a:endParaRPr>
+              </a:p>
+              <a:p>
+                <a:pPr marL="0" indent="0" algn="ctr">
+                  <a:buNone/>
+                </a:pPr>
+                <a:r>
+                  <a:rPr lang="en-GB" b="0" dirty="0">
+                    <a:ea typeface="Cambria Math" panose="02040503050406030204" pitchFamily="18" charset="0"/>
+                  </a:rPr>
+                  <a:t>(</a:t>
+                </a:r>
+                <a14:m>
+                  <m:oMath xmlns:m="http://schemas.openxmlformats.org/officeDocument/2006/math">
+                    <m:r>
+                      <a:rPr lang="en-GB" b="0" i="1" smtClean="0">
+                        <a:latin typeface="Cambria Math" panose="02040503050406030204" pitchFamily="18" charset="0"/>
+                        <a:ea typeface="Cambria Math" panose="02040503050406030204" pitchFamily="18" charset="0"/>
+                      </a:rPr>
+                      <m:t>𝑥</m:t>
+                    </m:r>
+                    <m:r>
+                      <a:rPr lang="en-GB" b="0" i="1" smtClean="0">
+                        <a:latin typeface="Cambria Math" panose="02040503050406030204" pitchFamily="18" charset="0"/>
+                        <a:ea typeface="Cambria Math" panose="02040503050406030204" pitchFamily="18" charset="0"/>
+                      </a:rPr>
+                      <m:t> −</m:t>
+                    </m:r>
+                    <m:r>
+                      <a:rPr lang="en-GB" b="0" i="1" smtClean="0">
+                        <a:latin typeface="Cambria Math" panose="02040503050406030204" pitchFamily="18" charset="0"/>
+                        <a:ea typeface="Cambria Math" panose="02040503050406030204" pitchFamily="18" charset="0"/>
+                      </a:rPr>
+                      <m:t>𝑥</m:t>
+                    </m:r>
+                    <m:r>
+                      <a:rPr lang="en-GB" b="0" i="1" smtClean="0">
+                        <a:latin typeface="Cambria Math" panose="02040503050406030204" pitchFamily="18" charset="0"/>
+                        <a:ea typeface="Cambria Math" panose="02040503050406030204" pitchFamily="18" charset="0"/>
+                      </a:rPr>
+                      <m:t>′) </m:t>
+                    </m:r>
+                    <m:r>
+                      <a:rPr lang="en-GB" b="0" i="1" smtClean="0">
+                        <a:latin typeface="Cambria Math" panose="02040503050406030204" pitchFamily="18" charset="0"/>
+                        <a:ea typeface="Cambria Math" panose="02040503050406030204" pitchFamily="18" charset="0"/>
+                      </a:rPr>
+                      <m:t>𝑚𝑜𝑑</m:t>
+                    </m:r>
+                    <m:r>
+                      <a:rPr lang="en-GB" b="0" i="1" smtClean="0">
+                        <a:latin typeface="Cambria Math" panose="02040503050406030204" pitchFamily="18" charset="0"/>
+                        <a:ea typeface="Cambria Math" panose="02040503050406030204" pitchFamily="18" charset="0"/>
+                      </a:rPr>
+                      <m:t> </m:t>
+                    </m:r>
+                    <m:r>
+                      <a:rPr lang="en-GB" b="0" i="1" smtClean="0">
+                        <a:latin typeface="Cambria Math" panose="02040503050406030204" pitchFamily="18" charset="0"/>
+                        <a:ea typeface="Cambria Math" panose="02040503050406030204" pitchFamily="18" charset="0"/>
+                      </a:rPr>
+                      <m:t>𝑝</m:t>
+                    </m:r>
+                    <m:r>
+                      <a:rPr lang="fr-CH" i="1" smtClean="0">
+                        <a:latin typeface="Cambria Math" panose="02040503050406030204" pitchFamily="18" charset="0"/>
+                        <a:ea typeface="Cambria Math" panose="02040503050406030204" pitchFamily="18" charset="0"/>
+                      </a:rPr>
+                      <m:t>=</m:t>
+                    </m:r>
+                    <m:r>
+                      <a:rPr lang="en-GB" b="0" i="1" smtClean="0">
+                        <a:latin typeface="Cambria Math" panose="02040503050406030204" pitchFamily="18" charset="0"/>
+                        <a:ea typeface="Cambria Math" panose="02040503050406030204" pitchFamily="18" charset="0"/>
+                      </a:rPr>
+                      <m:t>0</m:t>
+                    </m:r>
+                  </m:oMath>
+                </a14:m>
+                <a:endParaRPr lang="en-GB" b="0" dirty="0">
+                  <a:latin typeface="Cambria Math" panose="02040503050406030204" pitchFamily="18" charset="0"/>
+                  <a:ea typeface="Cambria Math" panose="02040503050406030204" pitchFamily="18" charset="0"/>
+                </a:endParaRPr>
+              </a:p>
+              <a:p>
+                <a:pPr marL="0" indent="0" algn="ctr">
+                  <a:buNone/>
+                </a:pPr>
+                <a:endParaRPr lang="en-GB" b="0" dirty="0">
+                  <a:latin typeface="Cambria Math" panose="02040503050406030204" pitchFamily="18" charset="0"/>
+                  <a:ea typeface="Cambria Math" panose="02040503050406030204" pitchFamily="18" charset="0"/>
+                </a:endParaRPr>
+              </a:p>
+              <a:p>
+                <a:pPr marL="0" indent="0" algn="ctr">
+                  <a:buNone/>
+                </a:pPr>
+                <a14:m>
+                  <m:oMathPara xmlns:m="http://schemas.openxmlformats.org/officeDocument/2006/math">
+                    <m:oMathParaPr>
+                      <m:jc m:val="centerGroup"/>
+                    </m:oMathParaPr>
+                    <m:oMath xmlns:m="http://schemas.openxmlformats.org/officeDocument/2006/math">
+                      <m:r>
+                        <a:rPr lang="en-GB" b="0" i="1" smtClean="0">
+                          <a:latin typeface="Cambria Math" panose="02040503050406030204" pitchFamily="18" charset="0"/>
+                          <a:ea typeface="Cambria Math" panose="02040503050406030204" pitchFamily="18" charset="0"/>
+                        </a:rPr>
+                        <m:t>(</m:t>
+                      </m:r>
+                      <m:r>
+                        <a:rPr lang="en-GB" b="0" i="1" smtClean="0">
+                          <a:latin typeface="Cambria Math" panose="02040503050406030204" pitchFamily="18" charset="0"/>
+                          <a:ea typeface="Cambria Math" panose="02040503050406030204" pitchFamily="18" charset="0"/>
+                        </a:rPr>
+                        <m:t>𝑥</m:t>
+                      </m:r>
+                      <m:r>
+                        <a:rPr lang="en-GB" b="0" i="1" smtClean="0">
+                          <a:latin typeface="Cambria Math" panose="02040503050406030204" pitchFamily="18" charset="0"/>
+                          <a:ea typeface="Cambria Math" panose="02040503050406030204" pitchFamily="18" charset="0"/>
+                        </a:rPr>
+                        <m:t> −</m:t>
+                      </m:r>
+                      <m:sSup>
+                        <m:sSupPr>
+                          <m:ctrlPr>
+                            <a:rPr lang="en-GB" b="0" i="1" smtClean="0">
+                              <a:latin typeface="Cambria Math" panose="02040503050406030204" pitchFamily="18" charset="0"/>
+                              <a:ea typeface="Cambria Math" panose="02040503050406030204" pitchFamily="18" charset="0"/>
+                            </a:rPr>
+                          </m:ctrlPr>
+                        </m:sSupPr>
+                        <m:e>
+                          <m:r>
+                            <a:rPr lang="en-GB" b="0" i="1" smtClean="0">
+                              <a:latin typeface="Cambria Math" panose="02040503050406030204" pitchFamily="18" charset="0"/>
+                              <a:ea typeface="Cambria Math" panose="02040503050406030204" pitchFamily="18" charset="0"/>
+                            </a:rPr>
+                            <m:t>𝑥</m:t>
+                          </m:r>
+                        </m:e>
+                        <m:sup>
+                          <m:r>
+                            <a:rPr lang="en-GB" b="0" i="1" smtClean="0">
+                              <a:latin typeface="Cambria Math" panose="02040503050406030204" pitchFamily="18" charset="0"/>
+                              <a:ea typeface="Cambria Math" panose="02040503050406030204" pitchFamily="18" charset="0"/>
+                            </a:rPr>
+                            <m:t>′</m:t>
+                          </m:r>
+                        </m:sup>
+                      </m:sSup>
+                      <m:r>
+                        <a:rPr lang="en-GB" b="0" i="1" smtClean="0">
+                          <a:latin typeface="Cambria Math" panose="02040503050406030204" pitchFamily="18" charset="0"/>
+                          <a:ea typeface="Cambria Math" panose="02040503050406030204" pitchFamily="18" charset="0"/>
+                        </a:rPr>
+                        <m:t>) </m:t>
+                      </m:r>
+                      <m:r>
+                        <a:rPr lang="en-GB" b="0" i="1" smtClean="0">
+                          <a:latin typeface="Cambria Math" panose="02040503050406030204" pitchFamily="18" charset="0"/>
+                          <a:ea typeface="Cambria Math" panose="02040503050406030204" pitchFamily="18" charset="0"/>
+                        </a:rPr>
+                        <m:t>𝑚𝑜𝑑</m:t>
+                      </m:r>
+                      <m:r>
+                        <a:rPr lang="en-GB" b="0" i="1" smtClean="0">
+                          <a:latin typeface="Cambria Math" panose="02040503050406030204" pitchFamily="18" charset="0"/>
+                          <a:ea typeface="Cambria Math" panose="02040503050406030204" pitchFamily="18" charset="0"/>
+                        </a:rPr>
+                        <m:t> </m:t>
+                      </m:r>
+                      <m:r>
+                        <a:rPr lang="en-GB" b="0" i="1" smtClean="0">
+                          <a:latin typeface="Cambria Math" panose="02040503050406030204" pitchFamily="18" charset="0"/>
+                          <a:ea typeface="Cambria Math" panose="02040503050406030204" pitchFamily="18" charset="0"/>
+                        </a:rPr>
+                        <m:t>𝑞</m:t>
+                      </m:r>
+                      <m:r>
+                        <a:rPr lang="en-GB" b="0" i="1" smtClean="0">
+                          <a:latin typeface="Cambria Math" panose="02040503050406030204" pitchFamily="18" charset="0"/>
+                          <a:ea typeface="Cambria Math" panose="02040503050406030204" pitchFamily="18" charset="0"/>
+                        </a:rPr>
+                        <m:t> ≠0</m:t>
+                      </m:r>
+                    </m:oMath>
+                  </m:oMathPara>
+                </a14:m>
+                <a:endParaRPr lang="fr-CH" dirty="0">
+                  <a:latin typeface="Cambria Math" panose="02040503050406030204" pitchFamily="18" charset="0"/>
+                  <a:ea typeface="Cambria Math" panose="02040503050406030204" pitchFamily="18" charset="0"/>
+                </a:endParaRPr>
+              </a:p>
+              <a:p>
+                <a:pPr marL="0" indent="0" algn="ctr">
+                  <a:buNone/>
+                </a:pPr>
+                <a:endParaRPr lang="fr-CH" dirty="0">
+                  <a:latin typeface="Cambria Math" panose="02040503050406030204" pitchFamily="18" charset="0"/>
+                  <a:ea typeface="Cambria Math" panose="02040503050406030204" pitchFamily="18" charset="0"/>
+                </a:endParaRPr>
+              </a:p>
+              <a:p>
+                <a:pPr marL="0" indent="0" algn="ctr">
+                  <a:buNone/>
+                </a:pPr>
+                <a14:m>
+                  <m:oMathPara xmlns:m="http://schemas.openxmlformats.org/officeDocument/2006/math">
+                    <m:oMathParaPr>
+                      <m:jc m:val="centerGroup"/>
+                    </m:oMathParaPr>
+                    <m:oMath xmlns:m="http://schemas.openxmlformats.org/officeDocument/2006/math">
+                      <m:d>
+                        <m:dPr>
+                          <m:ctrlPr>
+                            <a:rPr lang="en-GB" b="0" i="1" smtClean="0">
+                              <a:latin typeface="Cambria Math" panose="02040503050406030204" pitchFamily="18" charset="0"/>
+                              <a:ea typeface="Cambria Math" panose="02040503050406030204" pitchFamily="18" charset="0"/>
+                            </a:rPr>
+                          </m:ctrlPr>
+                        </m:dPr>
+                        <m:e>
+                          <m:r>
+                            <a:rPr lang="en-GB" b="0" i="1" smtClean="0">
+                              <a:latin typeface="Cambria Math" panose="02040503050406030204" pitchFamily="18" charset="0"/>
+                              <a:ea typeface="Cambria Math" panose="02040503050406030204" pitchFamily="18" charset="0"/>
+                            </a:rPr>
+                            <m:t>𝑥</m:t>
+                          </m:r>
+                          <m:r>
+                            <a:rPr lang="en-GB" b="0" i="1" smtClean="0">
+                              <a:latin typeface="Cambria Math" panose="02040503050406030204" pitchFamily="18" charset="0"/>
+                              <a:ea typeface="Cambria Math" panose="02040503050406030204" pitchFamily="18" charset="0"/>
+                            </a:rPr>
+                            <m:t> −</m:t>
+                          </m:r>
+                          <m:sSup>
+                            <m:sSupPr>
+                              <m:ctrlPr>
+                                <a:rPr lang="en-GB" b="0" i="1" smtClean="0">
+                                  <a:latin typeface="Cambria Math" panose="02040503050406030204" pitchFamily="18" charset="0"/>
+                                  <a:ea typeface="Cambria Math" panose="02040503050406030204" pitchFamily="18" charset="0"/>
+                                </a:rPr>
+                              </m:ctrlPr>
+                            </m:sSupPr>
+                            <m:e>
+                              <m:r>
+                                <a:rPr lang="en-GB" b="0" i="1" smtClean="0">
+                                  <a:latin typeface="Cambria Math" panose="02040503050406030204" pitchFamily="18" charset="0"/>
+                                  <a:ea typeface="Cambria Math" panose="02040503050406030204" pitchFamily="18" charset="0"/>
+                                </a:rPr>
+                                <m:t>𝑥</m:t>
+                              </m:r>
+                            </m:e>
+                            <m:sup>
+                              <m:r>
+                                <a:rPr lang="en-GB" b="0" i="1" smtClean="0">
+                                  <a:latin typeface="Cambria Math" panose="02040503050406030204" pitchFamily="18" charset="0"/>
+                                  <a:ea typeface="Cambria Math" panose="02040503050406030204" pitchFamily="18" charset="0"/>
+                                </a:rPr>
+                                <m:t>′</m:t>
+                              </m:r>
+                            </m:sup>
+                          </m:sSup>
+                        </m:e>
+                      </m:d>
+                      <m:r>
+                        <a:rPr lang="en-GB" b="0" i="1" smtClean="0">
+                          <a:latin typeface="Cambria Math" panose="02040503050406030204" pitchFamily="18" charset="0"/>
+                          <a:ea typeface="Cambria Math" panose="02040503050406030204" pitchFamily="18" charset="0"/>
+                        </a:rPr>
+                        <m:t> </m:t>
+                      </m:r>
+                      <m:r>
+                        <a:rPr lang="en-GB" b="0" i="1" smtClean="0">
+                          <a:latin typeface="Cambria Math" panose="02040503050406030204" pitchFamily="18" charset="0"/>
+                          <a:ea typeface="Cambria Math" panose="02040503050406030204" pitchFamily="18" charset="0"/>
+                        </a:rPr>
+                        <m:t>𝑚𝑜𝑑</m:t>
+                      </m:r>
+                      <m:r>
+                        <a:rPr lang="en-GB" b="0" i="1" smtClean="0">
+                          <a:latin typeface="Cambria Math" panose="02040503050406030204" pitchFamily="18" charset="0"/>
+                          <a:ea typeface="Cambria Math" panose="02040503050406030204" pitchFamily="18" charset="0"/>
+                        </a:rPr>
+                        <m:t> </m:t>
+                      </m:r>
+                      <m:r>
+                        <a:rPr lang="en-GB" b="0" i="1" smtClean="0">
+                          <a:latin typeface="Cambria Math" panose="02040503050406030204" pitchFamily="18" charset="0"/>
+                          <a:ea typeface="Cambria Math" panose="02040503050406030204" pitchFamily="18" charset="0"/>
+                        </a:rPr>
+                        <m:t>𝑛</m:t>
+                      </m:r>
+                      <m:r>
+                        <a:rPr lang="en-GB" b="0" i="1" smtClean="0">
+                          <a:latin typeface="Cambria Math" panose="02040503050406030204" pitchFamily="18" charset="0"/>
+                          <a:ea typeface="Cambria Math" panose="02040503050406030204" pitchFamily="18" charset="0"/>
+                        </a:rPr>
+                        <m:t>=</m:t>
+                      </m:r>
+                      <m:r>
+                        <a:rPr lang="en-GB" b="0" i="1" smtClean="0">
+                          <a:latin typeface="Cambria Math" panose="02040503050406030204" pitchFamily="18" charset="0"/>
+                          <a:ea typeface="Cambria Math" panose="02040503050406030204" pitchFamily="18" charset="0"/>
+                        </a:rPr>
+                        <m:t>𝑘</m:t>
+                      </m:r>
+                      <m:r>
+                        <a:rPr lang="en-GB" b="0" i="1" smtClean="0">
+                          <a:latin typeface="Cambria Math" panose="02040503050406030204" pitchFamily="18" charset="0"/>
+                          <a:ea typeface="Cambria Math" panose="02040503050406030204" pitchFamily="18" charset="0"/>
+                        </a:rPr>
+                        <m:t> ∗</m:t>
+                      </m:r>
+                      <m:r>
+                        <a:rPr lang="en-GB" b="0" i="1" smtClean="0">
+                          <a:latin typeface="Cambria Math" panose="02040503050406030204" pitchFamily="18" charset="0"/>
+                          <a:ea typeface="Cambria Math" panose="02040503050406030204" pitchFamily="18" charset="0"/>
+                        </a:rPr>
+                        <m:t>𝑝</m:t>
+                      </m:r>
+                      <m:r>
+                        <a:rPr lang="en-GB" b="0" i="1" smtClean="0">
+                          <a:latin typeface="Cambria Math" panose="02040503050406030204" pitchFamily="18" charset="0"/>
+                          <a:ea typeface="Cambria Math" panose="02040503050406030204" pitchFamily="18" charset="0"/>
+                        </a:rPr>
+                        <m:t>+</m:t>
+                      </m:r>
+                      <m:r>
+                        <a:rPr lang="en-GB" b="0" i="1" smtClean="0">
+                          <a:latin typeface="Cambria Math" panose="02040503050406030204" pitchFamily="18" charset="0"/>
+                          <a:ea typeface="Cambria Math" panose="02040503050406030204" pitchFamily="18" charset="0"/>
+                        </a:rPr>
+                        <m:t>h</m:t>
+                      </m:r>
+                    </m:oMath>
+                  </m:oMathPara>
+                </a14:m>
+                <a:endParaRPr lang="fr-CH" dirty="0">
+                  <a:latin typeface="Cambria Math" panose="02040503050406030204" pitchFamily="18" charset="0"/>
+                  <a:ea typeface="Cambria Math" panose="02040503050406030204" pitchFamily="18" charset="0"/>
+                </a:endParaRPr>
+              </a:p>
+            </p:txBody>
+          </p:sp>
+        </mc:Choice>
+        <mc:Fallback>
+          <p:sp>
+            <p:nvSpPr>
+              <p:cNvPr id="3" name="Espace réservé du contenu 2">
+                <a:extLst>
+                  <a:ext uri="{FF2B5EF4-FFF2-40B4-BE49-F238E27FC236}">
+                    <a16:creationId xmlns:a16="http://schemas.microsoft.com/office/drawing/2014/main" id="{D6C51C13-FFBC-7475-497F-6001D4B549AB}"/>
+                  </a:ext>
+                </a:extLst>
+              </p:cNvPr>
+              <p:cNvSpPr>
+                <a:spLocks noGrp="1" noRot="1" noChangeAspect="1" noMove="1" noResize="1" noEditPoints="1" noAdjustHandles="1" noChangeArrowheads="1" noChangeShapeType="1" noTextEdit="1"/>
+              </p:cNvSpPr>
+              <p:nvPr>
+                <p:ph idx="1"/>
+              </p:nvPr>
+            </p:nvSpPr>
+            <p:spPr>
+              <a:blipFill>
+                <a:blip r:embed="rId2"/>
+                <a:stretch>
+                  <a:fillRect/>
+                </a:stretch>
+              </a:blipFill>
+            </p:spPr>
+            <p:txBody>
+              <a:bodyPr/>
+              <a:lstStyle/>
+              <a:p>
+                <a:r>
+                  <a:rPr lang="fr-CH">
+                    <a:noFill/>
+                  </a:rPr>
+                  <a:t> </a:t>
+                </a:r>
+              </a:p>
+            </p:txBody>
+          </p:sp>
+        </mc:Fallback>
+      </mc:AlternateContent>
+    </p:spTree>
+    <p:extLst>
+      <p:ext uri="{BB962C8B-B14F-4D97-AF65-F5344CB8AC3E}">
+        <p14:creationId xmlns:p14="http://schemas.microsoft.com/office/powerpoint/2010/main" val="3926137242"/>
+      </p:ext>
+    </p:extLst>
+  </p:cSld>
+  <p:clrMapOvr>
+    <a:masterClrMapping/>
+  </p:clrMapOvr>
+</p:sld>
+</file>
+
+<file path=ppt/slides/slide15.xml><?xml version="1.0" encoding="utf-8"?>
+<p:sld xmlns:a="http://schemas.openxmlformats.org/drawingml/2006/main" xmlns:r="http://schemas.openxmlformats.org/officeDocument/2006/relationships" xmlns:p="http://schemas.openxmlformats.org/presentationml/2006/main">
+  <p:cSld>
+    <p:spTree>
+      <p:nvGrpSpPr>
+        <p:cNvPr id="1" name=""/>
+        <p:cNvGrpSpPr/>
+        <p:nvPr/>
+      </p:nvGrpSpPr>
+      <p:grpSpPr>
+        <a:xfrm>
+          <a:off x="0" y="0"/>
+          <a:ext cx="0" cy="0"/>
+          <a:chOff x="0" y="0"/>
+          <a:chExt cx="0" cy="0"/>
+        </a:xfrm>
+      </p:grpSpPr>
+      <p:sp>
+        <p:nvSpPr>
+          <p:cNvPr id="2" name="Titre 1">
+            <a:extLst>
+              <a:ext uri="{FF2B5EF4-FFF2-40B4-BE49-F238E27FC236}">
+                <a16:creationId xmlns:a16="http://schemas.microsoft.com/office/drawing/2014/main" id="{EB43DC59-7D1D-0024-95AB-4C5909298ECF}"/>
+              </a:ext>
+            </a:extLst>
+          </p:cNvPr>
+          <p:cNvSpPr>
+            <a:spLocks noGrp="1"/>
+          </p:cNvSpPr>
+          <p:nvPr>
+            <p:ph type="ctrTitle"/>
+          </p:nvPr>
+        </p:nvSpPr>
+        <p:spPr/>
+        <p:txBody>
+          <a:bodyPr/>
+          <a:lstStyle/>
+          <a:p>
+            <a:r>
+              <a:rPr lang="fr-CH" dirty="0"/>
+              <a:t>Cassez la construction !</a:t>
+            </a:r>
+          </a:p>
+        </p:txBody>
+      </p:sp>
+      <p:sp>
+        <p:nvSpPr>
+          <p:cNvPr id="3" name="Sous-titre 2">
+            <a:extLst>
+              <a:ext uri="{FF2B5EF4-FFF2-40B4-BE49-F238E27FC236}">
+                <a16:creationId xmlns:a16="http://schemas.microsoft.com/office/drawing/2014/main" id="{E445D0B8-3331-14CB-D862-B87D08C330DA}"/>
+              </a:ext>
+            </a:extLst>
+          </p:cNvPr>
+          <p:cNvSpPr>
+            <a:spLocks noGrp="1"/>
+          </p:cNvSpPr>
+          <p:nvPr>
+            <p:ph type="subTitle" idx="1"/>
+          </p:nvPr>
+        </p:nvSpPr>
+        <p:spPr/>
+        <p:txBody>
+          <a:bodyPr/>
+          <a:lstStyle/>
+          <a:p>
+            <a:endParaRPr lang="fr-CH"/>
+          </a:p>
+        </p:txBody>
+      </p:sp>
+    </p:spTree>
+    <p:extLst>
+      <p:ext uri="{BB962C8B-B14F-4D97-AF65-F5344CB8AC3E}">
+        <p14:creationId xmlns:p14="http://schemas.microsoft.com/office/powerpoint/2010/main" val="742367092"/>
+      </p:ext>
+    </p:extLst>
+  </p:cSld>
+  <p:clrMapOvr>
+    <a:masterClrMapping/>
+  </p:clrMapOvr>
+</p:sld>
+</file>
+
+<file path=ppt/slides/slide16.xml><?xml version="1.0" encoding="utf-8"?>
+<p:sld xmlns:a="http://schemas.openxmlformats.org/drawingml/2006/main" xmlns:r="http://schemas.openxmlformats.org/officeDocument/2006/relationships" xmlns:p="http://schemas.openxmlformats.org/presentationml/2006/main">
+  <p:cSld>
+    <p:spTree>
+      <p:nvGrpSpPr>
+        <p:cNvPr id="1" name=""/>
+        <p:cNvGrpSpPr/>
+        <p:nvPr/>
+      </p:nvGrpSpPr>
+      <p:grpSpPr>
+        <a:xfrm>
+          <a:off x="0" y="0"/>
+          <a:ext cx="0" cy="0"/>
+          <a:chOff x="0" y="0"/>
+          <a:chExt cx="0" cy="0"/>
+        </a:xfrm>
+      </p:grpSpPr>
+      <p:sp>
+        <p:nvSpPr>
+          <p:cNvPr id="2" name="Titre 1">
+            <a:extLst>
+              <a:ext uri="{FF2B5EF4-FFF2-40B4-BE49-F238E27FC236}">
+                <a16:creationId xmlns:a16="http://schemas.microsoft.com/office/drawing/2014/main" id="{7534CDF6-404D-7461-2227-C5D9E801D3DD}"/>
+              </a:ext>
+            </a:extLst>
+          </p:cNvPr>
+          <p:cNvSpPr>
+            <a:spLocks noGrp="1"/>
+          </p:cNvSpPr>
+          <p:nvPr>
+            <p:ph type="title"/>
+          </p:nvPr>
+        </p:nvSpPr>
+        <p:spPr/>
+        <p:txBody>
+          <a:bodyPr/>
+          <a:lstStyle/>
+          <a:p>
+            <a:r>
+              <a:rPr lang="fr-CH" dirty="0"/>
+              <a:t>Ce que nous connaissons</a:t>
+            </a:r>
+          </a:p>
+        </p:txBody>
+      </p:sp>
+      <p:sp>
+        <p:nvSpPr>
+          <p:cNvPr id="3" name="Espace réservé du contenu 2">
+            <a:extLst>
+              <a:ext uri="{FF2B5EF4-FFF2-40B4-BE49-F238E27FC236}">
+                <a16:creationId xmlns:a16="http://schemas.microsoft.com/office/drawing/2014/main" id="{980504B4-CA9E-7932-6A3E-E8CE1C8CC3C4}"/>
+              </a:ext>
+            </a:extLst>
+          </p:cNvPr>
+          <p:cNvSpPr>
+            <a:spLocks noGrp="1"/>
+          </p:cNvSpPr>
+          <p:nvPr>
+            <p:ph idx="1"/>
+          </p:nvPr>
+        </p:nvSpPr>
+        <p:spPr/>
+        <p:txBody>
+          <a:bodyPr/>
+          <a:lstStyle/>
+          <a:p>
+            <a:r>
+              <a:rPr lang="fr-CH" dirty="0"/>
+              <a:t>Une signature invalide :	    </a:t>
+            </a:r>
+            <a:r>
+              <a:rPr lang="fr-CH" dirty="0">
+                <a:latin typeface="Cambria Math" panose="02040503050406030204" pitchFamily="18" charset="0"/>
+                <a:ea typeface="Cambria Math" panose="02040503050406030204" pitchFamily="18" charset="0"/>
+              </a:rPr>
+              <a:t>s’</a:t>
+            </a:r>
+            <a:endParaRPr lang="fr-CH" dirty="0"/>
+          </a:p>
+          <a:p>
+            <a:r>
+              <a:rPr lang="fr-CH" dirty="0"/>
+              <a:t>La clé publique :		</a:t>
+            </a:r>
+            <a:r>
+              <a:rPr lang="fr-CH" dirty="0">
+                <a:latin typeface="Cambria Math" panose="02040503050406030204" pitchFamily="18" charset="0"/>
+                <a:ea typeface="Cambria Math" panose="02040503050406030204" pitchFamily="18" charset="0"/>
+              </a:rPr>
+              <a:t>(n, e)</a:t>
+            </a:r>
+          </a:p>
+          <a:p>
+            <a:endParaRPr lang="fr-CH" dirty="0">
+              <a:latin typeface="Cambria Math" panose="02040503050406030204" pitchFamily="18" charset="0"/>
+              <a:ea typeface="Cambria Math" panose="02040503050406030204" pitchFamily="18" charset="0"/>
+            </a:endParaRPr>
+          </a:p>
+          <a:p>
+            <a:endParaRPr lang="fr-CH" dirty="0">
+              <a:latin typeface="Cambria Math" panose="02040503050406030204" pitchFamily="18" charset="0"/>
+              <a:ea typeface="Cambria Math" panose="02040503050406030204" pitchFamily="18" charset="0"/>
+            </a:endParaRPr>
+          </a:p>
+          <a:p>
+            <a:pPr marL="0" indent="0">
+              <a:buNone/>
+            </a:pPr>
+            <a:r>
+              <a:rPr lang="fr-CH" dirty="0">
+                <a:ea typeface="Cambria Math" panose="02040503050406030204" pitchFamily="18" charset="0"/>
+              </a:rPr>
+              <a:t>Que pouvons nous faire avec ces valeurs ?</a:t>
+            </a:r>
+            <a:endParaRPr lang="fr-CH" dirty="0"/>
+          </a:p>
+        </p:txBody>
+      </p:sp>
+    </p:spTree>
+    <p:extLst>
+      <p:ext uri="{BB962C8B-B14F-4D97-AF65-F5344CB8AC3E}">
+        <p14:creationId xmlns:p14="http://schemas.microsoft.com/office/powerpoint/2010/main" val="3869254622"/>
+      </p:ext>
+    </p:extLst>
+  </p:cSld>
+  <p:clrMapOvr>
+    <a:masterClrMapping/>
+  </p:clrMapOvr>
+</p:sld>
+</file>
+
+<file path=ppt/slides/slide17.xml><?xml version="1.0" encoding="utf-8"?>
+<p:sld xmlns:a="http://schemas.openxmlformats.org/drawingml/2006/main" xmlns:r="http://schemas.openxmlformats.org/officeDocument/2006/relationships" xmlns:p="http://schemas.openxmlformats.org/presentationml/2006/main">
+  <p:cSld>
+    <p:spTree>
+      <p:nvGrpSpPr>
+        <p:cNvPr id="1" name=""/>
+        <p:cNvGrpSpPr/>
+        <p:nvPr/>
+      </p:nvGrpSpPr>
+      <p:grpSpPr>
+        <a:xfrm>
+          <a:off x="0" y="0"/>
+          <a:ext cx="0" cy="0"/>
+          <a:chOff x="0" y="0"/>
+          <a:chExt cx="0" cy="0"/>
+        </a:xfrm>
+      </p:grpSpPr>
+      <p:sp>
+        <p:nvSpPr>
+          <p:cNvPr id="2" name="Titre 1">
+            <a:extLst>
+              <a:ext uri="{FF2B5EF4-FFF2-40B4-BE49-F238E27FC236}">
+                <a16:creationId xmlns:a16="http://schemas.microsoft.com/office/drawing/2014/main" id="{B5D3CC48-2331-B7AB-A585-1CC7AC7E8EA7}"/>
+              </a:ext>
+            </a:extLst>
+          </p:cNvPr>
+          <p:cNvSpPr>
+            <a:spLocks noGrp="1"/>
+          </p:cNvSpPr>
+          <p:nvPr>
+            <p:ph type="title"/>
+          </p:nvPr>
+        </p:nvSpPr>
+        <p:spPr/>
+        <p:txBody>
+          <a:bodyPr/>
+          <a:lstStyle/>
+          <a:p>
+            <a:r>
+              <a:rPr lang="fr-CH" dirty="0"/>
+              <a:t>Utilisation des valeurs connues</a:t>
+            </a:r>
+          </a:p>
+        </p:txBody>
+      </p:sp>
+      <mc:AlternateContent xmlns:mc="http://schemas.openxmlformats.org/markup-compatibility/2006">
+        <mc:Choice xmlns:a14="http://schemas.microsoft.com/office/drawing/2010/main" Requires="a14">
+          <p:sp>
+            <p:nvSpPr>
+              <p:cNvPr id="3" name="Espace réservé du contenu 2">
+                <a:extLst>
+                  <a:ext uri="{FF2B5EF4-FFF2-40B4-BE49-F238E27FC236}">
+                    <a16:creationId xmlns:a16="http://schemas.microsoft.com/office/drawing/2014/main" id="{2E88522D-30F5-85C1-CB13-1AAC45A1BB89}"/>
+                  </a:ext>
+                </a:extLst>
+              </p:cNvPr>
+              <p:cNvSpPr>
+                <a:spLocks noGrp="1"/>
+              </p:cNvSpPr>
+              <p:nvPr>
+                <p:ph idx="1"/>
+              </p:nvPr>
+            </p:nvSpPr>
+            <p:spPr/>
+            <p:txBody>
+              <a:bodyPr/>
+              <a:lstStyle/>
+              <a:p>
+                <a:pPr marL="0" indent="0" algn="ctr">
+                  <a:buNone/>
+                </a:pPr>
+                <a:endParaRPr lang="fr-CH" dirty="0"/>
+              </a:p>
+              <a:p>
+                <a:pPr marL="0" indent="0" algn="ctr">
+                  <a:buNone/>
+                </a:pPr>
+                <a14:m>
+                  <m:oMathPara xmlns:m="http://schemas.openxmlformats.org/officeDocument/2006/math">
+                    <m:oMathParaPr>
+                      <m:jc m:val="centerGroup"/>
+                    </m:oMathParaPr>
+                    <m:oMath xmlns:m="http://schemas.openxmlformats.org/officeDocument/2006/math">
+                      <m:sSup>
+                        <m:sSupPr>
+                          <m:ctrlPr>
+                            <a:rPr lang="fr-CH" i="1" smtClean="0">
+                              <a:latin typeface="Cambria Math" panose="02040503050406030204" pitchFamily="18" charset="0"/>
+                            </a:rPr>
+                          </m:ctrlPr>
+                        </m:sSupPr>
+                        <m:e>
+                          <m:r>
+                            <a:rPr lang="en-GB" b="0" i="1" smtClean="0">
+                              <a:latin typeface="Cambria Math" panose="02040503050406030204" pitchFamily="18" charset="0"/>
+                            </a:rPr>
+                            <m:t>𝑠</m:t>
+                          </m:r>
+                          <m:r>
+                            <a:rPr lang="en-GB" b="0" i="1" smtClean="0">
+                              <a:latin typeface="Cambria Math" panose="02040503050406030204" pitchFamily="18" charset="0"/>
+                            </a:rPr>
+                            <m:t>′</m:t>
+                          </m:r>
+                        </m:e>
+                        <m:sup>
+                          <m:r>
+                            <a:rPr lang="en-GB" b="0" i="1" smtClean="0">
+                              <a:latin typeface="Cambria Math" panose="02040503050406030204" pitchFamily="18" charset="0"/>
+                            </a:rPr>
+                            <m:t>𝑒</m:t>
+                          </m:r>
+                        </m:sup>
+                      </m:sSup>
+                      <m:r>
+                        <a:rPr lang="en-GB" b="0" i="1" smtClean="0">
+                          <a:latin typeface="Cambria Math" panose="02040503050406030204" pitchFamily="18" charset="0"/>
+                        </a:rPr>
+                        <m:t>=</m:t>
+                      </m:r>
+                      <m:r>
+                        <a:rPr lang="en-GB" b="0" i="1" smtClean="0">
+                          <a:latin typeface="Cambria Math" panose="02040503050406030204" pitchFamily="18" charset="0"/>
+                        </a:rPr>
+                        <m:t>𝑝𝑎𝑑𝑑𝑒𝑑</m:t>
+                      </m:r>
+                      <m:r>
+                        <a:rPr lang="en-GB" b="0" i="1" smtClean="0">
+                          <a:latin typeface="Cambria Math" panose="02040503050406030204" pitchFamily="18" charset="0"/>
+                        </a:rPr>
+                        <m:t>_</m:t>
+                      </m:r>
+                      <m:r>
+                        <a:rPr lang="en-GB" b="0" i="1" smtClean="0">
+                          <a:latin typeface="Cambria Math" panose="02040503050406030204" pitchFamily="18" charset="0"/>
+                        </a:rPr>
+                        <m:t>𝑚𝑒𝑠𝑠𝑎𝑔𝑒</m:t>
+                      </m:r>
+                      <m:r>
+                        <a:rPr lang="en-GB" b="0" i="1" smtClean="0">
+                          <a:latin typeface="Cambria Math" panose="02040503050406030204" pitchFamily="18" charset="0"/>
+                        </a:rPr>
+                        <m:t>_</m:t>
+                      </m:r>
+                      <m:r>
+                        <a:rPr lang="en-GB" b="0" i="1" smtClean="0">
+                          <a:latin typeface="Cambria Math" panose="02040503050406030204" pitchFamily="18" charset="0"/>
+                        </a:rPr>
+                        <m:t>𝑒𝑟𝑟𝑜𝑟</m:t>
+                      </m:r>
+                    </m:oMath>
+                  </m:oMathPara>
+                </a14:m>
+                <a:endParaRPr lang="fr-CH" dirty="0"/>
+              </a:p>
+              <a:p>
+                <a:pPr marL="0" indent="0" algn="ctr">
+                  <a:buNone/>
+                </a:pPr>
+                <a:endParaRPr lang="fr-CH" dirty="0"/>
+              </a:p>
+              <a:p>
+                <a:pPr marL="0" indent="0">
+                  <a:buNone/>
+                </a:pPr>
+                <a14:m>
+                  <m:oMath xmlns:m="http://schemas.openxmlformats.org/officeDocument/2006/math">
+                    <m:r>
+                      <a:rPr lang="en-GB" b="0" i="1" smtClean="0">
+                        <a:latin typeface="Cambria Math" panose="02040503050406030204" pitchFamily="18" charset="0"/>
+                      </a:rPr>
+                      <m:t>𝑝𝑎𝑑𝑑𝑒𝑑</m:t>
+                    </m:r>
+                    <m:r>
+                      <a:rPr lang="en-GB" b="0" i="1" smtClean="0">
+                        <a:latin typeface="Cambria Math" panose="02040503050406030204" pitchFamily="18" charset="0"/>
+                      </a:rPr>
+                      <m:t>_</m:t>
+                    </m:r>
+                    <m:r>
+                      <a:rPr lang="en-GB" b="0" i="1" smtClean="0">
+                        <a:latin typeface="Cambria Math" panose="02040503050406030204" pitchFamily="18" charset="0"/>
+                      </a:rPr>
+                      <m:t>𝑚𝑒𝑠𝑠𝑎𝑔𝑒</m:t>
+                    </m:r>
+                    <m:r>
+                      <a:rPr lang="en-GB" b="0" i="1" smtClean="0">
+                        <a:latin typeface="Cambria Math" panose="02040503050406030204" pitchFamily="18" charset="0"/>
+                      </a:rPr>
+                      <m:t>_</m:t>
+                    </m:r>
+                    <m:r>
+                      <a:rPr lang="en-GB" b="0" i="1" smtClean="0">
+                        <a:latin typeface="Cambria Math" panose="02040503050406030204" pitchFamily="18" charset="0"/>
+                      </a:rPr>
+                      <m:t>𝑒𝑟𝑟𝑜𝑟</m:t>
+                    </m:r>
+                  </m:oMath>
+                </a14:m>
+                <a:r>
+                  <a:rPr lang="fr-CH" dirty="0"/>
+                  <a:t> = </a:t>
+                </a:r>
+                <a:r>
+                  <a:rPr lang="fr-CH" dirty="0">
+                    <a:latin typeface="Cambria Math" panose="02040503050406030204" pitchFamily="18" charset="0"/>
+                  </a:rPr>
+                  <a:t>00 || 01 || F</a:t>
+                </a:r>
+                <a:r>
+                  <a:rPr lang="fr-CH" dirty="0">
+                    <a:highlight>
+                      <a:srgbClr val="FF0000"/>
+                    </a:highlight>
+                    <a:latin typeface="Cambria Math" panose="02040503050406030204" pitchFamily="18" charset="0"/>
+                  </a:rPr>
+                  <a:t>D</a:t>
+                </a:r>
+                <a:r>
+                  <a:rPr lang="fr-CH" dirty="0">
+                    <a:latin typeface="Cambria Math" panose="02040503050406030204" pitchFamily="18" charset="0"/>
+                  </a:rPr>
+                  <a:t> ... FF || ASN.1 || Hash(m)</a:t>
+                </a:r>
+              </a:p>
+              <a:p>
+                <a:pPr marL="0" indent="0">
+                  <a:buNone/>
+                </a:pPr>
+                <a14:m>
+                  <m:oMath xmlns:m="http://schemas.openxmlformats.org/officeDocument/2006/math">
+                    <m:r>
+                      <a:rPr lang="en-GB" b="0" i="1" smtClean="0">
+                        <a:latin typeface="Cambria Math" panose="02040503050406030204" pitchFamily="18" charset="0"/>
+                      </a:rPr>
+                      <m:t>𝑝𝑎𝑑𝑑𝑒𝑑</m:t>
+                    </m:r>
+                    <m:r>
+                      <a:rPr lang="en-GB" b="0" i="1" smtClean="0">
+                        <a:latin typeface="Cambria Math" panose="02040503050406030204" pitchFamily="18" charset="0"/>
+                      </a:rPr>
+                      <m:t>_</m:t>
+                    </m:r>
+                    <m:r>
+                      <a:rPr lang="en-GB" b="0" i="1" smtClean="0">
+                        <a:latin typeface="Cambria Math" panose="02040503050406030204" pitchFamily="18" charset="0"/>
+                      </a:rPr>
+                      <m:t>𝑚𝑒𝑠𝑠𝑎𝑔𝑒</m:t>
+                    </m:r>
+                    <m:r>
+                      <a:rPr lang="en-GB" b="0" i="1" smtClean="0">
+                        <a:latin typeface="Cambria Math" panose="02040503050406030204" pitchFamily="18" charset="0"/>
+                      </a:rPr>
+                      <m:t>_</m:t>
+                    </m:r>
+                    <m:r>
+                      <a:rPr lang="en-GB" b="0" i="1" smtClean="0">
+                        <a:latin typeface="Cambria Math" panose="02040503050406030204" pitchFamily="18" charset="0"/>
+                      </a:rPr>
+                      <m:t>𝑒𝑟𝑟𝑜𝑟</m:t>
+                    </m:r>
+                  </m:oMath>
+                </a14:m>
+                <a:r>
+                  <a:rPr lang="fr-CH" dirty="0"/>
+                  <a:t> = </a:t>
+                </a:r>
+                <a:r>
+                  <a:rPr lang="fr-CH" dirty="0">
+                    <a:latin typeface="Cambria Math" panose="02040503050406030204" pitchFamily="18" charset="0"/>
+                  </a:rPr>
+                  <a:t>00 || 0</a:t>
+                </a:r>
+                <a:r>
+                  <a:rPr lang="fr-CH" dirty="0">
+                    <a:highlight>
+                      <a:srgbClr val="FF0000"/>
+                    </a:highlight>
+                    <a:latin typeface="Cambria Math" panose="02040503050406030204" pitchFamily="18" charset="0"/>
+                  </a:rPr>
+                  <a:t>0</a:t>
+                </a:r>
+                <a:r>
+                  <a:rPr lang="fr-CH" dirty="0">
+                    <a:latin typeface="Cambria Math" panose="02040503050406030204" pitchFamily="18" charset="0"/>
+                  </a:rPr>
+                  <a:t> || FF ... FF || ANN.1 || Hash(m)</a:t>
+                </a:r>
+              </a:p>
+              <a:p>
+                <a:pPr marL="0" indent="0">
+                  <a:buNone/>
+                </a:pPr>
+                <a14:m>
+                  <m:oMath xmlns:m="http://schemas.openxmlformats.org/officeDocument/2006/math">
+                    <m:r>
+                      <a:rPr lang="en-GB" b="0" i="1" smtClean="0">
+                        <a:latin typeface="Cambria Math" panose="02040503050406030204" pitchFamily="18" charset="0"/>
+                      </a:rPr>
+                      <m:t>𝑝𝑎𝑑𝑑𝑒𝑑</m:t>
+                    </m:r>
+                    <m:r>
+                      <a:rPr lang="en-GB" b="0" i="1" smtClean="0">
+                        <a:latin typeface="Cambria Math" panose="02040503050406030204" pitchFamily="18" charset="0"/>
+                      </a:rPr>
+                      <m:t>_</m:t>
+                    </m:r>
+                    <m:r>
+                      <a:rPr lang="en-GB" b="0" i="1" smtClean="0">
+                        <a:latin typeface="Cambria Math" panose="02040503050406030204" pitchFamily="18" charset="0"/>
+                      </a:rPr>
+                      <m:t>𝑚𝑒𝑠𝑠𝑎𝑔𝑒</m:t>
+                    </m:r>
+                    <m:r>
+                      <a:rPr lang="en-GB" b="0" i="1" smtClean="0">
+                        <a:latin typeface="Cambria Math" panose="02040503050406030204" pitchFamily="18" charset="0"/>
+                      </a:rPr>
+                      <m:t>_</m:t>
+                    </m:r>
+                    <m:r>
+                      <a:rPr lang="en-GB" b="0" i="1" smtClean="0">
+                        <a:latin typeface="Cambria Math" panose="02040503050406030204" pitchFamily="18" charset="0"/>
+                      </a:rPr>
+                      <m:t>𝑒𝑟𝑟𝑜𝑟</m:t>
+                    </m:r>
+                  </m:oMath>
+                </a14:m>
+                <a:r>
+                  <a:rPr lang="fr-CH" dirty="0"/>
+                  <a:t> = </a:t>
+                </a:r>
+                <a:r>
+                  <a:rPr lang="fr-CH" dirty="0">
+                    <a:latin typeface="Cambria Math" panose="02040503050406030204" pitchFamily="18" charset="0"/>
+                  </a:rPr>
+                  <a:t>00 || 01 || FF ... FF || ASN.1 || </a:t>
+                </a:r>
+                <a:r>
+                  <a:rPr lang="fr-CH" dirty="0">
+                    <a:highlight>
+                      <a:srgbClr val="FF0000"/>
+                    </a:highlight>
+                    <a:latin typeface="Cambria Math" panose="02040503050406030204" pitchFamily="18" charset="0"/>
+                  </a:rPr>
+                  <a:t>Hash(m)</a:t>
+                </a:r>
+              </a:p>
+              <a:p>
+                <a:pPr marL="0" indent="0">
+                  <a:buNone/>
+                </a:pPr>
+                <a:endParaRPr lang="fr-CH" dirty="0"/>
+              </a:p>
+            </p:txBody>
+          </p:sp>
+        </mc:Choice>
+        <mc:Fallback>
+          <p:sp>
+            <p:nvSpPr>
+              <p:cNvPr id="3" name="Espace réservé du contenu 2">
+                <a:extLst>
+                  <a:ext uri="{FF2B5EF4-FFF2-40B4-BE49-F238E27FC236}">
+                    <a16:creationId xmlns:a16="http://schemas.microsoft.com/office/drawing/2014/main" id="{2E88522D-30F5-85C1-CB13-1AAC45A1BB89}"/>
+                  </a:ext>
+                </a:extLst>
+              </p:cNvPr>
+              <p:cNvSpPr>
+                <a:spLocks noGrp="1" noRot="1" noChangeAspect="1" noMove="1" noResize="1" noEditPoints="1" noAdjustHandles="1" noChangeArrowheads="1" noChangeShapeType="1" noTextEdit="1"/>
+              </p:cNvSpPr>
+              <p:nvPr>
+                <p:ph idx="1"/>
+              </p:nvPr>
+            </p:nvSpPr>
+            <p:spPr>
+              <a:blipFill>
+                <a:blip r:embed="rId2"/>
+                <a:stretch>
+                  <a:fillRect/>
+                </a:stretch>
+              </a:blipFill>
+            </p:spPr>
+            <p:txBody>
+              <a:bodyPr/>
+              <a:lstStyle/>
+              <a:p>
+                <a:r>
+                  <a:rPr lang="fr-CH">
+                    <a:noFill/>
+                  </a:rPr>
+                  <a:t> </a:t>
+                </a:r>
+              </a:p>
+            </p:txBody>
+          </p:sp>
+        </mc:Fallback>
+      </mc:AlternateContent>
+    </p:spTree>
+    <p:extLst>
+      <p:ext uri="{BB962C8B-B14F-4D97-AF65-F5344CB8AC3E}">
+        <p14:creationId xmlns:p14="http://schemas.microsoft.com/office/powerpoint/2010/main" val="2448321689"/>
+      </p:ext>
+    </p:extLst>
+  </p:cSld>
+  <p:clrMapOvr>
+    <a:masterClrMapping/>
+  </p:clrMapOvr>
+</p:sld>
+</file>
+
+<file path=ppt/slides/slide18.xml><?xml version="1.0" encoding="utf-8"?>
+<p:sld xmlns:a="http://schemas.openxmlformats.org/drawingml/2006/main" xmlns:r="http://schemas.openxmlformats.org/officeDocument/2006/relationships" xmlns:p="http://schemas.openxmlformats.org/presentationml/2006/main">
+  <p:cSld>
+    <p:spTree>
+      <p:nvGrpSpPr>
+        <p:cNvPr id="1" name="">
+          <a:extLst>
+            <a:ext uri="{FF2B5EF4-FFF2-40B4-BE49-F238E27FC236}">
+              <a16:creationId xmlns:a16="http://schemas.microsoft.com/office/drawing/2014/main" id="{9B7E7D82-073F-399D-FF80-2809601A4463}"/>
+            </a:ext>
+          </a:extLst>
+        </p:cNvPr>
+        <p:cNvGrpSpPr/>
+        <p:nvPr/>
+      </p:nvGrpSpPr>
+      <p:grpSpPr>
+        <a:xfrm>
+          <a:off x="0" y="0"/>
+          <a:ext cx="0" cy="0"/>
+          <a:chOff x="0" y="0"/>
+          <a:chExt cx="0" cy="0"/>
+        </a:xfrm>
+      </p:grpSpPr>
+      <p:sp>
+        <p:nvSpPr>
+          <p:cNvPr id="2" name="Titre 1">
+            <a:extLst>
+              <a:ext uri="{FF2B5EF4-FFF2-40B4-BE49-F238E27FC236}">
+                <a16:creationId xmlns:a16="http://schemas.microsoft.com/office/drawing/2014/main" id="{A8582EEC-66C0-BAF6-234E-C94EE6B02DB5}"/>
+              </a:ext>
+            </a:extLst>
+          </p:cNvPr>
+          <p:cNvSpPr>
+            <a:spLocks noGrp="1"/>
+          </p:cNvSpPr>
+          <p:nvPr>
+            <p:ph type="title"/>
+          </p:nvPr>
+        </p:nvSpPr>
+        <p:spPr/>
+        <p:txBody>
+          <a:bodyPr/>
+          <a:lstStyle/>
+          <a:p>
+            <a:r>
+              <a:rPr lang="en-GB" dirty="0"/>
+              <a:t>Extraction de </a:t>
+            </a:r>
+            <a:r>
+              <a:rPr lang="en-GB" dirty="0" err="1"/>
+              <a:t>l’erreur</a:t>
+            </a:r>
+            <a:endParaRPr lang="fr-CH" dirty="0"/>
+          </a:p>
+        </p:txBody>
+      </p:sp>
+      <mc:AlternateContent xmlns:mc="http://schemas.openxmlformats.org/markup-compatibility/2006">
+        <mc:Choice xmlns:a14="http://schemas.microsoft.com/office/drawing/2010/main" Requires="a14">
+          <p:sp>
+            <p:nvSpPr>
+              <p:cNvPr id="3" name="Espace réservé du contenu 2">
+                <a:extLst>
+                  <a:ext uri="{FF2B5EF4-FFF2-40B4-BE49-F238E27FC236}">
+                    <a16:creationId xmlns:a16="http://schemas.microsoft.com/office/drawing/2014/main" id="{E270088F-FB6B-B278-FBE8-2FFF850217EA}"/>
+                  </a:ext>
+                </a:extLst>
+              </p:cNvPr>
+              <p:cNvSpPr>
+                <a:spLocks noGrp="1"/>
+              </p:cNvSpPr>
+              <p:nvPr>
+                <p:ph idx="1"/>
+              </p:nvPr>
+            </p:nvSpPr>
+            <p:spPr/>
+            <p:txBody>
+              <a:bodyPr/>
+              <a:lstStyle/>
+              <a:p>
+                <a:endParaRPr lang="en-GB" dirty="0"/>
+              </a:p>
+              <a:p>
+                <a:pPr marL="0" indent="0">
+                  <a:buNone/>
+                </a:pPr>
+                <a:r>
+                  <a:rPr lang="fr-CH" i="1" dirty="0" err="1">
+                    <a:latin typeface="Cambria Math" panose="02040503050406030204" pitchFamily="18" charset="0"/>
+                  </a:rPr>
+                  <a:t>mean_pad</a:t>
+                </a:r>
+                <a:r>
+                  <a:rPr lang="fr-CH" i="1" dirty="0">
+                    <a:latin typeface="Cambria Math" panose="02040503050406030204" pitchFamily="18" charset="0"/>
+                  </a:rPr>
+                  <a:t> </a:t>
+                </a:r>
+                <a:r>
+                  <a:rPr lang="fr-CH" dirty="0">
+                    <a:latin typeface="Cambria Math" panose="02040503050406030204" pitchFamily="18" charset="0"/>
+                  </a:rPr>
+                  <a:t>= </a:t>
+                </a:r>
+                <a14:m>
+                  <m:oMath xmlns:m="http://schemas.openxmlformats.org/officeDocument/2006/math">
+                    <m:r>
+                      <a:rPr lang="en-GB" b="0" i="1" smtClean="0">
+                        <a:latin typeface="Cambria Math" panose="02040503050406030204" pitchFamily="18" charset="0"/>
+                        <a:ea typeface="Cambria Math" panose="02040503050406030204" pitchFamily="18" charset="0"/>
+                      </a:rPr>
+                      <m:t>𝑎</m:t>
+                    </m:r>
+                  </m:oMath>
+                </a14:m>
+                <a:r>
+                  <a:rPr lang="fr-CH" dirty="0">
+                    <a:latin typeface="Cambria Math" panose="02040503050406030204" pitchFamily="18" charset="0"/>
+                  </a:rPr>
+                  <a:t> = 			</a:t>
+                </a:r>
+                <a:r>
+                  <a:rPr lang="fr-CH" b="0" dirty="0">
+                    <a:latin typeface="Cambria Math" panose="02040503050406030204" pitchFamily="18" charset="0"/>
+                  </a:rPr>
+                  <a:t>00 || 01 || FF ... FF || ASN.1 || 100…</a:t>
+                </a:r>
+              </a:p>
+              <a:p>
+                <a:pPr marL="0" indent="0">
+                  <a:buNone/>
+                </a:pPr>
+                <a14:m>
+                  <m:oMath xmlns:m="http://schemas.openxmlformats.org/officeDocument/2006/math">
+                    <m:r>
+                      <a:rPr lang="en-GB" b="0" i="1" smtClean="0">
+                        <a:latin typeface="Cambria Math" panose="02040503050406030204" pitchFamily="18" charset="0"/>
+                      </a:rPr>
+                      <m:t>𝑝𝑎𝑑𝑑𝑒𝑑</m:t>
+                    </m:r>
+                    <m:r>
+                      <a:rPr lang="en-GB" b="0" i="1" smtClean="0">
+                        <a:latin typeface="Cambria Math" panose="02040503050406030204" pitchFamily="18" charset="0"/>
+                      </a:rPr>
+                      <m:t>_</m:t>
+                    </m:r>
+                    <m:r>
+                      <a:rPr lang="en-GB" b="0" i="1" smtClean="0">
+                        <a:latin typeface="Cambria Math" panose="02040503050406030204" pitchFamily="18" charset="0"/>
+                      </a:rPr>
+                      <m:t>𝑚𝑒𝑠𝑠𝑎𝑔𝑒</m:t>
+                    </m:r>
+                    <m:r>
+                      <a:rPr lang="en-GB" b="0" i="1" smtClean="0">
+                        <a:latin typeface="Cambria Math" panose="02040503050406030204" pitchFamily="18" charset="0"/>
+                      </a:rPr>
+                      <m:t>_</m:t>
+                    </m:r>
+                    <m:r>
+                      <a:rPr lang="en-GB" b="0" i="1" smtClean="0">
+                        <a:latin typeface="Cambria Math" panose="02040503050406030204" pitchFamily="18" charset="0"/>
+                      </a:rPr>
+                      <m:t>𝑒𝑟𝑟𝑜𝑟</m:t>
+                    </m:r>
+                  </m:oMath>
+                </a14:m>
+                <a:r>
+                  <a:rPr lang="fr-CH" dirty="0"/>
+                  <a:t> =	</a:t>
+                </a:r>
+                <a:r>
+                  <a:rPr lang="fr-CH" b="0" dirty="0">
+                    <a:latin typeface="Cambria Math" panose="02040503050406030204" pitchFamily="18" charset="0"/>
+                  </a:rPr>
+                  <a:t>00 || 0</a:t>
+                </a:r>
+                <a:r>
+                  <a:rPr lang="fr-CH" b="0" dirty="0">
+                    <a:highlight>
+                      <a:srgbClr val="FF0000"/>
+                    </a:highlight>
+                    <a:latin typeface="Cambria Math" panose="02040503050406030204" pitchFamily="18" charset="0"/>
+                  </a:rPr>
+                  <a:t>0</a:t>
+                </a:r>
+                <a:r>
+                  <a:rPr lang="fr-CH" b="0" dirty="0">
+                    <a:latin typeface="Cambria Math" panose="02040503050406030204" pitchFamily="18" charset="0"/>
+                  </a:rPr>
+                  <a:t> || F</a:t>
+                </a:r>
+                <a:r>
+                  <a:rPr lang="fr-CH" dirty="0">
+                    <a:latin typeface="Cambria Math" panose="02040503050406030204" pitchFamily="18" charset="0"/>
+                  </a:rPr>
+                  <a:t>F</a:t>
+                </a:r>
+                <a:r>
+                  <a:rPr lang="fr-CH" b="0" dirty="0">
+                    <a:latin typeface="Cambria Math" panose="02040503050406030204" pitchFamily="18" charset="0"/>
+                  </a:rPr>
+                  <a:t> ... FF || ASN.1 || Hash(m)</a:t>
+                </a:r>
+              </a:p>
+              <a:p>
+                <a:pPr marL="0" indent="0" algn="ctr">
+                  <a:buNone/>
+                </a:pPr>
+                <a:endParaRPr lang="en-GB" dirty="0"/>
+              </a:p>
+              <a:p>
+                <a:pPr marL="0" indent="0">
+                  <a:buNone/>
+                </a:pPr>
+                <a14:m>
+                  <m:oMath xmlns:m="http://schemas.openxmlformats.org/officeDocument/2006/math">
+                    <m:r>
+                      <a:rPr lang="en-GB" b="0" i="1" smtClean="0">
+                        <a:latin typeface="Cambria Math" panose="02040503050406030204" pitchFamily="18" charset="0"/>
+                        <a:ea typeface="Cambria Math" panose="02040503050406030204" pitchFamily="18" charset="0"/>
+                      </a:rPr>
+                      <m:t>𝑑𝑖𝑓𝑓</m:t>
+                    </m:r>
+                    <m:r>
+                      <a:rPr lang="en-GB" b="0" i="1" smtClean="0">
+                        <a:latin typeface="Cambria Math" panose="02040503050406030204" pitchFamily="18" charset="0"/>
+                        <a:ea typeface="Cambria Math" panose="02040503050406030204" pitchFamily="18" charset="0"/>
+                      </a:rPr>
+                      <m:t>= </m:t>
+                    </m:r>
+                  </m:oMath>
+                </a14:m>
+                <a:r>
+                  <a:rPr lang="en-GB" dirty="0">
+                    <a:latin typeface="Cambria Math" panose="02040503050406030204" pitchFamily="18" charset="0"/>
+                    <a:ea typeface="Cambria Math" panose="02040503050406030204" pitchFamily="18" charset="0"/>
+                  </a:rPr>
+                  <a:t>				𝑝𝑎𝑑𝑑𝑒𝑑_𝑚𝑒𝑠𝑠𝑎𝑔𝑒_𝑒𝑟𝑟𝑜𝑟 - </a:t>
+                </a:r>
+                <a:r>
+                  <a:rPr lang="fr-CH" i="1" dirty="0" err="1">
+                    <a:latin typeface="Cambria Math" panose="02040503050406030204" pitchFamily="18" charset="0"/>
+                  </a:rPr>
+                  <a:t>mean_pad</a:t>
+                </a:r>
+                <a:r>
+                  <a:rPr lang="fr-CH" i="1" dirty="0">
+                    <a:latin typeface="Cambria Math" panose="02040503050406030204" pitchFamily="18" charset="0"/>
+                  </a:rPr>
+                  <a:t> </a:t>
+                </a:r>
+              </a:p>
+              <a:p>
+                <a:pPr marL="0" indent="0">
+                  <a:buNone/>
+                </a:pPr>
+                <a:endParaRPr lang="fr-CH" b="0" i="1" dirty="0">
+                  <a:latin typeface="Cambria Math" panose="02040503050406030204" pitchFamily="18" charset="0"/>
+                  <a:ea typeface="Cambria Math" panose="02040503050406030204" pitchFamily="18" charset="0"/>
+                </a:endParaRPr>
+              </a:p>
+              <a:p>
+                <a:pPr marL="0" indent="0">
+                  <a:buNone/>
+                </a:pPr>
+                <a14:m>
+                  <m:oMath xmlns:m="http://schemas.openxmlformats.org/officeDocument/2006/math">
+                    <m:r>
+                      <a:rPr lang="en-GB" b="0" i="1" smtClean="0">
+                        <a:latin typeface="Cambria Math" panose="02040503050406030204" pitchFamily="18" charset="0"/>
+                        <a:ea typeface="Cambria Math" panose="02040503050406030204" pitchFamily="18" charset="0"/>
+                      </a:rPr>
+                      <m:t>𝑑𝑖𝑓𝑓</m:t>
+                    </m:r>
+                    <m:r>
+                      <a:rPr lang="en-GB" b="0" i="1" smtClean="0">
+                        <a:latin typeface="Cambria Math" panose="02040503050406030204" pitchFamily="18" charset="0"/>
+                        <a:ea typeface="Cambria Math" panose="02040503050406030204" pitchFamily="18" charset="0"/>
+                      </a:rPr>
+                      <m:t>=</m:t>
+                    </m:r>
+                  </m:oMath>
+                </a14:m>
+                <a:r>
+                  <a:rPr lang="en-GB" b="0" dirty="0">
+                    <a:latin typeface="Cambria Math" panose="02040503050406030204" pitchFamily="18" charset="0"/>
+                    <a:ea typeface="Cambria Math" panose="02040503050406030204" pitchFamily="18" charset="0"/>
+                  </a:rPr>
+                  <a:t>				</a:t>
+                </a:r>
+                <a:r>
+                  <a:rPr lang="fr-CH" dirty="0">
+                    <a:latin typeface="Cambria Math" panose="02040503050406030204" pitchFamily="18" charset="0"/>
+                  </a:rPr>
+                  <a:t>00 || 0</a:t>
+                </a:r>
+                <a:r>
+                  <a:rPr lang="fr-CH" dirty="0">
+                    <a:highlight>
+                      <a:srgbClr val="FF0000"/>
+                    </a:highlight>
+                    <a:latin typeface="Cambria Math" panose="02040503050406030204" pitchFamily="18" charset="0"/>
+                  </a:rPr>
+                  <a:t>1</a:t>
+                </a:r>
+                <a:r>
+                  <a:rPr lang="fr-CH" dirty="0">
+                    <a:latin typeface="Cambria Math" panose="02040503050406030204" pitchFamily="18" charset="0"/>
+                  </a:rPr>
+                  <a:t> || 00 ... 00 || XX…XXX</a:t>
+                </a:r>
+              </a:p>
+            </p:txBody>
+          </p:sp>
+        </mc:Choice>
+        <mc:Fallback>
+          <p:sp>
+            <p:nvSpPr>
+              <p:cNvPr id="3" name="Espace réservé du contenu 2">
+                <a:extLst>
+                  <a:ext uri="{FF2B5EF4-FFF2-40B4-BE49-F238E27FC236}">
+                    <a16:creationId xmlns:a16="http://schemas.microsoft.com/office/drawing/2014/main" id="{E270088F-FB6B-B278-FBE8-2FFF850217EA}"/>
+                  </a:ext>
+                </a:extLst>
+              </p:cNvPr>
+              <p:cNvSpPr>
+                <a:spLocks noGrp="1" noRot="1" noChangeAspect="1" noMove="1" noResize="1" noEditPoints="1" noAdjustHandles="1" noChangeArrowheads="1" noChangeShapeType="1" noTextEdit="1"/>
+              </p:cNvSpPr>
+              <p:nvPr>
+                <p:ph idx="1"/>
+              </p:nvPr>
+            </p:nvSpPr>
+            <p:spPr>
+              <a:blipFill>
+                <a:blip r:embed="rId2"/>
+                <a:stretch>
+                  <a:fillRect l="-1217" r="-522"/>
+                </a:stretch>
+              </a:blipFill>
+            </p:spPr>
+            <p:txBody>
+              <a:bodyPr/>
+              <a:lstStyle/>
+              <a:p>
+                <a:r>
+                  <a:rPr lang="fr-CH">
+                    <a:noFill/>
+                  </a:rPr>
+                  <a:t> </a:t>
+                </a:r>
+              </a:p>
+            </p:txBody>
+          </p:sp>
+        </mc:Fallback>
+      </mc:AlternateContent>
+    </p:spTree>
+    <p:extLst>
+      <p:ext uri="{BB962C8B-B14F-4D97-AF65-F5344CB8AC3E}">
+        <p14:creationId xmlns:p14="http://schemas.microsoft.com/office/powerpoint/2010/main" val="1174558585"/>
+      </p:ext>
+    </p:extLst>
+  </p:cSld>
+  <p:clrMapOvr>
+    <a:masterClrMapping/>
+  </p:clrMapOvr>
+</p:sld>
+</file>
+
+<file path=ppt/slides/slide19.xml><?xml version="1.0" encoding="utf-8"?>
+<p:sld xmlns:a="http://schemas.openxmlformats.org/drawingml/2006/main" xmlns:r="http://schemas.openxmlformats.org/officeDocument/2006/relationships" xmlns:p="http://schemas.openxmlformats.org/presentationml/2006/main">
+  <p:cSld>
+    <p:spTree>
+      <p:nvGrpSpPr>
+        <p:cNvPr id="1" name=""/>
+        <p:cNvGrpSpPr/>
+        <p:nvPr/>
+      </p:nvGrpSpPr>
+      <p:grpSpPr>
+        <a:xfrm>
+          <a:off x="0" y="0"/>
+          <a:ext cx="0" cy="0"/>
+          <a:chOff x="0" y="0"/>
+          <a:chExt cx="0" cy="0"/>
+        </a:xfrm>
+      </p:grpSpPr>
+      <p:sp>
+        <p:nvSpPr>
+          <p:cNvPr id="2" name="Titre 1">
+            <a:extLst>
+              <a:ext uri="{FF2B5EF4-FFF2-40B4-BE49-F238E27FC236}">
+                <a16:creationId xmlns:a16="http://schemas.microsoft.com/office/drawing/2014/main" id="{2DFB1A53-BF83-8F4E-093E-9638CE6B577A}"/>
+              </a:ext>
+            </a:extLst>
+          </p:cNvPr>
+          <p:cNvSpPr>
+            <a:spLocks noGrp="1"/>
+          </p:cNvSpPr>
+          <p:nvPr>
+            <p:ph type="title"/>
+          </p:nvPr>
+        </p:nvSpPr>
+        <p:spPr/>
+        <p:txBody>
+          <a:bodyPr/>
+          <a:lstStyle/>
+          <a:p>
+            <a:r>
+              <a:rPr lang="fr-CH" dirty="0"/>
+              <a:t>PACD</a:t>
+            </a:r>
+          </a:p>
+        </p:txBody>
+      </p:sp>
+      <mc:AlternateContent xmlns:mc="http://schemas.openxmlformats.org/markup-compatibility/2006">
+        <mc:Choice xmlns:a14="http://schemas.microsoft.com/office/drawing/2010/main" Requires="a14">
+          <p:sp>
+            <p:nvSpPr>
+              <p:cNvPr id="3" name="Espace réservé du contenu 2">
+                <a:extLst>
+                  <a:ext uri="{FF2B5EF4-FFF2-40B4-BE49-F238E27FC236}">
+                    <a16:creationId xmlns:a16="http://schemas.microsoft.com/office/drawing/2014/main" id="{D8D3BB48-D108-D0FA-2592-B6C6B4AFF8E1}"/>
+                  </a:ext>
+                </a:extLst>
+              </p:cNvPr>
+              <p:cNvSpPr>
+                <a:spLocks noGrp="1"/>
+              </p:cNvSpPr>
+              <p:nvPr>
+                <p:ph idx="1"/>
+              </p:nvPr>
+            </p:nvSpPr>
+            <p:spPr/>
+            <p:txBody>
+              <a:bodyPr/>
+              <a:lstStyle/>
+              <a:p>
+                <a:r>
+                  <a:rPr lang="fr-CH" dirty="0"/>
+                  <a:t>Partial </a:t>
+                </a:r>
+                <a:r>
+                  <a:rPr lang="fr-CH" dirty="0" err="1"/>
+                  <a:t>Approximate</a:t>
+                </a:r>
+                <a:r>
+                  <a:rPr lang="fr-CH" dirty="0"/>
+                  <a:t> Common </a:t>
+                </a:r>
+                <a:r>
+                  <a:rPr lang="fr-CH" dirty="0" err="1"/>
+                  <a:t>Divisors</a:t>
+                </a:r>
+                <a:endParaRPr lang="fr-CH" dirty="0"/>
+              </a:p>
+              <a:p>
+                <a:endParaRPr lang="fr-CH" dirty="0"/>
+              </a:p>
+              <a:p>
+                <a:pPr marL="0" indent="0">
+                  <a:buNone/>
+                </a:pPr>
+                <a14:m>
+                  <m:oMathPara xmlns:m="http://schemas.openxmlformats.org/officeDocument/2006/math">
+                    <m:oMathParaPr>
+                      <m:jc m:val="centerGroup"/>
+                    </m:oMathParaPr>
+                    <m:oMath xmlns:m="http://schemas.openxmlformats.org/officeDocument/2006/math">
+                      <m:sSub>
+                        <m:sSubPr>
+                          <m:ctrlPr>
+                            <a:rPr lang="en-GB" b="0" i="1" smtClean="0">
+                              <a:latin typeface="Cambria Math" panose="02040503050406030204" pitchFamily="18" charset="0"/>
+                            </a:rPr>
+                          </m:ctrlPr>
+                        </m:sSubPr>
+                        <m:e>
+                          <m:r>
+                            <a:rPr lang="en-GB" b="0" i="1" smtClean="0">
+                              <a:latin typeface="Cambria Math" panose="02040503050406030204" pitchFamily="18" charset="0"/>
+                            </a:rPr>
+                            <m:t>𝑁</m:t>
+                          </m:r>
+                        </m:e>
+                        <m:sub>
+                          <m:r>
+                            <a:rPr lang="en-GB" b="0" i="1" smtClean="0">
+                              <a:latin typeface="Cambria Math" panose="02040503050406030204" pitchFamily="18" charset="0"/>
+                            </a:rPr>
+                            <m:t>0</m:t>
+                          </m:r>
+                        </m:sub>
+                      </m:sSub>
+                      <m:r>
+                        <a:rPr lang="fr-CH" i="1" smtClean="0">
+                          <a:latin typeface="Cambria Math" panose="02040503050406030204" pitchFamily="18" charset="0"/>
+                        </a:rPr>
+                        <m:t>=</m:t>
+                      </m:r>
+                      <m:r>
+                        <a:rPr lang="en-GB" b="0" i="1" smtClean="0">
+                          <a:latin typeface="Cambria Math" panose="02040503050406030204" pitchFamily="18" charset="0"/>
+                        </a:rPr>
+                        <m:t>𝑝</m:t>
+                      </m:r>
+                      <m:r>
+                        <a:rPr lang="en-GB" b="0" i="1" smtClean="0">
+                          <a:latin typeface="Cambria Math" panose="02040503050406030204" pitchFamily="18" charset="0"/>
+                        </a:rPr>
+                        <m:t> ∗</m:t>
+                      </m:r>
+                      <m:r>
+                        <a:rPr lang="en-GB" b="0" i="1" smtClean="0">
+                          <a:latin typeface="Cambria Math" panose="02040503050406030204" pitchFamily="18" charset="0"/>
+                        </a:rPr>
+                        <m:t>𝑞</m:t>
+                      </m:r>
+                    </m:oMath>
+                  </m:oMathPara>
+                </a14:m>
+                <a:endParaRPr lang="en-GB" b="0" dirty="0"/>
+              </a:p>
+              <a:p>
+                <a:pPr marL="0" indent="0">
+                  <a:buNone/>
+                </a:pPr>
+                <a:endParaRPr lang="en-GB" b="0" dirty="0"/>
+              </a:p>
+              <a:p>
+                <a:pPr marL="0" indent="0">
+                  <a:buNone/>
+                </a:pPr>
+                <a14:m>
+                  <m:oMathPara xmlns:m="http://schemas.openxmlformats.org/officeDocument/2006/math">
+                    <m:oMathParaPr>
+                      <m:jc m:val="center"/>
+                    </m:oMathParaPr>
+                    <m:oMath xmlns:m="http://schemas.openxmlformats.org/officeDocument/2006/math">
+                      <m:sSub>
+                        <m:sSubPr>
+                          <m:ctrlPr>
+                            <a:rPr lang="en-GB" b="0" i="1" smtClean="0">
+                              <a:latin typeface="Cambria Math" panose="02040503050406030204" pitchFamily="18" charset="0"/>
+                            </a:rPr>
+                          </m:ctrlPr>
+                        </m:sSubPr>
+                        <m:e>
+                          <m:r>
+                            <a:rPr lang="en-GB" b="0" i="1" smtClean="0">
+                              <a:latin typeface="Cambria Math" panose="02040503050406030204" pitchFamily="18" charset="0"/>
+                            </a:rPr>
+                            <m:t>𝑁</m:t>
+                          </m:r>
+                        </m:e>
+                        <m:sub>
+                          <m:r>
+                            <a:rPr lang="en-GB" b="0" i="1" smtClean="0">
+                              <a:latin typeface="Cambria Math" panose="02040503050406030204" pitchFamily="18" charset="0"/>
+                            </a:rPr>
+                            <m:t>1</m:t>
+                          </m:r>
+                        </m:sub>
+                      </m:sSub>
+                      <m:r>
+                        <a:rPr lang="fr-CH" i="1" smtClean="0">
+                          <a:latin typeface="Cambria Math" panose="02040503050406030204" pitchFamily="18" charset="0"/>
+                        </a:rPr>
+                        <m:t>=</m:t>
+                      </m:r>
+                      <m:r>
+                        <a:rPr lang="en-GB" b="0" i="1" smtClean="0">
+                          <a:latin typeface="Cambria Math" panose="02040503050406030204" pitchFamily="18" charset="0"/>
+                        </a:rPr>
+                        <m:t>𝑝</m:t>
+                      </m:r>
+                      <m:r>
+                        <a:rPr lang="en-GB" b="0" i="1" smtClean="0">
+                          <a:latin typeface="Cambria Math" panose="02040503050406030204" pitchFamily="18" charset="0"/>
+                        </a:rPr>
+                        <m:t> ∗</m:t>
+                      </m:r>
+                      <m:sSub>
+                        <m:sSubPr>
+                          <m:ctrlPr>
+                            <a:rPr lang="en-GB" b="0" i="1" smtClean="0">
+                              <a:latin typeface="Cambria Math" panose="02040503050406030204" pitchFamily="18" charset="0"/>
+                            </a:rPr>
+                          </m:ctrlPr>
+                        </m:sSubPr>
+                        <m:e>
+                          <m:r>
+                            <a:rPr lang="en-GB" b="0" i="1" smtClean="0">
+                              <a:latin typeface="Cambria Math" panose="02040503050406030204" pitchFamily="18" charset="0"/>
+                            </a:rPr>
+                            <m:t>𝑞</m:t>
+                          </m:r>
+                        </m:e>
+                        <m:sub>
+                          <m:r>
+                            <a:rPr lang="en-GB" b="0" i="1" smtClean="0">
+                              <a:latin typeface="Cambria Math" panose="02040503050406030204" pitchFamily="18" charset="0"/>
+                            </a:rPr>
+                            <m:t>1</m:t>
+                          </m:r>
+                        </m:sub>
+                      </m:sSub>
+                      <m:r>
+                        <a:rPr lang="en-GB" b="0" i="1" smtClean="0">
+                          <a:latin typeface="Cambria Math" panose="02040503050406030204" pitchFamily="18" charset="0"/>
+                        </a:rPr>
+                        <m:t>+</m:t>
+                      </m:r>
+                      <m:sSub>
+                        <m:sSubPr>
+                          <m:ctrlPr>
+                            <a:rPr lang="en-GB" b="0" i="1" smtClean="0">
+                              <a:latin typeface="Cambria Math" panose="02040503050406030204" pitchFamily="18" charset="0"/>
+                            </a:rPr>
+                          </m:ctrlPr>
+                        </m:sSubPr>
+                        <m:e>
+                          <m:r>
+                            <a:rPr lang="en-GB" b="0" i="1" smtClean="0">
+                              <a:latin typeface="Cambria Math" panose="02040503050406030204" pitchFamily="18" charset="0"/>
+                            </a:rPr>
+                            <m:t>𝑟</m:t>
+                          </m:r>
+                        </m:e>
+                        <m:sub>
+                          <m:r>
+                            <a:rPr lang="en-GB" b="0" i="1" smtClean="0">
+                              <a:latin typeface="Cambria Math" panose="02040503050406030204" pitchFamily="18" charset="0"/>
+                            </a:rPr>
+                            <m:t>1</m:t>
+                          </m:r>
+                        </m:sub>
+                      </m:sSub>
+                    </m:oMath>
+                  </m:oMathPara>
+                </a14:m>
+                <a:endParaRPr lang="en-GB" b="0" dirty="0"/>
+              </a:p>
+            </p:txBody>
+          </p:sp>
+        </mc:Choice>
+        <mc:Fallback>
+          <p:sp>
+            <p:nvSpPr>
+              <p:cNvPr id="3" name="Espace réservé du contenu 2">
+                <a:extLst>
+                  <a:ext uri="{FF2B5EF4-FFF2-40B4-BE49-F238E27FC236}">
+                    <a16:creationId xmlns:a16="http://schemas.microsoft.com/office/drawing/2014/main" id="{D8D3BB48-D108-D0FA-2592-B6C6B4AFF8E1}"/>
+                  </a:ext>
+                </a:extLst>
+              </p:cNvPr>
+              <p:cNvSpPr>
+                <a:spLocks noGrp="1" noRot="1" noChangeAspect="1" noMove="1" noResize="1" noEditPoints="1" noAdjustHandles="1" noChangeArrowheads="1" noChangeShapeType="1" noTextEdit="1"/>
+              </p:cNvSpPr>
+              <p:nvPr>
+                <p:ph idx="1"/>
+              </p:nvPr>
+            </p:nvSpPr>
+            <p:spPr>
+              <a:blipFill>
+                <a:blip r:embed="rId2"/>
+                <a:stretch>
+                  <a:fillRect l="-1043" t="-2381"/>
+                </a:stretch>
+              </a:blipFill>
+            </p:spPr>
+            <p:txBody>
+              <a:bodyPr/>
+              <a:lstStyle/>
+              <a:p>
+                <a:r>
+                  <a:rPr lang="fr-CH">
+                    <a:noFill/>
+                  </a:rPr>
+                  <a:t> </a:t>
+                </a:r>
+              </a:p>
+            </p:txBody>
+          </p:sp>
+        </mc:Fallback>
+      </mc:AlternateContent>
+    </p:spTree>
+    <p:extLst>
+      <p:ext uri="{BB962C8B-B14F-4D97-AF65-F5344CB8AC3E}">
+        <p14:creationId xmlns:p14="http://schemas.microsoft.com/office/powerpoint/2010/main" val="2648200781"/>
+      </p:ext>
+    </p:extLst>
+  </p:cSld>
+  <p:clrMapOvr>
+    <a:masterClrMapping/>
+  </p:clrMapOvr>
+</p:sld>
+</file>
+
+<file path=ppt/slides/slide2.xml><?xml version="1.0" encoding="utf-8"?>
+<p:sld xmlns:a="http://schemas.openxmlformats.org/drawingml/2006/main" xmlns:r="http://schemas.openxmlformats.org/officeDocument/2006/relationships" xmlns:p="http://schemas.openxmlformats.org/presentationml/2006/main">
+  <p:cSld>
+    <p:spTree>
+      <p:nvGrpSpPr>
+        <p:cNvPr id="1" name=""/>
+        <p:cNvGrpSpPr/>
+        <p:nvPr/>
+      </p:nvGrpSpPr>
+      <p:grpSpPr>
+        <a:xfrm>
+          <a:off x="0" y="0"/>
+          <a:ext cx="0" cy="0"/>
+          <a:chOff x="0" y="0"/>
+          <a:chExt cx="0" cy="0"/>
+        </a:xfrm>
+      </p:grpSpPr>
+      <p:sp>
+        <p:nvSpPr>
+          <p:cNvPr id="2" name="Titre 1">
+            <a:extLst>
+              <a:ext uri="{FF2B5EF4-FFF2-40B4-BE49-F238E27FC236}">
+                <a16:creationId xmlns:a16="http://schemas.microsoft.com/office/drawing/2014/main" id="{C7519599-4D6D-F382-5CBF-FF9746EACCC1}"/>
+              </a:ext>
+            </a:extLst>
+          </p:cNvPr>
+          <p:cNvSpPr>
+            <a:spLocks noGrp="1"/>
+          </p:cNvSpPr>
+          <p:nvPr>
+            <p:ph type="title"/>
+          </p:nvPr>
+        </p:nvSpPr>
+        <p:spPr/>
+        <p:txBody>
+          <a:bodyPr/>
+          <a:lstStyle/>
+          <a:p>
+            <a:r>
+              <a:rPr lang="fr-CH" dirty="0"/>
+              <a:t>Intro</a:t>
+            </a:r>
+          </a:p>
+        </p:txBody>
+      </p:sp>
+      <p:sp>
+        <p:nvSpPr>
+          <p:cNvPr id="3" name="Espace réservé du contenu 2">
+            <a:extLst>
+              <a:ext uri="{FF2B5EF4-FFF2-40B4-BE49-F238E27FC236}">
+                <a16:creationId xmlns:a16="http://schemas.microsoft.com/office/drawing/2014/main" id="{179AE550-BC42-BF0F-46AA-21142C517507}"/>
+              </a:ext>
+            </a:extLst>
+          </p:cNvPr>
+          <p:cNvSpPr>
+            <a:spLocks noGrp="1"/>
+          </p:cNvSpPr>
+          <p:nvPr>
+            <p:ph idx="1"/>
+          </p:nvPr>
+        </p:nvSpPr>
+        <p:spPr/>
+        <p:txBody>
+          <a:bodyPr/>
+          <a:lstStyle/>
+          <a:p>
+            <a:r>
+              <a:rPr lang="fr-CH" dirty="0"/>
+              <a:t>Signatures largement répandues</a:t>
+            </a:r>
+          </a:p>
+          <a:p>
+            <a:r>
+              <a:rPr lang="fr-CH" dirty="0"/>
+              <a:t>Authentifier un client, serveur</a:t>
+            </a:r>
+          </a:p>
+          <a:p>
+            <a:r>
+              <a:rPr lang="fr-CH" dirty="0"/>
+              <a:t>Souvent combiné avec d’autres algorithmes cryptographiques</a:t>
+            </a:r>
+          </a:p>
+          <a:p>
+            <a:endParaRPr lang="fr-CH" dirty="0"/>
+          </a:p>
+        </p:txBody>
+      </p:sp>
+    </p:spTree>
+    <p:extLst>
+      <p:ext uri="{BB962C8B-B14F-4D97-AF65-F5344CB8AC3E}">
+        <p14:creationId xmlns:p14="http://schemas.microsoft.com/office/powerpoint/2010/main" val="1755347014"/>
+      </p:ext>
+    </p:extLst>
+  </p:cSld>
+  <p:clrMapOvr>
+    <a:masterClrMapping/>
+  </p:clrMapOvr>
+</p:sld>
+</file>
+
+<file path=ppt/slides/slide20.xml><?xml version="1.0" encoding="utf-8"?>
+<p:sld xmlns:a="http://schemas.openxmlformats.org/drawingml/2006/main" xmlns:r="http://schemas.openxmlformats.org/officeDocument/2006/relationships" xmlns:p="http://schemas.openxmlformats.org/presentationml/2006/main">
+  <p:cSld>
+    <p:spTree>
+      <p:nvGrpSpPr>
+        <p:cNvPr id="1" name="">
+          <a:extLst>
+            <a:ext uri="{FF2B5EF4-FFF2-40B4-BE49-F238E27FC236}">
+              <a16:creationId xmlns:a16="http://schemas.microsoft.com/office/drawing/2014/main" id="{B0C0B4DE-342B-B083-E128-E7E22CDD04BB}"/>
+            </a:ext>
+          </a:extLst>
+        </p:cNvPr>
+        <p:cNvGrpSpPr/>
+        <p:nvPr/>
+      </p:nvGrpSpPr>
+      <p:grpSpPr>
+        <a:xfrm>
+          <a:off x="0" y="0"/>
+          <a:ext cx="0" cy="0"/>
+          <a:chOff x="0" y="0"/>
+          <a:chExt cx="0" cy="0"/>
+        </a:xfrm>
+      </p:grpSpPr>
+      <p:sp>
+        <p:nvSpPr>
+          <p:cNvPr id="2" name="Titre 1">
+            <a:extLst>
+              <a:ext uri="{FF2B5EF4-FFF2-40B4-BE49-F238E27FC236}">
+                <a16:creationId xmlns:a16="http://schemas.microsoft.com/office/drawing/2014/main" id="{BCC16109-8372-AF8D-CA45-A5231C44FEB6}"/>
+              </a:ext>
+            </a:extLst>
+          </p:cNvPr>
+          <p:cNvSpPr>
+            <a:spLocks noGrp="1"/>
+          </p:cNvSpPr>
+          <p:nvPr>
+            <p:ph type="title"/>
+          </p:nvPr>
+        </p:nvSpPr>
+        <p:spPr/>
+        <p:txBody>
+          <a:bodyPr/>
+          <a:lstStyle/>
+          <a:p>
+            <a:r>
+              <a:rPr lang="fr-CH" dirty="0"/>
+              <a:t>PACD</a:t>
+            </a:r>
+          </a:p>
+        </p:txBody>
+      </p:sp>
+      <mc:AlternateContent xmlns:mc="http://schemas.openxmlformats.org/markup-compatibility/2006">
+        <mc:Choice xmlns:a14="http://schemas.microsoft.com/office/drawing/2010/main" Requires="a14">
+          <p:sp>
+            <p:nvSpPr>
+              <p:cNvPr id="3" name="Espace réservé du contenu 2">
+                <a:extLst>
+                  <a:ext uri="{FF2B5EF4-FFF2-40B4-BE49-F238E27FC236}">
+                    <a16:creationId xmlns:a16="http://schemas.microsoft.com/office/drawing/2014/main" id="{B46245EF-7208-5585-FE79-2493F73640C6}"/>
+                  </a:ext>
+                </a:extLst>
+              </p:cNvPr>
+              <p:cNvSpPr>
+                <a:spLocks noGrp="1"/>
+              </p:cNvSpPr>
+              <p:nvPr>
+                <p:ph idx="1"/>
+              </p:nvPr>
+            </p:nvSpPr>
+            <p:spPr/>
+            <p:txBody>
+              <a:bodyPr/>
+              <a:lstStyle/>
+              <a:p>
+                <a:pPr marL="0" indent="0">
+                  <a:buNone/>
+                </a:pPr>
+                <a:endParaRPr lang="fr-CH" dirty="0"/>
+              </a:p>
+              <a:p>
+                <a:pPr marL="0" indent="0">
+                  <a:buNone/>
+                </a:pPr>
+                <a14:m>
+                  <m:oMathPara xmlns:m="http://schemas.openxmlformats.org/officeDocument/2006/math">
+                    <m:oMathParaPr>
+                      <m:jc m:val="centerGroup"/>
+                    </m:oMathParaPr>
+                    <m:oMath xmlns:m="http://schemas.openxmlformats.org/officeDocument/2006/math">
+                      <m:sSub>
+                        <m:sSubPr>
+                          <m:ctrlPr>
+                            <a:rPr lang="en-GB" b="0" i="1" smtClean="0">
+                              <a:latin typeface="Cambria Math" panose="02040503050406030204" pitchFamily="18" charset="0"/>
+                            </a:rPr>
+                          </m:ctrlPr>
+                        </m:sSubPr>
+                        <m:e>
+                          <m:r>
+                            <a:rPr lang="en-GB" b="0" i="1" smtClean="0">
+                              <a:latin typeface="Cambria Math" panose="02040503050406030204" pitchFamily="18" charset="0"/>
+                            </a:rPr>
+                            <m:t>𝑁</m:t>
+                          </m:r>
+                        </m:e>
+                        <m:sub>
+                          <m:r>
+                            <a:rPr lang="en-GB" b="0" i="1" smtClean="0">
+                              <a:latin typeface="Cambria Math" panose="02040503050406030204" pitchFamily="18" charset="0"/>
+                            </a:rPr>
+                            <m:t>0</m:t>
+                          </m:r>
+                        </m:sub>
+                      </m:sSub>
+                      <m:r>
+                        <a:rPr lang="fr-CH" i="1" smtClean="0">
+                          <a:latin typeface="Cambria Math" panose="02040503050406030204" pitchFamily="18" charset="0"/>
+                        </a:rPr>
+                        <m:t>=</m:t>
+                      </m:r>
+                      <m:r>
+                        <a:rPr lang="en-GB" b="0" i="1" smtClean="0">
+                          <a:latin typeface="Cambria Math" panose="02040503050406030204" pitchFamily="18" charset="0"/>
+                        </a:rPr>
+                        <m:t>𝑝</m:t>
+                      </m:r>
+                      <m:r>
+                        <a:rPr lang="en-GB" b="0" i="1" smtClean="0">
+                          <a:latin typeface="Cambria Math" panose="02040503050406030204" pitchFamily="18" charset="0"/>
+                        </a:rPr>
+                        <m:t> ∗</m:t>
+                      </m:r>
+                      <m:r>
+                        <a:rPr lang="en-GB" b="0" i="1" smtClean="0">
+                          <a:latin typeface="Cambria Math" panose="02040503050406030204" pitchFamily="18" charset="0"/>
+                        </a:rPr>
+                        <m:t>𝑞</m:t>
+                      </m:r>
+                    </m:oMath>
+                  </m:oMathPara>
+                </a14:m>
+                <a:endParaRPr lang="en-GB" b="0" dirty="0"/>
+              </a:p>
+              <a:p>
+                <a:pPr marL="0" indent="0">
+                  <a:buNone/>
+                </a:pPr>
+                <a:endParaRPr lang="en-GB" b="0" dirty="0"/>
+              </a:p>
+              <a:p>
+                <a:pPr marL="0" indent="0">
+                  <a:buNone/>
+                </a:pPr>
+                <a14:m>
+                  <m:oMathPara xmlns:m="http://schemas.openxmlformats.org/officeDocument/2006/math">
+                    <m:oMathParaPr>
+                      <m:jc m:val="center"/>
+                    </m:oMathParaPr>
+                    <m:oMath xmlns:m="http://schemas.openxmlformats.org/officeDocument/2006/math">
+                      <m:sSub>
+                        <m:sSubPr>
+                          <m:ctrlPr>
+                            <a:rPr lang="en-GB" b="0" i="1" smtClean="0">
+                              <a:latin typeface="Cambria Math" panose="02040503050406030204" pitchFamily="18" charset="0"/>
+                            </a:rPr>
+                          </m:ctrlPr>
+                        </m:sSubPr>
+                        <m:e>
+                          <m:r>
+                            <a:rPr lang="en-GB" b="0" i="1" smtClean="0">
+                              <a:latin typeface="Cambria Math" panose="02040503050406030204" pitchFamily="18" charset="0"/>
+                            </a:rPr>
+                            <m:t>𝑁</m:t>
+                          </m:r>
+                        </m:e>
+                        <m:sub>
+                          <m:r>
+                            <a:rPr lang="en-GB" b="0" i="1" smtClean="0">
+                              <a:latin typeface="Cambria Math" panose="02040503050406030204" pitchFamily="18" charset="0"/>
+                            </a:rPr>
+                            <m:t>1</m:t>
+                          </m:r>
+                        </m:sub>
+                      </m:sSub>
+                      <m:r>
+                        <a:rPr lang="fr-CH" i="1" smtClean="0">
+                          <a:latin typeface="Cambria Math" panose="02040503050406030204" pitchFamily="18" charset="0"/>
+                        </a:rPr>
+                        <m:t>=</m:t>
+                      </m:r>
+                      <m:d>
+                        <m:dPr>
+                          <m:ctrlPr>
+                            <a:rPr lang="en-GB" b="0" i="1" smtClean="0">
+                              <a:latin typeface="Cambria Math" panose="02040503050406030204" pitchFamily="18" charset="0"/>
+                            </a:rPr>
+                          </m:ctrlPr>
+                        </m:dPr>
+                        <m:e>
+                          <m:sSup>
+                            <m:sSupPr>
+                              <m:ctrlPr>
+                                <a:rPr lang="en-GB" b="0" i="1" smtClean="0">
+                                  <a:latin typeface="Cambria Math" panose="02040503050406030204" pitchFamily="18" charset="0"/>
+                                </a:rPr>
+                              </m:ctrlPr>
+                            </m:sSupPr>
+                            <m:e>
+                              <m:sSup>
+                                <m:sSupPr>
+                                  <m:ctrlPr>
+                                    <a:rPr lang="en-GB" b="0" i="1" smtClean="0">
+                                      <a:latin typeface="Cambria Math" panose="02040503050406030204" pitchFamily="18" charset="0"/>
+                                    </a:rPr>
+                                  </m:ctrlPr>
+                                </m:sSupPr>
+                                <m:e>
+                                  <m:r>
+                                    <a:rPr lang="en-GB" b="0" i="1" smtClean="0">
+                                      <a:latin typeface="Cambria Math" panose="02040503050406030204" pitchFamily="18" charset="0"/>
+                                    </a:rPr>
+                                    <m:t>𝑠</m:t>
+                                  </m:r>
+                                </m:e>
+                                <m:sup>
+                                  <m:r>
+                                    <a:rPr lang="en-GB" b="0" i="1" smtClean="0">
+                                      <a:latin typeface="Cambria Math" panose="02040503050406030204" pitchFamily="18" charset="0"/>
+                                    </a:rPr>
+                                    <m:t>′</m:t>
+                                  </m:r>
+                                </m:sup>
+                              </m:sSup>
+                            </m:e>
+                            <m:sup>
+                              <m:r>
+                                <a:rPr lang="en-GB" b="0" i="1" smtClean="0">
+                                  <a:latin typeface="Cambria Math" panose="02040503050406030204" pitchFamily="18" charset="0"/>
+                                </a:rPr>
+                                <m:t>𝑒</m:t>
+                              </m:r>
+                            </m:sup>
+                          </m:sSup>
+                          <m:r>
+                            <a:rPr lang="en-GB" b="0" i="1" smtClean="0">
+                              <a:latin typeface="Cambria Math" panose="02040503050406030204" pitchFamily="18" charset="0"/>
+                            </a:rPr>
+                            <m:t> −</m:t>
+                          </m:r>
+                          <m:r>
+                            <a:rPr lang="en-GB" b="0" i="1" smtClean="0">
+                              <a:latin typeface="Cambria Math" panose="02040503050406030204" pitchFamily="18" charset="0"/>
+                            </a:rPr>
+                            <m:t>𝑎</m:t>
+                          </m:r>
+                          <m:r>
+                            <a:rPr lang="en-GB" b="0" i="1" smtClean="0">
+                              <a:latin typeface="Cambria Math" panose="02040503050406030204" pitchFamily="18" charset="0"/>
+                            </a:rPr>
+                            <m:t> </m:t>
+                          </m:r>
+                          <m:r>
+                            <a:rPr lang="en-GB" b="0" i="1" smtClean="0">
+                              <a:latin typeface="Cambria Math" panose="02040503050406030204" pitchFamily="18" charset="0"/>
+                            </a:rPr>
+                            <m:t>𝑚𝑜𝑑</m:t>
+                          </m:r>
+                          <m:r>
+                            <a:rPr lang="en-GB" b="0" i="1" smtClean="0">
+                              <a:latin typeface="Cambria Math" panose="02040503050406030204" pitchFamily="18" charset="0"/>
+                            </a:rPr>
+                            <m:t> </m:t>
+                          </m:r>
+                          <m:r>
+                            <a:rPr lang="en-GB" b="0" i="1" smtClean="0">
+                              <a:latin typeface="Cambria Math" panose="02040503050406030204" pitchFamily="18" charset="0"/>
+                            </a:rPr>
+                            <m:t>𝑁</m:t>
+                          </m:r>
+                        </m:e>
+                      </m:d>
+                      <m:r>
+                        <a:rPr lang="en-GB" b="0" i="1" smtClean="0">
+                          <a:latin typeface="Cambria Math" panose="02040503050406030204" pitchFamily="18" charset="0"/>
+                        </a:rPr>
+                        <m:t>=</m:t>
+                      </m:r>
+                      <m:r>
+                        <a:rPr lang="en-GB" b="0" i="1" smtClean="0">
+                          <a:latin typeface="Cambria Math" panose="02040503050406030204" pitchFamily="18" charset="0"/>
+                        </a:rPr>
+                        <m:t>𝑘</m:t>
+                      </m:r>
+                      <m:r>
+                        <a:rPr lang="en-GB" b="0" i="1" smtClean="0">
+                          <a:latin typeface="Cambria Math" panose="02040503050406030204" pitchFamily="18" charset="0"/>
+                        </a:rPr>
+                        <m:t>∗</m:t>
+                      </m:r>
+                      <m:r>
+                        <a:rPr lang="en-GB" b="0" i="1" smtClean="0">
+                          <a:latin typeface="Cambria Math" panose="02040503050406030204" pitchFamily="18" charset="0"/>
+                        </a:rPr>
+                        <m:t>𝑝</m:t>
+                      </m:r>
+                      <m:r>
+                        <a:rPr lang="en-GB" b="0" i="1" smtClean="0">
+                          <a:latin typeface="Cambria Math" panose="02040503050406030204" pitchFamily="18" charset="0"/>
+                        </a:rPr>
+                        <m:t>+</m:t>
+                      </m:r>
+                      <m:r>
+                        <a:rPr lang="en-GB" b="0" i="1" smtClean="0">
+                          <a:latin typeface="Cambria Math" panose="02040503050406030204" pitchFamily="18" charset="0"/>
+                        </a:rPr>
+                        <m:t>h</m:t>
+                      </m:r>
+                    </m:oMath>
+                  </m:oMathPara>
+                </a14:m>
+                <a:endParaRPr lang="en-GB" b="0" dirty="0"/>
+              </a:p>
+            </p:txBody>
+          </p:sp>
+        </mc:Choice>
+        <mc:Fallback>
+          <p:sp>
+            <p:nvSpPr>
+              <p:cNvPr id="3" name="Espace réservé du contenu 2">
+                <a:extLst>
+                  <a:ext uri="{FF2B5EF4-FFF2-40B4-BE49-F238E27FC236}">
+                    <a16:creationId xmlns:a16="http://schemas.microsoft.com/office/drawing/2014/main" id="{B46245EF-7208-5585-FE79-2493F73640C6}"/>
+                  </a:ext>
+                </a:extLst>
+              </p:cNvPr>
+              <p:cNvSpPr>
+                <a:spLocks noGrp="1" noRot="1" noChangeAspect="1" noMove="1" noResize="1" noEditPoints="1" noAdjustHandles="1" noChangeArrowheads="1" noChangeShapeType="1" noTextEdit="1"/>
+              </p:cNvSpPr>
+              <p:nvPr>
+                <p:ph idx="1"/>
+              </p:nvPr>
+            </p:nvSpPr>
+            <p:spPr>
+              <a:blipFill>
+                <a:blip r:embed="rId2"/>
+                <a:stretch>
+                  <a:fillRect/>
+                </a:stretch>
+              </a:blipFill>
+            </p:spPr>
+            <p:txBody>
+              <a:bodyPr/>
+              <a:lstStyle/>
+              <a:p>
+                <a:r>
+                  <a:rPr lang="fr-CH">
+                    <a:noFill/>
+                  </a:rPr>
+                  <a:t> </a:t>
+                </a:r>
+              </a:p>
+            </p:txBody>
+          </p:sp>
+        </mc:Fallback>
+      </mc:AlternateContent>
+    </p:spTree>
+    <p:extLst>
+      <p:ext uri="{BB962C8B-B14F-4D97-AF65-F5344CB8AC3E}">
+        <p14:creationId xmlns:p14="http://schemas.microsoft.com/office/powerpoint/2010/main" val="3586108759"/>
+      </p:ext>
+    </p:extLst>
+  </p:cSld>
+  <p:clrMapOvr>
+    <a:masterClrMapping/>
+  </p:clrMapOvr>
+</p:sld>
+</file>
+
+<file path=ppt/slides/slide21.xml><?xml version="1.0" encoding="utf-8"?>
+<p:sld xmlns:a="http://schemas.openxmlformats.org/drawingml/2006/main" xmlns:r="http://schemas.openxmlformats.org/officeDocument/2006/relationships" xmlns:p="http://schemas.openxmlformats.org/presentationml/2006/main">
+  <p:cSld>
+    <p:spTree>
+      <p:nvGrpSpPr>
+        <p:cNvPr id="1" name=""/>
+        <p:cNvGrpSpPr/>
+        <p:nvPr/>
+      </p:nvGrpSpPr>
+      <p:grpSpPr>
+        <a:xfrm>
+          <a:off x="0" y="0"/>
+          <a:ext cx="0" cy="0"/>
+          <a:chOff x="0" y="0"/>
+          <a:chExt cx="0" cy="0"/>
+        </a:xfrm>
+      </p:grpSpPr>
+      <p:sp>
+        <p:nvSpPr>
+          <p:cNvPr id="2" name="Titre 1">
+            <a:extLst>
+              <a:ext uri="{FF2B5EF4-FFF2-40B4-BE49-F238E27FC236}">
+                <a16:creationId xmlns:a16="http://schemas.microsoft.com/office/drawing/2014/main" id="{BD44A17B-26DA-63AC-B075-7A3FE58B2939}"/>
+              </a:ext>
+            </a:extLst>
+          </p:cNvPr>
+          <p:cNvSpPr>
+            <a:spLocks noGrp="1"/>
+          </p:cNvSpPr>
+          <p:nvPr>
+            <p:ph type="title"/>
+          </p:nvPr>
+        </p:nvSpPr>
+        <p:spPr/>
+        <p:txBody>
+          <a:bodyPr/>
+          <a:lstStyle/>
+          <a:p>
+            <a:r>
+              <a:rPr lang="fr-CH" dirty="0" err="1"/>
+              <a:t>Lattices</a:t>
+            </a:r>
+            <a:endParaRPr lang="fr-CH" dirty="0"/>
+          </a:p>
+        </p:txBody>
+      </p:sp>
+      <mc:AlternateContent xmlns:mc="http://schemas.openxmlformats.org/markup-compatibility/2006">
+        <mc:Choice xmlns:a14="http://schemas.microsoft.com/office/drawing/2010/main" Requires="a14">
+          <p:sp>
+            <p:nvSpPr>
+              <p:cNvPr id="3" name="Espace réservé du contenu 2">
+                <a:extLst>
+                  <a:ext uri="{FF2B5EF4-FFF2-40B4-BE49-F238E27FC236}">
+                    <a16:creationId xmlns:a16="http://schemas.microsoft.com/office/drawing/2014/main" id="{3DA63E6D-C13A-0C68-FA5B-5CD24480CD94}"/>
+                  </a:ext>
+                </a:extLst>
+              </p:cNvPr>
+              <p:cNvSpPr>
+                <a:spLocks noGrp="1"/>
+              </p:cNvSpPr>
+              <p:nvPr>
+                <p:ph idx="1"/>
+              </p:nvPr>
+            </p:nvSpPr>
+            <p:spPr/>
+            <p:txBody>
+              <a:bodyPr/>
+              <a:lstStyle/>
+              <a:p>
+                <a:pPr marL="0" indent="0">
+                  <a:buNone/>
+                </a:pPr>
+                <a:endParaRPr lang="en-GB" b="0" i="1" dirty="0">
+                  <a:latin typeface="Cambria Math" panose="02040503050406030204" pitchFamily="18" charset="0"/>
+                </a:endParaRPr>
+              </a:p>
+              <a:p>
+                <a:pPr marL="0" indent="0">
+                  <a:buNone/>
+                </a:pPr>
+                <a:endParaRPr lang="en-GB" b="0" i="1" dirty="0">
+                  <a:latin typeface="Cambria Math" panose="02040503050406030204" pitchFamily="18" charset="0"/>
+                </a:endParaRPr>
+              </a:p>
+              <a:p>
+                <a:pPr marL="0" indent="0">
+                  <a:buNone/>
+                </a:pPr>
+                <a:endParaRPr lang="en-GB" b="0" i="1" dirty="0">
+                  <a:latin typeface="Cambria Math" panose="02040503050406030204" pitchFamily="18" charset="0"/>
+                </a:endParaRPr>
+              </a:p>
+              <a:p>
+                <a:pPr marL="0" indent="0">
+                  <a:buNone/>
+                </a:pPr>
+                <a14:m>
+                  <m:oMathPara xmlns:m="http://schemas.openxmlformats.org/officeDocument/2006/math">
+                    <m:oMathParaPr>
+                      <m:jc m:val="centerGroup"/>
+                    </m:oMathParaPr>
+                    <m:oMath xmlns:m="http://schemas.openxmlformats.org/officeDocument/2006/math">
+                      <m:r>
+                        <a:rPr lang="en-GB" b="0" i="1" smtClean="0">
+                          <a:latin typeface="Cambria Math" panose="02040503050406030204" pitchFamily="18" charset="0"/>
+                        </a:rPr>
+                        <m:t>𝐵</m:t>
+                      </m:r>
+                      <m:r>
+                        <a:rPr lang="en-GB" b="0" i="1" smtClean="0">
+                          <a:latin typeface="Cambria Math" panose="02040503050406030204" pitchFamily="18" charset="0"/>
+                        </a:rPr>
+                        <m:t>= </m:t>
+                      </m:r>
+                      <m:d>
+                        <m:dPr>
+                          <m:ctrlPr>
+                            <a:rPr lang="en-GB" b="0" i="1" smtClean="0">
+                              <a:latin typeface="Cambria Math" panose="02040503050406030204" pitchFamily="18" charset="0"/>
+                            </a:rPr>
+                          </m:ctrlPr>
+                        </m:dPr>
+                        <m:e>
+                          <m:m>
+                            <m:mPr>
+                              <m:mcs>
+                                <m:mc>
+                                  <m:mcPr>
+                                    <m:count m:val="3"/>
+                                    <m:mcJc m:val="center"/>
+                                  </m:mcPr>
+                                </m:mc>
+                              </m:mcs>
+                              <m:ctrlPr>
+                                <a:rPr lang="fr-CH" i="1">
+                                  <a:latin typeface="Cambria Math" panose="02040503050406030204" pitchFamily="18" charset="0"/>
+                                </a:rPr>
+                              </m:ctrlPr>
+                            </m:mPr>
+                            <m:mr>
+                              <m:e>
+                                <m:sSup>
+                                  <m:sSupPr>
+                                    <m:ctrlPr>
+                                      <a:rPr lang="fr-CH" i="1">
+                                        <a:latin typeface="Cambria Math" panose="02040503050406030204" pitchFamily="18" charset="0"/>
+                                      </a:rPr>
+                                    </m:ctrlPr>
+                                  </m:sSupPr>
+                                  <m:e>
+                                    <m:r>
+                                      <a:rPr lang="en-GB" i="1">
+                                        <a:latin typeface="Cambria Math" panose="02040503050406030204" pitchFamily="18" charset="0"/>
+                                      </a:rPr>
+                                      <m:t>−2</m:t>
+                                    </m:r>
+                                  </m:e>
+                                  <m:sup>
+                                    <m:r>
+                                      <a:rPr lang="en-GB" i="1">
+                                        <a:latin typeface="Cambria Math" panose="02040503050406030204" pitchFamily="18" charset="0"/>
+                                      </a:rPr>
+                                      <m:t>2</m:t>
+                                    </m:r>
+                                    <m:func>
+                                      <m:funcPr>
+                                        <m:ctrlPr>
+                                          <a:rPr lang="en-GB" i="1">
+                                            <a:latin typeface="Cambria Math" panose="02040503050406030204" pitchFamily="18" charset="0"/>
+                                          </a:rPr>
+                                        </m:ctrlPr>
+                                      </m:funcPr>
+                                      <m:fName>
+                                        <m:r>
+                                          <m:rPr>
+                                            <m:sty m:val="p"/>
+                                          </m:rPr>
+                                          <a:rPr lang="en-GB">
+                                            <a:latin typeface="Cambria Math" panose="02040503050406030204" pitchFamily="18" charset="0"/>
+                                          </a:rPr>
+                                          <m:t>log</m:t>
+                                        </m:r>
+                                      </m:fName>
+                                      <m:e>
+                                        <m:r>
+                                          <a:rPr lang="en-GB" i="1">
+                                            <a:latin typeface="Cambria Math" panose="02040503050406030204" pitchFamily="18" charset="0"/>
+                                          </a:rPr>
+                                          <m:t>𝑟</m:t>
+                                        </m:r>
+                                      </m:e>
+                                    </m:func>
+                                  </m:sup>
+                                </m:sSup>
+                              </m:e>
+                              <m:e>
+                                <m:sSup>
+                                  <m:sSupPr>
+                                    <m:ctrlPr>
+                                      <a:rPr lang="fr-CH" i="1">
+                                        <a:latin typeface="Cambria Math" panose="02040503050406030204" pitchFamily="18" charset="0"/>
+                                      </a:rPr>
+                                    </m:ctrlPr>
+                                  </m:sSupPr>
+                                  <m:e>
+                                    <m:r>
+                                      <a:rPr lang="en-GB" i="1">
+                                        <a:latin typeface="Cambria Math" panose="02040503050406030204" pitchFamily="18" charset="0"/>
+                                      </a:rPr>
+                                      <m:t>2</m:t>
+                                    </m:r>
+                                  </m:e>
+                                  <m:sup>
+                                    <m:func>
+                                      <m:funcPr>
+                                        <m:ctrlPr>
+                                          <a:rPr lang="fr-CH" i="1">
+                                            <a:latin typeface="Cambria Math" panose="02040503050406030204" pitchFamily="18" charset="0"/>
+                                          </a:rPr>
+                                        </m:ctrlPr>
+                                      </m:funcPr>
+                                      <m:fName>
+                                        <m:r>
+                                          <m:rPr>
+                                            <m:sty m:val="p"/>
+                                          </m:rPr>
+                                          <a:rPr lang="fr-CH">
+                                            <a:latin typeface="Cambria Math" panose="02040503050406030204" pitchFamily="18" charset="0"/>
+                                          </a:rPr>
+                                          <m:t>log</m:t>
+                                        </m:r>
+                                      </m:fName>
+                                      <m:e>
+                                        <m:r>
+                                          <a:rPr lang="en-GB" i="1">
+                                            <a:latin typeface="Cambria Math" panose="02040503050406030204" pitchFamily="18" charset="0"/>
+                                          </a:rPr>
+                                          <m:t>𝑟</m:t>
+                                        </m:r>
+                                      </m:e>
+                                    </m:func>
+                                  </m:sup>
+                                </m:sSup>
+                                <m:r>
+                                  <a:rPr lang="en-GB" i="1">
+                                    <a:latin typeface="Cambria Math" panose="02040503050406030204" pitchFamily="18" charset="0"/>
+                                  </a:rPr>
+                                  <m:t>∗</m:t>
+                                </m:r>
+                                <m:r>
+                                  <a:rPr lang="en-GB" i="1">
+                                    <a:latin typeface="Cambria Math" panose="02040503050406030204" pitchFamily="18" charset="0"/>
+                                  </a:rPr>
+                                  <m:t>𝑁</m:t>
+                                </m:r>
+                                <m:r>
+                                  <a:rPr lang="en-GB" i="1">
+                                    <a:latin typeface="Cambria Math" panose="02040503050406030204" pitchFamily="18" charset="0"/>
+                                  </a:rPr>
+                                  <m:t>1</m:t>
+                                </m:r>
+                              </m:e>
+                              <m:e>
+                                <m:r>
+                                  <a:rPr lang="en-GB" i="1">
+                                    <a:latin typeface="Cambria Math" panose="02040503050406030204" pitchFamily="18" charset="0"/>
+                                  </a:rPr>
+                                  <m:t>0</m:t>
+                                </m:r>
+                              </m:e>
+                            </m:mr>
+                            <m:mr>
+                              <m:e>
+                                <m:r>
+                                  <a:rPr lang="en-GB" i="1">
+                                    <a:latin typeface="Cambria Math" panose="02040503050406030204" pitchFamily="18" charset="0"/>
+                                  </a:rPr>
+                                  <m:t>0</m:t>
+                                </m:r>
+                              </m:e>
+                              <m:e>
+                                <m:sSup>
+                                  <m:sSupPr>
+                                    <m:ctrlPr>
+                                      <a:rPr lang="fr-CH" i="1">
+                                        <a:latin typeface="Cambria Math" panose="02040503050406030204" pitchFamily="18" charset="0"/>
+                                      </a:rPr>
+                                    </m:ctrlPr>
+                                  </m:sSupPr>
+                                  <m:e>
+                                    <m:r>
+                                      <a:rPr lang="en-GB" i="1">
+                                        <a:latin typeface="Cambria Math" panose="02040503050406030204" pitchFamily="18" charset="0"/>
+                                      </a:rPr>
+                                      <m:t>−2</m:t>
+                                    </m:r>
+                                  </m:e>
+                                  <m:sup>
+                                    <m:func>
+                                      <m:funcPr>
+                                        <m:ctrlPr>
+                                          <a:rPr lang="fr-CH" i="1">
+                                            <a:latin typeface="Cambria Math" panose="02040503050406030204" pitchFamily="18" charset="0"/>
+                                          </a:rPr>
+                                        </m:ctrlPr>
+                                      </m:funcPr>
+                                      <m:fName>
+                                        <m:r>
+                                          <m:rPr>
+                                            <m:sty m:val="p"/>
+                                          </m:rPr>
+                                          <a:rPr lang="fr-CH">
+                                            <a:latin typeface="Cambria Math" panose="02040503050406030204" pitchFamily="18" charset="0"/>
+                                          </a:rPr>
+                                          <m:t>log</m:t>
+                                        </m:r>
+                                      </m:fName>
+                                      <m:e>
+                                        <m:r>
+                                          <a:rPr lang="en-GB" i="1">
+                                            <a:latin typeface="Cambria Math" panose="02040503050406030204" pitchFamily="18" charset="0"/>
+                                          </a:rPr>
+                                          <m:t>𝑟</m:t>
+                                        </m:r>
+                                      </m:e>
+                                    </m:func>
+                                  </m:sup>
+                                </m:sSup>
+                              </m:e>
+                              <m:e>
+                                <m:sSub>
+                                  <m:sSubPr>
+                                    <m:ctrlPr>
+                                      <a:rPr lang="fr-CH" i="1">
+                                        <a:latin typeface="Cambria Math" panose="02040503050406030204" pitchFamily="18" charset="0"/>
+                                      </a:rPr>
+                                    </m:ctrlPr>
+                                  </m:sSubPr>
+                                  <m:e>
+                                    <m:r>
+                                      <a:rPr lang="en-GB" i="1">
+                                        <a:latin typeface="Cambria Math" panose="02040503050406030204" pitchFamily="18" charset="0"/>
+                                      </a:rPr>
+                                      <m:t>𝑁</m:t>
+                                    </m:r>
+                                  </m:e>
+                                  <m:sub>
+                                    <m:r>
+                                      <a:rPr lang="en-GB" i="1">
+                                        <a:latin typeface="Cambria Math" panose="02040503050406030204" pitchFamily="18" charset="0"/>
+                                      </a:rPr>
+                                      <m:t>1</m:t>
+                                    </m:r>
+                                  </m:sub>
+                                </m:sSub>
+                              </m:e>
+                            </m:mr>
+                            <m:mr>
+                              <m:e>
+                                <m:r>
+                                  <a:rPr lang="en-GB" i="1">
+                                    <a:latin typeface="Cambria Math" panose="02040503050406030204" pitchFamily="18" charset="0"/>
+                                  </a:rPr>
+                                  <m:t>0</m:t>
+                                </m:r>
+                              </m:e>
+                              <m:e>
+                                <m:r>
+                                  <a:rPr lang="en-GB" i="1">
+                                    <a:latin typeface="Cambria Math" panose="02040503050406030204" pitchFamily="18" charset="0"/>
+                                  </a:rPr>
+                                  <m:t>0</m:t>
+                                </m:r>
+                              </m:e>
+                              <m:e>
+                                <m:sSub>
+                                  <m:sSubPr>
+                                    <m:ctrlPr>
+                                      <a:rPr lang="fr-CH" i="1">
+                                        <a:latin typeface="Cambria Math" panose="02040503050406030204" pitchFamily="18" charset="0"/>
+                                      </a:rPr>
+                                    </m:ctrlPr>
+                                  </m:sSubPr>
+                                  <m:e>
+                                    <m:r>
+                                      <a:rPr lang="en-GB" i="1">
+                                        <a:latin typeface="Cambria Math" panose="02040503050406030204" pitchFamily="18" charset="0"/>
+                                      </a:rPr>
+                                      <m:t>𝑁</m:t>
+                                    </m:r>
+                                  </m:e>
+                                  <m:sub>
+                                    <m:r>
+                                      <a:rPr lang="en-GB" i="1">
+                                        <a:latin typeface="Cambria Math" panose="02040503050406030204" pitchFamily="18" charset="0"/>
+                                      </a:rPr>
+                                      <m:t>0</m:t>
+                                    </m:r>
+                                  </m:sub>
+                                </m:sSub>
+                              </m:e>
+                            </m:mr>
+                          </m:m>
+                        </m:e>
+                      </m:d>
+                    </m:oMath>
+                  </m:oMathPara>
+                </a14:m>
+                <a:endParaRPr lang="fr-CH" dirty="0"/>
+              </a:p>
+            </p:txBody>
+          </p:sp>
+        </mc:Choice>
+        <mc:Fallback>
+          <p:sp>
+            <p:nvSpPr>
+              <p:cNvPr id="3" name="Espace réservé du contenu 2">
+                <a:extLst>
+                  <a:ext uri="{FF2B5EF4-FFF2-40B4-BE49-F238E27FC236}">
+                    <a16:creationId xmlns:a16="http://schemas.microsoft.com/office/drawing/2014/main" id="{3DA63E6D-C13A-0C68-FA5B-5CD24480CD94}"/>
+                  </a:ext>
+                </a:extLst>
+              </p:cNvPr>
+              <p:cNvSpPr>
+                <a:spLocks noGrp="1" noRot="1" noChangeAspect="1" noMove="1" noResize="1" noEditPoints="1" noAdjustHandles="1" noChangeArrowheads="1" noChangeShapeType="1" noTextEdit="1"/>
+              </p:cNvSpPr>
+              <p:nvPr>
+                <p:ph idx="1"/>
+              </p:nvPr>
+            </p:nvSpPr>
+            <p:spPr>
+              <a:blipFill>
+                <a:blip r:embed="rId2"/>
+                <a:stretch>
+                  <a:fillRect/>
+                </a:stretch>
+              </a:blipFill>
+            </p:spPr>
+            <p:txBody>
+              <a:bodyPr/>
+              <a:lstStyle/>
+              <a:p>
+                <a:r>
+                  <a:rPr lang="fr-CH">
+                    <a:noFill/>
+                  </a:rPr>
+                  <a:t> </a:t>
+                </a:r>
+              </a:p>
+            </p:txBody>
+          </p:sp>
+        </mc:Fallback>
+      </mc:AlternateContent>
+    </p:spTree>
+    <p:extLst>
+      <p:ext uri="{BB962C8B-B14F-4D97-AF65-F5344CB8AC3E}">
+        <p14:creationId xmlns:p14="http://schemas.microsoft.com/office/powerpoint/2010/main" val="3222471043"/>
+      </p:ext>
+    </p:extLst>
+  </p:cSld>
+  <p:clrMapOvr>
+    <a:masterClrMapping/>
+  </p:clrMapOvr>
+</p:sld>
+</file>
+
+<file path=ppt/slides/slide22.xml><?xml version="1.0" encoding="utf-8"?>
+<p:sld xmlns:a="http://schemas.openxmlformats.org/drawingml/2006/main" xmlns:r="http://schemas.openxmlformats.org/officeDocument/2006/relationships" xmlns:p="http://schemas.openxmlformats.org/presentationml/2006/main">
+  <p:cSld>
+    <p:spTree>
+      <p:nvGrpSpPr>
+        <p:cNvPr id="1" name=""/>
+        <p:cNvGrpSpPr/>
+        <p:nvPr/>
+      </p:nvGrpSpPr>
+      <p:grpSpPr>
+        <a:xfrm>
+          <a:off x="0" y="0"/>
+          <a:ext cx="0" cy="0"/>
+          <a:chOff x="0" y="0"/>
+          <a:chExt cx="0" cy="0"/>
+        </a:xfrm>
+      </p:grpSpPr>
+      <p:sp>
+        <p:nvSpPr>
+          <p:cNvPr id="2" name="Titre 1">
+            <a:extLst>
+              <a:ext uri="{FF2B5EF4-FFF2-40B4-BE49-F238E27FC236}">
+                <a16:creationId xmlns:a16="http://schemas.microsoft.com/office/drawing/2014/main" id="{5F306F38-748C-E424-C977-6A20E3A0C316}"/>
+              </a:ext>
+            </a:extLst>
+          </p:cNvPr>
+          <p:cNvSpPr>
+            <a:spLocks noGrp="1"/>
+          </p:cNvSpPr>
+          <p:nvPr>
+            <p:ph type="title"/>
+          </p:nvPr>
+        </p:nvSpPr>
+        <p:spPr/>
+        <p:txBody>
+          <a:bodyPr/>
+          <a:lstStyle/>
+          <a:p>
+            <a:r>
+              <a:rPr lang="fr-CH" dirty="0"/>
+              <a:t>LLL</a:t>
+            </a:r>
+          </a:p>
+        </p:txBody>
+      </p:sp>
+      <mc:AlternateContent xmlns:mc="http://schemas.openxmlformats.org/markup-compatibility/2006">
+        <mc:Choice xmlns:a14="http://schemas.microsoft.com/office/drawing/2010/main" Requires="a14">
+          <p:sp>
+            <p:nvSpPr>
+              <p:cNvPr id="3" name="Espace réservé du contenu 2">
+                <a:extLst>
+                  <a:ext uri="{FF2B5EF4-FFF2-40B4-BE49-F238E27FC236}">
+                    <a16:creationId xmlns:a16="http://schemas.microsoft.com/office/drawing/2014/main" id="{45EF3473-E286-31FE-B7DE-896D0000CC6E}"/>
+                  </a:ext>
+                </a:extLst>
+              </p:cNvPr>
+              <p:cNvSpPr>
+                <a:spLocks noGrp="1"/>
+              </p:cNvSpPr>
+              <p:nvPr>
+                <p:ph idx="1"/>
+              </p:nvPr>
+            </p:nvSpPr>
+            <p:spPr/>
+            <p:txBody>
+              <a:bodyPr/>
+              <a:lstStyle/>
+              <a:p>
+                <a:r>
+                  <a:rPr lang="fr-CH" dirty="0"/>
+                  <a:t>Réduire la matrice</a:t>
+                </a:r>
+              </a:p>
+              <a:p>
+                <a:r>
+                  <a:rPr lang="fr-CH" dirty="0"/>
+                  <a:t>Trouver une base plus courte</a:t>
+                </a:r>
+              </a:p>
+              <a:p>
+                <a:r>
+                  <a:rPr lang="fr-CH" dirty="0"/>
+                  <a:t>Trouver une base plus proche de l’orthogonalité</a:t>
+                </a:r>
+              </a:p>
+              <a:p>
+                <a:pPr marL="0" indent="0" algn="ctr">
+                  <a:buNone/>
+                </a:pPr>
+                <a:endParaRPr lang="fr-CH" dirty="0"/>
+              </a:p>
+              <a:p>
+                <a:pPr marL="0" indent="0" algn="ctr">
+                  <a:buNone/>
+                </a:pPr>
+                <a:endParaRPr lang="fr-CH" dirty="0"/>
+              </a:p>
+              <a:p>
+                <a:pPr marL="0" indent="0" algn="ctr">
+                  <a:buNone/>
+                </a:pPr>
+                <a14:m>
+                  <m:oMathPara xmlns:m="http://schemas.openxmlformats.org/officeDocument/2006/math">
+                    <m:oMathParaPr>
+                      <m:jc m:val="centerGroup"/>
+                    </m:oMathParaPr>
+                    <m:oMath xmlns:m="http://schemas.openxmlformats.org/officeDocument/2006/math">
+                      <m:r>
+                        <a:rPr lang="en-GB" b="0" i="1" smtClean="0">
+                          <a:latin typeface="Cambria Math" panose="02040503050406030204" pitchFamily="18" charset="0"/>
+                        </a:rPr>
+                        <m:t>𝑟𝑒𝑑𝑢𝑐𝑒𝑑</m:t>
+                      </m:r>
+                      <m:r>
+                        <a:rPr lang="en-GB" b="0" i="1" smtClean="0">
+                          <a:latin typeface="Cambria Math" panose="02040503050406030204" pitchFamily="18" charset="0"/>
+                        </a:rPr>
+                        <m:t>__</m:t>
+                      </m:r>
+                      <m:r>
+                        <a:rPr lang="en-GB" b="0" i="1" smtClean="0">
+                          <a:latin typeface="Cambria Math" panose="02040503050406030204" pitchFamily="18" charset="0"/>
+                        </a:rPr>
+                        <m:t>𝑚𝑎𝑡𝑟𝑖𝑥</m:t>
+                      </m:r>
+                      <m:r>
+                        <a:rPr lang="en-GB" b="0" i="1" smtClean="0">
+                          <a:latin typeface="Cambria Math" panose="02040503050406030204" pitchFamily="18" charset="0"/>
+                        </a:rPr>
+                        <m:t>= </m:t>
+                      </m:r>
+                      <m:r>
+                        <a:rPr lang="en-GB" b="0" i="1" smtClean="0">
+                          <a:latin typeface="Cambria Math" panose="02040503050406030204" pitchFamily="18" charset="0"/>
+                        </a:rPr>
+                        <m:t>𝐿𝐿𝐿</m:t>
+                      </m:r>
+                      <m:r>
+                        <a:rPr lang="en-GB" b="0" i="1" smtClean="0">
+                          <a:latin typeface="Cambria Math" panose="02040503050406030204" pitchFamily="18" charset="0"/>
+                        </a:rPr>
+                        <m:t>(</m:t>
+                      </m:r>
+                      <m:r>
+                        <a:rPr lang="en-GB" b="0" i="1" smtClean="0">
+                          <a:latin typeface="Cambria Math" panose="02040503050406030204" pitchFamily="18" charset="0"/>
+                        </a:rPr>
+                        <m:t>𝐵</m:t>
+                      </m:r>
+                      <m:r>
+                        <a:rPr lang="en-GB" b="0" i="1" smtClean="0">
+                          <a:latin typeface="Cambria Math" panose="02040503050406030204" pitchFamily="18" charset="0"/>
+                        </a:rPr>
+                        <m:t>)</m:t>
+                      </m:r>
+                    </m:oMath>
+                  </m:oMathPara>
+                </a14:m>
+                <a:endParaRPr lang="fr-CH" dirty="0"/>
+              </a:p>
+            </p:txBody>
+          </p:sp>
+        </mc:Choice>
+        <mc:Fallback>
+          <p:sp>
+            <p:nvSpPr>
+              <p:cNvPr id="3" name="Espace réservé du contenu 2">
+                <a:extLst>
+                  <a:ext uri="{FF2B5EF4-FFF2-40B4-BE49-F238E27FC236}">
+                    <a16:creationId xmlns:a16="http://schemas.microsoft.com/office/drawing/2014/main" id="{45EF3473-E286-31FE-B7DE-896D0000CC6E}"/>
+                  </a:ext>
+                </a:extLst>
+              </p:cNvPr>
+              <p:cNvSpPr>
+                <a:spLocks noGrp="1" noRot="1" noChangeAspect="1" noMove="1" noResize="1" noEditPoints="1" noAdjustHandles="1" noChangeArrowheads="1" noChangeShapeType="1" noTextEdit="1"/>
+              </p:cNvSpPr>
+              <p:nvPr>
+                <p:ph idx="1"/>
+              </p:nvPr>
+            </p:nvSpPr>
+            <p:spPr>
+              <a:blipFill>
+                <a:blip r:embed="rId2"/>
+                <a:stretch>
+                  <a:fillRect l="-1043" t="-2381"/>
+                </a:stretch>
+              </a:blipFill>
+            </p:spPr>
+            <p:txBody>
+              <a:bodyPr/>
+              <a:lstStyle/>
+              <a:p>
+                <a:r>
+                  <a:rPr lang="fr-CH">
+                    <a:noFill/>
+                  </a:rPr>
+                  <a:t> </a:t>
+                </a:r>
+              </a:p>
+            </p:txBody>
+          </p:sp>
+        </mc:Fallback>
+      </mc:AlternateContent>
+    </p:spTree>
+    <p:extLst>
+      <p:ext uri="{BB962C8B-B14F-4D97-AF65-F5344CB8AC3E}">
+        <p14:creationId xmlns:p14="http://schemas.microsoft.com/office/powerpoint/2010/main" val="259810455"/>
+      </p:ext>
+    </p:extLst>
+  </p:cSld>
+  <p:clrMapOvr>
+    <a:masterClrMapping/>
+  </p:clrMapOvr>
+</p:sld>
+</file>
+
+<file path=ppt/slides/slide23.xml><?xml version="1.0" encoding="utf-8"?>
+<p:sld xmlns:a="http://schemas.openxmlformats.org/drawingml/2006/main" xmlns:r="http://schemas.openxmlformats.org/officeDocument/2006/relationships" xmlns:p="http://schemas.openxmlformats.org/presentationml/2006/main">
+  <p:cSld>
+    <p:spTree>
+      <p:nvGrpSpPr>
+        <p:cNvPr id="1" name=""/>
+        <p:cNvGrpSpPr/>
+        <p:nvPr/>
+      </p:nvGrpSpPr>
+      <p:grpSpPr>
+        <a:xfrm>
+          <a:off x="0" y="0"/>
+          <a:ext cx="0" cy="0"/>
+          <a:chOff x="0" y="0"/>
+          <a:chExt cx="0" cy="0"/>
+        </a:xfrm>
+      </p:grpSpPr>
+      <p:sp>
+        <p:nvSpPr>
+          <p:cNvPr id="2" name="Titre 1">
+            <a:extLst>
+              <a:ext uri="{FF2B5EF4-FFF2-40B4-BE49-F238E27FC236}">
+                <a16:creationId xmlns:a16="http://schemas.microsoft.com/office/drawing/2014/main" id="{90BDB225-2D51-C2FB-EC91-739C1CCAAD82}"/>
+              </a:ext>
+            </a:extLst>
+          </p:cNvPr>
+          <p:cNvSpPr>
+            <a:spLocks noGrp="1"/>
+          </p:cNvSpPr>
+          <p:nvPr>
+            <p:ph type="title"/>
+          </p:nvPr>
+        </p:nvSpPr>
+        <p:spPr/>
+        <p:txBody>
+          <a:bodyPr/>
+          <a:lstStyle/>
+          <a:p>
+            <a:r>
+              <a:rPr lang="fr-CH" dirty="0"/>
+              <a:t>Résultat</a:t>
+            </a:r>
+          </a:p>
+        </p:txBody>
+      </p:sp>
+      <mc:AlternateContent xmlns:mc="http://schemas.openxmlformats.org/markup-compatibility/2006">
+        <mc:Choice xmlns:a14="http://schemas.microsoft.com/office/drawing/2010/main" Requires="a14">
+          <p:sp>
+            <p:nvSpPr>
+              <p:cNvPr id="3" name="Espace réservé du contenu 2">
+                <a:extLst>
+                  <a:ext uri="{FF2B5EF4-FFF2-40B4-BE49-F238E27FC236}">
+                    <a16:creationId xmlns:a16="http://schemas.microsoft.com/office/drawing/2014/main" id="{76D4717B-4C83-BD46-66DF-CBCC0F85016F}"/>
+                  </a:ext>
+                </a:extLst>
+              </p:cNvPr>
+              <p:cNvSpPr>
+                <a:spLocks noGrp="1"/>
+              </p:cNvSpPr>
+              <p:nvPr>
+                <p:ph idx="1"/>
+              </p:nvPr>
+            </p:nvSpPr>
+            <p:spPr/>
+            <p:txBody>
+              <a:bodyPr/>
+              <a:lstStyle/>
+              <a:p>
+                <a:pPr marL="0" indent="0" algn="ctr">
+                  <a:buNone/>
+                </a:pPr>
+                <a:endParaRPr lang="en-GB" i="1" dirty="0">
+                  <a:latin typeface="Cambria Math" panose="02040503050406030204" pitchFamily="18" charset="0"/>
+                </a:endParaRPr>
+              </a:p>
+              <a:p>
+                <a:pPr marL="0" indent="0" algn="ctr">
+                  <a:buNone/>
+                </a:pPr>
+                <a14:m>
+                  <m:oMathPara xmlns:m="http://schemas.openxmlformats.org/officeDocument/2006/math">
+                    <m:oMathParaPr>
+                      <m:jc m:val="centerGroup"/>
+                    </m:oMathParaPr>
+                    <m:oMath xmlns:m="http://schemas.openxmlformats.org/officeDocument/2006/math">
+                      <m:r>
+                        <a:rPr lang="en-GB" i="1">
+                          <a:latin typeface="Cambria Math" panose="02040503050406030204" pitchFamily="18" charset="0"/>
+                        </a:rPr>
+                        <m:t>𝑟𝑒𝑑𝑢𝑐𝑒𝑑</m:t>
+                      </m:r>
+                      <m:r>
+                        <a:rPr lang="en-GB" i="1">
+                          <a:latin typeface="Cambria Math" panose="02040503050406030204" pitchFamily="18" charset="0"/>
+                        </a:rPr>
+                        <m:t>__</m:t>
+                      </m:r>
+                      <m:r>
+                        <a:rPr lang="en-GB" i="1">
+                          <a:latin typeface="Cambria Math" panose="02040503050406030204" pitchFamily="18" charset="0"/>
+                        </a:rPr>
+                        <m:t>𝑚𝑎𝑡𝑟𝑖𝑥</m:t>
+                      </m:r>
+                      <m:r>
+                        <a:rPr lang="en-GB" i="1">
+                          <a:latin typeface="Cambria Math" panose="02040503050406030204" pitchFamily="18" charset="0"/>
+                        </a:rPr>
+                        <m:t> = </m:t>
+                      </m:r>
+                      <m:d>
+                        <m:dPr>
+                          <m:ctrlPr>
+                            <a:rPr lang="en-GB" b="0" i="1" smtClean="0">
+                              <a:latin typeface="Cambria Math" panose="02040503050406030204" pitchFamily="18" charset="0"/>
+                            </a:rPr>
+                          </m:ctrlPr>
+                        </m:dPr>
+                        <m:e>
+                          <m:m>
+                            <m:mPr>
+                              <m:mcs>
+                                <m:mc>
+                                  <m:mcPr>
+                                    <m:count m:val="3"/>
+                                    <m:mcJc m:val="center"/>
+                                  </m:mcPr>
+                                </m:mc>
+                              </m:mcs>
+                              <m:ctrlPr>
+                                <a:rPr lang="fr-CH" i="1" smtClean="0">
+                                  <a:latin typeface="Cambria Math" panose="02040503050406030204" pitchFamily="18" charset="0"/>
+                                </a:rPr>
+                              </m:ctrlPr>
+                            </m:mPr>
+                            <m:mr>
+                              <m:e>
+                                <m:sSub>
+                                  <m:sSubPr>
+                                    <m:ctrlPr>
+                                      <a:rPr lang="fr-CH" i="1" smtClean="0">
+                                        <a:latin typeface="Cambria Math" panose="02040503050406030204" pitchFamily="18" charset="0"/>
+                                      </a:rPr>
+                                    </m:ctrlPr>
+                                  </m:sSubPr>
+                                  <m:e>
+                                    <m:r>
+                                      <a:rPr lang="en-GB" b="0" i="1" smtClean="0">
+                                        <a:latin typeface="Cambria Math" panose="02040503050406030204" pitchFamily="18" charset="0"/>
+                                      </a:rPr>
+                                      <m:t>𝑎</m:t>
+                                    </m:r>
+                                  </m:e>
+                                  <m:sub>
+                                    <m:r>
+                                      <a:rPr lang="en-GB" b="0" i="1" smtClean="0">
+                                        <a:latin typeface="Cambria Math" panose="02040503050406030204" pitchFamily="18" charset="0"/>
+                                      </a:rPr>
+                                      <m:t>1</m:t>
+                                    </m:r>
+                                  </m:sub>
+                                </m:sSub>
+                              </m:e>
+                              <m:e>
+                                <m:sSub>
+                                  <m:sSubPr>
+                                    <m:ctrlPr>
+                                      <a:rPr lang="fr-CH" i="1" smtClean="0">
+                                        <a:latin typeface="Cambria Math" panose="02040503050406030204" pitchFamily="18" charset="0"/>
+                                      </a:rPr>
+                                    </m:ctrlPr>
+                                  </m:sSubPr>
+                                  <m:e>
+                                    <m:r>
+                                      <a:rPr lang="en-GB" b="0" i="1" smtClean="0">
+                                        <a:latin typeface="Cambria Math" panose="02040503050406030204" pitchFamily="18" charset="0"/>
+                                      </a:rPr>
+                                      <m:t>𝑏</m:t>
+                                    </m:r>
+                                  </m:e>
+                                  <m:sub>
+                                    <m:r>
+                                      <a:rPr lang="en-GB" i="1">
+                                        <a:latin typeface="Cambria Math" panose="02040503050406030204" pitchFamily="18" charset="0"/>
+                                      </a:rPr>
+                                      <m:t>1</m:t>
+                                    </m:r>
+                                  </m:sub>
+                                </m:sSub>
+                              </m:e>
+                              <m:e>
+                                <m:sSub>
+                                  <m:sSubPr>
+                                    <m:ctrlPr>
+                                      <a:rPr lang="fr-CH" i="1">
+                                        <a:latin typeface="Cambria Math" panose="02040503050406030204" pitchFamily="18" charset="0"/>
+                                      </a:rPr>
+                                    </m:ctrlPr>
+                                  </m:sSubPr>
+                                  <m:e>
+                                    <m:r>
+                                      <a:rPr lang="en-GB" b="0" i="1" smtClean="0">
+                                        <a:latin typeface="Cambria Math" panose="02040503050406030204" pitchFamily="18" charset="0"/>
+                                      </a:rPr>
+                                      <m:t>𝑐</m:t>
+                                    </m:r>
+                                  </m:e>
+                                  <m:sub>
+                                    <m:r>
+                                      <a:rPr lang="en-GB" i="1">
+                                        <a:latin typeface="Cambria Math" panose="02040503050406030204" pitchFamily="18" charset="0"/>
+                                      </a:rPr>
+                                      <m:t>1</m:t>
+                                    </m:r>
+                                  </m:sub>
+                                </m:sSub>
+                              </m:e>
+                            </m:mr>
+                            <m:mr>
+                              <m:e>
+                                <m:sSub>
+                                  <m:sSubPr>
+                                    <m:ctrlPr>
+                                      <a:rPr lang="fr-CH" i="1">
+                                        <a:latin typeface="Cambria Math" panose="02040503050406030204" pitchFamily="18" charset="0"/>
+                                      </a:rPr>
+                                    </m:ctrlPr>
+                                  </m:sSubPr>
+                                  <m:e>
+                                    <m:r>
+                                      <a:rPr lang="en-GB" i="1">
+                                        <a:latin typeface="Cambria Math" panose="02040503050406030204" pitchFamily="18" charset="0"/>
+                                      </a:rPr>
+                                      <m:t>𝑎</m:t>
+                                    </m:r>
+                                  </m:e>
+                                  <m:sub>
+                                    <m:r>
+                                      <a:rPr lang="en-GB" b="0" i="1" smtClean="0">
+                                        <a:latin typeface="Cambria Math" panose="02040503050406030204" pitchFamily="18" charset="0"/>
+                                      </a:rPr>
+                                      <m:t>2</m:t>
+                                    </m:r>
+                                  </m:sub>
+                                </m:sSub>
+                              </m:e>
+                              <m:e>
+                                <m:sSub>
+                                  <m:sSubPr>
+                                    <m:ctrlPr>
+                                      <a:rPr lang="fr-CH" i="1">
+                                        <a:latin typeface="Cambria Math" panose="02040503050406030204" pitchFamily="18" charset="0"/>
+                                      </a:rPr>
+                                    </m:ctrlPr>
+                                  </m:sSubPr>
+                                  <m:e>
+                                    <m:r>
+                                      <a:rPr lang="en-GB" b="0" i="1" smtClean="0">
+                                        <a:latin typeface="Cambria Math" panose="02040503050406030204" pitchFamily="18" charset="0"/>
+                                      </a:rPr>
+                                      <m:t>𝑏</m:t>
+                                    </m:r>
+                                  </m:e>
+                                  <m:sub>
+                                    <m:r>
+                                      <a:rPr lang="en-GB" b="0" i="1" smtClean="0">
+                                        <a:latin typeface="Cambria Math" panose="02040503050406030204" pitchFamily="18" charset="0"/>
+                                      </a:rPr>
+                                      <m:t>2</m:t>
+                                    </m:r>
+                                  </m:sub>
+                                </m:sSub>
+                              </m:e>
+                              <m:e>
+                                <m:sSub>
+                                  <m:sSubPr>
+                                    <m:ctrlPr>
+                                      <a:rPr lang="fr-CH" i="1">
+                                        <a:latin typeface="Cambria Math" panose="02040503050406030204" pitchFamily="18" charset="0"/>
+                                      </a:rPr>
+                                    </m:ctrlPr>
+                                  </m:sSubPr>
+                                  <m:e>
+                                    <m:r>
+                                      <a:rPr lang="en-GB" b="0" i="1" smtClean="0">
+                                        <a:latin typeface="Cambria Math" panose="02040503050406030204" pitchFamily="18" charset="0"/>
+                                      </a:rPr>
+                                      <m:t>𝑐</m:t>
+                                    </m:r>
+                                  </m:e>
+                                  <m:sub>
+                                    <m:r>
+                                      <a:rPr lang="en-GB" b="0" i="1" smtClean="0">
+                                        <a:latin typeface="Cambria Math" panose="02040503050406030204" pitchFamily="18" charset="0"/>
+                                      </a:rPr>
+                                      <m:t>2</m:t>
+                                    </m:r>
+                                  </m:sub>
+                                </m:sSub>
+                              </m:e>
+                            </m:mr>
+                            <m:mr>
+                              <m:e>
+                                <m:sSub>
+                                  <m:sSubPr>
+                                    <m:ctrlPr>
+                                      <a:rPr lang="fr-CH" i="1">
+                                        <a:latin typeface="Cambria Math" panose="02040503050406030204" pitchFamily="18" charset="0"/>
+                                      </a:rPr>
+                                    </m:ctrlPr>
+                                  </m:sSubPr>
+                                  <m:e>
+                                    <m:r>
+                                      <a:rPr lang="en-GB" i="1">
+                                        <a:latin typeface="Cambria Math" panose="02040503050406030204" pitchFamily="18" charset="0"/>
+                                      </a:rPr>
+                                      <m:t>𝑎</m:t>
+                                    </m:r>
+                                  </m:e>
+                                  <m:sub>
+                                    <m:r>
+                                      <a:rPr lang="en-GB" b="0" i="1" smtClean="0">
+                                        <a:latin typeface="Cambria Math" panose="02040503050406030204" pitchFamily="18" charset="0"/>
+                                      </a:rPr>
+                                      <m:t>3</m:t>
+                                    </m:r>
+                                  </m:sub>
+                                </m:sSub>
+                              </m:e>
+                              <m:e>
+                                <m:sSub>
+                                  <m:sSubPr>
+                                    <m:ctrlPr>
+                                      <a:rPr lang="fr-CH" i="1">
+                                        <a:latin typeface="Cambria Math" panose="02040503050406030204" pitchFamily="18" charset="0"/>
+                                      </a:rPr>
+                                    </m:ctrlPr>
+                                  </m:sSubPr>
+                                  <m:e>
+                                    <m:r>
+                                      <a:rPr lang="en-GB" b="0" i="1" smtClean="0">
+                                        <a:latin typeface="Cambria Math" panose="02040503050406030204" pitchFamily="18" charset="0"/>
+                                      </a:rPr>
+                                      <m:t>𝑏</m:t>
+                                    </m:r>
+                                  </m:e>
+                                  <m:sub>
+                                    <m:r>
+                                      <a:rPr lang="en-GB" b="0" i="1" smtClean="0">
+                                        <a:latin typeface="Cambria Math" panose="02040503050406030204" pitchFamily="18" charset="0"/>
+                                      </a:rPr>
+                                      <m:t>3</m:t>
+                                    </m:r>
+                                  </m:sub>
+                                </m:sSub>
+                              </m:e>
+                              <m:e>
+                                <m:sSub>
+                                  <m:sSubPr>
+                                    <m:ctrlPr>
+                                      <a:rPr lang="fr-CH" i="1">
+                                        <a:latin typeface="Cambria Math" panose="02040503050406030204" pitchFamily="18" charset="0"/>
+                                      </a:rPr>
+                                    </m:ctrlPr>
+                                  </m:sSubPr>
+                                  <m:e>
+                                    <m:r>
+                                      <a:rPr lang="en-GB" b="0" i="1" smtClean="0">
+                                        <a:latin typeface="Cambria Math" panose="02040503050406030204" pitchFamily="18" charset="0"/>
+                                      </a:rPr>
+                                      <m:t>𝑐</m:t>
+                                    </m:r>
+                                  </m:e>
+                                  <m:sub>
+                                    <m:r>
+                                      <a:rPr lang="en-GB" b="0" i="1" smtClean="0">
+                                        <a:latin typeface="Cambria Math" panose="02040503050406030204" pitchFamily="18" charset="0"/>
+                                      </a:rPr>
+                                      <m:t>3</m:t>
+                                    </m:r>
+                                  </m:sub>
+                                </m:sSub>
+                              </m:e>
+                            </m:mr>
+                          </m:m>
+                        </m:e>
+                      </m:d>
+                    </m:oMath>
+                  </m:oMathPara>
+                </a14:m>
+                <a:endParaRPr lang="fr-CH" dirty="0"/>
+              </a:p>
+              <a:p>
+                <a:pPr marL="0" indent="0" algn="ctr">
+                  <a:buNone/>
+                </a:pPr>
+                <a:endParaRPr lang="en-GB" i="1" dirty="0">
+                  <a:latin typeface="Cambria Math" panose="02040503050406030204" pitchFamily="18" charset="0"/>
+                </a:endParaRPr>
+              </a:p>
+              <a:p>
+                <a:pPr marL="0" indent="0" algn="ctr">
+                  <a:buNone/>
+                </a:pPr>
+                <a14:m>
+                  <m:oMathPara xmlns:m="http://schemas.openxmlformats.org/officeDocument/2006/math">
+                    <m:oMathParaPr>
+                      <m:jc m:val="centerGroup"/>
+                    </m:oMathParaPr>
+                    <m:oMath xmlns:m="http://schemas.openxmlformats.org/officeDocument/2006/math">
+                      <m:r>
+                        <a:rPr lang="en-GB" b="0" i="1" smtClean="0">
+                          <a:latin typeface="Cambria Math" panose="02040503050406030204" pitchFamily="18" charset="0"/>
+                        </a:rPr>
+                        <m:t>𝑔</m:t>
+                      </m:r>
+                      <m:d>
+                        <m:dPr>
+                          <m:ctrlPr>
+                            <a:rPr lang="en-GB" b="0" i="1" smtClean="0">
+                              <a:latin typeface="Cambria Math" panose="02040503050406030204" pitchFamily="18" charset="0"/>
+                            </a:rPr>
+                          </m:ctrlPr>
+                        </m:dPr>
+                        <m:e>
+                          <m:r>
+                            <a:rPr lang="en-GB" b="0" i="1" smtClean="0">
+                              <a:latin typeface="Cambria Math" panose="02040503050406030204" pitchFamily="18" charset="0"/>
+                            </a:rPr>
+                            <m:t>𝑥</m:t>
+                          </m:r>
+                        </m:e>
+                      </m:d>
+                      <m:r>
+                        <a:rPr lang="en-GB" b="0" i="1" smtClean="0">
+                          <a:latin typeface="Cambria Math" panose="02040503050406030204" pitchFamily="18" charset="0"/>
+                        </a:rPr>
+                        <m:t>=</m:t>
+                      </m:r>
+                      <m:sSub>
+                        <m:sSubPr>
+                          <m:ctrlPr>
+                            <a:rPr lang="fr-CH" i="1">
+                              <a:latin typeface="Cambria Math" panose="02040503050406030204" pitchFamily="18" charset="0"/>
+                            </a:rPr>
+                          </m:ctrlPr>
+                        </m:sSubPr>
+                        <m:e>
+                          <m:r>
+                            <a:rPr lang="en-GB" i="1">
+                              <a:latin typeface="Cambria Math" panose="02040503050406030204" pitchFamily="18" charset="0"/>
+                            </a:rPr>
+                            <m:t>𝑎</m:t>
+                          </m:r>
+                        </m:e>
+                        <m:sub>
+                          <m:r>
+                            <a:rPr lang="en-GB" i="1">
+                              <a:latin typeface="Cambria Math" panose="02040503050406030204" pitchFamily="18" charset="0"/>
+                            </a:rPr>
+                            <m:t>1</m:t>
+                          </m:r>
+                        </m:sub>
+                      </m:sSub>
+                      <m:r>
+                        <a:rPr lang="pt-BR" i="1" smtClean="0">
+                          <a:latin typeface="Cambria Math" panose="02040503050406030204" pitchFamily="18" charset="0"/>
+                        </a:rPr>
+                        <m:t>+</m:t>
+                      </m:r>
+                      <m:sSub>
+                        <m:sSubPr>
+                          <m:ctrlPr>
+                            <a:rPr lang="fr-CH" i="1">
+                              <a:latin typeface="Cambria Math" panose="02040503050406030204" pitchFamily="18" charset="0"/>
+                            </a:rPr>
+                          </m:ctrlPr>
+                        </m:sSubPr>
+                        <m:e>
+                          <m:r>
+                            <a:rPr lang="en-GB" i="1">
+                              <a:latin typeface="Cambria Math" panose="02040503050406030204" pitchFamily="18" charset="0"/>
+                            </a:rPr>
+                            <m:t>𝑏</m:t>
+                          </m:r>
+                        </m:e>
+                        <m:sub>
+                          <m:r>
+                            <a:rPr lang="en-GB" i="1">
+                              <a:latin typeface="Cambria Math" panose="02040503050406030204" pitchFamily="18" charset="0"/>
+                            </a:rPr>
+                            <m:t>1</m:t>
+                          </m:r>
+                        </m:sub>
+                      </m:sSub>
+                      <m:r>
+                        <a:rPr lang="en-GB" b="0" i="1" smtClean="0">
+                          <a:latin typeface="Cambria Math" panose="02040503050406030204" pitchFamily="18" charset="0"/>
+                        </a:rPr>
+                        <m:t>∗</m:t>
+                      </m:r>
+                      <m:r>
+                        <a:rPr lang="en-GB" b="0" i="1" smtClean="0">
+                          <a:latin typeface="Cambria Math" panose="02040503050406030204" pitchFamily="18" charset="0"/>
+                        </a:rPr>
+                        <m:t>𝑥</m:t>
+                      </m:r>
+                      <m:r>
+                        <a:rPr lang="en-GB" b="0" i="1" smtClean="0">
+                          <a:latin typeface="Cambria Math" panose="02040503050406030204" pitchFamily="18" charset="0"/>
+                        </a:rPr>
+                        <m:t>+</m:t>
+                      </m:r>
+                      <m:sSub>
+                        <m:sSubPr>
+                          <m:ctrlPr>
+                            <a:rPr lang="fr-CH" i="1">
+                              <a:latin typeface="Cambria Math" panose="02040503050406030204" pitchFamily="18" charset="0"/>
+                            </a:rPr>
+                          </m:ctrlPr>
+                        </m:sSubPr>
+                        <m:e>
+                          <m:r>
+                            <a:rPr lang="en-GB" i="1">
+                              <a:latin typeface="Cambria Math" panose="02040503050406030204" pitchFamily="18" charset="0"/>
+                            </a:rPr>
+                            <m:t>𝑐</m:t>
+                          </m:r>
+                        </m:e>
+                        <m:sub>
+                          <m:r>
+                            <a:rPr lang="en-GB" i="1">
+                              <a:latin typeface="Cambria Math" panose="02040503050406030204" pitchFamily="18" charset="0"/>
+                            </a:rPr>
+                            <m:t>1</m:t>
+                          </m:r>
+                        </m:sub>
+                      </m:sSub>
+                      <m:r>
+                        <a:rPr lang="en-GB" b="0" i="1" smtClean="0">
+                          <a:latin typeface="Cambria Math" panose="02040503050406030204" pitchFamily="18" charset="0"/>
+                        </a:rPr>
+                        <m:t>∗ </m:t>
+                      </m:r>
+                      <m:sSup>
+                        <m:sSupPr>
+                          <m:ctrlPr>
+                            <a:rPr lang="en-GB" b="0" i="1" smtClean="0">
+                              <a:latin typeface="Cambria Math" panose="02040503050406030204" pitchFamily="18" charset="0"/>
+                            </a:rPr>
+                          </m:ctrlPr>
+                        </m:sSupPr>
+                        <m:e>
+                          <m:r>
+                            <a:rPr lang="en-GB" b="0" i="1" smtClean="0">
+                              <a:latin typeface="Cambria Math" panose="02040503050406030204" pitchFamily="18" charset="0"/>
+                            </a:rPr>
+                            <m:t>𝑥</m:t>
+                          </m:r>
+                        </m:e>
+                        <m:sup>
+                          <m:r>
+                            <a:rPr lang="en-GB" b="0" i="1" smtClean="0">
+                              <a:latin typeface="Cambria Math" panose="02040503050406030204" pitchFamily="18" charset="0"/>
+                            </a:rPr>
+                            <m:t>2</m:t>
+                          </m:r>
+                        </m:sup>
+                      </m:sSup>
+                    </m:oMath>
+                  </m:oMathPara>
+                </a14:m>
+                <a:endParaRPr lang="fr-CH" dirty="0"/>
+              </a:p>
+              <a:p>
+                <a:pPr marL="0" indent="0" algn="ctr">
+                  <a:buNone/>
+                </a:pPr>
+                <a:endParaRPr lang="en-GB" b="0" i="1" dirty="0">
+                  <a:latin typeface="Cambria Math" panose="02040503050406030204" pitchFamily="18" charset="0"/>
+                </a:endParaRPr>
+              </a:p>
+              <a:p>
+                <a:pPr marL="0" indent="0" algn="ctr">
+                  <a:buNone/>
+                </a:pPr>
+                <a14:m>
+                  <m:oMathPara xmlns:m="http://schemas.openxmlformats.org/officeDocument/2006/math">
+                    <m:oMathParaPr>
+                      <m:jc m:val="centerGroup"/>
+                    </m:oMathParaPr>
+                    <m:oMath xmlns:m="http://schemas.openxmlformats.org/officeDocument/2006/math">
+                      <m:r>
+                        <a:rPr lang="en-GB" b="0" i="1" smtClean="0">
+                          <a:latin typeface="Cambria Math" panose="02040503050406030204" pitchFamily="18" charset="0"/>
+                        </a:rPr>
+                        <m:t>𝑔</m:t>
+                      </m:r>
+                      <m:d>
+                        <m:dPr>
+                          <m:ctrlPr>
+                            <a:rPr lang="en-GB" b="0" i="1" smtClean="0">
+                              <a:latin typeface="Cambria Math" panose="02040503050406030204" pitchFamily="18" charset="0"/>
+                            </a:rPr>
+                          </m:ctrlPr>
+                        </m:dPr>
+                        <m:e>
+                          <m:r>
+                            <a:rPr lang="en-GB" b="0" i="1" smtClean="0">
+                              <a:latin typeface="Cambria Math" panose="02040503050406030204" pitchFamily="18" charset="0"/>
+                            </a:rPr>
+                            <m:t>𝑟</m:t>
+                          </m:r>
+                          <m:r>
+                            <a:rPr lang="en-GB" b="0" i="1" smtClean="0">
+                              <a:latin typeface="Cambria Math" panose="02040503050406030204" pitchFamily="18" charset="0"/>
+                            </a:rPr>
+                            <m:t>1</m:t>
+                          </m:r>
+                        </m:e>
+                      </m:d>
+                      <m:r>
+                        <a:rPr lang="en-GB" b="0" i="1" smtClean="0">
+                          <a:latin typeface="Cambria Math" panose="02040503050406030204" pitchFamily="18" charset="0"/>
+                        </a:rPr>
+                        <m:t>=0</m:t>
+                      </m:r>
+                    </m:oMath>
+                  </m:oMathPara>
+                </a14:m>
+                <a:endParaRPr lang="fr-CH" dirty="0"/>
+              </a:p>
+            </p:txBody>
+          </p:sp>
+        </mc:Choice>
+        <mc:Fallback>
+          <p:sp>
+            <p:nvSpPr>
+              <p:cNvPr id="3" name="Espace réservé du contenu 2">
+                <a:extLst>
+                  <a:ext uri="{FF2B5EF4-FFF2-40B4-BE49-F238E27FC236}">
+                    <a16:creationId xmlns:a16="http://schemas.microsoft.com/office/drawing/2014/main" id="{76D4717B-4C83-BD46-66DF-CBCC0F85016F}"/>
+                  </a:ext>
+                </a:extLst>
+              </p:cNvPr>
+              <p:cNvSpPr>
+                <a:spLocks noGrp="1" noRot="1" noChangeAspect="1" noMove="1" noResize="1" noEditPoints="1" noAdjustHandles="1" noChangeArrowheads="1" noChangeShapeType="1" noTextEdit="1"/>
+              </p:cNvSpPr>
+              <p:nvPr>
+                <p:ph idx="1"/>
+              </p:nvPr>
+            </p:nvSpPr>
+            <p:spPr>
+              <a:blipFill>
+                <a:blip r:embed="rId2"/>
+                <a:stretch>
+                  <a:fillRect/>
+                </a:stretch>
+              </a:blipFill>
+            </p:spPr>
+            <p:txBody>
+              <a:bodyPr/>
+              <a:lstStyle/>
+              <a:p>
+                <a:r>
+                  <a:rPr lang="fr-CH">
+                    <a:noFill/>
+                  </a:rPr>
+                  <a:t> </a:t>
+                </a:r>
+              </a:p>
+            </p:txBody>
+          </p:sp>
+        </mc:Fallback>
+      </mc:AlternateContent>
+    </p:spTree>
+    <p:extLst>
+      <p:ext uri="{BB962C8B-B14F-4D97-AF65-F5344CB8AC3E}">
+        <p14:creationId xmlns:p14="http://schemas.microsoft.com/office/powerpoint/2010/main" val="3584706107"/>
+      </p:ext>
+    </p:extLst>
+  </p:cSld>
+  <p:clrMapOvr>
+    <a:masterClrMapping/>
+  </p:clrMapOvr>
+</p:sld>
+</file>
+
+<file path=ppt/slides/slide24.xml><?xml version="1.0" encoding="utf-8"?>
+<p:sld xmlns:a="http://schemas.openxmlformats.org/drawingml/2006/main" xmlns:r="http://schemas.openxmlformats.org/officeDocument/2006/relationships" xmlns:p="http://schemas.openxmlformats.org/presentationml/2006/main">
+  <p:cSld>
+    <p:spTree>
+      <p:nvGrpSpPr>
+        <p:cNvPr id="1" name="">
+          <a:extLst>
+            <a:ext uri="{FF2B5EF4-FFF2-40B4-BE49-F238E27FC236}">
+              <a16:creationId xmlns:a16="http://schemas.microsoft.com/office/drawing/2014/main" id="{9132BBD6-0FC4-803E-8D20-70678E245FFA}"/>
+            </a:ext>
+          </a:extLst>
+        </p:cNvPr>
+        <p:cNvGrpSpPr/>
+        <p:nvPr/>
+      </p:nvGrpSpPr>
+      <p:grpSpPr>
+        <a:xfrm>
+          <a:off x="0" y="0"/>
+          <a:ext cx="0" cy="0"/>
+          <a:chOff x="0" y="0"/>
+          <a:chExt cx="0" cy="0"/>
+        </a:xfrm>
+      </p:grpSpPr>
+      <p:sp>
+        <p:nvSpPr>
+          <p:cNvPr id="2" name="Titre 1">
+            <a:extLst>
+              <a:ext uri="{FF2B5EF4-FFF2-40B4-BE49-F238E27FC236}">
+                <a16:creationId xmlns:a16="http://schemas.microsoft.com/office/drawing/2014/main" id="{AB3E2095-374D-E036-AA63-3126F322B186}"/>
+              </a:ext>
+            </a:extLst>
+          </p:cNvPr>
+          <p:cNvSpPr>
+            <a:spLocks noGrp="1"/>
+          </p:cNvSpPr>
+          <p:nvPr>
+            <p:ph type="title"/>
+          </p:nvPr>
+        </p:nvSpPr>
+        <p:spPr/>
+        <p:txBody>
+          <a:bodyPr/>
+          <a:lstStyle/>
+          <a:p>
+            <a:r>
+              <a:rPr lang="fr-CH" dirty="0"/>
+              <a:t>Résultat</a:t>
+            </a:r>
+          </a:p>
+        </p:txBody>
+      </p:sp>
+      <mc:AlternateContent xmlns:mc="http://schemas.openxmlformats.org/markup-compatibility/2006">
+        <mc:Choice xmlns:a14="http://schemas.microsoft.com/office/drawing/2010/main" Requires="a14">
+          <p:sp>
+            <p:nvSpPr>
+              <p:cNvPr id="3" name="Espace réservé du contenu 2">
+                <a:extLst>
+                  <a:ext uri="{FF2B5EF4-FFF2-40B4-BE49-F238E27FC236}">
+                    <a16:creationId xmlns:a16="http://schemas.microsoft.com/office/drawing/2014/main" id="{085DA878-5072-88C9-E5FE-894CD25C14D9}"/>
+                  </a:ext>
+                </a:extLst>
+              </p:cNvPr>
+              <p:cNvSpPr>
+                <a:spLocks noGrp="1"/>
+              </p:cNvSpPr>
+              <p:nvPr>
+                <p:ph idx="1"/>
+              </p:nvPr>
+            </p:nvSpPr>
+            <p:spPr/>
+            <p:txBody>
+              <a:bodyPr/>
+              <a:lstStyle/>
+              <a:p>
+                <a:pPr marL="0" indent="0" algn="ctr">
+                  <a:buNone/>
+                </a:pPr>
+                <a:endParaRPr lang="en-GB" i="1" dirty="0">
+                  <a:latin typeface="Cambria Math" panose="02040503050406030204" pitchFamily="18" charset="0"/>
+                </a:endParaRPr>
+              </a:p>
+              <a:p>
+                <a:pPr marL="0" indent="0" algn="ctr">
+                  <a:buNone/>
+                </a:pPr>
+                <a14:m>
+                  <m:oMathPara xmlns:m="http://schemas.openxmlformats.org/officeDocument/2006/math">
+                    <m:oMathParaPr>
+                      <m:jc m:val="centerGroup"/>
+                    </m:oMathParaPr>
+                    <m:oMath xmlns:m="http://schemas.openxmlformats.org/officeDocument/2006/math">
+                      <m:r>
+                        <a:rPr lang="en-GB" b="0" i="1" smtClean="0">
+                          <a:latin typeface="Cambria Math" panose="02040503050406030204" pitchFamily="18" charset="0"/>
+                        </a:rPr>
+                        <m:t>𝑝</m:t>
+                      </m:r>
+                      <m:r>
+                        <a:rPr lang="en-GB" b="0" i="1" smtClean="0">
+                          <a:latin typeface="Cambria Math" panose="02040503050406030204" pitchFamily="18" charset="0"/>
+                        </a:rPr>
+                        <m:t>=</m:t>
+                      </m:r>
+                      <m:func>
+                        <m:funcPr>
+                          <m:ctrlPr>
+                            <a:rPr lang="en-GB" b="0" i="1" smtClean="0">
+                              <a:latin typeface="Cambria Math" panose="02040503050406030204" pitchFamily="18" charset="0"/>
+                            </a:rPr>
+                          </m:ctrlPr>
+                        </m:funcPr>
+                        <m:fName>
+                          <m:r>
+                            <m:rPr>
+                              <m:sty m:val="p"/>
+                            </m:rPr>
+                            <a:rPr lang="en-GB" b="0" i="0" smtClean="0">
+                              <a:latin typeface="Cambria Math" panose="02040503050406030204" pitchFamily="18" charset="0"/>
+                            </a:rPr>
+                            <m:t>gcd</m:t>
+                          </m:r>
+                        </m:fName>
+                        <m:e>
+                          <m:d>
+                            <m:dPr>
+                              <m:ctrlPr>
+                                <a:rPr lang="en-GB" b="0" i="1" smtClean="0">
+                                  <a:latin typeface="Cambria Math" panose="02040503050406030204" pitchFamily="18" charset="0"/>
+                                </a:rPr>
+                              </m:ctrlPr>
+                            </m:dPr>
+                            <m:e>
+                              <m:sSub>
+                                <m:sSubPr>
+                                  <m:ctrlPr>
+                                    <a:rPr lang="en-GB" b="0" i="1" smtClean="0">
+                                      <a:latin typeface="Cambria Math" panose="02040503050406030204" pitchFamily="18" charset="0"/>
+                                    </a:rPr>
+                                  </m:ctrlPr>
+                                </m:sSubPr>
+                                <m:e>
+                                  <m:r>
+                                    <a:rPr lang="en-GB" b="0" i="1" smtClean="0">
+                                      <a:latin typeface="Cambria Math" panose="02040503050406030204" pitchFamily="18" charset="0"/>
+                                    </a:rPr>
+                                    <m:t>𝑁</m:t>
+                                  </m:r>
+                                </m:e>
+                                <m:sub>
+                                  <m:r>
+                                    <a:rPr lang="en-GB" b="0" i="1" smtClean="0">
+                                      <a:latin typeface="Cambria Math" panose="02040503050406030204" pitchFamily="18" charset="0"/>
+                                    </a:rPr>
+                                    <m:t>0</m:t>
+                                  </m:r>
+                                </m:sub>
+                              </m:sSub>
+                              <m:r>
+                                <a:rPr lang="en-GB" b="0" i="1" smtClean="0">
+                                  <a:latin typeface="Cambria Math" panose="02040503050406030204" pitchFamily="18" charset="0"/>
+                                </a:rPr>
+                                <m:t>, </m:t>
+                              </m:r>
+                              <m:sSub>
+                                <m:sSubPr>
+                                  <m:ctrlPr>
+                                    <a:rPr lang="en-GB" b="0" i="1" smtClean="0">
+                                      <a:latin typeface="Cambria Math" panose="02040503050406030204" pitchFamily="18" charset="0"/>
+                                    </a:rPr>
+                                  </m:ctrlPr>
+                                </m:sSubPr>
+                                <m:e>
+                                  <m:r>
+                                    <a:rPr lang="en-GB" b="0" i="1" smtClean="0">
+                                      <a:latin typeface="Cambria Math" panose="02040503050406030204" pitchFamily="18" charset="0"/>
+                                    </a:rPr>
+                                    <m:t>𝑁</m:t>
+                                  </m:r>
+                                </m:e>
+                                <m:sub>
+                                  <m:r>
+                                    <a:rPr lang="en-GB" b="0" i="1" smtClean="0">
+                                      <a:latin typeface="Cambria Math" panose="02040503050406030204" pitchFamily="18" charset="0"/>
+                                    </a:rPr>
+                                    <m:t>1</m:t>
+                                  </m:r>
+                                </m:sub>
+                              </m:sSub>
+                              <m:r>
+                                <a:rPr lang="en-GB" b="0" i="1" smtClean="0">
+                                  <a:latin typeface="Cambria Math" panose="02040503050406030204" pitchFamily="18" charset="0"/>
+                                </a:rPr>
+                                <m:t>−</m:t>
+                              </m:r>
+                              <m:sSub>
+                                <m:sSubPr>
+                                  <m:ctrlPr>
+                                    <a:rPr lang="en-GB" b="0" i="1" smtClean="0">
+                                      <a:latin typeface="Cambria Math" panose="02040503050406030204" pitchFamily="18" charset="0"/>
+                                    </a:rPr>
+                                  </m:ctrlPr>
+                                </m:sSubPr>
+                                <m:e>
+                                  <m:r>
+                                    <a:rPr lang="en-GB" b="0" i="1" smtClean="0">
+                                      <a:latin typeface="Cambria Math" panose="02040503050406030204" pitchFamily="18" charset="0"/>
+                                    </a:rPr>
+                                    <m:t>𝑟</m:t>
+                                  </m:r>
+                                </m:e>
+                                <m:sub>
+                                  <m:r>
+                                    <a:rPr lang="en-GB" b="0" i="1" smtClean="0">
+                                      <a:latin typeface="Cambria Math" panose="02040503050406030204" pitchFamily="18" charset="0"/>
+                                    </a:rPr>
+                                    <m:t>1</m:t>
+                                  </m:r>
+                                </m:sub>
+                              </m:sSub>
+                            </m:e>
+                          </m:d>
+                        </m:e>
+                      </m:func>
+                    </m:oMath>
+                  </m:oMathPara>
+                </a14:m>
+                <a:endParaRPr lang="en-GB" b="0" i="1" dirty="0">
+                  <a:latin typeface="Cambria Math" panose="02040503050406030204" pitchFamily="18" charset="0"/>
+                </a:endParaRPr>
+              </a:p>
+              <a:p>
+                <a:pPr marL="0" indent="0" algn="ctr">
+                  <a:buNone/>
+                </a:pPr>
+                <a:endParaRPr lang="en-GB" i="1" dirty="0">
+                  <a:latin typeface="Cambria Math" panose="02040503050406030204" pitchFamily="18" charset="0"/>
+                </a:endParaRPr>
+              </a:p>
+              <a:p>
+                <a:pPr marL="0" indent="0" algn="ctr">
+                  <a:buNone/>
+                </a:pPr>
+                <a14:m>
+                  <m:oMathPara xmlns:m="http://schemas.openxmlformats.org/officeDocument/2006/math">
+                    <m:oMathParaPr>
+                      <m:jc m:val="centerGroup"/>
+                    </m:oMathParaPr>
+                    <m:oMath xmlns:m="http://schemas.openxmlformats.org/officeDocument/2006/math">
+                      <m:r>
+                        <a:rPr lang="en-GB" b="0" i="1" smtClean="0">
+                          <a:latin typeface="Cambria Math" panose="02040503050406030204" pitchFamily="18" charset="0"/>
+                        </a:rPr>
+                        <m:t>𝑞</m:t>
+                      </m:r>
+                      <m:r>
+                        <a:rPr lang="en-GB" b="0" i="1" smtClean="0">
+                          <a:latin typeface="Cambria Math" panose="02040503050406030204" pitchFamily="18" charset="0"/>
+                        </a:rPr>
+                        <m:t>= </m:t>
+                      </m:r>
+                      <m:f>
+                        <m:fPr>
+                          <m:ctrlPr>
+                            <a:rPr lang="en-GB" b="0" i="1" smtClean="0">
+                              <a:latin typeface="Cambria Math" panose="02040503050406030204" pitchFamily="18" charset="0"/>
+                            </a:rPr>
+                          </m:ctrlPr>
+                        </m:fPr>
+                        <m:num>
+                          <m:sSub>
+                            <m:sSubPr>
+                              <m:ctrlPr>
+                                <a:rPr lang="en-GB" b="0" i="1" smtClean="0">
+                                  <a:latin typeface="Cambria Math" panose="02040503050406030204" pitchFamily="18" charset="0"/>
+                                </a:rPr>
+                              </m:ctrlPr>
+                            </m:sSubPr>
+                            <m:e>
+                              <m:r>
+                                <a:rPr lang="en-GB" b="0" i="1" smtClean="0">
+                                  <a:latin typeface="Cambria Math" panose="02040503050406030204" pitchFamily="18" charset="0"/>
+                                </a:rPr>
+                                <m:t>𝑁</m:t>
+                              </m:r>
+                            </m:e>
+                            <m:sub>
+                              <m:r>
+                                <a:rPr lang="en-GB" b="0" i="1" smtClean="0">
+                                  <a:latin typeface="Cambria Math" panose="02040503050406030204" pitchFamily="18" charset="0"/>
+                                </a:rPr>
+                                <m:t>0</m:t>
+                              </m:r>
+                            </m:sub>
+                          </m:sSub>
+                        </m:num>
+                        <m:den>
+                          <m:r>
+                            <a:rPr lang="en-GB" b="0" i="1" smtClean="0">
+                              <a:latin typeface="Cambria Math" panose="02040503050406030204" pitchFamily="18" charset="0"/>
+                            </a:rPr>
+                            <m:t>𝑝</m:t>
+                          </m:r>
+                        </m:den>
+                      </m:f>
+                    </m:oMath>
+                  </m:oMathPara>
+                </a14:m>
+                <a:endParaRPr lang="en-GB" i="1" dirty="0">
+                  <a:latin typeface="Cambria Math" panose="02040503050406030204" pitchFamily="18" charset="0"/>
+                </a:endParaRPr>
+              </a:p>
+            </p:txBody>
+          </p:sp>
+        </mc:Choice>
+        <mc:Fallback>
+          <p:sp>
+            <p:nvSpPr>
+              <p:cNvPr id="3" name="Espace réservé du contenu 2">
+                <a:extLst>
+                  <a:ext uri="{FF2B5EF4-FFF2-40B4-BE49-F238E27FC236}">
+                    <a16:creationId xmlns:a16="http://schemas.microsoft.com/office/drawing/2014/main" id="{085DA878-5072-88C9-E5FE-894CD25C14D9}"/>
+                  </a:ext>
+                </a:extLst>
+              </p:cNvPr>
+              <p:cNvSpPr>
+                <a:spLocks noGrp="1" noRot="1" noChangeAspect="1" noMove="1" noResize="1" noEditPoints="1" noAdjustHandles="1" noChangeArrowheads="1" noChangeShapeType="1" noTextEdit="1"/>
+              </p:cNvSpPr>
+              <p:nvPr>
+                <p:ph idx="1"/>
+              </p:nvPr>
+            </p:nvSpPr>
+            <p:spPr>
+              <a:blipFill>
+                <a:blip r:embed="rId2"/>
+                <a:stretch>
+                  <a:fillRect/>
+                </a:stretch>
+              </a:blipFill>
+            </p:spPr>
+            <p:txBody>
+              <a:bodyPr/>
+              <a:lstStyle/>
+              <a:p>
+                <a:r>
+                  <a:rPr lang="fr-CH">
+                    <a:noFill/>
+                  </a:rPr>
+                  <a:t> </a:t>
+                </a:r>
+              </a:p>
+            </p:txBody>
+          </p:sp>
+        </mc:Fallback>
+      </mc:AlternateContent>
+    </p:spTree>
+    <p:extLst>
+      <p:ext uri="{BB962C8B-B14F-4D97-AF65-F5344CB8AC3E}">
+        <p14:creationId xmlns:p14="http://schemas.microsoft.com/office/powerpoint/2010/main" val="3339548552"/>
+      </p:ext>
+    </p:extLst>
+  </p:cSld>
+  <p:clrMapOvr>
+    <a:masterClrMapping/>
+  </p:clrMapOvr>
+</p:sld>
+</file>
+
+<file path=ppt/slides/slide25.xml><?xml version="1.0" encoding="utf-8"?>
+<p:sld xmlns:a="http://schemas.openxmlformats.org/drawingml/2006/main" xmlns:r="http://schemas.openxmlformats.org/officeDocument/2006/relationships" xmlns:p="http://schemas.openxmlformats.org/presentationml/2006/main">
+  <p:cSld>
+    <p:spTree>
+      <p:nvGrpSpPr>
+        <p:cNvPr id="1" name=""/>
+        <p:cNvGrpSpPr/>
+        <p:nvPr/>
+      </p:nvGrpSpPr>
+      <p:grpSpPr>
+        <a:xfrm>
+          <a:off x="0" y="0"/>
+          <a:ext cx="0" cy="0"/>
+          <a:chOff x="0" y="0"/>
+          <a:chExt cx="0" cy="0"/>
+        </a:xfrm>
+      </p:grpSpPr>
+      <p:sp>
+        <p:nvSpPr>
+          <p:cNvPr id="2" name="Titre 1">
+            <a:extLst>
+              <a:ext uri="{FF2B5EF4-FFF2-40B4-BE49-F238E27FC236}">
+                <a16:creationId xmlns:a16="http://schemas.microsoft.com/office/drawing/2014/main" id="{6000FC9E-29F5-8C53-199E-744D87DEFB73}"/>
+              </a:ext>
+            </a:extLst>
+          </p:cNvPr>
+          <p:cNvSpPr>
+            <a:spLocks noGrp="1"/>
+          </p:cNvSpPr>
+          <p:nvPr>
+            <p:ph type="title"/>
+          </p:nvPr>
+        </p:nvSpPr>
+        <p:spPr/>
+        <p:txBody>
+          <a:bodyPr/>
+          <a:lstStyle/>
+          <a:p>
+            <a:r>
+              <a:rPr lang="fr-CH" dirty="0"/>
+              <a:t>Mesures de protections</a:t>
+            </a:r>
+          </a:p>
+        </p:txBody>
+      </p:sp>
+      <p:sp>
+        <p:nvSpPr>
+          <p:cNvPr id="3" name="Espace réservé du contenu 2">
+            <a:extLst>
+              <a:ext uri="{FF2B5EF4-FFF2-40B4-BE49-F238E27FC236}">
+                <a16:creationId xmlns:a16="http://schemas.microsoft.com/office/drawing/2014/main" id="{27480C9E-7A20-E1A7-0DA1-F786EE1E9DC3}"/>
+              </a:ext>
+            </a:extLst>
+          </p:cNvPr>
+          <p:cNvSpPr>
+            <a:spLocks noGrp="1"/>
+          </p:cNvSpPr>
+          <p:nvPr>
+            <p:ph idx="1"/>
+          </p:nvPr>
+        </p:nvSpPr>
+        <p:spPr/>
+        <p:txBody>
+          <a:bodyPr/>
+          <a:lstStyle/>
+          <a:p>
+            <a:endParaRPr lang="fr-CH"/>
+          </a:p>
+        </p:txBody>
+      </p:sp>
+    </p:spTree>
+    <p:extLst>
+      <p:ext uri="{BB962C8B-B14F-4D97-AF65-F5344CB8AC3E}">
+        <p14:creationId xmlns:p14="http://schemas.microsoft.com/office/powerpoint/2010/main" val="79603983"/>
+      </p:ext>
+    </p:extLst>
+  </p:cSld>
+  <p:clrMapOvr>
+    <a:masterClrMapping/>
+  </p:clrMapOvr>
+</p:sld>
+</file>
+
+<file path=ppt/slides/slide26.xml><?xml version="1.0" encoding="utf-8"?>
+<p:sld xmlns:a="http://schemas.openxmlformats.org/drawingml/2006/main" xmlns:r="http://schemas.openxmlformats.org/officeDocument/2006/relationships" xmlns:p="http://schemas.openxmlformats.org/presentationml/2006/main">
+  <p:cSld>
+    <p:spTree>
+      <p:nvGrpSpPr>
+        <p:cNvPr id="1" name=""/>
+        <p:cNvGrpSpPr/>
+        <p:nvPr/>
+      </p:nvGrpSpPr>
+      <p:grpSpPr>
+        <a:xfrm>
+          <a:off x="0" y="0"/>
+          <a:ext cx="0" cy="0"/>
+          <a:chOff x="0" y="0"/>
+          <a:chExt cx="0" cy="0"/>
+        </a:xfrm>
+      </p:grpSpPr>
+      <p:sp>
+        <p:nvSpPr>
+          <p:cNvPr id="2" name="Titre 1">
+            <a:extLst>
+              <a:ext uri="{FF2B5EF4-FFF2-40B4-BE49-F238E27FC236}">
+                <a16:creationId xmlns:a16="http://schemas.microsoft.com/office/drawing/2014/main" id="{CE5B3F89-73E8-F591-5459-D7C7DA9182F2}"/>
+              </a:ext>
+            </a:extLst>
+          </p:cNvPr>
+          <p:cNvSpPr>
+            <a:spLocks noGrp="1"/>
+          </p:cNvSpPr>
+          <p:nvPr>
+            <p:ph type="title"/>
+          </p:nvPr>
+        </p:nvSpPr>
+        <p:spPr/>
+        <p:txBody>
+          <a:bodyPr/>
+          <a:lstStyle/>
+          <a:p>
+            <a:r>
+              <a:rPr lang="fr-CH" dirty="0"/>
+              <a:t>Questions ?</a:t>
+            </a:r>
+          </a:p>
+        </p:txBody>
+      </p:sp>
+      <p:sp>
+        <p:nvSpPr>
+          <p:cNvPr id="3" name="Espace réservé du contenu 2">
+            <a:extLst>
+              <a:ext uri="{FF2B5EF4-FFF2-40B4-BE49-F238E27FC236}">
+                <a16:creationId xmlns:a16="http://schemas.microsoft.com/office/drawing/2014/main" id="{C183CE3D-B8CF-6FEA-B32D-72C4A3152EC7}"/>
+              </a:ext>
+            </a:extLst>
+          </p:cNvPr>
+          <p:cNvSpPr>
+            <a:spLocks noGrp="1"/>
+          </p:cNvSpPr>
+          <p:nvPr>
+            <p:ph idx="1"/>
+          </p:nvPr>
+        </p:nvSpPr>
+        <p:spPr/>
+        <p:txBody>
+          <a:bodyPr/>
+          <a:lstStyle/>
+          <a:p>
+            <a:endParaRPr lang="fr-CH"/>
+          </a:p>
+        </p:txBody>
+      </p:sp>
+    </p:spTree>
+    <p:extLst>
+      <p:ext uri="{BB962C8B-B14F-4D97-AF65-F5344CB8AC3E}">
+        <p14:creationId xmlns:p14="http://schemas.microsoft.com/office/powerpoint/2010/main" val="3188463438"/>
+      </p:ext>
+    </p:extLst>
+  </p:cSld>
+  <p:clrMapOvr>
+    <a:masterClrMapping/>
+  </p:clrMapOvr>
+</p:sld>
+</file>
+
+<file path=ppt/slides/slide27.xml><?xml version="1.0" encoding="utf-8"?>
+<p:sld xmlns:a="http://schemas.openxmlformats.org/drawingml/2006/main" xmlns:r="http://schemas.openxmlformats.org/officeDocument/2006/relationships" xmlns:p="http://schemas.openxmlformats.org/presentationml/2006/main">
+  <p:cSld>
+    <p:spTree>
+      <p:nvGrpSpPr>
+        <p:cNvPr id="1" name=""/>
+        <p:cNvGrpSpPr/>
+        <p:nvPr/>
+      </p:nvGrpSpPr>
+      <p:grpSpPr>
+        <a:xfrm>
+          <a:off x="0" y="0"/>
+          <a:ext cx="0" cy="0"/>
+          <a:chOff x="0" y="0"/>
+          <a:chExt cx="0" cy="0"/>
+        </a:xfrm>
+      </p:grpSpPr>
+      <p:sp>
+        <p:nvSpPr>
+          <p:cNvPr id="2" name="Titre 1">
+            <a:extLst>
+              <a:ext uri="{FF2B5EF4-FFF2-40B4-BE49-F238E27FC236}">
+                <a16:creationId xmlns:a16="http://schemas.microsoft.com/office/drawing/2014/main" id="{49D66EBF-EF60-5369-6DF8-69A19B1ED9DA}"/>
+              </a:ext>
+            </a:extLst>
+          </p:cNvPr>
+          <p:cNvSpPr>
+            <a:spLocks noGrp="1"/>
+          </p:cNvSpPr>
+          <p:nvPr>
+            <p:ph type="title"/>
+          </p:nvPr>
+        </p:nvSpPr>
+        <p:spPr/>
+        <p:txBody>
+          <a:bodyPr/>
+          <a:lstStyle/>
+          <a:p>
+            <a:r>
+              <a:rPr lang="fr-CH" dirty="0"/>
+              <a:t>Bibliographie</a:t>
+            </a:r>
+          </a:p>
+        </p:txBody>
+      </p:sp>
+      <p:sp>
+        <p:nvSpPr>
+          <p:cNvPr id="3" name="Espace réservé du contenu 2">
+            <a:extLst>
+              <a:ext uri="{FF2B5EF4-FFF2-40B4-BE49-F238E27FC236}">
+                <a16:creationId xmlns:a16="http://schemas.microsoft.com/office/drawing/2014/main" id="{4D2E4202-87C9-7F5A-2F2F-79670D47BD39}"/>
+              </a:ext>
+            </a:extLst>
+          </p:cNvPr>
+          <p:cNvSpPr>
+            <a:spLocks noGrp="1"/>
+          </p:cNvSpPr>
+          <p:nvPr>
+            <p:ph idx="1"/>
+          </p:nvPr>
+        </p:nvSpPr>
+        <p:spPr/>
+        <p:txBody>
+          <a:bodyPr/>
+          <a:lstStyle/>
+          <a:p>
+            <a:r>
+              <a:rPr lang="fr-CH" b="1" dirty="0"/>
+              <a:t>Keegan Ryan, </a:t>
+            </a:r>
+            <a:r>
+              <a:rPr lang="fr-CH" b="1" dirty="0" err="1"/>
+              <a:t>Kaiwen</a:t>
+            </a:r>
+            <a:r>
+              <a:rPr lang="fr-CH" b="1" dirty="0"/>
+              <a:t> He, George Arnold Sullivan, Nadia </a:t>
+            </a:r>
+            <a:r>
+              <a:rPr lang="fr-CH" b="1" dirty="0" err="1"/>
+              <a:t>Heninger</a:t>
+            </a:r>
+            <a:r>
+              <a:rPr lang="fr-CH" dirty="0"/>
+              <a:t>. </a:t>
+            </a:r>
+            <a:r>
+              <a:rPr lang="fr-CH" i="1" dirty="0"/>
+              <a:t>Passive SSH Key Compromise via </a:t>
+            </a:r>
+            <a:r>
+              <a:rPr lang="fr-CH" i="1" dirty="0" err="1"/>
+              <a:t>Lattices</a:t>
+            </a:r>
+            <a:r>
+              <a:rPr lang="fr-CH" dirty="0"/>
+              <a:t>. </a:t>
+            </a:r>
+            <a:r>
+              <a:rPr lang="fr-CH" dirty="0" err="1"/>
+              <a:t>Cryptology</a:t>
+            </a:r>
+            <a:r>
+              <a:rPr lang="fr-CH" dirty="0"/>
+              <a:t> </a:t>
+            </a:r>
+            <a:r>
+              <a:rPr lang="fr-CH" dirty="0" err="1"/>
+              <a:t>ePrint</a:t>
+            </a:r>
+            <a:r>
+              <a:rPr lang="fr-CH" dirty="0"/>
+              <a:t> Archive, Paper 2023/1711, 2023. </a:t>
+            </a:r>
+            <a:r>
+              <a:rPr lang="fr-CH" dirty="0">
+                <a:hlinkClick r:id="rId2"/>
+              </a:rPr>
+              <a:t>DOI: 10.1145/3576915.3616629, </a:t>
+            </a:r>
+            <a:r>
+              <a:rPr lang="fr-CH" dirty="0"/>
+              <a:t>URL : </a:t>
+            </a:r>
+            <a:r>
+              <a:rPr lang="fr-CH" dirty="0">
+                <a:hlinkClick r:id="rId3"/>
+              </a:rPr>
+              <a:t>https://eprint.iacr.org/2023/1711</a:t>
+            </a:r>
+            <a:r>
+              <a:rPr lang="fr-CH" dirty="0"/>
+              <a:t>.</a:t>
+            </a:r>
+          </a:p>
+          <a:p>
+            <a:r>
+              <a:rPr lang="fr-CH" b="1" dirty="0"/>
+              <a:t>Duc, Alexandre, 2024</a:t>
+            </a:r>
+            <a:r>
+              <a:rPr lang="fr-CH" dirty="0"/>
+              <a:t>. </a:t>
+            </a:r>
+            <a:r>
+              <a:rPr lang="fr-CH" i="1" dirty="0" err="1"/>
+              <a:t>Asymmetric</a:t>
+            </a:r>
+            <a:r>
+              <a:rPr lang="fr-CH" i="1" dirty="0"/>
+              <a:t> </a:t>
+            </a:r>
+            <a:r>
+              <a:rPr lang="fr-CH" i="1" dirty="0" err="1"/>
+              <a:t>Cryptography</a:t>
+            </a:r>
+            <a:r>
+              <a:rPr lang="fr-CH" i="1" dirty="0"/>
+              <a:t> Standards</a:t>
+            </a:r>
+            <a:r>
+              <a:rPr lang="fr-CH" dirty="0"/>
+              <a:t> [PDF]. Support de cours : Cryptographie avancée appliquée, HEIG-VD, 2024.</a:t>
+            </a:r>
+          </a:p>
+        </p:txBody>
+      </p:sp>
+    </p:spTree>
+    <p:extLst>
+      <p:ext uri="{BB962C8B-B14F-4D97-AF65-F5344CB8AC3E}">
+        <p14:creationId xmlns:p14="http://schemas.microsoft.com/office/powerpoint/2010/main" val="3148802735"/>
+      </p:ext>
+    </p:extLst>
+  </p:cSld>
+  <p:clrMapOvr>
+    <a:masterClrMapping/>
+  </p:clrMapOvr>
+</p:sld>
+</file>
+
+<file path=ppt/slides/slide3.xml><?xml version="1.0" encoding="utf-8"?>
+<p:sld xmlns:a="http://schemas.openxmlformats.org/drawingml/2006/main" xmlns:r="http://schemas.openxmlformats.org/officeDocument/2006/relationships" xmlns:p="http://schemas.openxmlformats.org/presentationml/2006/main">
+  <p:cSld>
+    <p:spTree>
+      <p:nvGrpSpPr>
+        <p:cNvPr id="1" name=""/>
+        <p:cNvGrpSpPr/>
+        <p:nvPr/>
+      </p:nvGrpSpPr>
+      <p:grpSpPr>
+        <a:xfrm>
+          <a:off x="0" y="0"/>
+          <a:ext cx="0" cy="0"/>
+          <a:chOff x="0" y="0"/>
+          <a:chExt cx="0" cy="0"/>
+        </a:xfrm>
+      </p:grpSpPr>
+      <p:sp>
+        <p:nvSpPr>
+          <p:cNvPr id="2" name="Titre 1">
+            <a:extLst>
+              <a:ext uri="{FF2B5EF4-FFF2-40B4-BE49-F238E27FC236}">
+                <a16:creationId xmlns:a16="http://schemas.microsoft.com/office/drawing/2014/main" id="{ABCA9630-E3A4-01F1-DC02-8D11AE85A440}"/>
+              </a:ext>
+            </a:extLst>
+          </p:cNvPr>
+          <p:cNvSpPr>
+            <a:spLocks noGrp="1"/>
+          </p:cNvSpPr>
+          <p:nvPr>
+            <p:ph type="title"/>
+          </p:nvPr>
+        </p:nvSpPr>
+        <p:spPr/>
+        <p:txBody>
+          <a:bodyPr/>
+          <a:lstStyle/>
+          <a:p>
+            <a:r>
+              <a:rPr lang="fr-CH" dirty="0"/>
+              <a:t>L’attaque en bref</a:t>
+            </a:r>
+          </a:p>
+        </p:txBody>
+      </p:sp>
+      <p:sp>
+        <p:nvSpPr>
+          <p:cNvPr id="3" name="Espace réservé du contenu 2">
+            <a:extLst>
+              <a:ext uri="{FF2B5EF4-FFF2-40B4-BE49-F238E27FC236}">
+                <a16:creationId xmlns:a16="http://schemas.microsoft.com/office/drawing/2014/main" id="{68FF2868-1122-9061-B5E0-99459AB4AC21}"/>
+              </a:ext>
+            </a:extLst>
+          </p:cNvPr>
+          <p:cNvSpPr>
+            <a:spLocks noGrp="1"/>
+          </p:cNvSpPr>
+          <p:nvPr>
+            <p:ph idx="1"/>
+          </p:nvPr>
+        </p:nvSpPr>
+        <p:spPr/>
+        <p:txBody>
+          <a:bodyPr/>
+          <a:lstStyle/>
+          <a:p>
+            <a:r>
+              <a:rPr lang="fr-CH" dirty="0"/>
+              <a:t>Écoute passive</a:t>
+            </a:r>
+          </a:p>
+          <a:p>
+            <a:r>
+              <a:rPr lang="fr-CH" dirty="0"/>
+              <a:t>SSH ou </a:t>
+            </a:r>
+            <a:r>
+              <a:rPr lang="fr-CH" dirty="0" err="1"/>
+              <a:t>IPsec</a:t>
+            </a:r>
+            <a:endParaRPr lang="fr-CH" dirty="0"/>
+          </a:p>
+          <a:p>
+            <a:r>
+              <a:rPr lang="fr-CH" dirty="0"/>
+              <a:t>Une signature PKCS#1 V1.5 invalide nécessaire</a:t>
+            </a:r>
+          </a:p>
+          <a:p>
+            <a:r>
+              <a:rPr lang="fr-CH" dirty="0"/>
+              <a:t>Pour un message inconnu</a:t>
+            </a:r>
+          </a:p>
+          <a:p>
+            <a:r>
+              <a:rPr lang="fr-CH" dirty="0"/>
+              <a:t>Signature calculée en utilisant le théorème des restes chinois</a:t>
+            </a:r>
+          </a:p>
+          <a:p>
+            <a:endParaRPr lang="fr-CH" dirty="0"/>
+          </a:p>
+        </p:txBody>
+      </p:sp>
+    </p:spTree>
+    <p:extLst>
+      <p:ext uri="{BB962C8B-B14F-4D97-AF65-F5344CB8AC3E}">
+        <p14:creationId xmlns:p14="http://schemas.microsoft.com/office/powerpoint/2010/main" val="167832716"/>
+      </p:ext>
+    </p:extLst>
+  </p:cSld>
+  <p:clrMapOvr>
+    <a:masterClrMapping/>
+  </p:clrMapOvr>
+</p:sld>
+</file>
+
+<file path=ppt/slides/slide4.xml><?xml version="1.0" encoding="utf-8"?>
+<p:sld xmlns:a="http://schemas.openxmlformats.org/drawingml/2006/main" xmlns:r="http://schemas.openxmlformats.org/officeDocument/2006/relationships" xmlns:p="http://schemas.openxmlformats.org/presentationml/2006/main">
+  <p:cSld>
+    <p:spTree>
+      <p:nvGrpSpPr>
+        <p:cNvPr id="1" name=""/>
+        <p:cNvGrpSpPr/>
+        <p:nvPr/>
+      </p:nvGrpSpPr>
+      <p:grpSpPr>
+        <a:xfrm>
+          <a:off x="0" y="0"/>
+          <a:ext cx="0" cy="0"/>
+          <a:chOff x="0" y="0"/>
+          <a:chExt cx="0" cy="0"/>
+        </a:xfrm>
+      </p:grpSpPr>
+      <p:sp>
+        <p:nvSpPr>
+          <p:cNvPr id="2" name="Titre 1">
+            <a:extLst>
+              <a:ext uri="{FF2B5EF4-FFF2-40B4-BE49-F238E27FC236}">
+                <a16:creationId xmlns:a16="http://schemas.microsoft.com/office/drawing/2014/main" id="{9BEF5ACC-6579-1FC1-AB43-32A056739E01}"/>
+              </a:ext>
+            </a:extLst>
+          </p:cNvPr>
+          <p:cNvSpPr>
+            <a:spLocks noGrp="1"/>
+          </p:cNvSpPr>
+          <p:nvPr>
+            <p:ph type="title"/>
+          </p:nvPr>
+        </p:nvSpPr>
+        <p:spPr/>
+        <p:txBody>
+          <a:bodyPr/>
+          <a:lstStyle/>
+          <a:p>
+            <a:r>
+              <a:rPr lang="fr-CH" dirty="0"/>
+              <a:t>Utilisation de PKCS# V1.5</a:t>
+            </a:r>
+          </a:p>
+        </p:txBody>
+      </p:sp>
+      <p:pic>
+        <p:nvPicPr>
+          <p:cNvPr id="5" name="Espace réservé du contenu 4">
+            <a:extLst>
+              <a:ext uri="{FF2B5EF4-FFF2-40B4-BE49-F238E27FC236}">
+                <a16:creationId xmlns:a16="http://schemas.microsoft.com/office/drawing/2014/main" id="{CE359A33-6DDD-E81B-A602-596D6A86F085}"/>
+              </a:ext>
+            </a:extLst>
+          </p:cNvPr>
+          <p:cNvPicPr>
+            <a:picLocks noGrp="1" noChangeAspect="1"/>
+          </p:cNvPicPr>
+          <p:nvPr>
+            <p:ph idx="1"/>
+          </p:nvPr>
+        </p:nvPicPr>
+        <p:blipFill>
+          <a:blip r:embed="rId2"/>
+          <a:srcRect l="2217" t="3797" r="1375"/>
+          <a:stretch/>
+        </p:blipFill>
+        <p:spPr>
+          <a:xfrm>
+            <a:off x="2769957" y="1690687"/>
+            <a:ext cx="6652086" cy="4186129"/>
+          </a:xfrm>
+        </p:spPr>
+      </p:pic>
+      <p:sp>
+        <p:nvSpPr>
+          <p:cNvPr id="9" name="Espace réservé du pied de page 8">
+            <a:extLst>
+              <a:ext uri="{FF2B5EF4-FFF2-40B4-BE49-F238E27FC236}">
+                <a16:creationId xmlns:a16="http://schemas.microsoft.com/office/drawing/2014/main" id="{9091359A-7C75-795F-C023-F1631195DF29}"/>
+              </a:ext>
+            </a:extLst>
+          </p:cNvPr>
+          <p:cNvSpPr>
+            <a:spLocks noGrp="1"/>
+          </p:cNvSpPr>
+          <p:nvPr>
+            <p:ph type="ftr" sz="quarter" idx="11"/>
+          </p:nvPr>
+        </p:nvSpPr>
+        <p:spPr>
+          <a:xfrm>
+            <a:off x="0" y="6356350"/>
+            <a:ext cx="8117918" cy="365125"/>
+          </a:xfrm>
+        </p:spPr>
+        <p:txBody>
+          <a:bodyPr/>
+          <a:lstStyle/>
+          <a:p>
+            <a:r>
+              <a:rPr lang="en-GB" dirty="0"/>
+              <a:t>Keegan Ryan et al. Passive SSH Key Compromise via Lattices. Cryptology </a:t>
+            </a:r>
+            <a:r>
+              <a:rPr lang="en-GB" dirty="0" err="1"/>
+              <a:t>ePrint</a:t>
+            </a:r>
+            <a:r>
+              <a:rPr lang="en-GB" dirty="0"/>
+              <a:t> Archive, Paper 2023/1711, 2023.</a:t>
+            </a:r>
+            <a:endParaRPr lang="fr-CH" dirty="0"/>
+          </a:p>
+        </p:txBody>
+      </p:sp>
+    </p:spTree>
+    <p:extLst>
+      <p:ext uri="{BB962C8B-B14F-4D97-AF65-F5344CB8AC3E}">
+        <p14:creationId xmlns:p14="http://schemas.microsoft.com/office/powerpoint/2010/main" val="1422261801"/>
+      </p:ext>
+    </p:extLst>
+  </p:cSld>
+  <p:clrMapOvr>
+    <a:masterClrMapping/>
+  </p:clrMapOvr>
+</p:sld>
+</file>
+
+<file path=ppt/slides/slide5.xml><?xml version="1.0" encoding="utf-8"?>
+<p:sld xmlns:a="http://schemas.openxmlformats.org/drawingml/2006/main" xmlns:r="http://schemas.openxmlformats.org/officeDocument/2006/relationships" xmlns:p="http://schemas.openxmlformats.org/presentationml/2006/main">
+  <p:cSld>
+    <p:spTree>
+      <p:nvGrpSpPr>
+        <p:cNvPr id="1" name=""/>
+        <p:cNvGrpSpPr/>
+        <p:nvPr/>
+      </p:nvGrpSpPr>
+      <p:grpSpPr>
+        <a:xfrm>
+          <a:off x="0" y="0"/>
+          <a:ext cx="0" cy="0"/>
+          <a:chOff x="0" y="0"/>
+          <a:chExt cx="0" cy="0"/>
+        </a:xfrm>
+      </p:grpSpPr>
+      <p:sp>
+        <p:nvSpPr>
+          <p:cNvPr id="2" name="Titre 1">
+            <a:extLst>
+              <a:ext uri="{FF2B5EF4-FFF2-40B4-BE49-F238E27FC236}">
+                <a16:creationId xmlns:a16="http://schemas.microsoft.com/office/drawing/2014/main" id="{91E470EE-3476-45F7-B8D0-06623A0C3DF3}"/>
+              </a:ext>
+            </a:extLst>
+          </p:cNvPr>
+          <p:cNvSpPr>
+            <a:spLocks noGrp="1"/>
+          </p:cNvSpPr>
+          <p:nvPr>
+            <p:ph type="title"/>
+          </p:nvPr>
+        </p:nvSpPr>
+        <p:spPr/>
+        <p:txBody>
+          <a:bodyPr/>
+          <a:lstStyle/>
+          <a:p>
+            <a:r>
+              <a:rPr lang="fr-CH" dirty="0"/>
+              <a:t>Nombre d’erreur dans les signatures</a:t>
+            </a:r>
+          </a:p>
+        </p:txBody>
+      </p:sp>
+      <p:sp>
+        <p:nvSpPr>
+          <p:cNvPr id="8" name="Espace réservé du contenu 7">
+            <a:extLst>
+              <a:ext uri="{FF2B5EF4-FFF2-40B4-BE49-F238E27FC236}">
+                <a16:creationId xmlns:a16="http://schemas.microsoft.com/office/drawing/2014/main" id="{72FB756F-52A2-8991-6ABC-B178C6AE62BF}"/>
+              </a:ext>
+            </a:extLst>
+          </p:cNvPr>
+          <p:cNvSpPr>
+            <a:spLocks noGrp="1"/>
+          </p:cNvSpPr>
+          <p:nvPr>
+            <p:ph idx="1"/>
+          </p:nvPr>
+        </p:nvSpPr>
+        <p:spPr/>
+        <p:txBody>
+          <a:bodyPr/>
+          <a:lstStyle/>
+          <a:p>
+            <a:r>
+              <a:rPr lang="fr-CH" dirty="0"/>
+              <a:t>3,189,469,782 signatures complètes SSH enregistrées</a:t>
+            </a:r>
+          </a:p>
+          <a:p>
+            <a:r>
+              <a:rPr lang="fr-CH" dirty="0"/>
+              <a:t>1,248,108,063  était des signatures RSA (39.1%)</a:t>
+            </a:r>
+          </a:p>
+          <a:p>
+            <a:r>
+              <a:rPr lang="fr-CH" dirty="0"/>
+              <a:t>593,671 sont fausses (0.048% des signatures RSA)</a:t>
+            </a:r>
+          </a:p>
+          <a:p>
+            <a:endParaRPr lang="fr-CH" dirty="0"/>
+          </a:p>
+        </p:txBody>
+      </p:sp>
+    </p:spTree>
+    <p:extLst>
+      <p:ext uri="{BB962C8B-B14F-4D97-AF65-F5344CB8AC3E}">
+        <p14:creationId xmlns:p14="http://schemas.microsoft.com/office/powerpoint/2010/main" val="711868792"/>
+      </p:ext>
+    </p:extLst>
+  </p:cSld>
+  <p:clrMapOvr>
+    <a:masterClrMapping/>
+  </p:clrMapOvr>
+</p:sld>
+</file>
+
+<file path=ppt/slides/slide6.xml><?xml version="1.0" encoding="utf-8"?>
+<p:sld xmlns:a="http://schemas.openxmlformats.org/drawingml/2006/main" xmlns:r="http://schemas.openxmlformats.org/officeDocument/2006/relationships" xmlns:p="http://schemas.openxmlformats.org/presentationml/2006/main">
+  <p:cSld>
+    <p:spTree>
+      <p:nvGrpSpPr>
+        <p:cNvPr id="1" name="">
+          <a:extLst>
+            <a:ext uri="{FF2B5EF4-FFF2-40B4-BE49-F238E27FC236}">
+              <a16:creationId xmlns:a16="http://schemas.microsoft.com/office/drawing/2014/main" id="{CC7CE531-5A95-0FA0-DA53-890A60D7B2D6}"/>
+            </a:ext>
+          </a:extLst>
+        </p:cNvPr>
+        <p:cNvGrpSpPr/>
+        <p:nvPr/>
+      </p:nvGrpSpPr>
+      <p:grpSpPr>
+        <a:xfrm>
+          <a:off x="0" y="0"/>
+          <a:ext cx="0" cy="0"/>
+          <a:chOff x="0" y="0"/>
+          <a:chExt cx="0" cy="0"/>
+        </a:xfrm>
+      </p:grpSpPr>
+      <p:sp>
+        <p:nvSpPr>
+          <p:cNvPr id="2" name="Titre 1">
+            <a:extLst>
+              <a:ext uri="{FF2B5EF4-FFF2-40B4-BE49-F238E27FC236}">
+                <a16:creationId xmlns:a16="http://schemas.microsoft.com/office/drawing/2014/main" id="{EF09CF7C-C9A6-E272-8F1E-F7E3FE8D690F}"/>
+              </a:ext>
+            </a:extLst>
+          </p:cNvPr>
+          <p:cNvSpPr>
+            <a:spLocks noGrp="1"/>
+          </p:cNvSpPr>
+          <p:nvPr>
+            <p:ph type="title"/>
+          </p:nvPr>
+        </p:nvSpPr>
+        <p:spPr/>
+        <p:txBody>
+          <a:bodyPr/>
+          <a:lstStyle/>
+          <a:p>
+            <a:r>
+              <a:rPr lang="fr-CH" dirty="0"/>
+              <a:t>Nombre d’erreur dans les signatures</a:t>
+            </a:r>
+          </a:p>
+        </p:txBody>
+      </p:sp>
+      <p:graphicFrame>
+        <p:nvGraphicFramePr>
+          <p:cNvPr id="4" name="Espace réservé du contenu 3">
+            <a:extLst>
+              <a:ext uri="{FF2B5EF4-FFF2-40B4-BE49-F238E27FC236}">
+                <a16:creationId xmlns:a16="http://schemas.microsoft.com/office/drawing/2014/main" id="{B3333764-A650-71D2-6033-3117FCE46DA7}"/>
+              </a:ext>
+            </a:extLst>
+          </p:cNvPr>
+          <p:cNvGraphicFramePr>
+            <a:graphicFrameLocks noGrp="1"/>
+          </p:cNvGraphicFramePr>
+          <p:nvPr>
+            <p:ph idx="1"/>
+          </p:nvPr>
+        </p:nvGraphicFramePr>
+        <p:xfrm>
+          <a:off x="3419170" y="1825625"/>
+          <a:ext cx="5353661" cy="2267420"/>
+        </p:xfrm>
+        <a:graphic>
+          <a:graphicData uri="http://schemas.openxmlformats.org/drawingml/2006/table">
+            <a:tbl>
+              <a:tblPr firstRow="1" bandRow="1">
+                <a:tableStyleId>{5C22544A-7EE6-4342-B048-85BDC9FD1C3A}</a:tableStyleId>
+              </a:tblPr>
+              <a:tblGrid>
+                <a:gridCol w="3250541">
+                  <a:extLst>
+                    <a:ext uri="{9D8B030D-6E8A-4147-A177-3AD203B41FA5}">
+                      <a16:colId xmlns:a16="http://schemas.microsoft.com/office/drawing/2014/main" val="2747395662"/>
+                    </a:ext>
+                  </a:extLst>
+                </a:gridCol>
+                <a:gridCol w="2103120">
+                  <a:extLst>
+                    <a:ext uri="{9D8B030D-6E8A-4147-A177-3AD203B41FA5}">
+                      <a16:colId xmlns:a16="http://schemas.microsoft.com/office/drawing/2014/main" val="135868491"/>
+                    </a:ext>
+                  </a:extLst>
+                </a:gridCol>
+              </a:tblGrid>
+              <a:tr h="370840">
+                <a:tc>
+                  <a:txBody>
+                    <a:bodyPr/>
+                    <a:lstStyle/>
+                    <a:p>
+                      <a:pPr algn="ctr"/>
+                      <a:r>
+                        <a:rPr lang="fr-CH" dirty="0"/>
+                        <a:t>Version SSH de l’hôte </a:t>
+                      </a:r>
+                    </a:p>
+                  </a:txBody>
+                  <a:tcPr anchor="ctr"/>
+                </a:tc>
+                <a:tc>
+                  <a:txBody>
+                    <a:bodyPr/>
+                    <a:lstStyle/>
+                    <a:p>
+                      <a:pPr algn="ctr"/>
+                      <a:r>
+                        <a:rPr lang="fr-CH" dirty="0"/>
+                        <a:t>Nombre d’erreurs</a:t>
+                      </a:r>
+                    </a:p>
+                  </a:txBody>
+                  <a:tcPr anchor="ctr"/>
+                </a:tc>
+                <a:extLst>
+                  <a:ext uri="{0D108BD9-81ED-4DB2-BD59-A6C34878D82A}">
+                    <a16:rowId xmlns:a16="http://schemas.microsoft.com/office/drawing/2014/main" val="1578814734"/>
+                  </a:ext>
+                </a:extLst>
+              </a:tr>
+              <a:tr h="370840">
+                <a:tc>
+                  <a:txBody>
+                    <a:bodyPr/>
+                    <a:lstStyle/>
+                    <a:p>
+                      <a:pPr algn="ctr"/>
+                      <a:r>
+                        <a:rPr lang="fr-CH" dirty="0"/>
+                        <a:t>SSH-2.0-Zyxel SSH server</a:t>
+                      </a:r>
+                    </a:p>
+                  </a:txBody>
+                  <a:tcPr anchor="ctr"/>
+                </a:tc>
+                <a:tc>
+                  <a:txBody>
+                    <a:bodyPr/>
+                    <a:lstStyle/>
+                    <a:p>
+                      <a:pPr algn="ctr"/>
+                      <a:r>
+                        <a:rPr lang="fr-CH" dirty="0"/>
+                        <a:t>4705</a:t>
+                      </a:r>
+                    </a:p>
+                  </a:txBody>
+                  <a:tcPr anchor="ctr"/>
+                </a:tc>
+                <a:extLst>
+                  <a:ext uri="{0D108BD9-81ED-4DB2-BD59-A6C34878D82A}">
+                    <a16:rowId xmlns:a16="http://schemas.microsoft.com/office/drawing/2014/main" val="2171133265"/>
+                  </a:ext>
+                </a:extLst>
+              </a:tr>
+              <a:tr h="413220">
+                <a:tc>
+                  <a:txBody>
+                    <a:bodyPr/>
+                    <a:lstStyle/>
+                    <a:p>
+                      <a:pPr algn="ctr"/>
+                      <a:r>
+                        <a:rPr lang="fr-CH" dirty="0"/>
+                        <a:t>SSH-1.99-Zyxel SSH server</a:t>
+                      </a:r>
+                    </a:p>
+                  </a:txBody>
+                  <a:tcPr anchor="ctr"/>
+                </a:tc>
+                <a:tc>
+                  <a:txBody>
+                    <a:bodyPr/>
+                    <a:lstStyle/>
+                    <a:p>
+                      <a:pPr algn="ctr"/>
+                      <a:r>
+                        <a:rPr lang="fr-CH" dirty="0"/>
+                        <a:t>168</a:t>
+                      </a:r>
+                    </a:p>
+                  </a:txBody>
+                  <a:tcPr anchor="ctr"/>
+                </a:tc>
+                <a:extLst>
+                  <a:ext uri="{0D108BD9-81ED-4DB2-BD59-A6C34878D82A}">
+                    <a16:rowId xmlns:a16="http://schemas.microsoft.com/office/drawing/2014/main" val="4076623185"/>
+                  </a:ext>
+                </a:extLst>
+              </a:tr>
+              <a:tr h="370840">
+                <a:tc>
+                  <a:txBody>
+                    <a:bodyPr/>
+                    <a:lstStyle/>
+                    <a:p>
+                      <a:pPr algn="ctr"/>
+                      <a:r>
+                        <a:rPr lang="fr-CH" dirty="0"/>
+                        <a:t>SSH-2.0-SSHD</a:t>
+                      </a:r>
+                    </a:p>
+                  </a:txBody>
+                  <a:tcPr anchor="ctr"/>
+                </a:tc>
+                <a:tc>
+                  <a:txBody>
+                    <a:bodyPr/>
+                    <a:lstStyle/>
+                    <a:p>
+                      <a:pPr algn="ctr"/>
+                      <a:r>
+                        <a:rPr lang="fr-CH" dirty="0"/>
+                        <a:t>87</a:t>
+                      </a:r>
+                    </a:p>
+                  </a:txBody>
+                  <a:tcPr anchor="ctr"/>
+                </a:tc>
+                <a:extLst>
+                  <a:ext uri="{0D108BD9-81ED-4DB2-BD59-A6C34878D82A}">
+                    <a16:rowId xmlns:a16="http://schemas.microsoft.com/office/drawing/2014/main" val="4197061450"/>
+                  </a:ext>
+                </a:extLst>
+              </a:tr>
+              <a:tr h="370840">
+                <a:tc>
+                  <a:txBody>
+                    <a:bodyPr/>
+                    <a:lstStyle/>
+                    <a:p>
+                      <a:pPr algn="ctr"/>
+                      <a:r>
+                        <a:rPr lang="fr-CH" dirty="0"/>
+                        <a:t>SSH-2.0-Mocana SSH 5.3.1</a:t>
+                      </a:r>
+                    </a:p>
+                  </a:txBody>
+                  <a:tcPr anchor="ctr"/>
+                </a:tc>
+                <a:tc>
+                  <a:txBody>
+                    <a:bodyPr/>
+                    <a:lstStyle/>
+                    <a:p>
+                      <a:pPr algn="ctr"/>
+                      <a:r>
+                        <a:rPr lang="fr-CH" dirty="0"/>
+                        <a:t>1</a:t>
+                      </a:r>
+                    </a:p>
+                  </a:txBody>
+                  <a:tcPr anchor="ctr"/>
+                </a:tc>
+                <a:extLst>
+                  <a:ext uri="{0D108BD9-81ED-4DB2-BD59-A6C34878D82A}">
+                    <a16:rowId xmlns:a16="http://schemas.microsoft.com/office/drawing/2014/main" val="1706126128"/>
+                  </a:ext>
+                </a:extLst>
+              </a:tr>
+              <a:tr h="370840">
+                <a:tc>
+                  <a:txBody>
+                    <a:bodyPr/>
+                    <a:lstStyle/>
+                    <a:p>
+                      <a:pPr algn="ctr"/>
+                      <a:r>
+                        <a:rPr lang="fr-CH" dirty="0"/>
+                        <a:t>SSH-1.99-Cisco-1.25</a:t>
+                      </a:r>
+                    </a:p>
+                  </a:txBody>
+                  <a:tcPr anchor="ctr"/>
+                </a:tc>
+                <a:tc>
+                  <a:txBody>
+                    <a:bodyPr/>
+                    <a:lstStyle/>
+                    <a:p>
+                      <a:pPr algn="ctr"/>
+                      <a:r>
+                        <a:rPr lang="fr-CH" dirty="0"/>
+                        <a:t>1</a:t>
+                      </a:r>
+                    </a:p>
+                  </a:txBody>
+                  <a:tcPr anchor="ctr"/>
+                </a:tc>
+                <a:extLst>
+                  <a:ext uri="{0D108BD9-81ED-4DB2-BD59-A6C34878D82A}">
+                    <a16:rowId xmlns:a16="http://schemas.microsoft.com/office/drawing/2014/main" val="3114363590"/>
+                  </a:ext>
+                </a:extLst>
+              </a:tr>
+            </a:tbl>
+          </a:graphicData>
+        </a:graphic>
+      </p:graphicFrame>
+    </p:spTree>
+    <p:extLst>
+      <p:ext uri="{BB962C8B-B14F-4D97-AF65-F5344CB8AC3E}">
+        <p14:creationId xmlns:p14="http://schemas.microsoft.com/office/powerpoint/2010/main" val="2194482750"/>
+      </p:ext>
+    </p:extLst>
+  </p:cSld>
+  <p:clrMapOvr>
+    <a:masterClrMapping/>
+  </p:clrMapOvr>
+</p:sld>
+</file>
+
+<file path=ppt/slides/slide7.xml><?xml version="1.0" encoding="utf-8"?>
+<p:sld xmlns:a="http://schemas.openxmlformats.org/drawingml/2006/main" xmlns:r="http://schemas.openxmlformats.org/officeDocument/2006/relationships" xmlns:p="http://schemas.openxmlformats.org/presentationml/2006/main">
+  <p:cSld>
+    <p:spTree>
+      <p:nvGrpSpPr>
+        <p:cNvPr id="1" name=""/>
+        <p:cNvGrpSpPr/>
+        <p:nvPr/>
+      </p:nvGrpSpPr>
+      <p:grpSpPr>
+        <a:xfrm>
+          <a:off x="0" y="0"/>
+          <a:ext cx="0" cy="0"/>
+          <a:chOff x="0" y="0"/>
+          <a:chExt cx="0" cy="0"/>
+        </a:xfrm>
+      </p:grpSpPr>
+      <p:sp>
+        <p:nvSpPr>
+          <p:cNvPr id="2" name="Titre 1">
+            <a:extLst>
+              <a:ext uri="{FF2B5EF4-FFF2-40B4-BE49-F238E27FC236}">
+                <a16:creationId xmlns:a16="http://schemas.microsoft.com/office/drawing/2014/main" id="{C86522DB-CB9E-DB84-E81D-DD1AC3FCC88E}"/>
+              </a:ext>
+            </a:extLst>
+          </p:cNvPr>
+          <p:cNvSpPr>
+            <a:spLocks noGrp="1"/>
+          </p:cNvSpPr>
+          <p:nvPr>
+            <p:ph type="title"/>
+          </p:nvPr>
+        </p:nvSpPr>
+        <p:spPr/>
+        <p:txBody>
+          <a:bodyPr/>
+          <a:lstStyle/>
+          <a:p>
+            <a:r>
+              <a:rPr lang="fr-CH" dirty="0"/>
+              <a:t>Conséquences</a:t>
+            </a:r>
+          </a:p>
+        </p:txBody>
+      </p:sp>
+      <p:sp>
+        <p:nvSpPr>
+          <p:cNvPr id="3" name="Espace réservé du contenu 2">
+            <a:extLst>
+              <a:ext uri="{FF2B5EF4-FFF2-40B4-BE49-F238E27FC236}">
+                <a16:creationId xmlns:a16="http://schemas.microsoft.com/office/drawing/2014/main" id="{DF80E0EF-D927-4D6B-22ED-EA5C781C74B6}"/>
+              </a:ext>
+            </a:extLst>
+          </p:cNvPr>
+          <p:cNvSpPr>
+            <a:spLocks noGrp="1"/>
+          </p:cNvSpPr>
+          <p:nvPr>
+            <p:ph idx="1"/>
+          </p:nvPr>
+        </p:nvSpPr>
+        <p:spPr/>
+        <p:txBody>
+          <a:bodyPr/>
+          <a:lstStyle/>
+          <a:p>
+            <a:r>
+              <a:rPr lang="fr-CH" dirty="0"/>
+              <a:t>Beaucoup d’appareils concernés ???</a:t>
+            </a:r>
+          </a:p>
+        </p:txBody>
+      </p:sp>
+    </p:spTree>
+    <p:extLst>
+      <p:ext uri="{BB962C8B-B14F-4D97-AF65-F5344CB8AC3E}">
+        <p14:creationId xmlns:p14="http://schemas.microsoft.com/office/powerpoint/2010/main" val="1077162873"/>
+      </p:ext>
+    </p:extLst>
+  </p:cSld>
+  <p:clrMapOvr>
+    <a:masterClrMapping/>
+  </p:clrMapOvr>
+</p:sld>
+</file>
+
+<file path=ppt/slides/slide8.xml><?xml version="1.0" encoding="utf-8"?>
+<p:sld xmlns:a="http://schemas.openxmlformats.org/drawingml/2006/main" xmlns:r="http://schemas.openxmlformats.org/officeDocument/2006/relationships" xmlns:p="http://schemas.openxmlformats.org/presentationml/2006/main">
+  <p:cSld>
+    <p:spTree>
+      <p:nvGrpSpPr>
+        <p:cNvPr id="1" name=""/>
+        <p:cNvGrpSpPr/>
+        <p:nvPr/>
+      </p:nvGrpSpPr>
+      <p:grpSpPr>
+        <a:xfrm>
+          <a:off x="0" y="0"/>
+          <a:ext cx="0" cy="0"/>
+          <a:chOff x="0" y="0"/>
+          <a:chExt cx="0" cy="0"/>
+        </a:xfrm>
+      </p:grpSpPr>
+      <p:sp>
+        <p:nvSpPr>
+          <p:cNvPr id="2" name="Titre 1">
+            <a:extLst>
+              <a:ext uri="{FF2B5EF4-FFF2-40B4-BE49-F238E27FC236}">
+                <a16:creationId xmlns:a16="http://schemas.microsoft.com/office/drawing/2014/main" id="{0312024B-32AC-2487-492D-C96DC9F32452}"/>
+              </a:ext>
+            </a:extLst>
+          </p:cNvPr>
+          <p:cNvSpPr>
+            <a:spLocks noGrp="1"/>
+          </p:cNvSpPr>
+          <p:nvPr>
+            <p:ph type="title"/>
+          </p:nvPr>
+        </p:nvSpPr>
+        <p:spPr/>
+        <p:txBody>
+          <a:bodyPr/>
+          <a:lstStyle/>
+          <a:p>
+            <a:r>
+              <a:rPr lang="fr-CH" dirty="0"/>
+              <a:t>SSH</a:t>
+            </a:r>
+          </a:p>
+        </p:txBody>
+      </p:sp>
+      <p:sp>
+        <p:nvSpPr>
+          <p:cNvPr id="3" name="Espace réservé du contenu 2">
+            <a:extLst>
+              <a:ext uri="{FF2B5EF4-FFF2-40B4-BE49-F238E27FC236}">
+                <a16:creationId xmlns:a16="http://schemas.microsoft.com/office/drawing/2014/main" id="{2642F217-C2B0-61EC-0CFF-94476B4C3087}"/>
+              </a:ext>
+            </a:extLst>
+          </p:cNvPr>
+          <p:cNvSpPr>
+            <a:spLocks noGrp="1"/>
+          </p:cNvSpPr>
+          <p:nvPr>
+            <p:ph idx="1"/>
+          </p:nvPr>
+        </p:nvSpPr>
+        <p:spPr/>
+        <p:txBody>
+          <a:bodyPr/>
+          <a:lstStyle/>
+          <a:p>
+            <a:endParaRPr lang="fr-CH"/>
+          </a:p>
+        </p:txBody>
+      </p:sp>
+    </p:spTree>
+    <p:extLst>
+      <p:ext uri="{BB962C8B-B14F-4D97-AF65-F5344CB8AC3E}">
+        <p14:creationId xmlns:p14="http://schemas.microsoft.com/office/powerpoint/2010/main" val="2792095449"/>
+      </p:ext>
+    </p:extLst>
+  </p:cSld>
+  <p:clrMapOvr>
+    <a:masterClrMapping/>
+  </p:clrMapOvr>
+</p:sld>
+</file>
+
+<file path=ppt/slides/slide9.xml><?xml version="1.0" encoding="utf-8"?>
+<p:sld xmlns:a="http://schemas.openxmlformats.org/drawingml/2006/main" xmlns:r="http://schemas.openxmlformats.org/officeDocument/2006/relationships" xmlns:p="http://schemas.openxmlformats.org/presentationml/2006/main">
+  <p:cSld>
+    <p:spTree>
+      <p:nvGrpSpPr>
+        <p:cNvPr id="1" name=""/>
+        <p:cNvGrpSpPr/>
+        <p:nvPr/>
+      </p:nvGrpSpPr>
+      <p:grpSpPr>
+        <a:xfrm>
+          <a:off x="0" y="0"/>
+          <a:ext cx="0" cy="0"/>
+          <a:chOff x="0" y="0"/>
+          <a:chExt cx="0" cy="0"/>
+        </a:xfrm>
+      </p:grpSpPr>
+      <p:sp>
+        <p:nvSpPr>
+          <p:cNvPr id="2" name="Titre 1">
+            <a:extLst>
+              <a:ext uri="{FF2B5EF4-FFF2-40B4-BE49-F238E27FC236}">
+                <a16:creationId xmlns:a16="http://schemas.microsoft.com/office/drawing/2014/main" id="{C7AA97B4-9548-A3E1-F52D-BD36A09A7DA0}"/>
+              </a:ext>
+            </a:extLst>
+          </p:cNvPr>
+          <p:cNvSpPr>
+            <a:spLocks noGrp="1"/>
+          </p:cNvSpPr>
+          <p:nvPr>
+            <p:ph type="title"/>
+          </p:nvPr>
+        </p:nvSpPr>
+        <p:spPr/>
+        <p:txBody>
+          <a:bodyPr/>
+          <a:lstStyle/>
+          <a:p>
+            <a:r>
+              <a:rPr lang="fr-CH" dirty="0" err="1"/>
+              <a:t>IPsec</a:t>
+            </a:r>
+            <a:endParaRPr lang="fr-CH" dirty="0"/>
+          </a:p>
+        </p:txBody>
+      </p:sp>
+      <p:sp>
+        <p:nvSpPr>
+          <p:cNvPr id="3" name="Espace réservé du contenu 2">
+            <a:extLst>
+              <a:ext uri="{FF2B5EF4-FFF2-40B4-BE49-F238E27FC236}">
+                <a16:creationId xmlns:a16="http://schemas.microsoft.com/office/drawing/2014/main" id="{F0C10A8F-80FA-2A40-2959-EAF69F97A569}"/>
+              </a:ext>
+            </a:extLst>
+          </p:cNvPr>
+          <p:cNvSpPr>
+            <a:spLocks noGrp="1"/>
+          </p:cNvSpPr>
+          <p:nvPr>
+            <p:ph idx="1"/>
+          </p:nvPr>
+        </p:nvSpPr>
+        <p:spPr/>
+        <p:txBody>
+          <a:bodyPr/>
+          <a:lstStyle/>
+          <a:p>
+            <a:endParaRPr lang="fr-CH"/>
+          </a:p>
+        </p:txBody>
+      </p:sp>
+    </p:spTree>
+    <p:extLst>
+      <p:ext uri="{BB962C8B-B14F-4D97-AF65-F5344CB8AC3E}">
+        <p14:creationId xmlns:p14="http://schemas.microsoft.com/office/powerpoint/2010/main" val="1917608397"/>
       </p:ext>
     </p:extLst>
   </p:cSld>
@@ -5734,4 +10834,634 @@
     </a:ext>
   </a:extLst>
 </a:theme>
+</file>
+
+<file path=ppt/theme/theme2.xml><?xml version="1.0" encoding="utf-8"?>
+<a:theme xmlns:a="http://schemas.openxmlformats.org/drawingml/2006/main" name="Thème Office">
+  <a:themeElements>
+    <a:clrScheme name="Office">
+      <a:dk1>
+        <a:sysClr val="windowText" lastClr="000000"/>
+      </a:dk1>
+      <a:lt1>
+        <a:sysClr val="window" lastClr="FFFFFF"/>
+      </a:lt1>
+      <a:dk2>
+        <a:srgbClr val="0E2841"/>
+      </a:dk2>
+      <a:lt2>
+        <a:srgbClr val="E8E8E8"/>
+      </a:lt2>
+      <a:accent1>
+        <a:srgbClr val="156082"/>
+      </a:accent1>
+      <a:accent2>
+        <a:srgbClr val="E97132"/>
+      </a:accent2>
+      <a:accent3>
+        <a:srgbClr val="196B24"/>
+      </a:accent3>
+      <a:accent4>
+        <a:srgbClr val="0F9ED5"/>
+      </a:accent4>
+      <a:accent5>
+        <a:srgbClr val="A02B93"/>
+      </a:accent5>
+      <a:accent6>
+        <a:srgbClr val="4EA72E"/>
+      </a:accent6>
+      <a:hlink>
+        <a:srgbClr val="467886"/>
+      </a:hlink>
+      <a:folHlink>
+        <a:srgbClr val="96607D"/>
+      </a:folHlink>
+    </a:clrScheme>
+    <a:fontScheme name="Office">
+      <a:majorFont>
+        <a:latin typeface="Aptos Display" panose="02110004020202020204"/>
+        <a:ea typeface=""/>
+        <a:cs typeface=""/>
+        <a:font script="Jpan" typeface="游ゴシック Light"/>
+        <a:font script="Hang" typeface="맑은 고딕"/>
+        <a:font script="Hans" typeface="等线 Light"/>
+        <a:font script="Hant" typeface="新細明體"/>
+        <a:font script="Arab" typeface="Times New Roman"/>
+        <a:font script="Hebr" typeface="Times New Roman"/>
+        <a:font script="Thai" typeface="Angsana New"/>
+        <a:font script="Ethi" typeface="Nyala"/>
+        <a:font script="Beng" typeface="Vrinda"/>
+        <a:font script="Gujr" typeface="Shruti"/>
+        <a:font script="Khmr" typeface="MoolBoran"/>
+        <a:font script="Knda" typeface="Tunga"/>
+        <a:font script="Guru" typeface="Raavi"/>
+        <a:font script="Cans" typeface="Euphemia"/>
+        <a:font script="Cher" typeface="Plantagenet Cherokee"/>
+        <a:font script="Yiii" typeface="Microsoft Yi Baiti"/>
+        <a:font script="Tibt" typeface="Microsoft Himalaya"/>
+        <a:font script="Thaa" typeface="MV Boli"/>
+        <a:font script="Deva" typeface="Mangal"/>
+        <a:font script="Telu" typeface="Gautami"/>
+        <a:font script="Taml" typeface="Latha"/>
+        <a:font script="Syrc" typeface="Estrangelo Edessa"/>
+        <a:font script="Orya" typeface="Kalinga"/>
+        <a:font script="Mlym" typeface="Kartika"/>
+        <a:font script="Laoo" typeface="DokChampa"/>
+        <a:font script="Sinh" typeface="Iskoola Pota"/>
+        <a:font script="Mong" typeface="Mongolian Baiti"/>
+        <a:font script="Viet" typeface="Times New Roman"/>
+        <a:font script="Uigh" typeface="Microsoft Uighur"/>
+        <a:font script="Geor" typeface="Sylfaen"/>
+        <a:font script="Armn" typeface="Arial"/>
+        <a:font script="Bugi" typeface="Leelawadee UI"/>
+        <a:font script="Bopo" typeface="Microsoft JhengHei"/>
+        <a:font script="Java" typeface="Javanese Text"/>
+        <a:font script="Lisu" typeface="Segoe UI"/>
+        <a:font script="Mymr" typeface="Myanmar Text"/>
+        <a:font script="Nkoo" typeface="Ebrima"/>
+        <a:font script="Olck" typeface="Nirmala UI"/>
+        <a:font script="Osma" typeface="Ebrima"/>
+        <a:font script="Phag" typeface="Phagspa"/>
+        <a:font script="Syrn" typeface="Estrangelo Edessa"/>
+        <a:font script="Syrj" typeface="Estrangelo Edessa"/>
+        <a:font script="Syre" typeface="Estrangelo Edessa"/>
+        <a:font script="Sora" typeface="Nirmala UI"/>
+        <a:font script="Tale" typeface="Microsoft Tai Le"/>
+        <a:font script="Talu" typeface="Microsoft New Tai Lue"/>
+        <a:font script="Tfng" typeface="Ebrima"/>
+      </a:majorFont>
+      <a:minorFont>
+        <a:latin typeface="Aptos" panose="02110004020202020204"/>
+        <a:ea typeface=""/>
+        <a:cs typeface=""/>
+        <a:font script="Jpan" typeface="游ゴシック"/>
+        <a:font script="Hang" typeface="맑은 고딕"/>
+        <a:font script="Hans" typeface="等线"/>
+        <a:font script="Hant" typeface="新細明體"/>
+        <a:font script="Arab" typeface="Arial"/>
+        <a:font script="Hebr" typeface="Arial"/>
+        <a:font script="Thai" typeface="Cordia New"/>
+        <a:font script="Ethi" typeface="Nyala"/>
+        <a:font script="Beng" typeface="Vrinda"/>
+        <a:font script="Gujr" typeface="Shruti"/>
+        <a:font script="Khmr" typeface="DaunPenh"/>
+        <a:font script="Knda" typeface="Tunga"/>
+        <a:font script="Guru" typeface="Raavi"/>
+        <a:font script="Cans" typeface="Euphemia"/>
+        <a:font script="Cher" typeface="Plantagenet Cherokee"/>
+        <a:font script="Yiii" typeface="Microsoft Yi Baiti"/>
+        <a:font script="Tibt" typeface="Microsoft Himalaya"/>
+        <a:font script="Thaa" typeface="MV Boli"/>
+        <a:font script="Deva" typeface="Mangal"/>
+        <a:font script="Telu" typeface="Gautami"/>
+        <a:font script="Taml" typeface="Latha"/>
+        <a:font script="Syrc" typeface="Estrangelo Edessa"/>
+        <a:font script="Orya" typeface="Kalinga"/>
+        <a:font script="Mlym" typeface="Kartika"/>
+        <a:font script="Laoo" typeface="DokChampa"/>
+        <a:font script="Sinh" typeface="Iskoola Pota"/>
+        <a:font script="Mong" typeface="Mongolian Baiti"/>
+        <a:font script="Viet" typeface="Arial"/>
+        <a:font script="Uigh" typeface="Microsoft Uighur"/>
+        <a:font script="Geor" typeface="Sylfaen"/>
+        <a:font script="Armn" typeface="Arial"/>
+        <a:font script="Bugi" typeface="Leelawadee UI"/>
+        <a:font script="Bopo" typeface="Microsoft JhengHei"/>
+        <a:font script="Java" typeface="Javanese Text"/>
+        <a:font script="Lisu" typeface="Segoe UI"/>
+        <a:font script="Mymr" typeface="Myanmar Text"/>
+        <a:font script="Nkoo" typeface="Ebrima"/>
+        <a:font script="Olck" typeface="Nirmala UI"/>
+        <a:font script="Osma" typeface="Ebrima"/>
+        <a:font script="Phag" typeface="Phagspa"/>
+        <a:font script="Syrn" typeface="Estrangelo Edessa"/>
+        <a:font script="Syrj" typeface="Estrangelo Edessa"/>
+        <a:font script="Syre" typeface="Estrangelo Edessa"/>
+        <a:font script="Sora" typeface="Nirmala UI"/>
+        <a:font script="Tale" typeface="Microsoft Tai Le"/>
+        <a:font script="Talu" typeface="Microsoft New Tai Lue"/>
+        <a:font script="Tfng" typeface="Ebrima"/>
+      </a:minorFont>
+    </a:fontScheme>
+    <a:fmtScheme name="Office">
+      <a:fillStyleLst>
+        <a:solidFill>
+          <a:schemeClr val="phClr"/>
+        </a:solidFill>
+        <a:gradFill rotWithShape="1">
+          <a:gsLst>
+            <a:gs pos="0">
+              <a:schemeClr val="phClr">
+                <a:lumMod val="110000"/>
+                <a:satMod val="105000"/>
+                <a:tint val="67000"/>
+              </a:schemeClr>
+            </a:gs>
+            <a:gs pos="50000">
+              <a:schemeClr val="phClr">
+                <a:lumMod val="105000"/>
+                <a:satMod val="103000"/>
+                <a:tint val="73000"/>
+              </a:schemeClr>
+            </a:gs>
+            <a:gs pos="100000">
+              <a:schemeClr val="phClr">
+                <a:lumMod val="105000"/>
+                <a:satMod val="109000"/>
+                <a:tint val="81000"/>
+              </a:schemeClr>
+            </a:gs>
+          </a:gsLst>
+          <a:lin ang="5400000" scaled="0"/>
+        </a:gradFill>
+        <a:gradFill rotWithShape="1">
+          <a:gsLst>
+            <a:gs pos="0">
+              <a:schemeClr val="phClr">
+                <a:satMod val="103000"/>
+                <a:lumMod val="102000"/>
+                <a:tint val="94000"/>
+              </a:schemeClr>
+            </a:gs>
+            <a:gs pos="50000">
+              <a:schemeClr val="phClr">
+                <a:satMod val="110000"/>
+                <a:lumMod val="100000"/>
+                <a:shade val="100000"/>
+              </a:schemeClr>
+            </a:gs>
+            <a:gs pos="100000">
+              <a:schemeClr val="phClr">
+                <a:lumMod val="99000"/>
+                <a:satMod val="120000"/>
+                <a:shade val="78000"/>
+              </a:schemeClr>
+            </a:gs>
+          </a:gsLst>
+          <a:lin ang="5400000" scaled="0"/>
+        </a:gradFill>
+      </a:fillStyleLst>
+      <a:lnStyleLst>
+        <a:ln w="12700" cap="flat" cmpd="sng" algn="ctr">
+          <a:solidFill>
+            <a:schemeClr val="phClr"/>
+          </a:solidFill>
+          <a:prstDash val="solid"/>
+          <a:miter lim="800000"/>
+        </a:ln>
+        <a:ln w="19050" cap="flat" cmpd="sng" algn="ctr">
+          <a:solidFill>
+            <a:schemeClr val="phClr"/>
+          </a:solidFill>
+          <a:prstDash val="solid"/>
+          <a:miter lim="800000"/>
+        </a:ln>
+        <a:ln w="25400" cap="flat" cmpd="sng" algn="ctr">
+          <a:solidFill>
+            <a:schemeClr val="phClr"/>
+          </a:solidFill>
+          <a:prstDash val="solid"/>
+          <a:miter lim="800000"/>
+        </a:ln>
+      </a:lnStyleLst>
+      <a:effectStyleLst>
+        <a:effectStyle>
+          <a:effectLst/>
+        </a:effectStyle>
+        <a:effectStyle>
+          <a:effectLst/>
+        </a:effectStyle>
+        <a:effectStyle>
+          <a:effectLst>
+            <a:outerShdw blurRad="57150" dist="19050" dir="5400000" algn="ctr" rotWithShape="0">
+              <a:srgbClr val="000000">
+                <a:alpha val="63000"/>
+              </a:srgbClr>
+            </a:outerShdw>
+          </a:effectLst>
+        </a:effectStyle>
+      </a:effectStyleLst>
+      <a:bgFillStyleLst>
+        <a:solidFill>
+          <a:schemeClr val="phClr"/>
+        </a:solidFill>
+        <a:solidFill>
+          <a:schemeClr val="phClr">
+            <a:tint val="95000"/>
+            <a:satMod val="170000"/>
+          </a:schemeClr>
+        </a:solidFill>
+        <a:gradFill rotWithShape="1">
+          <a:gsLst>
+            <a:gs pos="0">
+              <a:schemeClr val="phClr">
+                <a:tint val="93000"/>
+                <a:satMod val="150000"/>
+                <a:shade val="98000"/>
+                <a:lumMod val="102000"/>
+              </a:schemeClr>
+            </a:gs>
+            <a:gs pos="50000">
+              <a:schemeClr val="phClr">
+                <a:tint val="98000"/>
+                <a:satMod val="130000"/>
+                <a:shade val="90000"/>
+                <a:lumMod val="103000"/>
+              </a:schemeClr>
+            </a:gs>
+            <a:gs pos="100000">
+              <a:schemeClr val="phClr">
+                <a:shade val="63000"/>
+                <a:satMod val="120000"/>
+              </a:schemeClr>
+            </a:gs>
+          </a:gsLst>
+          <a:lin ang="5400000" scaled="0"/>
+        </a:gradFill>
+      </a:bgFillStyleLst>
+    </a:fmtScheme>
+  </a:themeElements>
+  <a:objectDefaults>
+    <a:lnDef>
+      <a:spPr/>
+      <a:bodyPr/>
+      <a:lstStyle/>
+      <a:style>
+        <a:lnRef idx="2">
+          <a:schemeClr val="accent1"/>
+        </a:lnRef>
+        <a:fillRef idx="0">
+          <a:schemeClr val="accent1"/>
+        </a:fillRef>
+        <a:effectRef idx="1">
+          <a:schemeClr val="accent1"/>
+        </a:effectRef>
+        <a:fontRef idx="minor">
+          <a:schemeClr val="tx1"/>
+        </a:fontRef>
+      </a:style>
+    </a:lnDef>
+  </a:objectDefaults>
+  <a:extraClrSchemeLst/>
+  <a:extLst>
+    <a:ext uri="{05A4C25C-085E-4340-85A3-A5531E510DB2}">
+      <thm15:themeFamily xmlns:thm15="http://schemas.microsoft.com/office/thememl/2012/main" name="Office Theme" id="{2E142A2C-CD16-42D6-873A-C26D2A0506FA}" vid="{1BDDFF52-6CD6-40A5-AB3C-68EB2F1E4D0A}"/>
+    </a:ext>
+  </a:extLst>
+</a:theme>
+</file>
+
+<file path=ppt/theme/theme3.xml><?xml version="1.0" encoding="utf-8"?>
+<a:theme xmlns:a="http://schemas.openxmlformats.org/drawingml/2006/main" name="Thème Office">
+  <a:themeElements>
+    <a:clrScheme name="Office">
+      <a:dk1>
+        <a:sysClr val="windowText" lastClr="000000"/>
+      </a:dk1>
+      <a:lt1>
+        <a:sysClr val="window" lastClr="FFFFFF"/>
+      </a:lt1>
+      <a:dk2>
+        <a:srgbClr val="0E2841"/>
+      </a:dk2>
+      <a:lt2>
+        <a:srgbClr val="E8E8E8"/>
+      </a:lt2>
+      <a:accent1>
+        <a:srgbClr val="156082"/>
+      </a:accent1>
+      <a:accent2>
+        <a:srgbClr val="E97132"/>
+      </a:accent2>
+      <a:accent3>
+        <a:srgbClr val="196B24"/>
+      </a:accent3>
+      <a:accent4>
+        <a:srgbClr val="0F9ED5"/>
+      </a:accent4>
+      <a:accent5>
+        <a:srgbClr val="A02B93"/>
+      </a:accent5>
+      <a:accent6>
+        <a:srgbClr val="4EA72E"/>
+      </a:accent6>
+      <a:hlink>
+        <a:srgbClr val="467886"/>
+      </a:hlink>
+      <a:folHlink>
+        <a:srgbClr val="96607D"/>
+      </a:folHlink>
+    </a:clrScheme>
+    <a:fontScheme name="Office">
+      <a:majorFont>
+        <a:latin typeface="Aptos Display" panose="02110004020202020204"/>
+        <a:ea typeface=""/>
+        <a:cs typeface=""/>
+        <a:font script="Jpan" typeface="游ゴシック Light"/>
+        <a:font script="Hang" typeface="맑은 고딕"/>
+        <a:font script="Hans" typeface="等线 Light"/>
+        <a:font script="Hant" typeface="新細明體"/>
+        <a:font script="Arab" typeface="Times New Roman"/>
+        <a:font script="Hebr" typeface="Times New Roman"/>
+        <a:font script="Thai" typeface="Angsana New"/>
+        <a:font script="Ethi" typeface="Nyala"/>
+        <a:font script="Beng" typeface="Vrinda"/>
+        <a:font script="Gujr" typeface="Shruti"/>
+        <a:font script="Khmr" typeface="MoolBoran"/>
+        <a:font script="Knda" typeface="Tunga"/>
+        <a:font script="Guru" typeface="Raavi"/>
+        <a:font script="Cans" typeface="Euphemia"/>
+        <a:font script="Cher" typeface="Plantagenet Cherokee"/>
+        <a:font script="Yiii" typeface="Microsoft Yi Baiti"/>
+        <a:font script="Tibt" typeface="Microsoft Himalaya"/>
+        <a:font script="Thaa" typeface="MV Boli"/>
+        <a:font script="Deva" typeface="Mangal"/>
+        <a:font script="Telu" typeface="Gautami"/>
+        <a:font script="Taml" typeface="Latha"/>
+        <a:font script="Syrc" typeface="Estrangelo Edessa"/>
+        <a:font script="Orya" typeface="Kalinga"/>
+        <a:font script="Mlym" typeface="Kartika"/>
+        <a:font script="Laoo" typeface="DokChampa"/>
+        <a:font script="Sinh" typeface="Iskoola Pota"/>
+        <a:font script="Mong" typeface="Mongolian Baiti"/>
+        <a:font script="Viet" typeface="Times New Roman"/>
+        <a:font script="Uigh" typeface="Microsoft Uighur"/>
+        <a:font script="Geor" typeface="Sylfaen"/>
+        <a:font script="Armn" typeface="Arial"/>
+        <a:font script="Bugi" typeface="Leelawadee UI"/>
+        <a:font script="Bopo" typeface="Microsoft JhengHei"/>
+        <a:font script="Java" typeface="Javanese Text"/>
+        <a:font script="Lisu" typeface="Segoe UI"/>
+        <a:font script="Mymr" typeface="Myanmar Text"/>
+        <a:font script="Nkoo" typeface="Ebrima"/>
+        <a:font script="Olck" typeface="Nirmala UI"/>
+        <a:font script="Osma" typeface="Ebrima"/>
+        <a:font script="Phag" typeface="Phagspa"/>
+        <a:font script="Syrn" typeface="Estrangelo Edessa"/>
+        <a:font script="Syrj" typeface="Estrangelo Edessa"/>
+        <a:font script="Syre" typeface="Estrangelo Edessa"/>
+        <a:font script="Sora" typeface="Nirmala UI"/>
+        <a:font script="Tale" typeface="Microsoft Tai Le"/>
+        <a:font script="Talu" typeface="Microsoft New Tai Lue"/>
+        <a:font script="Tfng" typeface="Ebrima"/>
+      </a:majorFont>
+      <a:minorFont>
+        <a:latin typeface="Aptos" panose="02110004020202020204"/>
+        <a:ea typeface=""/>
+        <a:cs typeface=""/>
+        <a:font script="Jpan" typeface="游ゴシック"/>
+        <a:font script="Hang" typeface="맑은 고딕"/>
+        <a:font script="Hans" typeface="等线"/>
+        <a:font script="Hant" typeface="新細明體"/>
+        <a:font script="Arab" typeface="Arial"/>
+        <a:font script="Hebr" typeface="Arial"/>
+        <a:font script="Thai" typeface="Cordia New"/>
+        <a:font script="Ethi" typeface="Nyala"/>
+        <a:font script="Beng" typeface="Vrinda"/>
+        <a:font script="Gujr" typeface="Shruti"/>
+        <a:font script="Khmr" typeface="DaunPenh"/>
+        <a:font script="Knda" typeface="Tunga"/>
+        <a:font script="Guru" typeface="Raavi"/>
+        <a:font script="Cans" typeface="Euphemia"/>
+        <a:font script="Cher" typeface="Plantagenet Cherokee"/>
+        <a:font script="Yiii" typeface="Microsoft Yi Baiti"/>
+        <a:font script="Tibt" typeface="Microsoft Himalaya"/>
+        <a:font script="Thaa" typeface="MV Boli"/>
+        <a:font script="Deva" typeface="Mangal"/>
+        <a:font script="Telu" typeface="Gautami"/>
+        <a:font script="Taml" typeface="Latha"/>
+        <a:font script="Syrc" typeface="Estrangelo Edessa"/>
+        <a:font script="Orya" typeface="Kalinga"/>
+        <a:font script="Mlym" typeface="Kartika"/>
+        <a:font script="Laoo" typeface="DokChampa"/>
+        <a:font script="Sinh" typeface="Iskoola Pota"/>
+        <a:font script="Mong" typeface="Mongolian Baiti"/>
+        <a:font script="Viet" typeface="Arial"/>
+        <a:font script="Uigh" typeface="Microsoft Uighur"/>
+        <a:font script="Geor" typeface="Sylfaen"/>
+        <a:font script="Armn" typeface="Arial"/>
+        <a:font script="Bugi" typeface="Leelawadee UI"/>
+        <a:font script="Bopo" typeface="Microsoft JhengHei"/>
+        <a:font script="Java" typeface="Javanese Text"/>
+        <a:font script="Lisu" typeface="Segoe UI"/>
+        <a:font script="Mymr" typeface="Myanmar Text"/>
+        <a:font script="Nkoo" typeface="Ebrima"/>
+        <a:font script="Olck" typeface="Nirmala UI"/>
+        <a:font script="Osma" typeface="Ebrima"/>
+        <a:font script="Phag" typeface="Phagspa"/>
+        <a:font script="Syrn" typeface="Estrangelo Edessa"/>
+        <a:font script="Syrj" typeface="Estrangelo Edessa"/>
+        <a:font script="Syre" typeface="Estrangelo Edessa"/>
+        <a:font script="Sora" typeface="Nirmala UI"/>
+        <a:font script="Tale" typeface="Microsoft Tai Le"/>
+        <a:font script="Talu" typeface="Microsoft New Tai Lue"/>
+        <a:font script="Tfng" typeface="Ebrima"/>
+      </a:minorFont>
+    </a:fontScheme>
+    <a:fmtScheme name="Office">
+      <a:fillStyleLst>
+        <a:solidFill>
+          <a:schemeClr val="phClr"/>
+        </a:solidFill>
+        <a:gradFill rotWithShape="1">
+          <a:gsLst>
+            <a:gs pos="0">
+              <a:schemeClr val="phClr">
+                <a:lumMod val="110000"/>
+                <a:satMod val="105000"/>
+                <a:tint val="67000"/>
+              </a:schemeClr>
+            </a:gs>
+            <a:gs pos="50000">
+              <a:schemeClr val="phClr">
+                <a:lumMod val="105000"/>
+                <a:satMod val="103000"/>
+                <a:tint val="73000"/>
+              </a:schemeClr>
+            </a:gs>
+            <a:gs pos="100000">
+              <a:schemeClr val="phClr">
+                <a:lumMod val="105000"/>
+                <a:satMod val="109000"/>
+                <a:tint val="81000"/>
+              </a:schemeClr>
+            </a:gs>
+          </a:gsLst>
+          <a:lin ang="5400000" scaled="0"/>
+        </a:gradFill>
+        <a:gradFill rotWithShape="1">
+          <a:gsLst>
+            <a:gs pos="0">
+              <a:schemeClr val="phClr">
+                <a:satMod val="103000"/>
+                <a:lumMod val="102000"/>
+                <a:tint val="94000"/>
+              </a:schemeClr>
+            </a:gs>
+            <a:gs pos="50000">
+              <a:schemeClr val="phClr">
+                <a:satMod val="110000"/>
+                <a:lumMod val="100000"/>
+                <a:shade val="100000"/>
+              </a:schemeClr>
+            </a:gs>
+            <a:gs pos="100000">
+              <a:schemeClr val="phClr">
+                <a:lumMod val="99000"/>
+                <a:satMod val="120000"/>
+                <a:shade val="78000"/>
+              </a:schemeClr>
+            </a:gs>
+          </a:gsLst>
+          <a:lin ang="5400000" scaled="0"/>
+        </a:gradFill>
+      </a:fillStyleLst>
+      <a:lnStyleLst>
+        <a:ln w="12700" cap="flat" cmpd="sng" algn="ctr">
+          <a:solidFill>
+            <a:schemeClr val="phClr"/>
+          </a:solidFill>
+          <a:prstDash val="solid"/>
+          <a:miter lim="800000"/>
+        </a:ln>
+        <a:ln w="19050" cap="flat" cmpd="sng" algn="ctr">
+          <a:solidFill>
+            <a:schemeClr val="phClr"/>
+          </a:solidFill>
+          <a:prstDash val="solid"/>
+          <a:miter lim="800000"/>
+        </a:ln>
+        <a:ln w="25400" cap="flat" cmpd="sng" algn="ctr">
+          <a:solidFill>
+            <a:schemeClr val="phClr"/>
+          </a:solidFill>
+          <a:prstDash val="solid"/>
+          <a:miter lim="800000"/>
+        </a:ln>
+      </a:lnStyleLst>
+      <a:effectStyleLst>
+        <a:effectStyle>
+          <a:effectLst/>
+        </a:effectStyle>
+        <a:effectStyle>
+          <a:effectLst/>
+        </a:effectStyle>
+        <a:effectStyle>
+          <a:effectLst>
+            <a:outerShdw blurRad="57150" dist="19050" dir="5400000" algn="ctr" rotWithShape="0">
+              <a:srgbClr val="000000">
+                <a:alpha val="63000"/>
+              </a:srgbClr>
+            </a:outerShdw>
+          </a:effectLst>
+        </a:effectStyle>
+      </a:effectStyleLst>
+      <a:bgFillStyleLst>
+        <a:solidFill>
+          <a:schemeClr val="phClr"/>
+        </a:solidFill>
+        <a:solidFill>
+          <a:schemeClr val="phClr">
+            <a:tint val="95000"/>
+            <a:satMod val="170000"/>
+          </a:schemeClr>
+        </a:solidFill>
+        <a:gradFill rotWithShape="1">
+          <a:gsLst>
+            <a:gs pos="0">
+              <a:schemeClr val="phClr">
+                <a:tint val="93000"/>
+                <a:satMod val="150000"/>
+                <a:shade val="98000"/>
+                <a:lumMod val="102000"/>
+              </a:schemeClr>
+            </a:gs>
+            <a:gs pos="50000">
+              <a:schemeClr val="phClr">
+                <a:tint val="98000"/>
+                <a:satMod val="130000"/>
+                <a:shade val="90000"/>
+                <a:lumMod val="103000"/>
+              </a:schemeClr>
+            </a:gs>
+            <a:gs pos="100000">
+              <a:schemeClr val="phClr">
+                <a:shade val="63000"/>
+                <a:satMod val="120000"/>
+              </a:schemeClr>
+            </a:gs>
+          </a:gsLst>
+          <a:lin ang="5400000" scaled="0"/>
+        </a:gradFill>
+      </a:bgFillStyleLst>
+    </a:fmtScheme>
+  </a:themeElements>
+  <a:objectDefaults>
+    <a:lnDef>
+      <a:spPr/>
+      <a:bodyPr/>
+      <a:lstStyle/>
+      <a:style>
+        <a:lnRef idx="2">
+          <a:schemeClr val="accent1"/>
+        </a:lnRef>
+        <a:fillRef idx="0">
+          <a:schemeClr val="accent1"/>
+        </a:fillRef>
+        <a:effectRef idx="1">
+          <a:schemeClr val="accent1"/>
+        </a:effectRef>
+        <a:fontRef idx="minor">
+          <a:schemeClr val="tx1"/>
+        </a:fontRef>
+      </a:style>
+    </a:lnDef>
+  </a:objectDefaults>
+  <a:extraClrSchemeLst/>
+  <a:extLst>
+    <a:ext uri="{05A4C25C-085E-4340-85A3-A5531E510DB2}">
+      <thm15:themeFamily xmlns:thm15="http://schemas.microsoft.com/office/thememl/2012/main" name="Office Theme" id="{2E142A2C-CD16-42D6-873A-C26D2A0506FA}" vid="{1BDDFF52-6CD6-40A5-AB3C-68EB2F1E4D0A}"/>
+    </a:ext>
+  </a:extLst>
+</a:theme>
 </file>
--- a/SSELaticeAttackFerrara.pptx
+++ b/SSELaticeAttackFerrara.pptx
@@ -5,10 +5,10 @@
     <p:sldMasterId id="2147483648" r:id="rId1"/>
   </p:sldMasterIdLst>
   <p:notesMasterIdLst>
-    <p:notesMasterId r:id="rId29"/>
+    <p:notesMasterId r:id="rId39"/>
   </p:notesMasterIdLst>
   <p:handoutMasterIdLst>
-    <p:handoutMasterId r:id="rId30"/>
+    <p:handoutMasterId r:id="rId40"/>
   </p:handoutMasterIdLst>
   <p:sldIdLst>
     <p:sldId id="256" r:id="rId2"/>
@@ -19,25 +19,35 @@
     <p:sldId id="284" r:id="rId7"/>
     <p:sldId id="262" r:id="rId8"/>
     <p:sldId id="263" r:id="rId9"/>
-    <p:sldId id="264" r:id="rId10"/>
-    <p:sldId id="259" r:id="rId11"/>
-    <p:sldId id="260" r:id="rId12"/>
-    <p:sldId id="272" r:id="rId13"/>
-    <p:sldId id="275" r:id="rId14"/>
-    <p:sldId id="276" r:id="rId15"/>
-    <p:sldId id="285" r:id="rId16"/>
-    <p:sldId id="277" r:id="rId17"/>
-    <p:sldId id="279" r:id="rId18"/>
-    <p:sldId id="278" r:id="rId19"/>
-    <p:sldId id="266" r:id="rId20"/>
-    <p:sldId id="273" r:id="rId21"/>
-    <p:sldId id="267" r:id="rId22"/>
-    <p:sldId id="268" r:id="rId23"/>
-    <p:sldId id="280" r:id="rId24"/>
-    <p:sldId id="281" r:id="rId25"/>
-    <p:sldId id="269" r:id="rId26"/>
-    <p:sldId id="271" r:id="rId27"/>
-    <p:sldId id="270" r:id="rId28"/>
+    <p:sldId id="286" r:id="rId10"/>
+    <p:sldId id="287" r:id="rId11"/>
+    <p:sldId id="289" r:id="rId12"/>
+    <p:sldId id="288" r:id="rId13"/>
+    <p:sldId id="290" r:id="rId14"/>
+    <p:sldId id="264" r:id="rId15"/>
+    <p:sldId id="291" r:id="rId16"/>
+    <p:sldId id="292" r:id="rId17"/>
+    <p:sldId id="293" r:id="rId18"/>
+    <p:sldId id="294" r:id="rId19"/>
+    <p:sldId id="259" r:id="rId20"/>
+    <p:sldId id="260" r:id="rId21"/>
+    <p:sldId id="272" r:id="rId22"/>
+    <p:sldId id="295" r:id="rId23"/>
+    <p:sldId id="275" r:id="rId24"/>
+    <p:sldId id="276" r:id="rId25"/>
+    <p:sldId id="285" r:id="rId26"/>
+    <p:sldId id="277" r:id="rId27"/>
+    <p:sldId id="279" r:id="rId28"/>
+    <p:sldId id="278" r:id="rId29"/>
+    <p:sldId id="266" r:id="rId30"/>
+    <p:sldId id="273" r:id="rId31"/>
+    <p:sldId id="267" r:id="rId32"/>
+    <p:sldId id="268" r:id="rId33"/>
+    <p:sldId id="280" r:id="rId34"/>
+    <p:sldId id="281" r:id="rId35"/>
+    <p:sldId id="269" r:id="rId36"/>
+    <p:sldId id="296" r:id="rId37"/>
+    <p:sldId id="270" r:id="rId38"/>
   </p:sldIdLst>
   <p:sldSz cx="12192000" cy="6858000"/>
   <p:notesSz cx="6858000" cy="9144000"/>
@@ -238,7 +248,7 @@
           <a:p>
             <a:fld id="{E119955A-8F8B-4836-9D5D-75BC53B05DFA}" type="datetimeFigureOut">
               <a:rPr lang="fr-CH" smtClean="0"/>
-              <a:t>13.03.2025</a:t>
+              <a:t>14.03.2025</a:t>
             </a:fld>
             <a:endParaRPr lang="fr-CH"/>
           </a:p>
@@ -415,7 +425,7 @@
           <a:p>
             <a:fld id="{4B7F84FC-00BA-4296-9B1E-E241E38FBA94}" type="datetimeFigureOut">
               <a:rPr lang="fr-CH" smtClean="0"/>
-              <a:t>13.03.2025</a:t>
+              <a:t>14.03.2025</a:t>
             </a:fld>
             <a:endParaRPr lang="fr-CH"/>
           </a:p>
@@ -832,7 +842,7 @@
           <a:p>
             <a:fld id="{F57DD76F-4C7B-46A7-B9DC-35AD90C344BA}" type="datetimeFigureOut">
               <a:rPr lang="fr-CH" smtClean="0"/>
-              <a:t>13.03.2025</a:t>
+              <a:t>14.03.2025</a:t>
             </a:fld>
             <a:endParaRPr lang="fr-CH"/>
           </a:p>
@@ -1032,7 +1042,7 @@
           <a:p>
             <a:fld id="{F57DD76F-4C7B-46A7-B9DC-35AD90C344BA}" type="datetimeFigureOut">
               <a:rPr lang="fr-CH" smtClean="0"/>
-              <a:t>13.03.2025</a:t>
+              <a:t>14.03.2025</a:t>
             </a:fld>
             <a:endParaRPr lang="fr-CH"/>
           </a:p>
@@ -1242,7 +1252,7 @@
           <a:p>
             <a:fld id="{F57DD76F-4C7B-46A7-B9DC-35AD90C344BA}" type="datetimeFigureOut">
               <a:rPr lang="fr-CH" smtClean="0"/>
-              <a:t>13.03.2025</a:t>
+              <a:t>14.03.2025</a:t>
             </a:fld>
             <a:endParaRPr lang="fr-CH"/>
           </a:p>
@@ -1442,7 +1452,7 @@
           <a:p>
             <a:fld id="{F57DD76F-4C7B-46A7-B9DC-35AD90C344BA}" type="datetimeFigureOut">
               <a:rPr lang="fr-CH" smtClean="0"/>
-              <a:t>13.03.2025</a:t>
+              <a:t>14.03.2025</a:t>
             </a:fld>
             <a:endParaRPr lang="fr-CH"/>
           </a:p>
@@ -1718,7 +1728,7 @@
           <a:p>
             <a:fld id="{F57DD76F-4C7B-46A7-B9DC-35AD90C344BA}" type="datetimeFigureOut">
               <a:rPr lang="fr-CH" smtClean="0"/>
-              <a:t>13.03.2025</a:t>
+              <a:t>14.03.2025</a:t>
             </a:fld>
             <a:endParaRPr lang="fr-CH"/>
           </a:p>
@@ -1986,7 +1996,7 @@
           <a:p>
             <a:fld id="{F57DD76F-4C7B-46A7-B9DC-35AD90C344BA}" type="datetimeFigureOut">
               <a:rPr lang="fr-CH" smtClean="0"/>
-              <a:t>13.03.2025</a:t>
+              <a:t>14.03.2025</a:t>
             </a:fld>
             <a:endParaRPr lang="fr-CH"/>
           </a:p>
@@ -2401,7 +2411,7 @@
           <a:p>
             <a:fld id="{F57DD76F-4C7B-46A7-B9DC-35AD90C344BA}" type="datetimeFigureOut">
               <a:rPr lang="fr-CH" smtClean="0"/>
-              <a:t>13.03.2025</a:t>
+              <a:t>14.03.2025</a:t>
             </a:fld>
             <a:endParaRPr lang="fr-CH"/>
           </a:p>
@@ -2543,7 +2553,7 @@
           <a:p>
             <a:fld id="{F57DD76F-4C7B-46A7-B9DC-35AD90C344BA}" type="datetimeFigureOut">
               <a:rPr lang="fr-CH" smtClean="0"/>
-              <a:t>13.03.2025</a:t>
+              <a:t>14.03.2025</a:t>
             </a:fld>
             <a:endParaRPr lang="fr-CH"/>
           </a:p>
@@ -2656,7 +2666,7 @@
           <a:p>
             <a:fld id="{F57DD76F-4C7B-46A7-B9DC-35AD90C344BA}" type="datetimeFigureOut">
               <a:rPr lang="fr-CH" smtClean="0"/>
-              <a:t>13.03.2025</a:t>
+              <a:t>14.03.2025</a:t>
             </a:fld>
             <a:endParaRPr lang="fr-CH"/>
           </a:p>
@@ -2969,7 +2979,7 @@
           <a:p>
             <a:fld id="{F57DD76F-4C7B-46A7-B9DC-35AD90C344BA}" type="datetimeFigureOut">
               <a:rPr lang="fr-CH" smtClean="0"/>
-              <a:t>13.03.2025</a:t>
+              <a:t>14.03.2025</a:t>
             </a:fld>
             <a:endParaRPr lang="fr-CH"/>
           </a:p>
@@ -3258,7 +3268,7 @@
           <a:p>
             <a:fld id="{F57DD76F-4C7B-46A7-B9DC-35AD90C344BA}" type="datetimeFigureOut">
               <a:rPr lang="fr-CH" smtClean="0"/>
-              <a:t>13.03.2025</a:t>
+              <a:t>14.03.2025</a:t>
             </a:fld>
             <a:endParaRPr lang="fr-CH"/>
           </a:p>
@@ -3501,7 +3511,7 @@
           <a:p>
             <a:fld id="{F57DD76F-4C7B-46A7-B9DC-35AD90C344BA}" type="datetimeFigureOut">
               <a:rPr lang="fr-CH" smtClean="0"/>
-              <a:t>13.03.2025</a:t>
+              <a:t>14.03.2025</a:t>
             </a:fld>
             <a:endParaRPr lang="fr-CH"/>
           </a:p>
@@ -3997,6 +4007,1224 @@
   <p:cSld>
     <p:spTree>
       <p:nvGrpSpPr>
+        <p:cNvPr id="1" name="">
+          <a:extLst>
+            <a:ext uri="{FF2B5EF4-FFF2-40B4-BE49-F238E27FC236}">
+              <a16:creationId xmlns:a16="http://schemas.microsoft.com/office/drawing/2014/main" id="{8FEBB08C-9689-2E79-B597-E1715884D75B}"/>
+            </a:ext>
+          </a:extLst>
+        </p:cNvPr>
+        <p:cNvGrpSpPr/>
+        <p:nvPr/>
+      </p:nvGrpSpPr>
+      <p:grpSpPr>
+        <a:xfrm>
+          <a:off x="0" y="0"/>
+          <a:ext cx="0" cy="0"/>
+          <a:chOff x="0" y="0"/>
+          <a:chExt cx="0" cy="0"/>
+        </a:xfrm>
+      </p:grpSpPr>
+      <p:sp>
+        <p:nvSpPr>
+          <p:cNvPr id="2" name="Titre 1">
+            <a:extLst>
+              <a:ext uri="{FF2B5EF4-FFF2-40B4-BE49-F238E27FC236}">
+                <a16:creationId xmlns:a16="http://schemas.microsoft.com/office/drawing/2014/main" id="{D25B67F9-33DA-7AB0-C366-F2532DE6901A}"/>
+              </a:ext>
+            </a:extLst>
+          </p:cNvPr>
+          <p:cNvSpPr>
+            <a:spLocks noGrp="1"/>
+          </p:cNvSpPr>
+          <p:nvPr>
+            <p:ph type="title"/>
+          </p:nvPr>
+        </p:nvSpPr>
+        <p:spPr/>
+        <p:txBody>
+          <a:bodyPr/>
+          <a:lstStyle/>
+          <a:p>
+            <a:r>
+              <a:rPr lang="fr-CH" dirty="0"/>
+              <a:t>SSH</a:t>
+            </a:r>
+          </a:p>
+        </p:txBody>
+      </p:sp>
+      <p:sp>
+        <p:nvSpPr>
+          <p:cNvPr id="3" name="Espace réservé du contenu 2">
+            <a:extLst>
+              <a:ext uri="{FF2B5EF4-FFF2-40B4-BE49-F238E27FC236}">
+                <a16:creationId xmlns:a16="http://schemas.microsoft.com/office/drawing/2014/main" id="{42D4C7D7-10D6-90D5-F71C-BC5DCD2CDB72}"/>
+              </a:ext>
+            </a:extLst>
+          </p:cNvPr>
+          <p:cNvSpPr>
+            <a:spLocks noGrp="1"/>
+          </p:cNvSpPr>
+          <p:nvPr>
+            <p:ph idx="1"/>
+          </p:nvPr>
+        </p:nvSpPr>
+        <p:spPr/>
+        <p:txBody>
+          <a:bodyPr/>
+          <a:lstStyle/>
+          <a:p>
+            <a:pPr marL="514350" indent="-514350">
+              <a:buFont typeface="+mj-lt"/>
+              <a:buAutoNum type="arabicPeriod"/>
+            </a:pPr>
+            <a:r>
+              <a:rPr lang="fr-CH" dirty="0"/>
+              <a:t>Connection du client</a:t>
+            </a:r>
+          </a:p>
+          <a:p>
+            <a:pPr marL="514350" indent="-514350">
+              <a:buFont typeface="+mj-lt"/>
+              <a:buAutoNum type="arabicPeriod"/>
+            </a:pPr>
+            <a:r>
+              <a:rPr lang="fr-CH" dirty="0"/>
+              <a:t>Négociation des algorithmes</a:t>
+            </a:r>
+          </a:p>
+          <a:p>
+            <a:pPr marL="514350" indent="-514350">
+              <a:buFont typeface="+mj-lt"/>
+              <a:buAutoNum type="arabicPeriod"/>
+            </a:pPr>
+            <a:r>
+              <a:rPr lang="fr-CH" dirty="0"/>
+              <a:t>Échange </a:t>
+            </a:r>
+            <a:r>
+              <a:rPr lang="fr-CH" dirty="0" err="1"/>
+              <a:t>Diffie</a:t>
+            </a:r>
+            <a:r>
+              <a:rPr lang="fr-CH" dirty="0"/>
+              <a:t>-Hellman</a:t>
+            </a:r>
+          </a:p>
+          <a:p>
+            <a:pPr marL="514350" indent="-514350">
+              <a:buFont typeface="+mj-lt"/>
+              <a:buAutoNum type="arabicPeriod"/>
+            </a:pPr>
+            <a:r>
+              <a:rPr lang="fr-CH" dirty="0"/>
+              <a:t>Le serveur </a:t>
+            </a:r>
+            <a:r>
+              <a:rPr lang="fr-CH" dirty="0">
+                <a:highlight>
+                  <a:srgbClr val="FF0000"/>
+                </a:highlight>
+              </a:rPr>
+              <a:t>signe le D-H</a:t>
+            </a:r>
+            <a:r>
+              <a:rPr lang="fr-CH" dirty="0"/>
+              <a:t>, les </a:t>
+            </a:r>
+            <a:r>
+              <a:rPr lang="fr-CH" dirty="0" err="1"/>
+              <a:t>cipher</a:t>
+            </a:r>
+            <a:r>
+              <a:rPr lang="fr-CH" dirty="0"/>
+              <a:t> suites, </a:t>
+            </a:r>
+            <a:r>
+              <a:rPr lang="fr-CH" dirty="0" err="1"/>
+              <a:t>l’id</a:t>
+            </a:r>
+            <a:r>
+              <a:rPr lang="fr-CH" dirty="0"/>
+              <a:t> client et serveur</a:t>
+            </a:r>
+          </a:p>
+          <a:p>
+            <a:pPr marL="514350" indent="-514350">
+              <a:buFont typeface="+mj-lt"/>
+              <a:buAutoNum type="arabicPeriod"/>
+            </a:pPr>
+            <a:r>
+              <a:rPr lang="fr-CH" dirty="0">
+                <a:highlight>
+                  <a:srgbClr val="FF0000"/>
+                </a:highlight>
+              </a:rPr>
+              <a:t>Signature envoyée en clair</a:t>
+            </a:r>
+          </a:p>
+          <a:p>
+            <a:pPr marL="514350" indent="-514350">
+              <a:buFont typeface="+mj-lt"/>
+              <a:buAutoNum type="arabicPeriod"/>
+            </a:pPr>
+            <a:r>
+              <a:rPr lang="fr-CH" dirty="0"/>
+              <a:t>Établissement du canal chiffré</a:t>
+            </a:r>
+          </a:p>
+          <a:p>
+            <a:pPr marL="514350" indent="-514350">
+              <a:buFont typeface="+mj-lt"/>
+              <a:buAutoNum type="arabicPeriod"/>
+            </a:pPr>
+            <a:r>
+              <a:rPr lang="fr-CH" dirty="0"/>
+              <a:t>Authentification du client</a:t>
+            </a:r>
+          </a:p>
+        </p:txBody>
+      </p:sp>
+    </p:spTree>
+    <p:extLst>
+      <p:ext uri="{BB962C8B-B14F-4D97-AF65-F5344CB8AC3E}">
+        <p14:creationId xmlns:p14="http://schemas.microsoft.com/office/powerpoint/2010/main" val="2788393243"/>
+      </p:ext>
+    </p:extLst>
+  </p:cSld>
+  <p:clrMapOvr>
+    <a:masterClrMapping/>
+  </p:clrMapOvr>
+</p:sld>
+</file>
+
+<file path=ppt/slides/slide11.xml><?xml version="1.0" encoding="utf-8"?>
+<p:sld xmlns:a="http://schemas.openxmlformats.org/drawingml/2006/main" xmlns:r="http://schemas.openxmlformats.org/officeDocument/2006/relationships" xmlns:p="http://schemas.openxmlformats.org/presentationml/2006/main">
+  <p:cSld>
+    <p:spTree>
+      <p:nvGrpSpPr>
+        <p:cNvPr id="1" name="">
+          <a:extLst>
+            <a:ext uri="{FF2B5EF4-FFF2-40B4-BE49-F238E27FC236}">
+              <a16:creationId xmlns:a16="http://schemas.microsoft.com/office/drawing/2014/main" id="{2A358365-71B6-3E17-2DED-41864C4E34F6}"/>
+            </a:ext>
+          </a:extLst>
+        </p:cNvPr>
+        <p:cNvGrpSpPr/>
+        <p:nvPr/>
+      </p:nvGrpSpPr>
+      <p:grpSpPr>
+        <a:xfrm>
+          <a:off x="0" y="0"/>
+          <a:ext cx="0" cy="0"/>
+          <a:chOff x="0" y="0"/>
+          <a:chExt cx="0" cy="0"/>
+        </a:xfrm>
+      </p:grpSpPr>
+      <p:sp>
+        <p:nvSpPr>
+          <p:cNvPr id="2" name="Titre 1">
+            <a:extLst>
+              <a:ext uri="{FF2B5EF4-FFF2-40B4-BE49-F238E27FC236}">
+                <a16:creationId xmlns:a16="http://schemas.microsoft.com/office/drawing/2014/main" id="{554B0484-BFF3-BBEC-9158-861CACD76F5A}"/>
+              </a:ext>
+            </a:extLst>
+          </p:cNvPr>
+          <p:cNvSpPr>
+            <a:spLocks noGrp="1"/>
+          </p:cNvSpPr>
+          <p:nvPr>
+            <p:ph type="title"/>
+          </p:nvPr>
+        </p:nvSpPr>
+        <p:spPr/>
+        <p:txBody>
+          <a:bodyPr/>
+          <a:lstStyle/>
+          <a:p>
+            <a:r>
+              <a:rPr lang="fr-CH" dirty="0"/>
+              <a:t>SSH - Authentification du client</a:t>
+            </a:r>
+          </a:p>
+        </p:txBody>
+      </p:sp>
+      <p:sp>
+        <p:nvSpPr>
+          <p:cNvPr id="3" name="Espace réservé du contenu 2">
+            <a:extLst>
+              <a:ext uri="{FF2B5EF4-FFF2-40B4-BE49-F238E27FC236}">
+                <a16:creationId xmlns:a16="http://schemas.microsoft.com/office/drawing/2014/main" id="{0E087414-4E46-A479-E2D6-0B07C1FC692C}"/>
+              </a:ext>
+            </a:extLst>
+          </p:cNvPr>
+          <p:cNvSpPr>
+            <a:spLocks noGrp="1"/>
+          </p:cNvSpPr>
+          <p:nvPr>
+            <p:ph idx="1"/>
+          </p:nvPr>
+        </p:nvSpPr>
+        <p:spPr/>
+        <p:txBody>
+          <a:bodyPr/>
+          <a:lstStyle/>
+          <a:p>
+            <a:r>
+              <a:rPr lang="fr-CH" dirty="0"/>
+              <a:t>Par mot de passe</a:t>
+            </a:r>
+          </a:p>
+          <a:p>
+            <a:pPr lvl="1"/>
+            <a:r>
+              <a:rPr lang="fr-CH" dirty="0"/>
+              <a:t>Mot de passe envoyé dans le canal chiffré</a:t>
+            </a:r>
+          </a:p>
+          <a:p>
+            <a:r>
+              <a:rPr lang="fr-CH" dirty="0"/>
+              <a:t>Par clé publique</a:t>
+            </a:r>
+          </a:p>
+          <a:p>
+            <a:pPr lvl="1"/>
+            <a:r>
+              <a:rPr lang="fr-CH" dirty="0"/>
+              <a:t>Le client signe l’identifiant de session</a:t>
+            </a:r>
+          </a:p>
+          <a:p>
+            <a:endParaRPr lang="fr-CH" dirty="0"/>
+          </a:p>
+        </p:txBody>
+      </p:sp>
+    </p:spTree>
+    <p:extLst>
+      <p:ext uri="{BB962C8B-B14F-4D97-AF65-F5344CB8AC3E}">
+        <p14:creationId xmlns:p14="http://schemas.microsoft.com/office/powerpoint/2010/main" val="1770220696"/>
+      </p:ext>
+    </p:extLst>
+  </p:cSld>
+  <p:clrMapOvr>
+    <a:masterClrMapping/>
+  </p:clrMapOvr>
+</p:sld>
+</file>
+
+<file path=ppt/slides/slide12.xml><?xml version="1.0" encoding="utf-8"?>
+<p:sld xmlns:a="http://schemas.openxmlformats.org/drawingml/2006/main" xmlns:r="http://schemas.openxmlformats.org/officeDocument/2006/relationships" xmlns:p="http://schemas.openxmlformats.org/presentationml/2006/main">
+  <p:cSld>
+    <p:spTree>
+      <p:nvGrpSpPr>
+        <p:cNvPr id="1" name="">
+          <a:extLst>
+            <a:ext uri="{FF2B5EF4-FFF2-40B4-BE49-F238E27FC236}">
+              <a16:creationId xmlns:a16="http://schemas.microsoft.com/office/drawing/2014/main" id="{64503590-0CF4-EEDD-8A0D-E4382E745E15}"/>
+            </a:ext>
+          </a:extLst>
+        </p:cNvPr>
+        <p:cNvGrpSpPr/>
+        <p:nvPr/>
+      </p:nvGrpSpPr>
+      <p:grpSpPr>
+        <a:xfrm>
+          <a:off x="0" y="0"/>
+          <a:ext cx="0" cy="0"/>
+          <a:chOff x="0" y="0"/>
+          <a:chExt cx="0" cy="0"/>
+        </a:xfrm>
+      </p:grpSpPr>
+      <p:sp>
+        <p:nvSpPr>
+          <p:cNvPr id="2" name="Titre 1">
+            <a:extLst>
+              <a:ext uri="{FF2B5EF4-FFF2-40B4-BE49-F238E27FC236}">
+                <a16:creationId xmlns:a16="http://schemas.microsoft.com/office/drawing/2014/main" id="{FF110354-8EE4-2F91-51C4-7F200A1AEBBB}"/>
+              </a:ext>
+            </a:extLst>
+          </p:cNvPr>
+          <p:cNvSpPr>
+            <a:spLocks noGrp="1"/>
+          </p:cNvSpPr>
+          <p:nvPr>
+            <p:ph type="title"/>
+          </p:nvPr>
+        </p:nvSpPr>
+        <p:spPr/>
+        <p:txBody>
+          <a:bodyPr/>
+          <a:lstStyle/>
+          <a:p>
+            <a:r>
+              <a:rPr lang="fr-CH" dirty="0"/>
+              <a:t>SSH - Algorithmes</a:t>
+            </a:r>
+          </a:p>
+        </p:txBody>
+      </p:sp>
+      <p:sp>
+        <p:nvSpPr>
+          <p:cNvPr id="3" name="Espace réservé du contenu 2">
+            <a:extLst>
+              <a:ext uri="{FF2B5EF4-FFF2-40B4-BE49-F238E27FC236}">
+                <a16:creationId xmlns:a16="http://schemas.microsoft.com/office/drawing/2014/main" id="{749DA74E-0EF4-F4F2-93CA-D49F893029A6}"/>
+              </a:ext>
+            </a:extLst>
+          </p:cNvPr>
+          <p:cNvSpPr>
+            <a:spLocks noGrp="1"/>
+          </p:cNvSpPr>
+          <p:nvPr>
+            <p:ph idx="1"/>
+          </p:nvPr>
+        </p:nvSpPr>
+        <p:spPr/>
+        <p:txBody>
+          <a:bodyPr/>
+          <a:lstStyle/>
+          <a:p>
+            <a:r>
+              <a:rPr lang="fr-CH" dirty="0"/>
+              <a:t>Échange des clés :</a:t>
+            </a:r>
+          </a:p>
+          <a:p>
+            <a:pPr lvl="1"/>
+            <a:r>
+              <a:rPr lang="fr-CH" dirty="0"/>
+              <a:t>D-H</a:t>
+            </a:r>
+          </a:p>
+          <a:p>
+            <a:pPr lvl="1"/>
+            <a:r>
+              <a:rPr lang="fr-CH" dirty="0"/>
+              <a:t>ECDH</a:t>
+            </a:r>
+          </a:p>
+          <a:p>
+            <a:pPr lvl="1"/>
+            <a:r>
+              <a:rPr lang="fr-CH" dirty="0"/>
+              <a:t>RSA</a:t>
+            </a:r>
+          </a:p>
+          <a:p>
+            <a:r>
+              <a:rPr lang="fr-CH" dirty="0"/>
+              <a:t>Signatures</a:t>
+            </a:r>
+          </a:p>
+          <a:p>
+            <a:pPr lvl="1"/>
+            <a:r>
+              <a:rPr lang="fr-CH" dirty="0"/>
+              <a:t>DSA</a:t>
+            </a:r>
+          </a:p>
+          <a:p>
+            <a:pPr lvl="1"/>
+            <a:r>
+              <a:rPr lang="fr-CH" dirty="0"/>
+              <a:t>RSA</a:t>
+            </a:r>
+          </a:p>
+          <a:p>
+            <a:pPr lvl="1"/>
+            <a:r>
+              <a:rPr lang="fr-CH" dirty="0"/>
+              <a:t>ECDSA</a:t>
+            </a:r>
+          </a:p>
+          <a:p>
+            <a:pPr lvl="1"/>
+            <a:r>
+              <a:rPr lang="fr-CH" dirty="0" err="1"/>
+              <a:t>EdDSA</a:t>
+            </a:r>
+            <a:r>
+              <a:rPr lang="fr-CH" dirty="0"/>
+              <a:t> (Ed25519)</a:t>
+            </a:r>
+          </a:p>
+        </p:txBody>
+      </p:sp>
+    </p:spTree>
+    <p:extLst>
+      <p:ext uri="{BB962C8B-B14F-4D97-AF65-F5344CB8AC3E}">
+        <p14:creationId xmlns:p14="http://schemas.microsoft.com/office/powerpoint/2010/main" val="3258015085"/>
+      </p:ext>
+    </p:extLst>
+  </p:cSld>
+  <p:clrMapOvr>
+    <a:masterClrMapping/>
+  </p:clrMapOvr>
+</p:sld>
+</file>
+
+<file path=ppt/slides/slide13.xml><?xml version="1.0" encoding="utf-8"?>
+<p:sld xmlns:a="http://schemas.openxmlformats.org/drawingml/2006/main" xmlns:r="http://schemas.openxmlformats.org/officeDocument/2006/relationships" xmlns:p="http://schemas.openxmlformats.org/presentationml/2006/main">
+  <p:cSld>
+    <p:spTree>
+      <p:nvGrpSpPr>
+        <p:cNvPr id="1" name=""/>
+        <p:cNvGrpSpPr/>
+        <p:nvPr/>
+      </p:nvGrpSpPr>
+      <p:grpSpPr>
+        <a:xfrm>
+          <a:off x="0" y="0"/>
+          <a:ext cx="0" cy="0"/>
+          <a:chOff x="0" y="0"/>
+          <a:chExt cx="0" cy="0"/>
+        </a:xfrm>
+      </p:grpSpPr>
+      <p:sp>
+        <p:nvSpPr>
+          <p:cNvPr id="2" name="Titre 1">
+            <a:extLst>
+              <a:ext uri="{FF2B5EF4-FFF2-40B4-BE49-F238E27FC236}">
+                <a16:creationId xmlns:a16="http://schemas.microsoft.com/office/drawing/2014/main" id="{DA51DFA0-5BE4-B64A-0E12-60C67E03E6AE}"/>
+              </a:ext>
+            </a:extLst>
+          </p:cNvPr>
+          <p:cNvSpPr>
+            <a:spLocks noGrp="1"/>
+          </p:cNvSpPr>
+          <p:nvPr>
+            <p:ph type="title"/>
+          </p:nvPr>
+        </p:nvSpPr>
+        <p:spPr/>
+        <p:txBody>
+          <a:bodyPr/>
+          <a:lstStyle/>
+          <a:p>
+            <a:r>
+              <a:rPr lang="fr-CH" dirty="0"/>
+              <a:t>SSH – Compromission clé de signature</a:t>
+            </a:r>
+          </a:p>
+        </p:txBody>
+      </p:sp>
+      <p:sp>
+        <p:nvSpPr>
+          <p:cNvPr id="3" name="Espace réservé du contenu 2">
+            <a:extLst>
+              <a:ext uri="{FF2B5EF4-FFF2-40B4-BE49-F238E27FC236}">
+                <a16:creationId xmlns:a16="http://schemas.microsoft.com/office/drawing/2014/main" id="{CFA80786-5026-3D96-B0CB-131D9BA62B60}"/>
+              </a:ext>
+            </a:extLst>
+          </p:cNvPr>
+          <p:cNvSpPr>
+            <a:spLocks noGrp="1"/>
+          </p:cNvSpPr>
+          <p:nvPr>
+            <p:ph idx="1"/>
+          </p:nvPr>
+        </p:nvSpPr>
+        <p:spPr/>
+        <p:txBody>
+          <a:bodyPr/>
+          <a:lstStyle/>
+          <a:p>
+            <a:r>
+              <a:rPr lang="fr-CH" dirty="0"/>
+              <a:t>Attaques passives :</a:t>
+            </a:r>
+          </a:p>
+          <a:p>
+            <a:pPr lvl="1"/>
+            <a:r>
+              <a:rPr lang="fr-CH" dirty="0"/>
+              <a:t>-</a:t>
+            </a:r>
+          </a:p>
+          <a:p>
+            <a:r>
+              <a:rPr lang="fr-CH" dirty="0"/>
+              <a:t>Attaques actives</a:t>
+            </a:r>
+          </a:p>
+          <a:p>
+            <a:pPr lvl="1"/>
+            <a:r>
+              <a:rPr lang="fr-CH" dirty="0"/>
+              <a:t>Usurper l’identité du serveur</a:t>
+            </a:r>
+          </a:p>
+          <a:p>
+            <a:pPr lvl="1"/>
+            <a:r>
+              <a:rPr lang="fr-CH" dirty="0"/>
+              <a:t>Récupérer le mot de passe du client</a:t>
+            </a:r>
+          </a:p>
+          <a:p>
+            <a:pPr lvl="1"/>
+            <a:r>
+              <a:rPr lang="fr-CH" dirty="0"/>
+              <a:t>Man-in-the-Middle possible uniquement si authentification du client par mot de passe</a:t>
+            </a:r>
+          </a:p>
+          <a:p>
+            <a:pPr lvl="1"/>
+            <a:r>
+              <a:rPr lang="fr-CH" dirty="0"/>
+              <a:t>Récupérer les commandes envoyées par le client</a:t>
+            </a:r>
+          </a:p>
+        </p:txBody>
+      </p:sp>
+    </p:spTree>
+    <p:extLst>
+      <p:ext uri="{BB962C8B-B14F-4D97-AF65-F5344CB8AC3E}">
+        <p14:creationId xmlns:p14="http://schemas.microsoft.com/office/powerpoint/2010/main" val="2092251775"/>
+      </p:ext>
+    </p:extLst>
+  </p:cSld>
+  <p:clrMapOvr>
+    <a:masterClrMapping/>
+  </p:clrMapOvr>
+</p:sld>
+</file>
+
+<file path=ppt/slides/slide14.xml><?xml version="1.0" encoding="utf-8"?>
+<p:sld xmlns:a="http://schemas.openxmlformats.org/drawingml/2006/main" xmlns:r="http://schemas.openxmlformats.org/officeDocument/2006/relationships" xmlns:p="http://schemas.openxmlformats.org/presentationml/2006/main">
+  <p:cSld>
+    <p:spTree>
+      <p:nvGrpSpPr>
+        <p:cNvPr id="1" name=""/>
+        <p:cNvGrpSpPr/>
+        <p:nvPr/>
+      </p:nvGrpSpPr>
+      <p:grpSpPr>
+        <a:xfrm>
+          <a:off x="0" y="0"/>
+          <a:ext cx="0" cy="0"/>
+          <a:chOff x="0" y="0"/>
+          <a:chExt cx="0" cy="0"/>
+        </a:xfrm>
+      </p:grpSpPr>
+      <p:sp>
+        <p:nvSpPr>
+          <p:cNvPr id="2" name="Titre 1">
+            <a:extLst>
+              <a:ext uri="{FF2B5EF4-FFF2-40B4-BE49-F238E27FC236}">
+                <a16:creationId xmlns:a16="http://schemas.microsoft.com/office/drawing/2014/main" id="{C7AA97B4-9548-A3E1-F52D-BD36A09A7DA0}"/>
+              </a:ext>
+            </a:extLst>
+          </p:cNvPr>
+          <p:cNvSpPr>
+            <a:spLocks noGrp="1"/>
+          </p:cNvSpPr>
+          <p:nvPr>
+            <p:ph type="title"/>
+          </p:nvPr>
+        </p:nvSpPr>
+        <p:spPr/>
+        <p:txBody>
+          <a:bodyPr/>
+          <a:lstStyle/>
+          <a:p>
+            <a:r>
+              <a:rPr lang="fr-CH" dirty="0" err="1"/>
+              <a:t>IPsec</a:t>
+            </a:r>
+            <a:endParaRPr lang="fr-CH" dirty="0"/>
+          </a:p>
+        </p:txBody>
+      </p:sp>
+      <p:sp>
+        <p:nvSpPr>
+          <p:cNvPr id="3" name="Espace réservé du contenu 2">
+            <a:extLst>
+              <a:ext uri="{FF2B5EF4-FFF2-40B4-BE49-F238E27FC236}">
+                <a16:creationId xmlns:a16="http://schemas.microsoft.com/office/drawing/2014/main" id="{F0C10A8F-80FA-2A40-2959-EAF69F97A569}"/>
+              </a:ext>
+            </a:extLst>
+          </p:cNvPr>
+          <p:cNvSpPr>
+            <a:spLocks noGrp="1"/>
+          </p:cNvSpPr>
+          <p:nvPr>
+            <p:ph idx="1"/>
+          </p:nvPr>
+        </p:nvSpPr>
+        <p:spPr/>
+        <p:txBody>
+          <a:bodyPr/>
+          <a:lstStyle/>
+          <a:p>
+            <a:r>
+              <a:rPr lang="fr-CH" dirty="0"/>
+              <a:t>Principalement utilisé par des </a:t>
+            </a:r>
+            <a:r>
+              <a:rPr lang="fr-CH" dirty="0" err="1"/>
+              <a:t>VPNs</a:t>
+            </a:r>
+            <a:endParaRPr lang="fr-CH" dirty="0"/>
+          </a:p>
+          <a:p>
+            <a:r>
+              <a:rPr lang="fr-CH" dirty="0"/>
+              <a:t>2 versions majeures :</a:t>
+            </a:r>
+          </a:p>
+          <a:p>
+            <a:pPr lvl="1"/>
+            <a:r>
+              <a:rPr lang="fr-CH" dirty="0"/>
+              <a:t>IKEv1</a:t>
+            </a:r>
+          </a:p>
+          <a:p>
+            <a:pPr lvl="1"/>
+            <a:r>
+              <a:rPr lang="fr-CH" dirty="0"/>
+              <a:t>IKEv2</a:t>
+            </a:r>
+          </a:p>
+        </p:txBody>
+      </p:sp>
+    </p:spTree>
+    <p:extLst>
+      <p:ext uri="{BB962C8B-B14F-4D97-AF65-F5344CB8AC3E}">
+        <p14:creationId xmlns:p14="http://schemas.microsoft.com/office/powerpoint/2010/main" val="1917608397"/>
+      </p:ext>
+    </p:extLst>
+  </p:cSld>
+  <p:clrMapOvr>
+    <a:masterClrMapping/>
+  </p:clrMapOvr>
+</p:sld>
+</file>
+
+<file path=ppt/slides/slide15.xml><?xml version="1.0" encoding="utf-8"?>
+<p:sld xmlns:a="http://schemas.openxmlformats.org/drawingml/2006/main" xmlns:r="http://schemas.openxmlformats.org/officeDocument/2006/relationships" xmlns:p="http://schemas.openxmlformats.org/presentationml/2006/main">
+  <p:cSld>
+    <p:spTree>
+      <p:nvGrpSpPr>
+        <p:cNvPr id="1" name="">
+          <a:extLst>
+            <a:ext uri="{FF2B5EF4-FFF2-40B4-BE49-F238E27FC236}">
+              <a16:creationId xmlns:a16="http://schemas.microsoft.com/office/drawing/2014/main" id="{6D2040AB-2BD3-B0CE-D91C-46F12A498B9C}"/>
+            </a:ext>
+          </a:extLst>
+        </p:cNvPr>
+        <p:cNvGrpSpPr/>
+        <p:nvPr/>
+      </p:nvGrpSpPr>
+      <p:grpSpPr>
+        <a:xfrm>
+          <a:off x="0" y="0"/>
+          <a:ext cx="0" cy="0"/>
+          <a:chOff x="0" y="0"/>
+          <a:chExt cx="0" cy="0"/>
+        </a:xfrm>
+      </p:grpSpPr>
+      <p:sp>
+        <p:nvSpPr>
+          <p:cNvPr id="2" name="Titre 1">
+            <a:extLst>
+              <a:ext uri="{FF2B5EF4-FFF2-40B4-BE49-F238E27FC236}">
+                <a16:creationId xmlns:a16="http://schemas.microsoft.com/office/drawing/2014/main" id="{5312BF64-4E12-1ECF-5F0C-B5373F5BA825}"/>
+              </a:ext>
+            </a:extLst>
+          </p:cNvPr>
+          <p:cNvSpPr>
+            <a:spLocks noGrp="1"/>
+          </p:cNvSpPr>
+          <p:nvPr>
+            <p:ph type="title"/>
+          </p:nvPr>
+        </p:nvSpPr>
+        <p:spPr/>
+        <p:txBody>
+          <a:bodyPr/>
+          <a:lstStyle/>
+          <a:p>
+            <a:r>
+              <a:rPr lang="fr-CH"/>
+              <a:t>IPsec </a:t>
+            </a:r>
+            <a:r>
+              <a:rPr lang="fr-CH" dirty="0"/>
+              <a:t>- IKEv1</a:t>
+            </a:r>
+          </a:p>
+        </p:txBody>
+      </p:sp>
+      <p:sp>
+        <p:nvSpPr>
+          <p:cNvPr id="3" name="Espace réservé du contenu 2">
+            <a:extLst>
+              <a:ext uri="{FF2B5EF4-FFF2-40B4-BE49-F238E27FC236}">
+                <a16:creationId xmlns:a16="http://schemas.microsoft.com/office/drawing/2014/main" id="{C469015B-765E-AFB0-0247-5D8AD6366ABB}"/>
+              </a:ext>
+            </a:extLst>
+          </p:cNvPr>
+          <p:cNvSpPr>
+            <a:spLocks noGrp="1"/>
+          </p:cNvSpPr>
+          <p:nvPr>
+            <p:ph idx="1"/>
+          </p:nvPr>
+        </p:nvSpPr>
+        <p:spPr/>
+        <p:txBody>
+          <a:bodyPr/>
+          <a:lstStyle/>
+          <a:p>
+            <a:r>
+              <a:rPr lang="fr-CH" dirty="0"/>
+              <a:t>Authentification :</a:t>
+            </a:r>
+          </a:p>
+          <a:p>
+            <a:pPr lvl="1"/>
+            <a:r>
+              <a:rPr lang="fr-CH" dirty="0"/>
+              <a:t>Signatures digitales</a:t>
+            </a:r>
+          </a:p>
+          <a:p>
+            <a:pPr lvl="1"/>
+            <a:r>
+              <a:rPr lang="fr-CH" dirty="0"/>
+              <a:t>Chiffrement par clés publiques</a:t>
+            </a:r>
+          </a:p>
+          <a:p>
+            <a:pPr lvl="1"/>
+            <a:r>
+              <a:rPr lang="fr-CH" dirty="0"/>
+              <a:t>Clés pré-partagées (PSK)</a:t>
+            </a:r>
+          </a:p>
+          <a:p>
+            <a:r>
+              <a:rPr lang="fr-CH" dirty="0"/>
+              <a:t>Modes :</a:t>
+            </a:r>
+          </a:p>
+          <a:p>
+            <a:pPr lvl="1"/>
+            <a:r>
+              <a:rPr lang="fr-CH" dirty="0"/>
+              <a:t>Main mode</a:t>
+            </a:r>
+          </a:p>
+          <a:p>
+            <a:pPr lvl="1"/>
+            <a:r>
+              <a:rPr lang="fr-CH" dirty="0"/>
+              <a:t>Agressive mode : échange initial réduit mais moins sécurisé</a:t>
+            </a:r>
+          </a:p>
+        </p:txBody>
+      </p:sp>
+    </p:spTree>
+    <p:extLst>
+      <p:ext uri="{BB962C8B-B14F-4D97-AF65-F5344CB8AC3E}">
+        <p14:creationId xmlns:p14="http://schemas.microsoft.com/office/powerpoint/2010/main" val="661327400"/>
+      </p:ext>
+    </p:extLst>
+  </p:cSld>
+  <p:clrMapOvr>
+    <a:masterClrMapping/>
+  </p:clrMapOvr>
+</p:sld>
+</file>
+
+<file path=ppt/slides/slide16.xml><?xml version="1.0" encoding="utf-8"?>
+<p:sld xmlns:a="http://schemas.openxmlformats.org/drawingml/2006/main" xmlns:r="http://schemas.openxmlformats.org/officeDocument/2006/relationships" xmlns:p="http://schemas.openxmlformats.org/presentationml/2006/main">
+  <p:cSld>
+    <p:spTree>
+      <p:nvGrpSpPr>
+        <p:cNvPr id="1" name="">
+          <a:extLst>
+            <a:ext uri="{FF2B5EF4-FFF2-40B4-BE49-F238E27FC236}">
+              <a16:creationId xmlns:a16="http://schemas.microsoft.com/office/drawing/2014/main" id="{F1ABBC71-2476-E748-ED93-198E9E44302A}"/>
+            </a:ext>
+          </a:extLst>
+        </p:cNvPr>
+        <p:cNvGrpSpPr/>
+        <p:nvPr/>
+      </p:nvGrpSpPr>
+      <p:grpSpPr>
+        <a:xfrm>
+          <a:off x="0" y="0"/>
+          <a:ext cx="0" cy="0"/>
+          <a:chOff x="0" y="0"/>
+          <a:chExt cx="0" cy="0"/>
+        </a:xfrm>
+      </p:grpSpPr>
+      <p:sp>
+        <p:nvSpPr>
+          <p:cNvPr id="2" name="Titre 1">
+            <a:extLst>
+              <a:ext uri="{FF2B5EF4-FFF2-40B4-BE49-F238E27FC236}">
+                <a16:creationId xmlns:a16="http://schemas.microsoft.com/office/drawing/2014/main" id="{049D2312-4EC6-83AD-B83A-F54607CB2106}"/>
+              </a:ext>
+            </a:extLst>
+          </p:cNvPr>
+          <p:cNvSpPr>
+            <a:spLocks noGrp="1"/>
+          </p:cNvSpPr>
+          <p:nvPr>
+            <p:ph type="title"/>
+          </p:nvPr>
+        </p:nvSpPr>
+        <p:spPr/>
+        <p:txBody>
+          <a:bodyPr/>
+          <a:lstStyle/>
+          <a:p>
+            <a:r>
+              <a:rPr lang="fr-CH" dirty="0" err="1"/>
+              <a:t>IPsec</a:t>
+            </a:r>
+            <a:r>
+              <a:rPr lang="fr-CH" dirty="0"/>
+              <a:t> - IKEv1 – Implications de sécurité</a:t>
+            </a:r>
+          </a:p>
+        </p:txBody>
+      </p:sp>
+      <p:sp>
+        <p:nvSpPr>
+          <p:cNvPr id="3" name="Espace réservé du contenu 2">
+            <a:extLst>
+              <a:ext uri="{FF2B5EF4-FFF2-40B4-BE49-F238E27FC236}">
+                <a16:creationId xmlns:a16="http://schemas.microsoft.com/office/drawing/2014/main" id="{81728DB1-5BAF-7A7B-640A-613E78402327}"/>
+              </a:ext>
+            </a:extLst>
+          </p:cNvPr>
+          <p:cNvSpPr>
+            <a:spLocks noGrp="1"/>
+          </p:cNvSpPr>
+          <p:nvPr>
+            <p:ph idx="1"/>
+          </p:nvPr>
+        </p:nvSpPr>
+        <p:spPr/>
+        <p:txBody>
+          <a:bodyPr/>
+          <a:lstStyle/>
+          <a:p>
+            <a:r>
+              <a:rPr lang="fr-CH" dirty="0"/>
+              <a:t>Agressive mode : écoute passive pour récupérer la signature en clair</a:t>
+            </a:r>
+          </a:p>
+          <a:p>
+            <a:r>
+              <a:rPr lang="fr-CH" dirty="0"/>
+              <a:t>Compromission de la clé de signature :</a:t>
+            </a:r>
+          </a:p>
+          <a:p>
+            <a:pPr lvl="1"/>
+            <a:r>
+              <a:rPr lang="fr-CH" dirty="0"/>
+              <a:t>Usurpation de l’identité</a:t>
+            </a:r>
+          </a:p>
+          <a:p>
+            <a:pPr lvl="1"/>
+            <a:r>
+              <a:rPr lang="fr-CH" dirty="0"/>
+              <a:t>Man-in-the-Middle complet impossible (signature-</a:t>
+            </a:r>
+            <a:r>
+              <a:rPr lang="fr-CH" dirty="0" err="1"/>
+              <a:t>based</a:t>
+            </a:r>
+            <a:r>
+              <a:rPr lang="fr-CH" dirty="0"/>
+              <a:t> </a:t>
+            </a:r>
+            <a:r>
+              <a:rPr lang="fr-CH" dirty="0" err="1"/>
+              <a:t>auth</a:t>
+            </a:r>
+            <a:r>
+              <a:rPr lang="fr-CH" dirty="0"/>
+              <a:t>)</a:t>
+            </a:r>
+          </a:p>
+        </p:txBody>
+      </p:sp>
+    </p:spTree>
+    <p:extLst>
+      <p:ext uri="{BB962C8B-B14F-4D97-AF65-F5344CB8AC3E}">
+        <p14:creationId xmlns:p14="http://schemas.microsoft.com/office/powerpoint/2010/main" val="4079882357"/>
+      </p:ext>
+    </p:extLst>
+  </p:cSld>
+  <p:clrMapOvr>
+    <a:masterClrMapping/>
+  </p:clrMapOvr>
+</p:sld>
+</file>
+
+<file path=ppt/slides/slide17.xml><?xml version="1.0" encoding="utf-8"?>
+<p:sld xmlns:a="http://schemas.openxmlformats.org/drawingml/2006/main" xmlns:r="http://schemas.openxmlformats.org/officeDocument/2006/relationships" xmlns:p="http://schemas.openxmlformats.org/presentationml/2006/main">
+  <p:cSld>
+    <p:spTree>
+      <p:nvGrpSpPr>
+        <p:cNvPr id="1" name="">
+          <a:extLst>
+            <a:ext uri="{FF2B5EF4-FFF2-40B4-BE49-F238E27FC236}">
+              <a16:creationId xmlns:a16="http://schemas.microsoft.com/office/drawing/2014/main" id="{E4E5832C-DE32-66CD-EF25-EA5277CC09EA}"/>
+            </a:ext>
+          </a:extLst>
+        </p:cNvPr>
+        <p:cNvGrpSpPr/>
+        <p:nvPr/>
+      </p:nvGrpSpPr>
+      <p:grpSpPr>
+        <a:xfrm>
+          <a:off x="0" y="0"/>
+          <a:ext cx="0" cy="0"/>
+          <a:chOff x="0" y="0"/>
+          <a:chExt cx="0" cy="0"/>
+        </a:xfrm>
+      </p:grpSpPr>
+      <p:sp>
+        <p:nvSpPr>
+          <p:cNvPr id="2" name="Titre 1">
+            <a:extLst>
+              <a:ext uri="{FF2B5EF4-FFF2-40B4-BE49-F238E27FC236}">
+                <a16:creationId xmlns:a16="http://schemas.microsoft.com/office/drawing/2014/main" id="{97B0B466-1442-A06F-6363-6EEB1F93D4B5}"/>
+              </a:ext>
+            </a:extLst>
+          </p:cNvPr>
+          <p:cNvSpPr>
+            <a:spLocks noGrp="1"/>
+          </p:cNvSpPr>
+          <p:nvPr>
+            <p:ph type="title"/>
+          </p:nvPr>
+        </p:nvSpPr>
+        <p:spPr/>
+        <p:txBody>
+          <a:bodyPr/>
+          <a:lstStyle/>
+          <a:p>
+            <a:r>
+              <a:rPr lang="fr-CH" dirty="0" err="1"/>
+              <a:t>IPsec</a:t>
+            </a:r>
+            <a:r>
+              <a:rPr lang="fr-CH" dirty="0"/>
+              <a:t> – IKEv2</a:t>
+            </a:r>
+          </a:p>
+        </p:txBody>
+      </p:sp>
+      <p:sp>
+        <p:nvSpPr>
+          <p:cNvPr id="3" name="Espace réservé du contenu 2">
+            <a:extLst>
+              <a:ext uri="{FF2B5EF4-FFF2-40B4-BE49-F238E27FC236}">
+                <a16:creationId xmlns:a16="http://schemas.microsoft.com/office/drawing/2014/main" id="{DA90C8BF-B57B-E89B-CA72-792961F9445E}"/>
+              </a:ext>
+            </a:extLst>
+          </p:cNvPr>
+          <p:cNvSpPr>
+            <a:spLocks noGrp="1"/>
+          </p:cNvSpPr>
+          <p:nvPr>
+            <p:ph idx="1"/>
+          </p:nvPr>
+        </p:nvSpPr>
+        <p:spPr/>
+        <p:txBody>
+          <a:bodyPr/>
+          <a:lstStyle/>
+          <a:p>
+            <a:r>
+              <a:rPr lang="fr-CH" dirty="0"/>
+              <a:t>Pas compatible avec IKEv1</a:t>
+            </a:r>
+          </a:p>
+          <a:p>
+            <a:r>
+              <a:rPr lang="fr-CH" dirty="0"/>
+              <a:t>Toutes les signatures sont chiffrées</a:t>
+            </a:r>
+          </a:p>
+          <a:p>
+            <a:r>
+              <a:rPr lang="fr-CH" dirty="0"/>
+              <a:t>Extensible </a:t>
+            </a:r>
+            <a:r>
+              <a:rPr lang="fr-CH" dirty="0" err="1"/>
+              <a:t>Authentication</a:t>
+            </a:r>
+            <a:r>
+              <a:rPr lang="fr-CH" dirty="0"/>
+              <a:t> Protocol (EAP) pour obtenir une signature du serveur sans s’authentifier</a:t>
+            </a:r>
+          </a:p>
+        </p:txBody>
+      </p:sp>
+    </p:spTree>
+    <p:extLst>
+      <p:ext uri="{BB962C8B-B14F-4D97-AF65-F5344CB8AC3E}">
+        <p14:creationId xmlns:p14="http://schemas.microsoft.com/office/powerpoint/2010/main" val="2209425221"/>
+      </p:ext>
+    </p:extLst>
+  </p:cSld>
+  <p:clrMapOvr>
+    <a:masterClrMapping/>
+  </p:clrMapOvr>
+</p:sld>
+</file>
+
+<file path=ppt/slides/slide18.xml><?xml version="1.0" encoding="utf-8"?>
+<p:sld xmlns:a="http://schemas.openxmlformats.org/drawingml/2006/main" xmlns:r="http://schemas.openxmlformats.org/officeDocument/2006/relationships" xmlns:p="http://schemas.openxmlformats.org/presentationml/2006/main">
+  <p:cSld>
+    <p:spTree>
+      <p:nvGrpSpPr>
+        <p:cNvPr id="1" name="">
+          <a:extLst>
+            <a:ext uri="{FF2B5EF4-FFF2-40B4-BE49-F238E27FC236}">
+              <a16:creationId xmlns:a16="http://schemas.microsoft.com/office/drawing/2014/main" id="{AB54CD5B-45FC-9C7E-F5AB-EE598846E620}"/>
+            </a:ext>
+          </a:extLst>
+        </p:cNvPr>
+        <p:cNvGrpSpPr/>
+        <p:nvPr/>
+      </p:nvGrpSpPr>
+      <p:grpSpPr>
+        <a:xfrm>
+          <a:off x="0" y="0"/>
+          <a:ext cx="0" cy="0"/>
+          <a:chOff x="0" y="0"/>
+          <a:chExt cx="0" cy="0"/>
+        </a:xfrm>
+      </p:grpSpPr>
+      <p:sp>
+        <p:nvSpPr>
+          <p:cNvPr id="2" name="Titre 1">
+            <a:extLst>
+              <a:ext uri="{FF2B5EF4-FFF2-40B4-BE49-F238E27FC236}">
+                <a16:creationId xmlns:a16="http://schemas.microsoft.com/office/drawing/2014/main" id="{99CD9B76-B63B-62F5-3D5C-FB3604ECAE5F}"/>
+              </a:ext>
+            </a:extLst>
+          </p:cNvPr>
+          <p:cNvSpPr>
+            <a:spLocks noGrp="1"/>
+          </p:cNvSpPr>
+          <p:nvPr>
+            <p:ph type="title"/>
+          </p:nvPr>
+        </p:nvSpPr>
+        <p:spPr/>
+        <p:txBody>
+          <a:bodyPr/>
+          <a:lstStyle/>
+          <a:p>
+            <a:r>
+              <a:rPr lang="fr-CH" dirty="0" err="1"/>
+              <a:t>IPsec</a:t>
+            </a:r>
+            <a:r>
+              <a:rPr lang="fr-CH" dirty="0"/>
+              <a:t> – IKEv2 – Implications de sécurité</a:t>
+            </a:r>
+          </a:p>
+        </p:txBody>
+      </p:sp>
+      <p:sp>
+        <p:nvSpPr>
+          <p:cNvPr id="3" name="Espace réservé du contenu 2">
+            <a:extLst>
+              <a:ext uri="{FF2B5EF4-FFF2-40B4-BE49-F238E27FC236}">
+                <a16:creationId xmlns:a16="http://schemas.microsoft.com/office/drawing/2014/main" id="{7A16AF26-D384-DF31-BACC-C1AC80005220}"/>
+              </a:ext>
+            </a:extLst>
+          </p:cNvPr>
+          <p:cNvSpPr>
+            <a:spLocks noGrp="1"/>
+          </p:cNvSpPr>
+          <p:nvPr>
+            <p:ph idx="1"/>
+          </p:nvPr>
+        </p:nvSpPr>
+        <p:spPr/>
+        <p:txBody>
+          <a:bodyPr/>
+          <a:lstStyle/>
+          <a:p>
+            <a:r>
+              <a:rPr lang="fr-CH" dirty="0"/>
+              <a:t>Attaque active nécessaire pour récupérer des signatures</a:t>
+            </a:r>
+          </a:p>
+          <a:p>
+            <a:r>
+              <a:rPr lang="fr-CH" dirty="0"/>
+              <a:t>Compromission de la clé de signature : ???</a:t>
+            </a:r>
+          </a:p>
+          <a:p>
+            <a:pPr lvl="1"/>
+            <a:r>
+              <a:rPr lang="fr-CH" dirty="0"/>
+              <a:t>Usurpation de l’identité</a:t>
+            </a:r>
+          </a:p>
+          <a:p>
+            <a:pPr lvl="1"/>
+            <a:r>
+              <a:rPr lang="fr-CH" dirty="0"/>
+              <a:t>Man-in-the-Middle complet impossible (signature-</a:t>
+            </a:r>
+            <a:r>
+              <a:rPr lang="fr-CH" dirty="0" err="1"/>
+              <a:t>based</a:t>
+            </a:r>
+            <a:r>
+              <a:rPr lang="fr-CH" dirty="0"/>
+              <a:t> </a:t>
+            </a:r>
+            <a:r>
+              <a:rPr lang="fr-CH" dirty="0" err="1"/>
+              <a:t>auth</a:t>
+            </a:r>
+            <a:r>
+              <a:rPr lang="fr-CH" dirty="0"/>
+              <a:t>)</a:t>
+            </a:r>
+          </a:p>
+        </p:txBody>
+      </p:sp>
+    </p:spTree>
+    <p:extLst>
+      <p:ext uri="{BB962C8B-B14F-4D97-AF65-F5344CB8AC3E}">
+        <p14:creationId xmlns:p14="http://schemas.microsoft.com/office/powerpoint/2010/main" val="3828468668"/>
+      </p:ext>
+    </p:extLst>
+  </p:cSld>
+  <p:clrMapOvr>
+    <a:masterClrMapping/>
+  </p:clrMapOvr>
+</p:sld>
+</file>
+
+<file path=ppt/slides/slide19.xml><?xml version="1.0" encoding="utf-8"?>
+<p:sld xmlns:a="http://schemas.openxmlformats.org/drawingml/2006/main" xmlns:r="http://schemas.openxmlformats.org/officeDocument/2006/relationships" xmlns:p="http://schemas.openxmlformats.org/presentationml/2006/main">
+  <p:cSld>
+    <p:spTree>
+      <p:nvGrpSpPr>
         <p:cNvPr id="1" name=""/>
         <p:cNvGrpSpPr/>
         <p:nvPr/>
@@ -4078,6 +5306,12 @@
           <a:p>
             <a:r>
               <a:rPr lang="fr-CH" dirty="0"/>
+              <a:t>L’erreur de calcul apparait dans le monde des tuples</a:t>
+            </a:r>
+          </a:p>
+          <a:p>
+            <a:r>
+              <a:rPr lang="fr-CH" dirty="0"/>
               <a:t>Clé publique connue (pas forcément le cas avec une écoute passive) ???</a:t>
             </a:r>
           </a:p>
@@ -4096,7 +5330,108 @@
 </p:sld>
 </file>
 
-<file path=ppt/slides/slide11.xml><?xml version="1.0" encoding="utf-8"?>
+<file path=ppt/slides/slide2.xml><?xml version="1.0" encoding="utf-8"?>
+<p:sld xmlns:a="http://schemas.openxmlformats.org/drawingml/2006/main" xmlns:r="http://schemas.openxmlformats.org/officeDocument/2006/relationships" xmlns:p="http://schemas.openxmlformats.org/presentationml/2006/main">
+  <p:cSld>
+    <p:spTree>
+      <p:nvGrpSpPr>
+        <p:cNvPr id="1" name=""/>
+        <p:cNvGrpSpPr/>
+        <p:nvPr/>
+      </p:nvGrpSpPr>
+      <p:grpSpPr>
+        <a:xfrm>
+          <a:off x="0" y="0"/>
+          <a:ext cx="0" cy="0"/>
+          <a:chOff x="0" y="0"/>
+          <a:chExt cx="0" cy="0"/>
+        </a:xfrm>
+      </p:grpSpPr>
+      <p:sp>
+        <p:nvSpPr>
+          <p:cNvPr id="2" name="Titre 1">
+            <a:extLst>
+              <a:ext uri="{FF2B5EF4-FFF2-40B4-BE49-F238E27FC236}">
+                <a16:creationId xmlns:a16="http://schemas.microsoft.com/office/drawing/2014/main" id="{C7519599-4D6D-F382-5CBF-FF9746EACCC1}"/>
+              </a:ext>
+            </a:extLst>
+          </p:cNvPr>
+          <p:cNvSpPr>
+            <a:spLocks noGrp="1"/>
+          </p:cNvSpPr>
+          <p:nvPr>
+            <p:ph type="title"/>
+          </p:nvPr>
+        </p:nvSpPr>
+        <p:spPr/>
+        <p:txBody>
+          <a:bodyPr/>
+          <a:lstStyle/>
+          <a:p>
+            <a:r>
+              <a:rPr lang="fr-CH" dirty="0"/>
+              <a:t>Intro</a:t>
+            </a:r>
+          </a:p>
+        </p:txBody>
+      </p:sp>
+      <p:sp>
+        <p:nvSpPr>
+          <p:cNvPr id="3" name="Espace réservé du contenu 2">
+            <a:extLst>
+              <a:ext uri="{FF2B5EF4-FFF2-40B4-BE49-F238E27FC236}">
+                <a16:creationId xmlns:a16="http://schemas.microsoft.com/office/drawing/2014/main" id="{179AE550-BC42-BF0F-46AA-21142C517507}"/>
+              </a:ext>
+            </a:extLst>
+          </p:cNvPr>
+          <p:cNvSpPr>
+            <a:spLocks noGrp="1"/>
+          </p:cNvSpPr>
+          <p:nvPr>
+            <p:ph idx="1"/>
+          </p:nvPr>
+        </p:nvSpPr>
+        <p:spPr/>
+        <p:txBody>
+          <a:bodyPr/>
+          <a:lstStyle/>
+          <a:p>
+            <a:r>
+              <a:rPr lang="fr-CH" dirty="0"/>
+              <a:t>Signatures largement répandues</a:t>
+            </a:r>
+          </a:p>
+          <a:p>
+            <a:r>
+              <a:rPr lang="fr-CH" dirty="0"/>
+              <a:t>Authentifier un client, serveur</a:t>
+            </a:r>
+          </a:p>
+          <a:p>
+            <a:r>
+              <a:rPr lang="fr-CH" dirty="0"/>
+              <a:t>Souvent combiné avec d’autres algorithmes cryptographiques</a:t>
+            </a:r>
+          </a:p>
+          <a:p>
+            <a:endParaRPr lang="fr-CH" dirty="0"/>
+          </a:p>
+        </p:txBody>
+      </p:sp>
+    </p:spTree>
+    <p:extLst>
+      <p:ext uri="{BB962C8B-B14F-4D97-AF65-F5344CB8AC3E}">
+        <p14:creationId xmlns:p14="http://schemas.microsoft.com/office/powerpoint/2010/main" val="1755347014"/>
+      </p:ext>
+    </p:extLst>
+  </p:cSld>
+  <p:clrMapOvr>
+    <a:masterClrMapping/>
+  </p:clrMapOvr>
+</p:sld>
+</file>
+
+<file path=ppt/slides/slide20.xml><?xml version="1.0" encoding="utf-8"?>
 <p:sld xmlns:a="http://schemas.openxmlformats.org/drawingml/2006/main" xmlns:r="http://schemas.openxmlformats.org/officeDocument/2006/relationships" xmlns:p="http://schemas.openxmlformats.org/presentationml/2006/main">
   <p:cSld>
     <p:spTree>
@@ -4268,6 +5603,80 @@
                           <a:latin typeface="Cambria Math" panose="02040503050406030204" pitchFamily="18" charset="0"/>
                         </a:rPr>
                         <m:t>N</m:t>
+                      </m:r>
+                    </m:oMath>
+                  </m:oMathPara>
+                </a14:m>
+                <a:endParaRPr lang="en-GB" b="0" dirty="0"/>
+              </a:p>
+              <a:p>
+                <a:pPr marL="0" indent="0">
+                  <a:buNone/>
+                </a:pPr>
+                <a14:m>
+                  <m:oMathPara xmlns:m="http://schemas.openxmlformats.org/officeDocument/2006/math">
+                    <m:oMathParaPr>
+                      <m:jc m:val="centerGroup"/>
+                    </m:oMathParaPr>
+                    <m:oMath xmlns:m="http://schemas.openxmlformats.org/officeDocument/2006/math">
+                      <m:r>
+                        <a:rPr lang="en-GB" b="0" i="1" smtClean="0">
+                          <a:latin typeface="Cambria Math" panose="02040503050406030204" pitchFamily="18" charset="0"/>
+                        </a:rPr>
+                        <m:t>𝑓</m:t>
+                      </m:r>
+                      <m:d>
+                        <m:dPr>
+                          <m:ctrlPr>
+                            <a:rPr lang="en-GB" b="0" i="1" smtClean="0">
+                              <a:latin typeface="Cambria Math" panose="02040503050406030204" pitchFamily="18" charset="0"/>
+                            </a:rPr>
+                          </m:ctrlPr>
+                        </m:dPr>
+                        <m:e>
+                          <m:r>
+                            <a:rPr lang="en-GB" b="0" i="1" smtClean="0">
+                              <a:latin typeface="Cambria Math" panose="02040503050406030204" pitchFamily="18" charset="0"/>
+                            </a:rPr>
+                            <m:t>𝑥</m:t>
+                          </m:r>
+                        </m:e>
+                      </m:d>
+                      <m:r>
+                        <a:rPr lang="en-GB" b="0" i="1" smtClean="0">
+                          <a:latin typeface="Cambria Math" panose="02040503050406030204" pitchFamily="18" charset="0"/>
+                        </a:rPr>
+                        <m:t> →</m:t>
+                      </m:r>
+                      <m:r>
+                        <a:rPr lang="en-GB" b="0" i="1" smtClean="0">
+                          <a:latin typeface="Cambria Math" panose="02040503050406030204" pitchFamily="18" charset="0"/>
+                        </a:rPr>
+                        <m:t>𝑓𝑜𝑛𝑐𝑡𝑖𝑜𝑛</m:t>
+                      </m:r>
+                      <m:r>
+                        <a:rPr lang="en-GB" b="0" i="1" smtClean="0">
+                          <a:latin typeface="Cambria Math" panose="02040503050406030204" pitchFamily="18" charset="0"/>
+                        </a:rPr>
+                        <m:t> </m:t>
+                      </m:r>
+                      <m:r>
+                        <a:rPr lang="en-GB" b="0" i="1" smtClean="0">
+                          <a:latin typeface="Cambria Math" panose="02040503050406030204" pitchFamily="18" charset="0"/>
+                        </a:rPr>
+                        <m:t>𝑑𝑒</m:t>
+                      </m:r>
+                      <m:r>
+                        <a:rPr lang="en-GB" b="0" i="1" smtClean="0">
+                          <a:latin typeface="Cambria Math" panose="02040503050406030204" pitchFamily="18" charset="0"/>
+                        </a:rPr>
+                        <m:t> </m:t>
+                      </m:r>
+                      <m:r>
+                        <a:rPr lang="en-GB" b="0" i="1" smtClean="0">
+                          <a:latin typeface="Cambria Math" panose="02040503050406030204" pitchFamily="18" charset="0"/>
+                        </a:rPr>
+                        <m:t>𝑝𝑎𝑑𝑑𝑖𝑛𝑔</m:t>
                       </m:r>
                     </m:oMath>
                   </m:oMathPara>
@@ -4435,14 +5844,7 @@
                           <a:latin typeface="Cambria Math" panose="02040503050406030204" pitchFamily="18" charset="0"/>
                           <a:ea typeface="Cambria Math" panose="02040503050406030204" pitchFamily="18" charset="0"/>
                         </a:rPr>
-                        <m:t>=</m:t>
-                      </m:r>
-                      <m:r>
-                        <a:rPr lang="en-GB" b="0" i="1" smtClean="0">
-                          <a:latin typeface="Cambria Math" panose="02040503050406030204" pitchFamily="18" charset="0"/>
-                          <a:ea typeface="Cambria Math" panose="02040503050406030204" pitchFamily="18" charset="0"/>
-                        </a:rPr>
-                        <m:t>?</m:t>
+                        <m:t>=?</m:t>
                       </m:r>
                       <m:r>
                         <a:rPr lang="en-GB" b="0" i="1" smtClean="0">
@@ -4554,7 +5956,7 @@
 </p:sld>
 </file>
 
-<file path=ppt/slides/slide12.xml><?xml version="1.0" encoding="utf-8"?>
+<file path=ppt/slides/slide21.xml><?xml version="1.0" encoding="utf-8"?>
 <p:sld xmlns:a="http://schemas.openxmlformats.org/drawingml/2006/main" xmlns:r="http://schemas.openxmlformats.org/officeDocument/2006/relationships" xmlns:p="http://schemas.openxmlformats.org/presentationml/2006/main">
   <p:cSld>
     <p:spTree>
@@ -4610,8 +6012,8 @@
           </a:p>
         </p:txBody>
       </p:sp>
-      <mc:AlternateContent xmlns:mc="http://schemas.openxmlformats.org/markup-compatibility/2006">
-        <mc:Choice xmlns:a14="http://schemas.microsoft.com/office/drawing/2010/main" Requires="a14">
+      <mc:AlternateContent xmlns:mc="http://schemas.openxmlformats.org/markup-compatibility/2006" xmlns:a14="http://schemas.microsoft.com/office/drawing/2010/main">
+        <mc:Choice Requires="a14">
           <p:sp>
             <p:nvSpPr>
               <p:cNvPr id="3" name="Espace réservé du contenu 2">
@@ -4730,7 +6132,7 @@
             </p:txBody>
           </p:sp>
         </mc:Choice>
-        <mc:Fallback>
+        <mc:Fallback xmlns="">
           <p:sp>
             <p:nvSpPr>
               <p:cNvPr id="3" name="Espace réservé du contenu 2">
@@ -4783,7 +6185,278 @@
 </p:sld>
 </file>
 
-<file path=ppt/slides/slide13.xml><?xml version="1.0" encoding="utf-8"?>
+<file path=ppt/slides/slide22.xml><?xml version="1.0" encoding="utf-8"?>
+<p:sld xmlns:a="http://schemas.openxmlformats.org/drawingml/2006/main" xmlns:r="http://schemas.openxmlformats.org/officeDocument/2006/relationships" xmlns:p="http://schemas.openxmlformats.org/presentationml/2006/main">
+  <p:cSld>
+    <p:spTree>
+      <p:nvGrpSpPr>
+        <p:cNvPr id="1" name="">
+          <a:extLst>
+            <a:ext uri="{FF2B5EF4-FFF2-40B4-BE49-F238E27FC236}">
+              <a16:creationId xmlns:a16="http://schemas.microsoft.com/office/drawing/2014/main" id="{BD29B48C-03D8-5E70-9FE6-62BE8318AFCA}"/>
+            </a:ext>
+          </a:extLst>
+        </p:cNvPr>
+        <p:cNvGrpSpPr/>
+        <p:nvPr/>
+      </p:nvGrpSpPr>
+      <p:grpSpPr>
+        <a:xfrm>
+          <a:off x="0" y="0"/>
+          <a:ext cx="0" cy="0"/>
+          <a:chOff x="0" y="0"/>
+          <a:chExt cx="0" cy="0"/>
+        </a:xfrm>
+      </p:grpSpPr>
+      <p:sp>
+        <p:nvSpPr>
+          <p:cNvPr id="2" name="Titre 1">
+            <a:extLst>
+              <a:ext uri="{FF2B5EF4-FFF2-40B4-BE49-F238E27FC236}">
+                <a16:creationId xmlns:a16="http://schemas.microsoft.com/office/drawing/2014/main" id="{4B4F9520-154C-ECF6-2CB7-4EA0A1B7B480}"/>
+              </a:ext>
+            </a:extLst>
+          </p:cNvPr>
+          <p:cNvSpPr>
+            <a:spLocks noGrp="1"/>
+          </p:cNvSpPr>
+          <p:nvPr>
+            <p:ph type="title"/>
+          </p:nvPr>
+        </p:nvSpPr>
+        <p:spPr/>
+        <p:txBody>
+          <a:bodyPr/>
+          <a:lstStyle/>
+          <a:p>
+            <a:r>
+              <a:rPr lang="fr-CH" dirty="0"/>
+              <a:t>Expression du </a:t>
+            </a:r>
+            <a:r>
+              <a:rPr lang="fr-CH" dirty="0" err="1"/>
+              <a:t>padding</a:t>
+            </a:r>
+            <a:endParaRPr lang="fr-CH" dirty="0"/>
+          </a:p>
+        </p:txBody>
+      </p:sp>
+      <mc:AlternateContent xmlns:mc="http://schemas.openxmlformats.org/markup-compatibility/2006">
+        <mc:Choice xmlns:a14="http://schemas.microsoft.com/office/drawing/2010/main" Requires="a14">
+          <p:sp>
+            <p:nvSpPr>
+              <p:cNvPr id="3" name="Espace réservé du contenu 2">
+                <a:extLst>
+                  <a:ext uri="{FF2B5EF4-FFF2-40B4-BE49-F238E27FC236}">
+                    <a16:creationId xmlns:a16="http://schemas.microsoft.com/office/drawing/2014/main" id="{0266946E-282A-1A70-13BC-DBE1DCEA50B8}"/>
+                  </a:ext>
+                </a:extLst>
+              </p:cNvPr>
+              <p:cNvSpPr>
+                <a:spLocks noGrp="1"/>
+              </p:cNvSpPr>
+              <p:nvPr>
+                <p:ph idx="1"/>
+              </p:nvPr>
+            </p:nvSpPr>
+            <p:spPr/>
+            <p:txBody>
+              <a:bodyPr/>
+              <a:lstStyle/>
+              <a:p>
+                <a:r>
+                  <a:rPr lang="fr-CH" dirty="0"/>
+                  <a:t> PKCS#1 V1.5</a:t>
+                </a:r>
+              </a:p>
+              <a:p>
+                <a:endParaRPr lang="fr-CH" dirty="0"/>
+              </a:p>
+              <a:p>
+                <a:pPr marL="0" indent="0" algn="ctr">
+                  <a:buNone/>
+                </a:pPr>
+                <a:r>
+                  <a:rPr lang="fr-CH" b="0" dirty="0">
+                    <a:highlight>
+                      <a:srgbClr val="00FF00"/>
+                    </a:highlight>
+                    <a:latin typeface="Cambria Math" panose="02040503050406030204" pitchFamily="18" charset="0"/>
+                  </a:rPr>
+                  <a:t>00 || 01 || FF ... FF || ASN.1 </a:t>
+                </a:r>
+                <a:r>
+                  <a:rPr lang="fr-CH" b="0" dirty="0">
+                    <a:latin typeface="Cambria Math" panose="02040503050406030204" pitchFamily="18" charset="0"/>
+                  </a:rPr>
+                  <a:t>|| </a:t>
+                </a:r>
+                <a:r>
+                  <a:rPr lang="fr-CH" b="0" dirty="0">
+                    <a:highlight>
+                      <a:srgbClr val="FF0000"/>
+                    </a:highlight>
+                    <a:latin typeface="Cambria Math" panose="02040503050406030204" pitchFamily="18" charset="0"/>
+                  </a:rPr>
+                  <a:t>Hash(m)</a:t>
+                </a:r>
+              </a:p>
+              <a:p>
+                <a:pPr marL="0" indent="0">
+                  <a:buNone/>
+                </a:pPr>
+                <a:endParaRPr lang="fr-CH" i="1" dirty="0">
+                  <a:latin typeface="Cambria Math" panose="02040503050406030204" pitchFamily="18" charset="0"/>
+                </a:endParaRPr>
+              </a:p>
+              <a:p>
+                <a:pPr marL="0" indent="0">
+                  <a:buNone/>
+                </a:pPr>
+                <a:endParaRPr lang="en-GB" b="0" i="1" dirty="0">
+                  <a:latin typeface="Cambria Math" panose="02040503050406030204" pitchFamily="18" charset="0"/>
+                </a:endParaRPr>
+              </a:p>
+              <a:p>
+                <a:pPr marL="0" indent="0">
+                  <a:buNone/>
+                </a:pPr>
+                <a14:m>
+                  <m:oMathPara xmlns:m="http://schemas.openxmlformats.org/officeDocument/2006/math">
+                    <m:oMathParaPr>
+                      <m:jc m:val="centerGroup"/>
+                    </m:oMathParaPr>
+                    <m:oMath xmlns:m="http://schemas.openxmlformats.org/officeDocument/2006/math">
+                      <m:r>
+                        <a:rPr lang="en-GB" b="0" i="1" smtClean="0">
+                          <a:highlight>
+                            <a:srgbClr val="00FF00"/>
+                          </a:highlight>
+                          <a:latin typeface="Cambria Math" panose="02040503050406030204" pitchFamily="18" charset="0"/>
+                        </a:rPr>
+                        <m:t>𝑎</m:t>
+                      </m:r>
+                      <m:r>
+                        <a:rPr lang="en-GB" b="0" i="1" smtClean="0">
+                          <a:latin typeface="Cambria Math" panose="02040503050406030204" pitchFamily="18" charset="0"/>
+                        </a:rPr>
+                        <m:t>+</m:t>
+                      </m:r>
+                      <m:r>
+                        <a:rPr lang="en-GB" b="0" i="1" smtClean="0">
+                          <a:highlight>
+                            <a:srgbClr val="FF0000"/>
+                          </a:highlight>
+                          <a:latin typeface="Cambria Math" panose="02040503050406030204" pitchFamily="18" charset="0"/>
+                        </a:rPr>
+                        <m:t>𝑥</m:t>
+                      </m:r>
+                    </m:oMath>
+                  </m:oMathPara>
+                </a14:m>
+                <a:endParaRPr lang="fr-CH" dirty="0">
+                  <a:highlight>
+                    <a:srgbClr val="FF0000"/>
+                  </a:highlight>
+                </a:endParaRPr>
+              </a:p>
+              <a:p>
+                <a:r>
+                  <a:rPr lang="fr-CH" i="1" dirty="0">
+                    <a:highlight>
+                      <a:srgbClr val="00FF00"/>
+                    </a:highlight>
+                    <a:latin typeface="Cambria Math" panose="02040503050406030204" pitchFamily="18" charset="0"/>
+                    <a:ea typeface="Cambria Math" panose="02040503050406030204" pitchFamily="18" charset="0"/>
+                  </a:rPr>
+                  <a:t>a</a:t>
+                </a:r>
+                <a:r>
+                  <a:rPr lang="fr-CH" dirty="0">
+                    <a:highlight>
+                      <a:srgbClr val="00FF00"/>
+                    </a:highlight>
+                  </a:rPr>
+                  <a:t> connu</a:t>
+                </a:r>
+              </a:p>
+              <a:p>
+                <a:r>
+                  <a:rPr lang="fr-CH" i="1" dirty="0">
+                    <a:highlight>
+                      <a:srgbClr val="FF0000"/>
+                    </a:highlight>
+                    <a:latin typeface="Cambria Math" panose="02040503050406030204" pitchFamily="18" charset="0"/>
+                    <a:ea typeface="Cambria Math" panose="02040503050406030204" pitchFamily="18" charset="0"/>
+                  </a:rPr>
+                  <a:t>x</a:t>
+                </a:r>
+                <a:r>
+                  <a:rPr lang="fr-CH" dirty="0">
+                    <a:highlight>
+                      <a:srgbClr val="FF0000"/>
+                    </a:highlight>
+                  </a:rPr>
+                  <a:t> inconnu</a:t>
+                </a:r>
+              </a:p>
+            </p:txBody>
+          </p:sp>
+        </mc:Choice>
+        <mc:Fallback>
+          <p:sp>
+            <p:nvSpPr>
+              <p:cNvPr id="3" name="Espace réservé du contenu 2">
+                <a:extLst>
+                  <a:ext uri="{FF2B5EF4-FFF2-40B4-BE49-F238E27FC236}">
+                    <a16:creationId xmlns:a16="http://schemas.microsoft.com/office/drawing/2014/main" id="{0266946E-282A-1A70-13BC-DBE1DCEA50B8}"/>
+                  </a:ext>
+                </a:extLst>
+              </p:cNvPr>
+              <p:cNvSpPr>
+                <a:spLocks noGrp="1" noRot="1" noChangeAspect="1" noMove="1" noResize="1" noEditPoints="1" noAdjustHandles="1" noChangeArrowheads="1" noChangeShapeType="1" noTextEdit="1"/>
+              </p:cNvSpPr>
+              <p:nvPr>
+                <p:ph idx="1"/>
+              </p:nvPr>
+            </p:nvSpPr>
+            <p:spPr>
+              <a:blipFill>
+                <a:blip r:embed="rId2"/>
+                <a:stretch>
+                  <a:fillRect l="-1043" t="-2381"/>
+                </a:stretch>
+              </a:blipFill>
+            </p:spPr>
+            <p:txBody>
+              <a:bodyPr/>
+              <a:lstStyle/>
+              <a:p>
+                <a:r>
+                  <a:rPr lang="fr-CH">
+                    <a:noFill/>
+                  </a:rPr>
+                  <a:t> </a:t>
+                </a:r>
+              </a:p>
+            </p:txBody>
+          </p:sp>
+        </mc:Fallback>
+      </mc:AlternateContent>
+    </p:spTree>
+    <p:extLst>
+      <p:ext uri="{BB962C8B-B14F-4D97-AF65-F5344CB8AC3E}">
+        <p14:creationId xmlns:p14="http://schemas.microsoft.com/office/powerpoint/2010/main" val="944965802"/>
+      </p:ext>
+    </p:extLst>
+  </p:cSld>
+  <p:clrMapOvr>
+    <a:masterClrMapping/>
+  </p:clrMapOvr>
+</p:sld>
+</file>
+
+<file path=ppt/slides/slide23.xml><?xml version="1.0" encoding="utf-8"?>
 <p:sld xmlns:a="http://schemas.openxmlformats.org/drawingml/2006/main" xmlns:r="http://schemas.openxmlformats.org/officeDocument/2006/relationships" xmlns:p="http://schemas.openxmlformats.org/presentationml/2006/main">
   <p:cSld>
     <p:spTree>
@@ -4857,24 +6530,98 @@
                   <a:rPr lang="fr-CH" dirty="0"/>
                   <a:t>Posons </a:t>
                 </a:r>
+                <a14:m>
+                  <m:oMath xmlns:m="http://schemas.openxmlformats.org/officeDocument/2006/math">
+                    <m:r>
+                      <a:rPr lang="en-GB" b="0" i="1" smtClean="0">
+                        <a:latin typeface="Cambria Math" panose="02040503050406030204" pitchFamily="18" charset="0"/>
+                      </a:rPr>
+                      <m:t>𝑥</m:t>
+                    </m:r>
+                    <m:r>
+                      <a:rPr lang="en-GB" b="0" i="1" smtClean="0">
+                        <a:latin typeface="Cambria Math" panose="02040503050406030204" pitchFamily="18" charset="0"/>
+                      </a:rPr>
+                      <m:t> </m:t>
+                    </m:r>
+                  </m:oMath>
+                </a14:m>
+                <a:r>
+                  <a:rPr lang="fr-CH" dirty="0"/>
+                  <a:t>et </a:t>
+                </a:r>
+                <a14:m>
+                  <m:oMath xmlns:m="http://schemas.openxmlformats.org/officeDocument/2006/math">
+                    <m:sSup>
+                      <m:sSupPr>
+                        <m:ctrlPr>
+                          <a:rPr lang="en-GB" b="0" i="1" smtClean="0">
+                            <a:latin typeface="Cambria Math" panose="02040503050406030204" pitchFamily="18" charset="0"/>
+                          </a:rPr>
+                        </m:ctrlPr>
+                      </m:sSupPr>
+                      <m:e>
+                        <m:r>
+                          <a:rPr lang="en-GB" b="0" i="1" smtClean="0">
+                            <a:latin typeface="Cambria Math" panose="02040503050406030204" pitchFamily="18" charset="0"/>
+                          </a:rPr>
+                          <m:t>𝑥</m:t>
+                        </m:r>
+                      </m:e>
+                      <m:sup>
+                        <m:r>
+                          <a:rPr lang="en-GB" b="0" i="1" smtClean="0">
+                            <a:latin typeface="Cambria Math" panose="02040503050406030204" pitchFamily="18" charset="0"/>
+                          </a:rPr>
+                          <m:t>′</m:t>
+                        </m:r>
+                      </m:sup>
+                    </m:sSup>
+                  </m:oMath>
+                </a14:m>
                 <a:r>
                   <a:rPr lang="fr-CH" dirty="0">
                     <a:latin typeface="Cambria Math" panose="02040503050406030204" pitchFamily="18" charset="0"/>
                     <a:ea typeface="Cambria Math" panose="02040503050406030204" pitchFamily="18" charset="0"/>
                   </a:rPr>
-                  <a:t>x</a:t>
+                  <a:t>avec </a:t>
                 </a:r>
-                <a:r>
-                  <a:rPr lang="fr-CH" dirty="0"/>
-                  <a:t> et </a:t>
-                </a:r>
-                <a:r>
-                  <a:rPr lang="fr-CH" dirty="0">
-                    <a:latin typeface="Cambria Math" panose="02040503050406030204" pitchFamily="18" charset="0"/>
-                    <a:ea typeface="Cambria Math" panose="02040503050406030204" pitchFamily="18" charset="0"/>
-                  </a:rPr>
-                  <a:t>x’</a:t>
-                </a:r>
+                <a14:m>
+                  <m:oMath xmlns:m="http://schemas.openxmlformats.org/officeDocument/2006/math">
+                    <m:r>
+                      <a:rPr lang="en-GB" b="0" i="1" smtClean="0">
+                        <a:latin typeface="Cambria Math" panose="02040503050406030204" pitchFamily="18" charset="0"/>
+                        <a:ea typeface="Cambria Math" panose="02040503050406030204" pitchFamily="18" charset="0"/>
+                      </a:rPr>
+                      <m:t>𝑥</m:t>
+                    </m:r>
+                    <m:r>
+                      <a:rPr lang="en-GB" b="0" i="1" smtClean="0">
+                        <a:latin typeface="Cambria Math" panose="02040503050406030204" pitchFamily="18" charset="0"/>
+                        <a:ea typeface="Cambria Math" panose="02040503050406030204" pitchFamily="18" charset="0"/>
+                      </a:rPr>
+                      <m:t> ≠</m:t>
+                    </m:r>
+                    <m:r>
+                      <a:rPr lang="en-GB" b="0" i="1" smtClean="0">
+                        <a:latin typeface="Cambria Math" panose="02040503050406030204" pitchFamily="18" charset="0"/>
+                        <a:ea typeface="Cambria Math" panose="02040503050406030204" pitchFamily="18" charset="0"/>
+                      </a:rPr>
+                      <m:t>𝑥</m:t>
+                    </m:r>
+                    <m:r>
+                      <a:rPr lang="en-GB" b="0" i="1" smtClean="0">
+                        <a:latin typeface="Cambria Math" panose="02040503050406030204" pitchFamily="18" charset="0"/>
+                        <a:ea typeface="Cambria Math" panose="02040503050406030204" pitchFamily="18" charset="0"/>
+                      </a:rPr>
+                      <m:t>′</m:t>
+                    </m:r>
+                  </m:oMath>
+                </a14:m>
+                <a:endParaRPr lang="fr-CH" dirty="0">
+                  <a:latin typeface="Cambria Math" panose="02040503050406030204" pitchFamily="18" charset="0"/>
+                  <a:ea typeface="Cambria Math" panose="02040503050406030204" pitchFamily="18" charset="0"/>
+                </a:endParaRPr>
               </a:p>
               <a:p>
                 <a:r>
@@ -5240,7 +6987,7 @@
 </p:sld>
 </file>
 
-<file path=ppt/slides/slide14.xml><?xml version="1.0" encoding="utf-8"?>
+<file path=ppt/slides/slide24.xml><?xml version="1.0" encoding="utf-8"?>
 <p:sld xmlns:a="http://schemas.openxmlformats.org/drawingml/2006/main" xmlns:r="http://schemas.openxmlformats.org/officeDocument/2006/relationships" xmlns:p="http://schemas.openxmlformats.org/presentationml/2006/main">
   <p:cSld>
     <p:spTree>
@@ -5665,6 +7412,67 @@
                   <a:ea typeface="Cambria Math" panose="02040503050406030204" pitchFamily="18" charset="0"/>
                 </a:endParaRPr>
               </a:p>
+              <a:p>
+                <a:pPr marL="0" indent="0" algn="ctr">
+                  <a:buNone/>
+                </a:pPr>
+                <a:endParaRPr lang="fr-CH" dirty="0">
+                  <a:latin typeface="Cambria Math" panose="02040503050406030204" pitchFamily="18" charset="0"/>
+                  <a:ea typeface="Cambria Math" panose="02040503050406030204" pitchFamily="18" charset="0"/>
+                </a:endParaRPr>
+              </a:p>
+              <a:p>
+                <a:pPr marL="0" indent="0">
+                  <a:buNone/>
+                </a:pPr>
+                <a:r>
+                  <a:rPr lang="fr-CH" dirty="0">
+                    <a:ea typeface="Cambria Math" panose="02040503050406030204" pitchFamily="18" charset="0"/>
+                  </a:rPr>
+                  <a:t>Avec </a:t>
+                </a:r>
+                <a14:m>
+                  <m:oMath xmlns:m="http://schemas.openxmlformats.org/officeDocument/2006/math">
+                    <m:r>
+                      <a:rPr lang="en-GB" b="0" i="1" smtClean="0">
+                        <a:latin typeface="Cambria Math" panose="02040503050406030204" pitchFamily="18" charset="0"/>
+                        <a:ea typeface="Cambria Math" panose="02040503050406030204" pitchFamily="18" charset="0"/>
+                      </a:rPr>
+                      <m:t>𝑥</m:t>
+                    </m:r>
+                  </m:oMath>
+                </a14:m>
+                <a:r>
+                  <a:rPr lang="fr-CH" dirty="0">
+                    <a:ea typeface="Cambria Math" panose="02040503050406030204" pitchFamily="18" charset="0"/>
+                  </a:rPr>
+                  <a:t> une signature valide et </a:t>
+                </a:r>
+                <a14:m>
+                  <m:oMath xmlns:m="http://schemas.openxmlformats.org/officeDocument/2006/math">
+                    <m:r>
+                      <a:rPr lang="en-GB" b="0" i="1" smtClean="0">
+                        <a:latin typeface="Cambria Math" panose="02040503050406030204" pitchFamily="18" charset="0"/>
+                        <a:ea typeface="Cambria Math" panose="02040503050406030204" pitchFamily="18" charset="0"/>
+                      </a:rPr>
+                      <m:t>𝑥</m:t>
+                    </m:r>
+                    <m:r>
+                      <a:rPr lang="en-GB" b="0" i="1" smtClean="0">
+                        <a:latin typeface="Cambria Math" panose="02040503050406030204" pitchFamily="18" charset="0"/>
+                        <a:ea typeface="Cambria Math" panose="02040503050406030204" pitchFamily="18" charset="0"/>
+                      </a:rPr>
+                      <m:t>′</m:t>
+                    </m:r>
+                  </m:oMath>
+                </a14:m>
+                <a:r>
+                  <a:rPr lang="fr-CH" dirty="0">
+                    <a:ea typeface="Cambria Math" panose="02040503050406030204" pitchFamily="18" charset="0"/>
+                  </a:rPr>
+                  <a:t> une signature invalide par exemple.</a:t>
+                </a:r>
+              </a:p>
             </p:txBody>
           </p:sp>
         </mc:Choice>
@@ -5689,7 +7497,7 @@
               <a:blipFill>
                 <a:blip r:embed="rId2"/>
                 <a:stretch>
-                  <a:fillRect/>
+                  <a:fillRect l="-1217"/>
                 </a:stretch>
               </a:blipFill>
             </p:spPr>
@@ -5721,7 +7529,7 @@
 </p:sld>
 </file>
 
-<file path=ppt/slides/slide15.xml><?xml version="1.0" encoding="utf-8"?>
+<file path=ppt/slides/slide25.xml><?xml version="1.0" encoding="utf-8"?>
 <p:sld xmlns:a="http://schemas.openxmlformats.org/drawingml/2006/main" xmlns:r="http://schemas.openxmlformats.org/officeDocument/2006/relationships" xmlns:p="http://schemas.openxmlformats.org/presentationml/2006/main">
   <p:cSld>
     <p:spTree>
@@ -5804,7 +7612,7 @@
 </p:sld>
 </file>
 
-<file path=ppt/slides/slide16.xml><?xml version="1.0" encoding="utf-8"?>
+<file path=ppt/slides/slide26.xml><?xml version="1.0" encoding="utf-8"?>
 <p:sld xmlns:a="http://schemas.openxmlformats.org/drawingml/2006/main" xmlns:r="http://schemas.openxmlformats.org/officeDocument/2006/relationships" xmlns:p="http://schemas.openxmlformats.org/presentationml/2006/main">
   <p:cSld>
     <p:spTree>
@@ -5916,7 +7724,7 @@
               <a:rPr lang="fr-CH" dirty="0">
                 <a:ea typeface="Cambria Math" panose="02040503050406030204" pitchFamily="18" charset="0"/>
               </a:rPr>
-              <a:t>Que pouvons nous faire avec ces valeurs ?</a:t>
+              <a:t>Que pouvons-nous faire avec ces valeurs ?</a:t>
             </a:r>
             <a:endParaRPr lang="fr-CH" dirty="0"/>
           </a:p>
@@ -5935,7 +7743,7 @@
 </p:sld>
 </file>
 
-<file path=ppt/slides/slide17.xml><?xml version="1.0" encoding="utf-8"?>
+<file path=ppt/slides/slide27.xml><?xml version="1.0" encoding="utf-8"?>
 <p:sld xmlns:a="http://schemas.openxmlformats.org/drawingml/2006/main" xmlns:r="http://schemas.openxmlformats.org/officeDocument/2006/relationships" xmlns:p="http://schemas.openxmlformats.org/presentationml/2006/main">
   <p:cSld>
     <p:spTree>
@@ -5980,8 +7788,8 @@
           </a:p>
         </p:txBody>
       </p:sp>
-      <mc:AlternateContent xmlns:mc="http://schemas.openxmlformats.org/markup-compatibility/2006">
-        <mc:Choice xmlns:a14="http://schemas.microsoft.com/office/drawing/2010/main" Requires="a14">
+      <mc:AlternateContent xmlns:mc="http://schemas.openxmlformats.org/markup-compatibility/2006" xmlns:a14="http://schemas.microsoft.com/office/drawing/2010/main">
+        <mc:Choice Requires="a14">
           <p:sp>
             <p:nvSpPr>
               <p:cNvPr id="3" name="Espace réservé du contenu 2">
@@ -6291,7 +8099,7 @@
             </p:txBody>
           </p:sp>
         </mc:Choice>
-        <mc:Fallback>
+        <mc:Fallback xmlns="">
           <p:sp>
             <p:nvSpPr>
               <p:cNvPr id="3" name="Espace réservé du contenu 2">
@@ -6344,7 +8152,7 @@
 </p:sld>
 </file>
 
-<file path=ppt/slides/slide18.xml><?xml version="1.0" encoding="utf-8"?>
+<file path=ppt/slides/slide28.xml><?xml version="1.0" encoding="utf-8"?>
 <p:sld xmlns:a="http://schemas.openxmlformats.org/drawingml/2006/main" xmlns:r="http://schemas.openxmlformats.org/officeDocument/2006/relationships" xmlns:p="http://schemas.openxmlformats.org/presentationml/2006/main">
   <p:cSld>
     <p:spTree>
@@ -6652,7 +8460,16 @@
                   <a:rPr lang="fr-CH" dirty="0">
                     <a:latin typeface="Cambria Math" panose="02040503050406030204" pitchFamily="18" charset="0"/>
                   </a:rPr>
-                  <a:t> || 00 ... 00 || XX…XXX</a:t>
+                  <a:t> || 00 ... 00 || </a:t>
+                </a:r>
+                <a:r>
+                  <a:rPr lang="fr-CH" dirty="0">
+                    <a:highlight>
+                      <a:srgbClr val="FFFF00"/>
+                    </a:highlight>
+                    <a:latin typeface="Cambria Math" panose="02040503050406030204" pitchFamily="18" charset="0"/>
+                  </a:rPr>
+                  <a:t>XX…XXX</a:t>
                 </a:r>
               </a:p>
             </p:txBody>
@@ -6711,7 +8528,7 @@
 </p:sld>
 </file>
 
-<file path=ppt/slides/slide19.xml><?xml version="1.0" encoding="utf-8"?>
+<file path=ppt/slides/slide29.xml><?xml version="1.0" encoding="utf-8"?>
 <p:sld xmlns:a="http://schemas.openxmlformats.org/drawingml/2006/main" xmlns:r="http://schemas.openxmlformats.org/officeDocument/2006/relationships" xmlns:p="http://schemas.openxmlformats.org/presentationml/2006/main">
   <p:cSld>
     <p:spTree>
@@ -6756,8 +8573,8 @@
           </a:p>
         </p:txBody>
       </p:sp>
-      <mc:AlternateContent xmlns:mc="http://schemas.openxmlformats.org/markup-compatibility/2006">
-        <mc:Choice xmlns:a14="http://schemas.microsoft.com/office/drawing/2010/main" Requires="a14">
+      <mc:AlternateContent xmlns:mc="http://schemas.openxmlformats.org/markup-compatibility/2006" xmlns:a14="http://schemas.microsoft.com/office/drawing/2010/main">
+        <mc:Choice Requires="a14">
           <p:sp>
             <p:nvSpPr>
               <p:cNvPr id="3" name="Espace réservé du contenu 2">
@@ -6987,7 +8804,7 @@
             </p:txBody>
           </p:sp>
         </mc:Choice>
-        <mc:Fallback>
+        <mc:Fallback xmlns="">
           <p:sp>
             <p:nvSpPr>
               <p:cNvPr id="3" name="Espace réservé du contenu 2">
@@ -7040,7 +8857,7 @@
 </p:sld>
 </file>
 
-<file path=ppt/slides/slide2.xml><?xml version="1.0" encoding="utf-8"?>
+<file path=ppt/slides/slide3.xml><?xml version="1.0" encoding="utf-8"?>
 <p:sld xmlns:a="http://schemas.openxmlformats.org/drawingml/2006/main" xmlns:r="http://schemas.openxmlformats.org/officeDocument/2006/relationships" xmlns:p="http://schemas.openxmlformats.org/presentationml/2006/main">
   <p:cSld>
     <p:spTree>
@@ -7062,7 +8879,7 @@
           <p:cNvPr id="2" name="Titre 1">
             <a:extLst>
               <a:ext uri="{FF2B5EF4-FFF2-40B4-BE49-F238E27FC236}">
-                <a16:creationId xmlns:a16="http://schemas.microsoft.com/office/drawing/2014/main" id="{C7519599-4D6D-F382-5CBF-FF9746EACCC1}"/>
+                <a16:creationId xmlns:a16="http://schemas.microsoft.com/office/drawing/2014/main" id="{ABCA9630-E3A4-01F1-DC02-8D11AE85A440}"/>
               </a:ext>
             </a:extLst>
           </p:cNvPr>
@@ -7080,7 +8897,7 @@
           <a:p>
             <a:r>
               <a:rPr lang="fr-CH" dirty="0"/>
-              <a:t>Intro</a:t>
+              <a:t>L’attaque en bref</a:t>
             </a:r>
           </a:p>
         </p:txBody>
@@ -7090,7 +8907,7 @@
           <p:cNvPr id="3" name="Espace réservé du contenu 2">
             <a:extLst>
               <a:ext uri="{FF2B5EF4-FFF2-40B4-BE49-F238E27FC236}">
-                <a16:creationId xmlns:a16="http://schemas.microsoft.com/office/drawing/2014/main" id="{179AE550-BC42-BF0F-46AA-21142C517507}"/>
+                <a16:creationId xmlns:a16="http://schemas.microsoft.com/office/drawing/2014/main" id="{68FF2868-1122-9061-B5E0-99459AB4AC21}"/>
               </a:ext>
             </a:extLst>
           </p:cNvPr>
@@ -7108,19 +8925,36 @@
           <a:p>
             <a:r>
               <a:rPr lang="fr-CH" dirty="0"/>
-              <a:t>Signatures largement répandues</a:t>
+              <a:t>Écoute passive</a:t>
             </a:r>
           </a:p>
           <a:p>
             <a:r>
               <a:rPr lang="fr-CH" dirty="0"/>
-              <a:t>Authentifier un client, serveur</a:t>
-            </a:r>
+              <a:t>SSH ou </a:t>
+            </a:r>
+            <a:r>
+              <a:rPr lang="fr-CH" dirty="0" err="1"/>
+              <a:t>IPsec</a:t>
+            </a:r>
+            <a:endParaRPr lang="fr-CH" dirty="0"/>
           </a:p>
           <a:p>
             <a:r>
               <a:rPr lang="fr-CH" dirty="0"/>
-              <a:t>Souvent combiné avec d’autres algorithmes cryptographiques</a:t>
+              <a:t>Une signature PKCS#1 V1.5 invalide nécessaire</a:t>
+            </a:r>
+          </a:p>
+          <a:p>
+            <a:r>
+              <a:rPr lang="fr-CH" dirty="0"/>
+              <a:t>Pour un message inconnu</a:t>
+            </a:r>
+          </a:p>
+          <a:p>
+            <a:r>
+              <a:rPr lang="fr-CH" dirty="0"/>
+              <a:t>Signature calculée en utilisant le théorème des restes chinois</a:t>
             </a:r>
           </a:p>
           <a:p>
@@ -7131,7 +8965,7 @@
     </p:spTree>
     <p:extLst>
       <p:ext uri="{BB962C8B-B14F-4D97-AF65-F5344CB8AC3E}">
-        <p14:creationId xmlns:p14="http://schemas.microsoft.com/office/powerpoint/2010/main" val="1755347014"/>
+        <p14:creationId xmlns:p14="http://schemas.microsoft.com/office/powerpoint/2010/main" val="167832716"/>
       </p:ext>
     </p:extLst>
   </p:cSld>
@@ -7141,7 +8975,7 @@
 </p:sld>
 </file>
 
-<file path=ppt/slides/slide20.xml><?xml version="1.0" encoding="utf-8"?>
+<file path=ppt/slides/slide30.xml><?xml version="1.0" encoding="utf-8"?>
 <p:sld xmlns:a="http://schemas.openxmlformats.org/drawingml/2006/main" xmlns:r="http://schemas.openxmlformats.org/officeDocument/2006/relationships" xmlns:p="http://schemas.openxmlformats.org/presentationml/2006/main">
   <p:cSld>
     <p:spTree>
@@ -7452,12 +9286,31 @@
                         </a:rPr>
                         <m:t>+</m:t>
                       </m:r>
-                      <m:r>
-                        <a:rPr lang="en-GB" b="0" i="1" smtClean="0">
-                          <a:latin typeface="Cambria Math" panose="02040503050406030204" pitchFamily="18" charset="0"/>
-                        </a:rPr>
-                        <m:t>h</m:t>
-                      </m:r>
+                      <m:sSub>
+                        <m:sSubPr>
+                          <m:ctrlPr>
+                            <a:rPr lang="en-GB" b="0" i="1" smtClean="0">
+                              <a:latin typeface="Cambria Math" panose="02040503050406030204" pitchFamily="18" charset="0"/>
+                            </a:rPr>
+                          </m:ctrlPr>
+                        </m:sSubPr>
+                        <m:e>
+                          <m:r>
+                            <a:rPr lang="en-GB" b="0" i="1" smtClean="0">
+                              <a:latin typeface="Cambria Math" panose="02040503050406030204" pitchFamily="18" charset="0"/>
+                            </a:rPr>
+                            <m:t>𝑟</m:t>
+                          </m:r>
+                        </m:e>
+                        <m:sub>
+                          <m:r>
+                            <a:rPr lang="en-GB" b="0" i="1" smtClean="0">
+                              <a:latin typeface="Cambria Math" panose="02040503050406030204" pitchFamily="18" charset="0"/>
+                            </a:rPr>
+                            <m:t>1</m:t>
+                          </m:r>
+                        </m:sub>
+                      </m:sSub>
                     </m:oMath>
                   </m:oMathPara>
                 </a14:m>
@@ -7519,7 +9372,7 @@
 </p:sld>
 </file>
 
-<file path=ppt/slides/slide21.xml><?xml version="1.0" encoding="utf-8"?>
+<file path=ppt/slides/slide31.xml><?xml version="1.0" encoding="utf-8"?>
 <p:sld xmlns:a="http://schemas.openxmlformats.org/drawingml/2006/main" xmlns:r="http://schemas.openxmlformats.org/officeDocument/2006/relationships" xmlns:p="http://schemas.openxmlformats.org/presentationml/2006/main">
   <p:cSld>
     <p:spTree>
@@ -7768,18 +9621,31 @@
                                   </a:rPr>
                                   <m:t>∗</m:t>
                                 </m:r>
-                                <m:r>
-                                  <a:rPr lang="en-GB" i="1">
-                                    <a:latin typeface="Cambria Math" panose="02040503050406030204" pitchFamily="18" charset="0"/>
-                                  </a:rPr>
-                                  <m:t>𝑁</m:t>
-                                </m:r>
-                                <m:r>
-                                  <a:rPr lang="en-GB" i="1">
-                                    <a:latin typeface="Cambria Math" panose="02040503050406030204" pitchFamily="18" charset="0"/>
-                                  </a:rPr>
-                                  <m:t>1</m:t>
-                                </m:r>
+                                <m:sSub>
+                                  <m:sSubPr>
+                                    <m:ctrlPr>
+                                      <a:rPr lang="en-GB" b="0" i="1" smtClean="0">
+                                        <a:latin typeface="Cambria Math" panose="02040503050406030204" pitchFamily="18" charset="0"/>
+                                      </a:rPr>
+                                    </m:ctrlPr>
+                                  </m:sSubPr>
+                                  <m:e>
+                                    <m:r>
+                                      <a:rPr lang="en-GB" i="1">
+                                        <a:latin typeface="Cambria Math" panose="02040503050406030204" pitchFamily="18" charset="0"/>
+                                      </a:rPr>
+                                      <m:t>𝑁</m:t>
+                                    </m:r>
+                                  </m:e>
+                                  <m:sub>
+                                    <m:r>
+                                      <a:rPr lang="en-GB" i="1">
+                                        <a:latin typeface="Cambria Math" panose="02040503050406030204" pitchFamily="18" charset="0"/>
+                                      </a:rPr>
+                                      <m:t>1</m:t>
+                                    </m:r>
+                                  </m:sub>
+                                </m:sSub>
                               </m:e>
                               <m:e>
                                 <m:r>
@@ -7929,6 +9795,41 @@
                 </a14:m>
                 <a:endParaRPr lang="fr-CH" dirty="0"/>
               </a:p>
+              <a:p>
+                <a:pPr marL="0" indent="0">
+                  <a:buNone/>
+                </a:pPr>
+                <a:endParaRPr lang="fr-CH" dirty="0"/>
+              </a:p>
+              <a:p>
+                <a:pPr marL="0" indent="0">
+                  <a:buNone/>
+                </a:pPr>
+                <a:endParaRPr lang="fr-CH" dirty="0"/>
+              </a:p>
+              <a:p>
+                <a:pPr marL="0" indent="0">
+                  <a:buNone/>
+                </a:pPr>
+                <a:r>
+                  <a:rPr lang="fr-CH" dirty="0"/>
+                  <a:t>Avec </a:t>
+                </a:r>
+                <a14:m>
+                  <m:oMath xmlns:m="http://schemas.openxmlformats.org/officeDocument/2006/math">
+                    <m:r>
+                      <a:rPr lang="en-GB" b="0" i="1" smtClean="0">
+                        <a:latin typeface="Cambria Math" panose="02040503050406030204" pitchFamily="18" charset="0"/>
+                      </a:rPr>
+                      <m:t>𝑟</m:t>
+                    </m:r>
+                  </m:oMath>
+                </a14:m>
+                <a:r>
+                  <a:rPr lang="fr-CH" dirty="0"/>
+                  <a:t> qui est la taille de l’espace de l’erreur</a:t>
+                </a:r>
+              </a:p>
             </p:txBody>
           </p:sp>
         </mc:Choice>
@@ -7953,7 +9854,7 @@
               <a:blipFill>
                 <a:blip r:embed="rId2"/>
                 <a:stretch>
-                  <a:fillRect/>
+                  <a:fillRect l="-1217" b="-1961"/>
                 </a:stretch>
               </a:blipFill>
             </p:spPr>
@@ -7985,7 +9886,7 @@
 </p:sld>
 </file>
 
-<file path=ppt/slides/slide22.xml><?xml version="1.0" encoding="utf-8"?>
+<file path=ppt/slides/slide32.xml><?xml version="1.0" encoding="utf-8"?>
 <p:sld xmlns:a="http://schemas.openxmlformats.org/drawingml/2006/main" xmlns:r="http://schemas.openxmlformats.org/officeDocument/2006/relationships" xmlns:p="http://schemas.openxmlformats.org/presentationml/2006/main">
   <p:cSld>
     <p:spTree>
@@ -8030,8 +9931,8 @@
           </a:p>
         </p:txBody>
       </p:sp>
-      <mc:AlternateContent xmlns:mc="http://schemas.openxmlformats.org/markup-compatibility/2006">
-        <mc:Choice xmlns:a14="http://schemas.microsoft.com/office/drawing/2010/main" Requires="a14">
+      <mc:AlternateContent xmlns:mc="http://schemas.openxmlformats.org/markup-compatibility/2006" xmlns:a14="http://schemas.microsoft.com/office/drawing/2010/main">
+        <mc:Choice Requires="a14">
           <p:sp>
             <p:nvSpPr>
               <p:cNvPr id="3" name="Espace réservé du contenu 2">
@@ -8148,7 +10049,7 @@
             </p:txBody>
           </p:sp>
         </mc:Choice>
-        <mc:Fallback>
+        <mc:Fallback xmlns="">
           <p:sp>
             <p:nvSpPr>
               <p:cNvPr id="3" name="Espace réservé du contenu 2">
@@ -8201,7 +10102,7 @@
 </p:sld>
 </file>
 
-<file path=ppt/slides/slide23.xml><?xml version="1.0" encoding="utf-8"?>
+<file path=ppt/slides/slide33.xml><?xml version="1.0" encoding="utf-8"?>
 <p:sld xmlns:a="http://schemas.openxmlformats.org/drawingml/2006/main" xmlns:r="http://schemas.openxmlformats.org/officeDocument/2006/relationships" xmlns:p="http://schemas.openxmlformats.org/presentationml/2006/main">
   <p:cSld>
     <p:spTree>
@@ -8648,11 +10549,146 @@
                           </m:ctrlPr>
                         </m:sSubPr>
                         <m:e>
+                          <m:f>
+                            <m:fPr>
+                              <m:ctrlPr>
+                                <a:rPr lang="fr-CH" i="1" smtClean="0">
+                                  <a:latin typeface="Cambria Math" panose="02040503050406030204" pitchFamily="18" charset="0"/>
+                                </a:rPr>
+                              </m:ctrlPr>
+                            </m:fPr>
+                            <m:num>
+                              <m:sSub>
+                                <m:sSubPr>
+                                  <m:ctrlPr>
+                                    <a:rPr lang="en-GB" b="0" i="1" smtClean="0">
+                                      <a:latin typeface="Cambria Math" panose="02040503050406030204" pitchFamily="18" charset="0"/>
+                                    </a:rPr>
+                                  </m:ctrlPr>
+                                </m:sSubPr>
+                                <m:e>
+                                  <m:r>
+                                    <a:rPr lang="en-GB" i="1">
+                                      <a:latin typeface="Cambria Math" panose="02040503050406030204" pitchFamily="18" charset="0"/>
+                                    </a:rPr>
+                                    <m:t>𝑎</m:t>
+                                  </m:r>
+                                </m:e>
+                                <m:sub>
+                                  <m:r>
+                                    <a:rPr lang="en-GB" b="0" i="1" smtClean="0">
+                                      <a:latin typeface="Cambria Math" panose="02040503050406030204" pitchFamily="18" charset="0"/>
+                                    </a:rPr>
+                                    <m:t>1</m:t>
+                                  </m:r>
+                                </m:sub>
+                              </m:sSub>
+                              <m:r>
+                                <a:rPr lang="en-GB" i="1">
+                                  <a:latin typeface="Cambria Math" panose="02040503050406030204" pitchFamily="18" charset="0"/>
+                                </a:rPr>
+                                <m:t>∗ </m:t>
+                              </m:r>
+                              <m:sSup>
+                                <m:sSupPr>
+                                  <m:ctrlPr>
+                                    <a:rPr lang="en-GB" i="1">
+                                      <a:latin typeface="Cambria Math" panose="02040503050406030204" pitchFamily="18" charset="0"/>
+                                    </a:rPr>
+                                  </m:ctrlPr>
+                                </m:sSupPr>
+                                <m:e>
+                                  <m:r>
+                                    <a:rPr lang="en-GB" i="1">
+                                      <a:latin typeface="Cambria Math" panose="02040503050406030204" pitchFamily="18" charset="0"/>
+                                    </a:rPr>
+                                    <m:t>𝑥</m:t>
+                                  </m:r>
+                                </m:e>
+                                <m:sup>
+                                  <m:r>
+                                    <a:rPr lang="en-GB" i="1">
+                                      <a:latin typeface="Cambria Math" panose="02040503050406030204" pitchFamily="18" charset="0"/>
+                                    </a:rPr>
+                                    <m:t>2</m:t>
+                                  </m:r>
+                                </m:sup>
+                              </m:sSup>
+                            </m:num>
+                            <m:den>
+                              <m:sSup>
+                                <m:sSupPr>
+                                  <m:ctrlPr>
+                                    <a:rPr lang="fr-CH" i="1" smtClean="0">
+                                      <a:latin typeface="Cambria Math" panose="02040503050406030204" pitchFamily="18" charset="0"/>
+                                    </a:rPr>
+                                  </m:ctrlPr>
+                                </m:sSupPr>
+                                <m:e>
+                                  <m:r>
+                                    <a:rPr lang="en-GB" b="0" i="1" smtClean="0">
+                                      <a:latin typeface="Cambria Math" panose="02040503050406030204" pitchFamily="18" charset="0"/>
+                                    </a:rPr>
+                                    <m:t>2</m:t>
+                                  </m:r>
+                                </m:e>
+                                <m:sup>
+                                  <m:sSup>
+                                    <m:sSupPr>
+                                      <m:ctrlPr>
+                                        <a:rPr lang="pt-BR" i="1">
+                                          <a:latin typeface="Cambria Math" panose="02040503050406030204" pitchFamily="18" charset="0"/>
+                                        </a:rPr>
+                                      </m:ctrlPr>
+                                    </m:sSupPr>
+                                    <m:e>
+                                      <m:r>
+                                        <a:rPr lang="en-GB" i="1">
+                                          <a:latin typeface="Cambria Math" panose="02040503050406030204" pitchFamily="18" charset="0"/>
+                                        </a:rPr>
+                                        <m:t>2</m:t>
+                                      </m:r>
+                                    </m:e>
+                                    <m:sup>
+                                      <m:func>
+                                        <m:funcPr>
+                                          <m:ctrlPr>
+                                            <a:rPr lang="en-GB" i="1">
+                                              <a:latin typeface="Cambria Math" panose="02040503050406030204" pitchFamily="18" charset="0"/>
+                                            </a:rPr>
+                                          </m:ctrlPr>
+                                        </m:funcPr>
+                                        <m:fName>
+                                          <m:r>
+                                            <m:rPr>
+                                              <m:sty m:val="p"/>
+                                            </m:rPr>
+                                            <a:rPr lang="en-GB">
+                                              <a:latin typeface="Cambria Math" panose="02040503050406030204" pitchFamily="18" charset="0"/>
+                                            </a:rPr>
+                                            <m:t>log</m:t>
+                                          </m:r>
+                                        </m:fName>
+                                        <m:e>
+                                          <m:r>
+                                            <a:rPr lang="en-GB" i="1">
+                                              <a:latin typeface="Cambria Math" panose="02040503050406030204" pitchFamily="18" charset="0"/>
+                                            </a:rPr>
+                                            <m:t>𝑟</m:t>
+                                          </m:r>
+                                        </m:e>
+                                      </m:func>
+                                    </m:sup>
+                                  </m:sSup>
+                                </m:sup>
+                              </m:sSup>
+                            </m:den>
+                          </m:f>
                           <m:r>
-                            <a:rPr lang="en-GB" i="1">
+                            <a:rPr lang="en-GB" b="0" i="1" smtClean="0">
                               <a:latin typeface="Cambria Math" panose="02040503050406030204" pitchFamily="18" charset="0"/>
                             </a:rPr>
-                            <m:t>𝑎</m:t>
+                            <m:t>+ </m:t>
                           </m:r>
                         </m:e>
                         <m:sub>
@@ -8670,43 +10706,103 @@
                         </a:rPr>
                         <m:t>+</m:t>
                       </m:r>
-                      <m:sSub>
-                        <m:sSubPr>
+                      <m:f>
+                        <m:fPr>
                           <m:ctrlPr>
-                            <a:rPr lang="fr-CH" i="1">
+                            <a:rPr lang="pt-BR" i="1" smtClean="0">
                               <a:latin typeface="Cambria Math" panose="02040503050406030204" pitchFamily="18" charset="0"/>
                             </a:rPr>
                           </m:ctrlPr>
-                        </m:sSubPr>
-                        <m:e>
+                        </m:fPr>
+                        <m:num>
+                          <m:sSub>
+                            <m:sSubPr>
+                              <m:ctrlPr>
+                                <a:rPr lang="fr-CH" i="1">
+                                  <a:latin typeface="Cambria Math" panose="02040503050406030204" pitchFamily="18" charset="0"/>
+                                </a:rPr>
+                              </m:ctrlPr>
+                            </m:sSubPr>
+                            <m:e>
+                              <m:r>
+                                <a:rPr lang="en-GB" i="1">
+                                  <a:latin typeface="Cambria Math" panose="02040503050406030204" pitchFamily="18" charset="0"/>
+                                </a:rPr>
+                                <m:t>𝑏</m:t>
+                              </m:r>
+                            </m:e>
+                            <m:sub>
+                              <m:r>
+                                <a:rPr lang="en-GB" i="1">
+                                  <a:latin typeface="Cambria Math" panose="02040503050406030204" pitchFamily="18" charset="0"/>
+                                </a:rPr>
+                                <m:t>1</m:t>
+                              </m:r>
+                            </m:sub>
+                          </m:sSub>
                           <m:r>
                             <a:rPr lang="en-GB" i="1">
                               <a:latin typeface="Cambria Math" panose="02040503050406030204" pitchFamily="18" charset="0"/>
                             </a:rPr>
-                            <m:t>𝑏</m:t>
+                            <m:t>∗</m:t>
                           </m:r>
-                        </m:e>
-                        <m:sub>
                           <m:r>
                             <a:rPr lang="en-GB" i="1">
                               <a:latin typeface="Cambria Math" panose="02040503050406030204" pitchFamily="18" charset="0"/>
                             </a:rPr>
-                            <m:t>1</m:t>
+                            <m:t>𝑥</m:t>
                           </m:r>
-                        </m:sub>
-                      </m:sSub>
-                      <m:r>
-                        <a:rPr lang="en-GB" b="0" i="1" smtClean="0">
-                          <a:latin typeface="Cambria Math" panose="02040503050406030204" pitchFamily="18" charset="0"/>
-                        </a:rPr>
-                        <m:t>∗</m:t>
-                      </m:r>
-                      <m:r>
-                        <a:rPr lang="en-GB" b="0" i="1" smtClean="0">
-                          <a:latin typeface="Cambria Math" panose="02040503050406030204" pitchFamily="18" charset="0"/>
-                        </a:rPr>
-                        <m:t>𝑥</m:t>
-                      </m:r>
+                        </m:num>
+                        <m:den>
+                          <m:sSup>
+                            <m:sSupPr>
+                              <m:ctrlPr>
+                                <a:rPr lang="pt-BR" i="1" smtClean="0">
+                                  <a:latin typeface="Cambria Math" panose="02040503050406030204" pitchFamily="18" charset="0"/>
+                                </a:rPr>
+                              </m:ctrlPr>
+                            </m:sSupPr>
+                            <m:e>
+                              <m:r>
+                                <a:rPr lang="en-GB" b="0" i="1" smtClean="0">
+                                  <a:latin typeface="Cambria Math" panose="02040503050406030204" pitchFamily="18" charset="0"/>
+                                </a:rPr>
+                                <m:t>2</m:t>
+                              </m:r>
+                            </m:e>
+                            <m:sup>
+                              <m:func>
+                                <m:funcPr>
+                                  <m:ctrlPr>
+                                    <a:rPr lang="en-GB" b="0" i="1" smtClean="0">
+                                      <a:latin typeface="Cambria Math" panose="02040503050406030204" pitchFamily="18" charset="0"/>
+                                    </a:rPr>
+                                  </m:ctrlPr>
+                                </m:funcPr>
+                                <m:fName>
+                                  <m:r>
+                                    <m:rPr>
+                                      <m:sty m:val="p"/>
+                                    </m:rPr>
+                                    <a:rPr lang="en-GB" b="0" i="0" smtClean="0">
+                                      <a:latin typeface="Cambria Math" panose="02040503050406030204" pitchFamily="18" charset="0"/>
+                                    </a:rPr>
+                                    <m:t>log</m:t>
+                                  </m:r>
+                                </m:fName>
+                                <m:e>
+                                  <m:r>
+                                    <a:rPr lang="en-GB" b="0" i="1" smtClean="0">
+                                      <a:latin typeface="Cambria Math" panose="02040503050406030204" pitchFamily="18" charset="0"/>
+                                    </a:rPr>
+                                    <m:t>𝑟</m:t>
+                                  </m:r>
+                                </m:e>
+                              </m:func>
+                            </m:sup>
+                          </m:sSup>
+                        </m:den>
+                      </m:f>
                       <m:r>
                         <a:rPr lang="en-GB" b="0" i="1" smtClean="0">
                           <a:latin typeface="Cambria Math" panose="02040503050406030204" pitchFamily="18" charset="0"/>
@@ -8738,37 +10834,6 @@
                           </m:r>
                         </m:sub>
                       </m:sSub>
-                      <m:r>
-                        <a:rPr lang="en-GB" b="0" i="1" smtClean="0">
-                          <a:latin typeface="Cambria Math" panose="02040503050406030204" pitchFamily="18" charset="0"/>
-                        </a:rPr>
-                        <m:t>∗ </m:t>
-                      </m:r>
-                      <m:sSup>
-                        <m:sSupPr>
-                          <m:ctrlPr>
-                            <a:rPr lang="en-GB" b="0" i="1" smtClean="0">
-                              <a:latin typeface="Cambria Math" panose="02040503050406030204" pitchFamily="18" charset="0"/>
-                            </a:rPr>
-                          </m:ctrlPr>
-                        </m:sSupPr>
-                        <m:e>
-                          <m:r>
-                            <a:rPr lang="en-GB" b="0" i="1" smtClean="0">
-                              <a:latin typeface="Cambria Math" panose="02040503050406030204" pitchFamily="18" charset="0"/>
-                            </a:rPr>
-                            <m:t>𝑥</m:t>
-                          </m:r>
-                        </m:e>
-                        <m:sup>
-                          <m:r>
-                            <a:rPr lang="en-GB" b="0" i="1" smtClean="0">
-                              <a:latin typeface="Cambria Math" panose="02040503050406030204" pitchFamily="18" charset="0"/>
-                            </a:rPr>
-                            <m:t>2</m:t>
-                          </m:r>
-                        </m:sup>
-                      </m:sSup>
                     </m:oMath>
                   </m:oMathPara>
                 </a14:m>
@@ -8807,18 +10872,31 @@
                           </m:ctrlPr>
                         </m:dPr>
                         <m:e>
-                          <m:r>
-                            <a:rPr lang="en-GB" b="0" i="1" smtClean="0">
-                              <a:latin typeface="Cambria Math" panose="02040503050406030204" pitchFamily="18" charset="0"/>
-                            </a:rPr>
-                            <m:t>𝑟</m:t>
-                          </m:r>
-                          <m:r>
-                            <a:rPr lang="en-GB" b="0" i="1" smtClean="0">
-                              <a:latin typeface="Cambria Math" panose="02040503050406030204" pitchFamily="18" charset="0"/>
-                            </a:rPr>
-                            <m:t>1</m:t>
-                          </m:r>
+                          <m:sSub>
+                            <m:sSubPr>
+                              <m:ctrlPr>
+                                <a:rPr lang="en-GB" b="0" i="1" smtClean="0">
+                                  <a:latin typeface="Cambria Math" panose="02040503050406030204" pitchFamily="18" charset="0"/>
+                                </a:rPr>
+                              </m:ctrlPr>
+                            </m:sSubPr>
+                            <m:e>
+                              <m:r>
+                                <a:rPr lang="en-GB" b="0" i="1" smtClean="0">
+                                  <a:latin typeface="Cambria Math" panose="02040503050406030204" pitchFamily="18" charset="0"/>
+                                </a:rPr>
+                                <m:t>𝑟</m:t>
+                              </m:r>
+                            </m:e>
+                            <m:sub>
+                              <m:r>
+                                <a:rPr lang="en-GB" b="0" i="1" smtClean="0">
+                                  <a:latin typeface="Cambria Math" panose="02040503050406030204" pitchFamily="18" charset="0"/>
+                                </a:rPr>
+                                <m:t>1</m:t>
+                              </m:r>
+                            </m:sub>
+                          </m:sSub>
                         </m:e>
                       </m:d>
                       <m:r>
@@ -8888,7 +10966,7 @@
 </p:sld>
 </file>
 
-<file path=ppt/slides/slide24.xml><?xml version="1.0" encoding="utf-8"?>
+<file path=ppt/slides/slide34.xml><?xml version="1.0" encoding="utf-8"?>
 <p:sld xmlns:a="http://schemas.openxmlformats.org/drawingml/2006/main" xmlns:r="http://schemas.openxmlformats.org/officeDocument/2006/relationships" xmlns:p="http://schemas.openxmlformats.org/presentationml/2006/main">
   <p:cSld>
     <p:spTree>
@@ -8939,8 +11017,8 @@
           </a:p>
         </p:txBody>
       </p:sp>
-      <mc:AlternateContent xmlns:mc="http://schemas.openxmlformats.org/markup-compatibility/2006">
-        <mc:Choice xmlns:a14="http://schemas.microsoft.com/office/drawing/2010/main" Requires="a14">
+      <mc:AlternateContent xmlns:mc="http://schemas.openxmlformats.org/markup-compatibility/2006" xmlns:a14="http://schemas.microsoft.com/office/drawing/2010/main">
+        <mc:Choice Requires="a14">
           <p:sp>
             <p:nvSpPr>
               <p:cNvPr id="3" name="Espace réservé du contenu 2">
@@ -9202,7 +11280,7 @@
             </p:txBody>
           </p:sp>
         </mc:Choice>
-        <mc:Fallback>
+        <mc:Fallback xmlns="">
           <p:sp>
             <p:nvSpPr>
               <p:cNvPr id="3" name="Espace réservé du contenu 2">
@@ -9255,7 +11333,7 @@
 </p:sld>
 </file>
 
-<file path=ppt/slides/slide25.xml><?xml version="1.0" encoding="utf-8"?>
+<file path=ppt/slides/slide35.xml><?xml version="1.0" encoding="utf-8"?>
 <p:sld xmlns:a="http://schemas.openxmlformats.org/drawingml/2006/main" xmlns:r="http://schemas.openxmlformats.org/officeDocument/2006/relationships" xmlns:p="http://schemas.openxmlformats.org/presentationml/2006/main">
   <p:cSld>
     <p:spTree>
@@ -9321,7 +11399,56 @@
           <a:bodyPr/>
           <a:lstStyle/>
           <a:p>
-            <a:endParaRPr lang="fr-CH"/>
+            <a:r>
+              <a:rPr lang="fr-CH" dirty="0"/>
+              <a:t>Faire les mises à jour</a:t>
+            </a:r>
+          </a:p>
+          <a:p>
+            <a:r>
+              <a:rPr lang="fr-CH" dirty="0"/>
+              <a:t>Valider toutes les signatures avant de les envoyer</a:t>
+            </a:r>
+          </a:p>
+          <a:p>
+            <a:r>
+              <a:rPr lang="fr-CH" dirty="0"/>
+              <a:t>Ne pas utiliser PKCS#1 v1.5</a:t>
+            </a:r>
+          </a:p>
+          <a:p>
+            <a:r>
+              <a:rPr lang="fr-CH" dirty="0"/>
+              <a:t>Ne pas utiliser un </a:t>
+            </a:r>
+            <a:r>
+              <a:rPr lang="fr-CH" dirty="0" err="1"/>
+              <a:t>padding</a:t>
+            </a:r>
+            <a:r>
+              <a:rPr lang="fr-CH" dirty="0"/>
+              <a:t> déterministe</a:t>
+            </a:r>
+          </a:p>
+          <a:p>
+            <a:r>
+              <a:rPr lang="fr-CH" dirty="0"/>
+              <a:t>Protocole :</a:t>
+            </a:r>
+          </a:p>
+          <a:p>
+            <a:pPr lvl="1"/>
+            <a:r>
+              <a:rPr lang="fr-CH" dirty="0"/>
+              <a:t>Chiffrer la communication le plus tôt possible</a:t>
+            </a:r>
+          </a:p>
+          <a:p>
+            <a:pPr lvl="1"/>
+            <a:r>
+              <a:rPr lang="fr-CH" dirty="0"/>
+              <a:t>Se baser sur TLS 1.3</a:t>
+            </a:r>
           </a:p>
         </p:txBody>
       </p:sp>
@@ -9338,7 +11465,7 @@
 </p:sld>
 </file>
 
-<file path=ppt/slides/slide26.xml><?xml version="1.0" encoding="utf-8"?>
+<file path=ppt/slides/slide36.xml><?xml version="1.0" encoding="utf-8"?>
 <p:sld xmlns:a="http://schemas.openxmlformats.org/drawingml/2006/main" xmlns:r="http://schemas.openxmlformats.org/officeDocument/2006/relationships" xmlns:p="http://schemas.openxmlformats.org/presentationml/2006/main">
   <p:cSld>
     <p:spTree>
@@ -9360,7 +11487,7 @@
           <p:cNvPr id="2" name="Titre 1">
             <a:extLst>
               <a:ext uri="{FF2B5EF4-FFF2-40B4-BE49-F238E27FC236}">
-                <a16:creationId xmlns:a16="http://schemas.microsoft.com/office/drawing/2014/main" id="{CE5B3F89-73E8-F591-5459-D7C7DA9182F2}"/>
+                <a16:creationId xmlns:a16="http://schemas.microsoft.com/office/drawing/2014/main" id="{F29EA416-018F-8C12-6BA0-C0F12CD10F7D}"/>
               </a:ext>
             </a:extLst>
           </p:cNvPr>
@@ -9368,7 +11495,7 @@
             <a:spLocks noGrp="1"/>
           </p:cNvSpPr>
           <p:nvPr>
-            <p:ph type="title"/>
+            <p:ph type="ctrTitle"/>
           </p:nvPr>
         </p:nvSpPr>
         <p:spPr/>
@@ -9385,10 +11512,10 @@
       </p:sp>
       <p:sp>
         <p:nvSpPr>
-          <p:cNvPr id="3" name="Espace réservé du contenu 2">
+          <p:cNvPr id="3" name="Sous-titre 2">
             <a:extLst>
               <a:ext uri="{FF2B5EF4-FFF2-40B4-BE49-F238E27FC236}">
-                <a16:creationId xmlns:a16="http://schemas.microsoft.com/office/drawing/2014/main" id="{C183CE3D-B8CF-6FEA-B32D-72C4A3152EC7}"/>
+                <a16:creationId xmlns:a16="http://schemas.microsoft.com/office/drawing/2014/main" id="{DB50C281-F141-1C1A-0379-86C2D23A5647}"/>
               </a:ext>
             </a:extLst>
           </p:cNvPr>
@@ -9396,7 +11523,7 @@
             <a:spLocks noGrp="1"/>
           </p:cNvSpPr>
           <p:nvPr>
-            <p:ph idx="1"/>
+            <p:ph type="subTitle" idx="1"/>
           </p:nvPr>
         </p:nvSpPr>
         <p:spPr/>
@@ -9411,7 +11538,7 @@
     </p:spTree>
     <p:extLst>
       <p:ext uri="{BB962C8B-B14F-4D97-AF65-F5344CB8AC3E}">
-        <p14:creationId xmlns:p14="http://schemas.microsoft.com/office/powerpoint/2010/main" val="3188463438"/>
+        <p14:creationId xmlns:p14="http://schemas.microsoft.com/office/powerpoint/2010/main" val="722432586"/>
       </p:ext>
     </p:extLst>
   </p:cSld>
@@ -9421,7 +11548,7 @@
 </p:sld>
 </file>
 
-<file path=ppt/slides/slide27.xml><?xml version="1.0" encoding="utf-8"?>
+<file path=ppt/slides/slide37.xml><?xml version="1.0" encoding="utf-8"?>
 <p:sld xmlns:a="http://schemas.openxmlformats.org/drawingml/2006/main" xmlns:r="http://schemas.openxmlformats.org/officeDocument/2006/relationships" xmlns:p="http://schemas.openxmlformats.org/presentationml/2006/main">
   <p:cSld>
     <p:spTree>
@@ -9484,7 +11611,9 @@
         </p:nvSpPr>
         <p:spPr/>
         <p:txBody>
-          <a:bodyPr/>
+          <a:bodyPr>
+            <a:normAutofit lnSpcReduction="10000"/>
+          </a:bodyPr>
           <a:lstStyle/>
           <a:p>
             <a:r>
@@ -9585,6 +11714,17 @@
               <a:rPr lang="fr-CH" dirty="0"/>
               <a:t> [PDF]. Support de cours : Cryptographie avancée appliquée, HEIG-VD, 2024.</a:t>
             </a:r>
+          </a:p>
+          <a:p>
+            <a:r>
+              <a:rPr lang="en-GB" b="1" dirty="0"/>
+              <a:t>Tatu Ylonen.</a:t>
+            </a:r>
+            <a:r>
+              <a:rPr lang="en-GB" dirty="0"/>
+              <a:t> SSH - Secure Login Connections over the Internet. Proceedings of the 6th USENIX Security Symposium, pp. 37-42, USENIX, 1996.</a:t>
+            </a:r>
+            <a:endParaRPr lang="fr-CH" dirty="0"/>
           </a:p>
         </p:txBody>
       </p:sp>
@@ -9592,124 +11732,6 @@
     <p:extLst>
       <p:ext uri="{BB962C8B-B14F-4D97-AF65-F5344CB8AC3E}">
         <p14:creationId xmlns:p14="http://schemas.microsoft.com/office/powerpoint/2010/main" val="3148802735"/>
-      </p:ext>
-    </p:extLst>
-  </p:cSld>
-  <p:clrMapOvr>
-    <a:masterClrMapping/>
-  </p:clrMapOvr>
-</p:sld>
-</file>
-
-<file path=ppt/slides/slide3.xml><?xml version="1.0" encoding="utf-8"?>
-<p:sld xmlns:a="http://schemas.openxmlformats.org/drawingml/2006/main" xmlns:r="http://schemas.openxmlformats.org/officeDocument/2006/relationships" xmlns:p="http://schemas.openxmlformats.org/presentationml/2006/main">
-  <p:cSld>
-    <p:spTree>
-      <p:nvGrpSpPr>
-        <p:cNvPr id="1" name=""/>
-        <p:cNvGrpSpPr/>
-        <p:nvPr/>
-      </p:nvGrpSpPr>
-      <p:grpSpPr>
-        <a:xfrm>
-          <a:off x="0" y="0"/>
-          <a:ext cx="0" cy="0"/>
-          <a:chOff x="0" y="0"/>
-          <a:chExt cx="0" cy="0"/>
-        </a:xfrm>
-      </p:grpSpPr>
-      <p:sp>
-        <p:nvSpPr>
-          <p:cNvPr id="2" name="Titre 1">
-            <a:extLst>
-              <a:ext uri="{FF2B5EF4-FFF2-40B4-BE49-F238E27FC236}">
-                <a16:creationId xmlns:a16="http://schemas.microsoft.com/office/drawing/2014/main" id="{ABCA9630-E3A4-01F1-DC02-8D11AE85A440}"/>
-              </a:ext>
-            </a:extLst>
-          </p:cNvPr>
-          <p:cNvSpPr>
-            <a:spLocks noGrp="1"/>
-          </p:cNvSpPr>
-          <p:nvPr>
-            <p:ph type="title"/>
-          </p:nvPr>
-        </p:nvSpPr>
-        <p:spPr/>
-        <p:txBody>
-          <a:bodyPr/>
-          <a:lstStyle/>
-          <a:p>
-            <a:r>
-              <a:rPr lang="fr-CH" dirty="0"/>
-              <a:t>L’attaque en bref</a:t>
-            </a:r>
-          </a:p>
-        </p:txBody>
-      </p:sp>
-      <p:sp>
-        <p:nvSpPr>
-          <p:cNvPr id="3" name="Espace réservé du contenu 2">
-            <a:extLst>
-              <a:ext uri="{FF2B5EF4-FFF2-40B4-BE49-F238E27FC236}">
-                <a16:creationId xmlns:a16="http://schemas.microsoft.com/office/drawing/2014/main" id="{68FF2868-1122-9061-B5E0-99459AB4AC21}"/>
-              </a:ext>
-            </a:extLst>
-          </p:cNvPr>
-          <p:cNvSpPr>
-            <a:spLocks noGrp="1"/>
-          </p:cNvSpPr>
-          <p:nvPr>
-            <p:ph idx="1"/>
-          </p:nvPr>
-        </p:nvSpPr>
-        <p:spPr/>
-        <p:txBody>
-          <a:bodyPr/>
-          <a:lstStyle/>
-          <a:p>
-            <a:r>
-              <a:rPr lang="fr-CH" dirty="0"/>
-              <a:t>Écoute passive</a:t>
-            </a:r>
-          </a:p>
-          <a:p>
-            <a:r>
-              <a:rPr lang="fr-CH" dirty="0"/>
-              <a:t>SSH ou </a:t>
-            </a:r>
-            <a:r>
-              <a:rPr lang="fr-CH" dirty="0" err="1"/>
-              <a:t>IPsec</a:t>
-            </a:r>
-            <a:endParaRPr lang="fr-CH" dirty="0"/>
-          </a:p>
-          <a:p>
-            <a:r>
-              <a:rPr lang="fr-CH" dirty="0"/>
-              <a:t>Une signature PKCS#1 V1.5 invalide nécessaire</a:t>
-            </a:r>
-          </a:p>
-          <a:p>
-            <a:r>
-              <a:rPr lang="fr-CH" dirty="0"/>
-              <a:t>Pour un message inconnu</a:t>
-            </a:r>
-          </a:p>
-          <a:p>
-            <a:r>
-              <a:rPr lang="fr-CH" dirty="0"/>
-              <a:t>Signature calculée en utilisant le théorème des restes chinois</a:t>
-            </a:r>
-          </a:p>
-          <a:p>
-            <a:endParaRPr lang="fr-CH" dirty="0"/>
-          </a:p>
-        </p:txBody>
-      </p:sp>
-    </p:spTree>
-    <p:extLst>
-      <p:ext uri="{BB962C8B-B14F-4D97-AF65-F5344CB8AC3E}">
-        <p14:creationId xmlns:p14="http://schemas.microsoft.com/office/powerpoint/2010/main" val="167832716"/>
       </p:ext>
     </p:extLst>
   </p:cSld>
@@ -9931,6 +11953,48 @@
             </a:r>
           </a:p>
           <a:p>
+            <a:endParaRPr lang="fr-CH" dirty="0"/>
+          </a:p>
+        </p:txBody>
+      </p:sp>
+      <p:sp>
+        <p:nvSpPr>
+          <p:cNvPr id="3" name="Espace réservé du pied de page 8">
+            <a:extLst>
+              <a:ext uri="{FF2B5EF4-FFF2-40B4-BE49-F238E27FC236}">
+                <a16:creationId xmlns:a16="http://schemas.microsoft.com/office/drawing/2014/main" id="{FD4EA799-CE02-3F70-AA1E-C3DFB7931FD8}"/>
+              </a:ext>
+            </a:extLst>
+          </p:cNvPr>
+          <p:cNvSpPr>
+            <a:spLocks noGrp="1"/>
+          </p:cNvSpPr>
+          <p:nvPr>
+            <p:ph type="ftr" sz="quarter" idx="11"/>
+          </p:nvPr>
+        </p:nvSpPr>
+        <p:spPr>
+          <a:xfrm>
+            <a:off x="0" y="6356350"/>
+            <a:ext cx="8117918" cy="365125"/>
+          </a:xfrm>
+        </p:spPr>
+        <p:txBody>
+          <a:bodyPr/>
+          <a:lstStyle/>
+          <a:p>
+            <a:r>
+              <a:rPr lang="en-GB" dirty="0"/>
+              <a:t>Keegan Ryan et al. Passive SSH Key Compromise via Lattices. Cryptology </a:t>
+            </a:r>
+            <a:r>
+              <a:rPr lang="en-GB" dirty="0" err="1"/>
+              <a:t>ePrint</a:t>
+            </a:r>
+            <a:r>
+              <a:rPr lang="en-GB" dirty="0"/>
+              <a:t> Archive, Paper 2023/1711, 2023.</a:t>
+            </a:r>
             <a:endParaRPr lang="fr-CH" dirty="0"/>
           </a:p>
         </p:txBody>
@@ -10255,6 +12319,48 @@
           </a:graphicData>
         </a:graphic>
       </p:graphicFrame>
+      <p:sp>
+        <p:nvSpPr>
+          <p:cNvPr id="3" name="Espace réservé du pied de page 8">
+            <a:extLst>
+              <a:ext uri="{FF2B5EF4-FFF2-40B4-BE49-F238E27FC236}">
+                <a16:creationId xmlns:a16="http://schemas.microsoft.com/office/drawing/2014/main" id="{9F04F69C-54E3-BF74-C290-8AB238EF68E4}"/>
+              </a:ext>
+            </a:extLst>
+          </p:cNvPr>
+          <p:cNvSpPr>
+            <a:spLocks noGrp="1"/>
+          </p:cNvSpPr>
+          <p:nvPr>
+            <p:ph type="ftr" sz="quarter" idx="11"/>
+          </p:nvPr>
+        </p:nvSpPr>
+        <p:spPr>
+          <a:xfrm>
+            <a:off x="0" y="6356350"/>
+            <a:ext cx="8117918" cy="365125"/>
+          </a:xfrm>
+        </p:spPr>
+        <p:txBody>
+          <a:bodyPr/>
+          <a:lstStyle/>
+          <a:p>
+            <a:r>
+              <a:rPr lang="en-GB" dirty="0"/>
+              <a:t>Keegan Ryan et al. Passive SSH Key Compromise via Lattices. Cryptology </a:t>
+            </a:r>
+            <a:r>
+              <a:rPr lang="en-GB" dirty="0" err="1"/>
+              <a:t>ePrint</a:t>
+            </a:r>
+            <a:r>
+              <a:rPr lang="en-GB" dirty="0"/>
+              <a:t> Archive, Paper 2023/1711, 2023.</a:t>
+            </a:r>
+            <a:endParaRPr lang="fr-CH" dirty="0"/>
+          </a:p>
+        </p:txBody>
+      </p:sp>
     </p:spTree>
     <p:extLst>
       <p:ext uri="{BB962C8B-B14F-4D97-AF65-F5344CB8AC3E}">
@@ -10399,12 +12505,46 @@
           </a:p>
         </p:txBody>
       </p:sp>
+      <p:pic>
+        <p:nvPicPr>
+          <p:cNvPr id="12" name="Espace réservé du contenu 11">
+            <a:extLst>
+              <a:ext uri="{FF2B5EF4-FFF2-40B4-BE49-F238E27FC236}">
+                <a16:creationId xmlns:a16="http://schemas.microsoft.com/office/drawing/2014/main" id="{4D57BD00-275F-086A-B019-09441149799D}"/>
+              </a:ext>
+            </a:extLst>
+          </p:cNvPr>
+          <p:cNvPicPr>
+            <a:picLocks noGrp="1" noChangeAspect="1"/>
+          </p:cNvPicPr>
+          <p:nvPr>
+            <p:ph idx="1"/>
+          </p:nvPr>
+        </p:nvPicPr>
+        <p:blipFill>
+          <a:blip r:embed="rId2">
+            <a:extLst>
+              <a:ext uri="{28A0092B-C50C-407E-A947-70E740481C1C}">
+                <a14:useLocalDpi xmlns:a14="http://schemas.microsoft.com/office/drawing/2010/main" val="0"/>
+              </a:ext>
+            </a:extLst>
+          </a:blip>
+          <a:srcRect/>
+          <a:stretch/>
+        </p:blipFill>
+        <p:spPr>
+          <a:xfrm>
+            <a:off x="838200" y="2191955"/>
+            <a:ext cx="10515600" cy="3618677"/>
+          </a:xfrm>
+        </p:spPr>
+      </p:pic>
       <p:sp>
         <p:nvSpPr>
-          <p:cNvPr id="3" name="Espace réservé du contenu 2">
+          <p:cNvPr id="13" name="Espace réservé du pied de page 12">
             <a:extLst>
               <a:ext uri="{FF2B5EF4-FFF2-40B4-BE49-F238E27FC236}">
-                <a16:creationId xmlns:a16="http://schemas.microsoft.com/office/drawing/2014/main" id="{2642F217-C2B0-61EC-0CFF-94476B4C3087}"/>
+                <a16:creationId xmlns:a16="http://schemas.microsoft.com/office/drawing/2014/main" id="{2A34BFDB-8807-5D23-E09D-2F3605686511}"/>
               </a:ext>
             </a:extLst>
           </p:cNvPr>
@@ -10412,15 +12552,24 @@
             <a:spLocks noGrp="1"/>
           </p:cNvSpPr>
           <p:nvPr>
-            <p:ph idx="1"/>
+            <p:ph type="ftr" sz="quarter" idx="11"/>
           </p:nvPr>
         </p:nvSpPr>
-        <p:spPr/>
+        <p:spPr>
+          <a:xfrm>
+            <a:off x="-1" y="6356350"/>
+            <a:ext cx="9646571" cy="365125"/>
+          </a:xfrm>
+        </p:spPr>
         <p:txBody>
           <a:bodyPr/>
           <a:lstStyle/>
           <a:p>
-            <a:endParaRPr lang="fr-CH"/>
+            <a:r>
+              <a:rPr lang="en-GB" dirty="0"/>
+              <a:t>Tatu Ylonen: SSH - Secure Login Connections over the Internet. Proceedings of the 6th USENIX Security Symposium, pp. 37-42, USENIX, 1996.</a:t>
+            </a:r>
+            <a:endParaRPr lang="fr-CH" dirty="0"/>
           </a:p>
         </p:txBody>
       </p:sp>
@@ -10459,7 +12608,7 @@
           <p:cNvPr id="2" name="Titre 1">
             <a:extLst>
               <a:ext uri="{FF2B5EF4-FFF2-40B4-BE49-F238E27FC236}">
-                <a16:creationId xmlns:a16="http://schemas.microsoft.com/office/drawing/2014/main" id="{C7AA97B4-9548-A3E1-F52D-BD36A09A7DA0}"/>
+                <a16:creationId xmlns:a16="http://schemas.microsoft.com/office/drawing/2014/main" id="{34DB7913-74D7-7837-652B-6F145847D8DA}"/>
               </a:ext>
             </a:extLst>
           </p:cNvPr>
@@ -10476,10 +12625,9 @@
           <a:lstStyle/>
           <a:p>
             <a:r>
-              <a:rPr lang="fr-CH" dirty="0" err="1"/>
-              <a:t>IPsec</a:t>
-            </a:r>
-            <a:endParaRPr lang="fr-CH" dirty="0"/>
+              <a:rPr lang="fr-CH" dirty="0"/>
+              <a:t>SSH</a:t>
+            </a:r>
           </a:p>
         </p:txBody>
       </p:sp>
@@ -10488,7 +12636,7 @@
           <p:cNvPr id="3" name="Espace réservé du contenu 2">
             <a:extLst>
               <a:ext uri="{FF2B5EF4-FFF2-40B4-BE49-F238E27FC236}">
-                <a16:creationId xmlns:a16="http://schemas.microsoft.com/office/drawing/2014/main" id="{F0C10A8F-80FA-2A40-2959-EAF69F97A569}"/>
+                <a16:creationId xmlns:a16="http://schemas.microsoft.com/office/drawing/2014/main" id="{66D37A0F-FDE0-F063-4D79-9F2C94D0B35A}"/>
               </a:ext>
             </a:extLst>
           </p:cNvPr>
@@ -10504,14 +12652,105 @@
           <a:bodyPr/>
           <a:lstStyle/>
           <a:p>
-            <a:endParaRPr lang="fr-CH"/>
+            <a:pPr marL="514350" indent="-514350">
+              <a:buFont typeface="+mj-lt"/>
+              <a:buAutoNum type="arabicPeriod"/>
+            </a:pPr>
+            <a:r>
+              <a:rPr lang="fr-CH" dirty="0"/>
+              <a:t>Connection du client</a:t>
+            </a:r>
+          </a:p>
+          <a:p>
+            <a:pPr marL="514350" indent="-514350">
+              <a:buFont typeface="+mj-lt"/>
+              <a:buAutoNum type="arabicPeriod"/>
+            </a:pPr>
+            <a:r>
+              <a:rPr lang="fr-CH" dirty="0"/>
+              <a:t>Négociation des algorithmes</a:t>
+            </a:r>
+          </a:p>
+          <a:p>
+            <a:pPr marL="514350" indent="-514350">
+              <a:buFont typeface="+mj-lt"/>
+              <a:buAutoNum type="arabicPeriod"/>
+            </a:pPr>
+            <a:r>
+              <a:rPr lang="fr-CH" dirty="0"/>
+              <a:t>Échange </a:t>
+            </a:r>
+            <a:r>
+              <a:rPr lang="fr-CH" dirty="0" err="1"/>
+              <a:t>Diffie</a:t>
+            </a:r>
+            <a:r>
+              <a:rPr lang="fr-CH" dirty="0"/>
+              <a:t>-Hellman</a:t>
+            </a:r>
+          </a:p>
+          <a:p>
+            <a:pPr marL="514350" indent="-514350">
+              <a:buFont typeface="+mj-lt"/>
+              <a:buAutoNum type="arabicPeriod"/>
+            </a:pPr>
+            <a:r>
+              <a:rPr lang="fr-CH" dirty="0"/>
+              <a:t>Le serveur signe le D-H, les </a:t>
+            </a:r>
+            <a:r>
+              <a:rPr lang="fr-CH" dirty="0" err="1"/>
+              <a:t>cipher</a:t>
+            </a:r>
+            <a:r>
+              <a:rPr lang="fr-CH" dirty="0"/>
+              <a:t> suites, </a:t>
+            </a:r>
+            <a:r>
+              <a:rPr lang="fr-CH" dirty="0" err="1"/>
+              <a:t>l’id</a:t>
+            </a:r>
+            <a:r>
+              <a:rPr lang="fr-CH" dirty="0"/>
+              <a:t> client et serveur</a:t>
+            </a:r>
+          </a:p>
+          <a:p>
+            <a:pPr marL="514350" indent="-514350">
+              <a:buFont typeface="+mj-lt"/>
+              <a:buAutoNum type="arabicPeriod"/>
+            </a:pPr>
+            <a:r>
+              <a:rPr lang="fr-CH" dirty="0"/>
+              <a:t>Signature envoyée en clair</a:t>
+            </a:r>
+          </a:p>
+          <a:p>
+            <a:pPr marL="514350" indent="-514350">
+              <a:buFont typeface="+mj-lt"/>
+              <a:buAutoNum type="arabicPeriod"/>
+            </a:pPr>
+            <a:r>
+              <a:rPr lang="fr-CH" dirty="0"/>
+              <a:t>Établissement du canal chiffré</a:t>
+            </a:r>
+          </a:p>
+          <a:p>
+            <a:pPr marL="514350" indent="-514350">
+              <a:buFont typeface="+mj-lt"/>
+              <a:buAutoNum type="arabicPeriod"/>
+            </a:pPr>
+            <a:r>
+              <a:rPr lang="fr-CH" dirty="0"/>
+              <a:t>Authentification du client</a:t>
+            </a:r>
           </a:p>
         </p:txBody>
       </p:sp>
     </p:spTree>
     <p:extLst>
       <p:ext uri="{BB962C8B-B14F-4D97-AF65-F5344CB8AC3E}">
-        <p14:creationId xmlns:p14="http://schemas.microsoft.com/office/powerpoint/2010/main" val="1917608397"/>
+        <p14:creationId xmlns:p14="http://schemas.microsoft.com/office/powerpoint/2010/main" val="2074329008"/>
       </p:ext>
     </p:extLst>
   </p:cSld>

--- a/SSELaticeAttackFerrara.pptx
+++ b/SSELaticeAttackFerrara.pptx
@@ -5,10 +5,10 @@
     <p:sldMasterId id="2147483648" r:id="rId1"/>
   </p:sldMasterIdLst>
   <p:notesMasterIdLst>
-    <p:notesMasterId r:id="rId39"/>
+    <p:notesMasterId r:id="rId40"/>
   </p:notesMasterIdLst>
   <p:handoutMasterIdLst>
-    <p:handoutMasterId r:id="rId40"/>
+    <p:handoutMasterId r:id="rId41"/>
   </p:handoutMasterIdLst>
   <p:sldIdLst>
     <p:sldId id="256" r:id="rId2"/>
@@ -46,8 +46,9 @@
     <p:sldId id="280" r:id="rId34"/>
     <p:sldId id="281" r:id="rId35"/>
     <p:sldId id="269" r:id="rId36"/>
-    <p:sldId id="296" r:id="rId37"/>
-    <p:sldId id="270" r:id="rId38"/>
+    <p:sldId id="297" r:id="rId37"/>
+    <p:sldId id="296" r:id="rId38"/>
+    <p:sldId id="270" r:id="rId39"/>
   </p:sldIdLst>
   <p:sldSz cx="12192000" cy="6858000"/>
   <p:notesSz cx="6858000" cy="9144000"/>
@@ -248,7 +249,7 @@
           <a:p>
             <a:fld id="{E119955A-8F8B-4836-9D5D-75BC53B05DFA}" type="datetimeFigureOut">
               <a:rPr lang="fr-CH" smtClean="0"/>
-              <a:t>14.03.2025</a:t>
+              <a:t>16.03.2025</a:t>
             </a:fld>
             <a:endParaRPr lang="fr-CH"/>
           </a:p>
@@ -425,7 +426,7 @@
           <a:p>
             <a:fld id="{4B7F84FC-00BA-4296-9B1E-E241E38FBA94}" type="datetimeFigureOut">
               <a:rPr lang="fr-CH" smtClean="0"/>
-              <a:t>14.03.2025</a:t>
+              <a:t>16.03.2025</a:t>
             </a:fld>
             <a:endParaRPr lang="fr-CH"/>
           </a:p>
@@ -842,7 +843,7 @@
           <a:p>
             <a:fld id="{F57DD76F-4C7B-46A7-B9DC-35AD90C344BA}" type="datetimeFigureOut">
               <a:rPr lang="fr-CH" smtClean="0"/>
-              <a:t>14.03.2025</a:t>
+              <a:t>16.03.2025</a:t>
             </a:fld>
             <a:endParaRPr lang="fr-CH"/>
           </a:p>
@@ -1042,7 +1043,7 @@
           <a:p>
             <a:fld id="{F57DD76F-4C7B-46A7-B9DC-35AD90C344BA}" type="datetimeFigureOut">
               <a:rPr lang="fr-CH" smtClean="0"/>
-              <a:t>14.03.2025</a:t>
+              <a:t>16.03.2025</a:t>
             </a:fld>
             <a:endParaRPr lang="fr-CH"/>
           </a:p>
@@ -1252,7 +1253,7 @@
           <a:p>
             <a:fld id="{F57DD76F-4C7B-46A7-B9DC-35AD90C344BA}" type="datetimeFigureOut">
               <a:rPr lang="fr-CH" smtClean="0"/>
-              <a:t>14.03.2025</a:t>
+              <a:t>16.03.2025</a:t>
             </a:fld>
             <a:endParaRPr lang="fr-CH"/>
           </a:p>
@@ -1452,7 +1453,7 @@
           <a:p>
             <a:fld id="{F57DD76F-4C7B-46A7-B9DC-35AD90C344BA}" type="datetimeFigureOut">
               <a:rPr lang="fr-CH" smtClean="0"/>
-              <a:t>14.03.2025</a:t>
+              <a:t>16.03.2025</a:t>
             </a:fld>
             <a:endParaRPr lang="fr-CH"/>
           </a:p>
@@ -1728,7 +1729,7 @@
           <a:p>
             <a:fld id="{F57DD76F-4C7B-46A7-B9DC-35AD90C344BA}" type="datetimeFigureOut">
               <a:rPr lang="fr-CH" smtClean="0"/>
-              <a:t>14.03.2025</a:t>
+              <a:t>16.03.2025</a:t>
             </a:fld>
             <a:endParaRPr lang="fr-CH"/>
           </a:p>
@@ -1996,7 +1997,7 @@
           <a:p>
             <a:fld id="{F57DD76F-4C7B-46A7-B9DC-35AD90C344BA}" type="datetimeFigureOut">
               <a:rPr lang="fr-CH" smtClean="0"/>
-              <a:t>14.03.2025</a:t>
+              <a:t>16.03.2025</a:t>
             </a:fld>
             <a:endParaRPr lang="fr-CH"/>
           </a:p>
@@ -2411,7 +2412,7 @@
           <a:p>
             <a:fld id="{F57DD76F-4C7B-46A7-B9DC-35AD90C344BA}" type="datetimeFigureOut">
               <a:rPr lang="fr-CH" smtClean="0"/>
-              <a:t>14.03.2025</a:t>
+              <a:t>16.03.2025</a:t>
             </a:fld>
             <a:endParaRPr lang="fr-CH"/>
           </a:p>
@@ -2553,7 +2554,7 @@
           <a:p>
             <a:fld id="{F57DD76F-4C7B-46A7-B9DC-35AD90C344BA}" type="datetimeFigureOut">
               <a:rPr lang="fr-CH" smtClean="0"/>
-              <a:t>14.03.2025</a:t>
+              <a:t>16.03.2025</a:t>
             </a:fld>
             <a:endParaRPr lang="fr-CH"/>
           </a:p>
@@ -2666,7 +2667,7 @@
           <a:p>
             <a:fld id="{F57DD76F-4C7B-46A7-B9DC-35AD90C344BA}" type="datetimeFigureOut">
               <a:rPr lang="fr-CH" smtClean="0"/>
-              <a:t>14.03.2025</a:t>
+              <a:t>16.03.2025</a:t>
             </a:fld>
             <a:endParaRPr lang="fr-CH"/>
           </a:p>
@@ -2979,7 +2980,7 @@
           <a:p>
             <a:fld id="{F57DD76F-4C7B-46A7-B9DC-35AD90C344BA}" type="datetimeFigureOut">
               <a:rPr lang="fr-CH" smtClean="0"/>
-              <a:t>14.03.2025</a:t>
+              <a:t>16.03.2025</a:t>
             </a:fld>
             <a:endParaRPr lang="fr-CH"/>
           </a:p>
@@ -3268,7 +3269,7 @@
           <a:p>
             <a:fld id="{F57DD76F-4C7B-46A7-B9DC-35AD90C344BA}" type="datetimeFigureOut">
               <a:rPr lang="fr-CH" smtClean="0"/>
-              <a:t>14.03.2025</a:t>
+              <a:t>16.03.2025</a:t>
             </a:fld>
             <a:endParaRPr lang="fr-CH"/>
           </a:p>
@@ -3511,7 +3512,7 @@
           <a:p>
             <a:fld id="{F57DD76F-4C7B-46A7-B9DC-35AD90C344BA}" type="datetimeFigureOut">
               <a:rPr lang="fr-CH" smtClean="0"/>
-              <a:t>14.03.2025</a:t>
+              <a:t>16.03.2025</a:t>
             </a:fld>
             <a:endParaRPr lang="fr-CH"/>
           </a:p>
@@ -5476,8 +5477,8 @@
           </a:p>
         </p:txBody>
       </p:sp>
-      <mc:AlternateContent xmlns:mc="http://schemas.openxmlformats.org/markup-compatibility/2006">
-        <mc:Choice xmlns:a14="http://schemas.microsoft.com/office/drawing/2010/main" Requires="a14">
+      <mc:AlternateContent xmlns:mc="http://schemas.openxmlformats.org/markup-compatibility/2006" xmlns:a14="http://schemas.microsoft.com/office/drawing/2010/main">
+        <mc:Choice Requires="a14">
           <p:sp>
             <p:nvSpPr>
               <p:cNvPr id="3" name="Espace réservé du contenu 2">
@@ -5903,7 +5904,7 @@
             </p:txBody>
           </p:sp>
         </mc:Choice>
-        <mc:Fallback>
+        <mc:Fallback xmlns="">
           <p:sp>
             <p:nvSpPr>
               <p:cNvPr id="3" name="Espace réservé du contenu 2">
@@ -6241,8 +6242,8 @@
           </a:p>
         </p:txBody>
       </p:sp>
-      <mc:AlternateContent xmlns:mc="http://schemas.openxmlformats.org/markup-compatibility/2006">
-        <mc:Choice xmlns:a14="http://schemas.microsoft.com/office/drawing/2010/main" Requires="a14">
+      <mc:AlternateContent xmlns:mc="http://schemas.openxmlformats.org/markup-compatibility/2006" xmlns:a14="http://schemas.microsoft.com/office/drawing/2010/main">
+        <mc:Choice Requires="a14">
           <p:sp>
             <p:nvSpPr>
               <p:cNvPr id="3" name="Espace réservé du contenu 2">
@@ -6403,7 +6404,7 @@
             </p:txBody>
           </p:sp>
         </mc:Choice>
-        <mc:Fallback>
+        <mc:Fallback xmlns="">
           <p:sp>
             <p:nvSpPr>
               <p:cNvPr id="3" name="Espace réservé du contenu 2">
@@ -6501,8 +6502,8 @@
           </a:p>
         </p:txBody>
       </p:sp>
-      <mc:AlternateContent xmlns:mc="http://schemas.openxmlformats.org/markup-compatibility/2006">
-        <mc:Choice xmlns:a14="http://schemas.microsoft.com/office/drawing/2010/main" Requires="a14">
+      <mc:AlternateContent xmlns:mc="http://schemas.openxmlformats.org/markup-compatibility/2006" xmlns:a14="http://schemas.microsoft.com/office/drawing/2010/main">
+        <mc:Choice Requires="a14">
           <p:sp>
             <p:nvSpPr>
               <p:cNvPr id="3" name="Espace réservé du contenu 2">
@@ -6934,7 +6935,7 @@
             </p:txBody>
           </p:sp>
         </mc:Choice>
-        <mc:Fallback>
+        <mc:Fallback xmlns="">
           <p:sp>
             <p:nvSpPr>
               <p:cNvPr id="3" name="Espace réservé du contenu 2">
@@ -7038,8 +7039,8 @@
           </a:p>
         </p:txBody>
       </p:sp>
-      <mc:AlternateContent xmlns:mc="http://schemas.openxmlformats.org/markup-compatibility/2006">
-        <mc:Choice xmlns:a14="http://schemas.microsoft.com/office/drawing/2010/main" Requires="a14">
+      <mc:AlternateContent xmlns:mc="http://schemas.openxmlformats.org/markup-compatibility/2006" xmlns:a14="http://schemas.microsoft.com/office/drawing/2010/main">
+        <mc:Choice Requires="a14">
           <p:sp>
             <p:nvSpPr>
               <p:cNvPr id="3" name="Espace réservé du contenu 2">
@@ -7476,7 +7477,7 @@
             </p:txBody>
           </p:sp>
         </mc:Choice>
-        <mc:Fallback>
+        <mc:Fallback xmlns="">
           <p:sp>
             <p:nvSpPr>
               <p:cNvPr id="3" name="Espace réservé du contenu 2">
@@ -8208,8 +8209,8 @@
           </a:p>
         </p:txBody>
       </p:sp>
-      <mc:AlternateContent xmlns:mc="http://schemas.openxmlformats.org/markup-compatibility/2006">
-        <mc:Choice xmlns:a14="http://schemas.microsoft.com/office/drawing/2010/main" Requires="a14">
+      <mc:AlternateContent xmlns:mc="http://schemas.openxmlformats.org/markup-compatibility/2006" xmlns:a14="http://schemas.microsoft.com/office/drawing/2010/main">
+        <mc:Choice Requires="a14">
           <p:sp>
             <p:nvSpPr>
               <p:cNvPr id="3" name="Espace réservé du contenu 2">
@@ -8475,7 +8476,7 @@
             </p:txBody>
           </p:sp>
         </mc:Choice>
-        <mc:Fallback>
+        <mc:Fallback xmlns="">
           <p:sp>
             <p:nvSpPr>
               <p:cNvPr id="3" name="Espace réservé du contenu 2">
@@ -9026,8 +9027,8 @@
           </a:p>
         </p:txBody>
       </p:sp>
-      <mc:AlternateContent xmlns:mc="http://schemas.openxmlformats.org/markup-compatibility/2006">
-        <mc:Choice xmlns:a14="http://schemas.microsoft.com/office/drawing/2010/main" Requires="a14">
+      <mc:AlternateContent xmlns:mc="http://schemas.openxmlformats.org/markup-compatibility/2006" xmlns:a14="http://schemas.microsoft.com/office/drawing/2010/main">
+        <mc:Choice Requires="a14">
           <p:sp>
             <p:nvSpPr>
               <p:cNvPr id="3" name="Espace réservé du contenu 2">
@@ -9319,7 +9320,7 @@
             </p:txBody>
           </p:sp>
         </mc:Choice>
-        <mc:Fallback>
+        <mc:Fallback xmlns="">
           <p:sp>
             <p:nvSpPr>
               <p:cNvPr id="3" name="Espace réservé du contenu 2">
@@ -9418,8 +9419,8 @@
           </a:p>
         </p:txBody>
       </p:sp>
-      <mc:AlternateContent xmlns:mc="http://schemas.openxmlformats.org/markup-compatibility/2006">
-        <mc:Choice xmlns:a14="http://schemas.microsoft.com/office/drawing/2010/main" Requires="a14">
+      <mc:AlternateContent xmlns:mc="http://schemas.openxmlformats.org/markup-compatibility/2006" xmlns:a14="http://schemas.microsoft.com/office/drawing/2010/main">
+        <mc:Choice Requires="a14">
           <p:sp>
             <p:nvSpPr>
               <p:cNvPr id="3" name="Espace réservé du contenu 2">
@@ -9833,7 +9834,7 @@
             </p:txBody>
           </p:sp>
         </mc:Choice>
-        <mc:Fallback>
+        <mc:Fallback xmlns="">
           <p:sp>
             <p:nvSpPr>
               <p:cNvPr id="3" name="Espace réservé du contenu 2">
@@ -10540,59 +10541,94 @@
                         </a:rPr>
                         <m:t>=</m:t>
                       </m:r>
-                      <m:sSub>
-                        <m:sSubPr>
+                      <m:f>
+                        <m:fPr>
                           <m:ctrlPr>
-                            <a:rPr lang="fr-CH" i="1">
+                            <a:rPr lang="fr-CH" i="1" smtClean="0">
                               <a:latin typeface="Cambria Math" panose="02040503050406030204" pitchFamily="18" charset="0"/>
                             </a:rPr>
                           </m:ctrlPr>
-                        </m:sSubPr>
-                        <m:e>
-                          <m:f>
-                            <m:fPr>
+                        </m:fPr>
+                        <m:num>
+                          <m:sSub>
+                            <m:sSubPr>
+                              <m:ctrlPr>
+                                <a:rPr lang="en-GB" b="0" i="1" smtClean="0">
+                                  <a:latin typeface="Cambria Math" panose="02040503050406030204" pitchFamily="18" charset="0"/>
+                                </a:rPr>
+                              </m:ctrlPr>
+                            </m:sSubPr>
+                            <m:e>
+                              <m:r>
+                                <a:rPr lang="en-GB" i="1">
+                                  <a:latin typeface="Cambria Math" panose="02040503050406030204" pitchFamily="18" charset="0"/>
+                                </a:rPr>
+                                <m:t>𝑎</m:t>
+                              </m:r>
+                            </m:e>
+                            <m:sub>
+                              <m:r>
+                                <a:rPr lang="en-GB" b="0" i="1" smtClean="0">
+                                  <a:latin typeface="Cambria Math" panose="02040503050406030204" pitchFamily="18" charset="0"/>
+                                </a:rPr>
+                                <m:t>1</m:t>
+                              </m:r>
+                            </m:sub>
+                          </m:sSub>
+                          <m:r>
+                            <a:rPr lang="en-GB" i="1">
+                              <a:latin typeface="Cambria Math" panose="02040503050406030204" pitchFamily="18" charset="0"/>
+                            </a:rPr>
+                            <m:t>∗ </m:t>
+                          </m:r>
+                          <m:sSup>
+                            <m:sSupPr>
+                              <m:ctrlPr>
+                                <a:rPr lang="en-GB" i="1">
+                                  <a:latin typeface="Cambria Math" panose="02040503050406030204" pitchFamily="18" charset="0"/>
+                                </a:rPr>
+                              </m:ctrlPr>
+                            </m:sSupPr>
+                            <m:e>
+                              <m:r>
+                                <a:rPr lang="en-GB" i="1">
+                                  <a:latin typeface="Cambria Math" panose="02040503050406030204" pitchFamily="18" charset="0"/>
+                                </a:rPr>
+                                <m:t>𝑥</m:t>
+                              </m:r>
+                            </m:e>
+                            <m:sup>
+                              <m:r>
+                                <a:rPr lang="en-GB" i="1">
+                                  <a:latin typeface="Cambria Math" panose="02040503050406030204" pitchFamily="18" charset="0"/>
+                                </a:rPr>
+                                <m:t>2</m:t>
+                              </m:r>
+                            </m:sup>
+                          </m:sSup>
+                        </m:num>
+                        <m:den>
+                          <m:sSup>
+                            <m:sSupPr>
                               <m:ctrlPr>
                                 <a:rPr lang="fr-CH" i="1" smtClean="0">
                                   <a:latin typeface="Cambria Math" panose="02040503050406030204" pitchFamily="18" charset="0"/>
                                 </a:rPr>
                               </m:ctrlPr>
-                            </m:fPr>
-                            <m:num>
-                              <m:sSub>
-                                <m:sSubPr>
-                                  <m:ctrlPr>
-                                    <a:rPr lang="en-GB" b="0" i="1" smtClean="0">
-                                      <a:latin typeface="Cambria Math" panose="02040503050406030204" pitchFamily="18" charset="0"/>
-                                    </a:rPr>
-                                  </m:ctrlPr>
-                                </m:sSubPr>
-                                <m:e>
-                                  <m:r>
-                                    <a:rPr lang="en-GB" i="1">
-                                      <a:latin typeface="Cambria Math" panose="02040503050406030204" pitchFamily="18" charset="0"/>
-                                    </a:rPr>
-                                    <m:t>𝑎</m:t>
-                                  </m:r>
-                                </m:e>
-                                <m:sub>
-                                  <m:r>
-                                    <a:rPr lang="en-GB" b="0" i="1" smtClean="0">
-                                      <a:latin typeface="Cambria Math" panose="02040503050406030204" pitchFamily="18" charset="0"/>
-                                    </a:rPr>
-                                    <m:t>1</m:t>
-                                  </m:r>
-                                </m:sub>
-                              </m:sSub>
+                            </m:sSupPr>
+                            <m:e>
                               <m:r>
-                                <a:rPr lang="en-GB" i="1">
+                                <a:rPr lang="en-GB" b="0" i="1" smtClean="0">
                                   <a:latin typeface="Cambria Math" panose="02040503050406030204" pitchFamily="18" charset="0"/>
                                 </a:rPr>
-                                <m:t>∗ </m:t>
+                                <m:t>2</m:t>
                               </m:r>
+                            </m:e>
+                            <m:sup>
                               <m:sSup>
                                 <m:sSupPr>
                                   <m:ctrlPr>
-                                    <a:rPr lang="en-GB" i="1">
+                                    <a:rPr lang="pt-BR" i="1">
                                       <a:latin typeface="Cambria Math" panose="02040503050406030204" pitchFamily="18" charset="0"/>
                                     </a:rPr>
                                   </m:ctrlPr>
@@ -10602,104 +10638,50 @@
                                     <a:rPr lang="en-GB" i="1">
                                       <a:latin typeface="Cambria Math" panose="02040503050406030204" pitchFamily="18" charset="0"/>
                                     </a:rPr>
-                                    <m:t>𝑥</m:t>
-                                  </m:r>
-                                </m:e>
-                                <m:sup>
-                                  <m:r>
-                                    <a:rPr lang="en-GB" i="1">
-                                      <a:latin typeface="Cambria Math" panose="02040503050406030204" pitchFamily="18" charset="0"/>
-                                    </a:rPr>
-                                    <m:t>2</m:t>
-                                  </m:r>
-                                </m:sup>
-                              </m:sSup>
-                            </m:num>
-                            <m:den>
-                              <m:sSup>
-                                <m:sSupPr>
-                                  <m:ctrlPr>
-                                    <a:rPr lang="fr-CH" i="1" smtClean="0">
-                                      <a:latin typeface="Cambria Math" panose="02040503050406030204" pitchFamily="18" charset="0"/>
-                                    </a:rPr>
-                                  </m:ctrlPr>
-                                </m:sSupPr>
-                                <m:e>
-                                  <m:r>
-                                    <a:rPr lang="en-GB" b="0" i="1" smtClean="0">
-                                      <a:latin typeface="Cambria Math" panose="02040503050406030204" pitchFamily="18" charset="0"/>
-                                    </a:rPr>
                                     <m:t>2</m:t>
                                   </m:r>
                                 </m:e>
                                 <m:sup>
-                                  <m:sSup>
-                                    <m:sSupPr>
+                                  <m:func>
+                                    <m:funcPr>
                                       <m:ctrlPr>
-                                        <a:rPr lang="pt-BR" i="1">
+                                        <a:rPr lang="en-GB" i="1">
                                           <a:latin typeface="Cambria Math" panose="02040503050406030204" pitchFamily="18" charset="0"/>
                                         </a:rPr>
                                       </m:ctrlPr>
-                                    </m:sSupPr>
+                                    </m:funcPr>
+                                    <m:fName>
+                                      <m:r>
+                                        <m:rPr>
+                                          <m:sty m:val="p"/>
+                                        </m:rPr>
+                                        <a:rPr lang="en-GB">
+                                          <a:latin typeface="Cambria Math" panose="02040503050406030204" pitchFamily="18" charset="0"/>
+                                        </a:rPr>
+                                        <m:t>log</m:t>
+                                      </m:r>
+                                    </m:fName>
                                     <m:e>
                                       <m:r>
                                         <a:rPr lang="en-GB" i="1">
                                           <a:latin typeface="Cambria Math" panose="02040503050406030204" pitchFamily="18" charset="0"/>
                                         </a:rPr>
-                                        <m:t>2</m:t>
+                                        <m:t>𝑟</m:t>
                                       </m:r>
                                     </m:e>
-                                    <m:sup>
-                                      <m:func>
-                                        <m:funcPr>
-                                          <m:ctrlPr>
-                                            <a:rPr lang="en-GB" i="1">
-                                              <a:latin typeface="Cambria Math" panose="02040503050406030204" pitchFamily="18" charset="0"/>
-                                            </a:rPr>
-                                          </m:ctrlPr>
-                                        </m:funcPr>
-                                        <m:fName>
-                                          <m:r>
-                                            <m:rPr>
-                                              <m:sty m:val="p"/>
-                                            </m:rPr>
-                                            <a:rPr lang="en-GB">
-                                              <a:latin typeface="Cambria Math" panose="02040503050406030204" pitchFamily="18" charset="0"/>
-                                            </a:rPr>
-                                            <m:t>log</m:t>
-                                          </m:r>
-                                        </m:fName>
-                                        <m:e>
-                                          <m:r>
-                                            <a:rPr lang="en-GB" i="1">
-                                              <a:latin typeface="Cambria Math" panose="02040503050406030204" pitchFamily="18" charset="0"/>
-                                            </a:rPr>
-                                            <m:t>𝑟</m:t>
-                                          </m:r>
-                                        </m:e>
-                                      </m:func>
-                                    </m:sup>
-                                  </m:sSup>
+                                  </m:func>
                                 </m:sup>
                               </m:sSup>
-                            </m:den>
-                          </m:f>
-                          <m:r>
-                            <a:rPr lang="en-GB" b="0" i="1" smtClean="0">
-                              <a:latin typeface="Cambria Math" panose="02040503050406030204" pitchFamily="18" charset="0"/>
-                            </a:rPr>
-                            <m:t>+ </m:t>
-                          </m:r>
-                        </m:e>
-                        <m:sub>
-                          <m:r>
-                            <a:rPr lang="en-GB" i="1">
-                              <a:latin typeface="Cambria Math" panose="02040503050406030204" pitchFamily="18" charset="0"/>
-                            </a:rPr>
-                            <m:t>1</m:t>
-                          </m:r>
-                        </m:sub>
-                      </m:sSub>
+                            </m:sup>
+                          </m:sSup>
+                        </m:den>
+                      </m:f>
+                      <m:r>
+                        <a:rPr lang="en-GB" b="0" i="1" smtClean="0">
+                          <a:latin typeface="Cambria Math" panose="02040503050406030204" pitchFamily="18" charset="0"/>
+                        </a:rPr>
+                        <m:t> </m:t>
+                      </m:r>
                       <m:r>
                         <a:rPr lang="pt-BR" i="1" smtClean="0">
                           <a:latin typeface="Cambria Math" panose="02040503050406030204" pitchFamily="18" charset="0"/>
@@ -11470,6 +11452,147 @@
   <p:cSld>
     <p:spTree>
       <p:nvGrpSpPr>
+        <p:cNvPr id="1" name="">
+          <a:extLst>
+            <a:ext uri="{FF2B5EF4-FFF2-40B4-BE49-F238E27FC236}">
+              <a16:creationId xmlns:a16="http://schemas.microsoft.com/office/drawing/2014/main" id="{56A05C18-F7C5-3038-FACD-B0B50AF1F176}"/>
+            </a:ext>
+          </a:extLst>
+        </p:cNvPr>
+        <p:cNvGrpSpPr/>
+        <p:nvPr/>
+      </p:nvGrpSpPr>
+      <p:grpSpPr>
+        <a:xfrm>
+          <a:off x="0" y="0"/>
+          <a:ext cx="0" cy="0"/>
+          <a:chOff x="0" y="0"/>
+          <a:chExt cx="0" cy="0"/>
+        </a:xfrm>
+      </p:grpSpPr>
+      <p:sp>
+        <p:nvSpPr>
+          <p:cNvPr id="2" name="Titre 1">
+            <a:extLst>
+              <a:ext uri="{FF2B5EF4-FFF2-40B4-BE49-F238E27FC236}">
+                <a16:creationId xmlns:a16="http://schemas.microsoft.com/office/drawing/2014/main" id="{A6B0782A-FC51-6C5A-E65A-E20569D76FEA}"/>
+              </a:ext>
+            </a:extLst>
+          </p:cNvPr>
+          <p:cNvSpPr>
+            <a:spLocks noGrp="1"/>
+          </p:cNvSpPr>
+          <p:nvPr>
+            <p:ph type="title"/>
+          </p:nvPr>
+        </p:nvSpPr>
+        <p:spPr/>
+        <p:txBody>
+          <a:bodyPr/>
+          <a:lstStyle/>
+          <a:p>
+            <a:r>
+              <a:rPr lang="fr-CH" dirty="0"/>
+              <a:t>Mesures de protections – TLS 1.3</a:t>
+            </a:r>
+          </a:p>
+        </p:txBody>
+      </p:sp>
+      <p:pic>
+        <p:nvPicPr>
+          <p:cNvPr id="5" name="Espace réservé du contenu 4" descr="Une image contenant texte, capture d’écran, Police, ligne&#10;&#10;Le contenu généré par l’IA peut être incorrect.">
+            <a:extLst>
+              <a:ext uri="{FF2B5EF4-FFF2-40B4-BE49-F238E27FC236}">
+                <a16:creationId xmlns:a16="http://schemas.microsoft.com/office/drawing/2014/main" id="{FFF6A9A9-EF9F-04EB-413C-0DEF144FD415}"/>
+              </a:ext>
+            </a:extLst>
+          </p:cNvPr>
+          <p:cNvPicPr>
+            <a:picLocks noGrp="1" noChangeAspect="1"/>
+          </p:cNvPicPr>
+          <p:nvPr>
+            <p:ph idx="1"/>
+          </p:nvPr>
+        </p:nvPicPr>
+        <p:blipFill>
+          <a:blip r:embed="rId2">
+            <a:extLst>
+              <a:ext uri="{28A0092B-C50C-407E-A947-70E740481C1C}">
+                <a14:useLocalDpi xmlns:a14="http://schemas.microsoft.com/office/drawing/2010/main" val="0"/>
+              </a:ext>
+            </a:extLst>
+          </a:blip>
+          <a:stretch>
+            <a:fillRect/>
+          </a:stretch>
+        </p:blipFill>
+        <p:spPr>
+          <a:xfrm>
+            <a:off x="1759418" y="1298308"/>
+            <a:ext cx="8673164" cy="4878655"/>
+          </a:xfrm>
+        </p:spPr>
+      </p:pic>
+      <p:sp>
+        <p:nvSpPr>
+          <p:cNvPr id="6" name="Espace réservé du pied de page 5">
+            <a:extLst>
+              <a:ext uri="{FF2B5EF4-FFF2-40B4-BE49-F238E27FC236}">
+                <a16:creationId xmlns:a16="http://schemas.microsoft.com/office/drawing/2014/main" id="{3530B95A-3188-5B5F-7EEB-40BB8B03104D}"/>
+              </a:ext>
+            </a:extLst>
+          </p:cNvPr>
+          <p:cNvSpPr>
+            <a:spLocks noGrp="1"/>
+          </p:cNvSpPr>
+          <p:nvPr>
+            <p:ph type="ftr" sz="quarter" idx="11"/>
+          </p:nvPr>
+        </p:nvSpPr>
+        <p:spPr>
+          <a:xfrm>
+            <a:off x="0" y="6356350"/>
+            <a:ext cx="5130412" cy="365125"/>
+          </a:xfrm>
+        </p:spPr>
+        <p:txBody>
+          <a:bodyPr/>
+          <a:lstStyle/>
+          <a:p>
+            <a:r>
+              <a:rPr lang="en-GB" dirty="0"/>
+              <a:t>David Evans: cs6501, </a:t>
+            </a:r>
+            <a:r>
+              <a:rPr lang="en-GB" dirty="0" err="1"/>
+              <a:t>TLSeminar</a:t>
+            </a:r>
+            <a:r>
+              <a:rPr lang="en-GB" dirty="0"/>
+              <a:t>. University of Virginia, Spring 2017.</a:t>
+            </a:r>
+            <a:endParaRPr lang="fr-CH" dirty="0"/>
+          </a:p>
+        </p:txBody>
+      </p:sp>
+    </p:spTree>
+    <p:extLst>
+      <p:ext uri="{BB962C8B-B14F-4D97-AF65-F5344CB8AC3E}">
+        <p14:creationId xmlns:p14="http://schemas.microsoft.com/office/powerpoint/2010/main" val="1757375819"/>
+      </p:ext>
+    </p:extLst>
+  </p:cSld>
+  <p:clrMapOvr>
+    <a:masterClrMapping/>
+  </p:clrMapOvr>
+</p:sld>
+</file>
+
+<file path=ppt/slides/slide37.xml><?xml version="1.0" encoding="utf-8"?>
+<p:sld xmlns:a="http://schemas.openxmlformats.org/drawingml/2006/main" xmlns:r="http://schemas.openxmlformats.org/officeDocument/2006/relationships" xmlns:p="http://schemas.openxmlformats.org/presentationml/2006/main">
+  <p:cSld>
+    <p:spTree>
+      <p:nvGrpSpPr>
         <p:cNvPr id="1" name=""/>
         <p:cNvGrpSpPr/>
         <p:nvPr/>
@@ -11548,7 +11671,7 @@
 </p:sld>
 </file>
 
-<file path=ppt/slides/slide37.xml><?xml version="1.0" encoding="utf-8"?>
+<file path=ppt/slides/slide38.xml><?xml version="1.0" encoding="utf-8"?>
 <p:sld xmlns:a="http://schemas.openxmlformats.org/drawingml/2006/main" xmlns:r="http://schemas.openxmlformats.org/officeDocument/2006/relationships" xmlns:p="http://schemas.openxmlformats.org/presentationml/2006/main">
   <p:cSld>
     <p:spTree>

--- a/SSELaticeAttackFerrara.pptx
+++ b/SSELaticeAttackFerrara.pptx
@@ -5,50 +5,49 @@
     <p:sldMasterId id="2147483648" r:id="rId1"/>
   </p:sldMasterIdLst>
   <p:notesMasterIdLst>
-    <p:notesMasterId r:id="rId40"/>
+    <p:notesMasterId r:id="rId39"/>
   </p:notesMasterIdLst>
   <p:handoutMasterIdLst>
-    <p:handoutMasterId r:id="rId41"/>
+    <p:handoutMasterId r:id="rId40"/>
   </p:handoutMasterIdLst>
   <p:sldIdLst>
     <p:sldId id="256" r:id="rId2"/>
     <p:sldId id="257" r:id="rId3"/>
     <p:sldId id="261" r:id="rId4"/>
     <p:sldId id="282" r:id="rId5"/>
-    <p:sldId id="283" r:id="rId6"/>
+    <p:sldId id="298" r:id="rId6"/>
     <p:sldId id="284" r:id="rId7"/>
-    <p:sldId id="262" r:id="rId8"/>
-    <p:sldId id="263" r:id="rId9"/>
-    <p:sldId id="286" r:id="rId10"/>
-    <p:sldId id="287" r:id="rId11"/>
-    <p:sldId id="289" r:id="rId12"/>
-    <p:sldId id="288" r:id="rId13"/>
-    <p:sldId id="290" r:id="rId14"/>
-    <p:sldId id="264" r:id="rId15"/>
-    <p:sldId id="291" r:id="rId16"/>
-    <p:sldId id="292" r:id="rId17"/>
-    <p:sldId id="293" r:id="rId18"/>
-    <p:sldId id="294" r:id="rId19"/>
-    <p:sldId id="259" r:id="rId20"/>
-    <p:sldId id="260" r:id="rId21"/>
-    <p:sldId id="272" r:id="rId22"/>
-    <p:sldId id="295" r:id="rId23"/>
-    <p:sldId id="275" r:id="rId24"/>
-    <p:sldId id="276" r:id="rId25"/>
-    <p:sldId id="285" r:id="rId26"/>
-    <p:sldId id="277" r:id="rId27"/>
-    <p:sldId id="279" r:id="rId28"/>
-    <p:sldId id="278" r:id="rId29"/>
-    <p:sldId id="266" r:id="rId30"/>
-    <p:sldId id="273" r:id="rId31"/>
-    <p:sldId id="267" r:id="rId32"/>
-    <p:sldId id="268" r:id="rId33"/>
-    <p:sldId id="280" r:id="rId34"/>
-    <p:sldId id="281" r:id="rId35"/>
-    <p:sldId id="269" r:id="rId36"/>
-    <p:sldId id="297" r:id="rId37"/>
-    <p:sldId id="296" r:id="rId38"/>
-    <p:sldId id="270" r:id="rId39"/>
+    <p:sldId id="263" r:id="rId8"/>
+    <p:sldId id="286" r:id="rId9"/>
+    <p:sldId id="287" r:id="rId10"/>
+    <p:sldId id="289" r:id="rId11"/>
+    <p:sldId id="288" r:id="rId12"/>
+    <p:sldId id="290" r:id="rId13"/>
+    <p:sldId id="264" r:id="rId14"/>
+    <p:sldId id="291" r:id="rId15"/>
+    <p:sldId id="292" r:id="rId16"/>
+    <p:sldId id="293" r:id="rId17"/>
+    <p:sldId id="294" r:id="rId18"/>
+    <p:sldId id="259" r:id="rId19"/>
+    <p:sldId id="260" r:id="rId20"/>
+    <p:sldId id="272" r:id="rId21"/>
+    <p:sldId id="295" r:id="rId22"/>
+    <p:sldId id="275" r:id="rId23"/>
+    <p:sldId id="276" r:id="rId24"/>
+    <p:sldId id="285" r:id="rId25"/>
+    <p:sldId id="277" r:id="rId26"/>
+    <p:sldId id="279" r:id="rId27"/>
+    <p:sldId id="278" r:id="rId28"/>
+    <p:sldId id="266" r:id="rId29"/>
+    <p:sldId id="273" r:id="rId30"/>
+    <p:sldId id="267" r:id="rId31"/>
+    <p:sldId id="268" r:id="rId32"/>
+    <p:sldId id="280" r:id="rId33"/>
+    <p:sldId id="281" r:id="rId34"/>
+    <p:sldId id="269" r:id="rId35"/>
+    <p:sldId id="297" r:id="rId36"/>
+    <p:sldId id="296" r:id="rId37"/>
+    <p:sldId id="270" r:id="rId38"/>
   </p:sldIdLst>
   <p:sldSz cx="12192000" cy="6858000"/>
   <p:notesSz cx="6858000" cy="9144000"/>
@@ -249,7 +248,7 @@
           <a:p>
             <a:fld id="{E119955A-8F8B-4836-9D5D-75BC53B05DFA}" type="datetimeFigureOut">
               <a:rPr lang="fr-CH" smtClean="0"/>
-              <a:t>16.03.2025</a:t>
+              <a:t>24.03.2025</a:t>
             </a:fld>
             <a:endParaRPr lang="fr-CH"/>
           </a:p>
@@ -426,7 +425,7 @@
           <a:p>
             <a:fld id="{4B7F84FC-00BA-4296-9B1E-E241E38FBA94}" type="datetimeFigureOut">
               <a:rPr lang="fr-CH" smtClean="0"/>
-              <a:t>16.03.2025</a:t>
+              <a:t>24.03.2025</a:t>
             </a:fld>
             <a:endParaRPr lang="fr-CH"/>
           </a:p>
@@ -694,6 +693,93 @@
 </p:notesMaster>
 </file>
 
+<file path=ppt/notesSlides/notesSlide1.xml><?xml version="1.0" encoding="utf-8"?>
+<p:notes xmlns:a="http://schemas.openxmlformats.org/drawingml/2006/main" xmlns:r="http://schemas.openxmlformats.org/officeDocument/2006/relationships" xmlns:p="http://schemas.openxmlformats.org/presentationml/2006/main">
+  <p:cSld>
+    <p:spTree>
+      <p:nvGrpSpPr>
+        <p:cNvPr id="1" name=""/>
+        <p:cNvGrpSpPr/>
+        <p:nvPr/>
+      </p:nvGrpSpPr>
+      <p:grpSpPr>
+        <a:xfrm>
+          <a:off x="0" y="0"/>
+          <a:ext cx="0" cy="0"/>
+          <a:chOff x="0" y="0"/>
+          <a:chExt cx="0" cy="0"/>
+        </a:xfrm>
+      </p:grpSpPr>
+      <p:sp>
+        <p:nvSpPr>
+          <p:cNvPr id="2" name="Espace réservé de l'image des diapositives 1"/>
+          <p:cNvSpPr>
+            <a:spLocks noGrp="1" noRot="1" noChangeAspect="1"/>
+          </p:cNvSpPr>
+          <p:nvPr>
+            <p:ph type="sldImg"/>
+          </p:nvPr>
+        </p:nvSpPr>
+        <p:spPr/>
+      </p:sp>
+      <p:sp>
+        <p:nvSpPr>
+          <p:cNvPr id="3" name="Espace réservé des notes 2"/>
+          <p:cNvSpPr>
+            <a:spLocks noGrp="1"/>
+          </p:cNvSpPr>
+          <p:nvPr>
+            <p:ph type="body" idx="1"/>
+          </p:nvPr>
+        </p:nvSpPr>
+        <p:spPr/>
+        <p:txBody>
+          <a:bodyPr/>
+          <a:lstStyle/>
+          <a:p>
+            <a:r>
+              <a:rPr lang="fr-CH" dirty="0"/>
+              <a:t>À savoir que il est possible de récupérer des signatures TLS1.2 en écoutant le canal de manière passive (chiffrement effectué après).</a:t>
+            </a:r>
+          </a:p>
+        </p:txBody>
+      </p:sp>
+      <p:sp>
+        <p:nvSpPr>
+          <p:cNvPr id="4" name="Espace réservé du numéro de diapositive 3"/>
+          <p:cNvSpPr>
+            <a:spLocks noGrp="1"/>
+          </p:cNvSpPr>
+          <p:nvPr>
+            <p:ph type="sldNum" sz="quarter" idx="5"/>
+          </p:nvPr>
+        </p:nvSpPr>
+        <p:spPr/>
+        <p:txBody>
+          <a:bodyPr/>
+          <a:lstStyle/>
+          <a:p>
+            <a:fld id="{AB99ADB5-010F-40A1-986F-327E4781DD7E}" type="slidenum">
+              <a:rPr lang="fr-CH" smtClean="0"/>
+              <a:t>35</a:t>
+            </a:fld>
+            <a:endParaRPr lang="fr-CH"/>
+          </a:p>
+        </p:txBody>
+      </p:sp>
+    </p:spTree>
+    <p:extLst>
+      <p:ext uri="{BB962C8B-B14F-4D97-AF65-F5344CB8AC3E}">
+        <p14:creationId xmlns:p14="http://schemas.microsoft.com/office/powerpoint/2010/main" val="1962285610"/>
+      </p:ext>
+    </p:extLst>
+  </p:cSld>
+  <p:clrMapOvr>
+    <a:masterClrMapping/>
+  </p:clrMapOvr>
+</p:notes>
+</file>
+
 <file path=ppt/slideLayouts/slideLayout1.xml><?xml version="1.0" encoding="utf-8"?>
 <p:sldLayout xmlns:a="http://schemas.openxmlformats.org/drawingml/2006/main" xmlns:r="http://schemas.openxmlformats.org/officeDocument/2006/relationships" xmlns:p="http://schemas.openxmlformats.org/presentationml/2006/main" type="title" preserve="1">
   <p:cSld name="Diapositive de titre">
@@ -843,7 +929,7 @@
           <a:p>
             <a:fld id="{F57DD76F-4C7B-46A7-B9DC-35AD90C344BA}" type="datetimeFigureOut">
               <a:rPr lang="fr-CH" smtClean="0"/>
-              <a:t>16.03.2025</a:t>
+              <a:t>24.03.2025</a:t>
             </a:fld>
             <a:endParaRPr lang="fr-CH"/>
           </a:p>
@@ -1043,7 +1129,7 @@
           <a:p>
             <a:fld id="{F57DD76F-4C7B-46A7-B9DC-35AD90C344BA}" type="datetimeFigureOut">
               <a:rPr lang="fr-CH" smtClean="0"/>
-              <a:t>16.03.2025</a:t>
+              <a:t>24.03.2025</a:t>
             </a:fld>
             <a:endParaRPr lang="fr-CH"/>
           </a:p>
@@ -1253,7 +1339,7 @@
           <a:p>
             <a:fld id="{F57DD76F-4C7B-46A7-B9DC-35AD90C344BA}" type="datetimeFigureOut">
               <a:rPr lang="fr-CH" smtClean="0"/>
-              <a:t>16.03.2025</a:t>
+              <a:t>24.03.2025</a:t>
             </a:fld>
             <a:endParaRPr lang="fr-CH"/>
           </a:p>
@@ -1453,7 +1539,7 @@
           <a:p>
             <a:fld id="{F57DD76F-4C7B-46A7-B9DC-35AD90C344BA}" type="datetimeFigureOut">
               <a:rPr lang="fr-CH" smtClean="0"/>
-              <a:t>16.03.2025</a:t>
+              <a:t>24.03.2025</a:t>
             </a:fld>
             <a:endParaRPr lang="fr-CH"/>
           </a:p>
@@ -1729,7 +1815,7 @@
           <a:p>
             <a:fld id="{F57DD76F-4C7B-46A7-B9DC-35AD90C344BA}" type="datetimeFigureOut">
               <a:rPr lang="fr-CH" smtClean="0"/>
-              <a:t>16.03.2025</a:t>
+              <a:t>24.03.2025</a:t>
             </a:fld>
             <a:endParaRPr lang="fr-CH"/>
           </a:p>
@@ -1997,7 +2083,7 @@
           <a:p>
             <a:fld id="{F57DD76F-4C7B-46A7-B9DC-35AD90C344BA}" type="datetimeFigureOut">
               <a:rPr lang="fr-CH" smtClean="0"/>
-              <a:t>16.03.2025</a:t>
+              <a:t>24.03.2025</a:t>
             </a:fld>
             <a:endParaRPr lang="fr-CH"/>
           </a:p>
@@ -2412,7 +2498,7 @@
           <a:p>
             <a:fld id="{F57DD76F-4C7B-46A7-B9DC-35AD90C344BA}" type="datetimeFigureOut">
               <a:rPr lang="fr-CH" smtClean="0"/>
-              <a:t>16.03.2025</a:t>
+              <a:t>24.03.2025</a:t>
             </a:fld>
             <a:endParaRPr lang="fr-CH"/>
           </a:p>
@@ -2554,7 +2640,7 @@
           <a:p>
             <a:fld id="{F57DD76F-4C7B-46A7-B9DC-35AD90C344BA}" type="datetimeFigureOut">
               <a:rPr lang="fr-CH" smtClean="0"/>
-              <a:t>16.03.2025</a:t>
+              <a:t>24.03.2025</a:t>
             </a:fld>
             <a:endParaRPr lang="fr-CH"/>
           </a:p>
@@ -2667,7 +2753,7 @@
           <a:p>
             <a:fld id="{F57DD76F-4C7B-46A7-B9DC-35AD90C344BA}" type="datetimeFigureOut">
               <a:rPr lang="fr-CH" smtClean="0"/>
-              <a:t>16.03.2025</a:t>
+              <a:t>24.03.2025</a:t>
             </a:fld>
             <a:endParaRPr lang="fr-CH"/>
           </a:p>
@@ -2980,7 +3066,7 @@
           <a:p>
             <a:fld id="{F57DD76F-4C7B-46A7-B9DC-35AD90C344BA}" type="datetimeFigureOut">
               <a:rPr lang="fr-CH" smtClean="0"/>
-              <a:t>16.03.2025</a:t>
+              <a:t>24.03.2025</a:t>
             </a:fld>
             <a:endParaRPr lang="fr-CH"/>
           </a:p>
@@ -3269,7 +3355,7 @@
           <a:p>
             <a:fld id="{F57DD76F-4C7B-46A7-B9DC-35AD90C344BA}" type="datetimeFigureOut">
               <a:rPr lang="fr-CH" smtClean="0"/>
-              <a:t>16.03.2025</a:t>
+              <a:t>24.03.2025</a:t>
             </a:fld>
             <a:endParaRPr lang="fr-CH"/>
           </a:p>
@@ -3512,7 +3598,7 @@
           <a:p>
             <a:fld id="{F57DD76F-4C7B-46A7-B9DC-35AD90C344BA}" type="datetimeFigureOut">
               <a:rPr lang="fr-CH" smtClean="0"/>
-              <a:t>16.03.2025</a:t>
+              <a:t>24.03.2025</a:t>
             </a:fld>
             <a:endParaRPr lang="fr-CH"/>
           </a:p>
@@ -4011,202 +4097,6 @@
         <p:cNvPr id="1" name="">
           <a:extLst>
             <a:ext uri="{FF2B5EF4-FFF2-40B4-BE49-F238E27FC236}">
-              <a16:creationId xmlns:a16="http://schemas.microsoft.com/office/drawing/2014/main" id="{8FEBB08C-9689-2E79-B597-E1715884D75B}"/>
-            </a:ext>
-          </a:extLst>
-        </p:cNvPr>
-        <p:cNvGrpSpPr/>
-        <p:nvPr/>
-      </p:nvGrpSpPr>
-      <p:grpSpPr>
-        <a:xfrm>
-          <a:off x="0" y="0"/>
-          <a:ext cx="0" cy="0"/>
-          <a:chOff x="0" y="0"/>
-          <a:chExt cx="0" cy="0"/>
-        </a:xfrm>
-      </p:grpSpPr>
-      <p:sp>
-        <p:nvSpPr>
-          <p:cNvPr id="2" name="Titre 1">
-            <a:extLst>
-              <a:ext uri="{FF2B5EF4-FFF2-40B4-BE49-F238E27FC236}">
-                <a16:creationId xmlns:a16="http://schemas.microsoft.com/office/drawing/2014/main" id="{D25B67F9-33DA-7AB0-C366-F2532DE6901A}"/>
-              </a:ext>
-            </a:extLst>
-          </p:cNvPr>
-          <p:cNvSpPr>
-            <a:spLocks noGrp="1"/>
-          </p:cNvSpPr>
-          <p:nvPr>
-            <p:ph type="title"/>
-          </p:nvPr>
-        </p:nvSpPr>
-        <p:spPr/>
-        <p:txBody>
-          <a:bodyPr/>
-          <a:lstStyle/>
-          <a:p>
-            <a:r>
-              <a:rPr lang="fr-CH" dirty="0"/>
-              <a:t>SSH</a:t>
-            </a:r>
-          </a:p>
-        </p:txBody>
-      </p:sp>
-      <p:sp>
-        <p:nvSpPr>
-          <p:cNvPr id="3" name="Espace réservé du contenu 2">
-            <a:extLst>
-              <a:ext uri="{FF2B5EF4-FFF2-40B4-BE49-F238E27FC236}">
-                <a16:creationId xmlns:a16="http://schemas.microsoft.com/office/drawing/2014/main" id="{42D4C7D7-10D6-90D5-F71C-BC5DCD2CDB72}"/>
-              </a:ext>
-            </a:extLst>
-          </p:cNvPr>
-          <p:cNvSpPr>
-            <a:spLocks noGrp="1"/>
-          </p:cNvSpPr>
-          <p:nvPr>
-            <p:ph idx="1"/>
-          </p:nvPr>
-        </p:nvSpPr>
-        <p:spPr/>
-        <p:txBody>
-          <a:bodyPr/>
-          <a:lstStyle/>
-          <a:p>
-            <a:pPr marL="514350" indent="-514350">
-              <a:buFont typeface="+mj-lt"/>
-              <a:buAutoNum type="arabicPeriod"/>
-            </a:pPr>
-            <a:r>
-              <a:rPr lang="fr-CH" dirty="0"/>
-              <a:t>Connection du client</a:t>
-            </a:r>
-          </a:p>
-          <a:p>
-            <a:pPr marL="514350" indent="-514350">
-              <a:buFont typeface="+mj-lt"/>
-              <a:buAutoNum type="arabicPeriod"/>
-            </a:pPr>
-            <a:r>
-              <a:rPr lang="fr-CH" dirty="0"/>
-              <a:t>Négociation des algorithmes</a:t>
-            </a:r>
-          </a:p>
-          <a:p>
-            <a:pPr marL="514350" indent="-514350">
-              <a:buFont typeface="+mj-lt"/>
-              <a:buAutoNum type="arabicPeriod"/>
-            </a:pPr>
-            <a:r>
-              <a:rPr lang="fr-CH" dirty="0"/>
-              <a:t>Échange </a:t>
-            </a:r>
-            <a:r>
-              <a:rPr lang="fr-CH" dirty="0" err="1"/>
-              <a:t>Diffie</a:t>
-            </a:r>
-            <a:r>
-              <a:rPr lang="fr-CH" dirty="0"/>
-              <a:t>-Hellman</a:t>
-            </a:r>
-          </a:p>
-          <a:p>
-            <a:pPr marL="514350" indent="-514350">
-              <a:buFont typeface="+mj-lt"/>
-              <a:buAutoNum type="arabicPeriod"/>
-            </a:pPr>
-            <a:r>
-              <a:rPr lang="fr-CH" dirty="0"/>
-              <a:t>Le serveur </a:t>
-            </a:r>
-            <a:r>
-              <a:rPr lang="fr-CH" dirty="0">
-                <a:highlight>
-                  <a:srgbClr val="FF0000"/>
-                </a:highlight>
-              </a:rPr>
-              <a:t>signe le D-H</a:t>
-            </a:r>
-            <a:r>
-              <a:rPr lang="fr-CH" dirty="0"/>
-              <a:t>, les </a:t>
-            </a:r>
-            <a:r>
-              <a:rPr lang="fr-CH" dirty="0" err="1"/>
-              <a:t>cipher</a:t>
-            </a:r>
-            <a:r>
-              <a:rPr lang="fr-CH" dirty="0"/>
-              <a:t> suites, </a:t>
-            </a:r>
-            <a:r>
-              <a:rPr lang="fr-CH" dirty="0" err="1"/>
-              <a:t>l’id</a:t>
-            </a:r>
-            <a:r>
-              <a:rPr lang="fr-CH" dirty="0"/>
-              <a:t> client et serveur</a:t>
-            </a:r>
-          </a:p>
-          <a:p>
-            <a:pPr marL="514350" indent="-514350">
-              <a:buFont typeface="+mj-lt"/>
-              <a:buAutoNum type="arabicPeriod"/>
-            </a:pPr>
-            <a:r>
-              <a:rPr lang="fr-CH" dirty="0">
-                <a:highlight>
-                  <a:srgbClr val="FF0000"/>
-                </a:highlight>
-              </a:rPr>
-              <a:t>Signature envoyée en clair</a:t>
-            </a:r>
-          </a:p>
-          <a:p>
-            <a:pPr marL="514350" indent="-514350">
-              <a:buFont typeface="+mj-lt"/>
-              <a:buAutoNum type="arabicPeriod"/>
-            </a:pPr>
-            <a:r>
-              <a:rPr lang="fr-CH" dirty="0"/>
-              <a:t>Établissement du canal chiffré</a:t>
-            </a:r>
-          </a:p>
-          <a:p>
-            <a:pPr marL="514350" indent="-514350">
-              <a:buFont typeface="+mj-lt"/>
-              <a:buAutoNum type="arabicPeriod"/>
-            </a:pPr>
-            <a:r>
-              <a:rPr lang="fr-CH" dirty="0"/>
-              <a:t>Authentification du client</a:t>
-            </a:r>
-          </a:p>
-        </p:txBody>
-      </p:sp>
-    </p:spTree>
-    <p:extLst>
-      <p:ext uri="{BB962C8B-B14F-4D97-AF65-F5344CB8AC3E}">
-        <p14:creationId xmlns:p14="http://schemas.microsoft.com/office/powerpoint/2010/main" val="2788393243"/>
-      </p:ext>
-    </p:extLst>
-  </p:cSld>
-  <p:clrMapOvr>
-    <a:masterClrMapping/>
-  </p:clrMapOvr>
-</p:sld>
-</file>
-
-<file path=ppt/slides/slide11.xml><?xml version="1.0" encoding="utf-8"?>
-<p:sld xmlns:a="http://schemas.openxmlformats.org/drawingml/2006/main" xmlns:r="http://schemas.openxmlformats.org/officeDocument/2006/relationships" xmlns:p="http://schemas.openxmlformats.org/presentationml/2006/main">
-  <p:cSld>
-    <p:spTree>
-      <p:nvGrpSpPr>
-        <p:cNvPr id="1" name="">
-          <a:extLst>
-            <a:ext uri="{FF2B5EF4-FFF2-40B4-BE49-F238E27FC236}">
               <a16:creationId xmlns:a16="http://schemas.microsoft.com/office/drawing/2014/main" id="{2A358365-71B6-3E17-2DED-41864C4E34F6}"/>
             </a:ext>
           </a:extLst>
@@ -4273,6 +4163,12 @@
           <a:p>
             <a:r>
               <a:rPr lang="fr-CH" dirty="0"/>
+              <a:t>Effectuée après l’établissement du canal chiffré</a:t>
+            </a:r>
+          </a:p>
+          <a:p>
+            <a:r>
+              <a:rPr lang="fr-CH" dirty="0"/>
               <a:t>Par mot de passe</a:t>
             </a:r>
           </a:p>
@@ -4314,7 +4210,7 @@
 </p:sld>
 </file>
 
-<file path=ppt/slides/slide12.xml><?xml version="1.0" encoding="utf-8"?>
+<file path=ppt/slides/slide11.xml><?xml version="1.0" encoding="utf-8"?>
 <p:sld xmlns:a="http://schemas.openxmlformats.org/drawingml/2006/main" xmlns:r="http://schemas.openxmlformats.org/officeDocument/2006/relationships" xmlns:p="http://schemas.openxmlformats.org/presentationml/2006/main">
   <p:cSld>
     <p:spTree>
@@ -4360,7 +4256,7 @@
           <a:p>
             <a:r>
               <a:rPr lang="fr-CH" dirty="0"/>
-              <a:t>SSH - Algorithmes</a:t>
+              <a:t>SSH – Algorithmes disponibles</a:t>
             </a:r>
           </a:p>
         </p:txBody>
@@ -4409,7 +4305,23 @@
             <a:pPr lvl="1"/>
             <a:r>
               <a:rPr lang="fr-CH" dirty="0"/>
-              <a:t>RSA</a:t>
+              <a:t>RSA ??? Quelle </a:t>
+            </a:r>
+            <a:r>
+              <a:rPr lang="fr-CH" dirty="0" err="1"/>
+              <a:t>verions</a:t>
+            </a:r>
+            <a:r>
+              <a:rPr lang="fr-CH" dirty="0"/>
+              <a:t> </a:t>
+            </a:r>
+            <a:r>
+              <a:rPr lang="fr-CH" dirty="0" err="1"/>
+              <a:t>pkcs</a:t>
+            </a:r>
+            <a:r>
+              <a:rPr lang="fr-CH" dirty="0"/>
+              <a:t> ???</a:t>
             </a:r>
           </a:p>
           <a:p>
@@ -4456,6 +4368,156 @@
     <p:extLst>
       <p:ext uri="{BB962C8B-B14F-4D97-AF65-F5344CB8AC3E}">
         <p14:creationId xmlns:p14="http://schemas.microsoft.com/office/powerpoint/2010/main" val="3258015085"/>
+      </p:ext>
+    </p:extLst>
+  </p:cSld>
+  <p:clrMapOvr>
+    <a:masterClrMapping/>
+  </p:clrMapOvr>
+</p:sld>
+</file>
+
+<file path=ppt/slides/slide12.xml><?xml version="1.0" encoding="utf-8"?>
+<p:sld xmlns:a="http://schemas.openxmlformats.org/drawingml/2006/main" xmlns:r="http://schemas.openxmlformats.org/officeDocument/2006/relationships" xmlns:p="http://schemas.openxmlformats.org/presentationml/2006/main">
+  <p:cSld>
+    <p:spTree>
+      <p:nvGrpSpPr>
+        <p:cNvPr id="1" name=""/>
+        <p:cNvGrpSpPr/>
+        <p:nvPr/>
+      </p:nvGrpSpPr>
+      <p:grpSpPr>
+        <a:xfrm>
+          <a:off x="0" y="0"/>
+          <a:ext cx="0" cy="0"/>
+          <a:chOff x="0" y="0"/>
+          <a:chExt cx="0" cy="0"/>
+        </a:xfrm>
+      </p:grpSpPr>
+      <p:sp>
+        <p:nvSpPr>
+          <p:cNvPr id="2" name="Titre 1">
+            <a:extLst>
+              <a:ext uri="{FF2B5EF4-FFF2-40B4-BE49-F238E27FC236}">
+                <a16:creationId xmlns:a16="http://schemas.microsoft.com/office/drawing/2014/main" id="{DA51DFA0-5BE4-B64A-0E12-60C67E03E6AE}"/>
+              </a:ext>
+            </a:extLst>
+          </p:cNvPr>
+          <p:cNvSpPr>
+            <a:spLocks noGrp="1"/>
+          </p:cNvSpPr>
+          <p:nvPr>
+            <p:ph type="title"/>
+          </p:nvPr>
+        </p:nvSpPr>
+        <p:spPr/>
+        <p:txBody>
+          <a:bodyPr/>
+          <a:lstStyle/>
+          <a:p>
+            <a:r>
+              <a:rPr lang="fr-CH" dirty="0"/>
+              <a:t>SSH – Conséquences d’une compromission d’une clé de signature</a:t>
+            </a:r>
+          </a:p>
+        </p:txBody>
+      </p:sp>
+      <p:sp>
+        <p:nvSpPr>
+          <p:cNvPr id="3" name="Espace réservé du contenu 2">
+            <a:extLst>
+              <a:ext uri="{FF2B5EF4-FFF2-40B4-BE49-F238E27FC236}">
+                <a16:creationId xmlns:a16="http://schemas.microsoft.com/office/drawing/2014/main" id="{CFA80786-5026-3D96-B0CB-131D9BA62B60}"/>
+              </a:ext>
+            </a:extLst>
+          </p:cNvPr>
+          <p:cNvSpPr>
+            <a:spLocks noGrp="1"/>
+          </p:cNvSpPr>
+          <p:nvPr>
+            <p:ph idx="1"/>
+          </p:nvPr>
+        </p:nvSpPr>
+        <p:spPr/>
+        <p:txBody>
+          <a:bodyPr/>
+          <a:lstStyle/>
+          <a:p>
+            <a:r>
+              <a:rPr lang="fr-CH" dirty="0"/>
+              <a:t>Attaques passives :</a:t>
+            </a:r>
+          </a:p>
+          <a:p>
+            <a:pPr lvl="1"/>
+            <a:r>
+              <a:rPr lang="fr-CH" dirty="0"/>
+              <a:t>-</a:t>
+            </a:r>
+          </a:p>
+          <a:p>
+            <a:r>
+              <a:rPr lang="fr-CH" dirty="0"/>
+              <a:t>Attaques actives</a:t>
+            </a:r>
+          </a:p>
+          <a:p>
+            <a:pPr lvl="1"/>
+            <a:r>
+              <a:rPr lang="fr-CH" dirty="0"/>
+              <a:t>Usurper l’identité du serveur</a:t>
+            </a:r>
+          </a:p>
+          <a:p>
+            <a:pPr lvl="1"/>
+            <a:r>
+              <a:rPr lang="fr-CH" dirty="0"/>
+              <a:t>Récupérer le mot de passe du client</a:t>
+            </a:r>
+          </a:p>
+          <a:p>
+            <a:pPr lvl="1"/>
+            <a:r>
+              <a:rPr lang="fr-CH" dirty="0"/>
+              <a:t>Récupérer les commandes envoyées par le client</a:t>
+            </a:r>
+          </a:p>
+          <a:p>
+            <a:pPr lvl="1"/>
+            <a:r>
+              <a:rPr lang="fr-CH" dirty="0"/>
+              <a:t>Man-in-the-Middle complet possible si authentification du client par mot de passe (</a:t>
+            </a:r>
+            <a:r>
+              <a:rPr lang="fr-CH" dirty="0" err="1"/>
+              <a:t>forward</a:t>
+            </a:r>
+            <a:r>
+              <a:rPr lang="fr-CH" dirty="0"/>
+              <a:t> du mot de passe)</a:t>
+            </a:r>
+          </a:p>
+          <a:p>
+            <a:pPr lvl="1"/>
+            <a:r>
+              <a:rPr lang="fr-CH" dirty="0"/>
+              <a:t>Man-in-the-Middle complet possible si authentification par clé publique du client mais nécessite de compromettre la clé de signature du client</a:t>
+            </a:r>
+          </a:p>
+          <a:p>
+            <a:pPr lvl="2"/>
+            <a:endParaRPr lang="fr-CH" dirty="0"/>
+          </a:p>
+          <a:p>
+            <a:pPr lvl="1"/>
+            <a:endParaRPr lang="fr-CH" dirty="0"/>
+          </a:p>
+        </p:txBody>
+      </p:sp>
+    </p:spTree>
+    <p:extLst>
+      <p:ext uri="{BB962C8B-B14F-4D97-AF65-F5344CB8AC3E}">
+        <p14:creationId xmlns:p14="http://schemas.microsoft.com/office/powerpoint/2010/main" val="2092251775"/>
       </p:ext>
     </p:extLst>
   </p:cSld>
@@ -4487,133 +4549,6 @@
           <p:cNvPr id="2" name="Titre 1">
             <a:extLst>
               <a:ext uri="{FF2B5EF4-FFF2-40B4-BE49-F238E27FC236}">
-                <a16:creationId xmlns:a16="http://schemas.microsoft.com/office/drawing/2014/main" id="{DA51DFA0-5BE4-B64A-0E12-60C67E03E6AE}"/>
-              </a:ext>
-            </a:extLst>
-          </p:cNvPr>
-          <p:cNvSpPr>
-            <a:spLocks noGrp="1"/>
-          </p:cNvSpPr>
-          <p:nvPr>
-            <p:ph type="title"/>
-          </p:nvPr>
-        </p:nvSpPr>
-        <p:spPr/>
-        <p:txBody>
-          <a:bodyPr/>
-          <a:lstStyle/>
-          <a:p>
-            <a:r>
-              <a:rPr lang="fr-CH" dirty="0"/>
-              <a:t>SSH – Compromission clé de signature</a:t>
-            </a:r>
-          </a:p>
-        </p:txBody>
-      </p:sp>
-      <p:sp>
-        <p:nvSpPr>
-          <p:cNvPr id="3" name="Espace réservé du contenu 2">
-            <a:extLst>
-              <a:ext uri="{FF2B5EF4-FFF2-40B4-BE49-F238E27FC236}">
-                <a16:creationId xmlns:a16="http://schemas.microsoft.com/office/drawing/2014/main" id="{CFA80786-5026-3D96-B0CB-131D9BA62B60}"/>
-              </a:ext>
-            </a:extLst>
-          </p:cNvPr>
-          <p:cNvSpPr>
-            <a:spLocks noGrp="1"/>
-          </p:cNvSpPr>
-          <p:nvPr>
-            <p:ph idx="1"/>
-          </p:nvPr>
-        </p:nvSpPr>
-        <p:spPr/>
-        <p:txBody>
-          <a:bodyPr/>
-          <a:lstStyle/>
-          <a:p>
-            <a:r>
-              <a:rPr lang="fr-CH" dirty="0"/>
-              <a:t>Attaques passives :</a:t>
-            </a:r>
-          </a:p>
-          <a:p>
-            <a:pPr lvl="1"/>
-            <a:r>
-              <a:rPr lang="fr-CH" dirty="0"/>
-              <a:t>-</a:t>
-            </a:r>
-          </a:p>
-          <a:p>
-            <a:r>
-              <a:rPr lang="fr-CH" dirty="0"/>
-              <a:t>Attaques actives</a:t>
-            </a:r>
-          </a:p>
-          <a:p>
-            <a:pPr lvl="1"/>
-            <a:r>
-              <a:rPr lang="fr-CH" dirty="0"/>
-              <a:t>Usurper l’identité du serveur</a:t>
-            </a:r>
-          </a:p>
-          <a:p>
-            <a:pPr lvl="1"/>
-            <a:r>
-              <a:rPr lang="fr-CH" dirty="0"/>
-              <a:t>Récupérer le mot de passe du client</a:t>
-            </a:r>
-          </a:p>
-          <a:p>
-            <a:pPr lvl="1"/>
-            <a:r>
-              <a:rPr lang="fr-CH" dirty="0"/>
-              <a:t>Man-in-the-Middle possible uniquement si authentification du client par mot de passe</a:t>
-            </a:r>
-          </a:p>
-          <a:p>
-            <a:pPr lvl="1"/>
-            <a:r>
-              <a:rPr lang="fr-CH" dirty="0"/>
-              <a:t>Récupérer les commandes envoyées par le client</a:t>
-            </a:r>
-          </a:p>
-        </p:txBody>
-      </p:sp>
-    </p:spTree>
-    <p:extLst>
-      <p:ext uri="{BB962C8B-B14F-4D97-AF65-F5344CB8AC3E}">
-        <p14:creationId xmlns:p14="http://schemas.microsoft.com/office/powerpoint/2010/main" val="2092251775"/>
-      </p:ext>
-    </p:extLst>
-  </p:cSld>
-  <p:clrMapOvr>
-    <a:masterClrMapping/>
-  </p:clrMapOvr>
-</p:sld>
-</file>
-
-<file path=ppt/slides/slide14.xml><?xml version="1.0" encoding="utf-8"?>
-<p:sld xmlns:a="http://schemas.openxmlformats.org/drawingml/2006/main" xmlns:r="http://schemas.openxmlformats.org/officeDocument/2006/relationships" xmlns:p="http://schemas.openxmlformats.org/presentationml/2006/main">
-  <p:cSld>
-    <p:spTree>
-      <p:nvGrpSpPr>
-        <p:cNvPr id="1" name=""/>
-        <p:cNvGrpSpPr/>
-        <p:nvPr/>
-      </p:nvGrpSpPr>
-      <p:grpSpPr>
-        <a:xfrm>
-          <a:off x="0" y="0"/>
-          <a:ext cx="0" cy="0"/>
-          <a:chOff x="0" y="0"/>
-          <a:chExt cx="0" cy="0"/>
-        </a:xfrm>
-      </p:grpSpPr>
-      <p:sp>
-        <p:nvSpPr>
-          <p:cNvPr id="2" name="Titre 1">
-            <a:extLst>
-              <a:ext uri="{FF2B5EF4-FFF2-40B4-BE49-F238E27FC236}">
                 <a16:creationId xmlns:a16="http://schemas.microsoft.com/office/drawing/2014/main" id="{C7AA97B4-9548-A3E1-F52D-BD36A09A7DA0}"/>
               </a:ext>
             </a:extLst>
@@ -4661,13 +4596,19 @@
           <a:p>
             <a:r>
               <a:rPr lang="fr-CH" dirty="0"/>
-              <a:t>Principalement utilisé par des </a:t>
+              <a:t>Principalement utilisé par les </a:t>
             </a:r>
             <a:r>
               <a:rPr lang="fr-CH" dirty="0" err="1"/>
               <a:t>VPNs</a:t>
             </a:r>
             <a:endParaRPr lang="fr-CH" dirty="0"/>
+          </a:p>
+          <a:p>
+            <a:r>
+              <a:rPr lang="fr-CH" dirty="0"/>
+              <a:t>Confidentialité, authenticité et intégrité</a:t>
+            </a:r>
           </a:p>
           <a:p>
             <a:r>
@@ -4704,7 +4645,7 @@
 </p:sld>
 </file>
 
-<file path=ppt/slides/slide15.xml><?xml version="1.0" encoding="utf-8"?>
+<file path=ppt/slides/slide14.xml><?xml version="1.0" encoding="utf-8"?>
 <p:sld xmlns:a="http://schemas.openxmlformats.org/drawingml/2006/main" xmlns:r="http://schemas.openxmlformats.org/officeDocument/2006/relationships" xmlns:p="http://schemas.openxmlformats.org/presentationml/2006/main">
   <p:cSld>
     <p:spTree>
@@ -4796,7 +4737,7 @@
             <a:pPr lvl="1"/>
             <a:r>
               <a:rPr lang="fr-CH" dirty="0"/>
-              <a:t>Chiffrement par clés publiques</a:t>
+              <a:t>Par clés publiques</a:t>
             </a:r>
           </a:p>
           <a:p>
@@ -4841,7 +4782,7 @@
 </p:sld>
 </file>
 
-<file path=ppt/slides/slide16.xml><?xml version="1.0" encoding="utf-8"?>
+<file path=ppt/slides/slide15.xml><?xml version="1.0" encoding="utf-8"?>
 <p:sld xmlns:a="http://schemas.openxmlformats.org/drawingml/2006/main" xmlns:r="http://schemas.openxmlformats.org/officeDocument/2006/relationships" xmlns:p="http://schemas.openxmlformats.org/presentationml/2006/main">
   <p:cSld>
     <p:spTree>
@@ -4919,6 +4860,12 @@
           <a:p>
             <a:r>
               <a:rPr lang="fr-CH" dirty="0"/>
+              <a:t>Main mode : signatures chiffrées, attaque active nécessaire pour récupérer des signatures</a:t>
+            </a:r>
+          </a:p>
+          <a:p>
+            <a:r>
+              <a:rPr lang="fr-CH" dirty="0"/>
               <a:t>Agressive mode : écoute passive pour récupérer la signature en clair</a:t>
             </a:r>
           </a:p>
@@ -4939,7 +4886,7 @@
             <a:pPr lvl="1"/>
             <a:r>
               <a:rPr lang="fr-CH" dirty="0"/>
-              <a:t>Man-in-the-Middle complet impossible (signature-</a:t>
+              <a:t>Man-in-the-Middle complet possible uniquement si compromission des 2 clés de signatures (signature-</a:t>
             </a:r>
             <a:r>
               <a:rPr lang="fr-CH" dirty="0" err="1"/>
@@ -4973,7 +4920,7 @@
 </p:sld>
 </file>
 
-<file path=ppt/slides/slide17.xml><?xml version="1.0" encoding="utf-8"?>
+<file path=ppt/slides/slide16.xml><?xml version="1.0" encoding="utf-8"?>
 <p:sld xmlns:a="http://schemas.openxmlformats.org/drawingml/2006/main" xmlns:r="http://schemas.openxmlformats.org/officeDocument/2006/relationships" xmlns:p="http://schemas.openxmlformats.org/presentationml/2006/main">
   <p:cSld>
     <p:spTree>
@@ -5089,7 +5036,7 @@
 </p:sld>
 </file>
 
-<file path=ppt/slides/slide18.xml><?xml version="1.0" encoding="utf-8"?>
+<file path=ppt/slides/slide17.xml><?xml version="1.0" encoding="utf-8"?>
 <p:sld xmlns:a="http://schemas.openxmlformats.org/drawingml/2006/main" xmlns:r="http://schemas.openxmlformats.org/officeDocument/2006/relationships" xmlns:p="http://schemas.openxmlformats.org/presentationml/2006/main">
   <p:cSld>
     <p:spTree>
@@ -5173,7 +5120,7 @@
           <a:p>
             <a:r>
               <a:rPr lang="fr-CH" dirty="0"/>
-              <a:t>Compromission de la clé de signature : ???</a:t>
+              <a:t>Compromission de la clé de signature :</a:t>
             </a:r>
           </a:p>
           <a:p>
@@ -5187,7 +5134,7 @@
             <a:pPr lvl="1"/>
             <a:r>
               <a:rPr lang="fr-CH" dirty="0"/>
-              <a:t>Man-in-the-Middle complet impossible (signature-</a:t>
+              <a:t>Man-in-the-Middle complet possible uniquement si compromission des 2 clés de signatures (signature-</a:t>
             </a:r>
             <a:r>
               <a:rPr lang="fr-CH" dirty="0" err="1"/>
@@ -5221,7 +5168,7 @@
 </p:sld>
 </file>
 
-<file path=ppt/slides/slide19.xml><?xml version="1.0" encoding="utf-8"?>
+<file path=ppt/slides/slide18.xml><?xml version="1.0" encoding="utf-8"?>
 <p:sld xmlns:a="http://schemas.openxmlformats.org/drawingml/2006/main" xmlns:r="http://schemas.openxmlformats.org/officeDocument/2006/relationships" xmlns:p="http://schemas.openxmlformats.org/presentationml/2006/main">
   <p:cSld>
     <p:spTree>
@@ -5295,6 +5242,12 @@
           <a:p>
             <a:r>
               <a:rPr lang="fr-CH" dirty="0"/>
+              <a:t>Posséder la clé publique correspondante</a:t>
+            </a:r>
+          </a:p>
+          <a:p>
+            <a:r>
+              <a:rPr lang="fr-CH" dirty="0"/>
               <a:t>Pour un message inconnu</a:t>
             </a:r>
           </a:p>
@@ -5308,12 +5261,6 @@
             <a:r>
               <a:rPr lang="fr-CH" dirty="0"/>
               <a:t>L’erreur de calcul apparait dans le monde des tuples</a:t>
-            </a:r>
-          </a:p>
-          <a:p>
-            <a:r>
-              <a:rPr lang="fr-CH" dirty="0"/>
-              <a:t>Clé publique connue (pas forcément le cas avec une écoute passive) ???</a:t>
             </a:r>
           </a:p>
         </p:txBody>
@@ -5331,108 +5278,7 @@
 </p:sld>
 </file>
 
-<file path=ppt/slides/slide2.xml><?xml version="1.0" encoding="utf-8"?>
-<p:sld xmlns:a="http://schemas.openxmlformats.org/drawingml/2006/main" xmlns:r="http://schemas.openxmlformats.org/officeDocument/2006/relationships" xmlns:p="http://schemas.openxmlformats.org/presentationml/2006/main">
-  <p:cSld>
-    <p:spTree>
-      <p:nvGrpSpPr>
-        <p:cNvPr id="1" name=""/>
-        <p:cNvGrpSpPr/>
-        <p:nvPr/>
-      </p:nvGrpSpPr>
-      <p:grpSpPr>
-        <a:xfrm>
-          <a:off x="0" y="0"/>
-          <a:ext cx="0" cy="0"/>
-          <a:chOff x="0" y="0"/>
-          <a:chExt cx="0" cy="0"/>
-        </a:xfrm>
-      </p:grpSpPr>
-      <p:sp>
-        <p:nvSpPr>
-          <p:cNvPr id="2" name="Titre 1">
-            <a:extLst>
-              <a:ext uri="{FF2B5EF4-FFF2-40B4-BE49-F238E27FC236}">
-                <a16:creationId xmlns:a16="http://schemas.microsoft.com/office/drawing/2014/main" id="{C7519599-4D6D-F382-5CBF-FF9746EACCC1}"/>
-              </a:ext>
-            </a:extLst>
-          </p:cNvPr>
-          <p:cNvSpPr>
-            <a:spLocks noGrp="1"/>
-          </p:cNvSpPr>
-          <p:nvPr>
-            <p:ph type="title"/>
-          </p:nvPr>
-        </p:nvSpPr>
-        <p:spPr/>
-        <p:txBody>
-          <a:bodyPr/>
-          <a:lstStyle/>
-          <a:p>
-            <a:r>
-              <a:rPr lang="fr-CH" dirty="0"/>
-              <a:t>Intro</a:t>
-            </a:r>
-          </a:p>
-        </p:txBody>
-      </p:sp>
-      <p:sp>
-        <p:nvSpPr>
-          <p:cNvPr id="3" name="Espace réservé du contenu 2">
-            <a:extLst>
-              <a:ext uri="{FF2B5EF4-FFF2-40B4-BE49-F238E27FC236}">
-                <a16:creationId xmlns:a16="http://schemas.microsoft.com/office/drawing/2014/main" id="{179AE550-BC42-BF0F-46AA-21142C517507}"/>
-              </a:ext>
-            </a:extLst>
-          </p:cNvPr>
-          <p:cNvSpPr>
-            <a:spLocks noGrp="1"/>
-          </p:cNvSpPr>
-          <p:nvPr>
-            <p:ph idx="1"/>
-          </p:nvPr>
-        </p:nvSpPr>
-        <p:spPr/>
-        <p:txBody>
-          <a:bodyPr/>
-          <a:lstStyle/>
-          <a:p>
-            <a:r>
-              <a:rPr lang="fr-CH" dirty="0"/>
-              <a:t>Signatures largement répandues</a:t>
-            </a:r>
-          </a:p>
-          <a:p>
-            <a:r>
-              <a:rPr lang="fr-CH" dirty="0"/>
-              <a:t>Authentifier un client, serveur</a:t>
-            </a:r>
-          </a:p>
-          <a:p>
-            <a:r>
-              <a:rPr lang="fr-CH" dirty="0"/>
-              <a:t>Souvent combiné avec d’autres algorithmes cryptographiques</a:t>
-            </a:r>
-          </a:p>
-          <a:p>
-            <a:endParaRPr lang="fr-CH" dirty="0"/>
-          </a:p>
-        </p:txBody>
-      </p:sp>
-    </p:spTree>
-    <p:extLst>
-      <p:ext uri="{BB962C8B-B14F-4D97-AF65-F5344CB8AC3E}">
-        <p14:creationId xmlns:p14="http://schemas.microsoft.com/office/powerpoint/2010/main" val="1755347014"/>
-      </p:ext>
-    </p:extLst>
-  </p:cSld>
-  <p:clrMapOvr>
-    <a:masterClrMapping/>
-  </p:clrMapOvr>
-</p:sld>
-</file>
-
-<file path=ppt/slides/slide20.xml><?xml version="1.0" encoding="utf-8"?>
+<file path=ppt/slides/slide19.xml><?xml version="1.0" encoding="utf-8"?>
 <p:sld xmlns:a="http://schemas.openxmlformats.org/drawingml/2006/main" xmlns:r="http://schemas.openxmlformats.org/officeDocument/2006/relationships" xmlns:p="http://schemas.openxmlformats.org/presentationml/2006/main">
   <p:cSld>
     <p:spTree>
@@ -5957,7 +5803,111 @@
 </p:sld>
 </file>
 
-<file path=ppt/slides/slide21.xml><?xml version="1.0" encoding="utf-8"?>
+<file path=ppt/slides/slide2.xml><?xml version="1.0" encoding="utf-8"?>
+<p:sld xmlns:a="http://schemas.openxmlformats.org/drawingml/2006/main" xmlns:r="http://schemas.openxmlformats.org/officeDocument/2006/relationships" xmlns:p="http://schemas.openxmlformats.org/presentationml/2006/main">
+  <p:cSld>
+    <p:spTree>
+      <p:nvGrpSpPr>
+        <p:cNvPr id="1" name=""/>
+        <p:cNvGrpSpPr/>
+        <p:nvPr/>
+      </p:nvGrpSpPr>
+      <p:grpSpPr>
+        <a:xfrm>
+          <a:off x="0" y="0"/>
+          <a:ext cx="0" cy="0"/>
+          <a:chOff x="0" y="0"/>
+          <a:chExt cx="0" cy="0"/>
+        </a:xfrm>
+      </p:grpSpPr>
+      <p:sp>
+        <p:nvSpPr>
+          <p:cNvPr id="2" name="Titre 1">
+            <a:extLst>
+              <a:ext uri="{FF2B5EF4-FFF2-40B4-BE49-F238E27FC236}">
+                <a16:creationId xmlns:a16="http://schemas.microsoft.com/office/drawing/2014/main" id="{C7519599-4D6D-F382-5CBF-FF9746EACCC1}"/>
+              </a:ext>
+            </a:extLst>
+          </p:cNvPr>
+          <p:cNvSpPr>
+            <a:spLocks noGrp="1"/>
+          </p:cNvSpPr>
+          <p:nvPr>
+            <p:ph type="title"/>
+          </p:nvPr>
+        </p:nvSpPr>
+        <p:spPr/>
+        <p:txBody>
+          <a:bodyPr/>
+          <a:lstStyle/>
+          <a:p>
+            <a:r>
+              <a:rPr lang="fr-CH" dirty="0"/>
+              <a:t>Introduction - Signatures digitales</a:t>
+            </a:r>
+          </a:p>
+        </p:txBody>
+      </p:sp>
+      <p:sp>
+        <p:nvSpPr>
+          <p:cNvPr id="3" name="Espace réservé du contenu 2">
+            <a:extLst>
+              <a:ext uri="{FF2B5EF4-FFF2-40B4-BE49-F238E27FC236}">
+                <a16:creationId xmlns:a16="http://schemas.microsoft.com/office/drawing/2014/main" id="{179AE550-BC42-BF0F-46AA-21142C517507}"/>
+              </a:ext>
+            </a:extLst>
+          </p:cNvPr>
+          <p:cNvSpPr>
+            <a:spLocks noGrp="1"/>
+          </p:cNvSpPr>
+          <p:nvPr>
+            <p:ph idx="1"/>
+          </p:nvPr>
+        </p:nvSpPr>
+        <p:spPr/>
+        <p:txBody>
+          <a:bodyPr/>
+          <a:lstStyle/>
+          <a:p>
+            <a:r>
+              <a:rPr lang="fr-CH" dirty="0"/>
+              <a:t>Signatures digitales largement répandues</a:t>
+            </a:r>
+          </a:p>
+          <a:p>
+            <a:r>
+              <a:rPr lang="fr-CH" dirty="0"/>
+              <a:t>Authentifier un client, un serveur</a:t>
+            </a:r>
+          </a:p>
+          <a:p>
+            <a:r>
+              <a:rPr lang="fr-CH" dirty="0"/>
+              <a:t>Souvent combiné avec d’autres algorithmes cryptographiques</a:t>
+            </a:r>
+          </a:p>
+          <a:p>
+            <a:r>
+              <a:rPr lang="fr-CH" dirty="0"/>
+              <a:t>Paire de clé publique et privée</a:t>
+            </a:r>
+          </a:p>
+        </p:txBody>
+      </p:sp>
+    </p:spTree>
+    <p:extLst>
+      <p:ext uri="{BB962C8B-B14F-4D97-AF65-F5344CB8AC3E}">
+        <p14:creationId xmlns:p14="http://schemas.microsoft.com/office/powerpoint/2010/main" val="1755347014"/>
+      </p:ext>
+    </p:extLst>
+  </p:cSld>
+  <p:clrMapOvr>
+    <a:masterClrMapping/>
+  </p:clrMapOvr>
+</p:sld>
+</file>
+
+<file path=ppt/slides/slide20.xml><?xml version="1.0" encoding="utf-8"?>
 <p:sld xmlns:a="http://schemas.openxmlformats.org/drawingml/2006/main" xmlns:r="http://schemas.openxmlformats.org/officeDocument/2006/relationships" xmlns:p="http://schemas.openxmlformats.org/presentationml/2006/main">
   <p:cSld>
     <p:spTree>
@@ -6013,8 +5963,8 @@
           </a:p>
         </p:txBody>
       </p:sp>
-      <mc:AlternateContent xmlns:mc="http://schemas.openxmlformats.org/markup-compatibility/2006" xmlns:a14="http://schemas.microsoft.com/office/drawing/2010/main">
-        <mc:Choice Requires="a14">
+      <mc:AlternateContent xmlns:mc="http://schemas.openxmlformats.org/markup-compatibility/2006">
+        <mc:Choice xmlns:a14="http://schemas.microsoft.com/office/drawing/2010/main" Requires="a14">
           <p:sp>
             <p:nvSpPr>
               <p:cNvPr id="3" name="Espace réservé du contenu 2">
@@ -6038,7 +5988,7 @@
               <a:p>
                 <a:r>
                   <a:rPr lang="fr-CH" dirty="0"/>
-                  <a:t> PKCS#1 V1.5</a:t>
+                  <a:t> PKCS#1 V1.5 pour signatures</a:t>
                 </a:r>
               </a:p>
               <a:p>
@@ -6133,7 +6083,7 @@
             </p:txBody>
           </p:sp>
         </mc:Choice>
-        <mc:Fallback xmlns="">
+        <mc:Fallback>
           <p:sp>
             <p:nvSpPr>
               <p:cNvPr id="3" name="Espace réservé du contenu 2">
@@ -6186,7 +6136,7 @@
 </p:sld>
 </file>
 
-<file path=ppt/slides/slide22.xml><?xml version="1.0" encoding="utf-8"?>
+<file path=ppt/slides/slide21.xml><?xml version="1.0" encoding="utf-8"?>
 <p:sld xmlns:a="http://schemas.openxmlformats.org/drawingml/2006/main" xmlns:r="http://schemas.openxmlformats.org/officeDocument/2006/relationships" xmlns:p="http://schemas.openxmlformats.org/presentationml/2006/main">
   <p:cSld>
     <p:spTree>
@@ -6242,8 +6192,8 @@
           </a:p>
         </p:txBody>
       </p:sp>
-      <mc:AlternateContent xmlns:mc="http://schemas.openxmlformats.org/markup-compatibility/2006" xmlns:a14="http://schemas.microsoft.com/office/drawing/2010/main">
-        <mc:Choice Requires="a14">
+      <mc:AlternateContent xmlns:mc="http://schemas.openxmlformats.org/markup-compatibility/2006">
+        <mc:Choice xmlns:a14="http://schemas.microsoft.com/office/drawing/2010/main" Requires="a14">
           <p:sp>
             <p:nvSpPr>
               <p:cNvPr id="3" name="Espace réservé du contenu 2">
@@ -6262,12 +6212,14 @@
             </p:nvSpPr>
             <p:spPr/>
             <p:txBody>
-              <a:bodyPr/>
+              <a:bodyPr>
+                <a:normAutofit/>
+              </a:bodyPr>
               <a:lstStyle/>
               <a:p>
                 <a:r>
                   <a:rPr lang="fr-CH" dirty="0"/>
-                  <a:t> PKCS#1 V1.5</a:t>
+                  <a:t> PKCS#1 V1.5 pour signatures</a:t>
                 </a:r>
               </a:p>
               <a:p>
@@ -6404,7 +6356,7 @@
             </p:txBody>
           </p:sp>
         </mc:Choice>
-        <mc:Fallback xmlns="">
+        <mc:Fallback>
           <p:sp>
             <p:nvSpPr>
               <p:cNvPr id="3" name="Espace réservé du contenu 2">
@@ -6457,7 +6409,7 @@
 </p:sld>
 </file>
 
-<file path=ppt/slides/slide23.xml><?xml version="1.0" encoding="utf-8"?>
+<file path=ppt/slides/slide22.xml><?xml version="1.0" encoding="utf-8"?>
 <p:sld xmlns:a="http://schemas.openxmlformats.org/drawingml/2006/main" xmlns:r="http://schemas.openxmlformats.org/officeDocument/2006/relationships" xmlns:p="http://schemas.openxmlformats.org/presentationml/2006/main">
   <p:cSld>
     <p:spTree>
@@ -6497,13 +6449,13 @@
           <a:p>
             <a:r>
               <a:rPr lang="fr-CH" dirty="0"/>
-              <a:t>Théorème des restes chinois</a:t>
+              <a:t>Théorème des restes chinois - Déduction</a:t>
             </a:r>
           </a:p>
         </p:txBody>
       </p:sp>
-      <mc:AlternateContent xmlns:mc="http://schemas.openxmlformats.org/markup-compatibility/2006" xmlns:a14="http://schemas.microsoft.com/office/drawing/2010/main">
-        <mc:Choice Requires="a14">
+      <mc:AlternateContent xmlns:mc="http://schemas.openxmlformats.org/markup-compatibility/2006">
+        <mc:Choice xmlns:a14="http://schemas.microsoft.com/office/drawing/2010/main" Requires="a14">
           <p:sp>
             <p:nvSpPr>
               <p:cNvPr id="3" name="Espace réservé du contenu 2">
@@ -6894,7 +6846,7 @@
                   <a:rPr lang="fr-CH" dirty="0">
                     <a:ea typeface="Cambria Math" panose="02040503050406030204" pitchFamily="18" charset="0"/>
                   </a:rPr>
-                  <a:t>Nous considérons donc ici une erreur de calcul dans le corps </a:t>
+                  <a:t>Nous considérons donc ici une erreur de calcul dans l’anneau </a:t>
                 </a:r>
                 <a14:m>
                   <m:oMath xmlns:m="http://schemas.openxmlformats.org/officeDocument/2006/math">
@@ -6935,7 +6887,7 @@
             </p:txBody>
           </p:sp>
         </mc:Choice>
-        <mc:Fallback xmlns="">
+        <mc:Fallback>
           <p:sp>
             <p:nvSpPr>
               <p:cNvPr id="3" name="Espace réservé du contenu 2">
@@ -6988,7 +6940,7 @@
 </p:sld>
 </file>
 
-<file path=ppt/slides/slide24.xml><?xml version="1.0" encoding="utf-8"?>
+<file path=ppt/slides/slide23.xml><?xml version="1.0" encoding="utf-8"?>
 <p:sld xmlns:a="http://schemas.openxmlformats.org/drawingml/2006/main" xmlns:r="http://schemas.openxmlformats.org/officeDocument/2006/relationships" xmlns:p="http://schemas.openxmlformats.org/presentationml/2006/main">
   <p:cSld>
     <p:spTree>
@@ -7034,7 +6986,7 @@
           <a:p>
             <a:r>
               <a:rPr lang="fr-CH" dirty="0"/>
-              <a:t>Théorème des restes chinois</a:t>
+              <a:t>Théorème des restes chinois - Déduction</a:t>
             </a:r>
           </a:p>
         </p:txBody>
@@ -7530,7 +7482,7 @@
 </p:sld>
 </file>
 
-<file path=ppt/slides/slide25.xml><?xml version="1.0" encoding="utf-8"?>
+<file path=ppt/slides/slide24.xml><?xml version="1.0" encoding="utf-8"?>
 <p:sld xmlns:a="http://schemas.openxmlformats.org/drawingml/2006/main" xmlns:r="http://schemas.openxmlformats.org/officeDocument/2006/relationships" xmlns:p="http://schemas.openxmlformats.org/presentationml/2006/main">
   <p:cSld>
     <p:spTree>
@@ -7613,7 +7565,7 @@
 </p:sld>
 </file>
 
-<file path=ppt/slides/slide26.xml><?xml version="1.0" encoding="utf-8"?>
+<file path=ppt/slides/slide25.xml><?xml version="1.0" encoding="utf-8"?>
 <p:sld xmlns:a="http://schemas.openxmlformats.org/drawingml/2006/main" xmlns:r="http://schemas.openxmlformats.org/officeDocument/2006/relationships" xmlns:p="http://schemas.openxmlformats.org/presentationml/2006/main">
   <p:cSld>
     <p:spTree>
@@ -7744,7 +7696,7 @@
 </p:sld>
 </file>
 
-<file path=ppt/slides/slide27.xml><?xml version="1.0" encoding="utf-8"?>
+<file path=ppt/slides/slide26.xml><?xml version="1.0" encoding="utf-8"?>
 <p:sld xmlns:a="http://schemas.openxmlformats.org/drawingml/2006/main" xmlns:r="http://schemas.openxmlformats.org/officeDocument/2006/relationships" xmlns:p="http://schemas.openxmlformats.org/presentationml/2006/main">
   <p:cSld>
     <p:spTree>
@@ -8153,7 +8105,7 @@
 </p:sld>
 </file>
 
-<file path=ppt/slides/slide28.xml><?xml version="1.0" encoding="utf-8"?>
+<file path=ppt/slides/slide27.xml><?xml version="1.0" encoding="utf-8"?>
 <p:sld xmlns:a="http://schemas.openxmlformats.org/drawingml/2006/main" xmlns:r="http://schemas.openxmlformats.org/officeDocument/2006/relationships" xmlns:p="http://schemas.openxmlformats.org/presentationml/2006/main">
   <p:cSld>
     <p:spTree>
@@ -8209,8 +8161,8 @@
           </a:p>
         </p:txBody>
       </p:sp>
-      <mc:AlternateContent xmlns:mc="http://schemas.openxmlformats.org/markup-compatibility/2006" xmlns:a14="http://schemas.microsoft.com/office/drawing/2010/main">
-        <mc:Choice Requires="a14">
+      <mc:AlternateContent xmlns:mc="http://schemas.openxmlformats.org/markup-compatibility/2006">
+        <mc:Choice xmlns:a14="http://schemas.microsoft.com/office/drawing/2010/main" Requires="a14">
           <p:sp>
             <p:nvSpPr>
               <p:cNvPr id="3" name="Espace réservé du contenu 2">
@@ -8248,30 +8200,13 @@
                   <a:rPr lang="fr-CH" i="1" dirty="0">
                     <a:latin typeface="Cambria Math" panose="02040503050406030204" pitchFamily="18" charset="0"/>
                   </a:rPr>
-                  <a:t> </a:t>
+                  <a:t>  </a:t>
                 </a:r>
                 <a:r>
                   <a:rPr lang="fr-CH" dirty="0">
                     <a:latin typeface="Cambria Math" panose="02040503050406030204" pitchFamily="18" charset="0"/>
                   </a:rPr>
-                  <a:t>= </a:t>
-                </a:r>
-                <a14:m>
-                  <m:oMath xmlns:m="http://schemas.openxmlformats.org/officeDocument/2006/math">
-                    <m:r>
-                      <a:rPr lang="en-GB" b="0" i="1" smtClean="0">
-                        <a:latin typeface="Cambria Math" panose="02040503050406030204" pitchFamily="18" charset="0"/>
-                        <a:ea typeface="Cambria Math" panose="02040503050406030204" pitchFamily="18" charset="0"/>
-                      </a:rPr>
-                      <m:t>𝑎</m:t>
-                    </m:r>
-                  </m:oMath>
-                </a14:m>
-                <a:r>
-                  <a:rPr lang="fr-CH" dirty="0">
-                    <a:latin typeface="Cambria Math" panose="02040503050406030204" pitchFamily="18" charset="0"/>
-                  </a:rPr>
-                  <a:t> = 			</a:t>
+                  <a:t>= 			</a:t>
                 </a:r>
                 <a:r>
                   <a:rPr lang="fr-CH" b="0" dirty="0">
@@ -8476,7 +8411,7 @@
             </p:txBody>
           </p:sp>
         </mc:Choice>
-        <mc:Fallback xmlns="">
+        <mc:Fallback>
           <p:sp>
             <p:nvSpPr>
               <p:cNvPr id="3" name="Espace réservé du contenu 2">
@@ -8529,7 +8464,7 @@
 </p:sld>
 </file>
 
-<file path=ppt/slides/slide29.xml><?xml version="1.0" encoding="utf-8"?>
+<file path=ppt/slides/slide28.xml><?xml version="1.0" encoding="utf-8"?>
 <p:sld xmlns:a="http://schemas.openxmlformats.org/drawingml/2006/main" xmlns:r="http://schemas.openxmlformats.org/officeDocument/2006/relationships" xmlns:p="http://schemas.openxmlformats.org/presentationml/2006/main">
   <p:cSld>
     <p:spTree>
@@ -8858,125 +8793,7 @@
 </p:sld>
 </file>
 
-<file path=ppt/slides/slide3.xml><?xml version="1.0" encoding="utf-8"?>
-<p:sld xmlns:a="http://schemas.openxmlformats.org/drawingml/2006/main" xmlns:r="http://schemas.openxmlformats.org/officeDocument/2006/relationships" xmlns:p="http://schemas.openxmlformats.org/presentationml/2006/main">
-  <p:cSld>
-    <p:spTree>
-      <p:nvGrpSpPr>
-        <p:cNvPr id="1" name=""/>
-        <p:cNvGrpSpPr/>
-        <p:nvPr/>
-      </p:nvGrpSpPr>
-      <p:grpSpPr>
-        <a:xfrm>
-          <a:off x="0" y="0"/>
-          <a:ext cx="0" cy="0"/>
-          <a:chOff x="0" y="0"/>
-          <a:chExt cx="0" cy="0"/>
-        </a:xfrm>
-      </p:grpSpPr>
-      <p:sp>
-        <p:nvSpPr>
-          <p:cNvPr id="2" name="Titre 1">
-            <a:extLst>
-              <a:ext uri="{FF2B5EF4-FFF2-40B4-BE49-F238E27FC236}">
-                <a16:creationId xmlns:a16="http://schemas.microsoft.com/office/drawing/2014/main" id="{ABCA9630-E3A4-01F1-DC02-8D11AE85A440}"/>
-              </a:ext>
-            </a:extLst>
-          </p:cNvPr>
-          <p:cNvSpPr>
-            <a:spLocks noGrp="1"/>
-          </p:cNvSpPr>
-          <p:nvPr>
-            <p:ph type="title"/>
-          </p:nvPr>
-        </p:nvSpPr>
-        <p:spPr/>
-        <p:txBody>
-          <a:bodyPr/>
-          <a:lstStyle/>
-          <a:p>
-            <a:r>
-              <a:rPr lang="fr-CH" dirty="0"/>
-              <a:t>L’attaque en bref</a:t>
-            </a:r>
-          </a:p>
-        </p:txBody>
-      </p:sp>
-      <p:sp>
-        <p:nvSpPr>
-          <p:cNvPr id="3" name="Espace réservé du contenu 2">
-            <a:extLst>
-              <a:ext uri="{FF2B5EF4-FFF2-40B4-BE49-F238E27FC236}">
-                <a16:creationId xmlns:a16="http://schemas.microsoft.com/office/drawing/2014/main" id="{68FF2868-1122-9061-B5E0-99459AB4AC21}"/>
-              </a:ext>
-            </a:extLst>
-          </p:cNvPr>
-          <p:cNvSpPr>
-            <a:spLocks noGrp="1"/>
-          </p:cNvSpPr>
-          <p:nvPr>
-            <p:ph idx="1"/>
-          </p:nvPr>
-        </p:nvSpPr>
-        <p:spPr/>
-        <p:txBody>
-          <a:bodyPr/>
-          <a:lstStyle/>
-          <a:p>
-            <a:r>
-              <a:rPr lang="fr-CH" dirty="0"/>
-              <a:t>Écoute passive</a:t>
-            </a:r>
-          </a:p>
-          <a:p>
-            <a:r>
-              <a:rPr lang="fr-CH" dirty="0"/>
-              <a:t>SSH ou </a:t>
-            </a:r>
-            <a:r>
-              <a:rPr lang="fr-CH" dirty="0" err="1"/>
-              <a:t>IPsec</a:t>
-            </a:r>
-            <a:endParaRPr lang="fr-CH" dirty="0"/>
-          </a:p>
-          <a:p>
-            <a:r>
-              <a:rPr lang="fr-CH" dirty="0"/>
-              <a:t>Une signature PKCS#1 V1.5 invalide nécessaire</a:t>
-            </a:r>
-          </a:p>
-          <a:p>
-            <a:r>
-              <a:rPr lang="fr-CH" dirty="0"/>
-              <a:t>Pour un message inconnu</a:t>
-            </a:r>
-          </a:p>
-          <a:p>
-            <a:r>
-              <a:rPr lang="fr-CH" dirty="0"/>
-              <a:t>Signature calculée en utilisant le théorème des restes chinois</a:t>
-            </a:r>
-          </a:p>
-          <a:p>
-            <a:endParaRPr lang="fr-CH" dirty="0"/>
-          </a:p>
-        </p:txBody>
-      </p:sp>
-    </p:spTree>
-    <p:extLst>
-      <p:ext uri="{BB962C8B-B14F-4D97-AF65-F5344CB8AC3E}">
-        <p14:creationId xmlns:p14="http://schemas.microsoft.com/office/powerpoint/2010/main" val="167832716"/>
-      </p:ext>
-    </p:extLst>
-  </p:cSld>
-  <p:clrMapOvr>
-    <a:masterClrMapping/>
-  </p:clrMapOvr>
-</p:sld>
-</file>
-
-<file path=ppt/slides/slide30.xml><?xml version="1.0" encoding="utf-8"?>
+<file path=ppt/slides/slide29.xml><?xml version="1.0" encoding="utf-8"?>
 <p:sld xmlns:a="http://schemas.openxmlformats.org/drawingml/2006/main" xmlns:r="http://schemas.openxmlformats.org/officeDocument/2006/relationships" xmlns:p="http://schemas.openxmlformats.org/presentationml/2006/main">
   <p:cSld>
     <p:spTree>
@@ -9373,7 +9190,128 @@
 </p:sld>
 </file>
 
-<file path=ppt/slides/slide31.xml><?xml version="1.0" encoding="utf-8"?>
+<file path=ppt/slides/slide3.xml><?xml version="1.0" encoding="utf-8"?>
+<p:sld xmlns:a="http://schemas.openxmlformats.org/drawingml/2006/main" xmlns:r="http://schemas.openxmlformats.org/officeDocument/2006/relationships" xmlns:p="http://schemas.openxmlformats.org/presentationml/2006/main">
+  <p:cSld>
+    <p:spTree>
+      <p:nvGrpSpPr>
+        <p:cNvPr id="1" name=""/>
+        <p:cNvGrpSpPr/>
+        <p:nvPr/>
+      </p:nvGrpSpPr>
+      <p:grpSpPr>
+        <a:xfrm>
+          <a:off x="0" y="0"/>
+          <a:ext cx="0" cy="0"/>
+          <a:chOff x="0" y="0"/>
+          <a:chExt cx="0" cy="0"/>
+        </a:xfrm>
+      </p:grpSpPr>
+      <p:sp>
+        <p:nvSpPr>
+          <p:cNvPr id="2" name="Titre 1">
+            <a:extLst>
+              <a:ext uri="{FF2B5EF4-FFF2-40B4-BE49-F238E27FC236}">
+                <a16:creationId xmlns:a16="http://schemas.microsoft.com/office/drawing/2014/main" id="{ABCA9630-E3A4-01F1-DC02-8D11AE85A440}"/>
+              </a:ext>
+            </a:extLst>
+          </p:cNvPr>
+          <p:cNvSpPr>
+            <a:spLocks noGrp="1"/>
+          </p:cNvSpPr>
+          <p:nvPr>
+            <p:ph type="title"/>
+          </p:nvPr>
+        </p:nvSpPr>
+        <p:spPr/>
+        <p:txBody>
+          <a:bodyPr/>
+          <a:lstStyle/>
+          <a:p>
+            <a:r>
+              <a:rPr lang="fr-CH" dirty="0"/>
+              <a:t>L’attaque en bref</a:t>
+            </a:r>
+          </a:p>
+        </p:txBody>
+      </p:sp>
+      <p:sp>
+        <p:nvSpPr>
+          <p:cNvPr id="3" name="Espace réservé du contenu 2">
+            <a:extLst>
+              <a:ext uri="{FF2B5EF4-FFF2-40B4-BE49-F238E27FC236}">
+                <a16:creationId xmlns:a16="http://schemas.microsoft.com/office/drawing/2014/main" id="{68FF2868-1122-9061-B5E0-99459AB4AC21}"/>
+              </a:ext>
+            </a:extLst>
+          </p:cNvPr>
+          <p:cNvSpPr>
+            <a:spLocks noGrp="1"/>
+          </p:cNvSpPr>
+          <p:nvPr>
+            <p:ph idx="1"/>
+          </p:nvPr>
+        </p:nvSpPr>
+        <p:spPr/>
+        <p:txBody>
+          <a:bodyPr/>
+          <a:lstStyle/>
+          <a:p>
+            <a:r>
+              <a:rPr lang="fr-CH" dirty="0"/>
+              <a:t>Écoute passive de la communication</a:t>
+            </a:r>
+          </a:p>
+          <a:p>
+            <a:r>
+              <a:rPr lang="fr-CH" dirty="0"/>
+              <a:t>Protocole SSH, </a:t>
+            </a:r>
+            <a:r>
+              <a:rPr lang="fr-CH" dirty="0" err="1"/>
+              <a:t>IPsec</a:t>
+            </a:r>
+            <a:r>
+              <a:rPr lang="fr-CH" dirty="0"/>
+              <a:t> etc.</a:t>
+            </a:r>
+          </a:p>
+          <a:p>
+            <a:r>
+              <a:rPr lang="fr-CH" dirty="0"/>
+              <a:t>Signature calculée en utilisant le théorème des restes chinois</a:t>
+            </a:r>
+          </a:p>
+          <a:p>
+            <a:r>
+              <a:rPr lang="fr-CH" dirty="0"/>
+              <a:t>Une signature PKCS#1 V1.5 invalide</a:t>
+            </a:r>
+          </a:p>
+          <a:p>
+            <a:r>
+              <a:rPr lang="fr-CH" dirty="0"/>
+              <a:t>Pour un message inconnu</a:t>
+            </a:r>
+          </a:p>
+          <a:p>
+            <a:endParaRPr lang="fr-CH" dirty="0"/>
+          </a:p>
+        </p:txBody>
+      </p:sp>
+    </p:spTree>
+    <p:extLst>
+      <p:ext uri="{BB962C8B-B14F-4D97-AF65-F5344CB8AC3E}">
+        <p14:creationId xmlns:p14="http://schemas.microsoft.com/office/powerpoint/2010/main" val="167832716"/>
+      </p:ext>
+    </p:extLst>
+  </p:cSld>
+  <p:clrMapOvr>
+    <a:masterClrMapping/>
+  </p:clrMapOvr>
+</p:sld>
+</file>
+
+<file path=ppt/slides/slide30.xml><?xml version="1.0" encoding="utf-8"?>
 <p:sld xmlns:a="http://schemas.openxmlformats.org/drawingml/2006/main" xmlns:r="http://schemas.openxmlformats.org/officeDocument/2006/relationships" xmlns:p="http://schemas.openxmlformats.org/presentationml/2006/main">
   <p:cSld>
     <p:spTree>
@@ -9419,8 +9357,8 @@
           </a:p>
         </p:txBody>
       </p:sp>
-      <mc:AlternateContent xmlns:mc="http://schemas.openxmlformats.org/markup-compatibility/2006" xmlns:a14="http://schemas.microsoft.com/office/drawing/2010/main">
-        <mc:Choice Requires="a14">
+      <mc:AlternateContent xmlns:mc="http://schemas.openxmlformats.org/markup-compatibility/2006">
+        <mc:Choice xmlns:a14="http://schemas.microsoft.com/office/drawing/2010/main" Requires="a14">
           <p:sp>
             <p:nvSpPr>
               <p:cNvPr id="3" name="Espace réservé du contenu 2">
@@ -9441,14 +9379,6 @@
             <p:txBody>
               <a:bodyPr/>
               <a:lstStyle/>
-              <a:p>
-                <a:pPr marL="0" indent="0">
-                  <a:buNone/>
-                </a:pPr>
-                <a:endParaRPr lang="en-GB" b="0" i="1" dirty="0">
-                  <a:latin typeface="Cambria Math" panose="02040503050406030204" pitchFamily="18" charset="0"/>
-                </a:endParaRPr>
-              </a:p>
               <a:p>
                 <a:pPr marL="0" indent="0">
                   <a:buNone/>
@@ -9834,7 +9764,7 @@
             </p:txBody>
           </p:sp>
         </mc:Choice>
-        <mc:Fallback xmlns="">
+        <mc:Fallback>
           <p:sp>
             <p:nvSpPr>
               <p:cNvPr id="3" name="Espace réservé du contenu 2">
@@ -9855,7 +9785,7 @@
               <a:blipFill>
                 <a:blip r:embed="rId2"/>
                 <a:stretch>
-                  <a:fillRect l="-1217" b="-1961"/>
+                  <a:fillRect l="-1217"/>
                 </a:stretch>
               </a:blipFill>
             </p:spPr>
@@ -9887,7 +9817,7 @@
 </p:sld>
 </file>
 
-<file path=ppt/slides/slide32.xml><?xml version="1.0" encoding="utf-8"?>
+<file path=ppt/slides/slide31.xml><?xml version="1.0" encoding="utf-8"?>
 <p:sld xmlns:a="http://schemas.openxmlformats.org/drawingml/2006/main" xmlns:r="http://schemas.openxmlformats.org/officeDocument/2006/relationships" xmlns:p="http://schemas.openxmlformats.org/presentationml/2006/main">
   <p:cSld>
     <p:spTree>
@@ -10103,7 +10033,7 @@
 </p:sld>
 </file>
 
-<file path=ppt/slides/slide33.xml><?xml version="1.0" encoding="utf-8"?>
+<file path=ppt/slides/slide32.xml><?xml version="1.0" encoding="utf-8"?>
 <p:sld xmlns:a="http://schemas.openxmlformats.org/drawingml/2006/main" xmlns:r="http://schemas.openxmlformats.org/officeDocument/2006/relationships" xmlns:p="http://schemas.openxmlformats.org/presentationml/2006/main">
   <p:cSld>
     <p:spTree>
@@ -10571,7 +10501,7 @@
                                 <a:rPr lang="en-GB" b="0" i="1" smtClean="0">
                                   <a:latin typeface="Cambria Math" panose="02040503050406030204" pitchFamily="18" charset="0"/>
                                 </a:rPr>
-                                <m:t>1</m:t>
+                                <m:t>𝑖</m:t>
                               </m:r>
                             </m:sub>
                           </m:sSub>
@@ -10715,10 +10645,10 @@
                             </m:e>
                             <m:sub>
                               <m:r>
-                                <a:rPr lang="en-GB" i="1">
+                                <a:rPr lang="en-GB" b="0" i="1" smtClean="0">
                                   <a:latin typeface="Cambria Math" panose="02040503050406030204" pitchFamily="18" charset="0"/>
                                 </a:rPr>
-                                <m:t>1</m:t>
+                                <m:t>𝑖</m:t>
                               </m:r>
                             </m:sub>
                           </m:sSub>
@@ -10809,10 +10739,10 @@
                         </m:e>
                         <m:sub>
                           <m:r>
-                            <a:rPr lang="en-GB" i="1">
+                            <a:rPr lang="en-GB" b="0" i="1" smtClean="0">
                               <a:latin typeface="Cambria Math" panose="02040503050406030204" pitchFamily="18" charset="0"/>
                             </a:rPr>
-                            <m:t>1</m:t>
+                            <m:t>𝑖</m:t>
                           </m:r>
                         </m:sub>
                       </m:sSub>
@@ -10948,7 +10878,7 @@
 </p:sld>
 </file>
 
-<file path=ppt/slides/slide34.xml><?xml version="1.0" encoding="utf-8"?>
+<file path=ppt/slides/slide33.xml><?xml version="1.0" encoding="utf-8"?>
 <p:sld xmlns:a="http://schemas.openxmlformats.org/drawingml/2006/main" xmlns:r="http://schemas.openxmlformats.org/officeDocument/2006/relationships" xmlns:p="http://schemas.openxmlformats.org/presentationml/2006/main">
   <p:cSld>
     <p:spTree>
@@ -11315,7 +11245,7 @@
 </p:sld>
 </file>
 
-<file path=ppt/slides/slide35.xml><?xml version="1.0" encoding="utf-8"?>
+<file path=ppt/slides/slide34.xml><?xml version="1.0" encoding="utf-8"?>
 <p:sld xmlns:a="http://schemas.openxmlformats.org/drawingml/2006/main" xmlns:r="http://schemas.openxmlformats.org/officeDocument/2006/relationships" xmlns:p="http://schemas.openxmlformats.org/presentationml/2006/main">
   <p:cSld>
     <p:spTree>
@@ -11447,7 +11377,7 @@
 </p:sld>
 </file>
 
-<file path=ppt/slides/slide36.xml><?xml version="1.0" encoding="utf-8"?>
+<file path=ppt/slides/slide35.xml><?xml version="1.0" encoding="utf-8"?>
 <p:sld xmlns:a="http://schemas.openxmlformats.org/drawingml/2006/main" xmlns:r="http://schemas.openxmlformats.org/officeDocument/2006/relationships" xmlns:p="http://schemas.openxmlformats.org/presentationml/2006/main">
   <p:cSld>
     <p:spTree>
@@ -11515,7 +11445,7 @@
           </p:nvPr>
         </p:nvPicPr>
         <p:blipFill>
-          <a:blip r:embed="rId2">
+          <a:blip r:embed="rId3">
             <a:extLst>
               <a:ext uri="{28A0092B-C50C-407E-A947-70E740481C1C}">
                 <a14:useLocalDpi xmlns:a14="http://schemas.microsoft.com/office/drawing/2010/main" val="0"/>
@@ -11588,7 +11518,7 @@
 </p:sld>
 </file>
 
-<file path=ppt/slides/slide37.xml><?xml version="1.0" encoding="utf-8"?>
+<file path=ppt/slides/slide36.xml><?xml version="1.0" encoding="utf-8"?>
 <p:sld xmlns:a="http://schemas.openxmlformats.org/drawingml/2006/main" xmlns:r="http://schemas.openxmlformats.org/officeDocument/2006/relationships" xmlns:p="http://schemas.openxmlformats.org/presentationml/2006/main">
   <p:cSld>
     <p:spTree>
@@ -11671,7 +11601,7 @@
 </p:sld>
 </file>
 
-<file path=ppt/slides/slide38.xml><?xml version="1.0" encoding="utf-8"?>
+<file path=ppt/slides/slide37.xml><?xml version="1.0" encoding="utf-8"?>
 <p:sld xmlns:a="http://schemas.openxmlformats.org/drawingml/2006/main" xmlns:r="http://schemas.openxmlformats.org/officeDocument/2006/relationships" xmlns:p="http://schemas.openxmlformats.org/presentationml/2006/main">
   <p:cSld>
     <p:spTree>
@@ -11904,7 +11834,7 @@
           <a:p>
             <a:r>
               <a:rPr lang="fr-CH" dirty="0"/>
-              <a:t>Utilisation de PKCS# V1.5</a:t>
+              <a:t>Algorithmes de signature dans SSH</a:t>
             </a:r>
           </a:p>
         </p:txBody>
@@ -11997,7 +11927,13 @@
   <p:cSld>
     <p:spTree>
       <p:nvGrpSpPr>
-        <p:cNvPr id="1" name=""/>
+        <p:cNvPr id="1" name="">
+          <a:extLst>
+            <a:ext uri="{FF2B5EF4-FFF2-40B4-BE49-F238E27FC236}">
+              <a16:creationId xmlns:a16="http://schemas.microsoft.com/office/drawing/2014/main" id="{9F4CF3AC-6211-FDDD-2161-DD22D3AA8C1C}"/>
+            </a:ext>
+          </a:extLst>
+        </p:cNvPr>
         <p:cNvGrpSpPr/>
         <p:nvPr/>
       </p:nvGrpSpPr>
@@ -12014,7 +11950,7 @@
           <p:cNvPr id="2" name="Titre 1">
             <a:extLst>
               <a:ext uri="{FF2B5EF4-FFF2-40B4-BE49-F238E27FC236}">
-                <a16:creationId xmlns:a16="http://schemas.microsoft.com/office/drawing/2014/main" id="{91E470EE-3476-45F7-B8D0-06623A0C3DF3}"/>
+                <a16:creationId xmlns:a16="http://schemas.microsoft.com/office/drawing/2014/main" id="{EDD3903D-FE98-FCAD-74C9-25752DFA32B8}"/>
               </a:ext>
             </a:extLst>
           </p:cNvPr>
@@ -12032,60 +11968,17 @@
           <a:p>
             <a:r>
               <a:rPr lang="fr-CH" dirty="0"/>
-              <a:t>Nombre d’erreur dans les signatures</a:t>
+              <a:t>Erreurs dans les signatures RSA</a:t>
             </a:r>
           </a:p>
         </p:txBody>
       </p:sp>
       <p:sp>
         <p:nvSpPr>
-          <p:cNvPr id="8" name="Espace réservé du contenu 7">
+          <p:cNvPr id="9" name="Espace réservé du pied de page 8">
             <a:extLst>
               <a:ext uri="{FF2B5EF4-FFF2-40B4-BE49-F238E27FC236}">
-                <a16:creationId xmlns:a16="http://schemas.microsoft.com/office/drawing/2014/main" id="{72FB756F-52A2-8991-6ABC-B178C6AE62BF}"/>
-              </a:ext>
-            </a:extLst>
-          </p:cNvPr>
-          <p:cNvSpPr>
-            <a:spLocks noGrp="1"/>
-          </p:cNvSpPr>
-          <p:nvPr>
-            <p:ph idx="1"/>
-          </p:nvPr>
-        </p:nvSpPr>
-        <p:spPr/>
-        <p:txBody>
-          <a:bodyPr/>
-          <a:lstStyle/>
-          <a:p>
-            <a:r>
-              <a:rPr lang="fr-CH" dirty="0"/>
-              <a:t>3,189,469,782 signatures complètes SSH enregistrées</a:t>
-            </a:r>
-          </a:p>
-          <a:p>
-            <a:r>
-              <a:rPr lang="fr-CH" dirty="0"/>
-              <a:t>1,248,108,063  était des signatures RSA (39.1%)</a:t>
-            </a:r>
-          </a:p>
-          <a:p>
-            <a:r>
-              <a:rPr lang="fr-CH" dirty="0"/>
-              <a:t>593,671 sont fausses (0.048% des signatures RSA)</a:t>
-            </a:r>
-          </a:p>
-          <a:p>
-            <a:endParaRPr lang="fr-CH" dirty="0"/>
-          </a:p>
-        </p:txBody>
-      </p:sp>
-      <p:sp>
-        <p:nvSpPr>
-          <p:cNvPr id="3" name="Espace réservé du pied de page 8">
-            <a:extLst>
-              <a:ext uri="{FF2B5EF4-FFF2-40B4-BE49-F238E27FC236}">
-                <a16:creationId xmlns:a16="http://schemas.microsoft.com/office/drawing/2014/main" id="{FD4EA799-CE02-3F70-AA1E-C3DFB7931FD8}"/>
+                <a16:creationId xmlns:a16="http://schemas.microsoft.com/office/drawing/2014/main" id="{0B811914-FCCF-1835-3818-68A3188054FD}"/>
               </a:ext>
             </a:extLst>
           </p:cNvPr>
@@ -12122,10 +12015,40 @@
           </a:p>
         </p:txBody>
       </p:sp>
+      <p:pic>
+        <p:nvPicPr>
+          <p:cNvPr id="4" name="Image 3">
+            <a:extLst>
+              <a:ext uri="{FF2B5EF4-FFF2-40B4-BE49-F238E27FC236}">
+                <a16:creationId xmlns:a16="http://schemas.microsoft.com/office/drawing/2014/main" id="{17E811A4-3230-1D25-AF8C-60E71D6824CC}"/>
+              </a:ext>
+            </a:extLst>
+          </p:cNvPr>
+          <p:cNvPicPr>
+            <a:picLocks noChangeAspect="1"/>
+          </p:cNvPicPr>
+          <p:nvPr/>
+        </p:nvPicPr>
+        <p:blipFill>
+          <a:blip r:embed="rId2"/>
+          <a:stretch>
+            <a:fillRect/>
+          </a:stretch>
+        </p:blipFill>
+        <p:spPr>
+          <a:xfrm>
+            <a:off x="2657111" y="1805814"/>
+            <a:ext cx="6877777" cy="4435409"/>
+          </a:xfrm>
+          <a:prstGeom prst="rect">
+            <a:avLst/>
+          </a:prstGeom>
+        </p:spPr>
+      </p:pic>
     </p:spTree>
     <p:extLst>
       <p:ext uri="{BB962C8B-B14F-4D97-AF65-F5344CB8AC3E}">
-        <p14:creationId xmlns:p14="http://schemas.microsoft.com/office/powerpoint/2010/main" val="711868792"/>
+        <p14:creationId xmlns:p14="http://schemas.microsoft.com/office/powerpoint/2010/main" val="2545017547"/>
       </p:ext>
     </p:extLst>
   </p:cSld>
@@ -12181,7 +12104,7 @@
           <a:p>
             <a:r>
               <a:rPr lang="fr-CH" dirty="0"/>
-              <a:t>Nombre d’erreur dans les signatures</a:t>
+              <a:t>Appareils concernés par des erreurs dans les signatures</a:t>
             </a:r>
           </a:p>
         </p:txBody>
@@ -12200,10 +12123,15 @@
           </p:cNvGraphicFramePr>
           <p:nvPr>
             <p:ph idx="1"/>
+            <p:extLst>
+              <p:ext uri="{D42A27DB-BD31-4B8C-83A1-F6EECF244321}">
+                <p14:modId xmlns:p14="http://schemas.microsoft.com/office/powerpoint/2010/main" val="4013173233"/>
+              </p:ext>
+            </p:extLst>
           </p:nvPr>
         </p:nvGraphicFramePr>
         <p:xfrm>
-          <a:off x="3419170" y="1825625"/>
+          <a:off x="3419170" y="2295290"/>
           <a:ext cx="5353661" cy="2267420"/>
         </p:xfrm>
         <a:graphic>
@@ -12519,7 +12447,7 @@
           <p:cNvPr id="2" name="Titre 1">
             <a:extLst>
               <a:ext uri="{FF2B5EF4-FFF2-40B4-BE49-F238E27FC236}">
-                <a16:creationId xmlns:a16="http://schemas.microsoft.com/office/drawing/2014/main" id="{C86522DB-CB9E-DB84-E81D-DD1AC3FCC88E}"/>
+                <a16:creationId xmlns:a16="http://schemas.microsoft.com/office/drawing/2014/main" id="{0312024B-32AC-2487-492D-C96DC9F32452}"/>
               </a:ext>
             </a:extLst>
           </p:cNvPr>
@@ -12537,17 +12465,51 @@
           <a:p>
             <a:r>
               <a:rPr lang="fr-CH" dirty="0"/>
-              <a:t>Conséquences</a:t>
+              <a:t>SSH - Intro</a:t>
             </a:r>
           </a:p>
         </p:txBody>
       </p:sp>
+      <p:pic>
+        <p:nvPicPr>
+          <p:cNvPr id="12" name="Espace réservé du contenu 11">
+            <a:extLst>
+              <a:ext uri="{FF2B5EF4-FFF2-40B4-BE49-F238E27FC236}">
+                <a16:creationId xmlns:a16="http://schemas.microsoft.com/office/drawing/2014/main" id="{4D57BD00-275F-086A-B019-09441149799D}"/>
+              </a:ext>
+            </a:extLst>
+          </p:cNvPr>
+          <p:cNvPicPr>
+            <a:picLocks noGrp="1" noChangeAspect="1"/>
+          </p:cNvPicPr>
+          <p:nvPr>
+            <p:ph idx="1"/>
+          </p:nvPr>
+        </p:nvPicPr>
+        <p:blipFill>
+          <a:blip r:embed="rId2">
+            <a:extLst>
+              <a:ext uri="{28A0092B-C50C-407E-A947-70E740481C1C}">
+                <a14:useLocalDpi xmlns:a14="http://schemas.microsoft.com/office/drawing/2010/main" val="0"/>
+              </a:ext>
+            </a:extLst>
+          </a:blip>
+          <a:srcRect/>
+          <a:stretch/>
+        </p:blipFill>
+        <p:spPr>
+          <a:xfrm>
+            <a:off x="838200" y="2191955"/>
+            <a:ext cx="10515600" cy="3618677"/>
+          </a:xfrm>
+        </p:spPr>
+      </p:pic>
       <p:sp>
         <p:nvSpPr>
-          <p:cNvPr id="3" name="Espace réservé du contenu 2">
+          <p:cNvPr id="13" name="Espace réservé du pied de page 12">
             <a:extLst>
               <a:ext uri="{FF2B5EF4-FFF2-40B4-BE49-F238E27FC236}">
-                <a16:creationId xmlns:a16="http://schemas.microsoft.com/office/drawing/2014/main" id="{DF80E0EF-D927-4D6B-22ED-EA5C781C74B6}"/>
+                <a16:creationId xmlns:a16="http://schemas.microsoft.com/office/drawing/2014/main" id="{2A34BFDB-8807-5D23-E09D-2F3605686511}"/>
               </a:ext>
             </a:extLst>
           </p:cNvPr>
@@ -12555,25 +12517,31 @@
             <a:spLocks noGrp="1"/>
           </p:cNvSpPr>
           <p:nvPr>
-            <p:ph idx="1"/>
+            <p:ph type="ftr" sz="quarter" idx="11"/>
           </p:nvPr>
         </p:nvSpPr>
-        <p:spPr/>
+        <p:spPr>
+          <a:xfrm>
+            <a:off x="-1" y="6356350"/>
+            <a:ext cx="9646571" cy="365125"/>
+          </a:xfrm>
+        </p:spPr>
         <p:txBody>
           <a:bodyPr/>
           <a:lstStyle/>
           <a:p>
             <a:r>
-              <a:rPr lang="fr-CH" dirty="0"/>
-              <a:t>Beaucoup d’appareils concernés ???</a:t>
-            </a:r>
+              <a:rPr lang="en-GB" dirty="0"/>
+              <a:t>Tatu Ylonen: SSH - Secure Login Connections over the Internet. Proceedings of the 6th USENIX Security Symposium, pp. 37-42, USENIX, 1996.</a:t>
+            </a:r>
+            <a:endParaRPr lang="fr-CH" dirty="0"/>
           </a:p>
         </p:txBody>
       </p:sp>
     </p:spTree>
     <p:extLst>
       <p:ext uri="{BB962C8B-B14F-4D97-AF65-F5344CB8AC3E}">
-        <p14:creationId xmlns:p14="http://schemas.microsoft.com/office/powerpoint/2010/main" val="1077162873"/>
+        <p14:creationId xmlns:p14="http://schemas.microsoft.com/office/powerpoint/2010/main" val="2792095449"/>
       </p:ext>
     </p:extLst>
   </p:cSld>
@@ -12605,7 +12573,7 @@
           <p:cNvPr id="2" name="Titre 1">
             <a:extLst>
               <a:ext uri="{FF2B5EF4-FFF2-40B4-BE49-F238E27FC236}">
-                <a16:creationId xmlns:a16="http://schemas.microsoft.com/office/drawing/2014/main" id="{0312024B-32AC-2487-492D-C96DC9F32452}"/>
+                <a16:creationId xmlns:a16="http://schemas.microsoft.com/office/drawing/2014/main" id="{34DB7913-74D7-7837-652B-6F145847D8DA}"/>
               </a:ext>
             </a:extLst>
           </p:cNvPr>
@@ -12623,51 +12591,17 @@
           <a:p>
             <a:r>
               <a:rPr lang="fr-CH" dirty="0"/>
-              <a:t>SSH</a:t>
+              <a:t>SSH - Protocole</a:t>
             </a:r>
           </a:p>
         </p:txBody>
       </p:sp>
-      <p:pic>
-        <p:nvPicPr>
-          <p:cNvPr id="12" name="Espace réservé du contenu 11">
+      <p:sp>
+        <p:nvSpPr>
+          <p:cNvPr id="3" name="Espace réservé du contenu 2">
             <a:extLst>
               <a:ext uri="{FF2B5EF4-FFF2-40B4-BE49-F238E27FC236}">
-                <a16:creationId xmlns:a16="http://schemas.microsoft.com/office/drawing/2014/main" id="{4D57BD00-275F-086A-B019-09441149799D}"/>
-              </a:ext>
-            </a:extLst>
-          </p:cNvPr>
-          <p:cNvPicPr>
-            <a:picLocks noGrp="1" noChangeAspect="1"/>
-          </p:cNvPicPr>
-          <p:nvPr>
-            <p:ph idx="1"/>
-          </p:nvPr>
-        </p:nvPicPr>
-        <p:blipFill>
-          <a:blip r:embed="rId2">
-            <a:extLst>
-              <a:ext uri="{28A0092B-C50C-407E-A947-70E740481C1C}">
-                <a14:useLocalDpi xmlns:a14="http://schemas.microsoft.com/office/drawing/2010/main" val="0"/>
-              </a:ext>
-            </a:extLst>
-          </a:blip>
-          <a:srcRect/>
-          <a:stretch/>
-        </p:blipFill>
-        <p:spPr>
-          <a:xfrm>
-            <a:off x="838200" y="2191955"/>
-            <a:ext cx="10515600" cy="3618677"/>
-          </a:xfrm>
-        </p:spPr>
-      </p:pic>
-      <p:sp>
-        <p:nvSpPr>
-          <p:cNvPr id="13" name="Espace réservé du pied de page 12">
-            <a:extLst>
-              <a:ext uri="{FF2B5EF4-FFF2-40B4-BE49-F238E27FC236}">
-                <a16:creationId xmlns:a16="http://schemas.microsoft.com/office/drawing/2014/main" id="{2A34BFDB-8807-5D23-E09D-2F3605686511}"/>
+                <a16:creationId xmlns:a16="http://schemas.microsoft.com/office/drawing/2014/main" id="{66D37A0F-FDE0-F063-4D79-9F2C94D0B35A}"/>
               </a:ext>
             </a:extLst>
           </p:cNvPr>
@@ -12675,31 +12609,125 @@
             <a:spLocks noGrp="1"/>
           </p:cNvSpPr>
           <p:nvPr>
-            <p:ph type="ftr" sz="quarter" idx="11"/>
+            <p:ph idx="1"/>
           </p:nvPr>
         </p:nvSpPr>
-        <p:spPr>
-          <a:xfrm>
-            <a:off x="-1" y="6356350"/>
-            <a:ext cx="9646571" cy="365125"/>
-          </a:xfrm>
-        </p:spPr>
+        <p:spPr/>
         <p:txBody>
-          <a:bodyPr/>
+          <a:bodyPr>
+            <a:normAutofit lnSpcReduction="10000"/>
+          </a:bodyPr>
           <a:lstStyle/>
           <a:p>
-            <a:r>
-              <a:rPr lang="en-GB" dirty="0"/>
-              <a:t>Tatu Ylonen: SSH - Secure Login Connections over the Internet. Proceedings of the 6th USENIX Security Symposium, pp. 37-42, USENIX, 1996.</a:t>
-            </a:r>
-            <a:endParaRPr lang="fr-CH" dirty="0"/>
+            <a:pPr marL="514350" indent="-514350">
+              <a:buFont typeface="+mj-lt"/>
+              <a:buAutoNum type="arabicPeriod"/>
+            </a:pPr>
+            <a:r>
+              <a:rPr lang="fr-CH" dirty="0"/>
+              <a:t>Connection du client</a:t>
+            </a:r>
+          </a:p>
+          <a:p>
+            <a:pPr marL="514350" indent="-514350">
+              <a:buFont typeface="+mj-lt"/>
+              <a:buAutoNum type="arabicPeriod"/>
+            </a:pPr>
+            <a:r>
+              <a:rPr lang="fr-CH" dirty="0"/>
+              <a:t>Négociation des algorithmes</a:t>
+            </a:r>
+          </a:p>
+          <a:p>
+            <a:pPr marL="514350" indent="-514350">
+              <a:buFont typeface="+mj-lt"/>
+              <a:buAutoNum type="arabicPeriod"/>
+            </a:pPr>
+            <a:r>
+              <a:rPr lang="fr-CH" dirty="0"/>
+              <a:t>Échange </a:t>
+            </a:r>
+            <a:r>
+              <a:rPr lang="fr-CH" dirty="0" err="1"/>
+              <a:t>Diffie</a:t>
+            </a:r>
+            <a:r>
+              <a:rPr lang="fr-CH" dirty="0"/>
+              <a:t>-Hellman</a:t>
+            </a:r>
+          </a:p>
+          <a:p>
+            <a:pPr marL="514350" indent="-514350">
+              <a:buFont typeface="+mj-lt"/>
+              <a:buAutoNum type="arabicPeriod"/>
+            </a:pPr>
+            <a:r>
+              <a:rPr lang="fr-CH" dirty="0"/>
+              <a:t>Le serveur signe le secret dérivé du D-H, les </a:t>
+            </a:r>
+            <a:r>
+              <a:rPr lang="fr-CH" dirty="0" err="1"/>
+              <a:t>cipher</a:t>
+            </a:r>
+            <a:r>
+              <a:rPr lang="fr-CH" dirty="0"/>
+              <a:t> suites, </a:t>
+            </a:r>
+            <a:r>
+              <a:rPr lang="fr-CH" dirty="0" err="1"/>
+              <a:t>l’id</a:t>
+            </a:r>
+            <a:r>
+              <a:rPr lang="fr-CH" dirty="0"/>
+              <a:t> client et serveur</a:t>
+            </a:r>
+          </a:p>
+          <a:p>
+            <a:pPr marL="514350" indent="-514350">
+              <a:buFont typeface="+mj-lt"/>
+              <a:buAutoNum type="arabicPeriod"/>
+            </a:pPr>
+            <a:r>
+              <a:rPr lang="fr-CH" dirty="0"/>
+              <a:t>Signature envoyée en clair</a:t>
+            </a:r>
+          </a:p>
+          <a:p>
+            <a:pPr marL="514350" indent="-514350">
+              <a:buFont typeface="+mj-lt"/>
+              <a:buAutoNum type="arabicPeriod"/>
+            </a:pPr>
+            <a:r>
+              <a:rPr lang="fr-CH" dirty="0"/>
+              <a:t>Vérification de la signature par le client</a:t>
+            </a:r>
+          </a:p>
+          <a:p>
+            <a:pPr marL="514350" indent="-514350">
+              <a:buFont typeface="+mj-lt"/>
+              <a:buAutoNum type="arabicPeriod"/>
+            </a:pPr>
+            <a:r>
+              <a:rPr lang="fr-CH" dirty="0"/>
+              <a:t>Établissement du canal chiffré</a:t>
+            </a:r>
+          </a:p>
+          <a:p>
+            <a:pPr marL="514350" indent="-514350">
+              <a:buFont typeface="+mj-lt"/>
+              <a:buAutoNum type="arabicPeriod"/>
+            </a:pPr>
+            <a:r>
+              <a:rPr lang="fr-CH" dirty="0"/>
+              <a:t>Authentification du client</a:t>
+            </a:r>
           </a:p>
         </p:txBody>
       </p:sp>
     </p:spTree>
     <p:extLst>
       <p:ext uri="{BB962C8B-B14F-4D97-AF65-F5344CB8AC3E}">
-        <p14:creationId xmlns:p14="http://schemas.microsoft.com/office/powerpoint/2010/main" val="2792095449"/>
+        <p14:creationId xmlns:p14="http://schemas.microsoft.com/office/powerpoint/2010/main" val="2074329008"/>
       </p:ext>
     </p:extLst>
   </p:cSld>
@@ -12714,7 +12742,13 @@
   <p:cSld>
     <p:spTree>
       <p:nvGrpSpPr>
-        <p:cNvPr id="1" name=""/>
+        <p:cNvPr id="1" name="">
+          <a:extLst>
+            <a:ext uri="{FF2B5EF4-FFF2-40B4-BE49-F238E27FC236}">
+              <a16:creationId xmlns:a16="http://schemas.microsoft.com/office/drawing/2014/main" id="{8FEBB08C-9689-2E79-B597-E1715884D75B}"/>
+            </a:ext>
+          </a:extLst>
+        </p:cNvPr>
         <p:cNvGrpSpPr/>
         <p:nvPr/>
       </p:nvGrpSpPr>
@@ -12731,7 +12765,7 @@
           <p:cNvPr id="2" name="Titre 1">
             <a:extLst>
               <a:ext uri="{FF2B5EF4-FFF2-40B4-BE49-F238E27FC236}">
-                <a16:creationId xmlns:a16="http://schemas.microsoft.com/office/drawing/2014/main" id="{34DB7913-74D7-7837-652B-6F145847D8DA}"/>
+                <a16:creationId xmlns:a16="http://schemas.microsoft.com/office/drawing/2014/main" id="{D25B67F9-33DA-7AB0-C366-F2532DE6901A}"/>
               </a:ext>
             </a:extLst>
           </p:cNvPr>
@@ -12749,7 +12783,7 @@
           <a:p>
             <a:r>
               <a:rPr lang="fr-CH" dirty="0"/>
-              <a:t>SSH</a:t>
+              <a:t>SSH - Protocole</a:t>
             </a:r>
           </a:p>
         </p:txBody>
@@ -12759,7 +12793,7 @@
           <p:cNvPr id="3" name="Espace réservé du contenu 2">
             <a:extLst>
               <a:ext uri="{FF2B5EF4-FFF2-40B4-BE49-F238E27FC236}">
-                <a16:creationId xmlns:a16="http://schemas.microsoft.com/office/drawing/2014/main" id="{66D37A0F-FDE0-F063-4D79-9F2C94D0B35A}"/>
+                <a16:creationId xmlns:a16="http://schemas.microsoft.com/office/drawing/2014/main" id="{42D4C7D7-10D6-90D5-F71C-BC5DCD2CDB72}"/>
               </a:ext>
             </a:extLst>
           </p:cNvPr>
@@ -12772,7 +12806,9 @@
         </p:nvSpPr>
         <p:spPr/>
         <p:txBody>
-          <a:bodyPr/>
+          <a:bodyPr>
+            <a:normAutofit lnSpcReduction="10000"/>
+          </a:bodyPr>
           <a:lstStyle/>
           <a:p>
             <a:pPr marL="514350" indent="-514350">
@@ -12819,7 +12855,19 @@
             </a:pPr>
             <a:r>
               <a:rPr lang="fr-CH" dirty="0"/>
-              <a:t>Le serveur signe le D-H, les </a:t>
+              <a:t>Le serveur </a:t>
+            </a:r>
+            <a:r>
+              <a:rPr lang="fr-CH" dirty="0">
+                <a:highlight>
+                  <a:srgbClr val="FF0000"/>
+                </a:highlight>
+              </a:rPr>
+              <a:t>signe le secret dérivé du D-H</a:t>
+            </a:r>
+            <a:r>
+              <a:rPr lang="fr-CH" dirty="0"/>
+              <a:t>, les </a:t>
             </a:r>
             <a:r>
               <a:rPr lang="fr-CH" dirty="0" err="1"/>
@@ -12844,9 +12892,28 @@
               <a:buAutoNum type="arabicPeriod"/>
             </a:pPr>
             <a:r>
-              <a:rPr lang="fr-CH" dirty="0"/>
+              <a:rPr lang="fr-CH" dirty="0">
+                <a:highlight>
+                  <a:srgbClr val="FF0000"/>
+                </a:highlight>
+              </a:rPr>
               <a:t>Signature envoyée en clair</a:t>
             </a:r>
+          </a:p>
+          <a:p>
+            <a:pPr marL="514350" indent="-514350">
+              <a:buFont typeface="+mj-lt"/>
+              <a:buAutoNum type="arabicPeriod"/>
+            </a:pPr>
+            <a:r>
+              <a:rPr lang="fr-CH" dirty="0"/>
+              <a:t>Vérification de la signature par le client</a:t>
+            </a:r>
+            <a:endParaRPr lang="fr-CH" dirty="0">
+              <a:highlight>
+                <a:srgbClr val="FF0000"/>
+              </a:highlight>
+            </a:endParaRPr>
           </a:p>
           <a:p>
             <a:pPr marL="514350" indent="-514350">
@@ -12873,7 +12940,7 @@
     </p:spTree>
     <p:extLst>
       <p:ext uri="{BB962C8B-B14F-4D97-AF65-F5344CB8AC3E}">
-        <p14:creationId xmlns:p14="http://schemas.microsoft.com/office/powerpoint/2010/main" val="2074329008"/>
+        <p14:creationId xmlns:p14="http://schemas.microsoft.com/office/powerpoint/2010/main" val="2788393243"/>
       </p:ext>
     </p:extLst>
   </p:cSld>

--- a/SSELaticeAttackFerrara.pptx
+++ b/SSELaticeAttackFerrara.pptx
@@ -5,49 +5,51 @@
     <p:sldMasterId id="2147483648" r:id="rId1"/>
   </p:sldMasterIdLst>
   <p:notesMasterIdLst>
-    <p:notesMasterId r:id="rId39"/>
+    <p:notesMasterId r:id="rId41"/>
   </p:notesMasterIdLst>
   <p:handoutMasterIdLst>
-    <p:handoutMasterId r:id="rId40"/>
+    <p:handoutMasterId r:id="rId42"/>
   </p:handoutMasterIdLst>
   <p:sldIdLst>
     <p:sldId id="256" r:id="rId2"/>
-    <p:sldId id="257" r:id="rId3"/>
-    <p:sldId id="261" r:id="rId4"/>
+    <p:sldId id="299" r:id="rId3"/>
+    <p:sldId id="257" r:id="rId4"/>
     <p:sldId id="282" r:id="rId5"/>
     <p:sldId id="298" r:id="rId6"/>
-    <p:sldId id="284" r:id="rId7"/>
-    <p:sldId id="263" r:id="rId8"/>
-    <p:sldId id="286" r:id="rId9"/>
-    <p:sldId id="287" r:id="rId10"/>
-    <p:sldId id="289" r:id="rId11"/>
-    <p:sldId id="288" r:id="rId12"/>
-    <p:sldId id="290" r:id="rId13"/>
-    <p:sldId id="264" r:id="rId14"/>
-    <p:sldId id="291" r:id="rId15"/>
-    <p:sldId id="292" r:id="rId16"/>
-    <p:sldId id="293" r:id="rId17"/>
-    <p:sldId id="294" r:id="rId18"/>
-    <p:sldId id="259" r:id="rId19"/>
-    <p:sldId id="260" r:id="rId20"/>
-    <p:sldId id="272" r:id="rId21"/>
-    <p:sldId id="295" r:id="rId22"/>
-    <p:sldId id="275" r:id="rId23"/>
-    <p:sldId id="276" r:id="rId24"/>
-    <p:sldId id="285" r:id="rId25"/>
-    <p:sldId id="277" r:id="rId26"/>
-    <p:sldId id="279" r:id="rId27"/>
-    <p:sldId id="278" r:id="rId28"/>
-    <p:sldId id="266" r:id="rId29"/>
-    <p:sldId id="273" r:id="rId30"/>
-    <p:sldId id="267" r:id="rId31"/>
-    <p:sldId id="268" r:id="rId32"/>
-    <p:sldId id="280" r:id="rId33"/>
-    <p:sldId id="281" r:id="rId34"/>
-    <p:sldId id="269" r:id="rId35"/>
-    <p:sldId id="297" r:id="rId36"/>
-    <p:sldId id="296" r:id="rId37"/>
-    <p:sldId id="270" r:id="rId38"/>
+    <p:sldId id="300" r:id="rId7"/>
+    <p:sldId id="261" r:id="rId8"/>
+    <p:sldId id="284" r:id="rId9"/>
+    <p:sldId id="263" r:id="rId10"/>
+    <p:sldId id="286" r:id="rId11"/>
+    <p:sldId id="287" r:id="rId12"/>
+    <p:sldId id="289" r:id="rId13"/>
+    <p:sldId id="288" r:id="rId14"/>
+    <p:sldId id="290" r:id="rId15"/>
+    <p:sldId id="264" r:id="rId16"/>
+    <p:sldId id="291" r:id="rId17"/>
+    <p:sldId id="292" r:id="rId18"/>
+    <p:sldId id="293" r:id="rId19"/>
+    <p:sldId id="294" r:id="rId20"/>
+    <p:sldId id="259" r:id="rId21"/>
+    <p:sldId id="260" r:id="rId22"/>
+    <p:sldId id="272" r:id="rId23"/>
+    <p:sldId id="295" r:id="rId24"/>
+    <p:sldId id="275" r:id="rId25"/>
+    <p:sldId id="276" r:id="rId26"/>
+    <p:sldId id="285" r:id="rId27"/>
+    <p:sldId id="277" r:id="rId28"/>
+    <p:sldId id="279" r:id="rId29"/>
+    <p:sldId id="278" r:id="rId30"/>
+    <p:sldId id="266" r:id="rId31"/>
+    <p:sldId id="273" r:id="rId32"/>
+    <p:sldId id="267" r:id="rId33"/>
+    <p:sldId id="268" r:id="rId34"/>
+    <p:sldId id="280" r:id="rId35"/>
+    <p:sldId id="281" r:id="rId36"/>
+    <p:sldId id="269" r:id="rId37"/>
+    <p:sldId id="297" r:id="rId38"/>
+    <p:sldId id="296" r:id="rId39"/>
+    <p:sldId id="270" r:id="rId40"/>
   </p:sldIdLst>
   <p:sldSz cx="12192000" cy="6858000"/>
   <p:notesSz cx="6858000" cy="9144000"/>
@@ -248,7 +250,7 @@
           <a:p>
             <a:fld id="{E119955A-8F8B-4836-9D5D-75BC53B05DFA}" type="datetimeFigureOut">
               <a:rPr lang="fr-CH" smtClean="0"/>
-              <a:t>24.03.2025</a:t>
+              <a:t>26.03.2025</a:t>
             </a:fld>
             <a:endParaRPr lang="fr-CH"/>
           </a:p>
@@ -425,7 +427,7 @@
           <a:p>
             <a:fld id="{4B7F84FC-00BA-4296-9B1E-E241E38FBA94}" type="datetimeFigureOut">
               <a:rPr lang="fr-CH" smtClean="0"/>
-              <a:t>24.03.2025</a:t>
+              <a:t>26.03.2025</a:t>
             </a:fld>
             <a:endParaRPr lang="fr-CH"/>
           </a:p>
@@ -761,7 +763,7 @@
           <a:p>
             <a:fld id="{AB99ADB5-010F-40A1-986F-327E4781DD7E}" type="slidenum">
               <a:rPr lang="fr-CH" smtClean="0"/>
-              <a:t>35</a:t>
+              <a:t>37</a:t>
             </a:fld>
             <a:endParaRPr lang="fr-CH"/>
           </a:p>
@@ -929,7 +931,7 @@
           <a:p>
             <a:fld id="{F57DD76F-4C7B-46A7-B9DC-35AD90C344BA}" type="datetimeFigureOut">
               <a:rPr lang="fr-CH" smtClean="0"/>
-              <a:t>24.03.2025</a:t>
+              <a:t>26.03.2025</a:t>
             </a:fld>
             <a:endParaRPr lang="fr-CH"/>
           </a:p>
@@ -1129,7 +1131,7 @@
           <a:p>
             <a:fld id="{F57DD76F-4C7B-46A7-B9DC-35AD90C344BA}" type="datetimeFigureOut">
               <a:rPr lang="fr-CH" smtClean="0"/>
-              <a:t>24.03.2025</a:t>
+              <a:t>26.03.2025</a:t>
             </a:fld>
             <a:endParaRPr lang="fr-CH"/>
           </a:p>
@@ -1339,7 +1341,7 @@
           <a:p>
             <a:fld id="{F57DD76F-4C7B-46A7-B9DC-35AD90C344BA}" type="datetimeFigureOut">
               <a:rPr lang="fr-CH" smtClean="0"/>
-              <a:t>24.03.2025</a:t>
+              <a:t>26.03.2025</a:t>
             </a:fld>
             <a:endParaRPr lang="fr-CH"/>
           </a:p>
@@ -1539,7 +1541,7 @@
           <a:p>
             <a:fld id="{F57DD76F-4C7B-46A7-B9DC-35AD90C344BA}" type="datetimeFigureOut">
               <a:rPr lang="fr-CH" smtClean="0"/>
-              <a:t>24.03.2025</a:t>
+              <a:t>26.03.2025</a:t>
             </a:fld>
             <a:endParaRPr lang="fr-CH"/>
           </a:p>
@@ -1815,7 +1817,7 @@
           <a:p>
             <a:fld id="{F57DD76F-4C7B-46A7-B9DC-35AD90C344BA}" type="datetimeFigureOut">
               <a:rPr lang="fr-CH" smtClean="0"/>
-              <a:t>24.03.2025</a:t>
+              <a:t>26.03.2025</a:t>
             </a:fld>
             <a:endParaRPr lang="fr-CH"/>
           </a:p>
@@ -2083,7 +2085,7 @@
           <a:p>
             <a:fld id="{F57DD76F-4C7B-46A7-B9DC-35AD90C344BA}" type="datetimeFigureOut">
               <a:rPr lang="fr-CH" smtClean="0"/>
-              <a:t>24.03.2025</a:t>
+              <a:t>26.03.2025</a:t>
             </a:fld>
             <a:endParaRPr lang="fr-CH"/>
           </a:p>
@@ -2498,7 +2500,7 @@
           <a:p>
             <a:fld id="{F57DD76F-4C7B-46A7-B9DC-35AD90C344BA}" type="datetimeFigureOut">
               <a:rPr lang="fr-CH" smtClean="0"/>
-              <a:t>24.03.2025</a:t>
+              <a:t>26.03.2025</a:t>
             </a:fld>
             <a:endParaRPr lang="fr-CH"/>
           </a:p>
@@ -2640,7 +2642,7 @@
           <a:p>
             <a:fld id="{F57DD76F-4C7B-46A7-B9DC-35AD90C344BA}" type="datetimeFigureOut">
               <a:rPr lang="fr-CH" smtClean="0"/>
-              <a:t>24.03.2025</a:t>
+              <a:t>26.03.2025</a:t>
             </a:fld>
             <a:endParaRPr lang="fr-CH"/>
           </a:p>
@@ -2753,7 +2755,7 @@
           <a:p>
             <a:fld id="{F57DD76F-4C7B-46A7-B9DC-35AD90C344BA}" type="datetimeFigureOut">
               <a:rPr lang="fr-CH" smtClean="0"/>
-              <a:t>24.03.2025</a:t>
+              <a:t>26.03.2025</a:t>
             </a:fld>
             <a:endParaRPr lang="fr-CH"/>
           </a:p>
@@ -3066,7 +3068,7 @@
           <a:p>
             <a:fld id="{F57DD76F-4C7B-46A7-B9DC-35AD90C344BA}" type="datetimeFigureOut">
               <a:rPr lang="fr-CH" smtClean="0"/>
-              <a:t>24.03.2025</a:t>
+              <a:t>26.03.2025</a:t>
             </a:fld>
             <a:endParaRPr lang="fr-CH"/>
           </a:p>
@@ -3355,7 +3357,7 @@
           <a:p>
             <a:fld id="{F57DD76F-4C7B-46A7-B9DC-35AD90C344BA}" type="datetimeFigureOut">
               <a:rPr lang="fr-CH" smtClean="0"/>
-              <a:t>24.03.2025</a:t>
+              <a:t>26.03.2025</a:t>
             </a:fld>
             <a:endParaRPr lang="fr-CH"/>
           </a:p>
@@ -3598,7 +3600,7 @@
           <a:p>
             <a:fld id="{F57DD76F-4C7B-46A7-B9DC-35AD90C344BA}" type="datetimeFigureOut">
               <a:rPr lang="fr-CH" smtClean="0"/>
-              <a:t>24.03.2025</a:t>
+              <a:t>26.03.2025</a:t>
             </a:fld>
             <a:endParaRPr lang="fr-CH"/>
           </a:p>
@@ -4076,6 +4078,53 @@
           </a:p>
         </p:txBody>
       </p:sp>
+      <p:pic>
+        <p:nvPicPr>
+          <p:cNvPr id="1026" name="Picture 2">
+            <a:extLst>
+              <a:ext uri="{FF2B5EF4-FFF2-40B4-BE49-F238E27FC236}">
+                <a16:creationId xmlns:a16="http://schemas.microsoft.com/office/drawing/2014/main" id="{4270F7BE-E369-EB16-7777-019670D81167}"/>
+              </a:ext>
+            </a:extLst>
+          </p:cNvPr>
+          <p:cNvPicPr>
+            <a:picLocks noChangeAspect="1" noChangeArrowheads="1"/>
+          </p:cNvPicPr>
+          <p:nvPr/>
+        </p:nvPicPr>
+        <p:blipFill>
+          <a:blip r:embed="rId2">
+            <a:extLst>
+              <a:ext uri="{28A0092B-C50C-407E-A947-70E740481C1C}">
+                <a14:useLocalDpi xmlns:a14="http://schemas.microsoft.com/office/drawing/2010/main" val="0"/>
+              </a:ext>
+            </a:extLst>
+          </a:blip>
+          <a:srcRect/>
+          <a:stretch>
+            <a:fillRect/>
+          </a:stretch>
+        </p:blipFill>
+        <p:spPr bwMode="auto">
+          <a:xfrm>
+            <a:off x="180000" y="180000"/>
+            <a:ext cx="795955" cy="594915"/>
+          </a:xfrm>
+          <a:prstGeom prst="rect">
+            <a:avLst/>
+          </a:prstGeom>
+          <a:noFill/>
+          <a:extLst>
+            <a:ext uri="{909E8E84-426E-40DD-AFC4-6F175D3DCCD1}">
+              <a14:hiddenFill xmlns:a14="http://schemas.microsoft.com/office/drawing/2010/main">
+                <a:solidFill>
+                  <a:srgbClr val="FFFFFF"/>
+                </a:solidFill>
+              </a14:hiddenFill>
+            </a:ext>
+          </a:extLst>
+        </p:spPr>
+      </p:pic>
     </p:spTree>
     <p:extLst>
       <p:ext uri="{BB962C8B-B14F-4D97-AF65-F5344CB8AC3E}">
@@ -4090,6 +4139,499 @@
 </file>
 
 <file path=ppt/slides/slide10.xml><?xml version="1.0" encoding="utf-8"?>
+<p:sld xmlns:a="http://schemas.openxmlformats.org/drawingml/2006/main" xmlns:r="http://schemas.openxmlformats.org/officeDocument/2006/relationships" xmlns:p="http://schemas.openxmlformats.org/presentationml/2006/main">
+  <p:cSld>
+    <p:spTree>
+      <p:nvGrpSpPr>
+        <p:cNvPr id="1" name=""/>
+        <p:cNvGrpSpPr/>
+        <p:nvPr/>
+      </p:nvGrpSpPr>
+      <p:grpSpPr>
+        <a:xfrm>
+          <a:off x="0" y="0"/>
+          <a:ext cx="0" cy="0"/>
+          <a:chOff x="0" y="0"/>
+          <a:chExt cx="0" cy="0"/>
+        </a:xfrm>
+      </p:grpSpPr>
+      <p:sp>
+        <p:nvSpPr>
+          <p:cNvPr id="2" name="Titre 1">
+            <a:extLst>
+              <a:ext uri="{FF2B5EF4-FFF2-40B4-BE49-F238E27FC236}">
+                <a16:creationId xmlns:a16="http://schemas.microsoft.com/office/drawing/2014/main" id="{34DB7913-74D7-7837-652B-6F145847D8DA}"/>
+              </a:ext>
+            </a:extLst>
+          </p:cNvPr>
+          <p:cNvSpPr>
+            <a:spLocks noGrp="1"/>
+          </p:cNvSpPr>
+          <p:nvPr>
+            <p:ph type="title"/>
+          </p:nvPr>
+        </p:nvSpPr>
+        <p:spPr/>
+        <p:txBody>
+          <a:bodyPr/>
+          <a:lstStyle/>
+          <a:p>
+            <a:r>
+              <a:rPr lang="fr-CH" dirty="0"/>
+              <a:t>SSH - Protocole</a:t>
+            </a:r>
+          </a:p>
+        </p:txBody>
+      </p:sp>
+      <p:sp>
+        <p:nvSpPr>
+          <p:cNvPr id="3" name="Espace réservé du contenu 2">
+            <a:extLst>
+              <a:ext uri="{FF2B5EF4-FFF2-40B4-BE49-F238E27FC236}">
+                <a16:creationId xmlns:a16="http://schemas.microsoft.com/office/drawing/2014/main" id="{66D37A0F-FDE0-F063-4D79-9F2C94D0B35A}"/>
+              </a:ext>
+            </a:extLst>
+          </p:cNvPr>
+          <p:cNvSpPr>
+            <a:spLocks noGrp="1"/>
+          </p:cNvSpPr>
+          <p:nvPr>
+            <p:ph idx="1"/>
+          </p:nvPr>
+        </p:nvSpPr>
+        <p:spPr/>
+        <p:txBody>
+          <a:bodyPr>
+            <a:normAutofit lnSpcReduction="10000"/>
+          </a:bodyPr>
+          <a:lstStyle/>
+          <a:p>
+            <a:pPr marL="514350" indent="-514350">
+              <a:buFont typeface="+mj-lt"/>
+              <a:buAutoNum type="arabicPeriod"/>
+            </a:pPr>
+            <a:r>
+              <a:rPr lang="fr-CH" dirty="0"/>
+              <a:t>Connection du client</a:t>
+            </a:r>
+          </a:p>
+          <a:p>
+            <a:pPr marL="514350" indent="-514350">
+              <a:buFont typeface="+mj-lt"/>
+              <a:buAutoNum type="arabicPeriod"/>
+            </a:pPr>
+            <a:r>
+              <a:rPr lang="fr-CH" dirty="0"/>
+              <a:t>Négociation des algorithmes</a:t>
+            </a:r>
+          </a:p>
+          <a:p>
+            <a:pPr marL="514350" indent="-514350">
+              <a:buFont typeface="+mj-lt"/>
+              <a:buAutoNum type="arabicPeriod"/>
+            </a:pPr>
+            <a:r>
+              <a:rPr lang="fr-CH" dirty="0"/>
+              <a:t>Échange </a:t>
+            </a:r>
+            <a:r>
+              <a:rPr lang="fr-CH" dirty="0" err="1"/>
+              <a:t>Diffie</a:t>
+            </a:r>
+            <a:r>
+              <a:rPr lang="fr-CH" dirty="0"/>
+              <a:t>-Hellman</a:t>
+            </a:r>
+          </a:p>
+          <a:p>
+            <a:pPr marL="514350" indent="-514350">
+              <a:buFont typeface="+mj-lt"/>
+              <a:buAutoNum type="arabicPeriod"/>
+            </a:pPr>
+            <a:r>
+              <a:rPr lang="fr-CH" dirty="0"/>
+              <a:t>Le serveur signe le secret dérivé du D-H, les </a:t>
+            </a:r>
+            <a:r>
+              <a:rPr lang="fr-CH" dirty="0" err="1"/>
+              <a:t>cipher</a:t>
+            </a:r>
+            <a:r>
+              <a:rPr lang="fr-CH" dirty="0"/>
+              <a:t> suites, </a:t>
+            </a:r>
+            <a:r>
+              <a:rPr lang="fr-CH" dirty="0" err="1"/>
+              <a:t>l’id</a:t>
+            </a:r>
+            <a:r>
+              <a:rPr lang="fr-CH" dirty="0"/>
+              <a:t> client et serveur</a:t>
+            </a:r>
+          </a:p>
+          <a:p>
+            <a:pPr marL="514350" indent="-514350">
+              <a:buFont typeface="+mj-lt"/>
+              <a:buAutoNum type="arabicPeriod"/>
+            </a:pPr>
+            <a:r>
+              <a:rPr lang="fr-CH" dirty="0"/>
+              <a:t>Signature envoyée en clair</a:t>
+            </a:r>
+          </a:p>
+          <a:p>
+            <a:pPr marL="514350" indent="-514350">
+              <a:buFont typeface="+mj-lt"/>
+              <a:buAutoNum type="arabicPeriod"/>
+            </a:pPr>
+            <a:r>
+              <a:rPr lang="fr-CH" dirty="0"/>
+              <a:t>Vérification de la signature par le client</a:t>
+            </a:r>
+          </a:p>
+          <a:p>
+            <a:pPr marL="514350" indent="-514350">
+              <a:buFont typeface="+mj-lt"/>
+              <a:buAutoNum type="arabicPeriod"/>
+            </a:pPr>
+            <a:r>
+              <a:rPr lang="fr-CH" dirty="0"/>
+              <a:t>Établissement du canal chiffré</a:t>
+            </a:r>
+          </a:p>
+          <a:p>
+            <a:pPr marL="514350" indent="-514350">
+              <a:buFont typeface="+mj-lt"/>
+              <a:buAutoNum type="arabicPeriod"/>
+            </a:pPr>
+            <a:r>
+              <a:rPr lang="fr-CH" dirty="0"/>
+              <a:t>Authentification du client</a:t>
+            </a:r>
+          </a:p>
+        </p:txBody>
+      </p:sp>
+      <p:pic>
+        <p:nvPicPr>
+          <p:cNvPr id="4" name="Picture 2">
+            <a:extLst>
+              <a:ext uri="{FF2B5EF4-FFF2-40B4-BE49-F238E27FC236}">
+                <a16:creationId xmlns:a16="http://schemas.microsoft.com/office/drawing/2014/main" id="{CAE7CD4C-F43F-1117-6489-EB01D835CA13}"/>
+              </a:ext>
+            </a:extLst>
+          </p:cNvPr>
+          <p:cNvPicPr>
+            <a:picLocks noChangeAspect="1" noChangeArrowheads="1"/>
+          </p:cNvPicPr>
+          <p:nvPr/>
+        </p:nvPicPr>
+        <p:blipFill>
+          <a:blip r:embed="rId2">
+            <a:extLst>
+              <a:ext uri="{28A0092B-C50C-407E-A947-70E740481C1C}">
+                <a14:useLocalDpi xmlns:a14="http://schemas.microsoft.com/office/drawing/2010/main" val="0"/>
+              </a:ext>
+            </a:extLst>
+          </a:blip>
+          <a:srcRect/>
+          <a:stretch>
+            <a:fillRect/>
+          </a:stretch>
+        </p:blipFill>
+        <p:spPr bwMode="auto">
+          <a:xfrm>
+            <a:off x="180000" y="180000"/>
+            <a:ext cx="795955" cy="594915"/>
+          </a:xfrm>
+          <a:prstGeom prst="rect">
+            <a:avLst/>
+          </a:prstGeom>
+          <a:noFill/>
+          <a:extLst>
+            <a:ext uri="{909E8E84-426E-40DD-AFC4-6F175D3DCCD1}">
+              <a14:hiddenFill xmlns:a14="http://schemas.microsoft.com/office/drawing/2010/main">
+                <a:solidFill>
+                  <a:srgbClr val="FFFFFF"/>
+                </a:solidFill>
+              </a14:hiddenFill>
+            </a:ext>
+          </a:extLst>
+        </p:spPr>
+      </p:pic>
+    </p:spTree>
+    <p:extLst>
+      <p:ext uri="{BB962C8B-B14F-4D97-AF65-F5344CB8AC3E}">
+        <p14:creationId xmlns:p14="http://schemas.microsoft.com/office/powerpoint/2010/main" val="2074329008"/>
+      </p:ext>
+    </p:extLst>
+  </p:cSld>
+  <p:clrMapOvr>
+    <a:masterClrMapping/>
+  </p:clrMapOvr>
+</p:sld>
+</file>
+
+<file path=ppt/slides/slide11.xml><?xml version="1.0" encoding="utf-8"?>
+<p:sld xmlns:a="http://schemas.openxmlformats.org/drawingml/2006/main" xmlns:r="http://schemas.openxmlformats.org/officeDocument/2006/relationships" xmlns:p="http://schemas.openxmlformats.org/presentationml/2006/main">
+  <p:cSld>
+    <p:spTree>
+      <p:nvGrpSpPr>
+        <p:cNvPr id="1" name="">
+          <a:extLst>
+            <a:ext uri="{FF2B5EF4-FFF2-40B4-BE49-F238E27FC236}">
+              <a16:creationId xmlns:a16="http://schemas.microsoft.com/office/drawing/2014/main" id="{8FEBB08C-9689-2E79-B597-E1715884D75B}"/>
+            </a:ext>
+          </a:extLst>
+        </p:cNvPr>
+        <p:cNvGrpSpPr/>
+        <p:nvPr/>
+      </p:nvGrpSpPr>
+      <p:grpSpPr>
+        <a:xfrm>
+          <a:off x="0" y="0"/>
+          <a:ext cx="0" cy="0"/>
+          <a:chOff x="0" y="0"/>
+          <a:chExt cx="0" cy="0"/>
+        </a:xfrm>
+      </p:grpSpPr>
+      <p:sp>
+        <p:nvSpPr>
+          <p:cNvPr id="2" name="Titre 1">
+            <a:extLst>
+              <a:ext uri="{FF2B5EF4-FFF2-40B4-BE49-F238E27FC236}">
+                <a16:creationId xmlns:a16="http://schemas.microsoft.com/office/drawing/2014/main" id="{D25B67F9-33DA-7AB0-C366-F2532DE6901A}"/>
+              </a:ext>
+            </a:extLst>
+          </p:cNvPr>
+          <p:cNvSpPr>
+            <a:spLocks noGrp="1"/>
+          </p:cNvSpPr>
+          <p:nvPr>
+            <p:ph type="title"/>
+          </p:nvPr>
+        </p:nvSpPr>
+        <p:spPr/>
+        <p:txBody>
+          <a:bodyPr/>
+          <a:lstStyle/>
+          <a:p>
+            <a:r>
+              <a:rPr lang="fr-CH" dirty="0"/>
+              <a:t>SSH - Protocole</a:t>
+            </a:r>
+          </a:p>
+        </p:txBody>
+      </p:sp>
+      <p:sp>
+        <p:nvSpPr>
+          <p:cNvPr id="3" name="Espace réservé du contenu 2">
+            <a:extLst>
+              <a:ext uri="{FF2B5EF4-FFF2-40B4-BE49-F238E27FC236}">
+                <a16:creationId xmlns:a16="http://schemas.microsoft.com/office/drawing/2014/main" id="{42D4C7D7-10D6-90D5-F71C-BC5DCD2CDB72}"/>
+              </a:ext>
+            </a:extLst>
+          </p:cNvPr>
+          <p:cNvSpPr>
+            <a:spLocks noGrp="1"/>
+          </p:cNvSpPr>
+          <p:nvPr>
+            <p:ph idx="1"/>
+          </p:nvPr>
+        </p:nvSpPr>
+        <p:spPr/>
+        <p:txBody>
+          <a:bodyPr>
+            <a:normAutofit lnSpcReduction="10000"/>
+          </a:bodyPr>
+          <a:lstStyle/>
+          <a:p>
+            <a:pPr marL="514350" indent="-514350">
+              <a:buFont typeface="+mj-lt"/>
+              <a:buAutoNum type="arabicPeriod"/>
+            </a:pPr>
+            <a:r>
+              <a:rPr lang="fr-CH" dirty="0"/>
+              <a:t>Connection du client</a:t>
+            </a:r>
+          </a:p>
+          <a:p>
+            <a:pPr marL="514350" indent="-514350">
+              <a:buFont typeface="+mj-lt"/>
+              <a:buAutoNum type="arabicPeriod"/>
+            </a:pPr>
+            <a:r>
+              <a:rPr lang="fr-CH" dirty="0"/>
+              <a:t>Négociation des algorithmes</a:t>
+            </a:r>
+          </a:p>
+          <a:p>
+            <a:pPr marL="514350" indent="-514350">
+              <a:buFont typeface="+mj-lt"/>
+              <a:buAutoNum type="arabicPeriod"/>
+            </a:pPr>
+            <a:r>
+              <a:rPr lang="fr-CH" dirty="0"/>
+              <a:t>Échange </a:t>
+            </a:r>
+            <a:r>
+              <a:rPr lang="fr-CH" dirty="0" err="1"/>
+              <a:t>Diffie</a:t>
+            </a:r>
+            <a:r>
+              <a:rPr lang="fr-CH" dirty="0"/>
+              <a:t>-Hellman</a:t>
+            </a:r>
+          </a:p>
+          <a:p>
+            <a:pPr marL="514350" indent="-514350">
+              <a:buFont typeface="+mj-lt"/>
+              <a:buAutoNum type="arabicPeriod"/>
+            </a:pPr>
+            <a:r>
+              <a:rPr lang="fr-CH" dirty="0"/>
+              <a:t>Le serveur </a:t>
+            </a:r>
+            <a:r>
+              <a:rPr lang="fr-CH" dirty="0">
+                <a:highlight>
+                  <a:srgbClr val="FF0000"/>
+                </a:highlight>
+              </a:rPr>
+              <a:t>signe le secret dérivé du D-H</a:t>
+            </a:r>
+            <a:r>
+              <a:rPr lang="fr-CH" dirty="0"/>
+              <a:t>, les </a:t>
+            </a:r>
+            <a:r>
+              <a:rPr lang="fr-CH" dirty="0" err="1"/>
+              <a:t>cipher</a:t>
+            </a:r>
+            <a:r>
+              <a:rPr lang="fr-CH" dirty="0"/>
+              <a:t> suites, </a:t>
+            </a:r>
+            <a:r>
+              <a:rPr lang="fr-CH" dirty="0" err="1"/>
+              <a:t>l’id</a:t>
+            </a:r>
+            <a:r>
+              <a:rPr lang="fr-CH" dirty="0"/>
+              <a:t> client et serveur</a:t>
+            </a:r>
+          </a:p>
+          <a:p>
+            <a:pPr marL="514350" indent="-514350">
+              <a:buFont typeface="+mj-lt"/>
+              <a:buAutoNum type="arabicPeriod"/>
+            </a:pPr>
+            <a:r>
+              <a:rPr lang="fr-CH" dirty="0">
+                <a:highlight>
+                  <a:srgbClr val="FF0000"/>
+                </a:highlight>
+              </a:rPr>
+              <a:t>Signature envoyée en clair</a:t>
+            </a:r>
+          </a:p>
+          <a:p>
+            <a:pPr marL="514350" indent="-514350">
+              <a:buFont typeface="+mj-lt"/>
+              <a:buAutoNum type="arabicPeriod"/>
+            </a:pPr>
+            <a:r>
+              <a:rPr lang="fr-CH" dirty="0"/>
+              <a:t>Vérification de la signature par le client</a:t>
+            </a:r>
+            <a:endParaRPr lang="fr-CH" dirty="0">
+              <a:highlight>
+                <a:srgbClr val="FF0000"/>
+              </a:highlight>
+            </a:endParaRPr>
+          </a:p>
+          <a:p>
+            <a:pPr marL="514350" indent="-514350">
+              <a:buFont typeface="+mj-lt"/>
+              <a:buAutoNum type="arabicPeriod"/>
+            </a:pPr>
+            <a:r>
+              <a:rPr lang="fr-CH" dirty="0"/>
+              <a:t>Établissement du canal chiffré</a:t>
+            </a:r>
+          </a:p>
+          <a:p>
+            <a:pPr marL="514350" indent="-514350">
+              <a:buFont typeface="+mj-lt"/>
+              <a:buAutoNum type="arabicPeriod"/>
+            </a:pPr>
+            <a:r>
+              <a:rPr lang="fr-CH" dirty="0"/>
+              <a:t>Authentification du client</a:t>
+            </a:r>
+          </a:p>
+        </p:txBody>
+      </p:sp>
+      <p:pic>
+        <p:nvPicPr>
+          <p:cNvPr id="4" name="Picture 2">
+            <a:extLst>
+              <a:ext uri="{FF2B5EF4-FFF2-40B4-BE49-F238E27FC236}">
+                <a16:creationId xmlns:a16="http://schemas.microsoft.com/office/drawing/2014/main" id="{3CCE387E-7E5D-9DAF-E305-72C551F6C0A6}"/>
+              </a:ext>
+            </a:extLst>
+          </p:cNvPr>
+          <p:cNvPicPr>
+            <a:picLocks noChangeAspect="1" noChangeArrowheads="1"/>
+          </p:cNvPicPr>
+          <p:nvPr/>
+        </p:nvPicPr>
+        <p:blipFill>
+          <a:blip r:embed="rId2">
+            <a:extLst>
+              <a:ext uri="{28A0092B-C50C-407E-A947-70E740481C1C}">
+                <a14:useLocalDpi xmlns:a14="http://schemas.microsoft.com/office/drawing/2010/main" val="0"/>
+              </a:ext>
+            </a:extLst>
+          </a:blip>
+          <a:srcRect/>
+          <a:stretch>
+            <a:fillRect/>
+          </a:stretch>
+        </p:blipFill>
+        <p:spPr bwMode="auto">
+          <a:xfrm>
+            <a:off x="180000" y="180000"/>
+            <a:ext cx="795955" cy="594915"/>
+          </a:xfrm>
+          <a:prstGeom prst="rect">
+            <a:avLst/>
+          </a:prstGeom>
+          <a:noFill/>
+          <a:extLst>
+            <a:ext uri="{909E8E84-426E-40DD-AFC4-6F175D3DCCD1}">
+              <a14:hiddenFill xmlns:a14="http://schemas.microsoft.com/office/drawing/2010/main">
+                <a:solidFill>
+                  <a:srgbClr val="FFFFFF"/>
+                </a:solidFill>
+              </a14:hiddenFill>
+            </a:ext>
+          </a:extLst>
+        </p:spPr>
+      </p:pic>
+    </p:spTree>
+    <p:extLst>
+      <p:ext uri="{BB962C8B-B14F-4D97-AF65-F5344CB8AC3E}">
+        <p14:creationId xmlns:p14="http://schemas.microsoft.com/office/powerpoint/2010/main" val="2788393243"/>
+      </p:ext>
+    </p:extLst>
+  </p:cSld>
+  <p:clrMapOvr>
+    <a:masterClrMapping/>
+  </p:clrMapOvr>
+</p:sld>
+</file>
+
+<file path=ppt/slides/slide12.xml><?xml version="1.0" encoding="utf-8"?>
 <p:sld xmlns:a="http://schemas.openxmlformats.org/drawingml/2006/main" xmlns:r="http://schemas.openxmlformats.org/officeDocument/2006/relationships" xmlns:p="http://schemas.openxmlformats.org/presentationml/2006/main">
   <p:cSld>
     <p:spTree>
@@ -4197,6 +4739,53 @@
           </a:p>
         </p:txBody>
       </p:sp>
+      <p:pic>
+        <p:nvPicPr>
+          <p:cNvPr id="4" name="Picture 2">
+            <a:extLst>
+              <a:ext uri="{FF2B5EF4-FFF2-40B4-BE49-F238E27FC236}">
+                <a16:creationId xmlns:a16="http://schemas.microsoft.com/office/drawing/2014/main" id="{B66AF6F2-F5D1-BFAB-4649-E415DFBCEDEF}"/>
+              </a:ext>
+            </a:extLst>
+          </p:cNvPr>
+          <p:cNvPicPr>
+            <a:picLocks noChangeAspect="1" noChangeArrowheads="1"/>
+          </p:cNvPicPr>
+          <p:nvPr/>
+        </p:nvPicPr>
+        <p:blipFill>
+          <a:blip r:embed="rId2">
+            <a:extLst>
+              <a:ext uri="{28A0092B-C50C-407E-A947-70E740481C1C}">
+                <a14:useLocalDpi xmlns:a14="http://schemas.microsoft.com/office/drawing/2010/main" val="0"/>
+              </a:ext>
+            </a:extLst>
+          </a:blip>
+          <a:srcRect/>
+          <a:stretch>
+            <a:fillRect/>
+          </a:stretch>
+        </p:blipFill>
+        <p:spPr bwMode="auto">
+          <a:xfrm>
+            <a:off x="180000" y="180000"/>
+            <a:ext cx="795955" cy="594915"/>
+          </a:xfrm>
+          <a:prstGeom prst="rect">
+            <a:avLst/>
+          </a:prstGeom>
+          <a:noFill/>
+          <a:extLst>
+            <a:ext uri="{909E8E84-426E-40DD-AFC4-6F175D3DCCD1}">
+              <a14:hiddenFill xmlns:a14="http://schemas.microsoft.com/office/drawing/2010/main">
+                <a:solidFill>
+                  <a:srgbClr val="FFFFFF"/>
+                </a:solidFill>
+              </a14:hiddenFill>
+            </a:ext>
+          </a:extLst>
+        </p:spPr>
+      </p:pic>
     </p:spTree>
     <p:extLst>
       <p:ext uri="{BB962C8B-B14F-4D97-AF65-F5344CB8AC3E}">
@@ -4210,7 +4799,7 @@
 </p:sld>
 </file>
 
-<file path=ppt/slides/slide11.xml><?xml version="1.0" encoding="utf-8"?>
+<file path=ppt/slides/slide13.xml><?xml version="1.0" encoding="utf-8"?>
 <p:sld xmlns:a="http://schemas.openxmlformats.org/drawingml/2006/main" xmlns:r="http://schemas.openxmlformats.org/officeDocument/2006/relationships" xmlns:p="http://schemas.openxmlformats.org/presentationml/2006/main">
   <p:cSld>
     <p:spTree>
@@ -4304,25 +4893,10 @@
           <a:p>
             <a:pPr lvl="1"/>
             <a:r>
-              <a:rPr lang="fr-CH" dirty="0"/>
-              <a:t>RSA ??? Quelle </a:t>
-            </a:r>
-            <a:r>
-              <a:rPr lang="fr-CH" dirty="0" err="1"/>
-              <a:t>verions</a:t>
-            </a:r>
-            <a:r>
-              <a:rPr lang="fr-CH" dirty="0"/>
-              <a:t> </a:t>
-            </a:r>
-            <a:r>
-              <a:rPr lang="fr-CH" dirty="0" err="1"/>
-              <a:t>pkcs</a:t>
-            </a:r>
-            <a:r>
-              <a:rPr lang="fr-CH" dirty="0"/>
-              <a:t> ???</a:t>
-            </a:r>
+              <a:rPr lang="fr-CH"/>
+              <a:t>RSA</a:t>
+            </a:r>
+            <a:endParaRPr lang="fr-CH" dirty="0"/>
           </a:p>
           <a:p>
             <a:r>
@@ -4364,6 +4938,53 @@
           </a:p>
         </p:txBody>
       </p:sp>
+      <p:pic>
+        <p:nvPicPr>
+          <p:cNvPr id="4" name="Picture 2">
+            <a:extLst>
+              <a:ext uri="{FF2B5EF4-FFF2-40B4-BE49-F238E27FC236}">
+                <a16:creationId xmlns:a16="http://schemas.microsoft.com/office/drawing/2014/main" id="{2FB90EFF-6B59-FBF2-8DD8-3902F1B62829}"/>
+              </a:ext>
+            </a:extLst>
+          </p:cNvPr>
+          <p:cNvPicPr>
+            <a:picLocks noChangeAspect="1" noChangeArrowheads="1"/>
+          </p:cNvPicPr>
+          <p:nvPr/>
+        </p:nvPicPr>
+        <p:blipFill>
+          <a:blip r:embed="rId2">
+            <a:extLst>
+              <a:ext uri="{28A0092B-C50C-407E-A947-70E740481C1C}">
+                <a14:useLocalDpi xmlns:a14="http://schemas.microsoft.com/office/drawing/2010/main" val="0"/>
+              </a:ext>
+            </a:extLst>
+          </a:blip>
+          <a:srcRect/>
+          <a:stretch>
+            <a:fillRect/>
+          </a:stretch>
+        </p:blipFill>
+        <p:spPr bwMode="auto">
+          <a:xfrm>
+            <a:off x="180000" y="180000"/>
+            <a:ext cx="795955" cy="594915"/>
+          </a:xfrm>
+          <a:prstGeom prst="rect">
+            <a:avLst/>
+          </a:prstGeom>
+          <a:noFill/>
+          <a:extLst>
+            <a:ext uri="{909E8E84-426E-40DD-AFC4-6F175D3DCCD1}">
+              <a14:hiddenFill xmlns:a14="http://schemas.microsoft.com/office/drawing/2010/main">
+                <a:solidFill>
+                  <a:srgbClr val="FFFFFF"/>
+                </a:solidFill>
+              </a14:hiddenFill>
+            </a:ext>
+          </a:extLst>
+        </p:spPr>
+      </p:pic>
     </p:spTree>
     <p:extLst>
       <p:ext uri="{BB962C8B-B14F-4D97-AF65-F5344CB8AC3E}">
@@ -4377,7 +4998,7 @@
 </p:sld>
 </file>
 
-<file path=ppt/slides/slide12.xml><?xml version="1.0" encoding="utf-8"?>
+<file path=ppt/slides/slide14.xml><?xml version="1.0" encoding="utf-8"?>
 <p:sld xmlns:a="http://schemas.openxmlformats.org/drawingml/2006/main" xmlns:r="http://schemas.openxmlformats.org/officeDocument/2006/relationships" xmlns:p="http://schemas.openxmlformats.org/presentationml/2006/main">
   <p:cSld>
     <p:spTree>
@@ -4514,6 +5135,53 @@
           </a:p>
         </p:txBody>
       </p:sp>
+      <p:pic>
+        <p:nvPicPr>
+          <p:cNvPr id="4" name="Picture 2">
+            <a:extLst>
+              <a:ext uri="{FF2B5EF4-FFF2-40B4-BE49-F238E27FC236}">
+                <a16:creationId xmlns:a16="http://schemas.microsoft.com/office/drawing/2014/main" id="{551AF12D-B96B-C192-E547-2E1BA663812D}"/>
+              </a:ext>
+            </a:extLst>
+          </p:cNvPr>
+          <p:cNvPicPr>
+            <a:picLocks noChangeAspect="1" noChangeArrowheads="1"/>
+          </p:cNvPicPr>
+          <p:nvPr/>
+        </p:nvPicPr>
+        <p:blipFill>
+          <a:blip r:embed="rId2">
+            <a:extLst>
+              <a:ext uri="{28A0092B-C50C-407E-A947-70E740481C1C}">
+                <a14:useLocalDpi xmlns:a14="http://schemas.microsoft.com/office/drawing/2010/main" val="0"/>
+              </a:ext>
+            </a:extLst>
+          </a:blip>
+          <a:srcRect/>
+          <a:stretch>
+            <a:fillRect/>
+          </a:stretch>
+        </p:blipFill>
+        <p:spPr bwMode="auto">
+          <a:xfrm>
+            <a:off x="180000" y="180000"/>
+            <a:ext cx="795955" cy="594915"/>
+          </a:xfrm>
+          <a:prstGeom prst="rect">
+            <a:avLst/>
+          </a:prstGeom>
+          <a:noFill/>
+          <a:extLst>
+            <a:ext uri="{909E8E84-426E-40DD-AFC4-6F175D3DCCD1}">
+              <a14:hiddenFill xmlns:a14="http://schemas.microsoft.com/office/drawing/2010/main">
+                <a:solidFill>
+                  <a:srgbClr val="FFFFFF"/>
+                </a:solidFill>
+              </a14:hiddenFill>
+            </a:ext>
+          </a:extLst>
+        </p:spPr>
+      </p:pic>
     </p:spTree>
     <p:extLst>
       <p:ext uri="{BB962C8B-B14F-4D97-AF65-F5344CB8AC3E}">
@@ -4527,7 +5195,7 @@
 </p:sld>
 </file>
 
-<file path=ppt/slides/slide13.xml><?xml version="1.0" encoding="utf-8"?>
+<file path=ppt/slides/slide15.xml><?xml version="1.0" encoding="utf-8"?>
 <p:sld xmlns:a="http://schemas.openxmlformats.org/drawingml/2006/main" xmlns:r="http://schemas.openxmlformats.org/officeDocument/2006/relationships" xmlns:p="http://schemas.openxmlformats.org/presentationml/2006/main">
   <p:cSld>
     <p:spTree>
@@ -4632,6 +5300,53 @@
           </a:p>
         </p:txBody>
       </p:sp>
+      <p:pic>
+        <p:nvPicPr>
+          <p:cNvPr id="4" name="Picture 2">
+            <a:extLst>
+              <a:ext uri="{FF2B5EF4-FFF2-40B4-BE49-F238E27FC236}">
+                <a16:creationId xmlns:a16="http://schemas.microsoft.com/office/drawing/2014/main" id="{83D6CB1F-C780-5284-6F30-A82B9285B3FE}"/>
+              </a:ext>
+            </a:extLst>
+          </p:cNvPr>
+          <p:cNvPicPr>
+            <a:picLocks noChangeAspect="1" noChangeArrowheads="1"/>
+          </p:cNvPicPr>
+          <p:nvPr/>
+        </p:nvPicPr>
+        <p:blipFill>
+          <a:blip r:embed="rId2">
+            <a:extLst>
+              <a:ext uri="{28A0092B-C50C-407E-A947-70E740481C1C}">
+                <a14:useLocalDpi xmlns:a14="http://schemas.microsoft.com/office/drawing/2010/main" val="0"/>
+              </a:ext>
+            </a:extLst>
+          </a:blip>
+          <a:srcRect/>
+          <a:stretch>
+            <a:fillRect/>
+          </a:stretch>
+        </p:blipFill>
+        <p:spPr bwMode="auto">
+          <a:xfrm>
+            <a:off x="180000" y="180000"/>
+            <a:ext cx="795955" cy="594915"/>
+          </a:xfrm>
+          <a:prstGeom prst="rect">
+            <a:avLst/>
+          </a:prstGeom>
+          <a:noFill/>
+          <a:extLst>
+            <a:ext uri="{909E8E84-426E-40DD-AFC4-6F175D3DCCD1}">
+              <a14:hiddenFill xmlns:a14="http://schemas.microsoft.com/office/drawing/2010/main">
+                <a:solidFill>
+                  <a:srgbClr val="FFFFFF"/>
+                </a:solidFill>
+              </a14:hiddenFill>
+            </a:ext>
+          </a:extLst>
+        </p:spPr>
+      </p:pic>
     </p:spTree>
     <p:extLst>
       <p:ext uri="{BB962C8B-B14F-4D97-AF65-F5344CB8AC3E}">
@@ -4645,7 +5360,7 @@
 </p:sld>
 </file>
 
-<file path=ppt/slides/slide14.xml><?xml version="1.0" encoding="utf-8"?>
+<file path=ppt/slides/slide16.xml><?xml version="1.0" encoding="utf-8"?>
 <p:sld xmlns:a="http://schemas.openxmlformats.org/drawingml/2006/main" xmlns:r="http://schemas.openxmlformats.org/officeDocument/2006/relationships" xmlns:p="http://schemas.openxmlformats.org/presentationml/2006/main">
   <p:cSld>
     <p:spTree>
@@ -4769,6 +5484,53 @@
           </a:p>
         </p:txBody>
       </p:sp>
+      <p:pic>
+        <p:nvPicPr>
+          <p:cNvPr id="4" name="Picture 2">
+            <a:extLst>
+              <a:ext uri="{FF2B5EF4-FFF2-40B4-BE49-F238E27FC236}">
+                <a16:creationId xmlns:a16="http://schemas.microsoft.com/office/drawing/2014/main" id="{E0F76C76-43D6-1DA0-9D01-6509C4C0DCD1}"/>
+              </a:ext>
+            </a:extLst>
+          </p:cNvPr>
+          <p:cNvPicPr>
+            <a:picLocks noChangeAspect="1" noChangeArrowheads="1"/>
+          </p:cNvPicPr>
+          <p:nvPr/>
+        </p:nvPicPr>
+        <p:blipFill>
+          <a:blip r:embed="rId2">
+            <a:extLst>
+              <a:ext uri="{28A0092B-C50C-407E-A947-70E740481C1C}">
+                <a14:useLocalDpi xmlns:a14="http://schemas.microsoft.com/office/drawing/2010/main" val="0"/>
+              </a:ext>
+            </a:extLst>
+          </a:blip>
+          <a:srcRect/>
+          <a:stretch>
+            <a:fillRect/>
+          </a:stretch>
+        </p:blipFill>
+        <p:spPr bwMode="auto">
+          <a:xfrm>
+            <a:off x="180000" y="180000"/>
+            <a:ext cx="795955" cy="594915"/>
+          </a:xfrm>
+          <a:prstGeom prst="rect">
+            <a:avLst/>
+          </a:prstGeom>
+          <a:noFill/>
+          <a:extLst>
+            <a:ext uri="{909E8E84-426E-40DD-AFC4-6F175D3DCCD1}">
+              <a14:hiddenFill xmlns:a14="http://schemas.microsoft.com/office/drawing/2010/main">
+                <a:solidFill>
+                  <a:srgbClr val="FFFFFF"/>
+                </a:solidFill>
+              </a14:hiddenFill>
+            </a:ext>
+          </a:extLst>
+        </p:spPr>
+      </p:pic>
     </p:spTree>
     <p:extLst>
       <p:ext uri="{BB962C8B-B14F-4D97-AF65-F5344CB8AC3E}">
@@ -4782,7 +5544,7 @@
 </p:sld>
 </file>
 
-<file path=ppt/slides/slide15.xml><?xml version="1.0" encoding="utf-8"?>
+<file path=ppt/slides/slide17.xml><?xml version="1.0" encoding="utf-8"?>
 <p:sld xmlns:a="http://schemas.openxmlformats.org/drawingml/2006/main" xmlns:r="http://schemas.openxmlformats.org/officeDocument/2006/relationships" xmlns:p="http://schemas.openxmlformats.org/presentationml/2006/main">
   <p:cSld>
     <p:spTree>
@@ -4907,6 +5669,53 @@
           </a:p>
         </p:txBody>
       </p:sp>
+      <p:pic>
+        <p:nvPicPr>
+          <p:cNvPr id="4" name="Picture 2">
+            <a:extLst>
+              <a:ext uri="{FF2B5EF4-FFF2-40B4-BE49-F238E27FC236}">
+                <a16:creationId xmlns:a16="http://schemas.microsoft.com/office/drawing/2014/main" id="{50FAEF17-7187-6C42-2DD3-442AB8C263D2}"/>
+              </a:ext>
+            </a:extLst>
+          </p:cNvPr>
+          <p:cNvPicPr>
+            <a:picLocks noChangeAspect="1" noChangeArrowheads="1"/>
+          </p:cNvPicPr>
+          <p:nvPr/>
+        </p:nvPicPr>
+        <p:blipFill>
+          <a:blip r:embed="rId2">
+            <a:extLst>
+              <a:ext uri="{28A0092B-C50C-407E-A947-70E740481C1C}">
+                <a14:useLocalDpi xmlns:a14="http://schemas.microsoft.com/office/drawing/2010/main" val="0"/>
+              </a:ext>
+            </a:extLst>
+          </a:blip>
+          <a:srcRect/>
+          <a:stretch>
+            <a:fillRect/>
+          </a:stretch>
+        </p:blipFill>
+        <p:spPr bwMode="auto">
+          <a:xfrm>
+            <a:off x="180000" y="180000"/>
+            <a:ext cx="795955" cy="594915"/>
+          </a:xfrm>
+          <a:prstGeom prst="rect">
+            <a:avLst/>
+          </a:prstGeom>
+          <a:noFill/>
+          <a:extLst>
+            <a:ext uri="{909E8E84-426E-40DD-AFC4-6F175D3DCCD1}">
+              <a14:hiddenFill xmlns:a14="http://schemas.microsoft.com/office/drawing/2010/main">
+                <a:solidFill>
+                  <a:srgbClr val="FFFFFF"/>
+                </a:solidFill>
+              </a14:hiddenFill>
+            </a:ext>
+          </a:extLst>
+        </p:spPr>
+      </p:pic>
     </p:spTree>
     <p:extLst>
       <p:ext uri="{BB962C8B-B14F-4D97-AF65-F5344CB8AC3E}">
@@ -4920,7 +5729,7 @@
 </p:sld>
 </file>
 
-<file path=ppt/slides/slide16.xml><?xml version="1.0" encoding="utf-8"?>
+<file path=ppt/slides/slide18.xml><?xml version="1.0" encoding="utf-8"?>
 <p:sld xmlns:a="http://schemas.openxmlformats.org/drawingml/2006/main" xmlns:r="http://schemas.openxmlformats.org/officeDocument/2006/relationships" xmlns:p="http://schemas.openxmlformats.org/presentationml/2006/main">
   <p:cSld>
     <p:spTree>
@@ -5023,6 +5832,53 @@
           </a:p>
         </p:txBody>
       </p:sp>
+      <p:pic>
+        <p:nvPicPr>
+          <p:cNvPr id="4" name="Picture 2">
+            <a:extLst>
+              <a:ext uri="{FF2B5EF4-FFF2-40B4-BE49-F238E27FC236}">
+                <a16:creationId xmlns:a16="http://schemas.microsoft.com/office/drawing/2014/main" id="{F3A0C51D-358B-6DFD-16F0-5750DEF25583}"/>
+              </a:ext>
+            </a:extLst>
+          </p:cNvPr>
+          <p:cNvPicPr>
+            <a:picLocks noChangeAspect="1" noChangeArrowheads="1"/>
+          </p:cNvPicPr>
+          <p:nvPr/>
+        </p:nvPicPr>
+        <p:blipFill>
+          <a:blip r:embed="rId2">
+            <a:extLst>
+              <a:ext uri="{28A0092B-C50C-407E-A947-70E740481C1C}">
+                <a14:useLocalDpi xmlns:a14="http://schemas.microsoft.com/office/drawing/2010/main" val="0"/>
+              </a:ext>
+            </a:extLst>
+          </a:blip>
+          <a:srcRect/>
+          <a:stretch>
+            <a:fillRect/>
+          </a:stretch>
+        </p:blipFill>
+        <p:spPr bwMode="auto">
+          <a:xfrm>
+            <a:off x="180000" y="180000"/>
+            <a:ext cx="795955" cy="594915"/>
+          </a:xfrm>
+          <a:prstGeom prst="rect">
+            <a:avLst/>
+          </a:prstGeom>
+          <a:noFill/>
+          <a:extLst>
+            <a:ext uri="{909E8E84-426E-40DD-AFC4-6F175D3DCCD1}">
+              <a14:hiddenFill xmlns:a14="http://schemas.microsoft.com/office/drawing/2010/main">
+                <a:solidFill>
+                  <a:srgbClr val="FFFFFF"/>
+                </a:solidFill>
+              </a14:hiddenFill>
+            </a:ext>
+          </a:extLst>
+        </p:spPr>
+      </p:pic>
     </p:spTree>
     <p:extLst>
       <p:ext uri="{BB962C8B-B14F-4D97-AF65-F5344CB8AC3E}">
@@ -5036,7 +5892,7 @@
 </p:sld>
 </file>
 
-<file path=ppt/slides/slide17.xml><?xml version="1.0" encoding="utf-8"?>
+<file path=ppt/slides/slide19.xml><?xml version="1.0" encoding="utf-8"?>
 <p:sld xmlns:a="http://schemas.openxmlformats.org/drawingml/2006/main" xmlns:r="http://schemas.openxmlformats.org/officeDocument/2006/relationships" xmlns:p="http://schemas.openxmlformats.org/presentationml/2006/main">
   <p:cSld>
     <p:spTree>
@@ -5155,6 +6011,53 @@
           </a:p>
         </p:txBody>
       </p:sp>
+      <p:pic>
+        <p:nvPicPr>
+          <p:cNvPr id="4" name="Picture 2">
+            <a:extLst>
+              <a:ext uri="{FF2B5EF4-FFF2-40B4-BE49-F238E27FC236}">
+                <a16:creationId xmlns:a16="http://schemas.microsoft.com/office/drawing/2014/main" id="{B3131D2A-E819-3ECD-1763-ACD0C89031D8}"/>
+              </a:ext>
+            </a:extLst>
+          </p:cNvPr>
+          <p:cNvPicPr>
+            <a:picLocks noChangeAspect="1" noChangeArrowheads="1"/>
+          </p:cNvPicPr>
+          <p:nvPr/>
+        </p:nvPicPr>
+        <p:blipFill>
+          <a:blip r:embed="rId2">
+            <a:extLst>
+              <a:ext uri="{28A0092B-C50C-407E-A947-70E740481C1C}">
+                <a14:useLocalDpi xmlns:a14="http://schemas.microsoft.com/office/drawing/2010/main" val="0"/>
+              </a:ext>
+            </a:extLst>
+          </a:blip>
+          <a:srcRect/>
+          <a:stretch>
+            <a:fillRect/>
+          </a:stretch>
+        </p:blipFill>
+        <p:spPr bwMode="auto">
+          <a:xfrm>
+            <a:off x="180000" y="180000"/>
+            <a:ext cx="795955" cy="594915"/>
+          </a:xfrm>
+          <a:prstGeom prst="rect">
+            <a:avLst/>
+          </a:prstGeom>
+          <a:noFill/>
+          <a:extLst>
+            <a:ext uri="{909E8E84-426E-40DD-AFC4-6F175D3DCCD1}">
+              <a14:hiddenFill xmlns:a14="http://schemas.microsoft.com/office/drawing/2010/main">
+                <a:solidFill>
+                  <a:srgbClr val="FFFFFF"/>
+                </a:solidFill>
+              </a14:hiddenFill>
+            </a:ext>
+          </a:extLst>
+        </p:spPr>
+      </p:pic>
     </p:spTree>
     <p:extLst>
       <p:ext uri="{BB962C8B-B14F-4D97-AF65-F5344CB8AC3E}">
@@ -5168,7 +6071,164 @@
 </p:sld>
 </file>
 
-<file path=ppt/slides/slide18.xml><?xml version="1.0" encoding="utf-8"?>
+<file path=ppt/slides/slide2.xml><?xml version="1.0" encoding="utf-8"?>
+<p:sld xmlns:a="http://schemas.openxmlformats.org/drawingml/2006/main" xmlns:r="http://schemas.openxmlformats.org/officeDocument/2006/relationships" xmlns:p="http://schemas.openxmlformats.org/presentationml/2006/main">
+  <p:cSld>
+    <p:spTree>
+      <p:nvGrpSpPr>
+        <p:cNvPr id="1" name="">
+          <a:extLst>
+            <a:ext uri="{FF2B5EF4-FFF2-40B4-BE49-F238E27FC236}">
+              <a16:creationId xmlns:a16="http://schemas.microsoft.com/office/drawing/2014/main" id="{A16C488F-EE2A-86D9-9AA1-2DBA0BD52BDB}"/>
+            </a:ext>
+          </a:extLst>
+        </p:cNvPr>
+        <p:cNvGrpSpPr/>
+        <p:nvPr/>
+      </p:nvGrpSpPr>
+      <p:grpSpPr>
+        <a:xfrm>
+          <a:off x="0" y="0"/>
+          <a:ext cx="0" cy="0"/>
+          <a:chOff x="0" y="0"/>
+          <a:chExt cx="0" cy="0"/>
+        </a:xfrm>
+      </p:grpSpPr>
+      <p:sp>
+        <p:nvSpPr>
+          <p:cNvPr id="2" name="Titre 1">
+            <a:extLst>
+              <a:ext uri="{FF2B5EF4-FFF2-40B4-BE49-F238E27FC236}">
+                <a16:creationId xmlns:a16="http://schemas.microsoft.com/office/drawing/2014/main" id="{40F4507E-90AB-6146-28F6-5BDB24869798}"/>
+              </a:ext>
+            </a:extLst>
+          </p:cNvPr>
+          <p:cNvSpPr>
+            <a:spLocks noGrp="1"/>
+          </p:cNvSpPr>
+          <p:nvPr>
+            <p:ph type="title"/>
+          </p:nvPr>
+        </p:nvSpPr>
+        <p:spPr/>
+        <p:txBody>
+          <a:bodyPr/>
+          <a:lstStyle/>
+          <a:p>
+            <a:r>
+              <a:rPr lang="fr-CH" dirty="0"/>
+              <a:t>Introduction - Signatures digitales</a:t>
+            </a:r>
+          </a:p>
+        </p:txBody>
+      </p:sp>
+      <p:sp>
+        <p:nvSpPr>
+          <p:cNvPr id="3" name="Espace réservé du contenu 2">
+            <a:extLst>
+              <a:ext uri="{FF2B5EF4-FFF2-40B4-BE49-F238E27FC236}">
+                <a16:creationId xmlns:a16="http://schemas.microsoft.com/office/drawing/2014/main" id="{2D00291B-59F6-8BD5-447B-641512E7FFD6}"/>
+              </a:ext>
+            </a:extLst>
+          </p:cNvPr>
+          <p:cNvSpPr>
+            <a:spLocks noGrp="1"/>
+          </p:cNvSpPr>
+          <p:nvPr>
+            <p:ph idx="1"/>
+          </p:nvPr>
+        </p:nvSpPr>
+        <p:spPr/>
+        <p:txBody>
+          <a:bodyPr/>
+          <a:lstStyle/>
+          <a:p>
+            <a:r>
+              <a:rPr lang="fr-CH" dirty="0"/>
+              <a:t>Signatures digitales largement répandues</a:t>
+            </a:r>
+          </a:p>
+          <a:p>
+            <a:r>
+              <a:rPr lang="fr-CH" dirty="0"/>
+              <a:t>Authentifier un client, un serveur</a:t>
+            </a:r>
+          </a:p>
+          <a:p>
+            <a:r>
+              <a:rPr lang="fr-CH" dirty="0"/>
+              <a:t>Souvent combiné avec d’autres algorithmes cryptographiques</a:t>
+            </a:r>
+          </a:p>
+          <a:p>
+            <a:r>
+              <a:rPr lang="fr-CH" dirty="0"/>
+              <a:t>Paire de clé publique et privée</a:t>
+            </a:r>
+          </a:p>
+        </p:txBody>
+      </p:sp>
+      <p:pic>
+        <p:nvPicPr>
+          <p:cNvPr id="5" name="Picture 2">
+            <a:extLst>
+              <a:ext uri="{FF2B5EF4-FFF2-40B4-BE49-F238E27FC236}">
+                <a16:creationId xmlns:a16="http://schemas.microsoft.com/office/drawing/2014/main" id="{9787E687-4FC6-F11D-C782-ACF11C781375}"/>
+              </a:ext>
+            </a:extLst>
+          </p:cNvPr>
+          <p:cNvPicPr>
+            <a:picLocks noChangeAspect="1" noChangeArrowheads="1"/>
+          </p:cNvPicPr>
+          <p:nvPr/>
+        </p:nvPicPr>
+        <p:blipFill>
+          <a:blip r:embed="rId2">
+            <a:extLst>
+              <a:ext uri="{28A0092B-C50C-407E-A947-70E740481C1C}">
+                <a14:useLocalDpi xmlns:a14="http://schemas.microsoft.com/office/drawing/2010/main" val="0"/>
+              </a:ext>
+            </a:extLst>
+          </a:blip>
+          <a:srcRect/>
+          <a:stretch>
+            <a:fillRect/>
+          </a:stretch>
+        </p:blipFill>
+        <p:spPr bwMode="auto">
+          <a:xfrm>
+            <a:off x="180000" y="180000"/>
+            <a:ext cx="795955" cy="594915"/>
+          </a:xfrm>
+          <a:prstGeom prst="rect">
+            <a:avLst/>
+          </a:prstGeom>
+          <a:noFill/>
+          <a:extLst>
+            <a:ext uri="{909E8E84-426E-40DD-AFC4-6F175D3DCCD1}">
+              <a14:hiddenFill xmlns:a14="http://schemas.microsoft.com/office/drawing/2010/main">
+                <a:solidFill>
+                  <a:srgbClr val="FFFFFF"/>
+                </a:solidFill>
+              </a14:hiddenFill>
+            </a:ext>
+          </a:extLst>
+        </p:spPr>
+      </p:pic>
+    </p:spTree>
+    <p:extLst>
+      <p:ext uri="{BB962C8B-B14F-4D97-AF65-F5344CB8AC3E}">
+        <p14:creationId xmlns:p14="http://schemas.microsoft.com/office/powerpoint/2010/main" val="2576456738"/>
+      </p:ext>
+    </p:extLst>
+  </p:cSld>
+  <p:clrMapOvr>
+    <a:masterClrMapping/>
+  </p:clrMapOvr>
+</p:sld>
+</file>
+
+<file path=ppt/slides/slide20.xml><?xml version="1.0" encoding="utf-8"?>
 <p:sld xmlns:a="http://schemas.openxmlformats.org/drawingml/2006/main" xmlns:r="http://schemas.openxmlformats.org/officeDocument/2006/relationships" xmlns:p="http://schemas.openxmlformats.org/presentationml/2006/main">
   <p:cSld>
     <p:spTree>
@@ -5265,6 +6325,53 @@
           </a:p>
         </p:txBody>
       </p:sp>
+      <p:pic>
+        <p:nvPicPr>
+          <p:cNvPr id="4" name="Picture 2">
+            <a:extLst>
+              <a:ext uri="{FF2B5EF4-FFF2-40B4-BE49-F238E27FC236}">
+                <a16:creationId xmlns:a16="http://schemas.microsoft.com/office/drawing/2014/main" id="{B52253EE-9EAC-7BC7-89AD-01C97DF9CE97}"/>
+              </a:ext>
+            </a:extLst>
+          </p:cNvPr>
+          <p:cNvPicPr>
+            <a:picLocks noChangeAspect="1" noChangeArrowheads="1"/>
+          </p:cNvPicPr>
+          <p:nvPr/>
+        </p:nvPicPr>
+        <p:blipFill>
+          <a:blip r:embed="rId2">
+            <a:extLst>
+              <a:ext uri="{28A0092B-C50C-407E-A947-70E740481C1C}">
+                <a14:useLocalDpi xmlns:a14="http://schemas.microsoft.com/office/drawing/2010/main" val="0"/>
+              </a:ext>
+            </a:extLst>
+          </a:blip>
+          <a:srcRect/>
+          <a:stretch>
+            <a:fillRect/>
+          </a:stretch>
+        </p:blipFill>
+        <p:spPr bwMode="auto">
+          <a:xfrm>
+            <a:off x="180000" y="180000"/>
+            <a:ext cx="795955" cy="594915"/>
+          </a:xfrm>
+          <a:prstGeom prst="rect">
+            <a:avLst/>
+          </a:prstGeom>
+          <a:noFill/>
+          <a:extLst>
+            <a:ext uri="{909E8E84-426E-40DD-AFC4-6F175D3DCCD1}">
+              <a14:hiddenFill xmlns:a14="http://schemas.microsoft.com/office/drawing/2010/main">
+                <a:solidFill>
+                  <a:srgbClr val="FFFFFF"/>
+                </a:solidFill>
+              </a14:hiddenFill>
+            </a:ext>
+          </a:extLst>
+        </p:spPr>
+      </p:pic>
     </p:spTree>
     <p:extLst>
       <p:ext uri="{BB962C8B-B14F-4D97-AF65-F5344CB8AC3E}">
@@ -5278,7 +6385,7 @@
 </p:sld>
 </file>
 
-<file path=ppt/slides/slide19.xml><?xml version="1.0" encoding="utf-8"?>
+<file path=ppt/slides/slide21.xml><?xml version="1.0" encoding="utf-8"?>
 <p:sld xmlns:a="http://schemas.openxmlformats.org/drawingml/2006/main" xmlns:r="http://schemas.openxmlformats.org/officeDocument/2006/relationships" xmlns:p="http://schemas.openxmlformats.org/presentationml/2006/main">
   <p:cSld>
     <p:spTree>
@@ -5790,6 +6897,53 @@
           </p:sp>
         </mc:Fallback>
       </mc:AlternateContent>
+      <p:pic>
+        <p:nvPicPr>
+          <p:cNvPr id="4" name="Picture 2">
+            <a:extLst>
+              <a:ext uri="{FF2B5EF4-FFF2-40B4-BE49-F238E27FC236}">
+                <a16:creationId xmlns:a16="http://schemas.microsoft.com/office/drawing/2014/main" id="{5D7208DD-F827-73A1-F894-25D085789D6D}"/>
+              </a:ext>
+            </a:extLst>
+          </p:cNvPr>
+          <p:cNvPicPr>
+            <a:picLocks noChangeAspect="1" noChangeArrowheads="1"/>
+          </p:cNvPicPr>
+          <p:nvPr/>
+        </p:nvPicPr>
+        <p:blipFill>
+          <a:blip r:embed="rId3">
+            <a:extLst>
+              <a:ext uri="{28A0092B-C50C-407E-A947-70E740481C1C}">
+                <a14:useLocalDpi xmlns:a14="http://schemas.microsoft.com/office/drawing/2010/main" val="0"/>
+              </a:ext>
+            </a:extLst>
+          </a:blip>
+          <a:srcRect/>
+          <a:stretch>
+            <a:fillRect/>
+          </a:stretch>
+        </p:blipFill>
+        <p:spPr bwMode="auto">
+          <a:xfrm>
+            <a:off x="180000" y="180000"/>
+            <a:ext cx="795955" cy="594915"/>
+          </a:xfrm>
+          <a:prstGeom prst="rect">
+            <a:avLst/>
+          </a:prstGeom>
+          <a:noFill/>
+          <a:extLst>
+            <a:ext uri="{909E8E84-426E-40DD-AFC4-6F175D3DCCD1}">
+              <a14:hiddenFill xmlns:a14="http://schemas.microsoft.com/office/drawing/2010/main">
+                <a:solidFill>
+                  <a:srgbClr val="FFFFFF"/>
+                </a:solidFill>
+              </a14:hiddenFill>
+            </a:ext>
+          </a:extLst>
+        </p:spPr>
+      </p:pic>
     </p:spTree>
     <p:extLst>
       <p:ext uri="{BB962C8B-B14F-4D97-AF65-F5344CB8AC3E}">
@@ -5803,111 +6957,7 @@
 </p:sld>
 </file>
 
-<file path=ppt/slides/slide2.xml><?xml version="1.0" encoding="utf-8"?>
-<p:sld xmlns:a="http://schemas.openxmlformats.org/drawingml/2006/main" xmlns:r="http://schemas.openxmlformats.org/officeDocument/2006/relationships" xmlns:p="http://schemas.openxmlformats.org/presentationml/2006/main">
-  <p:cSld>
-    <p:spTree>
-      <p:nvGrpSpPr>
-        <p:cNvPr id="1" name=""/>
-        <p:cNvGrpSpPr/>
-        <p:nvPr/>
-      </p:nvGrpSpPr>
-      <p:grpSpPr>
-        <a:xfrm>
-          <a:off x="0" y="0"/>
-          <a:ext cx="0" cy="0"/>
-          <a:chOff x="0" y="0"/>
-          <a:chExt cx="0" cy="0"/>
-        </a:xfrm>
-      </p:grpSpPr>
-      <p:sp>
-        <p:nvSpPr>
-          <p:cNvPr id="2" name="Titre 1">
-            <a:extLst>
-              <a:ext uri="{FF2B5EF4-FFF2-40B4-BE49-F238E27FC236}">
-                <a16:creationId xmlns:a16="http://schemas.microsoft.com/office/drawing/2014/main" id="{C7519599-4D6D-F382-5CBF-FF9746EACCC1}"/>
-              </a:ext>
-            </a:extLst>
-          </p:cNvPr>
-          <p:cNvSpPr>
-            <a:spLocks noGrp="1"/>
-          </p:cNvSpPr>
-          <p:nvPr>
-            <p:ph type="title"/>
-          </p:nvPr>
-        </p:nvSpPr>
-        <p:spPr/>
-        <p:txBody>
-          <a:bodyPr/>
-          <a:lstStyle/>
-          <a:p>
-            <a:r>
-              <a:rPr lang="fr-CH" dirty="0"/>
-              <a:t>Introduction - Signatures digitales</a:t>
-            </a:r>
-          </a:p>
-        </p:txBody>
-      </p:sp>
-      <p:sp>
-        <p:nvSpPr>
-          <p:cNvPr id="3" name="Espace réservé du contenu 2">
-            <a:extLst>
-              <a:ext uri="{FF2B5EF4-FFF2-40B4-BE49-F238E27FC236}">
-                <a16:creationId xmlns:a16="http://schemas.microsoft.com/office/drawing/2014/main" id="{179AE550-BC42-BF0F-46AA-21142C517507}"/>
-              </a:ext>
-            </a:extLst>
-          </p:cNvPr>
-          <p:cNvSpPr>
-            <a:spLocks noGrp="1"/>
-          </p:cNvSpPr>
-          <p:nvPr>
-            <p:ph idx="1"/>
-          </p:nvPr>
-        </p:nvSpPr>
-        <p:spPr/>
-        <p:txBody>
-          <a:bodyPr/>
-          <a:lstStyle/>
-          <a:p>
-            <a:r>
-              <a:rPr lang="fr-CH" dirty="0"/>
-              <a:t>Signatures digitales largement répandues</a:t>
-            </a:r>
-          </a:p>
-          <a:p>
-            <a:r>
-              <a:rPr lang="fr-CH" dirty="0"/>
-              <a:t>Authentifier un client, un serveur</a:t>
-            </a:r>
-          </a:p>
-          <a:p>
-            <a:r>
-              <a:rPr lang="fr-CH" dirty="0"/>
-              <a:t>Souvent combiné avec d’autres algorithmes cryptographiques</a:t>
-            </a:r>
-          </a:p>
-          <a:p>
-            <a:r>
-              <a:rPr lang="fr-CH" dirty="0"/>
-              <a:t>Paire de clé publique et privée</a:t>
-            </a:r>
-          </a:p>
-        </p:txBody>
-      </p:sp>
-    </p:spTree>
-    <p:extLst>
-      <p:ext uri="{BB962C8B-B14F-4D97-AF65-F5344CB8AC3E}">
-        <p14:creationId xmlns:p14="http://schemas.microsoft.com/office/powerpoint/2010/main" val="1755347014"/>
-      </p:ext>
-    </p:extLst>
-  </p:cSld>
-  <p:clrMapOvr>
-    <a:masterClrMapping/>
-  </p:clrMapOvr>
-</p:sld>
-</file>
-
-<file path=ppt/slides/slide20.xml><?xml version="1.0" encoding="utf-8"?>
+<file path=ppt/slides/slide22.xml><?xml version="1.0" encoding="utf-8"?>
 <p:sld xmlns:a="http://schemas.openxmlformats.org/drawingml/2006/main" xmlns:r="http://schemas.openxmlformats.org/officeDocument/2006/relationships" xmlns:p="http://schemas.openxmlformats.org/presentationml/2006/main">
   <p:cSld>
     <p:spTree>
@@ -5963,8 +7013,8 @@
           </a:p>
         </p:txBody>
       </p:sp>
-      <mc:AlternateContent xmlns:mc="http://schemas.openxmlformats.org/markup-compatibility/2006">
-        <mc:Choice xmlns:a14="http://schemas.microsoft.com/office/drawing/2010/main" Requires="a14">
+      <mc:AlternateContent xmlns:mc="http://schemas.openxmlformats.org/markup-compatibility/2006" xmlns:a14="http://schemas.microsoft.com/office/drawing/2010/main">
+        <mc:Choice Requires="a14">
           <p:sp>
             <p:nvSpPr>
               <p:cNvPr id="3" name="Espace réservé du contenu 2">
@@ -6083,7 +7133,7 @@
             </p:txBody>
           </p:sp>
         </mc:Choice>
-        <mc:Fallback>
+        <mc:Fallback xmlns="">
           <p:sp>
             <p:nvSpPr>
               <p:cNvPr id="3" name="Espace réservé du contenu 2">
@@ -6123,6 +7173,53 @@
           </p:sp>
         </mc:Fallback>
       </mc:AlternateContent>
+      <p:pic>
+        <p:nvPicPr>
+          <p:cNvPr id="4" name="Picture 2">
+            <a:extLst>
+              <a:ext uri="{FF2B5EF4-FFF2-40B4-BE49-F238E27FC236}">
+                <a16:creationId xmlns:a16="http://schemas.microsoft.com/office/drawing/2014/main" id="{5C5DDF5E-1786-4ACB-B930-EC90967C6B0B}"/>
+              </a:ext>
+            </a:extLst>
+          </p:cNvPr>
+          <p:cNvPicPr>
+            <a:picLocks noChangeAspect="1" noChangeArrowheads="1"/>
+          </p:cNvPicPr>
+          <p:nvPr/>
+        </p:nvPicPr>
+        <p:blipFill>
+          <a:blip r:embed="rId3">
+            <a:extLst>
+              <a:ext uri="{28A0092B-C50C-407E-A947-70E740481C1C}">
+                <a14:useLocalDpi xmlns:a14="http://schemas.microsoft.com/office/drawing/2010/main" val="0"/>
+              </a:ext>
+            </a:extLst>
+          </a:blip>
+          <a:srcRect/>
+          <a:stretch>
+            <a:fillRect/>
+          </a:stretch>
+        </p:blipFill>
+        <p:spPr bwMode="auto">
+          <a:xfrm>
+            <a:off x="180000" y="180000"/>
+            <a:ext cx="795955" cy="594915"/>
+          </a:xfrm>
+          <a:prstGeom prst="rect">
+            <a:avLst/>
+          </a:prstGeom>
+          <a:noFill/>
+          <a:extLst>
+            <a:ext uri="{909E8E84-426E-40DD-AFC4-6F175D3DCCD1}">
+              <a14:hiddenFill xmlns:a14="http://schemas.microsoft.com/office/drawing/2010/main">
+                <a:solidFill>
+                  <a:srgbClr val="FFFFFF"/>
+                </a:solidFill>
+              </a14:hiddenFill>
+            </a:ext>
+          </a:extLst>
+        </p:spPr>
+      </p:pic>
     </p:spTree>
     <p:extLst>
       <p:ext uri="{BB962C8B-B14F-4D97-AF65-F5344CB8AC3E}">
@@ -6136,7 +7233,7 @@
 </p:sld>
 </file>
 
-<file path=ppt/slides/slide21.xml><?xml version="1.0" encoding="utf-8"?>
+<file path=ppt/slides/slide23.xml><?xml version="1.0" encoding="utf-8"?>
 <p:sld xmlns:a="http://schemas.openxmlformats.org/drawingml/2006/main" xmlns:r="http://schemas.openxmlformats.org/officeDocument/2006/relationships" xmlns:p="http://schemas.openxmlformats.org/presentationml/2006/main">
   <p:cSld>
     <p:spTree>
@@ -6192,8 +7289,8 @@
           </a:p>
         </p:txBody>
       </p:sp>
-      <mc:AlternateContent xmlns:mc="http://schemas.openxmlformats.org/markup-compatibility/2006">
-        <mc:Choice xmlns:a14="http://schemas.microsoft.com/office/drawing/2010/main" Requires="a14">
+      <mc:AlternateContent xmlns:mc="http://schemas.openxmlformats.org/markup-compatibility/2006" xmlns:a14="http://schemas.microsoft.com/office/drawing/2010/main">
+        <mc:Choice Requires="a14">
           <p:sp>
             <p:nvSpPr>
               <p:cNvPr id="3" name="Espace réservé du contenu 2">
@@ -6356,7 +7453,7 @@
             </p:txBody>
           </p:sp>
         </mc:Choice>
-        <mc:Fallback>
+        <mc:Fallback xmlns="">
           <p:sp>
             <p:nvSpPr>
               <p:cNvPr id="3" name="Espace réservé du contenu 2">
@@ -6396,6 +7493,53 @@
           </p:sp>
         </mc:Fallback>
       </mc:AlternateContent>
+      <p:pic>
+        <p:nvPicPr>
+          <p:cNvPr id="4" name="Picture 2">
+            <a:extLst>
+              <a:ext uri="{FF2B5EF4-FFF2-40B4-BE49-F238E27FC236}">
+                <a16:creationId xmlns:a16="http://schemas.microsoft.com/office/drawing/2014/main" id="{56C6422E-681B-8D2D-9054-C7149F64DB46}"/>
+              </a:ext>
+            </a:extLst>
+          </p:cNvPr>
+          <p:cNvPicPr>
+            <a:picLocks noChangeAspect="1" noChangeArrowheads="1"/>
+          </p:cNvPicPr>
+          <p:nvPr/>
+        </p:nvPicPr>
+        <p:blipFill>
+          <a:blip r:embed="rId3">
+            <a:extLst>
+              <a:ext uri="{28A0092B-C50C-407E-A947-70E740481C1C}">
+                <a14:useLocalDpi xmlns:a14="http://schemas.microsoft.com/office/drawing/2010/main" val="0"/>
+              </a:ext>
+            </a:extLst>
+          </a:blip>
+          <a:srcRect/>
+          <a:stretch>
+            <a:fillRect/>
+          </a:stretch>
+        </p:blipFill>
+        <p:spPr bwMode="auto">
+          <a:xfrm>
+            <a:off x="180000" y="180000"/>
+            <a:ext cx="795955" cy="594915"/>
+          </a:xfrm>
+          <a:prstGeom prst="rect">
+            <a:avLst/>
+          </a:prstGeom>
+          <a:noFill/>
+          <a:extLst>
+            <a:ext uri="{909E8E84-426E-40DD-AFC4-6F175D3DCCD1}">
+              <a14:hiddenFill xmlns:a14="http://schemas.microsoft.com/office/drawing/2010/main">
+                <a:solidFill>
+                  <a:srgbClr val="FFFFFF"/>
+                </a:solidFill>
+              </a14:hiddenFill>
+            </a:ext>
+          </a:extLst>
+        </p:spPr>
+      </p:pic>
     </p:spTree>
     <p:extLst>
       <p:ext uri="{BB962C8B-B14F-4D97-AF65-F5344CB8AC3E}">
@@ -6409,7 +7553,7 @@
 </p:sld>
 </file>
 
-<file path=ppt/slides/slide22.xml><?xml version="1.0" encoding="utf-8"?>
+<file path=ppt/slides/slide24.xml><?xml version="1.0" encoding="utf-8"?>
 <p:sld xmlns:a="http://schemas.openxmlformats.org/drawingml/2006/main" xmlns:r="http://schemas.openxmlformats.org/officeDocument/2006/relationships" xmlns:p="http://schemas.openxmlformats.org/presentationml/2006/main">
   <p:cSld>
     <p:spTree>
@@ -6454,8 +7598,8 @@
           </a:p>
         </p:txBody>
       </p:sp>
-      <mc:AlternateContent xmlns:mc="http://schemas.openxmlformats.org/markup-compatibility/2006">
-        <mc:Choice xmlns:a14="http://schemas.microsoft.com/office/drawing/2010/main" Requires="a14">
+      <mc:AlternateContent xmlns:mc="http://schemas.openxmlformats.org/markup-compatibility/2006" xmlns:a14="http://schemas.microsoft.com/office/drawing/2010/main">
+        <mc:Choice Requires="a14">
           <p:sp>
             <p:nvSpPr>
               <p:cNvPr id="3" name="Espace réservé du contenu 2">
@@ -6887,7 +8031,7 @@
             </p:txBody>
           </p:sp>
         </mc:Choice>
-        <mc:Fallback>
+        <mc:Fallback xmlns="">
           <p:sp>
             <p:nvSpPr>
               <p:cNvPr id="3" name="Espace réservé du contenu 2">
@@ -6927,6 +8071,53 @@
           </p:sp>
         </mc:Fallback>
       </mc:AlternateContent>
+      <p:pic>
+        <p:nvPicPr>
+          <p:cNvPr id="4" name="Picture 2">
+            <a:extLst>
+              <a:ext uri="{FF2B5EF4-FFF2-40B4-BE49-F238E27FC236}">
+                <a16:creationId xmlns:a16="http://schemas.microsoft.com/office/drawing/2014/main" id="{C5F516EE-05CB-DD7E-51CC-D9306F4C8FE1}"/>
+              </a:ext>
+            </a:extLst>
+          </p:cNvPr>
+          <p:cNvPicPr>
+            <a:picLocks noChangeAspect="1" noChangeArrowheads="1"/>
+          </p:cNvPicPr>
+          <p:nvPr/>
+        </p:nvPicPr>
+        <p:blipFill>
+          <a:blip r:embed="rId3">
+            <a:extLst>
+              <a:ext uri="{28A0092B-C50C-407E-A947-70E740481C1C}">
+                <a14:useLocalDpi xmlns:a14="http://schemas.microsoft.com/office/drawing/2010/main" val="0"/>
+              </a:ext>
+            </a:extLst>
+          </a:blip>
+          <a:srcRect/>
+          <a:stretch>
+            <a:fillRect/>
+          </a:stretch>
+        </p:blipFill>
+        <p:spPr bwMode="auto">
+          <a:xfrm>
+            <a:off x="180000" y="180000"/>
+            <a:ext cx="795955" cy="594915"/>
+          </a:xfrm>
+          <a:prstGeom prst="rect">
+            <a:avLst/>
+          </a:prstGeom>
+          <a:noFill/>
+          <a:extLst>
+            <a:ext uri="{909E8E84-426E-40DD-AFC4-6F175D3DCCD1}">
+              <a14:hiddenFill xmlns:a14="http://schemas.microsoft.com/office/drawing/2010/main">
+                <a:solidFill>
+                  <a:srgbClr val="FFFFFF"/>
+                </a:solidFill>
+              </a14:hiddenFill>
+            </a:ext>
+          </a:extLst>
+        </p:spPr>
+      </p:pic>
     </p:spTree>
     <p:extLst>
       <p:ext uri="{BB962C8B-B14F-4D97-AF65-F5344CB8AC3E}">
@@ -6940,7 +8131,7 @@
 </p:sld>
 </file>
 
-<file path=ppt/slides/slide23.xml><?xml version="1.0" encoding="utf-8"?>
+<file path=ppt/slides/slide25.xml><?xml version="1.0" encoding="utf-8"?>
 <p:sld xmlns:a="http://schemas.openxmlformats.org/drawingml/2006/main" xmlns:r="http://schemas.openxmlformats.org/officeDocument/2006/relationships" xmlns:p="http://schemas.openxmlformats.org/presentationml/2006/main">
   <p:cSld>
     <p:spTree>
@@ -6991,8 +8182,8 @@
           </a:p>
         </p:txBody>
       </p:sp>
-      <mc:AlternateContent xmlns:mc="http://schemas.openxmlformats.org/markup-compatibility/2006" xmlns:a14="http://schemas.microsoft.com/office/drawing/2010/main">
-        <mc:Choice Requires="a14">
+      <mc:AlternateContent xmlns:mc="http://schemas.openxmlformats.org/markup-compatibility/2006">
+        <mc:Choice xmlns:a14="http://schemas.microsoft.com/office/drawing/2010/main" Requires="a14">
           <p:sp>
             <p:nvSpPr>
               <p:cNvPr id="3" name="Espace réservé du contenu 2">
@@ -7228,142 +8419,126 @@
                   <a:buNone/>
                 </a:pPr>
                 <a14:m>
-                  <m:oMathPara xmlns:m="http://schemas.openxmlformats.org/officeDocument/2006/math">
-                    <m:oMathParaPr>
-                      <m:jc m:val="centerGroup"/>
-                    </m:oMathParaPr>
-                    <m:oMath xmlns:m="http://schemas.openxmlformats.org/officeDocument/2006/math">
-                      <m:d>
-                        <m:dPr>
-                          <m:ctrlPr>
-                            <a:rPr lang="en-GB" b="0" i="1" smtClean="0">
-                              <a:latin typeface="Cambria Math" panose="02040503050406030204" pitchFamily="18" charset="0"/>
-                              <a:ea typeface="Cambria Math" panose="02040503050406030204" pitchFamily="18" charset="0"/>
-                            </a:rPr>
-                          </m:ctrlPr>
-                        </m:dPr>
-                        <m:e>
-                          <m:r>
-                            <a:rPr lang="en-GB" b="0" i="1" smtClean="0">
-                              <a:latin typeface="Cambria Math" panose="02040503050406030204" pitchFamily="18" charset="0"/>
-                              <a:ea typeface="Cambria Math" panose="02040503050406030204" pitchFamily="18" charset="0"/>
-                            </a:rPr>
-                            <m:t>𝑥</m:t>
-                          </m:r>
-                          <m:r>
-                            <a:rPr lang="en-GB" b="0" i="1" smtClean="0">
-                              <a:latin typeface="Cambria Math" panose="02040503050406030204" pitchFamily="18" charset="0"/>
-                              <a:ea typeface="Cambria Math" panose="02040503050406030204" pitchFamily="18" charset="0"/>
-                            </a:rPr>
-                            <m:t> −</m:t>
-                          </m:r>
-                          <m:sSup>
-                            <m:sSupPr>
-                              <m:ctrlPr>
-                                <a:rPr lang="en-GB" b="0" i="1" smtClean="0">
-                                  <a:latin typeface="Cambria Math" panose="02040503050406030204" pitchFamily="18" charset="0"/>
-                                  <a:ea typeface="Cambria Math" panose="02040503050406030204" pitchFamily="18" charset="0"/>
-                                </a:rPr>
-                              </m:ctrlPr>
-                            </m:sSupPr>
-                            <m:e>
-                              <m:r>
-                                <a:rPr lang="en-GB" b="0" i="1" smtClean="0">
-                                  <a:latin typeface="Cambria Math" panose="02040503050406030204" pitchFamily="18" charset="0"/>
-                                  <a:ea typeface="Cambria Math" panose="02040503050406030204" pitchFamily="18" charset="0"/>
-                                </a:rPr>
-                                <m:t>𝑥</m:t>
-                              </m:r>
-                            </m:e>
-                            <m:sup>
-                              <m:r>
-                                <a:rPr lang="en-GB" b="0" i="1" smtClean="0">
-                                  <a:latin typeface="Cambria Math" panose="02040503050406030204" pitchFamily="18" charset="0"/>
-                                  <a:ea typeface="Cambria Math" panose="02040503050406030204" pitchFamily="18" charset="0"/>
-                                </a:rPr>
-                                <m:t>′</m:t>
-                              </m:r>
-                            </m:sup>
-                          </m:sSup>
-                        </m:e>
-                      </m:d>
-                      <m:r>
-                        <a:rPr lang="en-GB" b="0" i="1" smtClean="0">
-                          <a:latin typeface="Cambria Math" panose="02040503050406030204" pitchFamily="18" charset="0"/>
-                          <a:ea typeface="Cambria Math" panose="02040503050406030204" pitchFamily="18" charset="0"/>
-                        </a:rPr>
-                        <m:t> </m:t>
-                      </m:r>
-                      <m:r>
-                        <a:rPr lang="en-GB" b="0" i="1" smtClean="0">
-                          <a:latin typeface="Cambria Math" panose="02040503050406030204" pitchFamily="18" charset="0"/>
-                          <a:ea typeface="Cambria Math" panose="02040503050406030204" pitchFamily="18" charset="0"/>
-                        </a:rPr>
-                        <m:t>𝑚𝑜𝑑</m:t>
-                      </m:r>
-                      <m:r>
-                        <a:rPr lang="en-GB" b="0" i="1" smtClean="0">
-                          <a:latin typeface="Cambria Math" panose="02040503050406030204" pitchFamily="18" charset="0"/>
-                          <a:ea typeface="Cambria Math" panose="02040503050406030204" pitchFamily="18" charset="0"/>
-                        </a:rPr>
-                        <m:t> </m:t>
-                      </m:r>
-                      <m:r>
-                        <a:rPr lang="en-GB" b="0" i="1" smtClean="0">
-                          <a:latin typeface="Cambria Math" panose="02040503050406030204" pitchFamily="18" charset="0"/>
-                          <a:ea typeface="Cambria Math" panose="02040503050406030204" pitchFamily="18" charset="0"/>
-                        </a:rPr>
-                        <m:t>𝑛</m:t>
-                      </m:r>
-                      <m:r>
-                        <a:rPr lang="en-GB" b="0" i="1" smtClean="0">
-                          <a:latin typeface="Cambria Math" panose="02040503050406030204" pitchFamily="18" charset="0"/>
-                          <a:ea typeface="Cambria Math" panose="02040503050406030204" pitchFamily="18" charset="0"/>
-                        </a:rPr>
-                        <m:t>=</m:t>
-                      </m:r>
-                      <m:r>
-                        <a:rPr lang="en-GB" b="0" i="1" smtClean="0">
-                          <a:latin typeface="Cambria Math" panose="02040503050406030204" pitchFamily="18" charset="0"/>
-                          <a:ea typeface="Cambria Math" panose="02040503050406030204" pitchFamily="18" charset="0"/>
-                        </a:rPr>
-                        <m:t>𝑘</m:t>
-                      </m:r>
-                      <m:r>
-                        <a:rPr lang="en-GB" b="0" i="1" smtClean="0">
-                          <a:latin typeface="Cambria Math" panose="02040503050406030204" pitchFamily="18" charset="0"/>
-                          <a:ea typeface="Cambria Math" panose="02040503050406030204" pitchFamily="18" charset="0"/>
-                        </a:rPr>
-                        <m:t> ∗</m:t>
-                      </m:r>
-                      <m:r>
-                        <a:rPr lang="en-GB" b="0" i="1" smtClean="0">
-                          <a:latin typeface="Cambria Math" panose="02040503050406030204" pitchFamily="18" charset="0"/>
-                          <a:ea typeface="Cambria Math" panose="02040503050406030204" pitchFamily="18" charset="0"/>
-                        </a:rPr>
-                        <m:t>𝑝</m:t>
-                      </m:r>
-                      <m:r>
-                        <a:rPr lang="en-GB" b="0" i="1" smtClean="0">
-                          <a:latin typeface="Cambria Math" panose="02040503050406030204" pitchFamily="18" charset="0"/>
-                          <a:ea typeface="Cambria Math" panose="02040503050406030204" pitchFamily="18" charset="0"/>
-                        </a:rPr>
-                        <m:t>+</m:t>
-                      </m:r>
-                      <m:r>
-                        <a:rPr lang="en-GB" b="0" i="1" smtClean="0">
-                          <a:latin typeface="Cambria Math" panose="02040503050406030204" pitchFamily="18" charset="0"/>
-                          <a:ea typeface="Cambria Math" panose="02040503050406030204" pitchFamily="18" charset="0"/>
-                        </a:rPr>
-                        <m:t>h</m:t>
-                      </m:r>
-                    </m:oMath>
-                  </m:oMathPara>
+                  <m:oMath xmlns:m="http://schemas.openxmlformats.org/officeDocument/2006/math">
+                    <m:d>
+                      <m:dPr>
+                        <m:ctrlPr>
+                          <a:rPr lang="en-GB" b="0" i="1" smtClean="0">
+                            <a:latin typeface="Cambria Math" panose="02040503050406030204" pitchFamily="18" charset="0"/>
+                            <a:ea typeface="Cambria Math" panose="02040503050406030204" pitchFamily="18" charset="0"/>
+                          </a:rPr>
+                        </m:ctrlPr>
+                      </m:dPr>
+                      <m:e>
+                        <m:r>
+                          <a:rPr lang="en-GB" b="0" i="1" smtClean="0">
+                            <a:latin typeface="Cambria Math" panose="02040503050406030204" pitchFamily="18" charset="0"/>
+                            <a:ea typeface="Cambria Math" panose="02040503050406030204" pitchFamily="18" charset="0"/>
+                          </a:rPr>
+                          <m:t>𝑥</m:t>
+                        </m:r>
+                        <m:r>
+                          <a:rPr lang="en-GB" b="0" i="1" smtClean="0">
+                            <a:latin typeface="Cambria Math" panose="02040503050406030204" pitchFamily="18" charset="0"/>
+                            <a:ea typeface="Cambria Math" panose="02040503050406030204" pitchFamily="18" charset="0"/>
+                          </a:rPr>
+                          <m:t> −</m:t>
+                        </m:r>
+                        <m:sSup>
+                          <m:sSupPr>
+                            <m:ctrlPr>
+                              <a:rPr lang="en-GB" b="0" i="1" smtClean="0">
+                                <a:latin typeface="Cambria Math" panose="02040503050406030204" pitchFamily="18" charset="0"/>
+                                <a:ea typeface="Cambria Math" panose="02040503050406030204" pitchFamily="18" charset="0"/>
+                              </a:rPr>
+                            </m:ctrlPr>
+                          </m:sSupPr>
+                          <m:e>
+                            <m:r>
+                              <a:rPr lang="en-GB" b="0" i="1" smtClean="0">
+                                <a:latin typeface="Cambria Math" panose="02040503050406030204" pitchFamily="18" charset="0"/>
+                                <a:ea typeface="Cambria Math" panose="02040503050406030204" pitchFamily="18" charset="0"/>
+                              </a:rPr>
+                              <m:t>𝑥</m:t>
+                            </m:r>
+                          </m:e>
+                          <m:sup>
+                            <m:r>
+                              <a:rPr lang="en-GB" b="0" i="1" smtClean="0">
+                                <a:latin typeface="Cambria Math" panose="02040503050406030204" pitchFamily="18" charset="0"/>
+                                <a:ea typeface="Cambria Math" panose="02040503050406030204" pitchFamily="18" charset="0"/>
+                              </a:rPr>
+                              <m:t>′</m:t>
+                            </m:r>
+                          </m:sup>
+                        </m:sSup>
+                      </m:e>
+                    </m:d>
+                    <m:r>
+                      <a:rPr lang="en-GB" b="0" i="1" smtClean="0">
+                        <a:latin typeface="Cambria Math" panose="02040503050406030204" pitchFamily="18" charset="0"/>
+                        <a:ea typeface="Cambria Math" panose="02040503050406030204" pitchFamily="18" charset="0"/>
+                      </a:rPr>
+                      <m:t> </m:t>
+                    </m:r>
+                    <m:r>
+                      <a:rPr lang="en-GB" b="0" i="1" smtClean="0">
+                        <a:latin typeface="Cambria Math" panose="02040503050406030204" pitchFamily="18" charset="0"/>
+                        <a:ea typeface="Cambria Math" panose="02040503050406030204" pitchFamily="18" charset="0"/>
+                      </a:rPr>
+                      <m:t>𝑚𝑜𝑑</m:t>
+                    </m:r>
+                    <m:r>
+                      <a:rPr lang="en-GB" b="0" i="1" smtClean="0">
+                        <a:latin typeface="Cambria Math" panose="02040503050406030204" pitchFamily="18" charset="0"/>
+                        <a:ea typeface="Cambria Math" panose="02040503050406030204" pitchFamily="18" charset="0"/>
+                      </a:rPr>
+                      <m:t> </m:t>
+                    </m:r>
+                    <m:r>
+                      <a:rPr lang="fr-FR" b="0" i="1" smtClean="0">
+                        <a:latin typeface="Cambria Math" panose="02040503050406030204" pitchFamily="18" charset="0"/>
+                        <a:ea typeface="Cambria Math" panose="02040503050406030204" pitchFamily="18" charset="0"/>
+                      </a:rPr>
+                      <m:t>𝑁</m:t>
+                    </m:r>
+                    <m:r>
+                      <a:rPr lang="en-GB" b="0" i="1" smtClean="0">
+                        <a:latin typeface="Cambria Math" panose="02040503050406030204" pitchFamily="18" charset="0"/>
+                        <a:ea typeface="Cambria Math" panose="02040503050406030204" pitchFamily="18" charset="0"/>
+                      </a:rPr>
+                      <m:t>=</m:t>
+                    </m:r>
+                    <m:r>
+                      <a:rPr lang="en-GB" b="0" i="1" smtClean="0">
+                        <a:latin typeface="Cambria Math" panose="02040503050406030204" pitchFamily="18" charset="0"/>
+                        <a:ea typeface="Cambria Math" panose="02040503050406030204" pitchFamily="18" charset="0"/>
+                      </a:rPr>
+                      <m:t>𝑘</m:t>
+                    </m:r>
+                    <m:r>
+                      <a:rPr lang="en-GB" b="0" i="1" smtClean="0">
+                        <a:latin typeface="Cambria Math" panose="02040503050406030204" pitchFamily="18" charset="0"/>
+                        <a:ea typeface="Cambria Math" panose="02040503050406030204" pitchFamily="18" charset="0"/>
+                      </a:rPr>
+                      <m:t> ∗</m:t>
+                    </m:r>
+                    <m:r>
+                      <a:rPr lang="en-GB" b="0" i="1" smtClean="0">
+                        <a:latin typeface="Cambria Math" panose="02040503050406030204" pitchFamily="18" charset="0"/>
+                        <a:ea typeface="Cambria Math" panose="02040503050406030204" pitchFamily="18" charset="0"/>
+                      </a:rPr>
+                      <m:t>𝑝</m:t>
+                    </m:r>
+                  </m:oMath>
                 </a14:m>
-                <a:endParaRPr lang="fr-CH" dirty="0">
-                  <a:latin typeface="Cambria Math" panose="02040503050406030204" pitchFamily="18" charset="0"/>
-                  <a:ea typeface="Cambria Math" panose="02040503050406030204" pitchFamily="18" charset="0"/>
-                </a:endParaRPr>
+                <a:r>
+                  <a:rPr lang="fr-CH" dirty="0">
+                    <a:latin typeface="Cambria Math" panose="02040503050406030204" pitchFamily="18" charset="0"/>
+                    <a:ea typeface="Cambria Math" panose="02040503050406030204" pitchFamily="18" charset="0"/>
+                  </a:rPr>
+                  <a:t> mod N</a:t>
+                </a:r>
               </a:p>
               <a:p>
                 <a:pPr marL="0" indent="0" algn="ctr">
@@ -7429,7 +8604,7 @@
             </p:txBody>
           </p:sp>
         </mc:Choice>
-        <mc:Fallback xmlns="">
+        <mc:Fallback>
           <p:sp>
             <p:nvSpPr>
               <p:cNvPr id="3" name="Espace réservé du contenu 2">
@@ -7450,7 +8625,7 @@
               <a:blipFill>
                 <a:blip r:embed="rId2"/>
                 <a:stretch>
-                  <a:fillRect l="-1217"/>
+                  <a:fillRect l="-1217" b="-2941"/>
                 </a:stretch>
               </a:blipFill>
             </p:spPr>
@@ -7469,224 +8644,57 @@
           </p:sp>
         </mc:Fallback>
       </mc:AlternateContent>
+      <p:pic>
+        <p:nvPicPr>
+          <p:cNvPr id="4" name="Picture 2">
+            <a:extLst>
+              <a:ext uri="{FF2B5EF4-FFF2-40B4-BE49-F238E27FC236}">
+                <a16:creationId xmlns:a16="http://schemas.microsoft.com/office/drawing/2014/main" id="{436D044A-C370-6AFF-342F-A155F13B1F4E}"/>
+              </a:ext>
+            </a:extLst>
+          </p:cNvPr>
+          <p:cNvPicPr>
+            <a:picLocks noChangeAspect="1" noChangeArrowheads="1"/>
+          </p:cNvPicPr>
+          <p:nvPr/>
+        </p:nvPicPr>
+        <p:blipFill>
+          <a:blip r:embed="rId3">
+            <a:extLst>
+              <a:ext uri="{28A0092B-C50C-407E-A947-70E740481C1C}">
+                <a14:useLocalDpi xmlns:a14="http://schemas.microsoft.com/office/drawing/2010/main" val="0"/>
+              </a:ext>
+            </a:extLst>
+          </a:blip>
+          <a:srcRect/>
+          <a:stretch>
+            <a:fillRect/>
+          </a:stretch>
+        </p:blipFill>
+        <p:spPr bwMode="auto">
+          <a:xfrm>
+            <a:off x="180000" y="180000"/>
+            <a:ext cx="795955" cy="594915"/>
+          </a:xfrm>
+          <a:prstGeom prst="rect">
+            <a:avLst/>
+          </a:prstGeom>
+          <a:noFill/>
+          <a:extLst>
+            <a:ext uri="{909E8E84-426E-40DD-AFC4-6F175D3DCCD1}">
+              <a14:hiddenFill xmlns:a14="http://schemas.microsoft.com/office/drawing/2010/main">
+                <a:solidFill>
+                  <a:srgbClr val="FFFFFF"/>
+                </a:solidFill>
+              </a14:hiddenFill>
+            </a:ext>
+          </a:extLst>
+        </p:spPr>
+      </p:pic>
     </p:spTree>
     <p:extLst>
       <p:ext uri="{BB962C8B-B14F-4D97-AF65-F5344CB8AC3E}">
         <p14:creationId xmlns:p14="http://schemas.microsoft.com/office/powerpoint/2010/main" val="3926137242"/>
-      </p:ext>
-    </p:extLst>
-  </p:cSld>
-  <p:clrMapOvr>
-    <a:masterClrMapping/>
-  </p:clrMapOvr>
-</p:sld>
-</file>
-
-<file path=ppt/slides/slide24.xml><?xml version="1.0" encoding="utf-8"?>
-<p:sld xmlns:a="http://schemas.openxmlformats.org/drawingml/2006/main" xmlns:r="http://schemas.openxmlformats.org/officeDocument/2006/relationships" xmlns:p="http://schemas.openxmlformats.org/presentationml/2006/main">
-  <p:cSld>
-    <p:spTree>
-      <p:nvGrpSpPr>
-        <p:cNvPr id="1" name=""/>
-        <p:cNvGrpSpPr/>
-        <p:nvPr/>
-      </p:nvGrpSpPr>
-      <p:grpSpPr>
-        <a:xfrm>
-          <a:off x="0" y="0"/>
-          <a:ext cx="0" cy="0"/>
-          <a:chOff x="0" y="0"/>
-          <a:chExt cx="0" cy="0"/>
-        </a:xfrm>
-      </p:grpSpPr>
-      <p:sp>
-        <p:nvSpPr>
-          <p:cNvPr id="2" name="Titre 1">
-            <a:extLst>
-              <a:ext uri="{FF2B5EF4-FFF2-40B4-BE49-F238E27FC236}">
-                <a16:creationId xmlns:a16="http://schemas.microsoft.com/office/drawing/2014/main" id="{EB43DC59-7D1D-0024-95AB-4C5909298ECF}"/>
-              </a:ext>
-            </a:extLst>
-          </p:cNvPr>
-          <p:cNvSpPr>
-            <a:spLocks noGrp="1"/>
-          </p:cNvSpPr>
-          <p:nvPr>
-            <p:ph type="ctrTitle"/>
-          </p:nvPr>
-        </p:nvSpPr>
-        <p:spPr/>
-        <p:txBody>
-          <a:bodyPr/>
-          <a:lstStyle/>
-          <a:p>
-            <a:r>
-              <a:rPr lang="fr-CH" dirty="0"/>
-              <a:t>Cassez la construction !</a:t>
-            </a:r>
-          </a:p>
-        </p:txBody>
-      </p:sp>
-      <p:sp>
-        <p:nvSpPr>
-          <p:cNvPr id="3" name="Sous-titre 2">
-            <a:extLst>
-              <a:ext uri="{FF2B5EF4-FFF2-40B4-BE49-F238E27FC236}">
-                <a16:creationId xmlns:a16="http://schemas.microsoft.com/office/drawing/2014/main" id="{E445D0B8-3331-14CB-D862-B87D08C330DA}"/>
-              </a:ext>
-            </a:extLst>
-          </p:cNvPr>
-          <p:cNvSpPr>
-            <a:spLocks noGrp="1"/>
-          </p:cNvSpPr>
-          <p:nvPr>
-            <p:ph type="subTitle" idx="1"/>
-          </p:nvPr>
-        </p:nvSpPr>
-        <p:spPr/>
-        <p:txBody>
-          <a:bodyPr/>
-          <a:lstStyle/>
-          <a:p>
-            <a:endParaRPr lang="fr-CH"/>
-          </a:p>
-        </p:txBody>
-      </p:sp>
-    </p:spTree>
-    <p:extLst>
-      <p:ext uri="{BB962C8B-B14F-4D97-AF65-F5344CB8AC3E}">
-        <p14:creationId xmlns:p14="http://schemas.microsoft.com/office/powerpoint/2010/main" val="742367092"/>
-      </p:ext>
-    </p:extLst>
-  </p:cSld>
-  <p:clrMapOvr>
-    <a:masterClrMapping/>
-  </p:clrMapOvr>
-</p:sld>
-</file>
-
-<file path=ppt/slides/slide25.xml><?xml version="1.0" encoding="utf-8"?>
-<p:sld xmlns:a="http://schemas.openxmlformats.org/drawingml/2006/main" xmlns:r="http://schemas.openxmlformats.org/officeDocument/2006/relationships" xmlns:p="http://schemas.openxmlformats.org/presentationml/2006/main">
-  <p:cSld>
-    <p:spTree>
-      <p:nvGrpSpPr>
-        <p:cNvPr id="1" name=""/>
-        <p:cNvGrpSpPr/>
-        <p:nvPr/>
-      </p:nvGrpSpPr>
-      <p:grpSpPr>
-        <a:xfrm>
-          <a:off x="0" y="0"/>
-          <a:ext cx="0" cy="0"/>
-          <a:chOff x="0" y="0"/>
-          <a:chExt cx="0" cy="0"/>
-        </a:xfrm>
-      </p:grpSpPr>
-      <p:sp>
-        <p:nvSpPr>
-          <p:cNvPr id="2" name="Titre 1">
-            <a:extLst>
-              <a:ext uri="{FF2B5EF4-FFF2-40B4-BE49-F238E27FC236}">
-                <a16:creationId xmlns:a16="http://schemas.microsoft.com/office/drawing/2014/main" id="{7534CDF6-404D-7461-2227-C5D9E801D3DD}"/>
-              </a:ext>
-            </a:extLst>
-          </p:cNvPr>
-          <p:cNvSpPr>
-            <a:spLocks noGrp="1"/>
-          </p:cNvSpPr>
-          <p:nvPr>
-            <p:ph type="title"/>
-          </p:nvPr>
-        </p:nvSpPr>
-        <p:spPr/>
-        <p:txBody>
-          <a:bodyPr/>
-          <a:lstStyle/>
-          <a:p>
-            <a:r>
-              <a:rPr lang="fr-CH" dirty="0"/>
-              <a:t>Ce que nous connaissons</a:t>
-            </a:r>
-          </a:p>
-        </p:txBody>
-      </p:sp>
-      <p:sp>
-        <p:nvSpPr>
-          <p:cNvPr id="3" name="Espace réservé du contenu 2">
-            <a:extLst>
-              <a:ext uri="{FF2B5EF4-FFF2-40B4-BE49-F238E27FC236}">
-                <a16:creationId xmlns:a16="http://schemas.microsoft.com/office/drawing/2014/main" id="{980504B4-CA9E-7932-6A3E-E8CE1C8CC3C4}"/>
-              </a:ext>
-            </a:extLst>
-          </p:cNvPr>
-          <p:cNvSpPr>
-            <a:spLocks noGrp="1"/>
-          </p:cNvSpPr>
-          <p:nvPr>
-            <p:ph idx="1"/>
-          </p:nvPr>
-        </p:nvSpPr>
-        <p:spPr/>
-        <p:txBody>
-          <a:bodyPr/>
-          <a:lstStyle/>
-          <a:p>
-            <a:r>
-              <a:rPr lang="fr-CH" dirty="0"/>
-              <a:t>Une signature invalide :	    </a:t>
-            </a:r>
-            <a:r>
-              <a:rPr lang="fr-CH" dirty="0">
-                <a:latin typeface="Cambria Math" panose="02040503050406030204" pitchFamily="18" charset="0"/>
-                <a:ea typeface="Cambria Math" panose="02040503050406030204" pitchFamily="18" charset="0"/>
-              </a:rPr>
-              <a:t>s’</a:t>
-            </a:r>
-            <a:endParaRPr lang="fr-CH" dirty="0"/>
-          </a:p>
-          <a:p>
-            <a:r>
-              <a:rPr lang="fr-CH" dirty="0"/>
-              <a:t>La clé publique :		</a:t>
-            </a:r>
-            <a:r>
-              <a:rPr lang="fr-CH" dirty="0">
-                <a:latin typeface="Cambria Math" panose="02040503050406030204" pitchFamily="18" charset="0"/>
-                <a:ea typeface="Cambria Math" panose="02040503050406030204" pitchFamily="18" charset="0"/>
-              </a:rPr>
-              <a:t>(n, e)</a:t>
-            </a:r>
-          </a:p>
-          <a:p>
-            <a:endParaRPr lang="fr-CH" dirty="0">
-              <a:latin typeface="Cambria Math" panose="02040503050406030204" pitchFamily="18" charset="0"/>
-              <a:ea typeface="Cambria Math" panose="02040503050406030204" pitchFamily="18" charset="0"/>
-            </a:endParaRPr>
-          </a:p>
-          <a:p>
-            <a:endParaRPr lang="fr-CH" dirty="0">
-              <a:latin typeface="Cambria Math" panose="02040503050406030204" pitchFamily="18" charset="0"/>
-              <a:ea typeface="Cambria Math" panose="02040503050406030204" pitchFamily="18" charset="0"/>
-            </a:endParaRPr>
-          </a:p>
-          <a:p>
-            <a:pPr marL="0" indent="0">
-              <a:buNone/>
-            </a:pPr>
-            <a:r>
-              <a:rPr lang="fr-CH" dirty="0">
-                <a:ea typeface="Cambria Math" panose="02040503050406030204" pitchFamily="18" charset="0"/>
-              </a:rPr>
-              <a:t>Que pouvons-nous faire avec ces valeurs ?</a:t>
-            </a:r>
-            <a:endParaRPr lang="fr-CH" dirty="0"/>
-          </a:p>
-        </p:txBody>
-      </p:sp>
-    </p:spTree>
-    <p:extLst>
-      <p:ext uri="{BB962C8B-B14F-4D97-AF65-F5344CB8AC3E}">
-        <p14:creationId xmlns:p14="http://schemas.microsoft.com/office/powerpoint/2010/main" val="3869254622"/>
       </p:ext>
     </p:extLst>
   </p:cSld>
@@ -7718,7 +8726,112 @@
           <p:cNvPr id="2" name="Titre 1">
             <a:extLst>
               <a:ext uri="{FF2B5EF4-FFF2-40B4-BE49-F238E27FC236}">
-                <a16:creationId xmlns:a16="http://schemas.microsoft.com/office/drawing/2014/main" id="{B5D3CC48-2331-B7AB-A585-1CC7AC7E8EA7}"/>
+                <a16:creationId xmlns:a16="http://schemas.microsoft.com/office/drawing/2014/main" id="{EB43DC59-7D1D-0024-95AB-4C5909298ECF}"/>
+              </a:ext>
+            </a:extLst>
+          </p:cNvPr>
+          <p:cNvSpPr>
+            <a:spLocks noGrp="1"/>
+          </p:cNvSpPr>
+          <p:nvPr>
+            <p:ph type="ctrTitle"/>
+          </p:nvPr>
+        </p:nvSpPr>
+        <p:spPr/>
+        <p:txBody>
+          <a:bodyPr/>
+          <a:lstStyle/>
+          <a:p>
+            <a:r>
+              <a:rPr lang="fr-CH" dirty="0"/>
+              <a:t>Cassez la construction !</a:t>
+            </a:r>
+          </a:p>
+        </p:txBody>
+      </p:sp>
+      <p:pic>
+        <p:nvPicPr>
+          <p:cNvPr id="4" name="Picture 2">
+            <a:extLst>
+              <a:ext uri="{FF2B5EF4-FFF2-40B4-BE49-F238E27FC236}">
+                <a16:creationId xmlns:a16="http://schemas.microsoft.com/office/drawing/2014/main" id="{8A7BF535-102F-E006-5304-A3328F882236}"/>
+              </a:ext>
+            </a:extLst>
+          </p:cNvPr>
+          <p:cNvPicPr>
+            <a:picLocks noChangeAspect="1" noChangeArrowheads="1"/>
+          </p:cNvPicPr>
+          <p:nvPr/>
+        </p:nvPicPr>
+        <p:blipFill>
+          <a:blip r:embed="rId2">
+            <a:extLst>
+              <a:ext uri="{28A0092B-C50C-407E-A947-70E740481C1C}">
+                <a14:useLocalDpi xmlns:a14="http://schemas.microsoft.com/office/drawing/2010/main" val="0"/>
+              </a:ext>
+            </a:extLst>
+          </a:blip>
+          <a:srcRect/>
+          <a:stretch>
+            <a:fillRect/>
+          </a:stretch>
+        </p:blipFill>
+        <p:spPr bwMode="auto">
+          <a:xfrm>
+            <a:off x="180000" y="180000"/>
+            <a:ext cx="795955" cy="594915"/>
+          </a:xfrm>
+          <a:prstGeom prst="rect">
+            <a:avLst/>
+          </a:prstGeom>
+          <a:noFill/>
+          <a:extLst>
+            <a:ext uri="{909E8E84-426E-40DD-AFC4-6F175D3DCCD1}">
+              <a14:hiddenFill xmlns:a14="http://schemas.microsoft.com/office/drawing/2010/main">
+                <a:solidFill>
+                  <a:srgbClr val="FFFFFF"/>
+                </a:solidFill>
+              </a14:hiddenFill>
+            </a:ext>
+          </a:extLst>
+        </p:spPr>
+      </p:pic>
+    </p:spTree>
+    <p:extLst>
+      <p:ext uri="{BB962C8B-B14F-4D97-AF65-F5344CB8AC3E}">
+        <p14:creationId xmlns:p14="http://schemas.microsoft.com/office/powerpoint/2010/main" val="742367092"/>
+      </p:ext>
+    </p:extLst>
+  </p:cSld>
+  <p:clrMapOvr>
+    <a:masterClrMapping/>
+  </p:clrMapOvr>
+</p:sld>
+</file>
+
+<file path=ppt/slides/slide27.xml><?xml version="1.0" encoding="utf-8"?>
+<p:sld xmlns:a="http://schemas.openxmlformats.org/drawingml/2006/main" xmlns:r="http://schemas.openxmlformats.org/officeDocument/2006/relationships" xmlns:p="http://schemas.openxmlformats.org/presentationml/2006/main">
+  <p:cSld>
+    <p:spTree>
+      <p:nvGrpSpPr>
+        <p:cNvPr id="1" name=""/>
+        <p:cNvGrpSpPr/>
+        <p:nvPr/>
+      </p:nvGrpSpPr>
+      <p:grpSpPr>
+        <a:xfrm>
+          <a:off x="0" y="0"/>
+          <a:ext cx="0" cy="0"/>
+          <a:chOff x="0" y="0"/>
+          <a:chExt cx="0" cy="0"/>
+        </a:xfrm>
+      </p:grpSpPr>
+      <p:sp>
+        <p:nvSpPr>
+          <p:cNvPr id="2" name="Titre 1">
+            <a:extLst>
+              <a:ext uri="{FF2B5EF4-FFF2-40B4-BE49-F238E27FC236}">
+                <a16:creationId xmlns:a16="http://schemas.microsoft.com/office/drawing/2014/main" id="{7534CDF6-404D-7461-2227-C5D9E801D3DD}"/>
               </a:ext>
             </a:extLst>
           </p:cNvPr>
@@ -7736,13 +8849,191 @@
           <a:p>
             <a:r>
               <a:rPr lang="fr-CH" dirty="0"/>
-              <a:t>Utilisation des valeurs connues</a:t>
+              <a:t>Ce que nous connaissons</a:t>
             </a:r>
           </a:p>
         </p:txBody>
       </p:sp>
-      <mc:AlternateContent xmlns:mc="http://schemas.openxmlformats.org/markup-compatibility/2006" xmlns:a14="http://schemas.microsoft.com/office/drawing/2010/main">
-        <mc:Choice Requires="a14">
+      <p:sp>
+        <p:nvSpPr>
+          <p:cNvPr id="3" name="Espace réservé du contenu 2">
+            <a:extLst>
+              <a:ext uri="{FF2B5EF4-FFF2-40B4-BE49-F238E27FC236}">
+                <a16:creationId xmlns:a16="http://schemas.microsoft.com/office/drawing/2014/main" id="{980504B4-CA9E-7932-6A3E-E8CE1C8CC3C4}"/>
+              </a:ext>
+            </a:extLst>
+          </p:cNvPr>
+          <p:cNvSpPr>
+            <a:spLocks noGrp="1"/>
+          </p:cNvSpPr>
+          <p:nvPr>
+            <p:ph idx="1"/>
+          </p:nvPr>
+        </p:nvSpPr>
+        <p:spPr/>
+        <p:txBody>
+          <a:bodyPr/>
+          <a:lstStyle/>
+          <a:p>
+            <a:r>
+              <a:rPr lang="fr-CH" dirty="0"/>
+              <a:t>Une signature invalide :	    </a:t>
+            </a:r>
+            <a:r>
+              <a:rPr lang="fr-CH" dirty="0">
+                <a:latin typeface="Cambria Math" panose="02040503050406030204" pitchFamily="18" charset="0"/>
+                <a:ea typeface="Cambria Math" panose="02040503050406030204" pitchFamily="18" charset="0"/>
+              </a:rPr>
+              <a:t>s’</a:t>
+            </a:r>
+            <a:endParaRPr lang="fr-CH" dirty="0"/>
+          </a:p>
+          <a:p>
+            <a:r>
+              <a:rPr lang="fr-CH" dirty="0"/>
+              <a:t>La clé publique :		</a:t>
+            </a:r>
+            <a:r>
+              <a:rPr lang="fr-CH" dirty="0">
+                <a:latin typeface="Cambria Math" panose="02040503050406030204" pitchFamily="18" charset="0"/>
+                <a:ea typeface="Cambria Math" panose="02040503050406030204" pitchFamily="18" charset="0"/>
+              </a:rPr>
+              <a:t>(n, e)</a:t>
+            </a:r>
+          </a:p>
+          <a:p>
+            <a:endParaRPr lang="fr-CH" dirty="0">
+              <a:latin typeface="Cambria Math" panose="02040503050406030204" pitchFamily="18" charset="0"/>
+              <a:ea typeface="Cambria Math" panose="02040503050406030204" pitchFamily="18" charset="0"/>
+            </a:endParaRPr>
+          </a:p>
+          <a:p>
+            <a:endParaRPr lang="fr-CH" dirty="0">
+              <a:latin typeface="Cambria Math" panose="02040503050406030204" pitchFamily="18" charset="0"/>
+              <a:ea typeface="Cambria Math" panose="02040503050406030204" pitchFamily="18" charset="0"/>
+            </a:endParaRPr>
+          </a:p>
+          <a:p>
+            <a:pPr marL="0" indent="0">
+              <a:buNone/>
+            </a:pPr>
+            <a:r>
+              <a:rPr lang="fr-CH" dirty="0">
+                <a:ea typeface="Cambria Math" panose="02040503050406030204" pitchFamily="18" charset="0"/>
+              </a:rPr>
+              <a:t>Que pouvons-nous faire avec ces valeurs ?</a:t>
+            </a:r>
+            <a:endParaRPr lang="fr-CH" dirty="0"/>
+          </a:p>
+        </p:txBody>
+      </p:sp>
+      <p:pic>
+        <p:nvPicPr>
+          <p:cNvPr id="4" name="Picture 2">
+            <a:extLst>
+              <a:ext uri="{FF2B5EF4-FFF2-40B4-BE49-F238E27FC236}">
+                <a16:creationId xmlns:a16="http://schemas.microsoft.com/office/drawing/2014/main" id="{3308BECB-769D-1304-3776-0B9FCD801BDE}"/>
+              </a:ext>
+            </a:extLst>
+          </p:cNvPr>
+          <p:cNvPicPr>
+            <a:picLocks noChangeAspect="1" noChangeArrowheads="1"/>
+          </p:cNvPicPr>
+          <p:nvPr/>
+        </p:nvPicPr>
+        <p:blipFill>
+          <a:blip r:embed="rId2">
+            <a:extLst>
+              <a:ext uri="{28A0092B-C50C-407E-A947-70E740481C1C}">
+                <a14:useLocalDpi xmlns:a14="http://schemas.microsoft.com/office/drawing/2010/main" val="0"/>
+              </a:ext>
+            </a:extLst>
+          </a:blip>
+          <a:srcRect/>
+          <a:stretch>
+            <a:fillRect/>
+          </a:stretch>
+        </p:blipFill>
+        <p:spPr bwMode="auto">
+          <a:xfrm>
+            <a:off x="180000" y="180000"/>
+            <a:ext cx="795955" cy="594915"/>
+          </a:xfrm>
+          <a:prstGeom prst="rect">
+            <a:avLst/>
+          </a:prstGeom>
+          <a:noFill/>
+          <a:extLst>
+            <a:ext uri="{909E8E84-426E-40DD-AFC4-6F175D3DCCD1}">
+              <a14:hiddenFill xmlns:a14="http://schemas.microsoft.com/office/drawing/2010/main">
+                <a:solidFill>
+                  <a:srgbClr val="FFFFFF"/>
+                </a:solidFill>
+              </a14:hiddenFill>
+            </a:ext>
+          </a:extLst>
+        </p:spPr>
+      </p:pic>
+    </p:spTree>
+    <p:extLst>
+      <p:ext uri="{BB962C8B-B14F-4D97-AF65-F5344CB8AC3E}">
+        <p14:creationId xmlns:p14="http://schemas.microsoft.com/office/powerpoint/2010/main" val="3869254622"/>
+      </p:ext>
+    </p:extLst>
+  </p:cSld>
+  <p:clrMapOvr>
+    <a:masterClrMapping/>
+  </p:clrMapOvr>
+</p:sld>
+</file>
+
+<file path=ppt/slides/slide28.xml><?xml version="1.0" encoding="utf-8"?>
+<p:sld xmlns:a="http://schemas.openxmlformats.org/drawingml/2006/main" xmlns:r="http://schemas.openxmlformats.org/officeDocument/2006/relationships" xmlns:p="http://schemas.openxmlformats.org/presentationml/2006/main">
+  <p:cSld>
+    <p:spTree>
+      <p:nvGrpSpPr>
+        <p:cNvPr id="1" name=""/>
+        <p:cNvGrpSpPr/>
+        <p:nvPr/>
+      </p:nvGrpSpPr>
+      <p:grpSpPr>
+        <a:xfrm>
+          <a:off x="0" y="0"/>
+          <a:ext cx="0" cy="0"/>
+          <a:chOff x="0" y="0"/>
+          <a:chExt cx="0" cy="0"/>
+        </a:xfrm>
+      </p:grpSpPr>
+      <p:sp>
+        <p:nvSpPr>
+          <p:cNvPr id="2" name="Titre 1">
+            <a:extLst>
+              <a:ext uri="{FF2B5EF4-FFF2-40B4-BE49-F238E27FC236}">
+                <a16:creationId xmlns:a16="http://schemas.microsoft.com/office/drawing/2014/main" id="{B5D3CC48-2331-B7AB-A585-1CC7AC7E8EA7}"/>
+              </a:ext>
+            </a:extLst>
+          </p:cNvPr>
+          <p:cNvSpPr>
+            <a:spLocks noGrp="1"/>
+          </p:cNvSpPr>
+          <p:nvPr>
+            <p:ph type="title"/>
+          </p:nvPr>
+        </p:nvSpPr>
+        <p:spPr/>
+        <p:txBody>
+          <a:bodyPr/>
+          <a:lstStyle/>
+          <a:p>
+            <a:r>
+              <a:rPr lang="fr-CH" dirty="0"/>
+              <a:t>Utilisation des valeurs connues</a:t>
+            </a:r>
+          </a:p>
+        </p:txBody>
+      </p:sp>
+      <mc:AlternateContent xmlns:mc="http://schemas.openxmlformats.org/markup-compatibility/2006">
+        <mc:Choice xmlns:a14="http://schemas.microsoft.com/office/drawing/2010/main" Requires="a14">
           <p:sp>
             <p:nvSpPr>
               <p:cNvPr id="3" name="Espace réservé du contenu 2">
@@ -7810,6 +9101,30 @@
                           </m:r>
                         </m:sup>
                       </m:sSup>
+                      <m:r>
+                        <a:rPr lang="fr-FR" b="0" i="1" smtClean="0">
+                          <a:latin typeface="Cambria Math" panose="02040503050406030204" pitchFamily="18" charset="0"/>
+                        </a:rPr>
+                        <m:t> </m:t>
+                      </m:r>
+                      <m:r>
+                        <a:rPr lang="fr-FR" b="0" i="1" smtClean="0">
+                          <a:latin typeface="Cambria Math" panose="02040503050406030204" pitchFamily="18" charset="0"/>
+                        </a:rPr>
+                        <m:t>𝑚𝑜𝑑</m:t>
+                      </m:r>
+                      <m:r>
+                        <a:rPr lang="fr-FR" b="0" i="1" smtClean="0">
+                          <a:latin typeface="Cambria Math" panose="02040503050406030204" pitchFamily="18" charset="0"/>
+                        </a:rPr>
+                        <m:t> </m:t>
+                      </m:r>
+                      <m:r>
+                        <a:rPr lang="fr-FR" b="0" i="1" smtClean="0">
+                          <a:latin typeface="Cambria Math" panose="02040503050406030204" pitchFamily="18" charset="0"/>
+                        </a:rPr>
+                        <m:t>𝑁</m:t>
+                      </m:r>
                       <m:r>
                         <a:rPr lang="en-GB" b="0" i="1" smtClean="0">
                           <a:latin typeface="Cambria Math" panose="02040503050406030204" pitchFamily="18" charset="0"/>
@@ -8052,7 +9367,7 @@
             </p:txBody>
           </p:sp>
         </mc:Choice>
-        <mc:Fallback xmlns="">
+        <mc:Fallback>
           <p:sp>
             <p:nvSpPr>
               <p:cNvPr id="3" name="Espace réservé du contenu 2">
@@ -8092,6 +9407,53 @@
           </p:sp>
         </mc:Fallback>
       </mc:AlternateContent>
+      <p:pic>
+        <p:nvPicPr>
+          <p:cNvPr id="4" name="Picture 2">
+            <a:extLst>
+              <a:ext uri="{FF2B5EF4-FFF2-40B4-BE49-F238E27FC236}">
+                <a16:creationId xmlns:a16="http://schemas.microsoft.com/office/drawing/2014/main" id="{0BF235AD-A718-88EF-46E2-0521F7779A8A}"/>
+              </a:ext>
+            </a:extLst>
+          </p:cNvPr>
+          <p:cNvPicPr>
+            <a:picLocks noChangeAspect="1" noChangeArrowheads="1"/>
+          </p:cNvPicPr>
+          <p:nvPr/>
+        </p:nvPicPr>
+        <p:blipFill>
+          <a:blip r:embed="rId3">
+            <a:extLst>
+              <a:ext uri="{28A0092B-C50C-407E-A947-70E740481C1C}">
+                <a14:useLocalDpi xmlns:a14="http://schemas.microsoft.com/office/drawing/2010/main" val="0"/>
+              </a:ext>
+            </a:extLst>
+          </a:blip>
+          <a:srcRect/>
+          <a:stretch>
+            <a:fillRect/>
+          </a:stretch>
+        </p:blipFill>
+        <p:spPr bwMode="auto">
+          <a:xfrm>
+            <a:off x="180000" y="180000"/>
+            <a:ext cx="795955" cy="594915"/>
+          </a:xfrm>
+          <a:prstGeom prst="rect">
+            <a:avLst/>
+          </a:prstGeom>
+          <a:noFill/>
+          <a:extLst>
+            <a:ext uri="{909E8E84-426E-40DD-AFC4-6F175D3DCCD1}">
+              <a14:hiddenFill xmlns:a14="http://schemas.microsoft.com/office/drawing/2010/main">
+                <a:solidFill>
+                  <a:srgbClr val="FFFFFF"/>
+                </a:solidFill>
+              </a14:hiddenFill>
+            </a:ext>
+          </a:extLst>
+        </p:spPr>
+      </p:pic>
     </p:spTree>
     <p:extLst>
       <p:ext uri="{BB962C8B-B14F-4D97-AF65-F5344CB8AC3E}">
@@ -8105,7 +9467,7 @@
 </p:sld>
 </file>
 
-<file path=ppt/slides/slide27.xml><?xml version="1.0" encoding="utf-8"?>
+<file path=ppt/slides/slide29.xml><?xml version="1.0" encoding="utf-8"?>
 <p:sld xmlns:a="http://schemas.openxmlformats.org/drawingml/2006/main" xmlns:r="http://schemas.openxmlformats.org/officeDocument/2006/relationships" xmlns:p="http://schemas.openxmlformats.org/presentationml/2006/main">
   <p:cSld>
     <p:spTree>
@@ -8161,8 +9523,8 @@
           </a:p>
         </p:txBody>
       </p:sp>
-      <mc:AlternateContent xmlns:mc="http://schemas.openxmlformats.org/markup-compatibility/2006">
-        <mc:Choice xmlns:a14="http://schemas.microsoft.com/office/drawing/2010/main" Requires="a14">
+      <mc:AlternateContent xmlns:mc="http://schemas.openxmlformats.org/markup-compatibility/2006" xmlns:a14="http://schemas.microsoft.com/office/drawing/2010/main">
+        <mc:Choice Requires="a14">
           <p:sp>
             <p:nvSpPr>
               <p:cNvPr id="3" name="Espace réservé du contenu 2">
@@ -8411,7 +9773,7 @@
             </p:txBody>
           </p:sp>
         </mc:Choice>
-        <mc:Fallback>
+        <mc:Fallback xmlns="">
           <p:sp>
             <p:nvSpPr>
               <p:cNvPr id="3" name="Espace réservé du contenu 2">
@@ -8451,6 +9813,53 @@
           </p:sp>
         </mc:Fallback>
       </mc:AlternateContent>
+      <p:pic>
+        <p:nvPicPr>
+          <p:cNvPr id="4" name="Picture 2">
+            <a:extLst>
+              <a:ext uri="{FF2B5EF4-FFF2-40B4-BE49-F238E27FC236}">
+                <a16:creationId xmlns:a16="http://schemas.microsoft.com/office/drawing/2014/main" id="{EE491506-17D6-ED03-D76E-BBEAC26E5199}"/>
+              </a:ext>
+            </a:extLst>
+          </p:cNvPr>
+          <p:cNvPicPr>
+            <a:picLocks noChangeAspect="1" noChangeArrowheads="1"/>
+          </p:cNvPicPr>
+          <p:nvPr/>
+        </p:nvPicPr>
+        <p:blipFill>
+          <a:blip r:embed="rId3">
+            <a:extLst>
+              <a:ext uri="{28A0092B-C50C-407E-A947-70E740481C1C}">
+                <a14:useLocalDpi xmlns:a14="http://schemas.microsoft.com/office/drawing/2010/main" val="0"/>
+              </a:ext>
+            </a:extLst>
+          </a:blip>
+          <a:srcRect/>
+          <a:stretch>
+            <a:fillRect/>
+          </a:stretch>
+        </p:blipFill>
+        <p:spPr bwMode="auto">
+          <a:xfrm>
+            <a:off x="180000" y="180000"/>
+            <a:ext cx="795955" cy="594915"/>
+          </a:xfrm>
+          <a:prstGeom prst="rect">
+            <a:avLst/>
+          </a:prstGeom>
+          <a:noFill/>
+          <a:extLst>
+            <a:ext uri="{909E8E84-426E-40DD-AFC4-6F175D3DCCD1}">
+              <a14:hiddenFill xmlns:a14="http://schemas.microsoft.com/office/drawing/2010/main">
+                <a:solidFill>
+                  <a:srgbClr val="FFFFFF"/>
+                </a:solidFill>
+              </a14:hiddenFill>
+            </a:ext>
+          </a:extLst>
+        </p:spPr>
+      </p:pic>
     </p:spTree>
     <p:extLst>
       <p:ext uri="{BB962C8B-B14F-4D97-AF65-F5344CB8AC3E}">
@@ -8464,7 +9873,173 @@
 </p:sld>
 </file>
 
-<file path=ppt/slides/slide28.xml><?xml version="1.0" encoding="utf-8"?>
+<file path=ppt/slides/slide3.xml><?xml version="1.0" encoding="utf-8"?>
+<p:sld xmlns:a="http://schemas.openxmlformats.org/drawingml/2006/main" xmlns:r="http://schemas.openxmlformats.org/officeDocument/2006/relationships" xmlns:p="http://schemas.openxmlformats.org/presentationml/2006/main">
+  <p:cSld>
+    <p:spTree>
+      <p:nvGrpSpPr>
+        <p:cNvPr id="1" name=""/>
+        <p:cNvGrpSpPr/>
+        <p:nvPr/>
+      </p:nvGrpSpPr>
+      <p:grpSpPr>
+        <a:xfrm>
+          <a:off x="0" y="0"/>
+          <a:ext cx="0" cy="0"/>
+          <a:chOff x="0" y="0"/>
+          <a:chExt cx="0" cy="0"/>
+        </a:xfrm>
+      </p:grpSpPr>
+      <p:sp>
+        <p:nvSpPr>
+          <p:cNvPr id="2" name="Titre 1">
+            <a:extLst>
+              <a:ext uri="{FF2B5EF4-FFF2-40B4-BE49-F238E27FC236}">
+                <a16:creationId xmlns:a16="http://schemas.microsoft.com/office/drawing/2014/main" id="{C7519599-4D6D-F382-5CBF-FF9746EACCC1}"/>
+              </a:ext>
+            </a:extLst>
+          </p:cNvPr>
+          <p:cNvSpPr>
+            <a:spLocks noGrp="1"/>
+          </p:cNvSpPr>
+          <p:nvPr>
+            <p:ph type="title"/>
+          </p:nvPr>
+        </p:nvSpPr>
+        <p:spPr/>
+        <p:txBody>
+          <a:bodyPr/>
+          <a:lstStyle/>
+          <a:p>
+            <a:r>
+              <a:rPr lang="fr-CH" dirty="0"/>
+              <a:t>Introduction - RSA PKCS#1 v1.5</a:t>
+            </a:r>
+          </a:p>
+        </p:txBody>
+      </p:sp>
+      <p:sp>
+        <p:nvSpPr>
+          <p:cNvPr id="3" name="Espace réservé du contenu 2">
+            <a:extLst>
+              <a:ext uri="{FF2B5EF4-FFF2-40B4-BE49-F238E27FC236}">
+                <a16:creationId xmlns:a16="http://schemas.microsoft.com/office/drawing/2014/main" id="{179AE550-BC42-BF0F-46AA-21142C517507}"/>
+              </a:ext>
+            </a:extLst>
+          </p:cNvPr>
+          <p:cNvSpPr>
+            <a:spLocks noGrp="1"/>
+          </p:cNvSpPr>
+          <p:nvPr>
+            <p:ph idx="1"/>
+          </p:nvPr>
+        </p:nvSpPr>
+        <p:spPr/>
+        <p:txBody>
+          <a:bodyPr/>
+          <a:lstStyle/>
+          <a:p>
+            <a:r>
+              <a:rPr lang="fr-CH" dirty="0" err="1"/>
+              <a:t>Legacy</a:t>
+            </a:r>
+            <a:endParaRPr lang="fr-CH" dirty="0"/>
+          </a:p>
+          <a:p>
+            <a:r>
+              <a:rPr lang="fr-CH" dirty="0"/>
+              <a:t>Utilisé dans SSH et </a:t>
+            </a:r>
+            <a:r>
+              <a:rPr lang="fr-CH" dirty="0" err="1"/>
+              <a:t>IPsec</a:t>
+            </a:r>
+            <a:endParaRPr lang="fr-CH" dirty="0"/>
+          </a:p>
+          <a:p>
+            <a:r>
+              <a:rPr lang="fr-CH" dirty="0"/>
+              <a:t>Signe un message qui est transmis de manière chiffrée</a:t>
+            </a:r>
+          </a:p>
+          <a:p>
+            <a:r>
+              <a:rPr lang="fr-CH" dirty="0"/>
+              <a:t>Impossible de faire un attaque par PGCD si une erreur apparaît</a:t>
+            </a:r>
+          </a:p>
+          <a:p>
+            <a:r>
+              <a:rPr lang="fr-CH" dirty="0"/>
+              <a:t>Les signatures sont calculées en utilisant le théorème des restes chinois</a:t>
+            </a:r>
+          </a:p>
+          <a:p>
+            <a:endParaRPr lang="fr-CH" dirty="0"/>
+          </a:p>
+        </p:txBody>
+      </p:sp>
+      <p:pic>
+        <p:nvPicPr>
+          <p:cNvPr id="5" name="Picture 2">
+            <a:extLst>
+              <a:ext uri="{FF2B5EF4-FFF2-40B4-BE49-F238E27FC236}">
+                <a16:creationId xmlns:a16="http://schemas.microsoft.com/office/drawing/2014/main" id="{96879C78-78CA-F387-B3C9-D459EDA449C6}"/>
+              </a:ext>
+            </a:extLst>
+          </p:cNvPr>
+          <p:cNvPicPr>
+            <a:picLocks noChangeAspect="1" noChangeArrowheads="1"/>
+          </p:cNvPicPr>
+          <p:nvPr/>
+        </p:nvPicPr>
+        <p:blipFill>
+          <a:blip r:embed="rId2">
+            <a:extLst>
+              <a:ext uri="{28A0092B-C50C-407E-A947-70E740481C1C}">
+                <a14:useLocalDpi xmlns:a14="http://schemas.microsoft.com/office/drawing/2010/main" val="0"/>
+              </a:ext>
+            </a:extLst>
+          </a:blip>
+          <a:srcRect/>
+          <a:stretch>
+            <a:fillRect/>
+          </a:stretch>
+        </p:blipFill>
+        <p:spPr bwMode="auto">
+          <a:xfrm>
+            <a:off x="180000" y="180000"/>
+            <a:ext cx="795955" cy="594915"/>
+          </a:xfrm>
+          <a:prstGeom prst="rect">
+            <a:avLst/>
+          </a:prstGeom>
+          <a:noFill/>
+          <a:extLst>
+            <a:ext uri="{909E8E84-426E-40DD-AFC4-6F175D3DCCD1}">
+              <a14:hiddenFill xmlns:a14="http://schemas.microsoft.com/office/drawing/2010/main">
+                <a:solidFill>
+                  <a:srgbClr val="FFFFFF"/>
+                </a:solidFill>
+              </a14:hiddenFill>
+            </a:ext>
+          </a:extLst>
+        </p:spPr>
+      </p:pic>
+    </p:spTree>
+    <p:extLst>
+      <p:ext uri="{BB962C8B-B14F-4D97-AF65-F5344CB8AC3E}">
+        <p14:creationId xmlns:p14="http://schemas.microsoft.com/office/powerpoint/2010/main" val="1755347014"/>
+      </p:ext>
+    </p:extLst>
+  </p:cSld>
+  <p:clrMapOvr>
+    <a:masterClrMapping/>
+  </p:clrMapOvr>
+</p:sld>
+</file>
+
+<file path=ppt/slides/slide30.xml><?xml version="1.0" encoding="utf-8"?>
 <p:sld xmlns:a="http://schemas.openxmlformats.org/drawingml/2006/main" xmlns:r="http://schemas.openxmlformats.org/officeDocument/2006/relationships" xmlns:p="http://schemas.openxmlformats.org/presentationml/2006/main">
   <p:cSld>
     <p:spTree>
@@ -8780,6 +10355,53 @@
           </p:sp>
         </mc:Fallback>
       </mc:AlternateContent>
+      <p:pic>
+        <p:nvPicPr>
+          <p:cNvPr id="4" name="Picture 2">
+            <a:extLst>
+              <a:ext uri="{FF2B5EF4-FFF2-40B4-BE49-F238E27FC236}">
+                <a16:creationId xmlns:a16="http://schemas.microsoft.com/office/drawing/2014/main" id="{10E7959B-92B9-02E6-0E25-A886C045F66E}"/>
+              </a:ext>
+            </a:extLst>
+          </p:cNvPr>
+          <p:cNvPicPr>
+            <a:picLocks noChangeAspect="1" noChangeArrowheads="1"/>
+          </p:cNvPicPr>
+          <p:nvPr/>
+        </p:nvPicPr>
+        <p:blipFill>
+          <a:blip r:embed="rId3">
+            <a:extLst>
+              <a:ext uri="{28A0092B-C50C-407E-A947-70E740481C1C}">
+                <a14:useLocalDpi xmlns:a14="http://schemas.microsoft.com/office/drawing/2010/main" val="0"/>
+              </a:ext>
+            </a:extLst>
+          </a:blip>
+          <a:srcRect/>
+          <a:stretch>
+            <a:fillRect/>
+          </a:stretch>
+        </p:blipFill>
+        <p:spPr bwMode="auto">
+          <a:xfrm>
+            <a:off x="180000" y="180000"/>
+            <a:ext cx="795955" cy="594915"/>
+          </a:xfrm>
+          <a:prstGeom prst="rect">
+            <a:avLst/>
+          </a:prstGeom>
+          <a:noFill/>
+          <a:extLst>
+            <a:ext uri="{909E8E84-426E-40DD-AFC4-6F175D3DCCD1}">
+              <a14:hiddenFill xmlns:a14="http://schemas.microsoft.com/office/drawing/2010/main">
+                <a:solidFill>
+                  <a:srgbClr val="FFFFFF"/>
+                </a:solidFill>
+              </a14:hiddenFill>
+            </a:ext>
+          </a:extLst>
+        </p:spPr>
+      </p:pic>
     </p:spTree>
     <p:extLst>
       <p:ext uri="{BB962C8B-B14F-4D97-AF65-F5344CB8AC3E}">
@@ -8793,7 +10415,7 @@
 </p:sld>
 </file>
 
-<file path=ppt/slides/slide29.xml><?xml version="1.0" encoding="utf-8"?>
+<file path=ppt/slides/slide31.xml><?xml version="1.0" encoding="utf-8"?>
 <p:sld xmlns:a="http://schemas.openxmlformats.org/drawingml/2006/main" xmlns:r="http://schemas.openxmlformats.org/officeDocument/2006/relationships" xmlns:p="http://schemas.openxmlformats.org/presentationml/2006/main">
   <p:cSld>
     <p:spTree>
@@ -9177,6 +10799,53 @@
           </p:sp>
         </mc:Fallback>
       </mc:AlternateContent>
+      <p:pic>
+        <p:nvPicPr>
+          <p:cNvPr id="4" name="Picture 2">
+            <a:extLst>
+              <a:ext uri="{FF2B5EF4-FFF2-40B4-BE49-F238E27FC236}">
+                <a16:creationId xmlns:a16="http://schemas.microsoft.com/office/drawing/2014/main" id="{157BA204-660E-1BEE-D7C4-558322F75AC1}"/>
+              </a:ext>
+            </a:extLst>
+          </p:cNvPr>
+          <p:cNvPicPr>
+            <a:picLocks noChangeAspect="1" noChangeArrowheads="1"/>
+          </p:cNvPicPr>
+          <p:nvPr/>
+        </p:nvPicPr>
+        <p:blipFill>
+          <a:blip r:embed="rId3">
+            <a:extLst>
+              <a:ext uri="{28A0092B-C50C-407E-A947-70E740481C1C}">
+                <a14:useLocalDpi xmlns:a14="http://schemas.microsoft.com/office/drawing/2010/main" val="0"/>
+              </a:ext>
+            </a:extLst>
+          </a:blip>
+          <a:srcRect/>
+          <a:stretch>
+            <a:fillRect/>
+          </a:stretch>
+        </p:blipFill>
+        <p:spPr bwMode="auto">
+          <a:xfrm>
+            <a:off x="180000" y="180000"/>
+            <a:ext cx="795955" cy="594915"/>
+          </a:xfrm>
+          <a:prstGeom prst="rect">
+            <a:avLst/>
+          </a:prstGeom>
+          <a:noFill/>
+          <a:extLst>
+            <a:ext uri="{909E8E84-426E-40DD-AFC4-6F175D3DCCD1}">
+              <a14:hiddenFill xmlns:a14="http://schemas.microsoft.com/office/drawing/2010/main">
+                <a:solidFill>
+                  <a:srgbClr val="FFFFFF"/>
+                </a:solidFill>
+              </a14:hiddenFill>
+            </a:ext>
+          </a:extLst>
+        </p:spPr>
+      </p:pic>
     </p:spTree>
     <p:extLst>
       <p:ext uri="{BB962C8B-B14F-4D97-AF65-F5344CB8AC3E}">
@@ -9190,7 +10859,7 @@
 </p:sld>
 </file>
 
-<file path=ppt/slides/slide3.xml><?xml version="1.0" encoding="utf-8"?>
+<file path=ppt/slides/slide32.xml><?xml version="1.0" encoding="utf-8"?>
 <p:sld xmlns:a="http://schemas.openxmlformats.org/drawingml/2006/main" xmlns:r="http://schemas.openxmlformats.org/officeDocument/2006/relationships" xmlns:p="http://schemas.openxmlformats.org/presentationml/2006/main">
   <p:cSld>
     <p:spTree>
@@ -9212,7 +10881,7 @@
           <p:cNvPr id="2" name="Titre 1">
             <a:extLst>
               <a:ext uri="{FF2B5EF4-FFF2-40B4-BE49-F238E27FC236}">
-                <a16:creationId xmlns:a16="http://schemas.microsoft.com/office/drawing/2014/main" id="{ABCA9630-E3A4-01F1-DC02-8D11AE85A440}"/>
+                <a16:creationId xmlns:a16="http://schemas.microsoft.com/office/drawing/2014/main" id="{BD44A17B-26DA-63AC-B075-7A3FE58B2939}"/>
               </a:ext>
             </a:extLst>
           </p:cNvPr>
@@ -9229,136 +10898,15 @@
           <a:lstStyle/>
           <a:p>
             <a:r>
-              <a:rPr lang="fr-CH" dirty="0"/>
-              <a:t>L’attaque en bref</a:t>
-            </a:r>
+              <a:rPr lang="fr-CH" dirty="0" err="1"/>
+              <a:t>Lattices</a:t>
+            </a:r>
+            <a:endParaRPr lang="fr-CH" dirty="0"/>
           </a:p>
         </p:txBody>
       </p:sp>
-      <p:sp>
-        <p:nvSpPr>
-          <p:cNvPr id="3" name="Espace réservé du contenu 2">
-            <a:extLst>
-              <a:ext uri="{FF2B5EF4-FFF2-40B4-BE49-F238E27FC236}">
-                <a16:creationId xmlns:a16="http://schemas.microsoft.com/office/drawing/2014/main" id="{68FF2868-1122-9061-B5E0-99459AB4AC21}"/>
-              </a:ext>
-            </a:extLst>
-          </p:cNvPr>
-          <p:cNvSpPr>
-            <a:spLocks noGrp="1"/>
-          </p:cNvSpPr>
-          <p:nvPr>
-            <p:ph idx="1"/>
-          </p:nvPr>
-        </p:nvSpPr>
-        <p:spPr/>
-        <p:txBody>
-          <a:bodyPr/>
-          <a:lstStyle/>
-          <a:p>
-            <a:r>
-              <a:rPr lang="fr-CH" dirty="0"/>
-              <a:t>Écoute passive de la communication</a:t>
-            </a:r>
-          </a:p>
-          <a:p>
-            <a:r>
-              <a:rPr lang="fr-CH" dirty="0"/>
-              <a:t>Protocole SSH, </a:t>
-            </a:r>
-            <a:r>
-              <a:rPr lang="fr-CH" dirty="0" err="1"/>
-              <a:t>IPsec</a:t>
-            </a:r>
-            <a:r>
-              <a:rPr lang="fr-CH" dirty="0"/>
-              <a:t> etc.</a:t>
-            </a:r>
-          </a:p>
-          <a:p>
-            <a:r>
-              <a:rPr lang="fr-CH" dirty="0"/>
-              <a:t>Signature calculée en utilisant le théorème des restes chinois</a:t>
-            </a:r>
-          </a:p>
-          <a:p>
-            <a:r>
-              <a:rPr lang="fr-CH" dirty="0"/>
-              <a:t>Une signature PKCS#1 V1.5 invalide</a:t>
-            </a:r>
-          </a:p>
-          <a:p>
-            <a:r>
-              <a:rPr lang="fr-CH" dirty="0"/>
-              <a:t>Pour un message inconnu</a:t>
-            </a:r>
-          </a:p>
-          <a:p>
-            <a:endParaRPr lang="fr-CH" dirty="0"/>
-          </a:p>
-        </p:txBody>
-      </p:sp>
-    </p:spTree>
-    <p:extLst>
-      <p:ext uri="{BB962C8B-B14F-4D97-AF65-F5344CB8AC3E}">
-        <p14:creationId xmlns:p14="http://schemas.microsoft.com/office/powerpoint/2010/main" val="167832716"/>
-      </p:ext>
-    </p:extLst>
-  </p:cSld>
-  <p:clrMapOvr>
-    <a:masterClrMapping/>
-  </p:clrMapOvr>
-</p:sld>
-</file>
-
-<file path=ppt/slides/slide30.xml><?xml version="1.0" encoding="utf-8"?>
-<p:sld xmlns:a="http://schemas.openxmlformats.org/drawingml/2006/main" xmlns:r="http://schemas.openxmlformats.org/officeDocument/2006/relationships" xmlns:p="http://schemas.openxmlformats.org/presentationml/2006/main">
-  <p:cSld>
-    <p:spTree>
-      <p:nvGrpSpPr>
-        <p:cNvPr id="1" name=""/>
-        <p:cNvGrpSpPr/>
-        <p:nvPr/>
-      </p:nvGrpSpPr>
-      <p:grpSpPr>
-        <a:xfrm>
-          <a:off x="0" y="0"/>
-          <a:ext cx="0" cy="0"/>
-          <a:chOff x="0" y="0"/>
-          <a:chExt cx="0" cy="0"/>
-        </a:xfrm>
-      </p:grpSpPr>
-      <p:sp>
-        <p:nvSpPr>
-          <p:cNvPr id="2" name="Titre 1">
-            <a:extLst>
-              <a:ext uri="{FF2B5EF4-FFF2-40B4-BE49-F238E27FC236}">
-                <a16:creationId xmlns:a16="http://schemas.microsoft.com/office/drawing/2014/main" id="{BD44A17B-26DA-63AC-B075-7A3FE58B2939}"/>
-              </a:ext>
-            </a:extLst>
-          </p:cNvPr>
-          <p:cNvSpPr>
-            <a:spLocks noGrp="1"/>
-          </p:cNvSpPr>
-          <p:nvPr>
-            <p:ph type="title"/>
-          </p:nvPr>
-        </p:nvSpPr>
-        <p:spPr/>
-        <p:txBody>
-          <a:bodyPr/>
-          <a:lstStyle/>
-          <a:p>
-            <a:r>
-              <a:rPr lang="fr-CH" dirty="0" err="1"/>
-              <a:t>Lattices</a:t>
-            </a:r>
-            <a:endParaRPr lang="fr-CH" dirty="0"/>
-          </a:p>
-        </p:txBody>
-      </p:sp>
-      <mc:AlternateContent xmlns:mc="http://schemas.openxmlformats.org/markup-compatibility/2006">
-        <mc:Choice xmlns:a14="http://schemas.microsoft.com/office/drawing/2010/main" Requires="a14">
+      <mc:AlternateContent xmlns:mc="http://schemas.openxmlformats.org/markup-compatibility/2006" xmlns:a14="http://schemas.microsoft.com/office/drawing/2010/main">
+        <mc:Choice Requires="a14">
           <p:sp>
             <p:nvSpPr>
               <p:cNvPr id="3" name="Espace réservé du contenu 2">
@@ -9764,7 +11312,7 @@
             </p:txBody>
           </p:sp>
         </mc:Choice>
-        <mc:Fallback>
+        <mc:Fallback xmlns="">
           <p:sp>
             <p:nvSpPr>
               <p:cNvPr id="3" name="Espace réservé du contenu 2">
@@ -9804,6 +11352,53 @@
           </p:sp>
         </mc:Fallback>
       </mc:AlternateContent>
+      <p:pic>
+        <p:nvPicPr>
+          <p:cNvPr id="4" name="Picture 2">
+            <a:extLst>
+              <a:ext uri="{FF2B5EF4-FFF2-40B4-BE49-F238E27FC236}">
+                <a16:creationId xmlns:a16="http://schemas.microsoft.com/office/drawing/2014/main" id="{5599B50E-5855-07BD-63F9-86732E049B81}"/>
+              </a:ext>
+            </a:extLst>
+          </p:cNvPr>
+          <p:cNvPicPr>
+            <a:picLocks noChangeAspect="1" noChangeArrowheads="1"/>
+          </p:cNvPicPr>
+          <p:nvPr/>
+        </p:nvPicPr>
+        <p:blipFill>
+          <a:blip r:embed="rId3">
+            <a:extLst>
+              <a:ext uri="{28A0092B-C50C-407E-A947-70E740481C1C}">
+                <a14:useLocalDpi xmlns:a14="http://schemas.microsoft.com/office/drawing/2010/main" val="0"/>
+              </a:ext>
+            </a:extLst>
+          </a:blip>
+          <a:srcRect/>
+          <a:stretch>
+            <a:fillRect/>
+          </a:stretch>
+        </p:blipFill>
+        <p:spPr bwMode="auto">
+          <a:xfrm>
+            <a:off x="180000" y="180000"/>
+            <a:ext cx="795955" cy="594915"/>
+          </a:xfrm>
+          <a:prstGeom prst="rect">
+            <a:avLst/>
+          </a:prstGeom>
+          <a:noFill/>
+          <a:extLst>
+            <a:ext uri="{909E8E84-426E-40DD-AFC4-6F175D3DCCD1}">
+              <a14:hiddenFill xmlns:a14="http://schemas.microsoft.com/office/drawing/2010/main">
+                <a:solidFill>
+                  <a:srgbClr val="FFFFFF"/>
+                </a:solidFill>
+              </a14:hiddenFill>
+            </a:ext>
+          </a:extLst>
+        </p:spPr>
+      </p:pic>
     </p:spTree>
     <p:extLst>
       <p:ext uri="{BB962C8B-B14F-4D97-AF65-F5344CB8AC3E}">
@@ -9817,7 +11412,7 @@
 </p:sld>
 </file>
 
-<file path=ppt/slides/slide31.xml><?xml version="1.0" encoding="utf-8"?>
+<file path=ppt/slides/slide33.xml><?xml version="1.0" encoding="utf-8"?>
 <p:sld xmlns:a="http://schemas.openxmlformats.org/drawingml/2006/main" xmlns:r="http://schemas.openxmlformats.org/officeDocument/2006/relationships" xmlns:p="http://schemas.openxmlformats.org/presentationml/2006/main">
   <p:cSld>
     <p:spTree>
@@ -10020,6 +11615,53 @@
           </p:sp>
         </mc:Fallback>
       </mc:AlternateContent>
+      <p:pic>
+        <p:nvPicPr>
+          <p:cNvPr id="4" name="Picture 2">
+            <a:extLst>
+              <a:ext uri="{FF2B5EF4-FFF2-40B4-BE49-F238E27FC236}">
+                <a16:creationId xmlns:a16="http://schemas.microsoft.com/office/drawing/2014/main" id="{43D64BFE-DA1B-35A6-F7D3-18002B1FF1DF}"/>
+              </a:ext>
+            </a:extLst>
+          </p:cNvPr>
+          <p:cNvPicPr>
+            <a:picLocks noChangeAspect="1" noChangeArrowheads="1"/>
+          </p:cNvPicPr>
+          <p:nvPr/>
+        </p:nvPicPr>
+        <p:blipFill>
+          <a:blip r:embed="rId3">
+            <a:extLst>
+              <a:ext uri="{28A0092B-C50C-407E-A947-70E740481C1C}">
+                <a14:useLocalDpi xmlns:a14="http://schemas.microsoft.com/office/drawing/2010/main" val="0"/>
+              </a:ext>
+            </a:extLst>
+          </a:blip>
+          <a:srcRect/>
+          <a:stretch>
+            <a:fillRect/>
+          </a:stretch>
+        </p:blipFill>
+        <p:spPr bwMode="auto">
+          <a:xfrm>
+            <a:off x="180000" y="180000"/>
+            <a:ext cx="795955" cy="594915"/>
+          </a:xfrm>
+          <a:prstGeom prst="rect">
+            <a:avLst/>
+          </a:prstGeom>
+          <a:noFill/>
+          <a:extLst>
+            <a:ext uri="{909E8E84-426E-40DD-AFC4-6F175D3DCCD1}">
+              <a14:hiddenFill xmlns:a14="http://schemas.microsoft.com/office/drawing/2010/main">
+                <a:solidFill>
+                  <a:srgbClr val="FFFFFF"/>
+                </a:solidFill>
+              </a14:hiddenFill>
+            </a:ext>
+          </a:extLst>
+        </p:spPr>
+      </p:pic>
     </p:spTree>
     <p:extLst>
       <p:ext uri="{BB962C8B-B14F-4D97-AF65-F5344CB8AC3E}">
@@ -10033,7 +11675,7 @@
 </p:sld>
 </file>
 
-<file path=ppt/slides/slide32.xml><?xml version="1.0" encoding="utf-8"?>
+<file path=ppt/slides/slide34.xml><?xml version="1.0" encoding="utf-8"?>
 <p:sld xmlns:a="http://schemas.openxmlformats.org/drawingml/2006/main" xmlns:r="http://schemas.openxmlformats.org/officeDocument/2006/relationships" xmlns:p="http://schemas.openxmlformats.org/presentationml/2006/main">
   <p:cSld>
     <p:spTree>
@@ -10078,8 +11720,8 @@
           </a:p>
         </p:txBody>
       </p:sp>
-      <mc:AlternateContent xmlns:mc="http://schemas.openxmlformats.org/markup-compatibility/2006">
-        <mc:Choice xmlns:a14="http://schemas.microsoft.com/office/drawing/2010/main" Requires="a14">
+      <mc:AlternateContent xmlns:mc="http://schemas.openxmlformats.org/markup-compatibility/2006" xmlns:a14="http://schemas.microsoft.com/office/drawing/2010/main">
+        <mc:Choice Requires="a14">
           <p:sp>
             <p:nvSpPr>
               <p:cNvPr id="3" name="Espace réservé du contenu 2">
@@ -10825,7 +12467,7 @@
             </p:txBody>
           </p:sp>
         </mc:Choice>
-        <mc:Fallback>
+        <mc:Fallback xmlns="">
           <p:sp>
             <p:nvSpPr>
               <p:cNvPr id="3" name="Espace réservé du contenu 2">
@@ -10865,6 +12507,53 @@
           </p:sp>
         </mc:Fallback>
       </mc:AlternateContent>
+      <p:pic>
+        <p:nvPicPr>
+          <p:cNvPr id="4" name="Picture 2">
+            <a:extLst>
+              <a:ext uri="{FF2B5EF4-FFF2-40B4-BE49-F238E27FC236}">
+                <a16:creationId xmlns:a16="http://schemas.microsoft.com/office/drawing/2014/main" id="{51DD5D51-4713-469D-8823-6A9B699081F9}"/>
+              </a:ext>
+            </a:extLst>
+          </p:cNvPr>
+          <p:cNvPicPr>
+            <a:picLocks noChangeAspect="1" noChangeArrowheads="1"/>
+          </p:cNvPicPr>
+          <p:nvPr/>
+        </p:nvPicPr>
+        <p:blipFill>
+          <a:blip r:embed="rId3">
+            <a:extLst>
+              <a:ext uri="{28A0092B-C50C-407E-A947-70E740481C1C}">
+                <a14:useLocalDpi xmlns:a14="http://schemas.microsoft.com/office/drawing/2010/main" val="0"/>
+              </a:ext>
+            </a:extLst>
+          </a:blip>
+          <a:srcRect/>
+          <a:stretch>
+            <a:fillRect/>
+          </a:stretch>
+        </p:blipFill>
+        <p:spPr bwMode="auto">
+          <a:xfrm>
+            <a:off x="180000" y="180000"/>
+            <a:ext cx="795955" cy="594915"/>
+          </a:xfrm>
+          <a:prstGeom prst="rect">
+            <a:avLst/>
+          </a:prstGeom>
+          <a:noFill/>
+          <a:extLst>
+            <a:ext uri="{909E8E84-426E-40DD-AFC4-6F175D3DCCD1}">
+              <a14:hiddenFill xmlns:a14="http://schemas.microsoft.com/office/drawing/2010/main">
+                <a:solidFill>
+                  <a:srgbClr val="FFFFFF"/>
+                </a:solidFill>
+              </a14:hiddenFill>
+            </a:ext>
+          </a:extLst>
+        </p:spPr>
+      </p:pic>
     </p:spTree>
     <p:extLst>
       <p:ext uri="{BB962C8B-B14F-4D97-AF65-F5344CB8AC3E}">
@@ -10878,7 +12567,7 @@
 </p:sld>
 </file>
 
-<file path=ppt/slides/slide33.xml><?xml version="1.0" encoding="utf-8"?>
+<file path=ppt/slides/slide35.xml><?xml version="1.0" encoding="utf-8"?>
 <p:sld xmlns:a="http://schemas.openxmlformats.org/drawingml/2006/main" xmlns:r="http://schemas.openxmlformats.org/officeDocument/2006/relationships" xmlns:p="http://schemas.openxmlformats.org/presentationml/2006/main">
   <p:cSld>
     <p:spTree>
@@ -11232,283 +12921,57 @@
           </p:sp>
         </mc:Fallback>
       </mc:AlternateContent>
+      <p:pic>
+        <p:nvPicPr>
+          <p:cNvPr id="4" name="Picture 2">
+            <a:extLst>
+              <a:ext uri="{FF2B5EF4-FFF2-40B4-BE49-F238E27FC236}">
+                <a16:creationId xmlns:a16="http://schemas.microsoft.com/office/drawing/2014/main" id="{3C1F8F1A-4BAE-179F-CA36-2BDF9B68425E}"/>
+              </a:ext>
+            </a:extLst>
+          </p:cNvPr>
+          <p:cNvPicPr>
+            <a:picLocks noChangeAspect="1" noChangeArrowheads="1"/>
+          </p:cNvPicPr>
+          <p:nvPr/>
+        </p:nvPicPr>
+        <p:blipFill>
+          <a:blip r:embed="rId3">
+            <a:extLst>
+              <a:ext uri="{28A0092B-C50C-407E-A947-70E740481C1C}">
+                <a14:useLocalDpi xmlns:a14="http://schemas.microsoft.com/office/drawing/2010/main" val="0"/>
+              </a:ext>
+            </a:extLst>
+          </a:blip>
+          <a:srcRect/>
+          <a:stretch>
+            <a:fillRect/>
+          </a:stretch>
+        </p:blipFill>
+        <p:spPr bwMode="auto">
+          <a:xfrm>
+            <a:off x="180000" y="180000"/>
+            <a:ext cx="795955" cy="594915"/>
+          </a:xfrm>
+          <a:prstGeom prst="rect">
+            <a:avLst/>
+          </a:prstGeom>
+          <a:noFill/>
+          <a:extLst>
+            <a:ext uri="{909E8E84-426E-40DD-AFC4-6F175D3DCCD1}">
+              <a14:hiddenFill xmlns:a14="http://schemas.microsoft.com/office/drawing/2010/main">
+                <a:solidFill>
+                  <a:srgbClr val="FFFFFF"/>
+                </a:solidFill>
+              </a14:hiddenFill>
+            </a:ext>
+          </a:extLst>
+        </p:spPr>
+      </p:pic>
     </p:spTree>
     <p:extLst>
       <p:ext uri="{BB962C8B-B14F-4D97-AF65-F5344CB8AC3E}">
         <p14:creationId xmlns:p14="http://schemas.microsoft.com/office/powerpoint/2010/main" val="3339548552"/>
-      </p:ext>
-    </p:extLst>
-  </p:cSld>
-  <p:clrMapOvr>
-    <a:masterClrMapping/>
-  </p:clrMapOvr>
-</p:sld>
-</file>
-
-<file path=ppt/slides/slide34.xml><?xml version="1.0" encoding="utf-8"?>
-<p:sld xmlns:a="http://schemas.openxmlformats.org/drawingml/2006/main" xmlns:r="http://schemas.openxmlformats.org/officeDocument/2006/relationships" xmlns:p="http://schemas.openxmlformats.org/presentationml/2006/main">
-  <p:cSld>
-    <p:spTree>
-      <p:nvGrpSpPr>
-        <p:cNvPr id="1" name=""/>
-        <p:cNvGrpSpPr/>
-        <p:nvPr/>
-      </p:nvGrpSpPr>
-      <p:grpSpPr>
-        <a:xfrm>
-          <a:off x="0" y="0"/>
-          <a:ext cx="0" cy="0"/>
-          <a:chOff x="0" y="0"/>
-          <a:chExt cx="0" cy="0"/>
-        </a:xfrm>
-      </p:grpSpPr>
-      <p:sp>
-        <p:nvSpPr>
-          <p:cNvPr id="2" name="Titre 1">
-            <a:extLst>
-              <a:ext uri="{FF2B5EF4-FFF2-40B4-BE49-F238E27FC236}">
-                <a16:creationId xmlns:a16="http://schemas.microsoft.com/office/drawing/2014/main" id="{6000FC9E-29F5-8C53-199E-744D87DEFB73}"/>
-              </a:ext>
-            </a:extLst>
-          </p:cNvPr>
-          <p:cNvSpPr>
-            <a:spLocks noGrp="1"/>
-          </p:cNvSpPr>
-          <p:nvPr>
-            <p:ph type="title"/>
-          </p:nvPr>
-        </p:nvSpPr>
-        <p:spPr/>
-        <p:txBody>
-          <a:bodyPr/>
-          <a:lstStyle/>
-          <a:p>
-            <a:r>
-              <a:rPr lang="fr-CH" dirty="0"/>
-              <a:t>Mesures de protections</a:t>
-            </a:r>
-          </a:p>
-        </p:txBody>
-      </p:sp>
-      <p:sp>
-        <p:nvSpPr>
-          <p:cNvPr id="3" name="Espace réservé du contenu 2">
-            <a:extLst>
-              <a:ext uri="{FF2B5EF4-FFF2-40B4-BE49-F238E27FC236}">
-                <a16:creationId xmlns:a16="http://schemas.microsoft.com/office/drawing/2014/main" id="{27480C9E-7A20-E1A7-0DA1-F786EE1E9DC3}"/>
-              </a:ext>
-            </a:extLst>
-          </p:cNvPr>
-          <p:cNvSpPr>
-            <a:spLocks noGrp="1"/>
-          </p:cNvSpPr>
-          <p:nvPr>
-            <p:ph idx="1"/>
-          </p:nvPr>
-        </p:nvSpPr>
-        <p:spPr/>
-        <p:txBody>
-          <a:bodyPr/>
-          <a:lstStyle/>
-          <a:p>
-            <a:r>
-              <a:rPr lang="fr-CH" dirty="0"/>
-              <a:t>Faire les mises à jour</a:t>
-            </a:r>
-          </a:p>
-          <a:p>
-            <a:r>
-              <a:rPr lang="fr-CH" dirty="0"/>
-              <a:t>Valider toutes les signatures avant de les envoyer</a:t>
-            </a:r>
-          </a:p>
-          <a:p>
-            <a:r>
-              <a:rPr lang="fr-CH" dirty="0"/>
-              <a:t>Ne pas utiliser PKCS#1 v1.5</a:t>
-            </a:r>
-          </a:p>
-          <a:p>
-            <a:r>
-              <a:rPr lang="fr-CH" dirty="0"/>
-              <a:t>Ne pas utiliser un </a:t>
-            </a:r>
-            <a:r>
-              <a:rPr lang="fr-CH" dirty="0" err="1"/>
-              <a:t>padding</a:t>
-            </a:r>
-            <a:r>
-              <a:rPr lang="fr-CH" dirty="0"/>
-              <a:t> déterministe</a:t>
-            </a:r>
-          </a:p>
-          <a:p>
-            <a:r>
-              <a:rPr lang="fr-CH" dirty="0"/>
-              <a:t>Protocole :</a:t>
-            </a:r>
-          </a:p>
-          <a:p>
-            <a:pPr lvl="1"/>
-            <a:r>
-              <a:rPr lang="fr-CH" dirty="0"/>
-              <a:t>Chiffrer la communication le plus tôt possible</a:t>
-            </a:r>
-          </a:p>
-          <a:p>
-            <a:pPr lvl="1"/>
-            <a:r>
-              <a:rPr lang="fr-CH" dirty="0"/>
-              <a:t>Se baser sur TLS 1.3</a:t>
-            </a:r>
-          </a:p>
-        </p:txBody>
-      </p:sp>
-    </p:spTree>
-    <p:extLst>
-      <p:ext uri="{BB962C8B-B14F-4D97-AF65-F5344CB8AC3E}">
-        <p14:creationId xmlns:p14="http://schemas.microsoft.com/office/powerpoint/2010/main" val="79603983"/>
-      </p:ext>
-    </p:extLst>
-  </p:cSld>
-  <p:clrMapOvr>
-    <a:masterClrMapping/>
-  </p:clrMapOvr>
-</p:sld>
-</file>
-
-<file path=ppt/slides/slide35.xml><?xml version="1.0" encoding="utf-8"?>
-<p:sld xmlns:a="http://schemas.openxmlformats.org/drawingml/2006/main" xmlns:r="http://schemas.openxmlformats.org/officeDocument/2006/relationships" xmlns:p="http://schemas.openxmlformats.org/presentationml/2006/main">
-  <p:cSld>
-    <p:spTree>
-      <p:nvGrpSpPr>
-        <p:cNvPr id="1" name="">
-          <a:extLst>
-            <a:ext uri="{FF2B5EF4-FFF2-40B4-BE49-F238E27FC236}">
-              <a16:creationId xmlns:a16="http://schemas.microsoft.com/office/drawing/2014/main" id="{56A05C18-F7C5-3038-FACD-B0B50AF1F176}"/>
-            </a:ext>
-          </a:extLst>
-        </p:cNvPr>
-        <p:cNvGrpSpPr/>
-        <p:nvPr/>
-      </p:nvGrpSpPr>
-      <p:grpSpPr>
-        <a:xfrm>
-          <a:off x="0" y="0"/>
-          <a:ext cx="0" cy="0"/>
-          <a:chOff x="0" y="0"/>
-          <a:chExt cx="0" cy="0"/>
-        </a:xfrm>
-      </p:grpSpPr>
-      <p:sp>
-        <p:nvSpPr>
-          <p:cNvPr id="2" name="Titre 1">
-            <a:extLst>
-              <a:ext uri="{FF2B5EF4-FFF2-40B4-BE49-F238E27FC236}">
-                <a16:creationId xmlns:a16="http://schemas.microsoft.com/office/drawing/2014/main" id="{A6B0782A-FC51-6C5A-E65A-E20569D76FEA}"/>
-              </a:ext>
-            </a:extLst>
-          </p:cNvPr>
-          <p:cNvSpPr>
-            <a:spLocks noGrp="1"/>
-          </p:cNvSpPr>
-          <p:nvPr>
-            <p:ph type="title"/>
-          </p:nvPr>
-        </p:nvSpPr>
-        <p:spPr/>
-        <p:txBody>
-          <a:bodyPr/>
-          <a:lstStyle/>
-          <a:p>
-            <a:r>
-              <a:rPr lang="fr-CH" dirty="0"/>
-              <a:t>Mesures de protections – TLS 1.3</a:t>
-            </a:r>
-          </a:p>
-        </p:txBody>
-      </p:sp>
-      <p:pic>
-        <p:nvPicPr>
-          <p:cNvPr id="5" name="Espace réservé du contenu 4" descr="Une image contenant texte, capture d’écran, Police, ligne&#10;&#10;Le contenu généré par l’IA peut être incorrect.">
-            <a:extLst>
-              <a:ext uri="{FF2B5EF4-FFF2-40B4-BE49-F238E27FC236}">
-                <a16:creationId xmlns:a16="http://schemas.microsoft.com/office/drawing/2014/main" id="{FFF6A9A9-EF9F-04EB-413C-0DEF144FD415}"/>
-              </a:ext>
-            </a:extLst>
-          </p:cNvPr>
-          <p:cNvPicPr>
-            <a:picLocks noGrp="1" noChangeAspect="1"/>
-          </p:cNvPicPr>
-          <p:nvPr>
-            <p:ph idx="1"/>
-          </p:nvPr>
-        </p:nvPicPr>
-        <p:blipFill>
-          <a:blip r:embed="rId3">
-            <a:extLst>
-              <a:ext uri="{28A0092B-C50C-407E-A947-70E740481C1C}">
-                <a14:useLocalDpi xmlns:a14="http://schemas.microsoft.com/office/drawing/2010/main" val="0"/>
-              </a:ext>
-            </a:extLst>
-          </a:blip>
-          <a:stretch>
-            <a:fillRect/>
-          </a:stretch>
-        </p:blipFill>
-        <p:spPr>
-          <a:xfrm>
-            <a:off x="1759418" y="1298308"/>
-            <a:ext cx="8673164" cy="4878655"/>
-          </a:xfrm>
-        </p:spPr>
-      </p:pic>
-      <p:sp>
-        <p:nvSpPr>
-          <p:cNvPr id="6" name="Espace réservé du pied de page 5">
-            <a:extLst>
-              <a:ext uri="{FF2B5EF4-FFF2-40B4-BE49-F238E27FC236}">
-                <a16:creationId xmlns:a16="http://schemas.microsoft.com/office/drawing/2014/main" id="{3530B95A-3188-5B5F-7EEB-40BB8B03104D}"/>
-              </a:ext>
-            </a:extLst>
-          </p:cNvPr>
-          <p:cNvSpPr>
-            <a:spLocks noGrp="1"/>
-          </p:cNvSpPr>
-          <p:nvPr>
-            <p:ph type="ftr" sz="quarter" idx="11"/>
-          </p:nvPr>
-        </p:nvSpPr>
-        <p:spPr>
-          <a:xfrm>
-            <a:off x="0" y="6356350"/>
-            <a:ext cx="5130412" cy="365125"/>
-          </a:xfrm>
-        </p:spPr>
-        <p:txBody>
-          <a:bodyPr/>
-          <a:lstStyle/>
-          <a:p>
-            <a:r>
-              <a:rPr lang="en-GB" dirty="0"/>
-              <a:t>David Evans: cs6501, </a:t>
-            </a:r>
-            <a:r>
-              <a:rPr lang="en-GB" dirty="0" err="1"/>
-              <a:t>TLSeminar</a:t>
-            </a:r>
-            <a:r>
-              <a:rPr lang="en-GB" dirty="0"/>
-              <a:t>. University of Virginia, Spring 2017.</a:t>
-            </a:r>
-            <a:endParaRPr lang="fr-CH" dirty="0"/>
-          </a:p>
-        </p:txBody>
-      </p:sp>
-    </p:spTree>
-    <p:extLst>
-      <p:ext uri="{BB962C8B-B14F-4D97-AF65-F5344CB8AC3E}">
-        <p14:creationId xmlns:p14="http://schemas.microsoft.com/office/powerpoint/2010/main" val="1757375819"/>
       </p:ext>
     </p:extLst>
   </p:cSld>
@@ -11540,7 +13003,7 @@
           <p:cNvPr id="2" name="Titre 1">
             <a:extLst>
               <a:ext uri="{FF2B5EF4-FFF2-40B4-BE49-F238E27FC236}">
-                <a16:creationId xmlns:a16="http://schemas.microsoft.com/office/drawing/2014/main" id="{F29EA416-018F-8C12-6BA0-C0F12CD10F7D}"/>
+                <a16:creationId xmlns:a16="http://schemas.microsoft.com/office/drawing/2014/main" id="{6000FC9E-29F5-8C53-199E-744D87DEFB73}"/>
               </a:ext>
             </a:extLst>
           </p:cNvPr>
@@ -11548,7 +13011,7 @@
             <a:spLocks noGrp="1"/>
           </p:cNvSpPr>
           <p:nvPr>
-            <p:ph type="ctrTitle"/>
+            <p:ph type="title"/>
           </p:nvPr>
         </p:nvSpPr>
         <p:spPr/>
@@ -11558,17 +13021,17 @@
           <a:p>
             <a:r>
               <a:rPr lang="fr-CH" dirty="0"/>
-              <a:t>Questions ?</a:t>
+              <a:t>Mesures de protections</a:t>
             </a:r>
           </a:p>
         </p:txBody>
       </p:sp>
       <p:sp>
         <p:nvSpPr>
-          <p:cNvPr id="3" name="Sous-titre 2">
-            <a:extLst>
-              <a:ext uri="{FF2B5EF4-FFF2-40B4-BE49-F238E27FC236}">
-                <a16:creationId xmlns:a16="http://schemas.microsoft.com/office/drawing/2014/main" id="{DB50C281-F141-1C1A-0379-86C2D23A5647}"/>
+          <p:cNvPr id="3" name="Espace réservé du contenu 2">
+            <a:extLst>
+              <a:ext uri="{FF2B5EF4-FFF2-40B4-BE49-F238E27FC236}">
+                <a16:creationId xmlns:a16="http://schemas.microsoft.com/office/drawing/2014/main" id="{27480C9E-7A20-E1A7-0DA1-F786EE1E9DC3}"/>
               </a:ext>
             </a:extLst>
           </p:cNvPr>
@@ -11576,7 +13039,7 @@
             <a:spLocks noGrp="1"/>
           </p:cNvSpPr>
           <p:nvPr>
-            <p:ph type="subTitle" idx="1"/>
+            <p:ph idx="1"/>
           </p:nvPr>
         </p:nvSpPr>
         <p:spPr/>
@@ -11584,14 +13047,110 @@
           <a:bodyPr/>
           <a:lstStyle/>
           <a:p>
-            <a:endParaRPr lang="fr-CH"/>
+            <a:r>
+              <a:rPr lang="fr-CH" dirty="0"/>
+              <a:t>Faire les mises à jour</a:t>
+            </a:r>
+          </a:p>
+          <a:p>
+            <a:r>
+              <a:rPr lang="fr-CH" dirty="0"/>
+              <a:t>Valider toutes les signatures avant de les envoyer</a:t>
+            </a:r>
+          </a:p>
+          <a:p>
+            <a:r>
+              <a:rPr lang="fr-CH" dirty="0"/>
+              <a:t>Ne pas utiliser PKCS#1 v1.5</a:t>
+            </a:r>
+          </a:p>
+          <a:p>
+            <a:r>
+              <a:rPr lang="fr-CH" dirty="0"/>
+              <a:t>Ne pas utiliser un </a:t>
+            </a:r>
+            <a:r>
+              <a:rPr lang="fr-CH" dirty="0" err="1"/>
+              <a:t>padding</a:t>
+            </a:r>
+            <a:r>
+              <a:rPr lang="fr-CH" dirty="0"/>
+              <a:t> déterministe</a:t>
+            </a:r>
+          </a:p>
+          <a:p>
+            <a:r>
+              <a:rPr lang="fr-CH" dirty="0"/>
+              <a:t>Protocole :</a:t>
+            </a:r>
+          </a:p>
+          <a:p>
+            <a:pPr lvl="1"/>
+            <a:r>
+              <a:rPr lang="fr-CH" dirty="0"/>
+              <a:t>Chiffrer la communication le plus tôt possible</a:t>
+            </a:r>
+          </a:p>
+          <a:p>
+            <a:pPr lvl="1"/>
+            <a:r>
+              <a:rPr lang="fr-CH" dirty="0"/>
+              <a:t>Se baser sur TLS 1.3</a:t>
+            </a:r>
           </a:p>
         </p:txBody>
       </p:sp>
+      <p:pic>
+        <p:nvPicPr>
+          <p:cNvPr id="4" name="Picture 2">
+            <a:extLst>
+              <a:ext uri="{FF2B5EF4-FFF2-40B4-BE49-F238E27FC236}">
+                <a16:creationId xmlns:a16="http://schemas.microsoft.com/office/drawing/2014/main" id="{2041318D-A8E6-5145-EF3D-E292AA65DCF4}"/>
+              </a:ext>
+            </a:extLst>
+          </p:cNvPr>
+          <p:cNvPicPr>
+            <a:picLocks noChangeAspect="1" noChangeArrowheads="1"/>
+          </p:cNvPicPr>
+          <p:nvPr/>
+        </p:nvPicPr>
+        <p:blipFill>
+          <a:blip r:embed="rId2">
+            <a:extLst>
+              <a:ext uri="{28A0092B-C50C-407E-A947-70E740481C1C}">
+                <a14:useLocalDpi xmlns:a14="http://schemas.microsoft.com/office/drawing/2010/main" val="0"/>
+              </a:ext>
+            </a:extLst>
+          </a:blip>
+          <a:srcRect/>
+          <a:stretch>
+            <a:fillRect/>
+          </a:stretch>
+        </p:blipFill>
+        <p:spPr bwMode="auto">
+          <a:xfrm>
+            <a:off x="180000" y="180000"/>
+            <a:ext cx="795955" cy="594915"/>
+          </a:xfrm>
+          <a:prstGeom prst="rect">
+            <a:avLst/>
+          </a:prstGeom>
+          <a:noFill/>
+          <a:extLst>
+            <a:ext uri="{909E8E84-426E-40DD-AFC4-6F175D3DCCD1}">
+              <a14:hiddenFill xmlns:a14="http://schemas.microsoft.com/office/drawing/2010/main">
+                <a:solidFill>
+                  <a:srgbClr val="FFFFFF"/>
+                </a:solidFill>
+              </a14:hiddenFill>
+            </a:ext>
+          </a:extLst>
+        </p:spPr>
+      </p:pic>
     </p:spTree>
     <p:extLst>
       <p:ext uri="{BB962C8B-B14F-4D97-AF65-F5344CB8AC3E}">
-        <p14:creationId xmlns:p14="http://schemas.microsoft.com/office/powerpoint/2010/main" val="722432586"/>
+        <p14:creationId xmlns:p14="http://schemas.microsoft.com/office/powerpoint/2010/main" val="79603983"/>
       </p:ext>
     </p:extLst>
   </p:cSld>
@@ -11602,6 +13161,194 @@
 </file>
 
 <file path=ppt/slides/slide37.xml><?xml version="1.0" encoding="utf-8"?>
+<p:sld xmlns:a="http://schemas.openxmlformats.org/drawingml/2006/main" xmlns:r="http://schemas.openxmlformats.org/officeDocument/2006/relationships" xmlns:p="http://schemas.openxmlformats.org/presentationml/2006/main">
+  <p:cSld>
+    <p:spTree>
+      <p:nvGrpSpPr>
+        <p:cNvPr id="1" name="">
+          <a:extLst>
+            <a:ext uri="{FF2B5EF4-FFF2-40B4-BE49-F238E27FC236}">
+              <a16:creationId xmlns:a16="http://schemas.microsoft.com/office/drawing/2014/main" id="{56A05C18-F7C5-3038-FACD-B0B50AF1F176}"/>
+            </a:ext>
+          </a:extLst>
+        </p:cNvPr>
+        <p:cNvGrpSpPr/>
+        <p:nvPr/>
+      </p:nvGrpSpPr>
+      <p:grpSpPr>
+        <a:xfrm>
+          <a:off x="0" y="0"/>
+          <a:ext cx="0" cy="0"/>
+          <a:chOff x="0" y="0"/>
+          <a:chExt cx="0" cy="0"/>
+        </a:xfrm>
+      </p:grpSpPr>
+      <p:sp>
+        <p:nvSpPr>
+          <p:cNvPr id="2" name="Titre 1">
+            <a:extLst>
+              <a:ext uri="{FF2B5EF4-FFF2-40B4-BE49-F238E27FC236}">
+                <a16:creationId xmlns:a16="http://schemas.microsoft.com/office/drawing/2014/main" id="{A6B0782A-FC51-6C5A-E65A-E20569D76FEA}"/>
+              </a:ext>
+            </a:extLst>
+          </p:cNvPr>
+          <p:cNvSpPr>
+            <a:spLocks noGrp="1"/>
+          </p:cNvSpPr>
+          <p:nvPr>
+            <p:ph type="title"/>
+          </p:nvPr>
+        </p:nvSpPr>
+        <p:spPr/>
+        <p:txBody>
+          <a:bodyPr/>
+          <a:lstStyle/>
+          <a:p>
+            <a:r>
+              <a:rPr lang="fr-CH" dirty="0"/>
+              <a:t>Mesures de protections – TLS 1.3</a:t>
+            </a:r>
+          </a:p>
+        </p:txBody>
+      </p:sp>
+      <p:pic>
+        <p:nvPicPr>
+          <p:cNvPr id="5" name="Espace réservé du contenu 4" descr="Une image contenant texte, capture d’écran, Police, ligne&#10;&#10;Le contenu généré par l’IA peut être incorrect.">
+            <a:extLst>
+              <a:ext uri="{FF2B5EF4-FFF2-40B4-BE49-F238E27FC236}">
+                <a16:creationId xmlns:a16="http://schemas.microsoft.com/office/drawing/2014/main" id="{FFF6A9A9-EF9F-04EB-413C-0DEF144FD415}"/>
+              </a:ext>
+            </a:extLst>
+          </p:cNvPr>
+          <p:cNvPicPr>
+            <a:picLocks noGrp="1" noChangeAspect="1"/>
+          </p:cNvPicPr>
+          <p:nvPr>
+            <p:ph idx="1"/>
+          </p:nvPr>
+        </p:nvPicPr>
+        <p:blipFill>
+          <a:blip r:embed="rId3">
+            <a:extLst>
+              <a:ext uri="{28A0092B-C50C-407E-A947-70E740481C1C}">
+                <a14:useLocalDpi xmlns:a14="http://schemas.microsoft.com/office/drawing/2010/main" val="0"/>
+              </a:ext>
+            </a:extLst>
+          </a:blip>
+          <a:stretch>
+            <a:fillRect/>
+          </a:stretch>
+        </p:blipFill>
+        <p:spPr>
+          <a:xfrm>
+            <a:off x="1759418" y="1298308"/>
+            <a:ext cx="8673164" cy="4878655"/>
+          </a:xfrm>
+        </p:spPr>
+      </p:pic>
+      <p:sp>
+        <p:nvSpPr>
+          <p:cNvPr id="6" name="Espace réservé du pied de page 5">
+            <a:extLst>
+              <a:ext uri="{FF2B5EF4-FFF2-40B4-BE49-F238E27FC236}">
+                <a16:creationId xmlns:a16="http://schemas.microsoft.com/office/drawing/2014/main" id="{3530B95A-3188-5B5F-7EEB-40BB8B03104D}"/>
+              </a:ext>
+            </a:extLst>
+          </p:cNvPr>
+          <p:cNvSpPr>
+            <a:spLocks noGrp="1"/>
+          </p:cNvSpPr>
+          <p:nvPr>
+            <p:ph type="ftr" sz="quarter" idx="11"/>
+          </p:nvPr>
+        </p:nvSpPr>
+        <p:spPr>
+          <a:xfrm>
+            <a:off x="0" y="6356350"/>
+            <a:ext cx="5130412" cy="365125"/>
+          </a:xfrm>
+        </p:spPr>
+        <p:txBody>
+          <a:bodyPr/>
+          <a:lstStyle/>
+          <a:p>
+            <a:r>
+              <a:rPr lang="en-GB" dirty="0"/>
+              <a:t>David Evans: cs6501, </a:t>
+            </a:r>
+            <a:r>
+              <a:rPr lang="en-GB" dirty="0" err="1"/>
+              <a:t>TLSeminar</a:t>
+            </a:r>
+            <a:r>
+              <a:rPr lang="en-GB" dirty="0"/>
+              <a:t>. University of Virginia, Spring 2017.</a:t>
+            </a:r>
+            <a:endParaRPr lang="fr-CH" dirty="0"/>
+          </a:p>
+        </p:txBody>
+      </p:sp>
+      <p:pic>
+        <p:nvPicPr>
+          <p:cNvPr id="3" name="Picture 2">
+            <a:extLst>
+              <a:ext uri="{FF2B5EF4-FFF2-40B4-BE49-F238E27FC236}">
+                <a16:creationId xmlns:a16="http://schemas.microsoft.com/office/drawing/2014/main" id="{51797D73-7591-277D-1A52-778A1BA51DB5}"/>
+              </a:ext>
+            </a:extLst>
+          </p:cNvPr>
+          <p:cNvPicPr>
+            <a:picLocks noChangeAspect="1" noChangeArrowheads="1"/>
+          </p:cNvPicPr>
+          <p:nvPr/>
+        </p:nvPicPr>
+        <p:blipFill>
+          <a:blip r:embed="rId4">
+            <a:extLst>
+              <a:ext uri="{28A0092B-C50C-407E-A947-70E740481C1C}">
+                <a14:useLocalDpi xmlns:a14="http://schemas.microsoft.com/office/drawing/2010/main" val="0"/>
+              </a:ext>
+            </a:extLst>
+          </a:blip>
+          <a:srcRect/>
+          <a:stretch>
+            <a:fillRect/>
+          </a:stretch>
+        </p:blipFill>
+        <p:spPr bwMode="auto">
+          <a:xfrm>
+            <a:off x="180000" y="180000"/>
+            <a:ext cx="795955" cy="594915"/>
+          </a:xfrm>
+          <a:prstGeom prst="rect">
+            <a:avLst/>
+          </a:prstGeom>
+          <a:noFill/>
+          <a:extLst>
+            <a:ext uri="{909E8E84-426E-40DD-AFC4-6F175D3DCCD1}">
+              <a14:hiddenFill xmlns:a14="http://schemas.microsoft.com/office/drawing/2010/main">
+                <a:solidFill>
+                  <a:srgbClr val="FFFFFF"/>
+                </a:solidFill>
+              </a14:hiddenFill>
+            </a:ext>
+          </a:extLst>
+        </p:spPr>
+      </p:pic>
+    </p:spTree>
+    <p:extLst>
+      <p:ext uri="{BB962C8B-B14F-4D97-AF65-F5344CB8AC3E}">
+        <p14:creationId xmlns:p14="http://schemas.microsoft.com/office/powerpoint/2010/main" val="1757375819"/>
+      </p:ext>
+    </p:extLst>
+  </p:cSld>
+  <p:clrMapOvr>
+    <a:masterClrMapping/>
+  </p:clrMapOvr>
+</p:sld>
+</file>
+
+<file path=ppt/slides/slide38.xml><?xml version="1.0" encoding="utf-8"?>
 <p:sld xmlns:a="http://schemas.openxmlformats.org/drawingml/2006/main" xmlns:r="http://schemas.openxmlformats.org/officeDocument/2006/relationships" xmlns:p="http://schemas.openxmlformats.org/presentationml/2006/main">
   <p:cSld>
     <p:spTree>
@@ -11623,6 +13370,111 @@
           <p:cNvPr id="2" name="Titre 1">
             <a:extLst>
               <a:ext uri="{FF2B5EF4-FFF2-40B4-BE49-F238E27FC236}">
+                <a16:creationId xmlns:a16="http://schemas.microsoft.com/office/drawing/2014/main" id="{F29EA416-018F-8C12-6BA0-C0F12CD10F7D}"/>
+              </a:ext>
+            </a:extLst>
+          </p:cNvPr>
+          <p:cNvSpPr>
+            <a:spLocks noGrp="1"/>
+          </p:cNvSpPr>
+          <p:nvPr>
+            <p:ph type="ctrTitle"/>
+          </p:nvPr>
+        </p:nvSpPr>
+        <p:spPr/>
+        <p:txBody>
+          <a:bodyPr/>
+          <a:lstStyle/>
+          <a:p>
+            <a:r>
+              <a:rPr lang="fr-CH" dirty="0"/>
+              <a:t>Questions ?</a:t>
+            </a:r>
+          </a:p>
+        </p:txBody>
+      </p:sp>
+      <p:pic>
+        <p:nvPicPr>
+          <p:cNvPr id="4" name="Picture 2">
+            <a:extLst>
+              <a:ext uri="{FF2B5EF4-FFF2-40B4-BE49-F238E27FC236}">
+                <a16:creationId xmlns:a16="http://schemas.microsoft.com/office/drawing/2014/main" id="{BAC0DC7C-1ABB-891D-658E-3AF56AB3761C}"/>
+              </a:ext>
+            </a:extLst>
+          </p:cNvPr>
+          <p:cNvPicPr>
+            <a:picLocks noChangeAspect="1" noChangeArrowheads="1"/>
+          </p:cNvPicPr>
+          <p:nvPr/>
+        </p:nvPicPr>
+        <p:blipFill>
+          <a:blip r:embed="rId2">
+            <a:extLst>
+              <a:ext uri="{28A0092B-C50C-407E-A947-70E740481C1C}">
+                <a14:useLocalDpi xmlns:a14="http://schemas.microsoft.com/office/drawing/2010/main" val="0"/>
+              </a:ext>
+            </a:extLst>
+          </a:blip>
+          <a:srcRect/>
+          <a:stretch>
+            <a:fillRect/>
+          </a:stretch>
+        </p:blipFill>
+        <p:spPr bwMode="auto">
+          <a:xfrm>
+            <a:off x="180000" y="180000"/>
+            <a:ext cx="795955" cy="594915"/>
+          </a:xfrm>
+          <a:prstGeom prst="rect">
+            <a:avLst/>
+          </a:prstGeom>
+          <a:noFill/>
+          <a:extLst>
+            <a:ext uri="{909E8E84-426E-40DD-AFC4-6F175D3DCCD1}">
+              <a14:hiddenFill xmlns:a14="http://schemas.microsoft.com/office/drawing/2010/main">
+                <a:solidFill>
+                  <a:srgbClr val="FFFFFF"/>
+                </a:solidFill>
+              </a14:hiddenFill>
+            </a:ext>
+          </a:extLst>
+        </p:spPr>
+      </p:pic>
+    </p:spTree>
+    <p:extLst>
+      <p:ext uri="{BB962C8B-B14F-4D97-AF65-F5344CB8AC3E}">
+        <p14:creationId xmlns:p14="http://schemas.microsoft.com/office/powerpoint/2010/main" val="722432586"/>
+      </p:ext>
+    </p:extLst>
+  </p:cSld>
+  <p:clrMapOvr>
+    <a:masterClrMapping/>
+  </p:clrMapOvr>
+</p:sld>
+</file>
+
+<file path=ppt/slides/slide39.xml><?xml version="1.0" encoding="utf-8"?>
+<p:sld xmlns:a="http://schemas.openxmlformats.org/drawingml/2006/main" xmlns:r="http://schemas.openxmlformats.org/officeDocument/2006/relationships" xmlns:p="http://schemas.openxmlformats.org/presentationml/2006/main">
+  <p:cSld>
+    <p:spTree>
+      <p:nvGrpSpPr>
+        <p:cNvPr id="1" name=""/>
+        <p:cNvGrpSpPr/>
+        <p:nvPr/>
+      </p:nvGrpSpPr>
+      <p:grpSpPr>
+        <a:xfrm>
+          <a:off x="0" y="0"/>
+          <a:ext cx="0" cy="0"/>
+          <a:chOff x="0" y="0"/>
+          <a:chExt cx="0" cy="0"/>
+        </a:xfrm>
+      </p:grpSpPr>
+      <p:sp>
+        <p:nvSpPr>
+          <p:cNvPr id="2" name="Titre 1">
+            <a:extLst>
+              <a:ext uri="{FF2B5EF4-FFF2-40B4-BE49-F238E27FC236}">
                 <a16:creationId xmlns:a16="http://schemas.microsoft.com/office/drawing/2014/main" id="{49D66EBF-EF60-5369-6DF8-69A19B1ED9DA}"/>
               </a:ext>
             </a:extLst>
@@ -11781,6 +13633,53 @@
           </a:p>
         </p:txBody>
       </p:sp>
+      <p:pic>
+        <p:nvPicPr>
+          <p:cNvPr id="4" name="Picture 2">
+            <a:extLst>
+              <a:ext uri="{FF2B5EF4-FFF2-40B4-BE49-F238E27FC236}">
+                <a16:creationId xmlns:a16="http://schemas.microsoft.com/office/drawing/2014/main" id="{C89E1E94-1A8A-04E6-9AD6-3794CA9039FD}"/>
+              </a:ext>
+            </a:extLst>
+          </p:cNvPr>
+          <p:cNvPicPr>
+            <a:picLocks noChangeAspect="1" noChangeArrowheads="1"/>
+          </p:cNvPicPr>
+          <p:nvPr/>
+        </p:nvPicPr>
+        <p:blipFill>
+          <a:blip r:embed="rId4">
+            <a:extLst>
+              <a:ext uri="{28A0092B-C50C-407E-A947-70E740481C1C}">
+                <a14:useLocalDpi xmlns:a14="http://schemas.microsoft.com/office/drawing/2010/main" val="0"/>
+              </a:ext>
+            </a:extLst>
+          </a:blip>
+          <a:srcRect/>
+          <a:stretch>
+            <a:fillRect/>
+          </a:stretch>
+        </p:blipFill>
+        <p:spPr bwMode="auto">
+          <a:xfrm>
+            <a:off x="180000" y="180000"/>
+            <a:ext cx="795955" cy="594915"/>
+          </a:xfrm>
+          <a:prstGeom prst="rect">
+            <a:avLst/>
+          </a:prstGeom>
+          <a:noFill/>
+          <a:extLst>
+            <a:ext uri="{909E8E84-426E-40DD-AFC4-6F175D3DCCD1}">
+              <a14:hiddenFill xmlns:a14="http://schemas.microsoft.com/office/drawing/2010/main">
+                <a:solidFill>
+                  <a:srgbClr val="FFFFFF"/>
+                </a:solidFill>
+              </a14:hiddenFill>
+            </a:ext>
+          </a:extLst>
+        </p:spPr>
+      </p:pic>
     </p:spTree>
     <p:extLst>
       <p:ext uri="{BB962C8B-B14F-4D97-AF65-F5344CB8AC3E}">
@@ -11909,6 +13808,53 @@
           </a:p>
         </p:txBody>
       </p:sp>
+      <p:pic>
+        <p:nvPicPr>
+          <p:cNvPr id="3" name="Picture 2">
+            <a:extLst>
+              <a:ext uri="{FF2B5EF4-FFF2-40B4-BE49-F238E27FC236}">
+                <a16:creationId xmlns:a16="http://schemas.microsoft.com/office/drawing/2014/main" id="{99CF80FA-B76E-E46F-0468-E63083FD2537}"/>
+              </a:ext>
+            </a:extLst>
+          </p:cNvPr>
+          <p:cNvPicPr>
+            <a:picLocks noChangeAspect="1" noChangeArrowheads="1"/>
+          </p:cNvPicPr>
+          <p:nvPr/>
+        </p:nvPicPr>
+        <p:blipFill>
+          <a:blip r:embed="rId3">
+            <a:extLst>
+              <a:ext uri="{28A0092B-C50C-407E-A947-70E740481C1C}">
+                <a14:useLocalDpi xmlns:a14="http://schemas.microsoft.com/office/drawing/2010/main" val="0"/>
+              </a:ext>
+            </a:extLst>
+          </a:blip>
+          <a:srcRect/>
+          <a:stretch>
+            <a:fillRect/>
+          </a:stretch>
+        </p:blipFill>
+        <p:spPr bwMode="auto">
+          <a:xfrm>
+            <a:off x="180000" y="180000"/>
+            <a:ext cx="795955" cy="594915"/>
+          </a:xfrm>
+          <a:prstGeom prst="rect">
+            <a:avLst/>
+          </a:prstGeom>
+          <a:noFill/>
+          <a:extLst>
+            <a:ext uri="{909E8E84-426E-40DD-AFC4-6F175D3DCCD1}">
+              <a14:hiddenFill xmlns:a14="http://schemas.microsoft.com/office/drawing/2010/main">
+                <a:solidFill>
+                  <a:srgbClr val="FFFFFF"/>
+                </a:solidFill>
+              </a14:hiddenFill>
+            </a:ext>
+          </a:extLst>
+        </p:spPr>
+      </p:pic>
     </p:spTree>
     <p:extLst>
       <p:ext uri="{BB962C8B-B14F-4D97-AF65-F5344CB8AC3E}">
@@ -12045,6 +13991,53 @@
           </a:prstGeom>
         </p:spPr>
       </p:pic>
+      <p:pic>
+        <p:nvPicPr>
+          <p:cNvPr id="3" name="Picture 2">
+            <a:extLst>
+              <a:ext uri="{FF2B5EF4-FFF2-40B4-BE49-F238E27FC236}">
+                <a16:creationId xmlns:a16="http://schemas.microsoft.com/office/drawing/2014/main" id="{AEC76125-6B1C-80D4-10C5-3A4BD16033F5}"/>
+              </a:ext>
+            </a:extLst>
+          </p:cNvPr>
+          <p:cNvPicPr>
+            <a:picLocks noChangeAspect="1" noChangeArrowheads="1"/>
+          </p:cNvPicPr>
+          <p:nvPr/>
+        </p:nvPicPr>
+        <p:blipFill>
+          <a:blip r:embed="rId3">
+            <a:extLst>
+              <a:ext uri="{28A0092B-C50C-407E-A947-70E740481C1C}">
+                <a14:useLocalDpi xmlns:a14="http://schemas.microsoft.com/office/drawing/2010/main" val="0"/>
+              </a:ext>
+            </a:extLst>
+          </a:blip>
+          <a:srcRect/>
+          <a:stretch>
+            <a:fillRect/>
+          </a:stretch>
+        </p:blipFill>
+        <p:spPr bwMode="auto">
+          <a:xfrm>
+            <a:off x="180000" y="180000"/>
+            <a:ext cx="795955" cy="594915"/>
+          </a:xfrm>
+          <a:prstGeom prst="rect">
+            <a:avLst/>
+          </a:prstGeom>
+          <a:noFill/>
+          <a:extLst>
+            <a:ext uri="{909E8E84-426E-40DD-AFC4-6F175D3DCCD1}">
+              <a14:hiddenFill xmlns:a14="http://schemas.microsoft.com/office/drawing/2010/main">
+                <a:solidFill>
+                  <a:srgbClr val="FFFFFF"/>
+                </a:solidFill>
+              </a14:hiddenFill>
+            </a:ext>
+          </a:extLst>
+        </p:spPr>
+      </p:pic>
     </p:spTree>
     <p:extLst>
       <p:ext uri="{BB962C8B-B14F-4D97-AF65-F5344CB8AC3E}">
@@ -12059,6 +14052,322 @@
 </file>
 
 <file path=ppt/slides/slide6.xml><?xml version="1.0" encoding="utf-8"?>
+<p:sld xmlns:a="http://schemas.openxmlformats.org/drawingml/2006/main" xmlns:r="http://schemas.openxmlformats.org/officeDocument/2006/relationships" xmlns:p="http://schemas.openxmlformats.org/presentationml/2006/main">
+  <p:cSld>
+    <p:spTree>
+      <p:nvGrpSpPr>
+        <p:cNvPr id="1" name="">
+          <a:extLst>
+            <a:ext uri="{FF2B5EF4-FFF2-40B4-BE49-F238E27FC236}">
+              <a16:creationId xmlns:a16="http://schemas.microsoft.com/office/drawing/2014/main" id="{104AFA6A-76AA-330A-9690-D5E87980D8FE}"/>
+            </a:ext>
+          </a:extLst>
+        </p:cNvPr>
+        <p:cNvGrpSpPr/>
+        <p:nvPr/>
+      </p:nvGrpSpPr>
+      <p:grpSpPr>
+        <a:xfrm>
+          <a:off x="0" y="0"/>
+          <a:ext cx="0" cy="0"/>
+          <a:chOff x="0" y="0"/>
+          <a:chExt cx="0" cy="0"/>
+        </a:xfrm>
+      </p:grpSpPr>
+      <p:sp>
+        <p:nvSpPr>
+          <p:cNvPr id="2" name="Titre 1">
+            <a:extLst>
+              <a:ext uri="{FF2B5EF4-FFF2-40B4-BE49-F238E27FC236}">
+                <a16:creationId xmlns:a16="http://schemas.microsoft.com/office/drawing/2014/main" id="{86DC3EC5-E775-763E-7517-AAD3BF34EB3C}"/>
+              </a:ext>
+            </a:extLst>
+          </p:cNvPr>
+          <p:cNvSpPr>
+            <a:spLocks noGrp="1"/>
+          </p:cNvSpPr>
+          <p:nvPr>
+            <p:ph type="title"/>
+          </p:nvPr>
+        </p:nvSpPr>
+        <p:spPr/>
+        <p:txBody>
+          <a:bodyPr/>
+          <a:lstStyle/>
+          <a:p>
+            <a:r>
+              <a:rPr lang="fr-CH" dirty="0"/>
+              <a:t>Introduction – Modèle de l’attaquant</a:t>
+            </a:r>
+          </a:p>
+        </p:txBody>
+      </p:sp>
+      <p:sp>
+        <p:nvSpPr>
+          <p:cNvPr id="3" name="Espace réservé du contenu 2">
+            <a:extLst>
+              <a:ext uri="{FF2B5EF4-FFF2-40B4-BE49-F238E27FC236}">
+                <a16:creationId xmlns:a16="http://schemas.microsoft.com/office/drawing/2014/main" id="{E2A3618D-5C43-93A0-5920-2F986E91A5EA}"/>
+              </a:ext>
+            </a:extLst>
+          </p:cNvPr>
+          <p:cNvSpPr>
+            <a:spLocks noGrp="1"/>
+          </p:cNvSpPr>
+          <p:nvPr>
+            <p:ph idx="1"/>
+          </p:nvPr>
+        </p:nvSpPr>
+        <p:spPr/>
+        <p:txBody>
+          <a:bodyPr/>
+          <a:lstStyle/>
+          <a:p>
+            <a:r>
+              <a:rPr lang="fr-CH" dirty="0"/>
+              <a:t>Une écoute passive</a:t>
+            </a:r>
+          </a:p>
+          <a:p>
+            <a:r>
+              <a:rPr lang="fr-CH" dirty="0"/>
+              <a:t>Une signature contenant une erreur collectée</a:t>
+            </a:r>
+          </a:p>
+          <a:p>
+            <a:endParaRPr lang="fr-CH" dirty="0"/>
+          </a:p>
+        </p:txBody>
+      </p:sp>
+      <p:pic>
+        <p:nvPicPr>
+          <p:cNvPr id="5" name="Picture 2">
+            <a:extLst>
+              <a:ext uri="{FF2B5EF4-FFF2-40B4-BE49-F238E27FC236}">
+                <a16:creationId xmlns:a16="http://schemas.microsoft.com/office/drawing/2014/main" id="{587523BA-94DC-A63A-89A4-10D0043C0161}"/>
+              </a:ext>
+            </a:extLst>
+          </p:cNvPr>
+          <p:cNvPicPr>
+            <a:picLocks noChangeAspect="1" noChangeArrowheads="1"/>
+          </p:cNvPicPr>
+          <p:nvPr/>
+        </p:nvPicPr>
+        <p:blipFill>
+          <a:blip r:embed="rId2">
+            <a:extLst>
+              <a:ext uri="{28A0092B-C50C-407E-A947-70E740481C1C}">
+                <a14:useLocalDpi xmlns:a14="http://schemas.microsoft.com/office/drawing/2010/main" val="0"/>
+              </a:ext>
+            </a:extLst>
+          </a:blip>
+          <a:srcRect/>
+          <a:stretch>
+            <a:fillRect/>
+          </a:stretch>
+        </p:blipFill>
+        <p:spPr bwMode="auto">
+          <a:xfrm>
+            <a:off x="180000" y="180000"/>
+            <a:ext cx="795955" cy="594915"/>
+          </a:xfrm>
+          <a:prstGeom prst="rect">
+            <a:avLst/>
+          </a:prstGeom>
+          <a:noFill/>
+          <a:extLst>
+            <a:ext uri="{909E8E84-426E-40DD-AFC4-6F175D3DCCD1}">
+              <a14:hiddenFill xmlns:a14="http://schemas.microsoft.com/office/drawing/2010/main">
+                <a:solidFill>
+                  <a:srgbClr val="FFFFFF"/>
+                </a:solidFill>
+              </a14:hiddenFill>
+            </a:ext>
+          </a:extLst>
+        </p:spPr>
+      </p:pic>
+    </p:spTree>
+    <p:extLst>
+      <p:ext uri="{BB962C8B-B14F-4D97-AF65-F5344CB8AC3E}">
+        <p14:creationId xmlns:p14="http://schemas.microsoft.com/office/powerpoint/2010/main" val="899168241"/>
+      </p:ext>
+    </p:extLst>
+  </p:cSld>
+  <p:clrMapOvr>
+    <a:masterClrMapping/>
+  </p:clrMapOvr>
+</p:sld>
+</file>
+
+<file path=ppt/slides/slide7.xml><?xml version="1.0" encoding="utf-8"?>
+<p:sld xmlns:a="http://schemas.openxmlformats.org/drawingml/2006/main" xmlns:r="http://schemas.openxmlformats.org/officeDocument/2006/relationships" xmlns:p="http://schemas.openxmlformats.org/presentationml/2006/main">
+  <p:cSld>
+    <p:spTree>
+      <p:nvGrpSpPr>
+        <p:cNvPr id="1" name=""/>
+        <p:cNvGrpSpPr/>
+        <p:nvPr/>
+      </p:nvGrpSpPr>
+      <p:grpSpPr>
+        <a:xfrm>
+          <a:off x="0" y="0"/>
+          <a:ext cx="0" cy="0"/>
+          <a:chOff x="0" y="0"/>
+          <a:chExt cx="0" cy="0"/>
+        </a:xfrm>
+      </p:grpSpPr>
+      <p:sp>
+        <p:nvSpPr>
+          <p:cNvPr id="2" name="Titre 1">
+            <a:extLst>
+              <a:ext uri="{FF2B5EF4-FFF2-40B4-BE49-F238E27FC236}">
+                <a16:creationId xmlns:a16="http://schemas.microsoft.com/office/drawing/2014/main" id="{ABCA9630-E3A4-01F1-DC02-8D11AE85A440}"/>
+              </a:ext>
+            </a:extLst>
+          </p:cNvPr>
+          <p:cNvSpPr>
+            <a:spLocks noGrp="1"/>
+          </p:cNvSpPr>
+          <p:nvPr>
+            <p:ph type="title"/>
+          </p:nvPr>
+        </p:nvSpPr>
+        <p:spPr/>
+        <p:txBody>
+          <a:bodyPr/>
+          <a:lstStyle/>
+          <a:p>
+            <a:r>
+              <a:rPr lang="fr-CH" dirty="0"/>
+              <a:t>Introduction – Récapitulatif</a:t>
+            </a:r>
+          </a:p>
+        </p:txBody>
+      </p:sp>
+      <p:sp>
+        <p:nvSpPr>
+          <p:cNvPr id="3" name="Espace réservé du contenu 2">
+            <a:extLst>
+              <a:ext uri="{FF2B5EF4-FFF2-40B4-BE49-F238E27FC236}">
+                <a16:creationId xmlns:a16="http://schemas.microsoft.com/office/drawing/2014/main" id="{68FF2868-1122-9061-B5E0-99459AB4AC21}"/>
+              </a:ext>
+            </a:extLst>
+          </p:cNvPr>
+          <p:cNvSpPr>
+            <a:spLocks noGrp="1"/>
+          </p:cNvSpPr>
+          <p:nvPr>
+            <p:ph idx="1"/>
+          </p:nvPr>
+        </p:nvSpPr>
+        <p:spPr/>
+        <p:txBody>
+          <a:bodyPr/>
+          <a:lstStyle/>
+          <a:p>
+            <a:r>
+              <a:rPr lang="fr-CH" dirty="0"/>
+              <a:t>Écoute passive de la communication</a:t>
+            </a:r>
+          </a:p>
+          <a:p>
+            <a:r>
+              <a:rPr lang="fr-CH" dirty="0"/>
+              <a:t>Protocole SSH, </a:t>
+            </a:r>
+            <a:r>
+              <a:rPr lang="fr-CH" dirty="0" err="1"/>
+              <a:t>IPsec</a:t>
+            </a:r>
+            <a:r>
+              <a:rPr lang="fr-CH" dirty="0"/>
+              <a:t> etc.</a:t>
+            </a:r>
+          </a:p>
+          <a:p>
+            <a:r>
+              <a:rPr lang="fr-CH" dirty="0"/>
+              <a:t>Signature calculée en utilisant le théorème des restes chinois</a:t>
+            </a:r>
+          </a:p>
+          <a:p>
+            <a:r>
+              <a:rPr lang="fr-CH" dirty="0"/>
+              <a:t>Une signature PKCS#1 V1.5 invalide</a:t>
+            </a:r>
+          </a:p>
+          <a:p>
+            <a:r>
+              <a:rPr lang="fr-CH" dirty="0"/>
+              <a:t>Pour un message inconnu</a:t>
+            </a:r>
+          </a:p>
+          <a:p>
+            <a:endParaRPr lang="fr-CH" dirty="0"/>
+          </a:p>
+        </p:txBody>
+      </p:sp>
+      <p:pic>
+        <p:nvPicPr>
+          <p:cNvPr id="4" name="Picture 2">
+            <a:extLst>
+              <a:ext uri="{FF2B5EF4-FFF2-40B4-BE49-F238E27FC236}">
+                <a16:creationId xmlns:a16="http://schemas.microsoft.com/office/drawing/2014/main" id="{71D6C14F-BBA6-7AC4-B641-95A9FAB699D8}"/>
+              </a:ext>
+            </a:extLst>
+          </p:cNvPr>
+          <p:cNvPicPr>
+            <a:picLocks noChangeAspect="1" noChangeArrowheads="1"/>
+          </p:cNvPicPr>
+          <p:nvPr/>
+        </p:nvPicPr>
+        <p:blipFill>
+          <a:blip r:embed="rId2">
+            <a:extLst>
+              <a:ext uri="{28A0092B-C50C-407E-A947-70E740481C1C}">
+                <a14:useLocalDpi xmlns:a14="http://schemas.microsoft.com/office/drawing/2010/main" val="0"/>
+              </a:ext>
+            </a:extLst>
+          </a:blip>
+          <a:srcRect/>
+          <a:stretch>
+            <a:fillRect/>
+          </a:stretch>
+        </p:blipFill>
+        <p:spPr bwMode="auto">
+          <a:xfrm>
+            <a:off x="180000" y="180000"/>
+            <a:ext cx="795955" cy="594915"/>
+          </a:xfrm>
+          <a:prstGeom prst="rect">
+            <a:avLst/>
+          </a:prstGeom>
+          <a:noFill/>
+          <a:extLst>
+            <a:ext uri="{909E8E84-426E-40DD-AFC4-6F175D3DCCD1}">
+              <a14:hiddenFill xmlns:a14="http://schemas.microsoft.com/office/drawing/2010/main">
+                <a:solidFill>
+                  <a:srgbClr val="FFFFFF"/>
+                </a:solidFill>
+              </a14:hiddenFill>
+            </a:ext>
+          </a:extLst>
+        </p:spPr>
+      </p:pic>
+    </p:spTree>
+    <p:extLst>
+      <p:ext uri="{BB962C8B-B14F-4D97-AF65-F5344CB8AC3E}">
+        <p14:creationId xmlns:p14="http://schemas.microsoft.com/office/powerpoint/2010/main" val="167832716"/>
+      </p:ext>
+    </p:extLst>
+  </p:cSld>
+  <p:clrMapOvr>
+    <a:masterClrMapping/>
+  </p:clrMapOvr>
+</p:sld>
+</file>
+
+<file path=ppt/slides/slide8.xml><?xml version="1.0" encoding="utf-8"?>
 <p:sld xmlns:a="http://schemas.openxmlformats.org/drawingml/2006/main" xmlns:r="http://schemas.openxmlformats.org/officeDocument/2006/relationships" xmlns:p="http://schemas.openxmlformats.org/presentationml/2006/main">
   <p:cSld>
     <p:spTree>
@@ -12412,6 +14721,53 @@
           </a:p>
         </p:txBody>
       </p:sp>
+      <p:pic>
+        <p:nvPicPr>
+          <p:cNvPr id="5" name="Picture 2">
+            <a:extLst>
+              <a:ext uri="{FF2B5EF4-FFF2-40B4-BE49-F238E27FC236}">
+                <a16:creationId xmlns:a16="http://schemas.microsoft.com/office/drawing/2014/main" id="{CE445392-4D8C-1D9F-1E8B-370564C5F746}"/>
+              </a:ext>
+            </a:extLst>
+          </p:cNvPr>
+          <p:cNvPicPr>
+            <a:picLocks noChangeAspect="1" noChangeArrowheads="1"/>
+          </p:cNvPicPr>
+          <p:nvPr/>
+        </p:nvPicPr>
+        <p:blipFill>
+          <a:blip r:embed="rId2">
+            <a:extLst>
+              <a:ext uri="{28A0092B-C50C-407E-A947-70E740481C1C}">
+                <a14:useLocalDpi xmlns:a14="http://schemas.microsoft.com/office/drawing/2010/main" val="0"/>
+              </a:ext>
+            </a:extLst>
+          </a:blip>
+          <a:srcRect/>
+          <a:stretch>
+            <a:fillRect/>
+          </a:stretch>
+        </p:blipFill>
+        <p:spPr bwMode="auto">
+          <a:xfrm>
+            <a:off x="180000" y="180000"/>
+            <a:ext cx="795955" cy="594915"/>
+          </a:xfrm>
+          <a:prstGeom prst="rect">
+            <a:avLst/>
+          </a:prstGeom>
+          <a:noFill/>
+          <a:extLst>
+            <a:ext uri="{909E8E84-426E-40DD-AFC4-6F175D3DCCD1}">
+              <a14:hiddenFill xmlns:a14="http://schemas.microsoft.com/office/drawing/2010/main">
+                <a:solidFill>
+                  <a:srgbClr val="FFFFFF"/>
+                </a:solidFill>
+              </a14:hiddenFill>
+            </a:ext>
+          </a:extLst>
+        </p:spPr>
+      </p:pic>
     </p:spTree>
     <p:extLst>
       <p:ext uri="{BB962C8B-B14F-4D97-AF65-F5344CB8AC3E}">
@@ -12425,7 +14781,7 @@
 </p:sld>
 </file>
 
-<file path=ppt/slides/slide7.xml><?xml version="1.0" encoding="utf-8"?>
+<file path=ppt/slides/slide9.xml><?xml version="1.0" encoding="utf-8"?>
 <p:sld xmlns:a="http://schemas.openxmlformats.org/drawingml/2006/main" xmlns:r="http://schemas.openxmlformats.org/officeDocument/2006/relationships" xmlns:p="http://schemas.openxmlformats.org/presentationml/2006/main">
   <p:cSld>
     <p:spTree>
@@ -12538,409 +14894,57 @@
           </a:p>
         </p:txBody>
       </p:sp>
+      <p:pic>
+        <p:nvPicPr>
+          <p:cNvPr id="3" name="Picture 2">
+            <a:extLst>
+              <a:ext uri="{FF2B5EF4-FFF2-40B4-BE49-F238E27FC236}">
+                <a16:creationId xmlns:a16="http://schemas.microsoft.com/office/drawing/2014/main" id="{730DCE4F-3569-8EDE-5971-CF98B20830A5}"/>
+              </a:ext>
+            </a:extLst>
+          </p:cNvPr>
+          <p:cNvPicPr>
+            <a:picLocks noChangeAspect="1" noChangeArrowheads="1"/>
+          </p:cNvPicPr>
+          <p:nvPr/>
+        </p:nvPicPr>
+        <p:blipFill>
+          <a:blip r:embed="rId3">
+            <a:extLst>
+              <a:ext uri="{28A0092B-C50C-407E-A947-70E740481C1C}">
+                <a14:useLocalDpi xmlns:a14="http://schemas.microsoft.com/office/drawing/2010/main" val="0"/>
+              </a:ext>
+            </a:extLst>
+          </a:blip>
+          <a:srcRect/>
+          <a:stretch>
+            <a:fillRect/>
+          </a:stretch>
+        </p:blipFill>
+        <p:spPr bwMode="auto">
+          <a:xfrm>
+            <a:off x="180000" y="180000"/>
+            <a:ext cx="795955" cy="594915"/>
+          </a:xfrm>
+          <a:prstGeom prst="rect">
+            <a:avLst/>
+          </a:prstGeom>
+          <a:noFill/>
+          <a:extLst>
+            <a:ext uri="{909E8E84-426E-40DD-AFC4-6F175D3DCCD1}">
+              <a14:hiddenFill xmlns:a14="http://schemas.microsoft.com/office/drawing/2010/main">
+                <a:solidFill>
+                  <a:srgbClr val="FFFFFF"/>
+                </a:solidFill>
+              </a14:hiddenFill>
+            </a:ext>
+          </a:extLst>
+        </p:spPr>
+      </p:pic>
     </p:spTree>
     <p:extLst>
       <p:ext uri="{BB962C8B-B14F-4D97-AF65-F5344CB8AC3E}">
         <p14:creationId xmlns:p14="http://schemas.microsoft.com/office/powerpoint/2010/main" val="2792095449"/>
-      </p:ext>
-    </p:extLst>
-  </p:cSld>
-  <p:clrMapOvr>
-    <a:masterClrMapping/>
-  </p:clrMapOvr>
-</p:sld>
-</file>
-
-<file path=ppt/slides/slide8.xml><?xml version="1.0" encoding="utf-8"?>
-<p:sld xmlns:a="http://schemas.openxmlformats.org/drawingml/2006/main" xmlns:r="http://schemas.openxmlformats.org/officeDocument/2006/relationships" xmlns:p="http://schemas.openxmlformats.org/presentationml/2006/main">
-  <p:cSld>
-    <p:spTree>
-      <p:nvGrpSpPr>
-        <p:cNvPr id="1" name=""/>
-        <p:cNvGrpSpPr/>
-        <p:nvPr/>
-      </p:nvGrpSpPr>
-      <p:grpSpPr>
-        <a:xfrm>
-          <a:off x="0" y="0"/>
-          <a:ext cx="0" cy="0"/>
-          <a:chOff x="0" y="0"/>
-          <a:chExt cx="0" cy="0"/>
-        </a:xfrm>
-      </p:grpSpPr>
-      <p:sp>
-        <p:nvSpPr>
-          <p:cNvPr id="2" name="Titre 1">
-            <a:extLst>
-              <a:ext uri="{FF2B5EF4-FFF2-40B4-BE49-F238E27FC236}">
-                <a16:creationId xmlns:a16="http://schemas.microsoft.com/office/drawing/2014/main" id="{34DB7913-74D7-7837-652B-6F145847D8DA}"/>
-              </a:ext>
-            </a:extLst>
-          </p:cNvPr>
-          <p:cNvSpPr>
-            <a:spLocks noGrp="1"/>
-          </p:cNvSpPr>
-          <p:nvPr>
-            <p:ph type="title"/>
-          </p:nvPr>
-        </p:nvSpPr>
-        <p:spPr/>
-        <p:txBody>
-          <a:bodyPr/>
-          <a:lstStyle/>
-          <a:p>
-            <a:r>
-              <a:rPr lang="fr-CH" dirty="0"/>
-              <a:t>SSH - Protocole</a:t>
-            </a:r>
-          </a:p>
-        </p:txBody>
-      </p:sp>
-      <p:sp>
-        <p:nvSpPr>
-          <p:cNvPr id="3" name="Espace réservé du contenu 2">
-            <a:extLst>
-              <a:ext uri="{FF2B5EF4-FFF2-40B4-BE49-F238E27FC236}">
-                <a16:creationId xmlns:a16="http://schemas.microsoft.com/office/drawing/2014/main" id="{66D37A0F-FDE0-F063-4D79-9F2C94D0B35A}"/>
-              </a:ext>
-            </a:extLst>
-          </p:cNvPr>
-          <p:cNvSpPr>
-            <a:spLocks noGrp="1"/>
-          </p:cNvSpPr>
-          <p:nvPr>
-            <p:ph idx="1"/>
-          </p:nvPr>
-        </p:nvSpPr>
-        <p:spPr/>
-        <p:txBody>
-          <a:bodyPr>
-            <a:normAutofit lnSpcReduction="10000"/>
-          </a:bodyPr>
-          <a:lstStyle/>
-          <a:p>
-            <a:pPr marL="514350" indent="-514350">
-              <a:buFont typeface="+mj-lt"/>
-              <a:buAutoNum type="arabicPeriod"/>
-            </a:pPr>
-            <a:r>
-              <a:rPr lang="fr-CH" dirty="0"/>
-              <a:t>Connection du client</a:t>
-            </a:r>
-          </a:p>
-          <a:p>
-            <a:pPr marL="514350" indent="-514350">
-              <a:buFont typeface="+mj-lt"/>
-              <a:buAutoNum type="arabicPeriod"/>
-            </a:pPr>
-            <a:r>
-              <a:rPr lang="fr-CH" dirty="0"/>
-              <a:t>Négociation des algorithmes</a:t>
-            </a:r>
-          </a:p>
-          <a:p>
-            <a:pPr marL="514350" indent="-514350">
-              <a:buFont typeface="+mj-lt"/>
-              <a:buAutoNum type="arabicPeriod"/>
-            </a:pPr>
-            <a:r>
-              <a:rPr lang="fr-CH" dirty="0"/>
-              <a:t>Échange </a:t>
-            </a:r>
-            <a:r>
-              <a:rPr lang="fr-CH" dirty="0" err="1"/>
-              <a:t>Diffie</a:t>
-            </a:r>
-            <a:r>
-              <a:rPr lang="fr-CH" dirty="0"/>
-              <a:t>-Hellman</a:t>
-            </a:r>
-          </a:p>
-          <a:p>
-            <a:pPr marL="514350" indent="-514350">
-              <a:buFont typeface="+mj-lt"/>
-              <a:buAutoNum type="arabicPeriod"/>
-            </a:pPr>
-            <a:r>
-              <a:rPr lang="fr-CH" dirty="0"/>
-              <a:t>Le serveur signe le secret dérivé du D-H, les </a:t>
-            </a:r>
-            <a:r>
-              <a:rPr lang="fr-CH" dirty="0" err="1"/>
-              <a:t>cipher</a:t>
-            </a:r>
-            <a:r>
-              <a:rPr lang="fr-CH" dirty="0"/>
-              <a:t> suites, </a:t>
-            </a:r>
-            <a:r>
-              <a:rPr lang="fr-CH" dirty="0" err="1"/>
-              <a:t>l’id</a:t>
-            </a:r>
-            <a:r>
-              <a:rPr lang="fr-CH" dirty="0"/>
-              <a:t> client et serveur</a:t>
-            </a:r>
-          </a:p>
-          <a:p>
-            <a:pPr marL="514350" indent="-514350">
-              <a:buFont typeface="+mj-lt"/>
-              <a:buAutoNum type="arabicPeriod"/>
-            </a:pPr>
-            <a:r>
-              <a:rPr lang="fr-CH" dirty="0"/>
-              <a:t>Signature envoyée en clair</a:t>
-            </a:r>
-          </a:p>
-          <a:p>
-            <a:pPr marL="514350" indent="-514350">
-              <a:buFont typeface="+mj-lt"/>
-              <a:buAutoNum type="arabicPeriod"/>
-            </a:pPr>
-            <a:r>
-              <a:rPr lang="fr-CH" dirty="0"/>
-              <a:t>Vérification de la signature par le client</a:t>
-            </a:r>
-          </a:p>
-          <a:p>
-            <a:pPr marL="514350" indent="-514350">
-              <a:buFont typeface="+mj-lt"/>
-              <a:buAutoNum type="arabicPeriod"/>
-            </a:pPr>
-            <a:r>
-              <a:rPr lang="fr-CH" dirty="0"/>
-              <a:t>Établissement du canal chiffré</a:t>
-            </a:r>
-          </a:p>
-          <a:p>
-            <a:pPr marL="514350" indent="-514350">
-              <a:buFont typeface="+mj-lt"/>
-              <a:buAutoNum type="arabicPeriod"/>
-            </a:pPr>
-            <a:r>
-              <a:rPr lang="fr-CH" dirty="0"/>
-              <a:t>Authentification du client</a:t>
-            </a:r>
-          </a:p>
-        </p:txBody>
-      </p:sp>
-    </p:spTree>
-    <p:extLst>
-      <p:ext uri="{BB962C8B-B14F-4D97-AF65-F5344CB8AC3E}">
-        <p14:creationId xmlns:p14="http://schemas.microsoft.com/office/powerpoint/2010/main" val="2074329008"/>
-      </p:ext>
-    </p:extLst>
-  </p:cSld>
-  <p:clrMapOvr>
-    <a:masterClrMapping/>
-  </p:clrMapOvr>
-</p:sld>
-</file>
-
-<file path=ppt/slides/slide9.xml><?xml version="1.0" encoding="utf-8"?>
-<p:sld xmlns:a="http://schemas.openxmlformats.org/drawingml/2006/main" xmlns:r="http://schemas.openxmlformats.org/officeDocument/2006/relationships" xmlns:p="http://schemas.openxmlformats.org/presentationml/2006/main">
-  <p:cSld>
-    <p:spTree>
-      <p:nvGrpSpPr>
-        <p:cNvPr id="1" name="">
-          <a:extLst>
-            <a:ext uri="{FF2B5EF4-FFF2-40B4-BE49-F238E27FC236}">
-              <a16:creationId xmlns:a16="http://schemas.microsoft.com/office/drawing/2014/main" id="{8FEBB08C-9689-2E79-B597-E1715884D75B}"/>
-            </a:ext>
-          </a:extLst>
-        </p:cNvPr>
-        <p:cNvGrpSpPr/>
-        <p:nvPr/>
-      </p:nvGrpSpPr>
-      <p:grpSpPr>
-        <a:xfrm>
-          <a:off x="0" y="0"/>
-          <a:ext cx="0" cy="0"/>
-          <a:chOff x="0" y="0"/>
-          <a:chExt cx="0" cy="0"/>
-        </a:xfrm>
-      </p:grpSpPr>
-      <p:sp>
-        <p:nvSpPr>
-          <p:cNvPr id="2" name="Titre 1">
-            <a:extLst>
-              <a:ext uri="{FF2B5EF4-FFF2-40B4-BE49-F238E27FC236}">
-                <a16:creationId xmlns:a16="http://schemas.microsoft.com/office/drawing/2014/main" id="{D25B67F9-33DA-7AB0-C366-F2532DE6901A}"/>
-              </a:ext>
-            </a:extLst>
-          </p:cNvPr>
-          <p:cNvSpPr>
-            <a:spLocks noGrp="1"/>
-          </p:cNvSpPr>
-          <p:nvPr>
-            <p:ph type="title"/>
-          </p:nvPr>
-        </p:nvSpPr>
-        <p:spPr/>
-        <p:txBody>
-          <a:bodyPr/>
-          <a:lstStyle/>
-          <a:p>
-            <a:r>
-              <a:rPr lang="fr-CH" dirty="0"/>
-              <a:t>SSH - Protocole</a:t>
-            </a:r>
-          </a:p>
-        </p:txBody>
-      </p:sp>
-      <p:sp>
-        <p:nvSpPr>
-          <p:cNvPr id="3" name="Espace réservé du contenu 2">
-            <a:extLst>
-              <a:ext uri="{FF2B5EF4-FFF2-40B4-BE49-F238E27FC236}">
-                <a16:creationId xmlns:a16="http://schemas.microsoft.com/office/drawing/2014/main" id="{42D4C7D7-10D6-90D5-F71C-BC5DCD2CDB72}"/>
-              </a:ext>
-            </a:extLst>
-          </p:cNvPr>
-          <p:cNvSpPr>
-            <a:spLocks noGrp="1"/>
-          </p:cNvSpPr>
-          <p:nvPr>
-            <p:ph idx="1"/>
-          </p:nvPr>
-        </p:nvSpPr>
-        <p:spPr/>
-        <p:txBody>
-          <a:bodyPr>
-            <a:normAutofit lnSpcReduction="10000"/>
-          </a:bodyPr>
-          <a:lstStyle/>
-          <a:p>
-            <a:pPr marL="514350" indent="-514350">
-              <a:buFont typeface="+mj-lt"/>
-              <a:buAutoNum type="arabicPeriod"/>
-            </a:pPr>
-            <a:r>
-              <a:rPr lang="fr-CH" dirty="0"/>
-              <a:t>Connection du client</a:t>
-            </a:r>
-          </a:p>
-          <a:p>
-            <a:pPr marL="514350" indent="-514350">
-              <a:buFont typeface="+mj-lt"/>
-              <a:buAutoNum type="arabicPeriod"/>
-            </a:pPr>
-            <a:r>
-              <a:rPr lang="fr-CH" dirty="0"/>
-              <a:t>Négociation des algorithmes</a:t>
-            </a:r>
-          </a:p>
-          <a:p>
-            <a:pPr marL="514350" indent="-514350">
-              <a:buFont typeface="+mj-lt"/>
-              <a:buAutoNum type="arabicPeriod"/>
-            </a:pPr>
-            <a:r>
-              <a:rPr lang="fr-CH" dirty="0"/>
-              <a:t>Échange </a:t>
-            </a:r>
-            <a:r>
-              <a:rPr lang="fr-CH" dirty="0" err="1"/>
-              <a:t>Diffie</a:t>
-            </a:r>
-            <a:r>
-              <a:rPr lang="fr-CH" dirty="0"/>
-              <a:t>-Hellman</a:t>
-            </a:r>
-          </a:p>
-          <a:p>
-            <a:pPr marL="514350" indent="-514350">
-              <a:buFont typeface="+mj-lt"/>
-              <a:buAutoNum type="arabicPeriod"/>
-            </a:pPr>
-            <a:r>
-              <a:rPr lang="fr-CH" dirty="0"/>
-              <a:t>Le serveur </a:t>
-            </a:r>
-            <a:r>
-              <a:rPr lang="fr-CH" dirty="0">
-                <a:highlight>
-                  <a:srgbClr val="FF0000"/>
-                </a:highlight>
-              </a:rPr>
-              <a:t>signe le secret dérivé du D-H</a:t>
-            </a:r>
-            <a:r>
-              <a:rPr lang="fr-CH" dirty="0"/>
-              <a:t>, les </a:t>
-            </a:r>
-            <a:r>
-              <a:rPr lang="fr-CH" dirty="0" err="1"/>
-              <a:t>cipher</a:t>
-            </a:r>
-            <a:r>
-              <a:rPr lang="fr-CH" dirty="0"/>
-              <a:t> suites, </a:t>
-            </a:r>
-            <a:r>
-              <a:rPr lang="fr-CH" dirty="0" err="1"/>
-              <a:t>l’id</a:t>
-            </a:r>
-            <a:r>
-              <a:rPr lang="fr-CH" dirty="0"/>
-              <a:t> client et serveur</a:t>
-            </a:r>
-          </a:p>
-          <a:p>
-            <a:pPr marL="514350" indent="-514350">
-              <a:buFont typeface="+mj-lt"/>
-              <a:buAutoNum type="arabicPeriod"/>
-            </a:pPr>
-            <a:r>
-              <a:rPr lang="fr-CH" dirty="0">
-                <a:highlight>
-                  <a:srgbClr val="FF0000"/>
-                </a:highlight>
-              </a:rPr>
-              <a:t>Signature envoyée en clair</a:t>
-            </a:r>
-          </a:p>
-          <a:p>
-            <a:pPr marL="514350" indent="-514350">
-              <a:buFont typeface="+mj-lt"/>
-              <a:buAutoNum type="arabicPeriod"/>
-            </a:pPr>
-            <a:r>
-              <a:rPr lang="fr-CH" dirty="0"/>
-              <a:t>Vérification de la signature par le client</a:t>
-            </a:r>
-            <a:endParaRPr lang="fr-CH" dirty="0">
-              <a:highlight>
-                <a:srgbClr val="FF0000"/>
-              </a:highlight>
-            </a:endParaRPr>
-          </a:p>
-          <a:p>
-            <a:pPr marL="514350" indent="-514350">
-              <a:buFont typeface="+mj-lt"/>
-              <a:buAutoNum type="arabicPeriod"/>
-            </a:pPr>
-            <a:r>
-              <a:rPr lang="fr-CH" dirty="0"/>
-              <a:t>Établissement du canal chiffré</a:t>
-            </a:r>
-          </a:p>
-          <a:p>
-            <a:pPr marL="514350" indent="-514350">
-              <a:buFont typeface="+mj-lt"/>
-              <a:buAutoNum type="arabicPeriod"/>
-            </a:pPr>
-            <a:r>
-              <a:rPr lang="fr-CH" dirty="0"/>
-              <a:t>Authentification du client</a:t>
-            </a:r>
-          </a:p>
-        </p:txBody>
-      </p:sp>
-    </p:spTree>
-    <p:extLst>
-      <p:ext uri="{BB962C8B-B14F-4D97-AF65-F5344CB8AC3E}">
-        <p14:creationId xmlns:p14="http://schemas.microsoft.com/office/powerpoint/2010/main" val="2788393243"/>
       </p:ext>
     </p:extLst>
   </p:cSld>

--- a/SSELaticeAttackFerrara.pptx
+++ b/SSELaticeAttackFerrara.pptx
@@ -5,10 +5,10 @@
     <p:sldMasterId id="2147483648" r:id="rId1"/>
   </p:sldMasterIdLst>
   <p:notesMasterIdLst>
-    <p:notesMasterId r:id="rId41"/>
+    <p:notesMasterId r:id="rId40"/>
   </p:notesMasterIdLst>
   <p:handoutMasterIdLst>
-    <p:handoutMasterId r:id="rId42"/>
+    <p:handoutMasterId r:id="rId41"/>
   </p:handoutMasterIdLst>
   <p:sldIdLst>
     <p:sldId id="256" r:id="rId2"/>
@@ -16,40 +16,39 @@
     <p:sldId id="257" r:id="rId4"/>
     <p:sldId id="282" r:id="rId5"/>
     <p:sldId id="298" r:id="rId6"/>
-    <p:sldId id="300" r:id="rId7"/>
-    <p:sldId id="261" r:id="rId8"/>
-    <p:sldId id="284" r:id="rId9"/>
-    <p:sldId id="263" r:id="rId10"/>
-    <p:sldId id="286" r:id="rId11"/>
-    <p:sldId id="287" r:id="rId12"/>
-    <p:sldId id="289" r:id="rId13"/>
-    <p:sldId id="288" r:id="rId14"/>
-    <p:sldId id="290" r:id="rId15"/>
-    <p:sldId id="264" r:id="rId16"/>
-    <p:sldId id="291" r:id="rId17"/>
-    <p:sldId id="292" r:id="rId18"/>
-    <p:sldId id="293" r:id="rId19"/>
-    <p:sldId id="294" r:id="rId20"/>
-    <p:sldId id="259" r:id="rId21"/>
-    <p:sldId id="260" r:id="rId22"/>
-    <p:sldId id="272" r:id="rId23"/>
-    <p:sldId id="295" r:id="rId24"/>
-    <p:sldId id="275" r:id="rId25"/>
-    <p:sldId id="276" r:id="rId26"/>
-    <p:sldId id="285" r:id="rId27"/>
-    <p:sldId id="277" r:id="rId28"/>
-    <p:sldId id="279" r:id="rId29"/>
-    <p:sldId id="278" r:id="rId30"/>
-    <p:sldId id="266" r:id="rId31"/>
-    <p:sldId id="273" r:id="rId32"/>
-    <p:sldId id="267" r:id="rId33"/>
-    <p:sldId id="268" r:id="rId34"/>
-    <p:sldId id="280" r:id="rId35"/>
-    <p:sldId id="281" r:id="rId36"/>
-    <p:sldId id="269" r:id="rId37"/>
-    <p:sldId id="297" r:id="rId38"/>
-    <p:sldId id="296" r:id="rId39"/>
-    <p:sldId id="270" r:id="rId40"/>
+    <p:sldId id="284" r:id="rId7"/>
+    <p:sldId id="300" r:id="rId8"/>
+    <p:sldId id="263" r:id="rId9"/>
+    <p:sldId id="286" r:id="rId10"/>
+    <p:sldId id="287" r:id="rId11"/>
+    <p:sldId id="289" r:id="rId12"/>
+    <p:sldId id="288" r:id="rId13"/>
+    <p:sldId id="290" r:id="rId14"/>
+    <p:sldId id="264" r:id="rId15"/>
+    <p:sldId id="291" r:id="rId16"/>
+    <p:sldId id="292" r:id="rId17"/>
+    <p:sldId id="293" r:id="rId18"/>
+    <p:sldId id="294" r:id="rId19"/>
+    <p:sldId id="260" r:id="rId20"/>
+    <p:sldId id="272" r:id="rId21"/>
+    <p:sldId id="295" r:id="rId22"/>
+    <p:sldId id="275" r:id="rId23"/>
+    <p:sldId id="276" r:id="rId24"/>
+    <p:sldId id="259" r:id="rId25"/>
+    <p:sldId id="285" r:id="rId26"/>
+    <p:sldId id="277" r:id="rId27"/>
+    <p:sldId id="279" r:id="rId28"/>
+    <p:sldId id="278" r:id="rId29"/>
+    <p:sldId id="266" r:id="rId30"/>
+    <p:sldId id="273" r:id="rId31"/>
+    <p:sldId id="267" r:id="rId32"/>
+    <p:sldId id="268" r:id="rId33"/>
+    <p:sldId id="280" r:id="rId34"/>
+    <p:sldId id="281" r:id="rId35"/>
+    <p:sldId id="269" r:id="rId36"/>
+    <p:sldId id="297" r:id="rId37"/>
+    <p:sldId id="296" r:id="rId38"/>
+    <p:sldId id="270" r:id="rId39"/>
   </p:sldIdLst>
   <p:sldSz cx="12192000" cy="6858000"/>
   <p:notesSz cx="6858000" cy="9144000"/>
@@ -250,7 +249,7 @@
           <a:p>
             <a:fld id="{E119955A-8F8B-4836-9D5D-75BC53B05DFA}" type="datetimeFigureOut">
               <a:rPr lang="fr-CH" smtClean="0"/>
-              <a:t>26.03.2025</a:t>
+              <a:t>27.03.2025</a:t>
             </a:fld>
             <a:endParaRPr lang="fr-CH"/>
           </a:p>
@@ -427,7 +426,7 @@
           <a:p>
             <a:fld id="{4B7F84FC-00BA-4296-9B1E-E241E38FBA94}" type="datetimeFigureOut">
               <a:rPr lang="fr-CH" smtClean="0"/>
-              <a:t>26.03.2025</a:t>
+              <a:t>27.03.2025</a:t>
             </a:fld>
             <a:endParaRPr lang="fr-CH"/>
           </a:p>
@@ -739,10 +738,7 @@
           <a:bodyPr/>
           <a:lstStyle/>
           <a:p>
-            <a:r>
-              <a:rPr lang="fr-CH" dirty="0"/>
-              <a:t>À savoir que il est possible de récupérer des signatures TLS1.2 en écoutant le canal de manière passive (chiffrement effectué après).</a:t>
-            </a:r>
+            <a:endParaRPr lang="fr-CH" dirty="0"/>
           </a:p>
         </p:txBody>
       </p:sp>
@@ -763,7 +759,231 @@
           <a:p>
             <a:fld id="{AB99ADB5-010F-40A1-986F-327E4781DD7E}" type="slidenum">
               <a:rPr lang="fr-CH" smtClean="0"/>
-              <a:t>37</a:t>
+              <a:t>6</a:t>
+            </a:fld>
+            <a:endParaRPr lang="fr-CH"/>
+          </a:p>
+        </p:txBody>
+      </p:sp>
+    </p:spTree>
+    <p:extLst>
+      <p:ext uri="{BB962C8B-B14F-4D97-AF65-F5344CB8AC3E}">
+        <p14:creationId xmlns:p14="http://schemas.microsoft.com/office/powerpoint/2010/main" val="630408157"/>
+      </p:ext>
+    </p:extLst>
+  </p:cSld>
+  <p:clrMapOvr>
+    <a:masterClrMapping/>
+  </p:clrMapOvr>
+</p:notes>
+</file>
+
+<file path=ppt/notesSlides/notesSlide2.xml><?xml version="1.0" encoding="utf-8"?>
+<p:notes xmlns:a="http://schemas.openxmlformats.org/drawingml/2006/main" xmlns:r="http://schemas.openxmlformats.org/officeDocument/2006/relationships" xmlns:p="http://schemas.openxmlformats.org/presentationml/2006/main">
+  <p:cSld>
+    <p:spTree>
+      <p:nvGrpSpPr>
+        <p:cNvPr id="1" name=""/>
+        <p:cNvGrpSpPr/>
+        <p:nvPr/>
+      </p:nvGrpSpPr>
+      <p:grpSpPr>
+        <a:xfrm>
+          <a:off x="0" y="0"/>
+          <a:ext cx="0" cy="0"/>
+          <a:chOff x="0" y="0"/>
+          <a:chExt cx="0" cy="0"/>
+        </a:xfrm>
+      </p:grpSpPr>
+      <p:sp>
+        <p:nvSpPr>
+          <p:cNvPr id="2" name="Espace réservé de l'image des diapositives 1"/>
+          <p:cNvSpPr>
+            <a:spLocks noGrp="1" noRot="1" noChangeAspect="1"/>
+          </p:cNvSpPr>
+          <p:nvPr>
+            <p:ph type="sldImg"/>
+          </p:nvPr>
+        </p:nvSpPr>
+        <p:spPr/>
+      </p:sp>
+      <p:sp>
+        <p:nvSpPr>
+          <p:cNvPr id="3" name="Espace réservé des notes 2"/>
+          <p:cNvSpPr>
+            <a:spLocks noGrp="1"/>
+          </p:cNvSpPr>
+          <p:nvPr>
+            <p:ph type="body" idx="1"/>
+          </p:nvPr>
+        </p:nvSpPr>
+        <p:spPr/>
+        <p:txBody>
+          <a:bodyPr/>
+          <a:lstStyle/>
+          <a:p>
+            <a:pPr marL="0" marR="0" lvl="0" indent="0" algn="l" defTabSz="914400" rtl="0" eaLnBrk="1" fontAlgn="auto" latinLnBrk="0" hangingPunct="1">
+              <a:lnSpc>
+                <a:spcPct val="100000"/>
+              </a:lnSpc>
+              <a:spcBef>
+                <a:spcPts val="0"/>
+              </a:spcBef>
+              <a:spcAft>
+                <a:spcPts val="0"/>
+              </a:spcAft>
+              <a:buClrTx/>
+              <a:buSzTx/>
+              <a:buFontTx/>
+              <a:buNone/>
+              <a:tabLst/>
+              <a:defRPr/>
+            </a:pPr>
+            <a:r>
+              <a:rPr lang="en-GB" dirty="0"/>
+              <a:t>Signatures : ssh-ed25519, ecdsa-sha2-nistp256, ecdsa-sha2-nistp384, ecdsa-sha2-nistp521, sk-ssh-ed25519@openssh.com, sk-ecdsa-sha2-nistp256@openssh.com, rsa-sha2-512, rsa-sha2-256</a:t>
+            </a:r>
+            <a:endParaRPr lang="fr-CH" dirty="0"/>
+          </a:p>
+          <a:p>
+            <a:endParaRPr lang="fr-CH" dirty="0"/>
+          </a:p>
+          <a:p>
+            <a:r>
+              <a:rPr lang="en-GB" dirty="0"/>
+              <a:t>Ciphers : aes128-ctr,aes192-ctr,aes256-ctr </a:t>
+            </a:r>
+          </a:p>
+          <a:p>
+            <a:endParaRPr lang="en-GB" dirty="0"/>
+          </a:p>
+          <a:p>
+            <a:r>
+              <a:rPr lang="en-GB" dirty="0" err="1"/>
+              <a:t>KexAlgorithms</a:t>
+            </a:r>
+            <a:r>
+              <a:rPr lang="en-GB" dirty="0"/>
+              <a:t> : ecdh-sha2-nistp256, ecdh-sha2-nistp384, ecdh-sha2-nistp521, diffie-hellman-group14-sha1, diffie-hellman-group-exchange-sha256</a:t>
+            </a:r>
+          </a:p>
+          <a:p>
+            <a:endParaRPr lang="en-GB" dirty="0"/>
+          </a:p>
+          <a:p>
+            <a:r>
+              <a:rPr lang="en-GB" dirty="0"/>
+              <a:t>MACs : hmac-sha2-256, hmac-sha2-512, hmac-sha1</a:t>
+            </a:r>
+            <a:endParaRPr lang="fr-CH" dirty="0"/>
+          </a:p>
+        </p:txBody>
+      </p:sp>
+      <p:sp>
+        <p:nvSpPr>
+          <p:cNvPr id="4" name="Espace réservé du numéro de diapositive 3"/>
+          <p:cNvSpPr>
+            <a:spLocks noGrp="1"/>
+          </p:cNvSpPr>
+          <p:nvPr>
+            <p:ph type="sldNum" sz="quarter" idx="5"/>
+          </p:nvPr>
+        </p:nvSpPr>
+        <p:spPr/>
+        <p:txBody>
+          <a:bodyPr/>
+          <a:lstStyle/>
+          <a:p>
+            <a:fld id="{AB99ADB5-010F-40A1-986F-327E4781DD7E}" type="slidenum">
+              <a:rPr lang="fr-CH" smtClean="0"/>
+              <a:t>12</a:t>
+            </a:fld>
+            <a:endParaRPr lang="fr-CH"/>
+          </a:p>
+        </p:txBody>
+      </p:sp>
+    </p:spTree>
+    <p:extLst>
+      <p:ext uri="{BB962C8B-B14F-4D97-AF65-F5344CB8AC3E}">
+        <p14:creationId xmlns:p14="http://schemas.microsoft.com/office/powerpoint/2010/main" val="1269526156"/>
+      </p:ext>
+    </p:extLst>
+  </p:cSld>
+  <p:clrMapOvr>
+    <a:masterClrMapping/>
+  </p:clrMapOvr>
+</p:notes>
+</file>
+
+<file path=ppt/notesSlides/notesSlide3.xml><?xml version="1.0" encoding="utf-8"?>
+<p:notes xmlns:a="http://schemas.openxmlformats.org/drawingml/2006/main" xmlns:r="http://schemas.openxmlformats.org/officeDocument/2006/relationships" xmlns:p="http://schemas.openxmlformats.org/presentationml/2006/main">
+  <p:cSld>
+    <p:spTree>
+      <p:nvGrpSpPr>
+        <p:cNvPr id="1" name=""/>
+        <p:cNvGrpSpPr/>
+        <p:nvPr/>
+      </p:nvGrpSpPr>
+      <p:grpSpPr>
+        <a:xfrm>
+          <a:off x="0" y="0"/>
+          <a:ext cx="0" cy="0"/>
+          <a:chOff x="0" y="0"/>
+          <a:chExt cx="0" cy="0"/>
+        </a:xfrm>
+      </p:grpSpPr>
+      <p:sp>
+        <p:nvSpPr>
+          <p:cNvPr id="2" name="Espace réservé de l'image des diapositives 1"/>
+          <p:cNvSpPr>
+            <a:spLocks noGrp="1" noRot="1" noChangeAspect="1"/>
+          </p:cNvSpPr>
+          <p:nvPr>
+            <p:ph type="sldImg"/>
+          </p:nvPr>
+        </p:nvSpPr>
+        <p:spPr/>
+      </p:sp>
+      <p:sp>
+        <p:nvSpPr>
+          <p:cNvPr id="3" name="Espace réservé des notes 2"/>
+          <p:cNvSpPr>
+            <a:spLocks noGrp="1"/>
+          </p:cNvSpPr>
+          <p:nvPr>
+            <p:ph type="body" idx="1"/>
+          </p:nvPr>
+        </p:nvSpPr>
+        <p:spPr/>
+        <p:txBody>
+          <a:bodyPr/>
+          <a:lstStyle/>
+          <a:p>
+            <a:r>
+              <a:rPr lang="fr-CH" dirty="0"/>
+              <a:t>À savoir que il est possible de récupérer des signatures TLS1.2 en écoutant le canal de manière passive (chiffrement effectué après).</a:t>
+            </a:r>
+          </a:p>
+        </p:txBody>
+      </p:sp>
+      <p:sp>
+        <p:nvSpPr>
+          <p:cNvPr id="4" name="Espace réservé du numéro de diapositive 3"/>
+          <p:cNvSpPr>
+            <a:spLocks noGrp="1"/>
+          </p:cNvSpPr>
+          <p:nvPr>
+            <p:ph type="sldNum" sz="quarter" idx="5"/>
+          </p:nvPr>
+        </p:nvSpPr>
+        <p:spPr/>
+        <p:txBody>
+          <a:bodyPr/>
+          <a:lstStyle/>
+          <a:p>
+            <a:fld id="{AB99ADB5-010F-40A1-986F-327E4781DD7E}" type="slidenum">
+              <a:rPr lang="fr-CH" smtClean="0"/>
+              <a:t>36</a:t>
             </a:fld>
             <a:endParaRPr lang="fr-CH"/>
           </a:p>
@@ -931,7 +1151,7 @@
           <a:p>
             <a:fld id="{F57DD76F-4C7B-46A7-B9DC-35AD90C344BA}" type="datetimeFigureOut">
               <a:rPr lang="fr-CH" smtClean="0"/>
-              <a:t>26.03.2025</a:t>
+              <a:t>27.03.2025</a:t>
             </a:fld>
             <a:endParaRPr lang="fr-CH"/>
           </a:p>
@@ -1131,7 +1351,7 @@
           <a:p>
             <a:fld id="{F57DD76F-4C7B-46A7-B9DC-35AD90C344BA}" type="datetimeFigureOut">
               <a:rPr lang="fr-CH" smtClean="0"/>
-              <a:t>26.03.2025</a:t>
+              <a:t>27.03.2025</a:t>
             </a:fld>
             <a:endParaRPr lang="fr-CH"/>
           </a:p>
@@ -1341,7 +1561,7 @@
           <a:p>
             <a:fld id="{F57DD76F-4C7B-46A7-B9DC-35AD90C344BA}" type="datetimeFigureOut">
               <a:rPr lang="fr-CH" smtClean="0"/>
-              <a:t>26.03.2025</a:t>
+              <a:t>27.03.2025</a:t>
             </a:fld>
             <a:endParaRPr lang="fr-CH"/>
           </a:p>
@@ -1541,7 +1761,7 @@
           <a:p>
             <a:fld id="{F57DD76F-4C7B-46A7-B9DC-35AD90C344BA}" type="datetimeFigureOut">
               <a:rPr lang="fr-CH" smtClean="0"/>
-              <a:t>26.03.2025</a:t>
+              <a:t>27.03.2025</a:t>
             </a:fld>
             <a:endParaRPr lang="fr-CH"/>
           </a:p>
@@ -1817,7 +2037,7 @@
           <a:p>
             <a:fld id="{F57DD76F-4C7B-46A7-B9DC-35AD90C344BA}" type="datetimeFigureOut">
               <a:rPr lang="fr-CH" smtClean="0"/>
-              <a:t>26.03.2025</a:t>
+              <a:t>27.03.2025</a:t>
             </a:fld>
             <a:endParaRPr lang="fr-CH"/>
           </a:p>
@@ -2085,7 +2305,7 @@
           <a:p>
             <a:fld id="{F57DD76F-4C7B-46A7-B9DC-35AD90C344BA}" type="datetimeFigureOut">
               <a:rPr lang="fr-CH" smtClean="0"/>
-              <a:t>26.03.2025</a:t>
+              <a:t>27.03.2025</a:t>
             </a:fld>
             <a:endParaRPr lang="fr-CH"/>
           </a:p>
@@ -2500,7 +2720,7 @@
           <a:p>
             <a:fld id="{F57DD76F-4C7B-46A7-B9DC-35AD90C344BA}" type="datetimeFigureOut">
               <a:rPr lang="fr-CH" smtClean="0"/>
-              <a:t>26.03.2025</a:t>
+              <a:t>27.03.2025</a:t>
             </a:fld>
             <a:endParaRPr lang="fr-CH"/>
           </a:p>
@@ -2642,7 +2862,7 @@
           <a:p>
             <a:fld id="{F57DD76F-4C7B-46A7-B9DC-35AD90C344BA}" type="datetimeFigureOut">
               <a:rPr lang="fr-CH" smtClean="0"/>
-              <a:t>26.03.2025</a:t>
+              <a:t>27.03.2025</a:t>
             </a:fld>
             <a:endParaRPr lang="fr-CH"/>
           </a:p>
@@ -2755,7 +2975,7 @@
           <a:p>
             <a:fld id="{F57DD76F-4C7B-46A7-B9DC-35AD90C344BA}" type="datetimeFigureOut">
               <a:rPr lang="fr-CH" smtClean="0"/>
-              <a:t>26.03.2025</a:t>
+              <a:t>27.03.2025</a:t>
             </a:fld>
             <a:endParaRPr lang="fr-CH"/>
           </a:p>
@@ -3068,7 +3288,7 @@
           <a:p>
             <a:fld id="{F57DD76F-4C7B-46A7-B9DC-35AD90C344BA}" type="datetimeFigureOut">
               <a:rPr lang="fr-CH" smtClean="0"/>
-              <a:t>26.03.2025</a:t>
+              <a:t>27.03.2025</a:t>
             </a:fld>
             <a:endParaRPr lang="fr-CH"/>
           </a:p>
@@ -3357,7 +3577,7 @@
           <a:p>
             <a:fld id="{F57DD76F-4C7B-46A7-B9DC-35AD90C344BA}" type="datetimeFigureOut">
               <a:rPr lang="fr-CH" smtClean="0"/>
-              <a:t>26.03.2025</a:t>
+              <a:t>27.03.2025</a:t>
             </a:fld>
             <a:endParaRPr lang="fr-CH"/>
           </a:p>
@@ -3600,7 +3820,7 @@
           <a:p>
             <a:fld id="{F57DD76F-4C7B-46A7-B9DC-35AD90C344BA}" type="datetimeFigureOut">
               <a:rPr lang="fr-CH" smtClean="0"/>
-              <a:t>26.03.2025</a:t>
+              <a:t>27.03.2025</a:t>
             </a:fld>
             <a:endParaRPr lang="fr-CH"/>
           </a:p>
@@ -4143,239 +4363,6 @@
   <p:cSld>
     <p:spTree>
       <p:nvGrpSpPr>
-        <p:cNvPr id="1" name=""/>
-        <p:cNvGrpSpPr/>
-        <p:nvPr/>
-      </p:nvGrpSpPr>
-      <p:grpSpPr>
-        <a:xfrm>
-          <a:off x="0" y="0"/>
-          <a:ext cx="0" cy="0"/>
-          <a:chOff x="0" y="0"/>
-          <a:chExt cx="0" cy="0"/>
-        </a:xfrm>
-      </p:grpSpPr>
-      <p:sp>
-        <p:nvSpPr>
-          <p:cNvPr id="2" name="Titre 1">
-            <a:extLst>
-              <a:ext uri="{FF2B5EF4-FFF2-40B4-BE49-F238E27FC236}">
-                <a16:creationId xmlns:a16="http://schemas.microsoft.com/office/drawing/2014/main" id="{34DB7913-74D7-7837-652B-6F145847D8DA}"/>
-              </a:ext>
-            </a:extLst>
-          </p:cNvPr>
-          <p:cNvSpPr>
-            <a:spLocks noGrp="1"/>
-          </p:cNvSpPr>
-          <p:nvPr>
-            <p:ph type="title"/>
-          </p:nvPr>
-        </p:nvSpPr>
-        <p:spPr/>
-        <p:txBody>
-          <a:bodyPr/>
-          <a:lstStyle/>
-          <a:p>
-            <a:r>
-              <a:rPr lang="fr-CH" dirty="0"/>
-              <a:t>SSH - Protocole</a:t>
-            </a:r>
-          </a:p>
-        </p:txBody>
-      </p:sp>
-      <p:sp>
-        <p:nvSpPr>
-          <p:cNvPr id="3" name="Espace réservé du contenu 2">
-            <a:extLst>
-              <a:ext uri="{FF2B5EF4-FFF2-40B4-BE49-F238E27FC236}">
-                <a16:creationId xmlns:a16="http://schemas.microsoft.com/office/drawing/2014/main" id="{66D37A0F-FDE0-F063-4D79-9F2C94D0B35A}"/>
-              </a:ext>
-            </a:extLst>
-          </p:cNvPr>
-          <p:cNvSpPr>
-            <a:spLocks noGrp="1"/>
-          </p:cNvSpPr>
-          <p:nvPr>
-            <p:ph idx="1"/>
-          </p:nvPr>
-        </p:nvSpPr>
-        <p:spPr/>
-        <p:txBody>
-          <a:bodyPr>
-            <a:normAutofit lnSpcReduction="10000"/>
-          </a:bodyPr>
-          <a:lstStyle/>
-          <a:p>
-            <a:pPr marL="514350" indent="-514350">
-              <a:buFont typeface="+mj-lt"/>
-              <a:buAutoNum type="arabicPeriod"/>
-            </a:pPr>
-            <a:r>
-              <a:rPr lang="fr-CH" dirty="0"/>
-              <a:t>Connection du client</a:t>
-            </a:r>
-          </a:p>
-          <a:p>
-            <a:pPr marL="514350" indent="-514350">
-              <a:buFont typeface="+mj-lt"/>
-              <a:buAutoNum type="arabicPeriod"/>
-            </a:pPr>
-            <a:r>
-              <a:rPr lang="fr-CH" dirty="0"/>
-              <a:t>Négociation des algorithmes</a:t>
-            </a:r>
-          </a:p>
-          <a:p>
-            <a:pPr marL="514350" indent="-514350">
-              <a:buFont typeface="+mj-lt"/>
-              <a:buAutoNum type="arabicPeriod"/>
-            </a:pPr>
-            <a:r>
-              <a:rPr lang="fr-CH" dirty="0"/>
-              <a:t>Échange </a:t>
-            </a:r>
-            <a:r>
-              <a:rPr lang="fr-CH" dirty="0" err="1"/>
-              <a:t>Diffie</a:t>
-            </a:r>
-            <a:r>
-              <a:rPr lang="fr-CH" dirty="0"/>
-              <a:t>-Hellman</a:t>
-            </a:r>
-          </a:p>
-          <a:p>
-            <a:pPr marL="514350" indent="-514350">
-              <a:buFont typeface="+mj-lt"/>
-              <a:buAutoNum type="arabicPeriod"/>
-            </a:pPr>
-            <a:r>
-              <a:rPr lang="fr-CH" dirty="0"/>
-              <a:t>Le serveur signe le secret dérivé du D-H, les </a:t>
-            </a:r>
-            <a:r>
-              <a:rPr lang="fr-CH" dirty="0" err="1"/>
-              <a:t>cipher</a:t>
-            </a:r>
-            <a:r>
-              <a:rPr lang="fr-CH" dirty="0"/>
-              <a:t> suites, </a:t>
-            </a:r>
-            <a:r>
-              <a:rPr lang="fr-CH" dirty="0" err="1"/>
-              <a:t>l’id</a:t>
-            </a:r>
-            <a:r>
-              <a:rPr lang="fr-CH" dirty="0"/>
-              <a:t> client et serveur</a:t>
-            </a:r>
-          </a:p>
-          <a:p>
-            <a:pPr marL="514350" indent="-514350">
-              <a:buFont typeface="+mj-lt"/>
-              <a:buAutoNum type="arabicPeriod"/>
-            </a:pPr>
-            <a:r>
-              <a:rPr lang="fr-CH" dirty="0"/>
-              <a:t>Signature envoyée en clair</a:t>
-            </a:r>
-          </a:p>
-          <a:p>
-            <a:pPr marL="514350" indent="-514350">
-              <a:buFont typeface="+mj-lt"/>
-              <a:buAutoNum type="arabicPeriod"/>
-            </a:pPr>
-            <a:r>
-              <a:rPr lang="fr-CH" dirty="0"/>
-              <a:t>Vérification de la signature par le client</a:t>
-            </a:r>
-          </a:p>
-          <a:p>
-            <a:pPr marL="514350" indent="-514350">
-              <a:buFont typeface="+mj-lt"/>
-              <a:buAutoNum type="arabicPeriod"/>
-            </a:pPr>
-            <a:r>
-              <a:rPr lang="fr-CH" dirty="0"/>
-              <a:t>Établissement du canal chiffré</a:t>
-            </a:r>
-          </a:p>
-          <a:p>
-            <a:pPr marL="514350" indent="-514350">
-              <a:buFont typeface="+mj-lt"/>
-              <a:buAutoNum type="arabicPeriod"/>
-            </a:pPr>
-            <a:r>
-              <a:rPr lang="fr-CH" dirty="0"/>
-              <a:t>Authentification du client</a:t>
-            </a:r>
-          </a:p>
-        </p:txBody>
-      </p:sp>
-      <p:pic>
-        <p:nvPicPr>
-          <p:cNvPr id="4" name="Picture 2">
-            <a:extLst>
-              <a:ext uri="{FF2B5EF4-FFF2-40B4-BE49-F238E27FC236}">
-                <a16:creationId xmlns:a16="http://schemas.microsoft.com/office/drawing/2014/main" id="{CAE7CD4C-F43F-1117-6489-EB01D835CA13}"/>
-              </a:ext>
-            </a:extLst>
-          </p:cNvPr>
-          <p:cNvPicPr>
-            <a:picLocks noChangeAspect="1" noChangeArrowheads="1"/>
-          </p:cNvPicPr>
-          <p:nvPr/>
-        </p:nvPicPr>
-        <p:blipFill>
-          <a:blip r:embed="rId2">
-            <a:extLst>
-              <a:ext uri="{28A0092B-C50C-407E-A947-70E740481C1C}">
-                <a14:useLocalDpi xmlns:a14="http://schemas.microsoft.com/office/drawing/2010/main" val="0"/>
-              </a:ext>
-            </a:extLst>
-          </a:blip>
-          <a:srcRect/>
-          <a:stretch>
-            <a:fillRect/>
-          </a:stretch>
-        </p:blipFill>
-        <p:spPr bwMode="auto">
-          <a:xfrm>
-            <a:off x="180000" y="180000"/>
-            <a:ext cx="795955" cy="594915"/>
-          </a:xfrm>
-          <a:prstGeom prst="rect">
-            <a:avLst/>
-          </a:prstGeom>
-          <a:noFill/>
-          <a:extLst>
-            <a:ext uri="{909E8E84-426E-40DD-AFC4-6F175D3DCCD1}">
-              <a14:hiddenFill xmlns:a14="http://schemas.microsoft.com/office/drawing/2010/main">
-                <a:solidFill>
-                  <a:srgbClr val="FFFFFF"/>
-                </a:solidFill>
-              </a14:hiddenFill>
-            </a:ext>
-          </a:extLst>
-        </p:spPr>
-      </p:pic>
-    </p:spTree>
-    <p:extLst>
-      <p:ext uri="{BB962C8B-B14F-4D97-AF65-F5344CB8AC3E}">
-        <p14:creationId xmlns:p14="http://schemas.microsoft.com/office/powerpoint/2010/main" val="2074329008"/>
-      </p:ext>
-    </p:extLst>
-  </p:cSld>
-  <p:clrMapOvr>
-    <a:masterClrMapping/>
-  </p:clrMapOvr>
-</p:sld>
-</file>
-
-<file path=ppt/slides/slide11.xml><?xml version="1.0" encoding="utf-8"?>
-<p:sld xmlns:a="http://schemas.openxmlformats.org/drawingml/2006/main" xmlns:r="http://schemas.openxmlformats.org/officeDocument/2006/relationships" xmlns:p="http://schemas.openxmlformats.org/presentationml/2006/main">
-  <p:cSld>
-    <p:spTree>
-      <p:nvGrpSpPr>
         <p:cNvPr id="1" name="">
           <a:extLst>
             <a:ext uri="{FF2B5EF4-FFF2-40B4-BE49-F238E27FC236}">
@@ -4493,9 +4480,9 @@
             </a:r>
             <a:r>
               <a:rPr lang="fr-CH" dirty="0">
-                <a:highlight>
+                <a:solidFill>
                   <a:srgbClr val="FF0000"/>
-                </a:highlight>
+                </a:solidFill>
               </a:rPr>
               <a:t>signe le secret dérivé du D-H</a:t>
             </a:r>
@@ -4527,9 +4514,9 @@
             </a:pPr>
             <a:r>
               <a:rPr lang="fr-CH" dirty="0">
-                <a:highlight>
+                <a:solidFill>
                   <a:srgbClr val="FF0000"/>
-                </a:highlight>
+                </a:solidFill>
               </a:rPr>
               <a:t>Signature envoyée en clair</a:t>
             </a:r>
@@ -4631,7 +4618,7 @@
 </p:sld>
 </file>
 
-<file path=ppt/slides/slide12.xml><?xml version="1.0" encoding="utf-8"?>
+<file path=ppt/slides/slide11.xml><?xml version="1.0" encoding="utf-8"?>
 <p:sld xmlns:a="http://schemas.openxmlformats.org/drawingml/2006/main" xmlns:r="http://schemas.openxmlformats.org/officeDocument/2006/relationships" xmlns:p="http://schemas.openxmlformats.org/presentationml/2006/main">
   <p:cSld>
     <p:spTree>
@@ -4799,7 +4786,7 @@
 </p:sld>
 </file>
 
-<file path=ppt/slides/slide13.xml><?xml version="1.0" encoding="utf-8"?>
+<file path=ppt/slides/slide12.xml><?xml version="1.0" encoding="utf-8"?>
 <p:sld xmlns:a="http://schemas.openxmlformats.org/drawingml/2006/main" xmlns:r="http://schemas.openxmlformats.org/officeDocument/2006/relationships" xmlns:p="http://schemas.openxmlformats.org/presentationml/2006/main">
   <p:cSld>
     <p:spTree>
@@ -4893,10 +4880,9 @@
           <a:p>
             <a:pPr lvl="1"/>
             <a:r>
-              <a:rPr lang="fr-CH"/>
+              <a:rPr lang="fr-CH" dirty="0"/>
               <a:t>RSA</a:t>
             </a:r>
-            <a:endParaRPr lang="fr-CH" dirty="0"/>
           </a:p>
           <a:p>
             <a:r>
@@ -4953,7 +4939,7 @@
           <p:nvPr/>
         </p:nvPicPr>
         <p:blipFill>
-          <a:blip r:embed="rId2">
+          <a:blip r:embed="rId3">
             <a:extLst>
               <a:ext uri="{28A0092B-C50C-407E-A947-70E740481C1C}">
                 <a14:useLocalDpi xmlns:a14="http://schemas.microsoft.com/office/drawing/2010/main" val="0"/>
@@ -4998,7 +4984,7 @@
 </p:sld>
 </file>
 
-<file path=ppt/slides/slide14.xml><?xml version="1.0" encoding="utf-8"?>
+<file path=ppt/slides/slide13.xml><?xml version="1.0" encoding="utf-8"?>
 <p:sld xmlns:a="http://schemas.openxmlformats.org/drawingml/2006/main" xmlns:r="http://schemas.openxmlformats.org/officeDocument/2006/relationships" xmlns:p="http://schemas.openxmlformats.org/presentationml/2006/main">
   <p:cSld>
     <p:spTree>
@@ -5195,7 +5181,7 @@
 </p:sld>
 </file>
 
-<file path=ppt/slides/slide15.xml><?xml version="1.0" encoding="utf-8"?>
+<file path=ppt/slides/slide14.xml><?xml version="1.0" encoding="utf-8"?>
 <p:sld xmlns:a="http://schemas.openxmlformats.org/drawingml/2006/main" xmlns:r="http://schemas.openxmlformats.org/officeDocument/2006/relationships" xmlns:p="http://schemas.openxmlformats.org/presentationml/2006/main">
   <p:cSld>
     <p:spTree>
@@ -5360,7 +5346,7 @@
 </p:sld>
 </file>
 
-<file path=ppt/slides/slide16.xml><?xml version="1.0" encoding="utf-8"?>
+<file path=ppt/slides/slide15.xml><?xml version="1.0" encoding="utf-8"?>
 <p:sld xmlns:a="http://schemas.openxmlformats.org/drawingml/2006/main" xmlns:r="http://schemas.openxmlformats.org/officeDocument/2006/relationships" xmlns:p="http://schemas.openxmlformats.org/presentationml/2006/main">
   <p:cSld>
     <p:spTree>
@@ -5544,7 +5530,7 @@
 </p:sld>
 </file>
 
-<file path=ppt/slides/slide17.xml><?xml version="1.0" encoding="utf-8"?>
+<file path=ppt/slides/slide16.xml><?xml version="1.0" encoding="utf-8"?>
 <p:sld xmlns:a="http://schemas.openxmlformats.org/drawingml/2006/main" xmlns:r="http://schemas.openxmlformats.org/officeDocument/2006/relationships" xmlns:p="http://schemas.openxmlformats.org/presentationml/2006/main">
   <p:cSld>
     <p:spTree>
@@ -5729,7 +5715,7 @@
 </p:sld>
 </file>
 
-<file path=ppt/slides/slide18.xml><?xml version="1.0" encoding="utf-8"?>
+<file path=ppt/slides/slide17.xml><?xml version="1.0" encoding="utf-8"?>
 <p:sld xmlns:a="http://schemas.openxmlformats.org/drawingml/2006/main" xmlns:r="http://schemas.openxmlformats.org/officeDocument/2006/relationships" xmlns:p="http://schemas.openxmlformats.org/presentationml/2006/main">
   <p:cSld>
     <p:spTree>
@@ -5892,7 +5878,7 @@
 </p:sld>
 </file>
 
-<file path=ppt/slides/slide19.xml><?xml version="1.0" encoding="utf-8"?>
+<file path=ppt/slides/slide18.xml><?xml version="1.0" encoding="utf-8"?>
 <p:sld xmlns:a="http://schemas.openxmlformats.org/drawingml/2006/main" xmlns:r="http://schemas.openxmlformats.org/officeDocument/2006/relationships" xmlns:p="http://schemas.openxmlformats.org/presentationml/2006/main">
   <p:cSld>
     <p:spTree>
@@ -6071,321 +6057,7 @@
 </p:sld>
 </file>
 
-<file path=ppt/slides/slide2.xml><?xml version="1.0" encoding="utf-8"?>
-<p:sld xmlns:a="http://schemas.openxmlformats.org/drawingml/2006/main" xmlns:r="http://schemas.openxmlformats.org/officeDocument/2006/relationships" xmlns:p="http://schemas.openxmlformats.org/presentationml/2006/main">
-  <p:cSld>
-    <p:spTree>
-      <p:nvGrpSpPr>
-        <p:cNvPr id="1" name="">
-          <a:extLst>
-            <a:ext uri="{FF2B5EF4-FFF2-40B4-BE49-F238E27FC236}">
-              <a16:creationId xmlns:a16="http://schemas.microsoft.com/office/drawing/2014/main" id="{A16C488F-EE2A-86D9-9AA1-2DBA0BD52BDB}"/>
-            </a:ext>
-          </a:extLst>
-        </p:cNvPr>
-        <p:cNvGrpSpPr/>
-        <p:nvPr/>
-      </p:nvGrpSpPr>
-      <p:grpSpPr>
-        <a:xfrm>
-          <a:off x="0" y="0"/>
-          <a:ext cx="0" cy="0"/>
-          <a:chOff x="0" y="0"/>
-          <a:chExt cx="0" cy="0"/>
-        </a:xfrm>
-      </p:grpSpPr>
-      <p:sp>
-        <p:nvSpPr>
-          <p:cNvPr id="2" name="Titre 1">
-            <a:extLst>
-              <a:ext uri="{FF2B5EF4-FFF2-40B4-BE49-F238E27FC236}">
-                <a16:creationId xmlns:a16="http://schemas.microsoft.com/office/drawing/2014/main" id="{40F4507E-90AB-6146-28F6-5BDB24869798}"/>
-              </a:ext>
-            </a:extLst>
-          </p:cNvPr>
-          <p:cNvSpPr>
-            <a:spLocks noGrp="1"/>
-          </p:cNvSpPr>
-          <p:nvPr>
-            <p:ph type="title"/>
-          </p:nvPr>
-        </p:nvSpPr>
-        <p:spPr/>
-        <p:txBody>
-          <a:bodyPr/>
-          <a:lstStyle/>
-          <a:p>
-            <a:r>
-              <a:rPr lang="fr-CH" dirty="0"/>
-              <a:t>Introduction - Signatures digitales</a:t>
-            </a:r>
-          </a:p>
-        </p:txBody>
-      </p:sp>
-      <p:sp>
-        <p:nvSpPr>
-          <p:cNvPr id="3" name="Espace réservé du contenu 2">
-            <a:extLst>
-              <a:ext uri="{FF2B5EF4-FFF2-40B4-BE49-F238E27FC236}">
-                <a16:creationId xmlns:a16="http://schemas.microsoft.com/office/drawing/2014/main" id="{2D00291B-59F6-8BD5-447B-641512E7FFD6}"/>
-              </a:ext>
-            </a:extLst>
-          </p:cNvPr>
-          <p:cNvSpPr>
-            <a:spLocks noGrp="1"/>
-          </p:cNvSpPr>
-          <p:nvPr>
-            <p:ph idx="1"/>
-          </p:nvPr>
-        </p:nvSpPr>
-        <p:spPr/>
-        <p:txBody>
-          <a:bodyPr/>
-          <a:lstStyle/>
-          <a:p>
-            <a:r>
-              <a:rPr lang="fr-CH" dirty="0"/>
-              <a:t>Signatures digitales largement répandues</a:t>
-            </a:r>
-          </a:p>
-          <a:p>
-            <a:r>
-              <a:rPr lang="fr-CH" dirty="0"/>
-              <a:t>Authentifier un client, un serveur</a:t>
-            </a:r>
-          </a:p>
-          <a:p>
-            <a:r>
-              <a:rPr lang="fr-CH" dirty="0"/>
-              <a:t>Souvent combiné avec d’autres algorithmes cryptographiques</a:t>
-            </a:r>
-          </a:p>
-          <a:p>
-            <a:r>
-              <a:rPr lang="fr-CH" dirty="0"/>
-              <a:t>Paire de clé publique et privée</a:t>
-            </a:r>
-          </a:p>
-        </p:txBody>
-      </p:sp>
-      <p:pic>
-        <p:nvPicPr>
-          <p:cNvPr id="5" name="Picture 2">
-            <a:extLst>
-              <a:ext uri="{FF2B5EF4-FFF2-40B4-BE49-F238E27FC236}">
-                <a16:creationId xmlns:a16="http://schemas.microsoft.com/office/drawing/2014/main" id="{9787E687-4FC6-F11D-C782-ACF11C781375}"/>
-              </a:ext>
-            </a:extLst>
-          </p:cNvPr>
-          <p:cNvPicPr>
-            <a:picLocks noChangeAspect="1" noChangeArrowheads="1"/>
-          </p:cNvPicPr>
-          <p:nvPr/>
-        </p:nvPicPr>
-        <p:blipFill>
-          <a:blip r:embed="rId2">
-            <a:extLst>
-              <a:ext uri="{28A0092B-C50C-407E-A947-70E740481C1C}">
-                <a14:useLocalDpi xmlns:a14="http://schemas.microsoft.com/office/drawing/2010/main" val="0"/>
-              </a:ext>
-            </a:extLst>
-          </a:blip>
-          <a:srcRect/>
-          <a:stretch>
-            <a:fillRect/>
-          </a:stretch>
-        </p:blipFill>
-        <p:spPr bwMode="auto">
-          <a:xfrm>
-            <a:off x="180000" y="180000"/>
-            <a:ext cx="795955" cy="594915"/>
-          </a:xfrm>
-          <a:prstGeom prst="rect">
-            <a:avLst/>
-          </a:prstGeom>
-          <a:noFill/>
-          <a:extLst>
-            <a:ext uri="{909E8E84-426E-40DD-AFC4-6F175D3DCCD1}">
-              <a14:hiddenFill xmlns:a14="http://schemas.microsoft.com/office/drawing/2010/main">
-                <a:solidFill>
-                  <a:srgbClr val="FFFFFF"/>
-                </a:solidFill>
-              </a14:hiddenFill>
-            </a:ext>
-          </a:extLst>
-        </p:spPr>
-      </p:pic>
-    </p:spTree>
-    <p:extLst>
-      <p:ext uri="{BB962C8B-B14F-4D97-AF65-F5344CB8AC3E}">
-        <p14:creationId xmlns:p14="http://schemas.microsoft.com/office/powerpoint/2010/main" val="2576456738"/>
-      </p:ext>
-    </p:extLst>
-  </p:cSld>
-  <p:clrMapOvr>
-    <a:masterClrMapping/>
-  </p:clrMapOvr>
-</p:sld>
-</file>
-
-<file path=ppt/slides/slide20.xml><?xml version="1.0" encoding="utf-8"?>
-<p:sld xmlns:a="http://schemas.openxmlformats.org/drawingml/2006/main" xmlns:r="http://schemas.openxmlformats.org/officeDocument/2006/relationships" xmlns:p="http://schemas.openxmlformats.org/presentationml/2006/main">
-  <p:cSld>
-    <p:spTree>
-      <p:nvGrpSpPr>
-        <p:cNvPr id="1" name=""/>
-        <p:cNvGrpSpPr/>
-        <p:nvPr/>
-      </p:nvGrpSpPr>
-      <p:grpSpPr>
-        <a:xfrm>
-          <a:off x="0" y="0"/>
-          <a:ext cx="0" cy="0"/>
-          <a:chOff x="0" y="0"/>
-          <a:chExt cx="0" cy="0"/>
-        </a:xfrm>
-      </p:grpSpPr>
-      <p:sp>
-        <p:nvSpPr>
-          <p:cNvPr id="2" name="Titre 1">
-            <a:extLst>
-              <a:ext uri="{FF2B5EF4-FFF2-40B4-BE49-F238E27FC236}">
-                <a16:creationId xmlns:a16="http://schemas.microsoft.com/office/drawing/2014/main" id="{40A65D9A-3F2C-69B4-3154-ABB83E1CF54A}"/>
-              </a:ext>
-            </a:extLst>
-          </p:cNvPr>
-          <p:cNvSpPr>
-            <a:spLocks noGrp="1"/>
-          </p:cNvSpPr>
-          <p:nvPr>
-            <p:ph type="title"/>
-          </p:nvPr>
-        </p:nvSpPr>
-        <p:spPr/>
-        <p:txBody>
-          <a:bodyPr/>
-          <a:lstStyle/>
-          <a:p>
-            <a:r>
-              <a:rPr lang="fr-CH" dirty="0"/>
-              <a:t>Conditions pour réussir l’attaque</a:t>
-            </a:r>
-          </a:p>
-        </p:txBody>
-      </p:sp>
-      <p:sp>
-        <p:nvSpPr>
-          <p:cNvPr id="3" name="Espace réservé du contenu 2">
-            <a:extLst>
-              <a:ext uri="{FF2B5EF4-FFF2-40B4-BE49-F238E27FC236}">
-                <a16:creationId xmlns:a16="http://schemas.microsoft.com/office/drawing/2014/main" id="{E5045492-C4E0-5A1C-D47B-AD51BE3CE468}"/>
-              </a:ext>
-            </a:extLst>
-          </p:cNvPr>
-          <p:cNvSpPr>
-            <a:spLocks noGrp="1"/>
-          </p:cNvSpPr>
-          <p:nvPr>
-            <p:ph idx="1"/>
-          </p:nvPr>
-        </p:nvSpPr>
-        <p:spPr/>
-        <p:txBody>
-          <a:bodyPr/>
-          <a:lstStyle/>
-          <a:p>
-            <a:r>
-              <a:rPr lang="fr-CH" dirty="0"/>
-              <a:t>Une signature PKCS#1 V1.5 invalide</a:t>
-            </a:r>
-          </a:p>
-          <a:p>
-            <a:r>
-              <a:rPr lang="fr-CH" dirty="0"/>
-              <a:t>Posséder la clé publique correspondante</a:t>
-            </a:r>
-          </a:p>
-          <a:p>
-            <a:r>
-              <a:rPr lang="fr-CH" dirty="0"/>
-              <a:t>Pour un message inconnu</a:t>
-            </a:r>
-          </a:p>
-          <a:p>
-            <a:r>
-              <a:rPr lang="fr-CH" dirty="0"/>
-              <a:t>Le calcul de la signature utilise le théorème des restes chinois</a:t>
-            </a:r>
-          </a:p>
-          <a:p>
-            <a:r>
-              <a:rPr lang="fr-CH" dirty="0"/>
-              <a:t>L’erreur de calcul apparait dans le monde des tuples</a:t>
-            </a:r>
-          </a:p>
-        </p:txBody>
-      </p:sp>
-      <p:pic>
-        <p:nvPicPr>
-          <p:cNvPr id="4" name="Picture 2">
-            <a:extLst>
-              <a:ext uri="{FF2B5EF4-FFF2-40B4-BE49-F238E27FC236}">
-                <a16:creationId xmlns:a16="http://schemas.microsoft.com/office/drawing/2014/main" id="{B52253EE-9EAC-7BC7-89AD-01C97DF9CE97}"/>
-              </a:ext>
-            </a:extLst>
-          </p:cNvPr>
-          <p:cNvPicPr>
-            <a:picLocks noChangeAspect="1" noChangeArrowheads="1"/>
-          </p:cNvPicPr>
-          <p:nvPr/>
-        </p:nvPicPr>
-        <p:blipFill>
-          <a:blip r:embed="rId2">
-            <a:extLst>
-              <a:ext uri="{28A0092B-C50C-407E-A947-70E740481C1C}">
-                <a14:useLocalDpi xmlns:a14="http://schemas.microsoft.com/office/drawing/2010/main" val="0"/>
-              </a:ext>
-            </a:extLst>
-          </a:blip>
-          <a:srcRect/>
-          <a:stretch>
-            <a:fillRect/>
-          </a:stretch>
-        </p:blipFill>
-        <p:spPr bwMode="auto">
-          <a:xfrm>
-            <a:off x="180000" y="180000"/>
-            <a:ext cx="795955" cy="594915"/>
-          </a:xfrm>
-          <a:prstGeom prst="rect">
-            <a:avLst/>
-          </a:prstGeom>
-          <a:noFill/>
-          <a:extLst>
-            <a:ext uri="{909E8E84-426E-40DD-AFC4-6F175D3DCCD1}">
-              <a14:hiddenFill xmlns:a14="http://schemas.microsoft.com/office/drawing/2010/main">
-                <a:solidFill>
-                  <a:srgbClr val="FFFFFF"/>
-                </a:solidFill>
-              </a14:hiddenFill>
-            </a:ext>
-          </a:extLst>
-        </p:spPr>
-      </p:pic>
-    </p:spTree>
-    <p:extLst>
-      <p:ext uri="{BB962C8B-B14F-4D97-AF65-F5344CB8AC3E}">
-        <p14:creationId xmlns:p14="http://schemas.microsoft.com/office/powerpoint/2010/main" val="3747769276"/>
-      </p:ext>
-    </p:extLst>
-  </p:cSld>
-  <p:clrMapOvr>
-    <a:masterClrMapping/>
-  </p:clrMapOvr>
-</p:sld>
-</file>
-
-<file path=ppt/slides/slide21.xml><?xml version="1.0" encoding="utf-8"?>
+<file path=ppt/slides/slide19.xml><?xml version="1.0" encoding="utf-8"?>
 <p:sld xmlns:a="http://schemas.openxmlformats.org/drawingml/2006/main" xmlns:r="http://schemas.openxmlformats.org/officeDocument/2006/relationships" xmlns:p="http://schemas.openxmlformats.org/presentationml/2006/main">
   <p:cSld>
     <p:spTree>
@@ -6957,7 +6629,164 @@
 </p:sld>
 </file>
 
-<file path=ppt/slides/slide22.xml><?xml version="1.0" encoding="utf-8"?>
+<file path=ppt/slides/slide2.xml><?xml version="1.0" encoding="utf-8"?>
+<p:sld xmlns:a="http://schemas.openxmlformats.org/drawingml/2006/main" xmlns:r="http://schemas.openxmlformats.org/officeDocument/2006/relationships" xmlns:p="http://schemas.openxmlformats.org/presentationml/2006/main">
+  <p:cSld>
+    <p:spTree>
+      <p:nvGrpSpPr>
+        <p:cNvPr id="1" name="">
+          <a:extLst>
+            <a:ext uri="{FF2B5EF4-FFF2-40B4-BE49-F238E27FC236}">
+              <a16:creationId xmlns:a16="http://schemas.microsoft.com/office/drawing/2014/main" id="{A16C488F-EE2A-86D9-9AA1-2DBA0BD52BDB}"/>
+            </a:ext>
+          </a:extLst>
+        </p:cNvPr>
+        <p:cNvGrpSpPr/>
+        <p:nvPr/>
+      </p:nvGrpSpPr>
+      <p:grpSpPr>
+        <a:xfrm>
+          <a:off x="0" y="0"/>
+          <a:ext cx="0" cy="0"/>
+          <a:chOff x="0" y="0"/>
+          <a:chExt cx="0" cy="0"/>
+        </a:xfrm>
+      </p:grpSpPr>
+      <p:sp>
+        <p:nvSpPr>
+          <p:cNvPr id="2" name="Titre 1">
+            <a:extLst>
+              <a:ext uri="{FF2B5EF4-FFF2-40B4-BE49-F238E27FC236}">
+                <a16:creationId xmlns:a16="http://schemas.microsoft.com/office/drawing/2014/main" id="{40F4507E-90AB-6146-28F6-5BDB24869798}"/>
+              </a:ext>
+            </a:extLst>
+          </p:cNvPr>
+          <p:cNvSpPr>
+            <a:spLocks noGrp="1"/>
+          </p:cNvSpPr>
+          <p:nvPr>
+            <p:ph type="title"/>
+          </p:nvPr>
+        </p:nvSpPr>
+        <p:spPr/>
+        <p:txBody>
+          <a:bodyPr/>
+          <a:lstStyle/>
+          <a:p>
+            <a:r>
+              <a:rPr lang="fr-CH" dirty="0"/>
+              <a:t>Introduction - Signatures digitales</a:t>
+            </a:r>
+          </a:p>
+        </p:txBody>
+      </p:sp>
+      <p:sp>
+        <p:nvSpPr>
+          <p:cNvPr id="3" name="Espace réservé du contenu 2">
+            <a:extLst>
+              <a:ext uri="{FF2B5EF4-FFF2-40B4-BE49-F238E27FC236}">
+                <a16:creationId xmlns:a16="http://schemas.microsoft.com/office/drawing/2014/main" id="{2D00291B-59F6-8BD5-447B-641512E7FFD6}"/>
+              </a:ext>
+            </a:extLst>
+          </p:cNvPr>
+          <p:cNvSpPr>
+            <a:spLocks noGrp="1"/>
+          </p:cNvSpPr>
+          <p:nvPr>
+            <p:ph idx="1"/>
+          </p:nvPr>
+        </p:nvSpPr>
+        <p:spPr/>
+        <p:txBody>
+          <a:bodyPr/>
+          <a:lstStyle/>
+          <a:p>
+            <a:r>
+              <a:rPr lang="fr-CH" dirty="0"/>
+              <a:t>Signatures digitales largement répandues</a:t>
+            </a:r>
+          </a:p>
+          <a:p>
+            <a:r>
+              <a:rPr lang="fr-CH" dirty="0"/>
+              <a:t>Authentifier un client, un serveur</a:t>
+            </a:r>
+          </a:p>
+          <a:p>
+            <a:r>
+              <a:rPr lang="fr-CH" dirty="0"/>
+              <a:t>Souvent combiné avec d’autres algorithmes cryptographiques</a:t>
+            </a:r>
+          </a:p>
+          <a:p>
+            <a:r>
+              <a:rPr lang="fr-CH" dirty="0"/>
+              <a:t>Paire de clé publique et privée</a:t>
+            </a:r>
+          </a:p>
+        </p:txBody>
+      </p:sp>
+      <p:pic>
+        <p:nvPicPr>
+          <p:cNvPr id="5" name="Picture 2">
+            <a:extLst>
+              <a:ext uri="{FF2B5EF4-FFF2-40B4-BE49-F238E27FC236}">
+                <a16:creationId xmlns:a16="http://schemas.microsoft.com/office/drawing/2014/main" id="{9787E687-4FC6-F11D-C782-ACF11C781375}"/>
+              </a:ext>
+            </a:extLst>
+          </p:cNvPr>
+          <p:cNvPicPr>
+            <a:picLocks noChangeAspect="1" noChangeArrowheads="1"/>
+          </p:cNvPicPr>
+          <p:nvPr/>
+        </p:nvPicPr>
+        <p:blipFill>
+          <a:blip r:embed="rId2">
+            <a:extLst>
+              <a:ext uri="{28A0092B-C50C-407E-A947-70E740481C1C}">
+                <a14:useLocalDpi xmlns:a14="http://schemas.microsoft.com/office/drawing/2010/main" val="0"/>
+              </a:ext>
+            </a:extLst>
+          </a:blip>
+          <a:srcRect/>
+          <a:stretch>
+            <a:fillRect/>
+          </a:stretch>
+        </p:blipFill>
+        <p:spPr bwMode="auto">
+          <a:xfrm>
+            <a:off x="180000" y="180000"/>
+            <a:ext cx="795955" cy="594915"/>
+          </a:xfrm>
+          <a:prstGeom prst="rect">
+            <a:avLst/>
+          </a:prstGeom>
+          <a:noFill/>
+          <a:extLst>
+            <a:ext uri="{909E8E84-426E-40DD-AFC4-6F175D3DCCD1}">
+              <a14:hiddenFill xmlns:a14="http://schemas.microsoft.com/office/drawing/2010/main">
+                <a:solidFill>
+                  <a:srgbClr val="FFFFFF"/>
+                </a:solidFill>
+              </a14:hiddenFill>
+            </a:ext>
+          </a:extLst>
+        </p:spPr>
+      </p:pic>
+    </p:spTree>
+    <p:extLst>
+      <p:ext uri="{BB962C8B-B14F-4D97-AF65-F5344CB8AC3E}">
+        <p14:creationId xmlns:p14="http://schemas.microsoft.com/office/powerpoint/2010/main" val="2576456738"/>
+      </p:ext>
+    </p:extLst>
+  </p:cSld>
+  <p:clrMapOvr>
+    <a:masterClrMapping/>
+  </p:clrMapOvr>
+</p:sld>
+</file>
+
+<file path=ppt/slides/slide20.xml><?xml version="1.0" encoding="utf-8"?>
 <p:sld xmlns:a="http://schemas.openxmlformats.org/drawingml/2006/main" xmlns:r="http://schemas.openxmlformats.org/officeDocument/2006/relationships" xmlns:p="http://schemas.openxmlformats.org/presentationml/2006/main">
   <p:cSld>
     <p:spTree>
@@ -7233,7 +7062,7 @@
 </p:sld>
 </file>
 
-<file path=ppt/slides/slide23.xml><?xml version="1.0" encoding="utf-8"?>
+<file path=ppt/slides/slide21.xml><?xml version="1.0" encoding="utf-8"?>
 <p:sld xmlns:a="http://schemas.openxmlformats.org/drawingml/2006/main" xmlns:r="http://schemas.openxmlformats.org/officeDocument/2006/relationships" xmlns:p="http://schemas.openxmlformats.org/presentationml/2006/main">
   <p:cSld>
     <p:spTree>
@@ -7553,7 +7382,7 @@
 </p:sld>
 </file>
 
-<file path=ppt/slides/slide24.xml><?xml version="1.0" encoding="utf-8"?>
+<file path=ppt/slides/slide22.xml><?xml version="1.0" encoding="utf-8"?>
 <p:sld xmlns:a="http://schemas.openxmlformats.org/drawingml/2006/main" xmlns:r="http://schemas.openxmlformats.org/officeDocument/2006/relationships" xmlns:p="http://schemas.openxmlformats.org/presentationml/2006/main">
   <p:cSld>
     <p:spTree>
@@ -8131,7 +7960,7 @@
 </p:sld>
 </file>
 
-<file path=ppt/slides/slide25.xml><?xml version="1.0" encoding="utf-8"?>
+<file path=ppt/slides/slide23.xml><?xml version="1.0" encoding="utf-8"?>
 <p:sld xmlns:a="http://schemas.openxmlformats.org/drawingml/2006/main" xmlns:r="http://schemas.openxmlformats.org/officeDocument/2006/relationships" xmlns:p="http://schemas.openxmlformats.org/presentationml/2006/main">
   <p:cSld>
     <p:spTree>
@@ -8537,7 +8366,7 @@
                     <a:latin typeface="Cambria Math" panose="02040503050406030204" pitchFamily="18" charset="0"/>
                     <a:ea typeface="Cambria Math" panose="02040503050406030204" pitchFamily="18" charset="0"/>
                   </a:rPr>
-                  <a:t> mod N</a:t>
+                  <a:t> mod N ???</a:t>
                 </a:r>
               </a:p>
               <a:p>
@@ -8704,7 +8533,164 @@
 </p:sld>
 </file>
 
-<file path=ppt/slides/slide26.xml><?xml version="1.0" encoding="utf-8"?>
+<file path=ppt/slides/slide24.xml><?xml version="1.0" encoding="utf-8"?>
+<p:sld xmlns:a="http://schemas.openxmlformats.org/drawingml/2006/main" xmlns:r="http://schemas.openxmlformats.org/officeDocument/2006/relationships" xmlns:p="http://schemas.openxmlformats.org/presentationml/2006/main">
+  <p:cSld>
+    <p:spTree>
+      <p:nvGrpSpPr>
+        <p:cNvPr id="1" name=""/>
+        <p:cNvGrpSpPr/>
+        <p:nvPr/>
+      </p:nvGrpSpPr>
+      <p:grpSpPr>
+        <a:xfrm>
+          <a:off x="0" y="0"/>
+          <a:ext cx="0" cy="0"/>
+          <a:chOff x="0" y="0"/>
+          <a:chExt cx="0" cy="0"/>
+        </a:xfrm>
+      </p:grpSpPr>
+      <p:sp>
+        <p:nvSpPr>
+          <p:cNvPr id="2" name="Titre 1">
+            <a:extLst>
+              <a:ext uri="{FF2B5EF4-FFF2-40B4-BE49-F238E27FC236}">
+                <a16:creationId xmlns:a16="http://schemas.microsoft.com/office/drawing/2014/main" id="{40A65D9A-3F2C-69B4-3154-ABB83E1CF54A}"/>
+              </a:ext>
+            </a:extLst>
+          </p:cNvPr>
+          <p:cNvSpPr>
+            <a:spLocks noGrp="1"/>
+          </p:cNvSpPr>
+          <p:nvPr>
+            <p:ph type="title"/>
+          </p:nvPr>
+        </p:nvSpPr>
+        <p:spPr/>
+        <p:txBody>
+          <a:bodyPr/>
+          <a:lstStyle/>
+          <a:p>
+            <a:r>
+              <a:rPr lang="fr-CH" dirty="0"/>
+              <a:t>Conditions pour réussir l’attaque</a:t>
+            </a:r>
+          </a:p>
+        </p:txBody>
+      </p:sp>
+      <p:sp>
+        <p:nvSpPr>
+          <p:cNvPr id="3" name="Espace réservé du contenu 2">
+            <a:extLst>
+              <a:ext uri="{FF2B5EF4-FFF2-40B4-BE49-F238E27FC236}">
+                <a16:creationId xmlns:a16="http://schemas.microsoft.com/office/drawing/2014/main" id="{E5045492-C4E0-5A1C-D47B-AD51BE3CE468}"/>
+              </a:ext>
+            </a:extLst>
+          </p:cNvPr>
+          <p:cNvSpPr>
+            <a:spLocks noGrp="1"/>
+          </p:cNvSpPr>
+          <p:nvPr>
+            <p:ph idx="1"/>
+          </p:nvPr>
+        </p:nvSpPr>
+        <p:spPr/>
+        <p:txBody>
+          <a:bodyPr/>
+          <a:lstStyle/>
+          <a:p>
+            <a:r>
+              <a:rPr lang="fr-CH" dirty="0"/>
+              <a:t>Une signature PKCS#1 V1.5 invalide</a:t>
+            </a:r>
+          </a:p>
+          <a:p>
+            <a:r>
+              <a:rPr lang="fr-CH" dirty="0"/>
+              <a:t>Posséder la clé publique correspondante</a:t>
+            </a:r>
+          </a:p>
+          <a:p>
+            <a:r>
+              <a:rPr lang="fr-CH" dirty="0"/>
+              <a:t>Pour un message inconnu</a:t>
+            </a:r>
+          </a:p>
+          <a:p>
+            <a:r>
+              <a:rPr lang="fr-CH" dirty="0"/>
+              <a:t>Le calcul de la signature utilise le théorème des restes chinois</a:t>
+            </a:r>
+          </a:p>
+          <a:p>
+            <a:r>
+              <a:rPr lang="fr-CH" dirty="0"/>
+              <a:t>L’erreur de calcul apparait dans le monde des tuples</a:t>
+            </a:r>
+          </a:p>
+        </p:txBody>
+      </p:sp>
+      <p:pic>
+        <p:nvPicPr>
+          <p:cNvPr id="4" name="Picture 2">
+            <a:extLst>
+              <a:ext uri="{FF2B5EF4-FFF2-40B4-BE49-F238E27FC236}">
+                <a16:creationId xmlns:a16="http://schemas.microsoft.com/office/drawing/2014/main" id="{B52253EE-9EAC-7BC7-89AD-01C97DF9CE97}"/>
+              </a:ext>
+            </a:extLst>
+          </p:cNvPr>
+          <p:cNvPicPr>
+            <a:picLocks noChangeAspect="1" noChangeArrowheads="1"/>
+          </p:cNvPicPr>
+          <p:nvPr/>
+        </p:nvPicPr>
+        <p:blipFill>
+          <a:blip r:embed="rId2">
+            <a:extLst>
+              <a:ext uri="{28A0092B-C50C-407E-A947-70E740481C1C}">
+                <a14:useLocalDpi xmlns:a14="http://schemas.microsoft.com/office/drawing/2010/main" val="0"/>
+              </a:ext>
+            </a:extLst>
+          </a:blip>
+          <a:srcRect/>
+          <a:stretch>
+            <a:fillRect/>
+          </a:stretch>
+        </p:blipFill>
+        <p:spPr bwMode="auto">
+          <a:xfrm>
+            <a:off x="180000" y="180000"/>
+            <a:ext cx="795955" cy="594915"/>
+          </a:xfrm>
+          <a:prstGeom prst="rect">
+            <a:avLst/>
+          </a:prstGeom>
+          <a:noFill/>
+          <a:extLst>
+            <a:ext uri="{909E8E84-426E-40DD-AFC4-6F175D3DCCD1}">
+              <a14:hiddenFill xmlns:a14="http://schemas.microsoft.com/office/drawing/2010/main">
+                <a:solidFill>
+                  <a:srgbClr val="FFFFFF"/>
+                </a:solidFill>
+              </a14:hiddenFill>
+            </a:ext>
+          </a:extLst>
+        </p:spPr>
+      </p:pic>
+    </p:spTree>
+    <p:extLst>
+      <p:ext uri="{BB962C8B-B14F-4D97-AF65-F5344CB8AC3E}">
+        <p14:creationId xmlns:p14="http://schemas.microsoft.com/office/powerpoint/2010/main" val="3747769276"/>
+      </p:ext>
+    </p:extLst>
+  </p:cSld>
+  <p:clrMapOvr>
+    <a:masterClrMapping/>
+  </p:clrMapOvr>
+</p:sld>
+</file>
+
+<file path=ppt/slides/slide25.xml><?xml version="1.0" encoding="utf-8"?>
 <p:sld xmlns:a="http://schemas.openxmlformats.org/drawingml/2006/main" xmlns:r="http://schemas.openxmlformats.org/officeDocument/2006/relationships" xmlns:p="http://schemas.openxmlformats.org/presentationml/2006/main">
   <p:cSld>
     <p:spTree>
@@ -8809,7 +8795,7 @@
 </p:sld>
 </file>
 
-<file path=ppt/slides/slide27.xml><?xml version="1.0" encoding="utf-8"?>
+<file path=ppt/slides/slide26.xml><?xml version="1.0" encoding="utf-8"?>
 <p:sld xmlns:a="http://schemas.openxmlformats.org/drawingml/2006/main" xmlns:r="http://schemas.openxmlformats.org/officeDocument/2006/relationships" xmlns:p="http://schemas.openxmlformats.org/presentationml/2006/main">
   <p:cSld>
     <p:spTree>
@@ -8987,7 +8973,7 @@
 </p:sld>
 </file>
 
-<file path=ppt/slides/slide28.xml><?xml version="1.0" encoding="utf-8"?>
+<file path=ppt/slides/slide27.xml><?xml version="1.0" encoding="utf-8"?>
 <p:sld xmlns:a="http://schemas.openxmlformats.org/drawingml/2006/main" xmlns:r="http://schemas.openxmlformats.org/officeDocument/2006/relationships" xmlns:p="http://schemas.openxmlformats.org/presentationml/2006/main">
   <p:cSld>
     <p:spTree>
@@ -9032,8 +9018,8 @@
           </a:p>
         </p:txBody>
       </p:sp>
-      <mc:AlternateContent xmlns:mc="http://schemas.openxmlformats.org/markup-compatibility/2006">
-        <mc:Choice xmlns:a14="http://schemas.microsoft.com/office/drawing/2010/main" Requires="a14">
+      <mc:AlternateContent xmlns:mc="http://schemas.openxmlformats.org/markup-compatibility/2006" xmlns:a14="http://schemas.microsoft.com/office/drawing/2010/main">
+        <mc:Choice Requires="a14">
           <p:sp>
             <p:nvSpPr>
               <p:cNvPr id="3" name="Espace réservé du contenu 2">
@@ -9367,7 +9353,7 @@
             </p:txBody>
           </p:sp>
         </mc:Choice>
-        <mc:Fallback>
+        <mc:Fallback xmlns="">
           <p:sp>
             <p:nvSpPr>
               <p:cNvPr id="3" name="Espace réservé du contenu 2">
@@ -9467,7 +9453,7 @@
 </p:sld>
 </file>
 
-<file path=ppt/slides/slide29.xml><?xml version="1.0" encoding="utf-8"?>
+<file path=ppt/slides/slide28.xml><?xml version="1.0" encoding="utf-8"?>
 <p:sld xmlns:a="http://schemas.openxmlformats.org/drawingml/2006/main" xmlns:r="http://schemas.openxmlformats.org/officeDocument/2006/relationships" xmlns:p="http://schemas.openxmlformats.org/presentationml/2006/main">
   <p:cSld>
     <p:spTree>
@@ -9873,173 +9859,7 @@
 </p:sld>
 </file>
 
-<file path=ppt/slides/slide3.xml><?xml version="1.0" encoding="utf-8"?>
-<p:sld xmlns:a="http://schemas.openxmlformats.org/drawingml/2006/main" xmlns:r="http://schemas.openxmlformats.org/officeDocument/2006/relationships" xmlns:p="http://schemas.openxmlformats.org/presentationml/2006/main">
-  <p:cSld>
-    <p:spTree>
-      <p:nvGrpSpPr>
-        <p:cNvPr id="1" name=""/>
-        <p:cNvGrpSpPr/>
-        <p:nvPr/>
-      </p:nvGrpSpPr>
-      <p:grpSpPr>
-        <a:xfrm>
-          <a:off x="0" y="0"/>
-          <a:ext cx="0" cy="0"/>
-          <a:chOff x="0" y="0"/>
-          <a:chExt cx="0" cy="0"/>
-        </a:xfrm>
-      </p:grpSpPr>
-      <p:sp>
-        <p:nvSpPr>
-          <p:cNvPr id="2" name="Titre 1">
-            <a:extLst>
-              <a:ext uri="{FF2B5EF4-FFF2-40B4-BE49-F238E27FC236}">
-                <a16:creationId xmlns:a16="http://schemas.microsoft.com/office/drawing/2014/main" id="{C7519599-4D6D-F382-5CBF-FF9746EACCC1}"/>
-              </a:ext>
-            </a:extLst>
-          </p:cNvPr>
-          <p:cNvSpPr>
-            <a:spLocks noGrp="1"/>
-          </p:cNvSpPr>
-          <p:nvPr>
-            <p:ph type="title"/>
-          </p:nvPr>
-        </p:nvSpPr>
-        <p:spPr/>
-        <p:txBody>
-          <a:bodyPr/>
-          <a:lstStyle/>
-          <a:p>
-            <a:r>
-              <a:rPr lang="fr-CH" dirty="0"/>
-              <a:t>Introduction - RSA PKCS#1 v1.5</a:t>
-            </a:r>
-          </a:p>
-        </p:txBody>
-      </p:sp>
-      <p:sp>
-        <p:nvSpPr>
-          <p:cNvPr id="3" name="Espace réservé du contenu 2">
-            <a:extLst>
-              <a:ext uri="{FF2B5EF4-FFF2-40B4-BE49-F238E27FC236}">
-                <a16:creationId xmlns:a16="http://schemas.microsoft.com/office/drawing/2014/main" id="{179AE550-BC42-BF0F-46AA-21142C517507}"/>
-              </a:ext>
-            </a:extLst>
-          </p:cNvPr>
-          <p:cNvSpPr>
-            <a:spLocks noGrp="1"/>
-          </p:cNvSpPr>
-          <p:nvPr>
-            <p:ph idx="1"/>
-          </p:nvPr>
-        </p:nvSpPr>
-        <p:spPr/>
-        <p:txBody>
-          <a:bodyPr/>
-          <a:lstStyle/>
-          <a:p>
-            <a:r>
-              <a:rPr lang="fr-CH" dirty="0" err="1"/>
-              <a:t>Legacy</a:t>
-            </a:r>
-            <a:endParaRPr lang="fr-CH" dirty="0"/>
-          </a:p>
-          <a:p>
-            <a:r>
-              <a:rPr lang="fr-CH" dirty="0"/>
-              <a:t>Utilisé dans SSH et </a:t>
-            </a:r>
-            <a:r>
-              <a:rPr lang="fr-CH" dirty="0" err="1"/>
-              <a:t>IPsec</a:t>
-            </a:r>
-            <a:endParaRPr lang="fr-CH" dirty="0"/>
-          </a:p>
-          <a:p>
-            <a:r>
-              <a:rPr lang="fr-CH" dirty="0"/>
-              <a:t>Signe un message qui est transmis de manière chiffrée</a:t>
-            </a:r>
-          </a:p>
-          <a:p>
-            <a:r>
-              <a:rPr lang="fr-CH" dirty="0"/>
-              <a:t>Impossible de faire un attaque par PGCD si une erreur apparaît</a:t>
-            </a:r>
-          </a:p>
-          <a:p>
-            <a:r>
-              <a:rPr lang="fr-CH" dirty="0"/>
-              <a:t>Les signatures sont calculées en utilisant le théorème des restes chinois</a:t>
-            </a:r>
-          </a:p>
-          <a:p>
-            <a:endParaRPr lang="fr-CH" dirty="0"/>
-          </a:p>
-        </p:txBody>
-      </p:sp>
-      <p:pic>
-        <p:nvPicPr>
-          <p:cNvPr id="5" name="Picture 2">
-            <a:extLst>
-              <a:ext uri="{FF2B5EF4-FFF2-40B4-BE49-F238E27FC236}">
-                <a16:creationId xmlns:a16="http://schemas.microsoft.com/office/drawing/2014/main" id="{96879C78-78CA-F387-B3C9-D459EDA449C6}"/>
-              </a:ext>
-            </a:extLst>
-          </p:cNvPr>
-          <p:cNvPicPr>
-            <a:picLocks noChangeAspect="1" noChangeArrowheads="1"/>
-          </p:cNvPicPr>
-          <p:nvPr/>
-        </p:nvPicPr>
-        <p:blipFill>
-          <a:blip r:embed="rId2">
-            <a:extLst>
-              <a:ext uri="{28A0092B-C50C-407E-A947-70E740481C1C}">
-                <a14:useLocalDpi xmlns:a14="http://schemas.microsoft.com/office/drawing/2010/main" val="0"/>
-              </a:ext>
-            </a:extLst>
-          </a:blip>
-          <a:srcRect/>
-          <a:stretch>
-            <a:fillRect/>
-          </a:stretch>
-        </p:blipFill>
-        <p:spPr bwMode="auto">
-          <a:xfrm>
-            <a:off x="180000" y="180000"/>
-            <a:ext cx="795955" cy="594915"/>
-          </a:xfrm>
-          <a:prstGeom prst="rect">
-            <a:avLst/>
-          </a:prstGeom>
-          <a:noFill/>
-          <a:extLst>
-            <a:ext uri="{909E8E84-426E-40DD-AFC4-6F175D3DCCD1}">
-              <a14:hiddenFill xmlns:a14="http://schemas.microsoft.com/office/drawing/2010/main">
-                <a:solidFill>
-                  <a:srgbClr val="FFFFFF"/>
-                </a:solidFill>
-              </a14:hiddenFill>
-            </a:ext>
-          </a:extLst>
-        </p:spPr>
-      </p:pic>
-    </p:spTree>
-    <p:extLst>
-      <p:ext uri="{BB962C8B-B14F-4D97-AF65-F5344CB8AC3E}">
-        <p14:creationId xmlns:p14="http://schemas.microsoft.com/office/powerpoint/2010/main" val="1755347014"/>
-      </p:ext>
-    </p:extLst>
-  </p:cSld>
-  <p:clrMapOvr>
-    <a:masterClrMapping/>
-  </p:clrMapOvr>
-</p:sld>
-</file>
-
-<file path=ppt/slides/slide30.xml><?xml version="1.0" encoding="utf-8"?>
+<file path=ppt/slides/slide29.xml><?xml version="1.0" encoding="utf-8"?>
 <p:sld xmlns:a="http://schemas.openxmlformats.org/drawingml/2006/main" xmlns:r="http://schemas.openxmlformats.org/officeDocument/2006/relationships" xmlns:p="http://schemas.openxmlformats.org/presentationml/2006/main">
   <p:cSld>
     <p:spTree>
@@ -10415,7 +10235,173 @@
 </p:sld>
 </file>
 
-<file path=ppt/slides/slide31.xml><?xml version="1.0" encoding="utf-8"?>
+<file path=ppt/slides/slide3.xml><?xml version="1.0" encoding="utf-8"?>
+<p:sld xmlns:a="http://schemas.openxmlformats.org/drawingml/2006/main" xmlns:r="http://schemas.openxmlformats.org/officeDocument/2006/relationships" xmlns:p="http://schemas.openxmlformats.org/presentationml/2006/main">
+  <p:cSld>
+    <p:spTree>
+      <p:nvGrpSpPr>
+        <p:cNvPr id="1" name=""/>
+        <p:cNvGrpSpPr/>
+        <p:nvPr/>
+      </p:nvGrpSpPr>
+      <p:grpSpPr>
+        <a:xfrm>
+          <a:off x="0" y="0"/>
+          <a:ext cx="0" cy="0"/>
+          <a:chOff x="0" y="0"/>
+          <a:chExt cx="0" cy="0"/>
+        </a:xfrm>
+      </p:grpSpPr>
+      <p:sp>
+        <p:nvSpPr>
+          <p:cNvPr id="2" name="Titre 1">
+            <a:extLst>
+              <a:ext uri="{FF2B5EF4-FFF2-40B4-BE49-F238E27FC236}">
+                <a16:creationId xmlns:a16="http://schemas.microsoft.com/office/drawing/2014/main" id="{C7519599-4D6D-F382-5CBF-FF9746EACCC1}"/>
+              </a:ext>
+            </a:extLst>
+          </p:cNvPr>
+          <p:cNvSpPr>
+            <a:spLocks noGrp="1"/>
+          </p:cNvSpPr>
+          <p:nvPr>
+            <p:ph type="title"/>
+          </p:nvPr>
+        </p:nvSpPr>
+        <p:spPr/>
+        <p:txBody>
+          <a:bodyPr/>
+          <a:lstStyle/>
+          <a:p>
+            <a:r>
+              <a:rPr lang="fr-CH" dirty="0"/>
+              <a:t>Introduction - RSA PKCS#1 v1.5</a:t>
+            </a:r>
+          </a:p>
+        </p:txBody>
+      </p:sp>
+      <p:sp>
+        <p:nvSpPr>
+          <p:cNvPr id="3" name="Espace réservé du contenu 2">
+            <a:extLst>
+              <a:ext uri="{FF2B5EF4-FFF2-40B4-BE49-F238E27FC236}">
+                <a16:creationId xmlns:a16="http://schemas.microsoft.com/office/drawing/2014/main" id="{179AE550-BC42-BF0F-46AA-21142C517507}"/>
+              </a:ext>
+            </a:extLst>
+          </p:cNvPr>
+          <p:cNvSpPr>
+            <a:spLocks noGrp="1"/>
+          </p:cNvSpPr>
+          <p:nvPr>
+            <p:ph idx="1"/>
+          </p:nvPr>
+        </p:nvSpPr>
+        <p:spPr/>
+        <p:txBody>
+          <a:bodyPr/>
+          <a:lstStyle/>
+          <a:p>
+            <a:r>
+              <a:rPr lang="fr-CH" dirty="0" err="1"/>
+              <a:t>Legacy</a:t>
+            </a:r>
+            <a:endParaRPr lang="fr-CH" dirty="0"/>
+          </a:p>
+          <a:p>
+            <a:r>
+              <a:rPr lang="fr-CH" dirty="0"/>
+              <a:t>Utilisé dans SSH et </a:t>
+            </a:r>
+            <a:r>
+              <a:rPr lang="fr-CH" dirty="0" err="1"/>
+              <a:t>IPsec</a:t>
+            </a:r>
+            <a:endParaRPr lang="fr-CH" dirty="0"/>
+          </a:p>
+          <a:p>
+            <a:r>
+              <a:rPr lang="fr-CH" dirty="0"/>
+              <a:t>Signe un message qui est transmis de manière chiffrée</a:t>
+            </a:r>
+          </a:p>
+          <a:p>
+            <a:r>
+              <a:rPr lang="fr-CH" dirty="0"/>
+              <a:t>Impossible de faire un attaque par PGCD si une erreur apparaît car le message est chiffré</a:t>
+            </a:r>
+          </a:p>
+          <a:p>
+            <a:r>
+              <a:rPr lang="fr-CH" dirty="0"/>
+              <a:t>Les signatures sont calculées en utilisant le théorème des restes chinois</a:t>
+            </a:r>
+          </a:p>
+          <a:p>
+            <a:endParaRPr lang="fr-CH" dirty="0"/>
+          </a:p>
+        </p:txBody>
+      </p:sp>
+      <p:pic>
+        <p:nvPicPr>
+          <p:cNvPr id="5" name="Picture 2">
+            <a:extLst>
+              <a:ext uri="{FF2B5EF4-FFF2-40B4-BE49-F238E27FC236}">
+                <a16:creationId xmlns:a16="http://schemas.microsoft.com/office/drawing/2014/main" id="{96879C78-78CA-F387-B3C9-D459EDA449C6}"/>
+              </a:ext>
+            </a:extLst>
+          </p:cNvPr>
+          <p:cNvPicPr>
+            <a:picLocks noChangeAspect="1" noChangeArrowheads="1"/>
+          </p:cNvPicPr>
+          <p:nvPr/>
+        </p:nvPicPr>
+        <p:blipFill>
+          <a:blip r:embed="rId2">
+            <a:extLst>
+              <a:ext uri="{28A0092B-C50C-407E-A947-70E740481C1C}">
+                <a14:useLocalDpi xmlns:a14="http://schemas.microsoft.com/office/drawing/2010/main" val="0"/>
+              </a:ext>
+            </a:extLst>
+          </a:blip>
+          <a:srcRect/>
+          <a:stretch>
+            <a:fillRect/>
+          </a:stretch>
+        </p:blipFill>
+        <p:spPr bwMode="auto">
+          <a:xfrm>
+            <a:off x="180000" y="180000"/>
+            <a:ext cx="795955" cy="594915"/>
+          </a:xfrm>
+          <a:prstGeom prst="rect">
+            <a:avLst/>
+          </a:prstGeom>
+          <a:noFill/>
+          <a:extLst>
+            <a:ext uri="{909E8E84-426E-40DD-AFC4-6F175D3DCCD1}">
+              <a14:hiddenFill xmlns:a14="http://schemas.microsoft.com/office/drawing/2010/main">
+                <a:solidFill>
+                  <a:srgbClr val="FFFFFF"/>
+                </a:solidFill>
+              </a14:hiddenFill>
+            </a:ext>
+          </a:extLst>
+        </p:spPr>
+      </p:pic>
+    </p:spTree>
+    <p:extLst>
+      <p:ext uri="{BB962C8B-B14F-4D97-AF65-F5344CB8AC3E}">
+        <p14:creationId xmlns:p14="http://schemas.microsoft.com/office/powerpoint/2010/main" val="1755347014"/>
+      </p:ext>
+    </p:extLst>
+  </p:cSld>
+  <p:clrMapOvr>
+    <a:masterClrMapping/>
+  </p:clrMapOvr>
+</p:sld>
+</file>
+
+<file path=ppt/slides/slide30.xml><?xml version="1.0" encoding="utf-8"?>
 <p:sld xmlns:a="http://schemas.openxmlformats.org/drawingml/2006/main" xmlns:r="http://schemas.openxmlformats.org/officeDocument/2006/relationships" xmlns:p="http://schemas.openxmlformats.org/presentationml/2006/main">
   <p:cSld>
     <p:spTree>
@@ -10859,7 +10845,7 @@
 </p:sld>
 </file>
 
-<file path=ppt/slides/slide32.xml><?xml version="1.0" encoding="utf-8"?>
+<file path=ppt/slides/slide31.xml><?xml version="1.0" encoding="utf-8"?>
 <p:sld xmlns:a="http://schemas.openxmlformats.org/drawingml/2006/main" xmlns:r="http://schemas.openxmlformats.org/officeDocument/2006/relationships" xmlns:p="http://schemas.openxmlformats.org/presentationml/2006/main">
   <p:cSld>
     <p:spTree>
@@ -11412,7 +11398,7 @@
 </p:sld>
 </file>
 
-<file path=ppt/slides/slide33.xml><?xml version="1.0" encoding="utf-8"?>
+<file path=ppt/slides/slide32.xml><?xml version="1.0" encoding="utf-8"?>
 <p:sld xmlns:a="http://schemas.openxmlformats.org/drawingml/2006/main" xmlns:r="http://schemas.openxmlformats.org/officeDocument/2006/relationships" xmlns:p="http://schemas.openxmlformats.org/presentationml/2006/main">
   <p:cSld>
     <p:spTree>
@@ -11675,7 +11661,7 @@
 </p:sld>
 </file>
 
-<file path=ppt/slides/slide34.xml><?xml version="1.0" encoding="utf-8"?>
+<file path=ppt/slides/slide33.xml><?xml version="1.0" encoding="utf-8"?>
 <p:sld xmlns:a="http://schemas.openxmlformats.org/drawingml/2006/main" xmlns:r="http://schemas.openxmlformats.org/officeDocument/2006/relationships" xmlns:p="http://schemas.openxmlformats.org/presentationml/2006/main">
   <p:cSld>
     <p:spTree>
@@ -11720,8 +11706,8 @@
           </a:p>
         </p:txBody>
       </p:sp>
-      <mc:AlternateContent xmlns:mc="http://schemas.openxmlformats.org/markup-compatibility/2006" xmlns:a14="http://schemas.microsoft.com/office/drawing/2010/main">
-        <mc:Choice Requires="a14">
+      <mc:AlternateContent xmlns:mc="http://schemas.openxmlformats.org/markup-compatibility/2006">
+        <mc:Choice xmlns:a14="http://schemas.microsoft.com/office/drawing/2010/main" Requires="a14">
           <p:sp>
             <p:nvSpPr>
               <p:cNvPr id="3" name="Espace réservé du contenu 2">
@@ -12113,6 +12099,37 @@
                         </a:rPr>
                         <m:t>=</m:t>
                       </m:r>
+                      <m:sSub>
+                        <m:sSubPr>
+                          <m:ctrlPr>
+                            <a:rPr lang="en-GB" i="1">
+                              <a:latin typeface="Cambria Math" panose="02040503050406030204" pitchFamily="18" charset="0"/>
+                            </a:rPr>
+                          </m:ctrlPr>
+                        </m:sSubPr>
+                        <m:e>
+                          <m:r>
+                            <a:rPr lang="en-GB" i="1">
+                              <a:latin typeface="Cambria Math" panose="02040503050406030204" pitchFamily="18" charset="0"/>
+                            </a:rPr>
+                            <m:t>𝑎</m:t>
+                          </m:r>
+                        </m:e>
+                        <m:sub>
+                          <m:r>
+                            <a:rPr lang="en-GB" i="1">
+                              <a:latin typeface="Cambria Math" panose="02040503050406030204" pitchFamily="18" charset="0"/>
+                            </a:rPr>
+                            <m:t>𝑖</m:t>
+                          </m:r>
+                        </m:sub>
+                      </m:sSub>
+                      <m:r>
+                        <a:rPr lang="en-GB" i="1">
+                          <a:latin typeface="Cambria Math" panose="02040503050406030204" pitchFamily="18" charset="0"/>
+                        </a:rPr>
+                        <m:t>∗</m:t>
+                      </m:r>
                       <m:f>
                         <m:fPr>
                           <m:ctrlPr>
@@ -12122,37 +12139,6 @@
                           </m:ctrlPr>
                         </m:fPr>
                         <m:num>
-                          <m:sSub>
-                            <m:sSubPr>
-                              <m:ctrlPr>
-                                <a:rPr lang="en-GB" b="0" i="1" smtClean="0">
-                                  <a:latin typeface="Cambria Math" panose="02040503050406030204" pitchFamily="18" charset="0"/>
-                                </a:rPr>
-                              </m:ctrlPr>
-                            </m:sSubPr>
-                            <m:e>
-                              <m:r>
-                                <a:rPr lang="en-GB" i="1">
-                                  <a:latin typeface="Cambria Math" panose="02040503050406030204" pitchFamily="18" charset="0"/>
-                                </a:rPr>
-                                <m:t>𝑎</m:t>
-                              </m:r>
-                            </m:e>
-                            <m:sub>
-                              <m:r>
-                                <a:rPr lang="en-GB" b="0" i="1" smtClean="0">
-                                  <a:latin typeface="Cambria Math" panose="02040503050406030204" pitchFamily="18" charset="0"/>
-                                </a:rPr>
-                                <m:t>𝑖</m:t>
-                              </m:r>
-                            </m:sub>
-                          </m:sSub>
-                          <m:r>
-                            <a:rPr lang="en-GB" i="1">
-                              <a:latin typeface="Cambria Math" panose="02040503050406030204" pitchFamily="18" charset="0"/>
-                            </a:rPr>
-                            <m:t>∗ </m:t>
-                          </m:r>
                           <m:sSup>
                             <m:sSupPr>
                               <m:ctrlPr>
@@ -12197,53 +12183,52 @@
                               </m:r>
                             </m:e>
                             <m:sup>
-                              <m:sSup>
-                                <m:sSupPr>
+                              <m:r>
+                                <a:rPr lang="en-GB" b="0" i="1" smtClean="0">
+                                  <a:latin typeface="Cambria Math" panose="02040503050406030204" pitchFamily="18" charset="0"/>
+                                </a:rPr>
+                                <m:t>2 ∗</m:t>
+                              </m:r>
+                              <m:func>
+                                <m:funcPr>
                                   <m:ctrlPr>
-                                    <a:rPr lang="pt-BR" i="1">
+                                    <a:rPr lang="en-GB" b="0" i="1" smtClean="0">
                                       <a:latin typeface="Cambria Math" panose="02040503050406030204" pitchFamily="18" charset="0"/>
                                     </a:rPr>
                                   </m:ctrlPr>
-                                </m:sSupPr>
+                                </m:funcPr>
+                                <m:fName>
+                                  <m:r>
+                                    <m:rPr>
+                                      <m:sty m:val="p"/>
+                                    </m:rPr>
+                                    <a:rPr lang="en-GB" b="0" i="0" smtClean="0">
+                                      <a:latin typeface="Cambria Math" panose="02040503050406030204" pitchFamily="18" charset="0"/>
+                                    </a:rPr>
+                                    <m:t>log</m:t>
+                                  </m:r>
+                                </m:fName>
                                 <m:e>
                                   <m:r>
-                                    <a:rPr lang="en-GB" i="1">
+                                    <a:rPr lang="en-GB" b="0" i="1" smtClean="0">
                                       <a:latin typeface="Cambria Math" panose="02040503050406030204" pitchFamily="18" charset="0"/>
                                     </a:rPr>
-                                    <m:t>2</m:t>
+                                    <m:t>(</m:t>
+                                  </m:r>
+                                  <m:r>
+                                    <a:rPr lang="en-GB" b="0" i="1" smtClean="0">
+                                      <a:latin typeface="Cambria Math" panose="02040503050406030204" pitchFamily="18" charset="0"/>
+                                    </a:rPr>
+                                    <m:t>𝑟</m:t>
+                                  </m:r>
+                                  <m:r>
+                                    <a:rPr lang="en-GB" b="0" i="1" smtClean="0">
+                                      <a:latin typeface="Cambria Math" panose="02040503050406030204" pitchFamily="18" charset="0"/>
+                                    </a:rPr>
+                                    <m:t> −1)</m:t>
                                   </m:r>
                                 </m:e>
-                                <m:sup>
-                                  <m:func>
-                                    <m:funcPr>
-                                      <m:ctrlPr>
-                                        <a:rPr lang="en-GB" i="1">
-                                          <a:latin typeface="Cambria Math" panose="02040503050406030204" pitchFamily="18" charset="0"/>
-                                        </a:rPr>
-                                      </m:ctrlPr>
-                                    </m:funcPr>
-                                    <m:fName>
-                                      <m:r>
-                                        <m:rPr>
-                                          <m:sty m:val="p"/>
-                                        </m:rPr>
-                                        <a:rPr lang="en-GB">
-                                          <a:latin typeface="Cambria Math" panose="02040503050406030204" pitchFamily="18" charset="0"/>
-                                        </a:rPr>
-                                        <m:t>log</m:t>
-                                      </m:r>
-                                    </m:fName>
-                                    <m:e>
-                                      <m:r>
-                                        <a:rPr lang="en-GB" i="1">
-                                          <a:latin typeface="Cambria Math" panose="02040503050406030204" pitchFamily="18" charset="0"/>
-                                        </a:rPr>
-                                        <m:t>𝑟</m:t>
-                                      </m:r>
-                                    </m:e>
-                                  </m:func>
-                                </m:sup>
-                              </m:sSup>
+                              </m:func>
                             </m:sup>
                           </m:sSup>
                         </m:den>
@@ -12260,6 +12245,37 @@
                         </a:rPr>
                         <m:t>+</m:t>
                       </m:r>
+                      <m:sSub>
+                        <m:sSubPr>
+                          <m:ctrlPr>
+                            <a:rPr lang="fr-CH" i="1">
+                              <a:latin typeface="Cambria Math" panose="02040503050406030204" pitchFamily="18" charset="0"/>
+                            </a:rPr>
+                          </m:ctrlPr>
+                        </m:sSubPr>
+                        <m:e>
+                          <m:r>
+                            <a:rPr lang="en-GB" i="1">
+                              <a:latin typeface="Cambria Math" panose="02040503050406030204" pitchFamily="18" charset="0"/>
+                            </a:rPr>
+                            <m:t>𝑏</m:t>
+                          </m:r>
+                        </m:e>
+                        <m:sub>
+                          <m:r>
+                            <a:rPr lang="en-GB" i="1">
+                              <a:latin typeface="Cambria Math" panose="02040503050406030204" pitchFamily="18" charset="0"/>
+                            </a:rPr>
+                            <m:t>𝑖</m:t>
+                          </m:r>
+                        </m:sub>
+                      </m:sSub>
+                      <m:r>
+                        <a:rPr lang="en-GB" i="1">
+                          <a:latin typeface="Cambria Math" panose="02040503050406030204" pitchFamily="18" charset="0"/>
+                        </a:rPr>
+                        <m:t>∗</m:t>
+                      </m:r>
                       <m:f>
                         <m:fPr>
                           <m:ctrlPr>
@@ -12269,37 +12285,6 @@
                           </m:ctrlPr>
                         </m:fPr>
                         <m:num>
-                          <m:sSub>
-                            <m:sSubPr>
-                              <m:ctrlPr>
-                                <a:rPr lang="fr-CH" i="1">
-                                  <a:latin typeface="Cambria Math" panose="02040503050406030204" pitchFamily="18" charset="0"/>
-                                </a:rPr>
-                              </m:ctrlPr>
-                            </m:sSubPr>
-                            <m:e>
-                              <m:r>
-                                <a:rPr lang="en-GB" i="1">
-                                  <a:latin typeface="Cambria Math" panose="02040503050406030204" pitchFamily="18" charset="0"/>
-                                </a:rPr>
-                                <m:t>𝑏</m:t>
-                              </m:r>
-                            </m:e>
-                            <m:sub>
-                              <m:r>
-                                <a:rPr lang="en-GB" b="0" i="1" smtClean="0">
-                                  <a:latin typeface="Cambria Math" panose="02040503050406030204" pitchFamily="18" charset="0"/>
-                                </a:rPr>
-                                <m:t>𝑖</m:t>
-                              </m:r>
-                            </m:sub>
-                          </m:sSub>
-                          <m:r>
-                            <a:rPr lang="en-GB" i="1">
-                              <a:latin typeface="Cambria Math" panose="02040503050406030204" pitchFamily="18" charset="0"/>
-                            </a:rPr>
-                            <m:t>∗</m:t>
-                          </m:r>
                           <m:r>
                             <a:rPr lang="en-GB" i="1">
                               <a:latin typeface="Cambria Math" panose="02040503050406030204" pitchFamily="18" charset="0"/>
@@ -12349,7 +12334,19 @@
                                     <a:rPr lang="en-GB" b="0" i="1" smtClean="0">
                                       <a:latin typeface="Cambria Math" panose="02040503050406030204" pitchFamily="18" charset="0"/>
                                     </a:rPr>
+                                    <m:t>(</m:t>
+                                  </m:r>
+                                  <m:r>
+                                    <a:rPr lang="en-GB" b="0" i="1" smtClean="0">
+                                      <a:latin typeface="Cambria Math" panose="02040503050406030204" pitchFamily="18" charset="0"/>
+                                    </a:rPr>
                                     <m:t>𝑟</m:t>
+                                  </m:r>
+                                  <m:r>
+                                    <a:rPr lang="en-GB" b="0" i="1" smtClean="0">
+                                      <a:latin typeface="Cambria Math" panose="02040503050406030204" pitchFamily="18" charset="0"/>
+                                    </a:rPr>
+                                    <m:t> −1)</m:t>
                                   </m:r>
                                 </m:e>
                               </m:func>
@@ -12467,7 +12464,7 @@
             </p:txBody>
           </p:sp>
         </mc:Choice>
-        <mc:Fallback xmlns="">
+        <mc:Fallback>
           <p:sp>
             <p:nvSpPr>
               <p:cNvPr id="3" name="Espace réservé du contenu 2">
@@ -12567,7 +12564,7 @@
 </p:sld>
 </file>
 
-<file path=ppt/slides/slide35.xml><?xml version="1.0" encoding="utf-8"?>
+<file path=ppt/slides/slide34.xml><?xml version="1.0" encoding="utf-8"?>
 <p:sld xmlns:a="http://schemas.openxmlformats.org/drawingml/2006/main" xmlns:r="http://schemas.openxmlformats.org/officeDocument/2006/relationships" xmlns:p="http://schemas.openxmlformats.org/presentationml/2006/main">
   <p:cSld>
     <p:spTree>
@@ -12981,7 +12978,7 @@
 </p:sld>
 </file>
 
-<file path=ppt/slides/slide36.xml><?xml version="1.0" encoding="utf-8"?>
+<file path=ppt/slides/slide35.xml><?xml version="1.0" encoding="utf-8"?>
 <p:sld xmlns:a="http://schemas.openxmlformats.org/drawingml/2006/main" xmlns:r="http://schemas.openxmlformats.org/officeDocument/2006/relationships" xmlns:p="http://schemas.openxmlformats.org/presentationml/2006/main">
   <p:cSld>
     <p:spTree>
@@ -13160,7 +13157,7 @@
 </p:sld>
 </file>
 
-<file path=ppt/slides/slide37.xml><?xml version="1.0" encoding="utf-8"?>
+<file path=ppt/slides/slide36.xml><?xml version="1.0" encoding="utf-8"?>
 <p:sld xmlns:a="http://schemas.openxmlformats.org/drawingml/2006/main" xmlns:r="http://schemas.openxmlformats.org/officeDocument/2006/relationships" xmlns:p="http://schemas.openxmlformats.org/presentationml/2006/main">
   <p:cSld>
     <p:spTree>
@@ -13348,7 +13345,7 @@
 </p:sld>
 </file>
 
-<file path=ppt/slides/slide38.xml><?xml version="1.0" encoding="utf-8"?>
+<file path=ppt/slides/slide37.xml><?xml version="1.0" encoding="utf-8"?>
 <p:sld xmlns:a="http://schemas.openxmlformats.org/drawingml/2006/main" xmlns:r="http://schemas.openxmlformats.org/officeDocument/2006/relationships" xmlns:p="http://schemas.openxmlformats.org/presentationml/2006/main">
   <p:cSld>
     <p:spTree>
@@ -13453,7 +13450,7 @@
 </p:sld>
 </file>
 
-<file path=ppt/slides/slide39.xml><?xml version="1.0" encoding="utf-8"?>
+<file path=ppt/slides/slide38.xml><?xml version="1.0" encoding="utf-8"?>
 <p:sld xmlns:a="http://schemas.openxmlformats.org/drawingml/2006/main" xmlns:r="http://schemas.openxmlformats.org/officeDocument/2006/relationships" xmlns:p="http://schemas.openxmlformats.org/presentationml/2006/main">
   <p:cSld>
     <p:spTree>
@@ -14052,322 +14049,6 @@
 </file>
 
 <file path=ppt/slides/slide6.xml><?xml version="1.0" encoding="utf-8"?>
-<p:sld xmlns:a="http://schemas.openxmlformats.org/drawingml/2006/main" xmlns:r="http://schemas.openxmlformats.org/officeDocument/2006/relationships" xmlns:p="http://schemas.openxmlformats.org/presentationml/2006/main">
-  <p:cSld>
-    <p:spTree>
-      <p:nvGrpSpPr>
-        <p:cNvPr id="1" name="">
-          <a:extLst>
-            <a:ext uri="{FF2B5EF4-FFF2-40B4-BE49-F238E27FC236}">
-              <a16:creationId xmlns:a16="http://schemas.microsoft.com/office/drawing/2014/main" id="{104AFA6A-76AA-330A-9690-D5E87980D8FE}"/>
-            </a:ext>
-          </a:extLst>
-        </p:cNvPr>
-        <p:cNvGrpSpPr/>
-        <p:nvPr/>
-      </p:nvGrpSpPr>
-      <p:grpSpPr>
-        <a:xfrm>
-          <a:off x="0" y="0"/>
-          <a:ext cx="0" cy="0"/>
-          <a:chOff x="0" y="0"/>
-          <a:chExt cx="0" cy="0"/>
-        </a:xfrm>
-      </p:grpSpPr>
-      <p:sp>
-        <p:nvSpPr>
-          <p:cNvPr id="2" name="Titre 1">
-            <a:extLst>
-              <a:ext uri="{FF2B5EF4-FFF2-40B4-BE49-F238E27FC236}">
-                <a16:creationId xmlns:a16="http://schemas.microsoft.com/office/drawing/2014/main" id="{86DC3EC5-E775-763E-7517-AAD3BF34EB3C}"/>
-              </a:ext>
-            </a:extLst>
-          </p:cNvPr>
-          <p:cNvSpPr>
-            <a:spLocks noGrp="1"/>
-          </p:cNvSpPr>
-          <p:nvPr>
-            <p:ph type="title"/>
-          </p:nvPr>
-        </p:nvSpPr>
-        <p:spPr/>
-        <p:txBody>
-          <a:bodyPr/>
-          <a:lstStyle/>
-          <a:p>
-            <a:r>
-              <a:rPr lang="fr-CH" dirty="0"/>
-              <a:t>Introduction – Modèle de l’attaquant</a:t>
-            </a:r>
-          </a:p>
-        </p:txBody>
-      </p:sp>
-      <p:sp>
-        <p:nvSpPr>
-          <p:cNvPr id="3" name="Espace réservé du contenu 2">
-            <a:extLst>
-              <a:ext uri="{FF2B5EF4-FFF2-40B4-BE49-F238E27FC236}">
-                <a16:creationId xmlns:a16="http://schemas.microsoft.com/office/drawing/2014/main" id="{E2A3618D-5C43-93A0-5920-2F986E91A5EA}"/>
-              </a:ext>
-            </a:extLst>
-          </p:cNvPr>
-          <p:cNvSpPr>
-            <a:spLocks noGrp="1"/>
-          </p:cNvSpPr>
-          <p:nvPr>
-            <p:ph idx="1"/>
-          </p:nvPr>
-        </p:nvSpPr>
-        <p:spPr/>
-        <p:txBody>
-          <a:bodyPr/>
-          <a:lstStyle/>
-          <a:p>
-            <a:r>
-              <a:rPr lang="fr-CH" dirty="0"/>
-              <a:t>Une écoute passive</a:t>
-            </a:r>
-          </a:p>
-          <a:p>
-            <a:r>
-              <a:rPr lang="fr-CH" dirty="0"/>
-              <a:t>Une signature contenant une erreur collectée</a:t>
-            </a:r>
-          </a:p>
-          <a:p>
-            <a:endParaRPr lang="fr-CH" dirty="0"/>
-          </a:p>
-        </p:txBody>
-      </p:sp>
-      <p:pic>
-        <p:nvPicPr>
-          <p:cNvPr id="5" name="Picture 2">
-            <a:extLst>
-              <a:ext uri="{FF2B5EF4-FFF2-40B4-BE49-F238E27FC236}">
-                <a16:creationId xmlns:a16="http://schemas.microsoft.com/office/drawing/2014/main" id="{587523BA-94DC-A63A-89A4-10D0043C0161}"/>
-              </a:ext>
-            </a:extLst>
-          </p:cNvPr>
-          <p:cNvPicPr>
-            <a:picLocks noChangeAspect="1" noChangeArrowheads="1"/>
-          </p:cNvPicPr>
-          <p:nvPr/>
-        </p:nvPicPr>
-        <p:blipFill>
-          <a:blip r:embed="rId2">
-            <a:extLst>
-              <a:ext uri="{28A0092B-C50C-407E-A947-70E740481C1C}">
-                <a14:useLocalDpi xmlns:a14="http://schemas.microsoft.com/office/drawing/2010/main" val="0"/>
-              </a:ext>
-            </a:extLst>
-          </a:blip>
-          <a:srcRect/>
-          <a:stretch>
-            <a:fillRect/>
-          </a:stretch>
-        </p:blipFill>
-        <p:spPr bwMode="auto">
-          <a:xfrm>
-            <a:off x="180000" y="180000"/>
-            <a:ext cx="795955" cy="594915"/>
-          </a:xfrm>
-          <a:prstGeom prst="rect">
-            <a:avLst/>
-          </a:prstGeom>
-          <a:noFill/>
-          <a:extLst>
-            <a:ext uri="{909E8E84-426E-40DD-AFC4-6F175D3DCCD1}">
-              <a14:hiddenFill xmlns:a14="http://schemas.microsoft.com/office/drawing/2010/main">
-                <a:solidFill>
-                  <a:srgbClr val="FFFFFF"/>
-                </a:solidFill>
-              </a14:hiddenFill>
-            </a:ext>
-          </a:extLst>
-        </p:spPr>
-      </p:pic>
-    </p:spTree>
-    <p:extLst>
-      <p:ext uri="{BB962C8B-B14F-4D97-AF65-F5344CB8AC3E}">
-        <p14:creationId xmlns:p14="http://schemas.microsoft.com/office/powerpoint/2010/main" val="899168241"/>
-      </p:ext>
-    </p:extLst>
-  </p:cSld>
-  <p:clrMapOvr>
-    <a:masterClrMapping/>
-  </p:clrMapOvr>
-</p:sld>
-</file>
-
-<file path=ppt/slides/slide7.xml><?xml version="1.0" encoding="utf-8"?>
-<p:sld xmlns:a="http://schemas.openxmlformats.org/drawingml/2006/main" xmlns:r="http://schemas.openxmlformats.org/officeDocument/2006/relationships" xmlns:p="http://schemas.openxmlformats.org/presentationml/2006/main">
-  <p:cSld>
-    <p:spTree>
-      <p:nvGrpSpPr>
-        <p:cNvPr id="1" name=""/>
-        <p:cNvGrpSpPr/>
-        <p:nvPr/>
-      </p:nvGrpSpPr>
-      <p:grpSpPr>
-        <a:xfrm>
-          <a:off x="0" y="0"/>
-          <a:ext cx="0" cy="0"/>
-          <a:chOff x="0" y="0"/>
-          <a:chExt cx="0" cy="0"/>
-        </a:xfrm>
-      </p:grpSpPr>
-      <p:sp>
-        <p:nvSpPr>
-          <p:cNvPr id="2" name="Titre 1">
-            <a:extLst>
-              <a:ext uri="{FF2B5EF4-FFF2-40B4-BE49-F238E27FC236}">
-                <a16:creationId xmlns:a16="http://schemas.microsoft.com/office/drawing/2014/main" id="{ABCA9630-E3A4-01F1-DC02-8D11AE85A440}"/>
-              </a:ext>
-            </a:extLst>
-          </p:cNvPr>
-          <p:cNvSpPr>
-            <a:spLocks noGrp="1"/>
-          </p:cNvSpPr>
-          <p:nvPr>
-            <p:ph type="title"/>
-          </p:nvPr>
-        </p:nvSpPr>
-        <p:spPr/>
-        <p:txBody>
-          <a:bodyPr/>
-          <a:lstStyle/>
-          <a:p>
-            <a:r>
-              <a:rPr lang="fr-CH" dirty="0"/>
-              <a:t>Introduction – Récapitulatif</a:t>
-            </a:r>
-          </a:p>
-        </p:txBody>
-      </p:sp>
-      <p:sp>
-        <p:nvSpPr>
-          <p:cNvPr id="3" name="Espace réservé du contenu 2">
-            <a:extLst>
-              <a:ext uri="{FF2B5EF4-FFF2-40B4-BE49-F238E27FC236}">
-                <a16:creationId xmlns:a16="http://schemas.microsoft.com/office/drawing/2014/main" id="{68FF2868-1122-9061-B5E0-99459AB4AC21}"/>
-              </a:ext>
-            </a:extLst>
-          </p:cNvPr>
-          <p:cNvSpPr>
-            <a:spLocks noGrp="1"/>
-          </p:cNvSpPr>
-          <p:nvPr>
-            <p:ph idx="1"/>
-          </p:nvPr>
-        </p:nvSpPr>
-        <p:spPr/>
-        <p:txBody>
-          <a:bodyPr/>
-          <a:lstStyle/>
-          <a:p>
-            <a:r>
-              <a:rPr lang="fr-CH" dirty="0"/>
-              <a:t>Écoute passive de la communication</a:t>
-            </a:r>
-          </a:p>
-          <a:p>
-            <a:r>
-              <a:rPr lang="fr-CH" dirty="0"/>
-              <a:t>Protocole SSH, </a:t>
-            </a:r>
-            <a:r>
-              <a:rPr lang="fr-CH" dirty="0" err="1"/>
-              <a:t>IPsec</a:t>
-            </a:r>
-            <a:r>
-              <a:rPr lang="fr-CH" dirty="0"/>
-              <a:t> etc.</a:t>
-            </a:r>
-          </a:p>
-          <a:p>
-            <a:r>
-              <a:rPr lang="fr-CH" dirty="0"/>
-              <a:t>Signature calculée en utilisant le théorème des restes chinois</a:t>
-            </a:r>
-          </a:p>
-          <a:p>
-            <a:r>
-              <a:rPr lang="fr-CH" dirty="0"/>
-              <a:t>Une signature PKCS#1 V1.5 invalide</a:t>
-            </a:r>
-          </a:p>
-          <a:p>
-            <a:r>
-              <a:rPr lang="fr-CH" dirty="0"/>
-              <a:t>Pour un message inconnu</a:t>
-            </a:r>
-          </a:p>
-          <a:p>
-            <a:endParaRPr lang="fr-CH" dirty="0"/>
-          </a:p>
-        </p:txBody>
-      </p:sp>
-      <p:pic>
-        <p:nvPicPr>
-          <p:cNvPr id="4" name="Picture 2">
-            <a:extLst>
-              <a:ext uri="{FF2B5EF4-FFF2-40B4-BE49-F238E27FC236}">
-                <a16:creationId xmlns:a16="http://schemas.microsoft.com/office/drawing/2014/main" id="{71D6C14F-BBA6-7AC4-B641-95A9FAB699D8}"/>
-              </a:ext>
-            </a:extLst>
-          </p:cNvPr>
-          <p:cNvPicPr>
-            <a:picLocks noChangeAspect="1" noChangeArrowheads="1"/>
-          </p:cNvPicPr>
-          <p:nvPr/>
-        </p:nvPicPr>
-        <p:blipFill>
-          <a:blip r:embed="rId2">
-            <a:extLst>
-              <a:ext uri="{28A0092B-C50C-407E-A947-70E740481C1C}">
-                <a14:useLocalDpi xmlns:a14="http://schemas.microsoft.com/office/drawing/2010/main" val="0"/>
-              </a:ext>
-            </a:extLst>
-          </a:blip>
-          <a:srcRect/>
-          <a:stretch>
-            <a:fillRect/>
-          </a:stretch>
-        </p:blipFill>
-        <p:spPr bwMode="auto">
-          <a:xfrm>
-            <a:off x="180000" y="180000"/>
-            <a:ext cx="795955" cy="594915"/>
-          </a:xfrm>
-          <a:prstGeom prst="rect">
-            <a:avLst/>
-          </a:prstGeom>
-          <a:noFill/>
-          <a:extLst>
-            <a:ext uri="{909E8E84-426E-40DD-AFC4-6F175D3DCCD1}">
-              <a14:hiddenFill xmlns:a14="http://schemas.microsoft.com/office/drawing/2010/main">
-                <a:solidFill>
-                  <a:srgbClr val="FFFFFF"/>
-                </a:solidFill>
-              </a14:hiddenFill>
-            </a:ext>
-          </a:extLst>
-        </p:spPr>
-      </p:pic>
-    </p:spTree>
-    <p:extLst>
-      <p:ext uri="{BB962C8B-B14F-4D97-AF65-F5344CB8AC3E}">
-        <p14:creationId xmlns:p14="http://schemas.microsoft.com/office/powerpoint/2010/main" val="167832716"/>
-      </p:ext>
-    </p:extLst>
-  </p:cSld>
-  <p:clrMapOvr>
-    <a:masterClrMapping/>
-  </p:clrMapOvr>
-</p:sld>
-</file>
-
-<file path=ppt/slides/slide8.xml><?xml version="1.0" encoding="utf-8"?>
 <p:sld xmlns:a="http://schemas.openxmlformats.org/drawingml/2006/main" xmlns:r="http://schemas.openxmlformats.org/officeDocument/2006/relationships" xmlns:p="http://schemas.openxmlformats.org/presentationml/2006/main">
   <p:cSld>
     <p:spTree>
@@ -14736,7 +14417,7 @@
           <p:nvPr/>
         </p:nvPicPr>
         <p:blipFill>
-          <a:blip r:embed="rId2">
+          <a:blip r:embed="rId3">
             <a:extLst>
               <a:ext uri="{28A0092B-C50C-407E-A947-70E740481C1C}">
                 <a14:useLocalDpi xmlns:a14="http://schemas.microsoft.com/office/drawing/2010/main" val="0"/>
@@ -14781,7 +14462,155 @@
 </p:sld>
 </file>
 
-<file path=ppt/slides/slide9.xml><?xml version="1.0" encoding="utf-8"?>
+<file path=ppt/slides/slide7.xml><?xml version="1.0" encoding="utf-8"?>
+<p:sld xmlns:a="http://schemas.openxmlformats.org/drawingml/2006/main" xmlns:r="http://schemas.openxmlformats.org/officeDocument/2006/relationships" xmlns:p="http://schemas.openxmlformats.org/presentationml/2006/main">
+  <p:cSld>
+    <p:spTree>
+      <p:nvGrpSpPr>
+        <p:cNvPr id="1" name="">
+          <a:extLst>
+            <a:ext uri="{FF2B5EF4-FFF2-40B4-BE49-F238E27FC236}">
+              <a16:creationId xmlns:a16="http://schemas.microsoft.com/office/drawing/2014/main" id="{104AFA6A-76AA-330A-9690-D5E87980D8FE}"/>
+            </a:ext>
+          </a:extLst>
+        </p:cNvPr>
+        <p:cNvGrpSpPr/>
+        <p:nvPr/>
+      </p:nvGrpSpPr>
+      <p:grpSpPr>
+        <a:xfrm>
+          <a:off x="0" y="0"/>
+          <a:ext cx="0" cy="0"/>
+          <a:chOff x="0" y="0"/>
+          <a:chExt cx="0" cy="0"/>
+        </a:xfrm>
+      </p:grpSpPr>
+      <p:sp>
+        <p:nvSpPr>
+          <p:cNvPr id="2" name="Titre 1">
+            <a:extLst>
+              <a:ext uri="{FF2B5EF4-FFF2-40B4-BE49-F238E27FC236}">
+                <a16:creationId xmlns:a16="http://schemas.microsoft.com/office/drawing/2014/main" id="{86DC3EC5-E775-763E-7517-AAD3BF34EB3C}"/>
+              </a:ext>
+            </a:extLst>
+          </p:cNvPr>
+          <p:cNvSpPr>
+            <a:spLocks noGrp="1"/>
+          </p:cNvSpPr>
+          <p:nvPr>
+            <p:ph type="title"/>
+          </p:nvPr>
+        </p:nvSpPr>
+        <p:spPr/>
+        <p:txBody>
+          <a:bodyPr/>
+          <a:lstStyle/>
+          <a:p>
+            <a:r>
+              <a:rPr lang="fr-CH" dirty="0"/>
+              <a:t>Introduction – Modèle de l’attaquant</a:t>
+            </a:r>
+          </a:p>
+        </p:txBody>
+      </p:sp>
+      <p:sp>
+        <p:nvSpPr>
+          <p:cNvPr id="3" name="Espace réservé du contenu 2">
+            <a:extLst>
+              <a:ext uri="{FF2B5EF4-FFF2-40B4-BE49-F238E27FC236}">
+                <a16:creationId xmlns:a16="http://schemas.microsoft.com/office/drawing/2014/main" id="{E2A3618D-5C43-93A0-5920-2F986E91A5EA}"/>
+              </a:ext>
+            </a:extLst>
+          </p:cNvPr>
+          <p:cNvSpPr>
+            <a:spLocks noGrp="1"/>
+          </p:cNvSpPr>
+          <p:nvPr>
+            <p:ph idx="1"/>
+          </p:nvPr>
+        </p:nvSpPr>
+        <p:spPr/>
+        <p:txBody>
+          <a:bodyPr/>
+          <a:lstStyle/>
+          <a:p>
+            <a:r>
+              <a:rPr lang="fr-CH" dirty="0"/>
+              <a:t>Une écoute passive</a:t>
+            </a:r>
+          </a:p>
+          <a:p>
+            <a:r>
+              <a:rPr lang="fr-CH" dirty="0"/>
+              <a:t>Une signature contenant une erreur collectée</a:t>
+            </a:r>
+          </a:p>
+          <a:p>
+            <a:endParaRPr lang="fr-CH" dirty="0"/>
+          </a:p>
+        </p:txBody>
+      </p:sp>
+      <p:pic>
+        <p:nvPicPr>
+          <p:cNvPr id="5" name="Picture 2">
+            <a:extLst>
+              <a:ext uri="{FF2B5EF4-FFF2-40B4-BE49-F238E27FC236}">
+                <a16:creationId xmlns:a16="http://schemas.microsoft.com/office/drawing/2014/main" id="{587523BA-94DC-A63A-89A4-10D0043C0161}"/>
+              </a:ext>
+            </a:extLst>
+          </p:cNvPr>
+          <p:cNvPicPr>
+            <a:picLocks noChangeAspect="1" noChangeArrowheads="1"/>
+          </p:cNvPicPr>
+          <p:nvPr/>
+        </p:nvPicPr>
+        <p:blipFill>
+          <a:blip r:embed="rId2">
+            <a:extLst>
+              <a:ext uri="{28A0092B-C50C-407E-A947-70E740481C1C}">
+                <a14:useLocalDpi xmlns:a14="http://schemas.microsoft.com/office/drawing/2010/main" val="0"/>
+              </a:ext>
+            </a:extLst>
+          </a:blip>
+          <a:srcRect/>
+          <a:stretch>
+            <a:fillRect/>
+          </a:stretch>
+        </p:blipFill>
+        <p:spPr bwMode="auto">
+          <a:xfrm>
+            <a:off x="180000" y="180000"/>
+            <a:ext cx="795955" cy="594915"/>
+          </a:xfrm>
+          <a:prstGeom prst="rect">
+            <a:avLst/>
+          </a:prstGeom>
+          <a:noFill/>
+          <a:extLst>
+            <a:ext uri="{909E8E84-426E-40DD-AFC4-6F175D3DCCD1}">
+              <a14:hiddenFill xmlns:a14="http://schemas.microsoft.com/office/drawing/2010/main">
+                <a:solidFill>
+                  <a:srgbClr val="FFFFFF"/>
+                </a:solidFill>
+              </a14:hiddenFill>
+            </a:ext>
+          </a:extLst>
+        </p:spPr>
+      </p:pic>
+    </p:spTree>
+    <p:extLst>
+      <p:ext uri="{BB962C8B-B14F-4D97-AF65-F5344CB8AC3E}">
+        <p14:creationId xmlns:p14="http://schemas.microsoft.com/office/powerpoint/2010/main" val="899168241"/>
+      </p:ext>
+    </p:extLst>
+  </p:cSld>
+  <p:clrMapOvr>
+    <a:masterClrMapping/>
+  </p:clrMapOvr>
+</p:sld>
+</file>
+
+<file path=ppt/slides/slide8.xml><?xml version="1.0" encoding="utf-8"?>
 <p:sld xmlns:a="http://schemas.openxmlformats.org/drawingml/2006/main" xmlns:r="http://schemas.openxmlformats.org/officeDocument/2006/relationships" xmlns:p="http://schemas.openxmlformats.org/presentationml/2006/main">
   <p:cSld>
     <p:spTree>
@@ -14945,6 +14774,239 @@
     <p:extLst>
       <p:ext uri="{BB962C8B-B14F-4D97-AF65-F5344CB8AC3E}">
         <p14:creationId xmlns:p14="http://schemas.microsoft.com/office/powerpoint/2010/main" val="2792095449"/>
+      </p:ext>
+    </p:extLst>
+  </p:cSld>
+  <p:clrMapOvr>
+    <a:masterClrMapping/>
+  </p:clrMapOvr>
+</p:sld>
+</file>
+
+<file path=ppt/slides/slide9.xml><?xml version="1.0" encoding="utf-8"?>
+<p:sld xmlns:a="http://schemas.openxmlformats.org/drawingml/2006/main" xmlns:r="http://schemas.openxmlformats.org/officeDocument/2006/relationships" xmlns:p="http://schemas.openxmlformats.org/presentationml/2006/main">
+  <p:cSld>
+    <p:spTree>
+      <p:nvGrpSpPr>
+        <p:cNvPr id="1" name=""/>
+        <p:cNvGrpSpPr/>
+        <p:nvPr/>
+      </p:nvGrpSpPr>
+      <p:grpSpPr>
+        <a:xfrm>
+          <a:off x="0" y="0"/>
+          <a:ext cx="0" cy="0"/>
+          <a:chOff x="0" y="0"/>
+          <a:chExt cx="0" cy="0"/>
+        </a:xfrm>
+      </p:grpSpPr>
+      <p:sp>
+        <p:nvSpPr>
+          <p:cNvPr id="2" name="Titre 1">
+            <a:extLst>
+              <a:ext uri="{FF2B5EF4-FFF2-40B4-BE49-F238E27FC236}">
+                <a16:creationId xmlns:a16="http://schemas.microsoft.com/office/drawing/2014/main" id="{34DB7913-74D7-7837-652B-6F145847D8DA}"/>
+              </a:ext>
+            </a:extLst>
+          </p:cNvPr>
+          <p:cNvSpPr>
+            <a:spLocks noGrp="1"/>
+          </p:cNvSpPr>
+          <p:nvPr>
+            <p:ph type="title"/>
+          </p:nvPr>
+        </p:nvSpPr>
+        <p:spPr/>
+        <p:txBody>
+          <a:bodyPr/>
+          <a:lstStyle/>
+          <a:p>
+            <a:r>
+              <a:rPr lang="fr-CH" dirty="0"/>
+              <a:t>SSH - Protocole</a:t>
+            </a:r>
+          </a:p>
+        </p:txBody>
+      </p:sp>
+      <p:sp>
+        <p:nvSpPr>
+          <p:cNvPr id="3" name="Espace réservé du contenu 2">
+            <a:extLst>
+              <a:ext uri="{FF2B5EF4-FFF2-40B4-BE49-F238E27FC236}">
+                <a16:creationId xmlns:a16="http://schemas.microsoft.com/office/drawing/2014/main" id="{66D37A0F-FDE0-F063-4D79-9F2C94D0B35A}"/>
+              </a:ext>
+            </a:extLst>
+          </p:cNvPr>
+          <p:cNvSpPr>
+            <a:spLocks noGrp="1"/>
+          </p:cNvSpPr>
+          <p:nvPr>
+            <p:ph idx="1"/>
+          </p:nvPr>
+        </p:nvSpPr>
+        <p:spPr/>
+        <p:txBody>
+          <a:bodyPr>
+            <a:normAutofit lnSpcReduction="10000"/>
+          </a:bodyPr>
+          <a:lstStyle/>
+          <a:p>
+            <a:pPr marL="514350" indent="-514350">
+              <a:buFont typeface="+mj-lt"/>
+              <a:buAutoNum type="arabicPeriod"/>
+            </a:pPr>
+            <a:r>
+              <a:rPr lang="fr-CH" dirty="0"/>
+              <a:t>Connection du client</a:t>
+            </a:r>
+          </a:p>
+          <a:p>
+            <a:pPr marL="514350" indent="-514350">
+              <a:buFont typeface="+mj-lt"/>
+              <a:buAutoNum type="arabicPeriod"/>
+            </a:pPr>
+            <a:r>
+              <a:rPr lang="fr-CH" dirty="0"/>
+              <a:t>Négociation des algorithmes</a:t>
+            </a:r>
+          </a:p>
+          <a:p>
+            <a:pPr marL="514350" indent="-514350">
+              <a:buFont typeface="+mj-lt"/>
+              <a:buAutoNum type="arabicPeriod"/>
+            </a:pPr>
+            <a:r>
+              <a:rPr lang="fr-CH" dirty="0"/>
+              <a:t>Échange </a:t>
+            </a:r>
+            <a:r>
+              <a:rPr lang="fr-CH" dirty="0" err="1"/>
+              <a:t>Diffie</a:t>
+            </a:r>
+            <a:r>
+              <a:rPr lang="fr-CH" dirty="0"/>
+              <a:t>-Hellman</a:t>
+            </a:r>
+          </a:p>
+          <a:p>
+            <a:pPr marL="514350" indent="-514350">
+              <a:buFont typeface="+mj-lt"/>
+              <a:buAutoNum type="arabicPeriod"/>
+            </a:pPr>
+            <a:r>
+              <a:rPr lang="fr-CH" dirty="0"/>
+              <a:t>Le serveur signe le secret dérivé du D-H, les </a:t>
+            </a:r>
+            <a:r>
+              <a:rPr lang="fr-CH" dirty="0" err="1"/>
+              <a:t>cipher</a:t>
+            </a:r>
+            <a:r>
+              <a:rPr lang="fr-CH" dirty="0"/>
+              <a:t> suites, </a:t>
+            </a:r>
+            <a:r>
+              <a:rPr lang="fr-CH" dirty="0" err="1"/>
+              <a:t>l’id</a:t>
+            </a:r>
+            <a:r>
+              <a:rPr lang="fr-CH" dirty="0"/>
+              <a:t> client et serveur</a:t>
+            </a:r>
+          </a:p>
+          <a:p>
+            <a:pPr marL="514350" indent="-514350">
+              <a:buFont typeface="+mj-lt"/>
+              <a:buAutoNum type="arabicPeriod"/>
+            </a:pPr>
+            <a:r>
+              <a:rPr lang="fr-CH" dirty="0"/>
+              <a:t>Signature envoyée en clair</a:t>
+            </a:r>
+          </a:p>
+          <a:p>
+            <a:pPr marL="514350" indent="-514350">
+              <a:buFont typeface="+mj-lt"/>
+              <a:buAutoNum type="arabicPeriod"/>
+            </a:pPr>
+            <a:r>
+              <a:rPr lang="fr-CH" dirty="0"/>
+              <a:t>Vérification de la signature par le client</a:t>
+            </a:r>
+          </a:p>
+          <a:p>
+            <a:pPr marL="514350" indent="-514350">
+              <a:buFont typeface="+mj-lt"/>
+              <a:buAutoNum type="arabicPeriod"/>
+            </a:pPr>
+            <a:r>
+              <a:rPr lang="fr-CH" dirty="0"/>
+              <a:t>Établissement du canal chiffré</a:t>
+            </a:r>
+          </a:p>
+          <a:p>
+            <a:pPr marL="514350" indent="-514350">
+              <a:buFont typeface="+mj-lt"/>
+              <a:buAutoNum type="arabicPeriod"/>
+            </a:pPr>
+            <a:r>
+              <a:rPr lang="fr-CH" dirty="0"/>
+              <a:t>Authentification du client</a:t>
+            </a:r>
+          </a:p>
+        </p:txBody>
+      </p:sp>
+      <p:pic>
+        <p:nvPicPr>
+          <p:cNvPr id="4" name="Picture 2">
+            <a:extLst>
+              <a:ext uri="{FF2B5EF4-FFF2-40B4-BE49-F238E27FC236}">
+                <a16:creationId xmlns:a16="http://schemas.microsoft.com/office/drawing/2014/main" id="{CAE7CD4C-F43F-1117-6489-EB01D835CA13}"/>
+              </a:ext>
+            </a:extLst>
+          </p:cNvPr>
+          <p:cNvPicPr>
+            <a:picLocks noChangeAspect="1" noChangeArrowheads="1"/>
+          </p:cNvPicPr>
+          <p:nvPr/>
+        </p:nvPicPr>
+        <p:blipFill>
+          <a:blip r:embed="rId2">
+            <a:extLst>
+              <a:ext uri="{28A0092B-C50C-407E-A947-70E740481C1C}">
+                <a14:useLocalDpi xmlns:a14="http://schemas.microsoft.com/office/drawing/2010/main" val="0"/>
+              </a:ext>
+            </a:extLst>
+          </a:blip>
+          <a:srcRect/>
+          <a:stretch>
+            <a:fillRect/>
+          </a:stretch>
+        </p:blipFill>
+        <p:spPr bwMode="auto">
+          <a:xfrm>
+            <a:off x="180000" y="180000"/>
+            <a:ext cx="795955" cy="594915"/>
+          </a:xfrm>
+          <a:prstGeom prst="rect">
+            <a:avLst/>
+          </a:prstGeom>
+          <a:noFill/>
+          <a:extLst>
+            <a:ext uri="{909E8E84-426E-40DD-AFC4-6F175D3DCCD1}">
+              <a14:hiddenFill xmlns:a14="http://schemas.microsoft.com/office/drawing/2010/main">
+                <a:solidFill>
+                  <a:srgbClr val="FFFFFF"/>
+                </a:solidFill>
+              </a14:hiddenFill>
+            </a:ext>
+          </a:extLst>
+        </p:spPr>
+      </p:pic>
+    </p:spTree>
+    <p:extLst>
+      <p:ext uri="{BB962C8B-B14F-4D97-AF65-F5344CB8AC3E}">
+        <p14:creationId xmlns:p14="http://schemas.microsoft.com/office/powerpoint/2010/main" val="2074329008"/>
       </p:ext>
     </p:extLst>
   </p:cSld>
